--- a/poster/2024 eCTF Poster Template (copy).pptx
+++ b/poster/2024 eCTF Poster Template (copy).pptx
@@ -60,19 +60,148 @@
             <a:noAutofit/>
           </a:bodyPr>
           <a:p>
-            <a:r>
-              <a:rPr b="0" lang="en-US" sz="1800" spc="-1" strike="noStrike">
-                <a:solidFill>
-                  <a:srgbClr val="000000"/>
-                </a:solidFill>
-                <a:latin typeface="Arial"/>
-              </a:rPr>
-              <a:t>Click to move the slide</a:t>
-            </a:r>
-            <a:endParaRPr b="0" lang="en-US" sz="1800" spc="-1" strike="noStrike">
-              <a:solidFill>
-                <a:srgbClr val="000000"/>
-              </a:solidFill>
+            <a:pPr algn="ctr">
+              <a:buNone/>
+            </a:pPr>
+            <a:r>
+              <a:rPr b="0" lang="en-US" sz="4400" spc="-1" strike="noStrike">
+                <a:latin typeface="Arial"/>
+              </a:rPr>
+              <a:t>C</a:t>
+            </a:r>
+            <a:r>
+              <a:rPr b="0" lang="en-US" sz="4400" spc="-1" strike="noStrike">
+                <a:latin typeface="Arial"/>
+              </a:rPr>
+              <a:t>l</a:t>
+            </a:r>
+            <a:r>
+              <a:rPr b="0" lang="en-US" sz="4400" spc="-1" strike="noStrike">
+                <a:latin typeface="Arial"/>
+              </a:rPr>
+              <a:t>i</a:t>
+            </a:r>
+            <a:r>
+              <a:rPr b="0" lang="en-US" sz="4400" spc="-1" strike="noStrike">
+                <a:latin typeface="Arial"/>
+              </a:rPr>
+              <a:t>c</a:t>
+            </a:r>
+            <a:r>
+              <a:rPr b="0" lang="en-US" sz="4400" spc="-1" strike="noStrike">
+                <a:latin typeface="Arial"/>
+              </a:rPr>
+              <a:t>k</a:t>
+            </a:r>
+            <a:r>
+              <a:rPr b="0" lang="en-US" sz="4400" spc="-1" strike="noStrike">
+                <a:latin typeface="Arial"/>
+              </a:rPr>
+              <a:t> </a:t>
+            </a:r>
+            <a:r>
+              <a:rPr b="0" lang="en-US" sz="4400" spc="-1" strike="noStrike">
+                <a:latin typeface="Arial"/>
+              </a:rPr>
+              <a:t>t</a:t>
+            </a:r>
+            <a:r>
+              <a:rPr b="0" lang="en-US" sz="4400" spc="-1" strike="noStrike">
+                <a:latin typeface="Arial"/>
+              </a:rPr>
+              <a:t>o</a:t>
+            </a:r>
+            <a:r>
+              <a:rPr b="0" lang="en-US" sz="4400" spc="-1" strike="noStrike">
+                <a:latin typeface="Arial"/>
+              </a:rPr>
+              <a:t> </a:t>
+            </a:r>
+            <a:r>
+              <a:rPr b="0" lang="en-US" sz="4400" spc="-1" strike="noStrike">
+                <a:latin typeface="Arial"/>
+              </a:rPr>
+              <a:t>m</a:t>
+            </a:r>
+            <a:r>
+              <a:rPr b="0" lang="en-US" sz="4400" spc="-1" strike="noStrike">
+                <a:latin typeface="Arial"/>
+              </a:rPr>
+              <a:t>o</a:t>
+            </a:r>
+            <a:r>
+              <a:rPr b="0" lang="en-US" sz="4400" spc="-1" strike="noStrike">
+                <a:latin typeface="Arial"/>
+              </a:rPr>
+              <a:t>v</a:t>
+            </a:r>
+            <a:r>
+              <a:rPr b="0" lang="en-US" sz="4400" spc="-1" strike="noStrike">
+                <a:latin typeface="Arial"/>
+              </a:rPr>
+              <a:t>e</a:t>
+            </a:r>
+            <a:r>
+              <a:rPr b="0" lang="en-US" sz="4400" spc="-1" strike="noStrike">
+                <a:latin typeface="Arial"/>
+              </a:rPr>
+              <a:t> </a:t>
+            </a:r>
+            <a:r>
+              <a:rPr b="0" lang="en-US" sz="4400" spc="-1" strike="noStrike">
+                <a:latin typeface="Arial"/>
+              </a:rPr>
+              <a:t>t</a:t>
+            </a:r>
+            <a:r>
+              <a:rPr b="0" lang="en-US" sz="4400" spc="-1" strike="noStrike">
+                <a:latin typeface="Arial"/>
+              </a:rPr>
+              <a:t>h</a:t>
+            </a:r>
+            <a:r>
+              <a:rPr b="0" lang="en-US" sz="4400" spc="-1" strike="noStrike">
+                <a:latin typeface="Arial"/>
+              </a:rPr>
+              <a:t>e</a:t>
+            </a:r>
+            <a:r>
+              <a:rPr b="0" lang="en-US" sz="4400" spc="-1" strike="noStrike">
+                <a:latin typeface="Arial"/>
+              </a:rPr>
+              <a:t> </a:t>
+            </a:r>
+            <a:r>
+              <a:rPr b="0" lang="en-US" sz="4400" spc="-1" strike="noStrike">
+                <a:latin typeface="Arial"/>
+              </a:rPr>
+              <a:t>s</a:t>
+            </a:r>
+            <a:r>
+              <a:rPr b="0" lang="en-US" sz="4400" spc="-1" strike="noStrike">
+                <a:latin typeface="Arial"/>
+              </a:rPr>
+              <a:t>l</a:t>
+            </a:r>
+            <a:r>
+              <a:rPr b="0" lang="en-US" sz="4400" spc="-1" strike="noStrike">
+                <a:latin typeface="Arial"/>
+              </a:rPr>
+              <a:t>i</a:t>
+            </a:r>
+            <a:r>
+              <a:rPr b="0" lang="en-US" sz="4400" spc="-1" strike="noStrike">
+                <a:latin typeface="Arial"/>
+              </a:rPr>
+              <a:t>d</a:t>
+            </a:r>
+            <a:r>
+              <a:rPr b="0" lang="en-US" sz="4400" spc="-1" strike="noStrike">
+                <a:latin typeface="Arial"/>
+              </a:rPr>
+              <a:t>e</a:t>
+            </a:r>
+            <a:endParaRPr b="0" lang="en-US" sz="4400" spc="-1" strike="noStrike">
               <a:latin typeface="Arial"/>
             </a:endParaRPr>
           </a:p>
@@ -295,7 +424,7 @@
             <a:pPr algn="r">
               <a:buNone/>
             </a:pPr>
-            <a:fld id="{43974AB6-75F5-4921-B7EB-5B4462F61437}" type="slidenum">
+            <a:fld id="{0E9DBB24-04B8-438D-AB1F-DDF92C1C774E}" type="slidenum">
               <a:rPr b="0" lang="en-US" sz="1400" spc="-1" strike="noStrike">
                 <a:latin typeface="Times New Roman"/>
               </a:rPr>
@@ -332,7 +461,7 @@
       </p:grpSpPr>
       <p:sp>
         <p:nvSpPr>
-          <p:cNvPr id="63" name="PlaceHolder 1"/>
+          <p:cNvPr id="66" name="PlaceHolder 1"/>
           <p:cNvSpPr>
             <a:spLocks noGrp="1"/>
           </p:cNvSpPr>
@@ -343,7 +472,7 @@
         <p:spPr>
           <a:xfrm>
             <a:off x="2271600" y="1143000"/>
-            <a:ext cx="2314080" cy="3085920"/>
+            <a:ext cx="2313720" cy="3085560"/>
           </a:xfrm>
           <a:prstGeom prst="rect">
             <a:avLst/>
@@ -355,7 +484,7 @@
       </p:sp>
       <p:sp>
         <p:nvSpPr>
-          <p:cNvPr id="64" name="PlaceHolder 2"/>
+          <p:cNvPr id="67" name="PlaceHolder 2"/>
           <p:cNvSpPr>
             <a:spLocks noGrp="1"/>
           </p:cNvSpPr>
@@ -366,7 +495,7 @@
         <p:spPr>
           <a:xfrm>
             <a:off x="685800" y="4400640"/>
-            <a:ext cx="5486040" cy="3600000"/>
+            <a:ext cx="5485680" cy="3599640"/>
           </a:xfrm>
           <a:prstGeom prst="rect">
             <a:avLst/>
@@ -377,7 +506,7 @@
           </a:ln>
         </p:spPr>
         <p:txBody>
-          <a:bodyPr anchor="t">
+          <a:bodyPr lIns="0" rIns="0" tIns="0" bIns="0" anchor="t">
             <a:noAutofit/>
           </a:bodyPr>
           <a:p>
@@ -389,7 +518,7 @@
       </p:sp>
       <p:sp>
         <p:nvSpPr>
-          <p:cNvPr id="65" name="PlaceHolder 3"/>
+          <p:cNvPr id="68" name="PlaceHolder 3"/>
           <p:cNvSpPr>
             <a:spLocks noGrp="1"/>
           </p:cNvSpPr>
@@ -400,7 +529,7 @@
         <p:spPr>
           <a:xfrm>
             <a:off x="3884760" y="8685360"/>
-            <a:ext cx="2971440" cy="458280"/>
+            <a:ext cx="2971080" cy="457920"/>
           </a:xfrm>
           <a:prstGeom prst="rect">
             <a:avLst/>
@@ -411,7 +540,7 @@
           </a:ln>
         </p:spPr>
         <p:txBody>
-          <a:bodyPr anchor="b">
+          <a:bodyPr lIns="0" rIns="0" tIns="0" bIns="0" anchor="b">
             <a:noAutofit/>
           </a:bodyPr>
           <a:lstStyle>
@@ -432,7 +561,7 @@
               </a:lnSpc>
               <a:buNone/>
             </a:pPr>
-            <a:fld id="{C2C0C024-7063-4B64-B75D-0E9CC68FAABC}" type="slidenum">
+            <a:fld id="{0AA58624-C58C-42BA-A887-82CE825BD04F}" type="slidenum">
               <a:rPr b="0" lang="en-US" sz="1200" spc="-1" strike="noStrike">
                 <a:latin typeface="Times New Roman"/>
               </a:rPr>
@@ -473,7 +602,7 @@
             <a:spLocks noGrp="1"/>
           </p:cNvSpPr>
           <p:nvPr>
-            <p:ph type="ftr" idx="2"/>
+            <p:ph type="ftr" idx="1"/>
           </p:nvPr>
         </p:nvSpPr>
         <p:spPr/>
@@ -493,14 +622,14 @@
             <a:spLocks noGrp="1"/>
           </p:cNvSpPr>
           <p:nvPr>
-            <p:ph type="sldNum" idx="3"/>
+            <p:ph type="sldNum" idx="2"/>
           </p:nvPr>
         </p:nvSpPr>
         <p:spPr/>
         <p:txBody>
           <a:bodyPr/>
           <a:p>
-            <a:fld id="{C354CF87-9651-457F-B8F9-7B42F3965220}" type="slidenum">
+            <a:fld id="{606E2146-611C-4560-8473-760FCDF4A017}" type="slidenum">
               <a:t>&lt;#&gt;</a:t>
             </a:fld>
           </a:p>
@@ -513,7 +642,7 @@
             <a:spLocks noGrp="1"/>
           </p:cNvSpPr>
           <p:nvPr>
-            <p:ph type="dt" idx="1"/>
+            <p:ph type="dt" idx="3"/>
           </p:nvPr>
         </p:nvSpPr>
         <p:spPr/>
@@ -562,7 +691,7 @@
         <p:spPr>
           <a:xfrm>
             <a:off x="1234440" y="3591720"/>
-            <a:ext cx="13989960" cy="7639920"/>
+            <a:ext cx="13989600" cy="7639560"/>
           </a:xfrm>
           <a:prstGeom prst="rect">
             <a:avLst/>
@@ -577,10 +706,10 @@
             <a:noAutofit/>
           </a:bodyPr>
           <a:p>
-            <a:endParaRPr b="0" lang="en-US" sz="1800" spc="-1" strike="noStrike">
-              <a:solidFill>
-                <a:srgbClr val="000000"/>
-              </a:solidFill>
+            <a:pPr algn="ctr">
+              <a:buNone/>
+            </a:pPr>
+            <a:endParaRPr b="0" lang="en-US" sz="4400" spc="-1" strike="noStrike">
               <a:latin typeface="Arial"/>
             </a:endParaRPr>
           </a:p>
@@ -614,19 +743,7 @@
             <a:normAutofit/>
           </a:bodyPr>
           <a:p>
-            <a:pPr>
-              <a:lnSpc>
-                <a:spcPct val="90000"/>
-              </a:lnSpc>
-              <a:spcBef>
-                <a:spcPts val="1417"/>
-              </a:spcBef>
-              <a:buNone/>
-            </a:pPr>
-            <a:endParaRPr b="0" lang="en-US" sz="5040" spc="-1" strike="noStrike">
-              <a:solidFill>
-                <a:srgbClr val="000000"/>
-              </a:solidFill>
+            <a:endParaRPr b="0" lang="en-US" sz="3200" spc="-1" strike="noStrike">
               <a:latin typeface="Arial"/>
             </a:endParaRPr>
           </a:p>
@@ -660,19 +777,7 @@
             <a:normAutofit/>
           </a:bodyPr>
           <a:p>
-            <a:pPr>
-              <a:lnSpc>
-                <a:spcPct val="90000"/>
-              </a:lnSpc>
-              <a:spcBef>
-                <a:spcPts val="1417"/>
-              </a:spcBef>
-              <a:buNone/>
-            </a:pPr>
-            <a:endParaRPr b="0" lang="en-US" sz="5040" spc="-1" strike="noStrike">
-              <a:solidFill>
-                <a:srgbClr val="000000"/>
-              </a:solidFill>
+            <a:endParaRPr b="0" lang="en-US" sz="3200" spc="-1" strike="noStrike">
               <a:latin typeface="Arial"/>
             </a:endParaRPr>
           </a:p>
@@ -685,7 +790,7 @@
             <a:spLocks noGrp="1"/>
           </p:cNvSpPr>
           <p:nvPr>
-            <p:ph type="ftr" idx="2"/>
+            <p:ph type="ftr" idx="1"/>
           </p:nvPr>
         </p:nvSpPr>
         <p:spPr/>
@@ -705,14 +810,14 @@
             <a:spLocks noGrp="1"/>
           </p:cNvSpPr>
           <p:nvPr>
-            <p:ph type="sldNum" idx="3"/>
+            <p:ph type="sldNum" idx="2"/>
           </p:nvPr>
         </p:nvSpPr>
         <p:spPr/>
         <p:txBody>
           <a:bodyPr/>
           <a:p>
-            <a:fld id="{73B92D7A-4660-43F7-A4AE-8DB2169835C3}" type="slidenum">
+            <a:fld id="{356CB199-7316-40A1-BBCF-4976A376CCC1}" type="slidenum">
               <a:t>&lt;#&gt;</a:t>
             </a:fld>
           </a:p>
@@ -725,7 +830,7 @@
             <a:spLocks noGrp="1"/>
           </p:cNvSpPr>
           <p:nvPr>
-            <p:ph type="dt" idx="1"/>
+            <p:ph type="dt" idx="3"/>
           </p:nvPr>
         </p:nvSpPr>
         <p:spPr/>
@@ -774,7 +879,7 @@
         <p:spPr>
           <a:xfrm>
             <a:off x="1234440" y="3591720"/>
-            <a:ext cx="13989960" cy="7639920"/>
+            <a:ext cx="13989600" cy="7639560"/>
           </a:xfrm>
           <a:prstGeom prst="rect">
             <a:avLst/>
@@ -789,10 +894,10 @@
             <a:noAutofit/>
           </a:bodyPr>
           <a:p>
-            <a:endParaRPr b="0" lang="en-US" sz="1800" spc="-1" strike="noStrike">
-              <a:solidFill>
-                <a:srgbClr val="000000"/>
-              </a:solidFill>
+            <a:pPr algn="ctr">
+              <a:buNone/>
+            </a:pPr>
+            <a:endParaRPr b="0" lang="en-US" sz="4400" spc="-1" strike="noStrike">
               <a:latin typeface="Arial"/>
             </a:endParaRPr>
           </a:p>
@@ -826,19 +931,7 @@
             <a:normAutofit/>
           </a:bodyPr>
           <a:p>
-            <a:pPr>
-              <a:lnSpc>
-                <a:spcPct val="90000"/>
-              </a:lnSpc>
-              <a:spcBef>
-                <a:spcPts val="1417"/>
-              </a:spcBef>
-              <a:buNone/>
-            </a:pPr>
-            <a:endParaRPr b="0" lang="en-US" sz="5040" spc="-1" strike="noStrike">
-              <a:solidFill>
-                <a:srgbClr val="000000"/>
-              </a:solidFill>
+            <a:endParaRPr b="0" lang="en-US" sz="3200" spc="-1" strike="noStrike">
               <a:latin typeface="Arial"/>
             </a:endParaRPr>
           </a:p>
@@ -872,19 +965,7 @@
             <a:normAutofit/>
           </a:bodyPr>
           <a:p>
-            <a:pPr>
-              <a:lnSpc>
-                <a:spcPct val="90000"/>
-              </a:lnSpc>
-              <a:spcBef>
-                <a:spcPts val="1417"/>
-              </a:spcBef>
-              <a:buNone/>
-            </a:pPr>
-            <a:endParaRPr b="0" lang="en-US" sz="5040" spc="-1" strike="noStrike">
-              <a:solidFill>
-                <a:srgbClr val="000000"/>
-              </a:solidFill>
+            <a:endParaRPr b="0" lang="en-US" sz="3200" spc="-1" strike="noStrike">
               <a:latin typeface="Arial"/>
             </a:endParaRPr>
           </a:p>
@@ -918,19 +999,7 @@
             <a:normAutofit/>
           </a:bodyPr>
           <a:p>
-            <a:pPr>
-              <a:lnSpc>
-                <a:spcPct val="90000"/>
-              </a:lnSpc>
-              <a:spcBef>
-                <a:spcPts val="1417"/>
-              </a:spcBef>
-              <a:buNone/>
-            </a:pPr>
-            <a:endParaRPr b="0" lang="en-US" sz="5040" spc="-1" strike="noStrike">
-              <a:solidFill>
-                <a:srgbClr val="000000"/>
-              </a:solidFill>
+            <a:endParaRPr b="0" lang="en-US" sz="3200" spc="-1" strike="noStrike">
               <a:latin typeface="Arial"/>
             </a:endParaRPr>
           </a:p>
@@ -964,19 +1033,7 @@
             <a:normAutofit/>
           </a:bodyPr>
           <a:p>
-            <a:pPr>
-              <a:lnSpc>
-                <a:spcPct val="90000"/>
-              </a:lnSpc>
-              <a:spcBef>
-                <a:spcPts val="1417"/>
-              </a:spcBef>
-              <a:buNone/>
-            </a:pPr>
-            <a:endParaRPr b="0" lang="en-US" sz="5040" spc="-1" strike="noStrike">
-              <a:solidFill>
-                <a:srgbClr val="000000"/>
-              </a:solidFill>
+            <a:endParaRPr b="0" lang="en-US" sz="3200" spc="-1" strike="noStrike">
               <a:latin typeface="Arial"/>
             </a:endParaRPr>
           </a:p>
@@ -989,7 +1046,7 @@
             <a:spLocks noGrp="1"/>
           </p:cNvSpPr>
           <p:nvPr>
-            <p:ph type="ftr" idx="2"/>
+            <p:ph type="ftr" idx="1"/>
           </p:nvPr>
         </p:nvSpPr>
         <p:spPr/>
@@ -1009,14 +1066,14 @@
             <a:spLocks noGrp="1"/>
           </p:cNvSpPr>
           <p:nvPr>
-            <p:ph type="sldNum" idx="3"/>
+            <p:ph type="sldNum" idx="2"/>
           </p:nvPr>
         </p:nvSpPr>
         <p:spPr/>
         <p:txBody>
           <a:bodyPr/>
           <a:p>
-            <a:fld id="{4DF0EA7D-98D9-4E59-A154-629420F48ECC}" type="slidenum">
+            <a:fld id="{81841DE3-C3A9-4884-A6AC-0F062C04BADB}" type="slidenum">
               <a:t>&lt;#&gt;</a:t>
             </a:fld>
           </a:p>
@@ -1029,7 +1086,7 @@
             <a:spLocks noGrp="1"/>
           </p:cNvSpPr>
           <p:nvPr>
-            <p:ph type="dt" idx="1"/>
+            <p:ph type="dt" idx="3"/>
           </p:nvPr>
         </p:nvSpPr>
         <p:spPr/>
@@ -1078,7 +1135,7 @@
         <p:spPr>
           <a:xfrm>
             <a:off x="1234440" y="3591720"/>
-            <a:ext cx="13989960" cy="7639920"/>
+            <a:ext cx="13989600" cy="7639560"/>
           </a:xfrm>
           <a:prstGeom prst="rect">
             <a:avLst/>
@@ -1093,10 +1150,10 @@
             <a:noAutofit/>
           </a:bodyPr>
           <a:p>
-            <a:endParaRPr b="0" lang="en-US" sz="1800" spc="-1" strike="noStrike">
-              <a:solidFill>
-                <a:srgbClr val="000000"/>
-              </a:solidFill>
+            <a:pPr algn="ctr">
+              <a:buNone/>
+            </a:pPr>
+            <a:endParaRPr b="0" lang="en-US" sz="4400" spc="-1" strike="noStrike">
               <a:latin typeface="Arial"/>
             </a:endParaRPr>
           </a:p>
@@ -1130,19 +1187,7 @@
             <a:normAutofit/>
           </a:bodyPr>
           <a:p>
-            <a:pPr>
-              <a:lnSpc>
-                <a:spcPct val="90000"/>
-              </a:lnSpc>
-              <a:spcBef>
-                <a:spcPts val="1417"/>
-              </a:spcBef>
-              <a:buNone/>
-            </a:pPr>
-            <a:endParaRPr b="0" lang="en-US" sz="5040" spc="-1" strike="noStrike">
-              <a:solidFill>
-                <a:srgbClr val="000000"/>
-              </a:solidFill>
+            <a:endParaRPr b="0" lang="en-US" sz="3200" spc="-1" strike="noStrike">
               <a:latin typeface="Arial"/>
             </a:endParaRPr>
           </a:p>
@@ -1176,19 +1221,7 @@
             <a:normAutofit/>
           </a:bodyPr>
           <a:p>
-            <a:pPr>
-              <a:lnSpc>
-                <a:spcPct val="90000"/>
-              </a:lnSpc>
-              <a:spcBef>
-                <a:spcPts val="1417"/>
-              </a:spcBef>
-              <a:buNone/>
-            </a:pPr>
-            <a:endParaRPr b="0" lang="en-US" sz="5040" spc="-1" strike="noStrike">
-              <a:solidFill>
-                <a:srgbClr val="000000"/>
-              </a:solidFill>
+            <a:endParaRPr b="0" lang="en-US" sz="3200" spc="-1" strike="noStrike">
               <a:latin typeface="Arial"/>
             </a:endParaRPr>
           </a:p>
@@ -1222,19 +1255,7 @@
             <a:normAutofit/>
           </a:bodyPr>
           <a:p>
-            <a:pPr>
-              <a:lnSpc>
-                <a:spcPct val="90000"/>
-              </a:lnSpc>
-              <a:spcBef>
-                <a:spcPts val="1417"/>
-              </a:spcBef>
-              <a:buNone/>
-            </a:pPr>
-            <a:endParaRPr b="0" lang="en-US" sz="5040" spc="-1" strike="noStrike">
-              <a:solidFill>
-                <a:srgbClr val="000000"/>
-              </a:solidFill>
+            <a:endParaRPr b="0" lang="en-US" sz="3200" spc="-1" strike="noStrike">
               <a:latin typeface="Arial"/>
             </a:endParaRPr>
           </a:p>
@@ -1268,19 +1289,7 @@
             <a:normAutofit/>
           </a:bodyPr>
           <a:p>
-            <a:pPr>
-              <a:lnSpc>
-                <a:spcPct val="90000"/>
-              </a:lnSpc>
-              <a:spcBef>
-                <a:spcPts val="1417"/>
-              </a:spcBef>
-              <a:buNone/>
-            </a:pPr>
-            <a:endParaRPr b="0" lang="en-US" sz="5040" spc="-1" strike="noStrike">
-              <a:solidFill>
-                <a:srgbClr val="000000"/>
-              </a:solidFill>
+            <a:endParaRPr b="0" lang="en-US" sz="3200" spc="-1" strike="noStrike">
               <a:latin typeface="Arial"/>
             </a:endParaRPr>
           </a:p>
@@ -1314,19 +1323,7 @@
             <a:normAutofit/>
           </a:bodyPr>
           <a:p>
-            <a:pPr>
-              <a:lnSpc>
-                <a:spcPct val="90000"/>
-              </a:lnSpc>
-              <a:spcBef>
-                <a:spcPts val="1417"/>
-              </a:spcBef>
-              <a:buNone/>
-            </a:pPr>
-            <a:endParaRPr b="0" lang="en-US" sz="5040" spc="-1" strike="noStrike">
-              <a:solidFill>
-                <a:srgbClr val="000000"/>
-              </a:solidFill>
+            <a:endParaRPr b="0" lang="en-US" sz="3200" spc="-1" strike="noStrike">
               <a:latin typeface="Arial"/>
             </a:endParaRPr>
           </a:p>
@@ -1360,19 +1357,7 @@
             <a:normAutofit/>
           </a:bodyPr>
           <a:p>
-            <a:pPr>
-              <a:lnSpc>
-                <a:spcPct val="90000"/>
-              </a:lnSpc>
-              <a:spcBef>
-                <a:spcPts val="1417"/>
-              </a:spcBef>
-              <a:buNone/>
-            </a:pPr>
-            <a:endParaRPr b="0" lang="en-US" sz="5040" spc="-1" strike="noStrike">
-              <a:solidFill>
-                <a:srgbClr val="000000"/>
-              </a:solidFill>
+            <a:endParaRPr b="0" lang="en-US" sz="3200" spc="-1" strike="noStrike">
               <a:latin typeface="Arial"/>
             </a:endParaRPr>
           </a:p>
@@ -1385,7 +1370,7 @@
             <a:spLocks noGrp="1"/>
           </p:cNvSpPr>
           <p:nvPr>
-            <p:ph type="ftr" idx="2"/>
+            <p:ph type="ftr" idx="1"/>
           </p:nvPr>
         </p:nvSpPr>
         <p:spPr/>
@@ -1405,14 +1390,14 @@
             <a:spLocks noGrp="1"/>
           </p:cNvSpPr>
           <p:nvPr>
-            <p:ph type="sldNum" idx="3"/>
+            <p:ph type="sldNum" idx="2"/>
           </p:nvPr>
         </p:nvSpPr>
         <p:spPr/>
         <p:txBody>
           <a:bodyPr/>
           <a:p>
-            <a:fld id="{76D872F2-9B8E-4E37-9DBA-65C630A6FB85}" type="slidenum">
+            <a:fld id="{24702627-6E75-4557-868B-A1ABA66616C5}" type="slidenum">
               <a:t>&lt;#&gt;</a:t>
             </a:fld>
           </a:p>
@@ -1425,7 +1410,7 @@
             <a:spLocks noGrp="1"/>
           </p:cNvSpPr>
           <p:nvPr>
-            <p:ph type="dt" idx="1"/>
+            <p:ph type="dt" idx="3"/>
           </p:nvPr>
         </p:nvSpPr>
         <p:spPr/>
@@ -1474,7 +1459,7 @@
         <p:spPr>
           <a:xfrm>
             <a:off x="1234440" y="3591720"/>
-            <a:ext cx="13989960" cy="7639920"/>
+            <a:ext cx="13989600" cy="7639560"/>
           </a:xfrm>
           <a:prstGeom prst="rect">
             <a:avLst/>
@@ -1489,10 +1474,10 @@
             <a:noAutofit/>
           </a:bodyPr>
           <a:p>
-            <a:endParaRPr b="0" lang="en-US" sz="1800" spc="-1" strike="noStrike">
-              <a:solidFill>
-                <a:srgbClr val="000000"/>
-              </a:solidFill>
+            <a:pPr algn="ctr">
+              <a:buNone/>
+            </a:pPr>
+            <a:endParaRPr b="0" lang="en-US" sz="4400" spc="-1" strike="noStrike">
               <a:latin typeface="Arial"/>
             </a:endParaRPr>
           </a:p>
@@ -1542,7 +1527,7 @@
             <a:spLocks noGrp="1"/>
           </p:cNvSpPr>
           <p:nvPr>
-            <p:ph type="ftr" idx="2"/>
+            <p:ph type="ftr" idx="1"/>
           </p:nvPr>
         </p:nvSpPr>
         <p:spPr/>
@@ -1562,14 +1547,14 @@
             <a:spLocks noGrp="1"/>
           </p:cNvSpPr>
           <p:nvPr>
-            <p:ph type="sldNum" idx="3"/>
+            <p:ph type="sldNum" idx="2"/>
           </p:nvPr>
         </p:nvSpPr>
         <p:spPr/>
         <p:txBody>
           <a:bodyPr/>
           <a:p>
-            <a:fld id="{67D94755-E768-4B96-B493-A29CF180C0E8}" type="slidenum">
+            <a:fld id="{7B36F983-9963-4B3C-9B1D-75F1A28C708B}" type="slidenum">
               <a:t>&lt;#&gt;</a:t>
             </a:fld>
           </a:p>
@@ -1582,7 +1567,7 @@
             <a:spLocks noGrp="1"/>
           </p:cNvSpPr>
           <p:nvPr>
-            <p:ph type="dt" idx="1"/>
+            <p:ph type="dt" idx="3"/>
           </p:nvPr>
         </p:nvSpPr>
         <p:spPr/>
@@ -1631,7 +1616,7 @@
         <p:spPr>
           <a:xfrm>
             <a:off x="1234440" y="3591720"/>
-            <a:ext cx="13989960" cy="7639920"/>
+            <a:ext cx="13989600" cy="7639560"/>
           </a:xfrm>
           <a:prstGeom prst="rect">
             <a:avLst/>
@@ -1646,10 +1631,10 @@
             <a:noAutofit/>
           </a:bodyPr>
           <a:p>
-            <a:endParaRPr b="0" lang="en-US" sz="1800" spc="-1" strike="noStrike">
-              <a:solidFill>
-                <a:srgbClr val="000000"/>
-              </a:solidFill>
+            <a:pPr algn="ctr">
+              <a:buNone/>
+            </a:pPr>
+            <a:endParaRPr b="0" lang="en-US" sz="4400" spc="-1" strike="noStrike">
               <a:latin typeface="Arial"/>
             </a:endParaRPr>
           </a:p>
@@ -1683,19 +1668,7 @@
             <a:normAutofit/>
           </a:bodyPr>
           <a:p>
-            <a:pPr>
-              <a:lnSpc>
-                <a:spcPct val="90000"/>
-              </a:lnSpc>
-              <a:spcBef>
-                <a:spcPts val="1417"/>
-              </a:spcBef>
-              <a:buNone/>
-            </a:pPr>
-            <a:endParaRPr b="0" lang="en-US" sz="5040" spc="-1" strike="noStrike">
-              <a:solidFill>
-                <a:srgbClr val="000000"/>
-              </a:solidFill>
+            <a:endParaRPr b="0" lang="en-US" sz="3200" spc="-1" strike="noStrike">
               <a:latin typeface="Arial"/>
             </a:endParaRPr>
           </a:p>
@@ -1708,7 +1681,7 @@
             <a:spLocks noGrp="1"/>
           </p:cNvSpPr>
           <p:nvPr>
-            <p:ph type="ftr" idx="2"/>
+            <p:ph type="ftr" idx="1"/>
           </p:nvPr>
         </p:nvSpPr>
         <p:spPr/>
@@ -1728,14 +1701,14 @@
             <a:spLocks noGrp="1"/>
           </p:cNvSpPr>
           <p:nvPr>
-            <p:ph type="sldNum" idx="3"/>
+            <p:ph type="sldNum" idx="2"/>
           </p:nvPr>
         </p:nvSpPr>
         <p:spPr/>
         <p:txBody>
           <a:bodyPr/>
           <a:p>
-            <a:fld id="{DFCFB0B6-685E-43DD-A80E-35BDA81C6F31}" type="slidenum">
+            <a:fld id="{479F1A4B-49C8-4AF3-9292-13CE60DA7C94}" type="slidenum">
               <a:t>&lt;#&gt;</a:t>
             </a:fld>
           </a:p>
@@ -1748,7 +1721,7 @@
             <a:spLocks noGrp="1"/>
           </p:cNvSpPr>
           <p:nvPr>
-            <p:ph type="dt" idx="1"/>
+            <p:ph type="dt" idx="3"/>
           </p:nvPr>
         </p:nvSpPr>
         <p:spPr/>
@@ -1797,7 +1770,7 @@
         <p:spPr>
           <a:xfrm>
             <a:off x="1234440" y="3591720"/>
-            <a:ext cx="13989960" cy="7639920"/>
+            <a:ext cx="13989600" cy="7639560"/>
           </a:xfrm>
           <a:prstGeom prst="rect">
             <a:avLst/>
@@ -1812,10 +1785,10 @@
             <a:noAutofit/>
           </a:bodyPr>
           <a:p>
-            <a:endParaRPr b="0" lang="en-US" sz="1800" spc="-1" strike="noStrike">
-              <a:solidFill>
-                <a:srgbClr val="000000"/>
-              </a:solidFill>
+            <a:pPr algn="ctr">
+              <a:buNone/>
+            </a:pPr>
+            <a:endParaRPr b="0" lang="en-US" sz="4400" spc="-1" strike="noStrike">
               <a:latin typeface="Arial"/>
             </a:endParaRPr>
           </a:p>
@@ -1849,19 +1822,7 @@
             <a:normAutofit/>
           </a:bodyPr>
           <a:p>
-            <a:pPr>
-              <a:lnSpc>
-                <a:spcPct val="90000"/>
-              </a:lnSpc>
-              <a:spcBef>
-                <a:spcPts val="1417"/>
-              </a:spcBef>
-              <a:buNone/>
-            </a:pPr>
-            <a:endParaRPr b="0" lang="en-US" sz="5040" spc="-1" strike="noStrike">
-              <a:solidFill>
-                <a:srgbClr val="000000"/>
-              </a:solidFill>
+            <a:endParaRPr b="0" lang="en-US" sz="3200" spc="-1" strike="noStrike">
               <a:latin typeface="Arial"/>
             </a:endParaRPr>
           </a:p>
@@ -1895,19 +1856,7 @@
             <a:normAutofit/>
           </a:bodyPr>
           <a:p>
-            <a:pPr>
-              <a:lnSpc>
-                <a:spcPct val="90000"/>
-              </a:lnSpc>
-              <a:spcBef>
-                <a:spcPts val="1417"/>
-              </a:spcBef>
-              <a:buNone/>
-            </a:pPr>
-            <a:endParaRPr b="0" lang="en-US" sz="5040" spc="-1" strike="noStrike">
-              <a:solidFill>
-                <a:srgbClr val="000000"/>
-              </a:solidFill>
+            <a:endParaRPr b="0" lang="en-US" sz="3200" spc="-1" strike="noStrike">
               <a:latin typeface="Arial"/>
             </a:endParaRPr>
           </a:p>
@@ -1920,7 +1869,7 @@
             <a:spLocks noGrp="1"/>
           </p:cNvSpPr>
           <p:nvPr>
-            <p:ph type="ftr" idx="2"/>
+            <p:ph type="ftr" idx="1"/>
           </p:nvPr>
         </p:nvSpPr>
         <p:spPr/>
@@ -1940,14 +1889,14 @@
             <a:spLocks noGrp="1"/>
           </p:cNvSpPr>
           <p:nvPr>
-            <p:ph type="sldNum" idx="3"/>
+            <p:ph type="sldNum" idx="2"/>
           </p:nvPr>
         </p:nvSpPr>
         <p:spPr/>
         <p:txBody>
           <a:bodyPr/>
           <a:p>
-            <a:fld id="{134A25E5-A696-42F2-85E7-5305873B8C0D}" type="slidenum">
+            <a:fld id="{94F16F42-B7A0-4609-ACB0-25E7C10132B3}" type="slidenum">
               <a:t>&lt;#&gt;</a:t>
             </a:fld>
           </a:p>
@@ -1960,7 +1909,7 @@
             <a:spLocks noGrp="1"/>
           </p:cNvSpPr>
           <p:nvPr>
-            <p:ph type="dt" idx="1"/>
+            <p:ph type="dt" idx="3"/>
           </p:nvPr>
         </p:nvSpPr>
         <p:spPr/>
@@ -2009,7 +1958,7 @@
         <p:spPr>
           <a:xfrm>
             <a:off x="1234440" y="3591720"/>
-            <a:ext cx="13989960" cy="7639920"/>
+            <a:ext cx="13989600" cy="7639560"/>
           </a:xfrm>
           <a:prstGeom prst="rect">
             <a:avLst/>
@@ -2024,10 +1973,10 @@
             <a:noAutofit/>
           </a:bodyPr>
           <a:p>
-            <a:endParaRPr b="0" lang="en-US" sz="1800" spc="-1" strike="noStrike">
-              <a:solidFill>
-                <a:srgbClr val="000000"/>
-              </a:solidFill>
+            <a:pPr algn="ctr">
+              <a:buNone/>
+            </a:pPr>
+            <a:endParaRPr b="0" lang="en-US" sz="4400" spc="-1" strike="noStrike">
               <a:latin typeface="Arial"/>
             </a:endParaRPr>
           </a:p>
@@ -2040,7 +1989,7 @@
             <a:spLocks noGrp="1"/>
           </p:cNvSpPr>
           <p:nvPr>
-            <p:ph type="ftr" idx="2"/>
+            <p:ph type="ftr" idx="1"/>
           </p:nvPr>
         </p:nvSpPr>
         <p:spPr/>
@@ -2060,14 +2009,14 @@
             <a:spLocks noGrp="1"/>
           </p:cNvSpPr>
           <p:nvPr>
-            <p:ph type="sldNum" idx="3"/>
+            <p:ph type="sldNum" idx="2"/>
           </p:nvPr>
         </p:nvSpPr>
         <p:spPr/>
         <p:txBody>
           <a:bodyPr/>
           <a:p>
-            <a:fld id="{D9A934D7-898D-4052-9034-74E1AA9392CD}" type="slidenum">
+            <a:fld id="{3D7E5B24-8100-49F6-9059-334EA6C9C41A}" type="slidenum">
               <a:t>&lt;#&gt;</a:t>
             </a:fld>
           </a:p>
@@ -2080,7 +2029,7 @@
             <a:spLocks noGrp="1"/>
           </p:cNvSpPr>
           <p:nvPr>
-            <p:ph type="dt" idx="1"/>
+            <p:ph type="dt" idx="3"/>
           </p:nvPr>
         </p:nvSpPr>
         <p:spPr/>
@@ -2129,7 +2078,7 @@
         <p:spPr>
           <a:xfrm>
             <a:off x="1234440" y="3591720"/>
-            <a:ext cx="13989960" cy="35415360"/>
+            <a:ext cx="13989600" cy="35413560"/>
           </a:xfrm>
           <a:prstGeom prst="rect">
             <a:avLst/>
@@ -2160,7 +2109,7 @@
             <a:spLocks noGrp="1"/>
           </p:cNvSpPr>
           <p:nvPr>
-            <p:ph type="ftr" idx="2"/>
+            <p:ph type="ftr" idx="1"/>
           </p:nvPr>
         </p:nvSpPr>
         <p:spPr/>
@@ -2180,14 +2129,14 @@
             <a:spLocks noGrp="1"/>
           </p:cNvSpPr>
           <p:nvPr>
-            <p:ph type="sldNum" idx="3"/>
+            <p:ph type="sldNum" idx="2"/>
           </p:nvPr>
         </p:nvSpPr>
         <p:spPr/>
         <p:txBody>
           <a:bodyPr/>
           <a:p>
-            <a:fld id="{73FEB397-9F72-46FD-8595-60DC3E4E17EB}" type="slidenum">
+            <a:fld id="{D7824909-C5AD-489E-89CF-4B8B324B876F}" type="slidenum">
               <a:t>&lt;#&gt;</a:t>
             </a:fld>
           </a:p>
@@ -2200,7 +2149,7 @@
             <a:spLocks noGrp="1"/>
           </p:cNvSpPr>
           <p:nvPr>
-            <p:ph type="dt" idx="1"/>
+            <p:ph type="dt" idx="3"/>
           </p:nvPr>
         </p:nvSpPr>
         <p:spPr/>
@@ -2249,7 +2198,7 @@
         <p:spPr>
           <a:xfrm>
             <a:off x="1234440" y="3591720"/>
-            <a:ext cx="13989960" cy="7639920"/>
+            <a:ext cx="13989600" cy="7639560"/>
           </a:xfrm>
           <a:prstGeom prst="rect">
             <a:avLst/>
@@ -2264,10 +2213,10 @@
             <a:noAutofit/>
           </a:bodyPr>
           <a:p>
-            <a:endParaRPr b="0" lang="en-US" sz="1800" spc="-1" strike="noStrike">
-              <a:solidFill>
-                <a:srgbClr val="000000"/>
-              </a:solidFill>
+            <a:pPr algn="ctr">
+              <a:buNone/>
+            </a:pPr>
+            <a:endParaRPr b="0" lang="en-US" sz="4400" spc="-1" strike="noStrike">
               <a:latin typeface="Arial"/>
             </a:endParaRPr>
           </a:p>
@@ -2301,19 +2250,7 @@
             <a:normAutofit/>
           </a:bodyPr>
           <a:p>
-            <a:pPr>
-              <a:lnSpc>
-                <a:spcPct val="90000"/>
-              </a:lnSpc>
-              <a:spcBef>
-                <a:spcPts val="1417"/>
-              </a:spcBef>
-              <a:buNone/>
-            </a:pPr>
-            <a:endParaRPr b="0" lang="en-US" sz="5040" spc="-1" strike="noStrike">
-              <a:solidFill>
-                <a:srgbClr val="000000"/>
-              </a:solidFill>
+            <a:endParaRPr b="0" lang="en-US" sz="3200" spc="-1" strike="noStrike">
               <a:latin typeface="Arial"/>
             </a:endParaRPr>
           </a:p>
@@ -2347,19 +2284,7 @@
             <a:normAutofit/>
           </a:bodyPr>
           <a:p>
-            <a:pPr>
-              <a:lnSpc>
-                <a:spcPct val="90000"/>
-              </a:lnSpc>
-              <a:spcBef>
-                <a:spcPts val="1417"/>
-              </a:spcBef>
-              <a:buNone/>
-            </a:pPr>
-            <a:endParaRPr b="0" lang="en-US" sz="5040" spc="-1" strike="noStrike">
-              <a:solidFill>
-                <a:srgbClr val="000000"/>
-              </a:solidFill>
+            <a:endParaRPr b="0" lang="en-US" sz="3200" spc="-1" strike="noStrike">
               <a:latin typeface="Arial"/>
             </a:endParaRPr>
           </a:p>
@@ -2393,19 +2318,7 @@
             <a:normAutofit/>
           </a:bodyPr>
           <a:p>
-            <a:pPr>
-              <a:lnSpc>
-                <a:spcPct val="90000"/>
-              </a:lnSpc>
-              <a:spcBef>
-                <a:spcPts val="1417"/>
-              </a:spcBef>
-              <a:buNone/>
-            </a:pPr>
-            <a:endParaRPr b="0" lang="en-US" sz="5040" spc="-1" strike="noStrike">
-              <a:solidFill>
-                <a:srgbClr val="000000"/>
-              </a:solidFill>
+            <a:endParaRPr b="0" lang="en-US" sz="3200" spc="-1" strike="noStrike">
               <a:latin typeface="Arial"/>
             </a:endParaRPr>
           </a:p>
@@ -2418,7 +2331,7 @@
             <a:spLocks noGrp="1"/>
           </p:cNvSpPr>
           <p:nvPr>
-            <p:ph type="ftr" idx="2"/>
+            <p:ph type="ftr" idx="1"/>
           </p:nvPr>
         </p:nvSpPr>
         <p:spPr/>
@@ -2438,14 +2351,14 @@
             <a:spLocks noGrp="1"/>
           </p:cNvSpPr>
           <p:nvPr>
-            <p:ph type="sldNum" idx="3"/>
+            <p:ph type="sldNum" idx="2"/>
           </p:nvPr>
         </p:nvSpPr>
         <p:spPr/>
         <p:txBody>
           <a:bodyPr/>
           <a:p>
-            <a:fld id="{4F60497A-D4EA-44AD-86CF-C663F6234BB0}" type="slidenum">
+            <a:fld id="{5E02A802-0A7D-4074-936D-186EA0083EBF}" type="slidenum">
               <a:t>&lt;#&gt;</a:t>
             </a:fld>
           </a:p>
@@ -2458,7 +2371,7 @@
             <a:spLocks noGrp="1"/>
           </p:cNvSpPr>
           <p:nvPr>
-            <p:ph type="dt" idx="1"/>
+            <p:ph type="dt" idx="3"/>
           </p:nvPr>
         </p:nvSpPr>
         <p:spPr/>
@@ -2507,7 +2420,7 @@
         <p:spPr>
           <a:xfrm>
             <a:off x="1234440" y="3591720"/>
-            <a:ext cx="13989960" cy="7639920"/>
+            <a:ext cx="13989600" cy="7639560"/>
           </a:xfrm>
           <a:prstGeom prst="rect">
             <a:avLst/>
@@ -2522,10 +2435,10 @@
             <a:noAutofit/>
           </a:bodyPr>
           <a:p>
-            <a:endParaRPr b="0" lang="en-US" sz="1800" spc="-1" strike="noStrike">
-              <a:solidFill>
-                <a:srgbClr val="000000"/>
-              </a:solidFill>
+            <a:pPr algn="ctr">
+              <a:buNone/>
+            </a:pPr>
+            <a:endParaRPr b="0" lang="en-US" sz="4400" spc="-1" strike="noStrike">
               <a:latin typeface="Arial"/>
             </a:endParaRPr>
           </a:p>
@@ -2559,19 +2472,7 @@
             <a:normAutofit/>
           </a:bodyPr>
           <a:p>
-            <a:pPr>
-              <a:lnSpc>
-                <a:spcPct val="90000"/>
-              </a:lnSpc>
-              <a:spcBef>
-                <a:spcPts val="1417"/>
-              </a:spcBef>
-              <a:buNone/>
-            </a:pPr>
-            <a:endParaRPr b="0" lang="en-US" sz="5040" spc="-1" strike="noStrike">
-              <a:solidFill>
-                <a:srgbClr val="000000"/>
-              </a:solidFill>
+            <a:endParaRPr b="0" lang="en-US" sz="3200" spc="-1" strike="noStrike">
               <a:latin typeface="Arial"/>
             </a:endParaRPr>
           </a:p>
@@ -2605,19 +2506,7 @@
             <a:normAutofit/>
           </a:bodyPr>
           <a:p>
-            <a:pPr>
-              <a:lnSpc>
-                <a:spcPct val="90000"/>
-              </a:lnSpc>
-              <a:spcBef>
-                <a:spcPts val="1417"/>
-              </a:spcBef>
-              <a:buNone/>
-            </a:pPr>
-            <a:endParaRPr b="0" lang="en-US" sz="5040" spc="-1" strike="noStrike">
-              <a:solidFill>
-                <a:srgbClr val="000000"/>
-              </a:solidFill>
+            <a:endParaRPr b="0" lang="en-US" sz="3200" spc="-1" strike="noStrike">
               <a:latin typeface="Arial"/>
             </a:endParaRPr>
           </a:p>
@@ -2651,19 +2540,7 @@
             <a:normAutofit/>
           </a:bodyPr>
           <a:p>
-            <a:pPr>
-              <a:lnSpc>
-                <a:spcPct val="90000"/>
-              </a:lnSpc>
-              <a:spcBef>
-                <a:spcPts val="1417"/>
-              </a:spcBef>
-              <a:buNone/>
-            </a:pPr>
-            <a:endParaRPr b="0" lang="en-US" sz="5040" spc="-1" strike="noStrike">
-              <a:solidFill>
-                <a:srgbClr val="000000"/>
-              </a:solidFill>
+            <a:endParaRPr b="0" lang="en-US" sz="3200" spc="-1" strike="noStrike">
               <a:latin typeface="Arial"/>
             </a:endParaRPr>
           </a:p>
@@ -2676,7 +2553,7 @@
             <a:spLocks noGrp="1"/>
           </p:cNvSpPr>
           <p:nvPr>
-            <p:ph type="ftr" idx="2"/>
+            <p:ph type="ftr" idx="1"/>
           </p:nvPr>
         </p:nvSpPr>
         <p:spPr/>
@@ -2696,14 +2573,14 @@
             <a:spLocks noGrp="1"/>
           </p:cNvSpPr>
           <p:nvPr>
-            <p:ph type="sldNum" idx="3"/>
+            <p:ph type="sldNum" idx="2"/>
           </p:nvPr>
         </p:nvSpPr>
         <p:spPr/>
         <p:txBody>
           <a:bodyPr/>
           <a:p>
-            <a:fld id="{A2B79749-D4F7-4259-9A3B-894B5E9550BC}" type="slidenum">
+            <a:fld id="{40C96530-5484-45D8-B7F8-0F57A2F246A9}" type="slidenum">
               <a:t>&lt;#&gt;</a:t>
             </a:fld>
           </a:p>
@@ -2716,7 +2593,7 @@
             <a:spLocks noGrp="1"/>
           </p:cNvSpPr>
           <p:nvPr>
-            <p:ph type="dt" idx="1"/>
+            <p:ph type="dt" idx="3"/>
           </p:nvPr>
         </p:nvSpPr>
         <p:spPr/>
@@ -2765,7 +2642,7 @@
         <p:spPr>
           <a:xfrm>
             <a:off x="1234440" y="3591720"/>
-            <a:ext cx="13989960" cy="7639920"/>
+            <a:ext cx="13989600" cy="7639560"/>
           </a:xfrm>
           <a:prstGeom prst="rect">
             <a:avLst/>
@@ -2780,10 +2657,10 @@
             <a:noAutofit/>
           </a:bodyPr>
           <a:p>
-            <a:endParaRPr b="0" lang="en-US" sz="1800" spc="-1" strike="noStrike">
-              <a:solidFill>
-                <a:srgbClr val="000000"/>
-              </a:solidFill>
+            <a:pPr algn="ctr">
+              <a:buNone/>
+            </a:pPr>
+            <a:endParaRPr b="0" lang="en-US" sz="4400" spc="-1" strike="noStrike">
               <a:latin typeface="Arial"/>
             </a:endParaRPr>
           </a:p>
@@ -2817,19 +2694,7 @@
             <a:normAutofit/>
           </a:bodyPr>
           <a:p>
-            <a:pPr>
-              <a:lnSpc>
-                <a:spcPct val="90000"/>
-              </a:lnSpc>
-              <a:spcBef>
-                <a:spcPts val="1417"/>
-              </a:spcBef>
-              <a:buNone/>
-            </a:pPr>
-            <a:endParaRPr b="0" lang="en-US" sz="5040" spc="-1" strike="noStrike">
-              <a:solidFill>
-                <a:srgbClr val="000000"/>
-              </a:solidFill>
+            <a:endParaRPr b="0" lang="en-US" sz="3200" spc="-1" strike="noStrike">
               <a:latin typeface="Arial"/>
             </a:endParaRPr>
           </a:p>
@@ -2863,19 +2728,7 @@
             <a:normAutofit/>
           </a:bodyPr>
           <a:p>
-            <a:pPr>
-              <a:lnSpc>
-                <a:spcPct val="90000"/>
-              </a:lnSpc>
-              <a:spcBef>
-                <a:spcPts val="1417"/>
-              </a:spcBef>
-              <a:buNone/>
-            </a:pPr>
-            <a:endParaRPr b="0" lang="en-US" sz="5040" spc="-1" strike="noStrike">
-              <a:solidFill>
-                <a:srgbClr val="000000"/>
-              </a:solidFill>
+            <a:endParaRPr b="0" lang="en-US" sz="3200" spc="-1" strike="noStrike">
               <a:latin typeface="Arial"/>
             </a:endParaRPr>
           </a:p>
@@ -2909,19 +2762,7 @@
             <a:normAutofit/>
           </a:bodyPr>
           <a:p>
-            <a:pPr>
-              <a:lnSpc>
-                <a:spcPct val="90000"/>
-              </a:lnSpc>
-              <a:spcBef>
-                <a:spcPts val="1417"/>
-              </a:spcBef>
-              <a:buNone/>
-            </a:pPr>
-            <a:endParaRPr b="0" lang="en-US" sz="5040" spc="-1" strike="noStrike">
-              <a:solidFill>
-                <a:srgbClr val="000000"/>
-              </a:solidFill>
+            <a:endParaRPr b="0" lang="en-US" sz="3200" spc="-1" strike="noStrike">
               <a:latin typeface="Arial"/>
             </a:endParaRPr>
           </a:p>
@@ -2934,7 +2775,7 @@
             <a:spLocks noGrp="1"/>
           </p:cNvSpPr>
           <p:nvPr>
-            <p:ph type="ftr" idx="2"/>
+            <p:ph type="ftr" idx="1"/>
           </p:nvPr>
         </p:nvSpPr>
         <p:spPr/>
@@ -2954,14 +2795,14 @@
             <a:spLocks noGrp="1"/>
           </p:cNvSpPr>
           <p:nvPr>
-            <p:ph type="sldNum" idx="3"/>
+            <p:ph type="sldNum" idx="2"/>
           </p:nvPr>
         </p:nvSpPr>
         <p:spPr/>
         <p:txBody>
           <a:bodyPr/>
           <a:p>
-            <a:fld id="{9EECBEED-C8C9-4022-84CA-05F4C099590E}" type="slidenum">
+            <a:fld id="{6ACCA221-8F60-4CF0-B9E4-E8E0898F26F1}" type="slidenum">
               <a:t>&lt;#&gt;</a:t>
             </a:fld>
           </a:p>
@@ -2974,7 +2815,7 @@
             <a:spLocks noGrp="1"/>
           </p:cNvSpPr>
           <p:nvPr>
-            <p:ph type="dt" idx="1"/>
+            <p:ph type="dt" idx="3"/>
           </p:nvPr>
         </p:nvSpPr>
         <p:spPr/>
@@ -3030,7 +2871,7 @@
         <p:spPr>
           <a:xfrm>
             <a:off x="1234440" y="3591720"/>
-            <a:ext cx="13989960" cy="7639920"/>
+            <a:ext cx="13989600" cy="7639560"/>
           </a:xfrm>
           <a:prstGeom prst="rect">
             <a:avLst/>
@@ -3041,29 +2882,17 @@
           </a:ln>
         </p:spPr>
         <p:txBody>
-          <a:bodyPr anchor="b">
+          <a:bodyPr lIns="0" rIns="0" tIns="0" bIns="0" anchor="ctr">
             <a:noAutofit/>
           </a:bodyPr>
           <a:p>
-            <a:pPr algn="ctr">
-              <a:lnSpc>
-                <a:spcPct val="90000"/>
-              </a:lnSpc>
-              <a:buNone/>
-            </a:pPr>
-            <a:r>
-              <a:rPr b="0" lang="en-US" sz="10800" spc="-1" strike="noStrike">
-                <a:solidFill>
-                  <a:srgbClr val="000000"/>
-                </a:solidFill>
-                <a:latin typeface="Arial"/>
-              </a:rPr>
-              <a:t>Click to edit Master title style</a:t>
-            </a:r>
-            <a:endParaRPr b="0" lang="en-US" sz="10800" spc="-1" strike="noStrike">
-              <a:solidFill>
-                <a:srgbClr val="000000"/>
-              </a:solidFill>
+            <a:r>
+              <a:rPr b="0" lang="en-US" sz="1800" spc="-1" strike="noStrike">
+                <a:latin typeface="Arial"/>
+              </a:rPr>
+              <a:t>Click to edit the title text format</a:t>
+            </a:r>
+            <a:endParaRPr b="0" lang="en-US" sz="1800" spc="-1" strike="noStrike">
               <a:latin typeface="Arial"/>
             </a:endParaRPr>
           </a:p>
@@ -3076,13 +2905,13 @@
             <a:spLocks noGrp="1"/>
           </p:cNvSpPr>
           <p:nvPr>
-            <p:ph type="dt" idx="1"/>
+            <p:ph type="ftr" idx="1"/>
           </p:nvPr>
         </p:nvSpPr>
         <p:spPr>
           <a:xfrm>
-            <a:off x="1131480" y="20340360"/>
-            <a:ext cx="3702960" cy="1168200"/>
+            <a:off x="5452200" y="20340360"/>
+            <a:ext cx="5554440" cy="1167840"/>
           </a:xfrm>
           <a:prstGeom prst="rect">
             <a:avLst/>
@@ -3093,40 +2922,34 @@
           </a:ln>
         </p:spPr>
         <p:txBody>
-          <a:bodyPr anchor="ctr">
+          <a:bodyPr lIns="90000" rIns="90000" tIns="45000" bIns="45000" anchor="ctr">
             <a:noAutofit/>
           </a:bodyPr>
           <a:lstStyle>
-            <a:lvl1pPr>
-              <a:lnSpc>
-                <a:spcPct val="100000"/>
-              </a:lnSpc>
-              <a:buNone/>
-              <a:defRPr b="0" lang="en-US" sz="2160" spc="-1" strike="noStrike">
-                <a:solidFill>
-                  <a:srgbClr val="8b8b8b"/>
-                </a:solidFill>
-                <a:latin typeface="Arial"/>
+            <a:lvl1pPr algn="ctr">
+              <a:lnSpc>
+                <a:spcPct val="100000"/>
+              </a:lnSpc>
+              <a:buNone/>
+              <a:defRPr b="0" lang="en-US" sz="1400" spc="-1" strike="noStrike">
+                <a:latin typeface="Times New Roman"/>
               </a:defRPr>
             </a:lvl1pPr>
           </a:lstStyle>
           <a:p>
-            <a:pPr>
-              <a:lnSpc>
-                <a:spcPct val="100000"/>
-              </a:lnSpc>
-              <a:buNone/>
-            </a:pPr>
-            <a:r>
-              <a:rPr b="0" lang="en-US" sz="2160" spc="-1" strike="noStrike">
-                <a:solidFill>
-                  <a:srgbClr val="8b8b8b"/>
-                </a:solidFill>
-                <a:latin typeface="Arial"/>
-              </a:rPr>
-              <a:t>&lt;date/time&gt;</a:t>
-            </a:r>
-            <a:endParaRPr b="0" lang="en-US" sz="2160" spc="-1" strike="noStrike">
+            <a:pPr algn="ctr">
+              <a:lnSpc>
+                <a:spcPct val="100000"/>
+              </a:lnSpc>
+              <a:buNone/>
+            </a:pPr>
+            <a:r>
+              <a:rPr b="0" lang="en-US" sz="1400" spc="-1" strike="noStrike">
+                <a:latin typeface="Times New Roman"/>
+              </a:rPr>
+              <a:t>&lt;footer&gt;</a:t>
+            </a:r>
+            <a:endParaRPr b="0" lang="en-US" sz="1400" spc="-1" strike="noStrike">
               <a:latin typeface="Times New Roman"/>
             </a:endParaRPr>
           </a:p>
@@ -3139,13 +2962,13 @@
             <a:spLocks noGrp="1"/>
           </p:cNvSpPr>
           <p:nvPr>
-            <p:ph type="ftr" idx="2"/>
+            <p:ph type="sldNum" idx="2"/>
           </p:nvPr>
         </p:nvSpPr>
         <p:spPr>
           <a:xfrm>
-            <a:off x="5452200" y="20340360"/>
-            <a:ext cx="5554800" cy="1168200"/>
+            <a:off x="11624400" y="20340360"/>
+            <a:ext cx="3702600" cy="1167840"/>
           </a:xfrm>
           <a:prstGeom prst="rect">
             <a:avLst/>
@@ -3156,28 +2979,40 @@
           </a:ln>
         </p:spPr>
         <p:txBody>
-          <a:bodyPr anchor="ctr">
+          <a:bodyPr lIns="90000" rIns="90000" tIns="45000" bIns="45000" anchor="ctr">
             <a:noAutofit/>
           </a:bodyPr>
           <a:lstStyle>
-            <a:lvl1pPr algn="ctr">
-              <a:buNone/>
-              <a:defRPr b="0" lang="en-US" sz="1400" spc="-1" strike="noStrike">
-                <a:latin typeface="Times New Roman"/>
+            <a:lvl1pPr algn="r">
+              <a:lnSpc>
+                <a:spcPct val="100000"/>
+              </a:lnSpc>
+              <a:buNone/>
+              <a:defRPr b="0" lang="en-US" sz="2160" spc="-1" strike="noStrike">
+                <a:solidFill>
+                  <a:srgbClr val="8b8b8b"/>
+                </a:solidFill>
+                <a:latin typeface="Arial"/>
               </a:defRPr>
             </a:lvl1pPr>
           </a:lstStyle>
           <a:p>
-            <a:pPr algn="ctr">
-              <a:buNone/>
-            </a:pPr>
-            <a:r>
-              <a:rPr b="0" lang="en-US" sz="1400" spc="-1" strike="noStrike">
-                <a:latin typeface="Times New Roman"/>
-              </a:rPr>
-              <a:t>&lt;footer&gt;</a:t>
-            </a:r>
-            <a:endParaRPr b="0" lang="en-US" sz="1400" spc="-1" strike="noStrike">
+            <a:pPr algn="r">
+              <a:lnSpc>
+                <a:spcPct val="100000"/>
+              </a:lnSpc>
+              <a:buNone/>
+            </a:pPr>
+            <a:fld id="{47006E8C-FC28-4AA2-A6E9-0E6D1FE13025}" type="slidenum">
+              <a:rPr b="0" lang="en-US" sz="2160" spc="-1" strike="noStrike">
+                <a:solidFill>
+                  <a:srgbClr val="8b8b8b"/>
+                </a:solidFill>
+                <a:latin typeface="Arial"/>
+              </a:rPr>
+              <a:t>&lt;number&gt;</a:t>
+            </a:fld>
+            <a:endParaRPr b="0" lang="en-US" sz="2160" spc="-1" strike="noStrike">
               <a:latin typeface="Times New Roman"/>
             </a:endParaRPr>
           </a:p>
@@ -3190,13 +3025,13 @@
             <a:spLocks noGrp="1"/>
           </p:cNvSpPr>
           <p:nvPr>
-            <p:ph type="sldNum" idx="3"/>
+            <p:ph type="dt" idx="3"/>
           </p:nvPr>
         </p:nvSpPr>
         <p:spPr>
           <a:xfrm>
-            <a:off x="11624400" y="20340360"/>
-            <a:ext cx="3702960" cy="1168200"/>
+            <a:off x="1131480" y="20340360"/>
+            <a:ext cx="3702600" cy="1167840"/>
           </a:xfrm>
           <a:prstGeom prst="rect">
             <a:avLst/>
@@ -3207,40 +3042,24 @@
           </a:ln>
         </p:spPr>
         <p:txBody>
-          <a:bodyPr anchor="ctr">
+          <a:bodyPr lIns="90000" rIns="90000" tIns="45000" bIns="45000" anchor="ctr">
             <a:noAutofit/>
           </a:bodyPr>
           <a:lstStyle>
-            <a:lvl1pPr algn="r">
-              <a:lnSpc>
-                <a:spcPct val="100000"/>
-              </a:lnSpc>
-              <a:buNone/>
-              <a:defRPr b="0" lang="en-US" sz="2160" spc="-1" strike="noStrike">
-                <a:solidFill>
-                  <a:srgbClr val="8b8b8b"/>
-                </a:solidFill>
-                <a:latin typeface="Arial"/>
+            <a:lvl1pPr>
+              <a:defRPr b="0" lang="en-US" sz="1400" spc="-1" strike="noStrike">
+                <a:latin typeface="Times New Roman"/>
               </a:defRPr>
             </a:lvl1pPr>
           </a:lstStyle>
           <a:p>
-            <a:pPr algn="r">
-              <a:lnSpc>
-                <a:spcPct val="100000"/>
-              </a:lnSpc>
-              <a:buNone/>
-            </a:pPr>
-            <a:fld id="{A332415C-940D-4C27-80E9-548D4B85B8F7}" type="slidenum">
-              <a:rPr b="0" lang="en-US" sz="2160" spc="-1" strike="noStrike">
-                <a:solidFill>
-                  <a:srgbClr val="8b8b8b"/>
-                </a:solidFill>
-                <a:latin typeface="Arial"/>
-              </a:rPr>
-              <a:t>&lt;number&gt;</a:t>
-            </a:fld>
-            <a:endParaRPr b="0" lang="en-US" sz="2160" spc="-1" strike="noStrike">
+            <a:r>
+              <a:rPr b="0" lang="en-US" sz="1400" spc="-1" strike="noStrike">
+                <a:latin typeface="Times New Roman"/>
+              </a:rPr>
+              <a:t>&lt;date/time&gt;</a:t>
+            </a:r>
+            <a:endParaRPr b="0" lang="en-US" sz="1400" spc="-1" strike="noStrike">
               <a:latin typeface="Times New Roman"/>
             </a:endParaRPr>
           </a:p>
@@ -3275,9 +3094,6 @@
           </a:bodyPr>
           <a:p>
             <a:pPr marL="432000" indent="-324000">
-              <a:lnSpc>
-                <a:spcPct val="90000"/>
-              </a:lnSpc>
               <a:spcBef>
                 <a:spcPts val="1417"/>
               </a:spcBef>
@@ -3289,26 +3105,17 @@
               <a:buChar char=""/>
             </a:pPr>
             <a:r>
-              <a:rPr b="0" lang="en-US" sz="5040" spc="-1" strike="noStrike">
-                <a:solidFill>
-                  <a:srgbClr val="000000"/>
-                </a:solidFill>
+              <a:rPr b="0" lang="en-US" sz="3200" spc="-1" strike="noStrike">
                 <a:latin typeface="Arial"/>
               </a:rPr>
               <a:t>Click to edit the outline text format</a:t>
             </a:r>
-            <a:endParaRPr b="0" lang="en-US" sz="5040" spc="-1" strike="noStrike">
-              <a:solidFill>
-                <a:srgbClr val="000000"/>
-              </a:solidFill>
+            <a:endParaRPr b="0" lang="en-US" sz="3200" spc="-1" strike="noStrike">
               <a:latin typeface="Arial"/>
             </a:endParaRPr>
           </a:p>
           <a:p>
             <a:pPr lvl="1" marL="864000" indent="-324000">
-              <a:lnSpc>
-                <a:spcPct val="90000"/>
-              </a:lnSpc>
               <a:spcBef>
                 <a:spcPts val="1134"/>
               </a:spcBef>
@@ -3320,26 +3127,17 @@
               <a:buChar char=""/>
             </a:pPr>
             <a:r>
-              <a:rPr b="0" lang="en-US" sz="3600" spc="-1" strike="noStrike">
-                <a:solidFill>
-                  <a:srgbClr val="000000"/>
-                </a:solidFill>
+              <a:rPr b="0" lang="en-US" sz="2800" spc="-1" strike="noStrike">
                 <a:latin typeface="Arial"/>
               </a:rPr>
               <a:t>Second Outline Level</a:t>
             </a:r>
-            <a:endParaRPr b="0" lang="en-US" sz="3600" spc="-1" strike="noStrike">
-              <a:solidFill>
-                <a:srgbClr val="000000"/>
-              </a:solidFill>
+            <a:endParaRPr b="0" lang="en-US" sz="2800" spc="-1" strike="noStrike">
               <a:latin typeface="Arial"/>
             </a:endParaRPr>
           </a:p>
           <a:p>
             <a:pPr lvl="2" marL="1296000" indent="-288000">
-              <a:lnSpc>
-                <a:spcPct val="90000"/>
-              </a:lnSpc>
               <a:spcBef>
                 <a:spcPts val="850"/>
               </a:spcBef>
@@ -3351,26 +3149,17 @@
               <a:buChar char=""/>
             </a:pPr>
             <a:r>
-              <a:rPr b="0" lang="en-US" sz="3240" spc="-1" strike="noStrike">
-                <a:solidFill>
-                  <a:srgbClr val="000000"/>
-                </a:solidFill>
+              <a:rPr b="0" lang="en-US" sz="2400" spc="-1" strike="noStrike">
                 <a:latin typeface="Arial"/>
               </a:rPr>
               <a:t>Third Outline Level</a:t>
             </a:r>
-            <a:endParaRPr b="0" lang="en-US" sz="3240" spc="-1" strike="noStrike">
-              <a:solidFill>
-                <a:srgbClr val="000000"/>
-              </a:solidFill>
+            <a:endParaRPr b="0" lang="en-US" sz="2400" spc="-1" strike="noStrike">
               <a:latin typeface="Arial"/>
             </a:endParaRPr>
           </a:p>
           <a:p>
             <a:pPr lvl="3" marL="1728000" indent="-216000">
-              <a:lnSpc>
-                <a:spcPct val="90000"/>
-              </a:lnSpc>
               <a:spcBef>
                 <a:spcPts val="567"/>
               </a:spcBef>
@@ -3382,26 +3171,17 @@
               <a:buChar char=""/>
             </a:pPr>
             <a:r>
-              <a:rPr b="0" lang="en-US" sz="3240" spc="-1" strike="noStrike">
-                <a:solidFill>
-                  <a:srgbClr val="000000"/>
-                </a:solidFill>
+              <a:rPr b="0" lang="en-US" sz="2000" spc="-1" strike="noStrike">
                 <a:latin typeface="Arial"/>
               </a:rPr>
               <a:t>Fourth Outline Level</a:t>
             </a:r>
-            <a:endParaRPr b="0" lang="en-US" sz="3240" spc="-1" strike="noStrike">
-              <a:solidFill>
-                <a:srgbClr val="000000"/>
-              </a:solidFill>
+            <a:endParaRPr b="0" lang="en-US" sz="2000" spc="-1" strike="noStrike">
               <a:latin typeface="Arial"/>
             </a:endParaRPr>
           </a:p>
           <a:p>
             <a:pPr lvl="4" marL="2160000" indent="-216000">
-              <a:lnSpc>
-                <a:spcPct val="90000"/>
-              </a:lnSpc>
               <a:spcBef>
                 <a:spcPts val="283"/>
               </a:spcBef>
@@ -3414,25 +3194,16 @@
             </a:pPr>
             <a:r>
               <a:rPr b="0" lang="en-US" sz="2000" spc="-1" strike="noStrike">
-                <a:solidFill>
-                  <a:srgbClr val="000000"/>
-                </a:solidFill>
                 <a:latin typeface="Arial"/>
               </a:rPr>
               <a:t>Fifth Outline Level</a:t>
             </a:r>
             <a:endParaRPr b="0" lang="en-US" sz="2000" spc="-1" strike="noStrike">
-              <a:solidFill>
-                <a:srgbClr val="000000"/>
-              </a:solidFill>
               <a:latin typeface="Arial"/>
             </a:endParaRPr>
           </a:p>
           <a:p>
             <a:pPr lvl="5" marL="2592000" indent="-216000">
-              <a:lnSpc>
-                <a:spcPct val="90000"/>
-              </a:lnSpc>
               <a:spcBef>
                 <a:spcPts val="283"/>
               </a:spcBef>
@@ -3445,25 +3216,16 @@
             </a:pPr>
             <a:r>
               <a:rPr b="0" lang="en-US" sz="2000" spc="-1" strike="noStrike">
-                <a:solidFill>
-                  <a:srgbClr val="000000"/>
-                </a:solidFill>
                 <a:latin typeface="Arial"/>
               </a:rPr>
               <a:t>Sixth Outline Level</a:t>
             </a:r>
             <a:endParaRPr b="0" lang="en-US" sz="2000" spc="-1" strike="noStrike">
-              <a:solidFill>
-                <a:srgbClr val="000000"/>
-              </a:solidFill>
               <a:latin typeface="Arial"/>
             </a:endParaRPr>
           </a:p>
           <a:p>
             <a:pPr lvl="6" marL="3024000" indent="-216000">
-              <a:lnSpc>
-                <a:spcPct val="90000"/>
-              </a:lnSpc>
               <a:spcBef>
                 <a:spcPts val="283"/>
               </a:spcBef>
@@ -3476,17 +3238,11 @@
             </a:pPr>
             <a:r>
               <a:rPr b="0" lang="en-US" sz="2000" spc="-1" strike="noStrike">
-                <a:solidFill>
-                  <a:srgbClr val="000000"/>
-                </a:solidFill>
                 <a:latin typeface="Arial"/>
               </a:rPr>
               <a:t>Seventh Outline Level</a:t>
             </a:r>
             <a:endParaRPr b="0" lang="en-US" sz="2000" spc="-1" strike="noStrike">
-              <a:solidFill>
-                <a:srgbClr val="000000"/>
-              </a:solidFill>
               <a:latin typeface="Arial"/>
             </a:endParaRPr>
           </a:p>
@@ -3545,7 +3301,7 @@
         <p:spPr>
           <a:xfrm>
             <a:off x="8430840" y="10058400"/>
-            <a:ext cx="7516080" cy="9833040"/>
+            <a:ext cx="7515720" cy="9832680"/>
           </a:xfrm>
           <a:prstGeom prst="rect">
             <a:avLst/>
@@ -4003,7 +3759,7 @@
         </p:nvSpPr>
         <p:spPr>
           <a:xfrm>
-            <a:off x="1454400" y="9165600"/>
+            <a:off x="1598400" y="9165600"/>
             <a:ext cx="5835240" cy="699120"/>
           </a:xfrm>
           <a:prstGeom prst="rect">
@@ -4037,6 +3793,7 @@
                   <a:srgbClr val="6241c5"/>
                 </a:solidFill>
                 <a:latin typeface="Arial Black"/>
+                <a:ea typeface="DejaVu Sans"/>
               </a:rPr>
               <a:t>Defensive Highlight</a:t>
             </a:r>
@@ -4055,7 +3812,7 @@
         <p:spPr>
           <a:xfrm>
             <a:off x="0" y="500040"/>
-            <a:ext cx="16458840" cy="2711160"/>
+            <a:ext cx="16458480" cy="2711160"/>
           </a:xfrm>
           <a:prstGeom prst="rect">
             <a:avLst/>
@@ -4088,6 +3845,7 @@
                   <a:srgbClr val="000000"/>
                 </a:solidFill>
                 <a:latin typeface="Arial Black"/>
+                <a:ea typeface="DejaVu Sans"/>
               </a:rPr>
               <a:t>Team Cacti</a:t>
             </a:r>
@@ -4108,6 +3866,7 @@
                   <a:srgbClr val="000000"/>
                 </a:solidFill>
                 <a:latin typeface="Arial Black"/>
+                <a:ea typeface="DejaVu Sans"/>
               </a:rPr>
               <a:t>University at Buffalo</a:t>
             </a:r>
@@ -4128,6 +3887,7 @@
                   <a:srgbClr val="000000"/>
                 </a:solidFill>
                 <a:latin typeface="Arial Black"/>
+                <a:ea typeface="DejaVu Sans"/>
               </a:rPr>
               <a:t>Gaoxiang Liu, Zheyuan Ma, Alex Eastman, Xi Tan, MD Armanuzzaman, Sagar Mohan, Afton Spiegel,</a:t>
             </a:r>
@@ -4140,6 +3900,7 @@
                   <a:srgbClr val="000000"/>
                 </a:solidFill>
                 <a:latin typeface="Arial Black"/>
+                <a:ea typeface="DejaVu Sans"/>
               </a:rPr>
               <a:t>Barani Rajendran, Sai Bhargav Menta, Rumaizi Mopuri, Sai Venkata Akhila Achakala</a:t>
             </a:r>
@@ -4160,6 +3921,7 @@
                   <a:srgbClr val="000000"/>
                 </a:solidFill>
                 <a:latin typeface="Arial Black"/>
+                <a:ea typeface="DejaVu Sans"/>
               </a:rPr>
               <a:t>Advised by: Dr. Ziming Zhao, PhD</a:t>
             </a:r>
@@ -4178,7 +3940,7 @@
         <p:spPr>
           <a:xfrm>
             <a:off x="1026720" y="3225240"/>
-            <a:ext cx="14355720" cy="95040"/>
+            <a:ext cx="14355360" cy="94680"/>
           </a:xfrm>
           <a:prstGeom prst="rect">
             <a:avLst/>
@@ -4214,7 +3976,7 @@
         <p:spPr>
           <a:xfrm>
             <a:off x="504000" y="10058400"/>
-            <a:ext cx="7516080" cy="9833400"/>
+            <a:ext cx="7515720" cy="9833040"/>
           </a:xfrm>
           <a:prstGeom prst="rect">
             <a:avLst/>
@@ -4346,15 +4108,11 @@
             </a:endParaRPr>
           </a:p>
           <a:p>
-            <a:pPr marL="216000" indent="-216000" algn="just">
-              <a:lnSpc>
-                <a:spcPct val="100000"/>
-              </a:lnSpc>
-              <a:buClr>
-                <a:srgbClr val="000000"/>
-              </a:buClr>
-              <a:buFont typeface="Wingdings" charset="2"/>
-              <a:buChar char=""/>
+            <a:pPr algn="just">
+              <a:lnSpc>
+                <a:spcPct val="100000"/>
+              </a:lnSpc>
+              <a:buNone/>
             </a:pPr>
             <a:endParaRPr b="0" lang="en-US" sz="2000" spc="-1" strike="noStrike">
               <a:latin typeface="Arial"/>
@@ -4716,16 +4474,11 @@
             </a:endParaRPr>
           </a:p>
           <a:p>
-            <a:pPr lvl="1" marL="432000" indent="-216000" algn="just">
-              <a:lnSpc>
-                <a:spcPct val="100000"/>
-              </a:lnSpc>
-              <a:buClr>
-                <a:srgbClr val="000000"/>
-              </a:buClr>
-              <a:buSzPct val="45000"/>
-              <a:buFont typeface="Wingdings" charset="2"/>
-              <a:buChar char=""/>
+            <a:pPr algn="just">
+              <a:lnSpc>
+                <a:spcPct val="100000"/>
+              </a:lnSpc>
+              <a:buNone/>
             </a:pPr>
             <a:endParaRPr b="0" lang="en-US" sz="2000" spc="-1" strike="noStrike">
               <a:latin typeface="Arial"/>
@@ -4741,7 +4494,7 @@
         </p:nvSpPr>
         <p:spPr>
           <a:xfrm>
-            <a:off x="9394920" y="9155160"/>
+            <a:off x="9646920" y="9155160"/>
             <a:ext cx="5691960" cy="699120"/>
           </a:xfrm>
           <a:prstGeom prst="rect">
@@ -4775,6 +4528,7 @@
                   <a:srgbClr val="6241c5"/>
                 </a:solidFill>
                 <a:latin typeface="Arial Black"/>
+                <a:ea typeface="DejaVu Sans"/>
               </a:rPr>
               <a:t>Offensive Highlight</a:t>
             </a:r>
@@ -4792,8 +4546,8 @@
         </p:nvSpPr>
         <p:spPr>
           <a:xfrm>
-            <a:off x="5864040" y="3486600"/>
-            <a:ext cx="4995720" cy="699120"/>
+            <a:off x="6188040" y="3486600"/>
+            <a:ext cx="4995360" cy="699120"/>
           </a:xfrm>
           <a:prstGeom prst="rect">
             <a:avLst/>
@@ -4826,6 +4580,7 @@
                   <a:srgbClr val="6241c5"/>
                 </a:solidFill>
                 <a:latin typeface="Arial Black"/>
+                <a:ea typeface="DejaVu Sans"/>
               </a:rPr>
               <a:t>Design Overview</a:t>
             </a:r>
@@ -4848,7 +4603,7 @@
         <p:spPr>
           <a:xfrm>
             <a:off x="12337560" y="760320"/>
-            <a:ext cx="3609000" cy="1376280"/>
+            <a:ext cx="3608640" cy="1375920"/>
           </a:xfrm>
           <a:prstGeom prst="rect">
             <a:avLst/>
@@ -4866,7 +4621,7 @@
         </p:nvGraphicFramePr>
         <p:xfrm>
           <a:off x="723600" y="6952320"/>
-          <a:ext cx="15086880" cy="1692360"/>
+          <a:ext cx="15086880" cy="1766520"/>
         </p:xfrm>
         <a:graphic>
           <a:graphicData uri="http://schemas.openxmlformats.org/drawingml/2006/table">
@@ -4884,11 +4639,14 @@
               <a:tr h="577440">
                 <a:tc>
                   <a:txBody>
-                    <a:bodyPr lIns="90000" rIns="90000" tIns="46800" bIns="46800" anchor="ctr">
+                    <a:bodyPr lIns="90000" rIns="90000" anchor="ctr">
                       <a:noAutofit/>
                     </a:bodyPr>
                     <a:p>
                       <a:pPr algn="ctr">
+                        <a:lnSpc>
+                          <a:spcPct val="100000"/>
+                        </a:lnSpc>
                         <a:buNone/>
                       </a:pPr>
                       <a:r>
@@ -4900,10 +4658,7 @@
                         </a:rPr>
                         <a:t>Secrets</a:t>
                       </a:r>
-                      <a:endParaRPr b="1" lang="en-US" sz="1800" spc="-1" strike="noStrike">
-                        <a:solidFill>
-                          <a:srgbClr val="ffffff"/>
-                        </a:solidFill>
+                      <a:endParaRPr b="0" lang="en-US" sz="1800" spc="-1" strike="noStrike">
                         <a:latin typeface="Arial"/>
                       </a:endParaRPr>
                     </a:p>
@@ -4936,11 +4691,14 @@
                 </a:tc>
                 <a:tc>
                   <a:txBody>
-                    <a:bodyPr lIns="90000" rIns="90000" tIns="46800" bIns="46800" anchor="ctr">
+                    <a:bodyPr lIns="90000" rIns="90000" anchor="ctr">
                       <a:noAutofit/>
                     </a:bodyPr>
                     <a:p>
                       <a:pPr algn="ctr">
+                        <a:lnSpc>
+                          <a:spcPct val="100000"/>
+                        </a:lnSpc>
                         <a:buNone/>
                       </a:pPr>
                       <a:r>
@@ -4952,10 +4710,7 @@
                         </a:rPr>
                         <a:t>Key1_Public</a:t>
                       </a:r>
-                      <a:endParaRPr b="1" lang="en-US" sz="1800" spc="-1" strike="noStrike">
-                        <a:solidFill>
-                          <a:srgbClr val="ffffff"/>
-                        </a:solidFill>
+                      <a:endParaRPr b="0" lang="en-US" sz="1800" spc="-1" strike="noStrike">
                         <a:latin typeface="Arial"/>
                       </a:endParaRPr>
                     </a:p>
@@ -4988,11 +4743,14 @@
                 </a:tc>
                 <a:tc>
                   <a:txBody>
-                    <a:bodyPr lIns="90000" rIns="90000" tIns="46800" bIns="46800" anchor="ctr">
+                    <a:bodyPr lIns="90000" rIns="90000" anchor="ctr">
                       <a:noAutofit/>
                     </a:bodyPr>
                     <a:p>
                       <a:pPr algn="ctr">
+                        <a:lnSpc>
+                          <a:spcPct val="100000"/>
+                        </a:lnSpc>
                         <a:buNone/>
                       </a:pPr>
                       <a:r>
@@ -5004,10 +4762,7 @@
                         </a:rPr>
                         <a:t>Key1_Private</a:t>
                       </a:r>
-                      <a:endParaRPr b="1" lang="en-US" sz="1800" spc="-1" strike="noStrike">
-                        <a:solidFill>
-                          <a:srgbClr val="ffffff"/>
-                        </a:solidFill>
+                      <a:endParaRPr b="0" lang="en-US" sz="1800" spc="-1" strike="noStrike">
                         <a:latin typeface="Arial"/>
                       </a:endParaRPr>
                     </a:p>
@@ -5040,11 +4795,14 @@
                 </a:tc>
                 <a:tc>
                   <a:txBody>
-                    <a:bodyPr lIns="90000" rIns="90000" tIns="46800" bIns="46800" anchor="ctr">
+                    <a:bodyPr lIns="90000" rIns="90000" anchor="ctr">
                       <a:noAutofit/>
                     </a:bodyPr>
                     <a:p>
                       <a:pPr algn="ctr">
+                        <a:lnSpc>
+                          <a:spcPct val="100000"/>
+                        </a:lnSpc>
                         <a:buNone/>
                       </a:pPr>
                       <a:r>
@@ -5056,10 +4814,7 @@
                         </a:rPr>
                         <a:t>Key2_Public</a:t>
                       </a:r>
-                      <a:endParaRPr b="1" lang="en-US" sz="1800" spc="-1" strike="noStrike">
-                        <a:solidFill>
-                          <a:srgbClr val="ffffff"/>
-                        </a:solidFill>
+                      <a:endParaRPr b="0" lang="en-US" sz="1800" spc="-1" strike="noStrike">
                         <a:latin typeface="Arial"/>
                       </a:endParaRPr>
                     </a:p>
@@ -5092,11 +4847,14 @@
                 </a:tc>
                 <a:tc>
                   <a:txBody>
-                    <a:bodyPr lIns="90000" rIns="90000" tIns="46800" bIns="46800" anchor="ctr">
+                    <a:bodyPr lIns="90000" rIns="90000" anchor="ctr">
                       <a:noAutofit/>
                     </a:bodyPr>
                     <a:p>
                       <a:pPr algn="ctr">
+                        <a:lnSpc>
+                          <a:spcPct val="100000"/>
+                        </a:lnSpc>
                         <a:buNone/>
                       </a:pPr>
                       <a:r>
@@ -5108,10 +4866,7 @@
                         </a:rPr>
                         <a:t>Key2_Private</a:t>
                       </a:r>
-                      <a:endParaRPr b="1" lang="en-US" sz="1800" spc="-1" strike="noStrike">
-                        <a:solidFill>
-                          <a:srgbClr val="ffffff"/>
-                        </a:solidFill>
+                      <a:endParaRPr b="0" lang="en-US" sz="1800" spc="-1" strike="noStrike">
                         <a:latin typeface="Arial"/>
                       </a:endParaRPr>
                     </a:p>
@@ -5144,11 +4899,14 @@
                 </a:tc>
                 <a:tc>
                   <a:txBody>
-                    <a:bodyPr lIns="90000" rIns="90000" tIns="46800" bIns="46800" anchor="ctr">
+                    <a:bodyPr lIns="90000" rIns="90000" anchor="ctr">
                       <a:noAutofit/>
                     </a:bodyPr>
                     <a:p>
                       <a:pPr algn="ctr">
+                        <a:lnSpc>
+                          <a:spcPct val="100000"/>
+                        </a:lnSpc>
                         <a:buNone/>
                       </a:pPr>
                       <a:r>
@@ -5160,10 +4918,7 @@
                         </a:rPr>
                         <a:t>AEAD Key</a:t>
                       </a:r>
-                      <a:endParaRPr b="1" lang="en-US" sz="1800" spc="-1" strike="noStrike">
-                        <a:solidFill>
-                          <a:srgbClr val="ffffff"/>
-                        </a:solidFill>
+                      <a:endParaRPr b="0" lang="en-US" sz="1800" spc="-1" strike="noStrike">
                         <a:latin typeface="Arial"/>
                       </a:endParaRPr>
                     </a:p>
@@ -5196,11 +4951,14 @@
                 </a:tc>
                 <a:tc>
                   <a:txBody>
-                    <a:bodyPr lIns="90000" rIns="90000" tIns="46800" bIns="46800" anchor="ctr">
+                    <a:bodyPr lIns="90000" rIns="90000" anchor="ctr">
                       <a:noAutofit/>
                     </a:bodyPr>
                     <a:p>
                       <a:pPr algn="ctr">
+                        <a:lnSpc>
+                          <a:spcPct val="100000"/>
+                        </a:lnSpc>
                         <a:buNone/>
                       </a:pPr>
                       <a:r>
@@ -5212,10 +4970,7 @@
                         </a:rPr>
                         <a:t>Hash Key &amp; Salt</a:t>
                       </a:r>
-                      <a:endParaRPr b="1" lang="en-US" sz="1800" spc="-1" strike="noStrike">
-                        <a:solidFill>
-                          <a:srgbClr val="ffffff"/>
-                        </a:solidFill>
+                      <a:endParaRPr b="0" lang="en-US" sz="1800" spc="-1" strike="noStrike">
                         <a:latin typeface="Arial"/>
                       </a:endParaRPr>
                     </a:p>
@@ -5250,11 +5005,14 @@
               <a:tr h="560880">
                 <a:tc>
                   <a:txBody>
-                    <a:bodyPr lIns="90000" rIns="90000" tIns="46800" bIns="46800" anchor="ctr">
+                    <a:bodyPr lIns="90000" rIns="90000" anchor="ctr">
                       <a:noAutofit/>
                     </a:bodyPr>
                     <a:p>
                       <a:pPr algn="ctr">
+                        <a:lnSpc>
+                          <a:spcPct val="100000"/>
+                        </a:lnSpc>
                         <a:buNone/>
                       </a:pPr>
                       <a:r>
@@ -5266,10 +5024,7 @@
                         </a:rPr>
                         <a:t>Stored at</a:t>
                       </a:r>
-                      <a:endParaRPr b="1" lang="en-US" sz="1800" spc="-1" strike="noStrike">
-                        <a:solidFill>
-                          <a:srgbClr val="ffffff"/>
-                        </a:solidFill>
+                      <a:endParaRPr b="0" lang="en-US" sz="1800" spc="-1" strike="noStrike">
                         <a:latin typeface="Arial"/>
                       </a:endParaRPr>
                     </a:p>
@@ -5302,11 +5057,14 @@
                 </a:tc>
                 <a:tc>
                   <a:txBody>
-                    <a:bodyPr lIns="90000" rIns="90000" tIns="46800" bIns="46800" anchor="ctr">
+                    <a:bodyPr lIns="90000" rIns="90000" anchor="ctr">
                       <a:noAutofit/>
                     </a:bodyPr>
                     <a:p>
                       <a:pPr algn="ctr">
+                        <a:lnSpc>
+                          <a:spcPct val="100000"/>
+                        </a:lnSpc>
                         <a:buNone/>
                       </a:pPr>
                       <a:r>
@@ -5348,11 +5106,14 @@
                 </a:tc>
                 <a:tc>
                   <a:txBody>
-                    <a:bodyPr lIns="90000" rIns="90000" tIns="46800" bIns="46800" anchor="ctr">
+                    <a:bodyPr lIns="90000" rIns="90000" anchor="ctr">
                       <a:noAutofit/>
                     </a:bodyPr>
                     <a:p>
                       <a:pPr algn="ctr">
+                        <a:lnSpc>
+                          <a:spcPct val="100000"/>
+                        </a:lnSpc>
                         <a:buNone/>
                       </a:pPr>
                       <a:r>
@@ -5394,11 +5155,14 @@
                 </a:tc>
                 <a:tc>
                   <a:txBody>
-                    <a:bodyPr lIns="90000" rIns="90000" tIns="46800" bIns="46800" anchor="ctr">
+                    <a:bodyPr lIns="90000" rIns="90000" anchor="ctr">
                       <a:noAutofit/>
                     </a:bodyPr>
                     <a:p>
                       <a:pPr algn="ctr">
+                        <a:lnSpc>
+                          <a:spcPct val="100000"/>
+                        </a:lnSpc>
                         <a:buNone/>
                       </a:pPr>
                       <a:r>
@@ -5440,11 +5204,14 @@
                 </a:tc>
                 <a:tc>
                   <a:txBody>
-                    <a:bodyPr lIns="90000" rIns="90000" tIns="46800" bIns="46800" anchor="ctr">
+                    <a:bodyPr lIns="90000" rIns="90000" anchor="ctr">
                       <a:noAutofit/>
                     </a:bodyPr>
                     <a:p>
                       <a:pPr algn="ctr">
+                        <a:lnSpc>
+                          <a:spcPct val="100000"/>
+                        </a:lnSpc>
                         <a:buNone/>
                       </a:pPr>
                       <a:r>
@@ -5486,11 +5253,14 @@
                 </a:tc>
                 <a:tc>
                   <a:txBody>
-                    <a:bodyPr lIns="90000" rIns="90000" tIns="46800" bIns="46800" anchor="ctr">
+                    <a:bodyPr lIns="90000" rIns="90000" anchor="ctr">
                       <a:noAutofit/>
                     </a:bodyPr>
                     <a:p>
                       <a:pPr algn="ctr">
+                        <a:lnSpc>
+                          <a:spcPct val="100000"/>
+                        </a:lnSpc>
                         <a:buNone/>
                       </a:pPr>
                       <a:r>
@@ -5532,11 +5302,14 @@
                 </a:tc>
                 <a:tc>
                   <a:txBody>
-                    <a:bodyPr lIns="90000" rIns="90000" tIns="46800" bIns="46800" anchor="ctr">
+                    <a:bodyPr lIns="90000" rIns="90000" anchor="ctr">
                       <a:noAutofit/>
                     </a:bodyPr>
                     <a:p>
                       <a:pPr algn="ctr">
+                        <a:lnSpc>
+                          <a:spcPct val="100000"/>
+                        </a:lnSpc>
                         <a:buNone/>
                       </a:pPr>
                       <a:r>
@@ -5580,11 +5353,14 @@
               <a:tr h="628560">
                 <a:tc>
                   <a:txBody>
-                    <a:bodyPr lIns="90000" rIns="90000" tIns="46800" bIns="46800" anchor="ctr">
+                    <a:bodyPr lIns="90000" rIns="90000" anchor="ctr">
                       <a:noAutofit/>
                     </a:bodyPr>
                     <a:p>
                       <a:pPr algn="ctr">
+                        <a:lnSpc>
+                          <a:spcPct val="100000"/>
+                        </a:lnSpc>
                         <a:buNone/>
                       </a:pPr>
                       <a:r>
@@ -5596,10 +5372,7 @@
                         </a:rPr>
                         <a:t>Description</a:t>
                       </a:r>
-                      <a:endParaRPr b="1" lang="en-US" sz="1800" spc="-1" strike="noStrike">
-                        <a:solidFill>
-                          <a:srgbClr val="ffffff"/>
-                        </a:solidFill>
+                      <a:endParaRPr b="0" lang="en-US" sz="1800" spc="-1" strike="noStrike">
                         <a:latin typeface="Arial"/>
                       </a:endParaRPr>
                     </a:p>
@@ -5632,11 +5405,14 @@
                 </a:tc>
                 <a:tc>
                   <a:txBody>
-                    <a:bodyPr lIns="90000" rIns="90000" tIns="46800" bIns="46800" anchor="ctr">
+                    <a:bodyPr lIns="90000" rIns="90000" anchor="ctr">
                       <a:noAutofit/>
                     </a:bodyPr>
                     <a:p>
                       <a:pPr algn="ctr">
+                        <a:lnSpc>
+                          <a:spcPct val="100000"/>
+                        </a:lnSpc>
                         <a:buNone/>
                       </a:pPr>
                       <a:r>
@@ -5678,11 +5454,14 @@
                 </a:tc>
                 <a:tc>
                   <a:txBody>
-                    <a:bodyPr lIns="90000" rIns="90000" tIns="46800" bIns="46800" anchor="ctr">
+                    <a:bodyPr lIns="90000" rIns="90000" anchor="ctr">
                       <a:noAutofit/>
                     </a:bodyPr>
                     <a:p>
                       <a:pPr algn="ctr">
+                        <a:lnSpc>
+                          <a:spcPct val="100000"/>
+                        </a:lnSpc>
                         <a:buNone/>
                       </a:pPr>
                       <a:r>
@@ -5724,11 +5503,14 @@
                 </a:tc>
                 <a:tc>
                   <a:txBody>
-                    <a:bodyPr lIns="90000" rIns="90000" tIns="46800" bIns="46800" anchor="ctr">
+                    <a:bodyPr lIns="90000" rIns="90000" anchor="ctr">
                       <a:noAutofit/>
                     </a:bodyPr>
                     <a:p>
                       <a:pPr algn="ctr">
+                        <a:lnSpc>
+                          <a:spcPct val="100000"/>
+                        </a:lnSpc>
                         <a:buNone/>
                       </a:pPr>
                       <a:r>
@@ -5770,11 +5552,14 @@
                 </a:tc>
                 <a:tc>
                   <a:txBody>
-                    <a:bodyPr lIns="90000" rIns="90000" tIns="46800" bIns="46800" anchor="ctr">
+                    <a:bodyPr lIns="90000" rIns="90000" anchor="ctr">
                       <a:noAutofit/>
                     </a:bodyPr>
                     <a:p>
                       <a:pPr algn="ctr">
+                        <a:lnSpc>
+                          <a:spcPct val="100000"/>
+                        </a:lnSpc>
                         <a:buNone/>
                       </a:pPr>
                       <a:r>
@@ -5816,11 +5601,14 @@
                 </a:tc>
                 <a:tc>
                   <a:txBody>
-                    <a:bodyPr lIns="90000" rIns="90000" tIns="46800" bIns="46800" anchor="ctr">
+                    <a:bodyPr lIns="90000" rIns="90000" anchor="ctr">
                       <a:noAutofit/>
                     </a:bodyPr>
                     <a:p>
                       <a:pPr algn="ctr">
+                        <a:lnSpc>
+                          <a:spcPct val="100000"/>
+                        </a:lnSpc>
                         <a:buNone/>
                       </a:pPr>
                       <a:r>
@@ -5862,11 +5650,14 @@
                 </a:tc>
                 <a:tc>
                   <a:txBody>
-                    <a:bodyPr lIns="90000" rIns="90000" tIns="46800" bIns="46800" anchor="ctr">
+                    <a:bodyPr lIns="90000" rIns="90000" anchor="ctr">
                       <a:noAutofit/>
                     </a:bodyPr>
                     <a:p>
                       <a:pPr algn="ctr">
+                        <a:lnSpc>
+                          <a:spcPct val="100000"/>
+                        </a:lnSpc>
                         <a:buNone/>
                       </a:pPr>
                       <a:r>
@@ -5920,7 +5711,7 @@
         <p:spPr>
           <a:xfrm>
             <a:off x="511920" y="4417200"/>
-            <a:ext cx="7717680" cy="2440800"/>
+            <a:ext cx="7717320" cy="2440440"/>
           </a:xfrm>
           <a:prstGeom prst="rect">
             <a:avLst/>
@@ -5963,6 +5754,7 @@
                   <a:srgbClr val="6241c5"/>
                 </a:solidFill>
                 <a:latin typeface="Arial"/>
+                <a:ea typeface="DejaVu Sans"/>
               </a:rPr>
               <a:t>Attest</a:t>
             </a:r>
@@ -5983,6 +5775,7 @@
                   <a:srgbClr val="000000"/>
                 </a:solidFill>
                 <a:latin typeface="Arial"/>
+                <a:ea typeface="DejaVu Sans"/>
               </a:rPr>
               <a:t>The AP signs a component's random number and sends back the signature for validation. After validation, the component sends encrypted attestation data to the AP for decryption.</a:t>
             </a:r>
@@ -6003,6 +5796,7 @@
                   <a:srgbClr val="6241c5"/>
                 </a:solidFill>
                 <a:latin typeface="Arial"/>
+                <a:ea typeface="DejaVu Sans"/>
               </a:rPr>
               <a:t>Boot</a:t>
             </a:r>
@@ -6023,6 +5817,7 @@
                   <a:srgbClr val="000000"/>
                 </a:solidFill>
                 <a:latin typeface="Arial"/>
+                <a:ea typeface="DejaVu Sans"/>
               </a:rPr>
               <a:t>The AP verifies each component by having it sign a random number; the components then validate the AP similarly. On successful validation, both the AP and components boot up.</a:t>
             </a:r>
@@ -6063,7 +5858,7 @@
         <p:spPr>
           <a:xfrm>
             <a:off x="8229600" y="4417200"/>
-            <a:ext cx="7772400" cy="2440800"/>
+            <a:ext cx="7772040" cy="2440440"/>
           </a:xfrm>
           <a:prstGeom prst="rect">
             <a:avLst/>
@@ -6106,6 +5901,7 @@
                   <a:srgbClr val="6241c5"/>
                 </a:solidFill>
                 <a:latin typeface="Arial"/>
+                <a:ea typeface="DejaVu Sans"/>
               </a:rPr>
               <a:t>Post-Boot Communication</a:t>
             </a:r>
@@ -6126,6 +5922,7 @@
                   <a:srgbClr val="000000"/>
                 </a:solidFill>
                 <a:latin typeface="Arial"/>
+                <a:ea typeface="DejaVu Sans"/>
               </a:rPr>
               <a:t>To ensure message integrity, the sender must sign the message, including the slave device's I2C address and a random number provided by the receiver, allowing the receiver to validate it.</a:t>
             </a:r>
@@ -6146,6 +5943,7 @@
                   <a:srgbClr val="6241c5"/>
                 </a:solidFill>
                 <a:latin typeface="Arial"/>
+                <a:ea typeface="DejaVu Sans"/>
               </a:rPr>
               <a:t>PIN and Token Checking</a:t>
             </a:r>
@@ -6166,6 +5964,7 @@
                   <a:srgbClr val="000000"/>
                 </a:solidFill>
                 <a:latin typeface="Arial"/>
+                <a:ea typeface="DejaVu Sans"/>
               </a:rPr>
               <a:t>Store only the Argon2 keyed-hash values of the PIN and Token. Apply the same hashing algorithm to user input and use constant-time comparison to verify hash values.</a:t>
             </a:r>
@@ -6217,7 +6016,7 @@
         <p:spPr>
           <a:xfrm>
             <a:off x="511920" y="4337280"/>
-            <a:ext cx="15490080" cy="4578120"/>
+            <a:ext cx="15489720" cy="4577760"/>
           </a:xfrm>
           <a:prstGeom prst="rect">
             <a:avLst/>
@@ -6282,62 +6081,16 @@
           </a:p>
         </p:txBody>
       </p:sp>
-      <p:pic>
-        <p:nvPicPr>
-          <p:cNvPr id="59" name="" descr=""/>
-          <p:cNvPicPr/>
-          <p:nvPr/>
-        </p:nvPicPr>
-        <p:blipFill>
-          <a:blip r:embed="rId2"/>
-          <a:stretch/>
-        </p:blipFill>
-        <p:spPr>
-          <a:xfrm>
-            <a:off x="1828800" y="12098160"/>
-            <a:ext cx="4390560" cy="3038040"/>
-          </a:xfrm>
-          <a:prstGeom prst="rect">
-            <a:avLst/>
-          </a:prstGeom>
-          <a:ln w="0">
-            <a:noFill/>
-          </a:ln>
-        </p:spPr>
-      </p:pic>
-      <p:pic>
-        <p:nvPicPr>
-          <p:cNvPr id="60" name="" descr=""/>
-          <p:cNvPicPr/>
-          <p:nvPr/>
-        </p:nvPicPr>
-        <p:blipFill>
-          <a:blip r:embed="rId3"/>
-          <a:stretch/>
-        </p:blipFill>
-        <p:spPr>
-          <a:xfrm>
-            <a:off x="9829800" y="18161280"/>
-            <a:ext cx="4476240" cy="1618920"/>
-          </a:xfrm>
-          <a:prstGeom prst="rect">
-            <a:avLst/>
-          </a:prstGeom>
-          <a:ln w="0">
-            <a:noFill/>
-          </a:ln>
-        </p:spPr>
-      </p:pic>
-      <p:sp>
-        <p:nvSpPr>
-          <p:cNvPr id="61" name="Rectangle 4"/>
+      <p:sp>
+        <p:nvSpPr>
+          <p:cNvPr id="59" name="Rectangle 4"/>
           <p:cNvSpPr/>
           <p:nvPr/>
         </p:nvSpPr>
         <p:spPr>
           <a:xfrm>
             <a:off x="484920" y="20166480"/>
-            <a:ext cx="15517080" cy="1311480"/>
+            <a:ext cx="15516720" cy="1311120"/>
           </a:xfrm>
           <a:prstGeom prst="rect">
             <a:avLst/>
@@ -6394,87 +6147,24 @@
                 <a:latin typeface="Arial"/>
                 <a:ea typeface="Calibri"/>
               </a:rPr>
-              <a:t>Although brute-force is a slow approach, almost half of the PIN extract flags snagged by our team used brute-</a:t>
-            </a:r>
-            <a:r>
-              <a:rPr b="0" lang="en-US" sz="2000" spc="-1" strike="noStrike">
-                <a:solidFill>
-                  <a:srgbClr val="000000"/>
-                </a:solidFill>
-                <a:latin typeface="Arial"/>
-                <a:ea typeface="Calibri"/>
-              </a:rPr>
-              <a:t>force.</a:t>
-            </a:r>
-            <a:r>
-              <a:rPr b="0" lang="en-US" sz="2000" spc="-1" strike="noStrike">
-                <a:solidFill>
-                  <a:srgbClr val="000000"/>
-                </a:solidFill>
-                <a:latin typeface="Arial"/>
-                <a:ea typeface="Calibri"/>
-              </a:rPr>
-              <a:t> ② </a:t>
-            </a:r>
-            <a:r>
-              <a:rPr b="0" lang="en-US" sz="2000" spc="-1" strike="noStrike">
-                <a:solidFill>
-                  <a:srgbClr val="000000"/>
-                </a:solidFill>
-                <a:latin typeface="Arial"/>
-                <a:ea typeface="Calibri"/>
-              </a:rPr>
-              <a:t>The attack boards this year does not support resetting, which serves as a defense mechanism for brute-force attack. </a:t>
-            </a:r>
-            <a:r>
-              <a:rPr b="0" lang="en-US" sz="2000" spc="-1" strike="noStrike">
-                <a:solidFill>
-                  <a:srgbClr val="000000"/>
-                </a:solidFill>
-                <a:latin typeface="Arial"/>
-                <a:ea typeface="Calibri"/>
-              </a:rPr>
-              <a:t>Otherwise, we could brute-force more PIN code!</a:t>
-            </a:r>
-            <a:r>
-              <a:rPr b="0" lang="en-US" sz="2000" spc="-1" strike="noStrike">
-                <a:solidFill>
-                  <a:srgbClr val="000000"/>
-                </a:solidFill>
-                <a:latin typeface="Arial"/>
-                <a:ea typeface="Calibri"/>
-              </a:rPr>
-              <a:t> ➂ A complex design may not mean a high security, all thanks to the same secrets </a:t>
-            </a:r>
-            <a:r>
-              <a:rPr b="0" lang="en-US" sz="2000" spc="-1" strike="noStrike">
-                <a:solidFill>
-                  <a:srgbClr val="000000"/>
-                </a:solidFill>
-                <a:latin typeface="Arial"/>
-                <a:ea typeface="Calibri"/>
-              </a:rPr>
-              <a:t>shared between deployments! ④ Defense points helped us a lot this year!</a:t>
+              <a:t>Although brute-force is a slow approach, almost half of the PIN extract flags snagged by our team used brute-force. ② The attack boards this year does not support resetting, which serves as a defense mechanism for brute-force attack. Otherwise, we could brute-force more PIN code! ➂ A complex design may not mean a high security, all thanks to the same secrets shared between deployments! ④ Defense points helped us a lot this year! ⑤ Snatched 72 flags during the attack phase, not too shabby! </a:t>
             </a:r>
             <a:endParaRPr b="0" lang="en-US" sz="2000" spc="-1" strike="noStrike">
-              <a:solidFill>
-                <a:srgbClr val="000000"/>
-              </a:solidFill>
-              <a:latin typeface="Arial"/>
-            </a:endParaRPr>
-          </a:p>
-        </p:txBody>
-      </p:sp>
-      <p:sp>
-        <p:nvSpPr>
-          <p:cNvPr id="62" name="TextBox 12"/>
+              <a:latin typeface="Arial"/>
+            </a:endParaRPr>
+          </a:p>
+        </p:txBody>
+      </p:sp>
+      <p:sp>
+        <p:nvSpPr>
+          <p:cNvPr id="60" name="TextBox 12"/>
           <p:cNvSpPr/>
           <p:nvPr/>
         </p:nvSpPr>
         <p:spPr>
           <a:xfrm>
             <a:off x="576360" y="20107800"/>
-            <a:ext cx="1818000" cy="456120"/>
+            <a:ext cx="1818000" cy="455400"/>
           </a:xfrm>
           <a:prstGeom prst="rect">
             <a:avLst/>
@@ -6507,6 +6197,7 @@
                   <a:srgbClr val="6241c5"/>
                 </a:solidFill>
                 <a:latin typeface="Arial Black"/>
+                <a:ea typeface="DejaVu Sans"/>
               </a:rPr>
               <a:t>Fun Facts</a:t>
             </a:r>
@@ -6516,6 +6207,121 @@
           </a:p>
         </p:txBody>
       </p:sp>
+      <p:pic>
+        <p:nvPicPr>
+          <p:cNvPr id="61" name="" descr=""/>
+          <p:cNvPicPr/>
+          <p:nvPr/>
+        </p:nvPicPr>
+        <p:blipFill>
+          <a:blip r:embed="rId2"/>
+          <a:stretch/>
+        </p:blipFill>
+        <p:spPr>
+          <a:xfrm>
+            <a:off x="5608800" y="3589200"/>
+            <a:ext cx="635400" cy="667080"/>
+          </a:xfrm>
+          <a:prstGeom prst="rect">
+            <a:avLst/>
+          </a:prstGeom>
+          <a:ln w="0">
+            <a:noFill/>
+          </a:ln>
+        </p:spPr>
+      </p:pic>
+      <p:pic>
+        <p:nvPicPr>
+          <p:cNvPr id="62" name="" descr=""/>
+          <p:cNvPicPr/>
+          <p:nvPr/>
+        </p:nvPicPr>
+        <p:blipFill>
+          <a:blip r:embed="rId3"/>
+          <a:stretch/>
+        </p:blipFill>
+        <p:spPr>
+          <a:xfrm>
+            <a:off x="1109160" y="9242280"/>
+            <a:ext cx="582840" cy="594720"/>
+          </a:xfrm>
+          <a:prstGeom prst="rect">
+            <a:avLst/>
+          </a:prstGeom>
+          <a:ln w="0">
+            <a:noFill/>
+          </a:ln>
+        </p:spPr>
+      </p:pic>
+      <p:pic>
+        <p:nvPicPr>
+          <p:cNvPr id="63" name="" descr=""/>
+          <p:cNvPicPr/>
+          <p:nvPr/>
+        </p:nvPicPr>
+        <p:blipFill>
+          <a:blip r:embed="rId4"/>
+          <a:stretch/>
+        </p:blipFill>
+        <p:spPr>
+          <a:xfrm>
+            <a:off x="9207000" y="9227520"/>
+            <a:ext cx="538200" cy="566280"/>
+          </a:xfrm>
+          <a:prstGeom prst="rect">
+            <a:avLst/>
+          </a:prstGeom>
+          <a:ln w="0">
+            <a:noFill/>
+          </a:ln>
+        </p:spPr>
+      </p:pic>
+      <p:pic>
+        <p:nvPicPr>
+          <p:cNvPr id="64" name="" descr=""/>
+          <p:cNvPicPr/>
+          <p:nvPr/>
+        </p:nvPicPr>
+        <p:blipFill>
+          <a:blip r:embed="rId5"/>
+          <a:stretch/>
+        </p:blipFill>
+        <p:spPr>
+          <a:xfrm>
+            <a:off x="1781640" y="12049560"/>
+            <a:ext cx="4390560" cy="3038040"/>
+          </a:xfrm>
+          <a:prstGeom prst="rect">
+            <a:avLst/>
+          </a:prstGeom>
+          <a:ln w="0">
+            <a:noFill/>
+          </a:ln>
+        </p:spPr>
+      </p:pic>
+      <p:pic>
+        <p:nvPicPr>
+          <p:cNvPr id="65" name="" descr=""/>
+          <p:cNvPicPr/>
+          <p:nvPr/>
+        </p:nvPicPr>
+        <p:blipFill>
+          <a:blip r:embed="rId6"/>
+          <a:stretch/>
+        </p:blipFill>
+        <p:spPr>
+          <a:xfrm>
+            <a:off x="10058400" y="18059400"/>
+            <a:ext cx="4476240" cy="1618920"/>
+          </a:xfrm>
+          <a:prstGeom prst="rect">
+            <a:avLst/>
+          </a:prstGeom>
+          <a:ln w="0">
+            <a:noFill/>
+          </a:ln>
+        </p:spPr>
+      </p:pic>
     </p:spTree>
   </p:cSld>
   <mc:AlternateContent>

--- a/poster/2024 eCTF Poster Template (copy).pptx
+++ b/poster/2024 eCTF Poster Template (copy).pptx
@@ -67,139 +67,7 @@
               <a:rPr b="0" lang="en-US" sz="4400" spc="-1" strike="noStrike">
                 <a:latin typeface="Arial"/>
               </a:rPr>
-              <a:t>C</a:t>
-            </a:r>
-            <a:r>
-              <a:rPr b="0" lang="en-US" sz="4400" spc="-1" strike="noStrike">
-                <a:latin typeface="Arial"/>
-              </a:rPr>
-              <a:t>l</a:t>
-            </a:r>
-            <a:r>
-              <a:rPr b="0" lang="en-US" sz="4400" spc="-1" strike="noStrike">
-                <a:latin typeface="Arial"/>
-              </a:rPr>
-              <a:t>i</a:t>
-            </a:r>
-            <a:r>
-              <a:rPr b="0" lang="en-US" sz="4400" spc="-1" strike="noStrike">
-                <a:latin typeface="Arial"/>
-              </a:rPr>
-              <a:t>c</a:t>
-            </a:r>
-            <a:r>
-              <a:rPr b="0" lang="en-US" sz="4400" spc="-1" strike="noStrike">
-                <a:latin typeface="Arial"/>
-              </a:rPr>
-              <a:t>k</a:t>
-            </a:r>
-            <a:r>
-              <a:rPr b="0" lang="en-US" sz="4400" spc="-1" strike="noStrike">
-                <a:latin typeface="Arial"/>
-              </a:rPr>
-              <a:t> </a:t>
-            </a:r>
-            <a:r>
-              <a:rPr b="0" lang="en-US" sz="4400" spc="-1" strike="noStrike">
-                <a:latin typeface="Arial"/>
-              </a:rPr>
-              <a:t>t</a:t>
-            </a:r>
-            <a:r>
-              <a:rPr b="0" lang="en-US" sz="4400" spc="-1" strike="noStrike">
-                <a:latin typeface="Arial"/>
-              </a:rPr>
-              <a:t>o</a:t>
-            </a:r>
-            <a:r>
-              <a:rPr b="0" lang="en-US" sz="4400" spc="-1" strike="noStrike">
-                <a:latin typeface="Arial"/>
-              </a:rPr>
-              <a:t> </a:t>
-            </a:r>
-            <a:r>
-              <a:rPr b="0" lang="en-US" sz="4400" spc="-1" strike="noStrike">
-                <a:latin typeface="Arial"/>
-              </a:rPr>
-              <a:t>m</a:t>
-            </a:r>
-            <a:r>
-              <a:rPr b="0" lang="en-US" sz="4400" spc="-1" strike="noStrike">
-                <a:latin typeface="Arial"/>
-              </a:rPr>
-              <a:t>o</a:t>
-            </a:r>
-            <a:r>
-              <a:rPr b="0" lang="en-US" sz="4400" spc="-1" strike="noStrike">
-                <a:latin typeface="Arial"/>
-              </a:rPr>
-              <a:t>v</a:t>
-            </a:r>
-            <a:r>
-              <a:rPr b="0" lang="en-US" sz="4400" spc="-1" strike="noStrike">
-                <a:latin typeface="Arial"/>
-              </a:rPr>
-              <a:t>e</a:t>
-            </a:r>
-            <a:r>
-              <a:rPr b="0" lang="en-US" sz="4400" spc="-1" strike="noStrike">
-                <a:latin typeface="Arial"/>
-              </a:rPr>
-              <a:t> </a:t>
-            </a:r>
-            <a:r>
-              <a:rPr b="0" lang="en-US" sz="4400" spc="-1" strike="noStrike">
-                <a:latin typeface="Arial"/>
-              </a:rPr>
-              <a:t>t</a:t>
-            </a:r>
-            <a:r>
-              <a:rPr b="0" lang="en-US" sz="4400" spc="-1" strike="noStrike">
-                <a:latin typeface="Arial"/>
-              </a:rPr>
-              <a:t>h</a:t>
-            </a:r>
-            <a:r>
-              <a:rPr b="0" lang="en-US" sz="4400" spc="-1" strike="noStrike">
-                <a:latin typeface="Arial"/>
-              </a:rPr>
-              <a:t>e</a:t>
-            </a:r>
-            <a:r>
-              <a:rPr b="0" lang="en-US" sz="4400" spc="-1" strike="noStrike">
-                <a:latin typeface="Arial"/>
-              </a:rPr>
-              <a:t> </a:t>
-            </a:r>
-            <a:r>
-              <a:rPr b="0" lang="en-US" sz="4400" spc="-1" strike="noStrike">
-                <a:latin typeface="Arial"/>
-              </a:rPr>
-              <a:t>s</a:t>
-            </a:r>
-            <a:r>
-              <a:rPr b="0" lang="en-US" sz="4400" spc="-1" strike="noStrike">
-                <a:latin typeface="Arial"/>
-              </a:rPr>
-              <a:t>l</a:t>
-            </a:r>
-            <a:r>
-              <a:rPr b="0" lang="en-US" sz="4400" spc="-1" strike="noStrike">
-                <a:latin typeface="Arial"/>
-              </a:rPr>
-              <a:t>i</a:t>
-            </a:r>
-            <a:r>
-              <a:rPr b="0" lang="en-US" sz="4400" spc="-1" strike="noStrike">
-                <a:latin typeface="Arial"/>
-              </a:rPr>
-              <a:t>d</a:t>
-            </a:r>
-            <a:r>
-              <a:rPr b="0" lang="en-US" sz="4400" spc="-1" strike="noStrike">
-                <a:latin typeface="Arial"/>
-              </a:rPr>
-              <a:t>e</a:t>
+              <a:t>Click to move the slide</a:t>
             </a:r>
             <a:endParaRPr b="0" lang="en-US" sz="4400" spc="-1" strike="noStrike">
               <a:latin typeface="Arial"/>
@@ -239,7 +107,97 @@
               <a:rPr b="0" lang="en-US" sz="2000" spc="-1" strike="noStrike">
                 <a:latin typeface="Arial"/>
               </a:rPr>
-              <a:t>Click to edit the notes format</a:t>
+              <a:t>Clic</a:t>
+            </a:r>
+            <a:r>
+              <a:rPr b="0" lang="en-US" sz="2000" spc="-1" strike="noStrike">
+                <a:latin typeface="Arial"/>
+              </a:rPr>
+              <a:t>k </a:t>
+            </a:r>
+            <a:r>
+              <a:rPr b="0" lang="en-US" sz="2000" spc="-1" strike="noStrike">
+                <a:latin typeface="Arial"/>
+              </a:rPr>
+              <a:t>to </a:t>
+            </a:r>
+            <a:r>
+              <a:rPr b="0" lang="en-US" sz="2000" spc="-1" strike="noStrike">
+                <a:latin typeface="Arial"/>
+              </a:rPr>
+              <a:t>e</a:t>
+            </a:r>
+            <a:r>
+              <a:rPr b="0" lang="en-US" sz="2000" spc="-1" strike="noStrike">
+                <a:latin typeface="Arial"/>
+              </a:rPr>
+              <a:t>di</a:t>
+            </a:r>
+            <a:r>
+              <a:rPr b="0" lang="en-US" sz="2000" spc="-1" strike="noStrike">
+                <a:latin typeface="Arial"/>
+              </a:rPr>
+              <a:t>t </a:t>
+            </a:r>
+            <a:r>
+              <a:rPr b="0" lang="en-US" sz="2000" spc="-1" strike="noStrike">
+                <a:latin typeface="Arial"/>
+              </a:rPr>
+              <a:t>th</a:t>
+            </a:r>
+            <a:r>
+              <a:rPr b="0" lang="en-US" sz="2000" spc="-1" strike="noStrike">
+                <a:latin typeface="Arial"/>
+              </a:rPr>
+              <a:t>e </a:t>
+            </a:r>
+            <a:r>
+              <a:rPr b="0" lang="en-US" sz="2000" spc="-1" strike="noStrike">
+                <a:latin typeface="Arial"/>
+              </a:rPr>
+              <a:t>n</a:t>
+            </a:r>
+            <a:r>
+              <a:rPr b="0" lang="en-US" sz="2000" spc="-1" strike="noStrike">
+                <a:latin typeface="Arial"/>
+              </a:rPr>
+              <a:t>ot</a:t>
+            </a:r>
+            <a:r>
+              <a:rPr b="0" lang="en-US" sz="2000" spc="-1" strike="noStrike">
+                <a:latin typeface="Arial"/>
+              </a:rPr>
+              <a:t>e</a:t>
+            </a:r>
+            <a:r>
+              <a:rPr b="0" lang="en-US" sz="2000" spc="-1" strike="noStrike">
+                <a:latin typeface="Arial"/>
+              </a:rPr>
+              <a:t>s </a:t>
+            </a:r>
+            <a:r>
+              <a:rPr b="0" lang="en-US" sz="2000" spc="-1" strike="noStrike">
+                <a:latin typeface="Arial"/>
+              </a:rPr>
+              <a:t>fo</a:t>
+            </a:r>
+            <a:r>
+              <a:rPr b="0" lang="en-US" sz="2000" spc="-1" strike="noStrike">
+                <a:latin typeface="Arial"/>
+              </a:rPr>
+              <a:t>r</a:t>
+            </a:r>
+            <a:r>
+              <a:rPr b="0" lang="en-US" sz="2000" spc="-1" strike="noStrike">
+                <a:latin typeface="Arial"/>
+              </a:rPr>
+              <a:t>m</a:t>
+            </a:r>
+            <a:r>
+              <a:rPr b="0" lang="en-US" sz="2000" spc="-1" strike="noStrike">
+                <a:latin typeface="Arial"/>
+              </a:rPr>
+              <a:t>at</a:t>
             </a:r>
             <a:endParaRPr b="0" lang="en-US" sz="2000" spc="-1" strike="noStrike">
               <a:latin typeface="Arial"/>
@@ -424,7 +382,7 @@
             <a:pPr algn="r">
               <a:buNone/>
             </a:pPr>
-            <a:fld id="{0E9DBB24-04B8-438D-AB1F-DDF92C1C774E}" type="slidenum">
+            <a:fld id="{76DFE5D7-45E5-4999-B391-4A4F7BA45F7E}" type="slidenum">
               <a:rPr b="0" lang="en-US" sz="1400" spc="-1" strike="noStrike">
                 <a:latin typeface="Times New Roman"/>
               </a:rPr>
@@ -461,7 +419,7 @@
       </p:grpSpPr>
       <p:sp>
         <p:nvSpPr>
-          <p:cNvPr id="66" name="PlaceHolder 1"/>
+          <p:cNvPr id="90" name="PlaceHolder 1"/>
           <p:cNvSpPr>
             <a:spLocks noGrp="1"/>
           </p:cNvSpPr>
@@ -484,7 +442,7 @@
       </p:sp>
       <p:sp>
         <p:nvSpPr>
-          <p:cNvPr id="67" name="PlaceHolder 2"/>
+          <p:cNvPr id="91" name="PlaceHolder 2"/>
           <p:cNvSpPr>
             <a:spLocks noGrp="1"/>
           </p:cNvSpPr>
@@ -518,7 +476,7 @@
       </p:sp>
       <p:sp>
         <p:nvSpPr>
-          <p:cNvPr id="68" name="PlaceHolder 3"/>
+          <p:cNvPr id="92" name="PlaceHolder 3"/>
           <p:cNvSpPr>
             <a:spLocks noGrp="1"/>
           </p:cNvSpPr>
@@ -561,7 +519,7 @@
               </a:lnSpc>
               <a:buNone/>
             </a:pPr>
-            <a:fld id="{0AA58624-C58C-42BA-A887-82CE825BD04F}" type="slidenum">
+            <a:fld id="{68BF041C-4F64-4696-9C1B-7BD6FE58EEF7}" type="slidenum">
               <a:rPr b="0" lang="en-US" sz="1200" spc="-1" strike="noStrike">
                 <a:latin typeface="Times New Roman"/>
               </a:rPr>
@@ -629,7 +587,7 @@
         <p:txBody>
           <a:bodyPr/>
           <a:p>
-            <a:fld id="{606E2146-611C-4560-8473-760FCDF4A017}" type="slidenum">
+            <a:fld id="{7017280A-E620-4B2A-9ACE-B49965FF303F}" type="slidenum">
               <a:t>&lt;#&gt;</a:t>
             </a:fld>
           </a:p>
@@ -817,7 +775,7 @@
         <p:txBody>
           <a:bodyPr/>
           <a:p>
-            <a:fld id="{356CB199-7316-40A1-BBCF-4976A376CCC1}" type="slidenum">
+            <a:fld id="{37BCC621-1C73-48F5-BA20-9DBA44FB4D1E}" type="slidenum">
               <a:t>&lt;#&gt;</a:t>
             </a:fld>
           </a:p>
@@ -1073,7 +1031,7 @@
         <p:txBody>
           <a:bodyPr/>
           <a:p>
-            <a:fld id="{81841DE3-C3A9-4884-A6AC-0F062C04BADB}" type="slidenum">
+            <a:fld id="{AACCBA2F-41BD-4760-890F-9CFB2ED8045C}" type="slidenum">
               <a:t>&lt;#&gt;</a:t>
             </a:fld>
           </a:p>
@@ -1397,7 +1355,7 @@
         <p:txBody>
           <a:bodyPr/>
           <a:p>
-            <a:fld id="{24702627-6E75-4557-868B-A1ABA66616C5}" type="slidenum">
+            <a:fld id="{E987B574-A6E3-4A12-8AC3-40451C6644A9}" type="slidenum">
               <a:t>&lt;#&gt;</a:t>
             </a:fld>
           </a:p>
@@ -1554,7 +1512,7 @@
         <p:txBody>
           <a:bodyPr/>
           <a:p>
-            <a:fld id="{7B36F983-9963-4B3C-9B1D-75F1A28C708B}" type="slidenum">
+            <a:fld id="{2D6D121B-B13D-46EA-A867-8B8E4A54FD66}" type="slidenum">
               <a:t>&lt;#&gt;</a:t>
             </a:fld>
           </a:p>
@@ -1708,7 +1666,7 @@
         <p:txBody>
           <a:bodyPr/>
           <a:p>
-            <a:fld id="{479F1A4B-49C8-4AF3-9292-13CE60DA7C94}" type="slidenum">
+            <a:fld id="{4CF6904A-ED1B-4976-A83B-1E8E4C9B580B}" type="slidenum">
               <a:t>&lt;#&gt;</a:t>
             </a:fld>
           </a:p>
@@ -1896,7 +1854,7 @@
         <p:txBody>
           <a:bodyPr/>
           <a:p>
-            <a:fld id="{94F16F42-B7A0-4609-ACB0-25E7C10132B3}" type="slidenum">
+            <a:fld id="{06B92A5E-526A-4E30-AF9B-0936E950003A}" type="slidenum">
               <a:t>&lt;#&gt;</a:t>
             </a:fld>
           </a:p>
@@ -2016,7 +1974,7 @@
         <p:txBody>
           <a:bodyPr/>
           <a:p>
-            <a:fld id="{3D7E5B24-8100-49F6-9059-334EA6C9C41A}" type="slidenum">
+            <a:fld id="{2BE7016D-E01B-475D-B0C3-1E850886C687}" type="slidenum">
               <a:t>&lt;#&gt;</a:t>
             </a:fld>
           </a:p>
@@ -2136,7 +2094,7 @@
         <p:txBody>
           <a:bodyPr/>
           <a:p>
-            <a:fld id="{D7824909-C5AD-489E-89CF-4B8B324B876F}" type="slidenum">
+            <a:fld id="{ED72A426-19AC-41F0-9E69-9B67AC6D4E80}" type="slidenum">
               <a:t>&lt;#&gt;</a:t>
             </a:fld>
           </a:p>
@@ -2358,7 +2316,7 @@
         <p:txBody>
           <a:bodyPr/>
           <a:p>
-            <a:fld id="{5E02A802-0A7D-4074-936D-186EA0083EBF}" type="slidenum">
+            <a:fld id="{89B77CDD-B61F-4A7D-BE71-51741F7B3C03}" type="slidenum">
               <a:t>&lt;#&gt;</a:t>
             </a:fld>
           </a:p>
@@ -2580,7 +2538,7 @@
         <p:txBody>
           <a:bodyPr/>
           <a:p>
-            <a:fld id="{40C96530-5484-45D8-B7F8-0F57A2F246A9}" type="slidenum">
+            <a:fld id="{9860D493-AD52-4A7F-8F82-C074ABA7DB3D}" type="slidenum">
               <a:t>&lt;#&gt;</a:t>
             </a:fld>
           </a:p>
@@ -2802,7 +2760,7 @@
         <p:txBody>
           <a:bodyPr/>
           <a:p>
-            <a:fld id="{6ACCA221-8F60-4CF0-B9E4-E8E0898F26F1}" type="slidenum">
+            <a:fld id="{8C934CAA-3650-4F30-9777-70CFE48BF33E}" type="slidenum">
               <a:t>&lt;#&gt;</a:t>
             </a:fld>
           </a:p>
@@ -3003,7 +2961,7 @@
               </a:lnSpc>
               <a:buNone/>
             </a:pPr>
-            <a:fld id="{47006E8C-FC28-4AA2-A6E9-0E6D1FE13025}" type="slidenum">
+            <a:fld id="{20FF8F50-E0D9-4CBD-9715-5257DCD4963D}" type="slidenum">
               <a:rPr b="0" lang="en-US" sz="2160" spc="-1" strike="noStrike">
                 <a:solidFill>
                   <a:srgbClr val="8b8b8b"/>
@@ -3300,7 +3258,7 @@
         </p:nvSpPr>
         <p:spPr>
           <a:xfrm>
-            <a:off x="8430840" y="10058400"/>
+            <a:off x="8430840" y="10238400"/>
             <a:ext cx="7515720" cy="9832680"/>
           </a:xfrm>
           <a:prstGeom prst="rect">
@@ -3310,9 +3268,7 @@
             <a:schemeClr val="bg1"/>
           </a:solidFill>
           <a:ln w="9525">
-            <a:solidFill>
-              <a:srgbClr val="0e2641"/>
-            </a:solidFill>
+            <a:noFill/>
           </a:ln>
         </p:spPr>
         <p:style>
@@ -3485,7 +3441,7 @@
               </a:lnSpc>
               <a:buNone/>
             </a:pPr>
-            <a:endParaRPr b="0" lang="en-US" sz="2000" spc="-1" strike="noStrike">
+            <a:endParaRPr b="0" lang="en-US" sz="1000" spc="-1" strike="noStrike">
               <a:latin typeface="Arial"/>
             </a:endParaRPr>
           </a:p>
@@ -3569,6 +3525,17 @@
               </a:lnSpc>
               <a:buNone/>
             </a:pPr>
+            <a:endParaRPr b="0" lang="en-US" sz="1000" spc="-1" strike="noStrike">
+              <a:latin typeface="Arial"/>
+            </a:endParaRPr>
+          </a:p>
+          <a:p>
+            <a:pPr algn="just">
+              <a:lnSpc>
+                <a:spcPct val="100000"/>
+              </a:lnSpc>
+              <a:buNone/>
+            </a:pPr>
             <a:r>
               <a:rPr b="1" lang="en-US" sz="2000" spc="-1" strike="noStrike">
                 <a:solidFill>
@@ -3759,7 +3726,7 @@
         </p:nvSpPr>
         <p:spPr>
           <a:xfrm>
-            <a:off x="1598400" y="9165600"/>
+            <a:off x="1598400" y="9345600"/>
             <a:ext cx="5835240" cy="699120"/>
           </a:xfrm>
           <a:prstGeom prst="rect">
@@ -3975,7 +3942,7 @@
         </p:nvSpPr>
         <p:spPr>
           <a:xfrm>
-            <a:off x="504000" y="10058400"/>
+            <a:off x="504000" y="10238400"/>
             <a:ext cx="7515720" cy="9833040"/>
           </a:xfrm>
           <a:prstGeom prst="rect">
@@ -3985,9 +3952,7 @@
             <a:schemeClr val="bg1"/>
           </a:solidFill>
           <a:ln w="9525">
-            <a:solidFill>
-              <a:srgbClr val="0e2641"/>
-            </a:solidFill>
+            <a:noFill/>
           </a:ln>
         </p:spPr>
         <p:style>
@@ -4224,17 +4189,6 @@
               </a:lnSpc>
               <a:buNone/>
             </a:pPr>
-            <a:endParaRPr b="0" lang="en-US" sz="2000" spc="-1" strike="noStrike">
-              <a:latin typeface="Arial"/>
-            </a:endParaRPr>
-          </a:p>
-          <a:p>
-            <a:pPr algn="just">
-              <a:lnSpc>
-                <a:spcPct val="100000"/>
-              </a:lnSpc>
-              <a:buNone/>
-            </a:pPr>
             <a:r>
               <a:rPr b="1" lang="en-US" sz="2000" spc="-1" strike="noStrike">
                 <a:solidFill>
@@ -4276,6 +4230,22 @@
             </a:endParaRPr>
           </a:p>
           <a:p>
+            <a:pPr lvl="1" marL="432000" indent="-216000" algn="just">
+              <a:lnSpc>
+                <a:spcPct val="100000"/>
+              </a:lnSpc>
+              <a:buClr>
+                <a:srgbClr val="000000"/>
+              </a:buClr>
+              <a:buSzPct val="45000"/>
+              <a:buFont typeface="Wingdings" charset="2"/>
+              <a:buChar char=""/>
+            </a:pPr>
+            <a:endParaRPr b="0" lang="en-US" sz="1000" spc="-1" strike="noStrike">
+              <a:latin typeface="Arial"/>
+            </a:endParaRPr>
+          </a:p>
+          <a:p>
             <a:pPr algn="just">
               <a:lnSpc>
                 <a:spcPct val="100000"/>
@@ -4401,6 +4371,22 @@
             </a:endParaRPr>
           </a:p>
           <a:p>
+            <a:pPr lvl="1" marL="432000" indent="-216000" algn="just">
+              <a:lnSpc>
+                <a:spcPct val="100000"/>
+              </a:lnSpc>
+              <a:buClr>
+                <a:srgbClr val="000000"/>
+              </a:buClr>
+              <a:buSzPct val="45000"/>
+              <a:buFont typeface="Wingdings" charset="2"/>
+              <a:buChar char=""/>
+            </a:pPr>
+            <a:endParaRPr b="0" lang="en-US" sz="1000" spc="-1" strike="noStrike">
+              <a:latin typeface="Arial"/>
+            </a:endParaRPr>
+          </a:p>
+          <a:p>
             <a:pPr algn="just">
               <a:lnSpc>
                 <a:spcPct val="100000"/>
@@ -4494,7 +4480,7 @@
         </p:nvSpPr>
         <p:spPr>
           <a:xfrm>
-            <a:off x="9646920" y="9155160"/>
+            <a:off x="9646920" y="9335160"/>
             <a:ext cx="5691960" cy="699120"/>
           </a:xfrm>
           <a:prstGeom prst="rect">
@@ -4602,8 +4588,8 @@
         </p:blipFill>
         <p:spPr>
           <a:xfrm>
-            <a:off x="12337560" y="760320"/>
-            <a:ext cx="3608640" cy="1375920"/>
+            <a:off x="12441600" y="760320"/>
+            <a:ext cx="3144600" cy="1199160"/>
           </a:xfrm>
           <a:prstGeom prst="rect">
             <a:avLst/>
@@ -4620,8 +4606,8 @@
           <p:nvPr/>
         </p:nvGraphicFramePr>
         <p:xfrm>
-          <a:off x="723600" y="6952320"/>
-          <a:ext cx="15086880" cy="1766520"/>
+          <a:off x="723600" y="7276320"/>
+          <a:ext cx="15086880" cy="1778400"/>
         </p:xfrm>
         <a:graphic>
           <a:graphicData uri="http://schemas.openxmlformats.org/drawingml/2006/table">
@@ -4651,9 +4637,6 @@
                       </a:pPr>
                       <a:r>
                         <a:rPr b="1" lang="en-US" sz="1800" spc="-1" strike="noStrike">
-                          <a:solidFill>
-                            <a:srgbClr val="ffffff"/>
-                          </a:solidFill>
                           <a:latin typeface="Arial"/>
                         </a:rPr>
                         <a:t>Secrets</a:t>
@@ -4666,26 +4649,26 @@
                   <a:tcPr anchor="ctr" marL="90000" marR="90000">
                     <a:lnL w="720">
                       <a:solidFill>
-                        <a:srgbClr val="ffffff"/>
+                        <a:srgbClr val="6241c5"/>
                       </a:solidFill>
                     </a:lnL>
                     <a:lnR w="720">
                       <a:solidFill>
-                        <a:srgbClr val="ffffff"/>
+                        <a:srgbClr val="6241c5"/>
                       </a:solidFill>
                     </a:lnR>
                     <a:lnT w="720">
                       <a:solidFill>
-                        <a:srgbClr val="ffffff"/>
+                        <a:srgbClr val="6241c5"/>
                       </a:solidFill>
                     </a:lnT>
                     <a:lnB w="720">
                       <a:solidFill>
-                        <a:srgbClr val="ffffff"/>
+                        <a:srgbClr val="6241c5"/>
                       </a:solidFill>
                     </a:lnB>
                     <a:solidFill>
-                      <a:srgbClr val="6241c5"/>
+                      <a:srgbClr val="d7cdf8"/>
                     </a:solidFill>
                   </a:tcPr>
                 </a:tc>
@@ -4703,9 +4686,6 @@
                       </a:pPr>
                       <a:r>
                         <a:rPr b="1" lang="en-US" sz="1800" spc="-1" strike="noStrike">
-                          <a:solidFill>
-                            <a:srgbClr val="ffffff"/>
-                          </a:solidFill>
                           <a:latin typeface="Arial"/>
                         </a:rPr>
                         <a:t>Key1_Public</a:t>
@@ -4718,26 +4698,26 @@
                   <a:tcPr anchor="ctr" marL="90000" marR="90000">
                     <a:lnL w="720">
                       <a:solidFill>
-                        <a:srgbClr val="ffffff"/>
+                        <a:srgbClr val="6241c5"/>
                       </a:solidFill>
                     </a:lnL>
                     <a:lnR w="720">
                       <a:solidFill>
-                        <a:srgbClr val="ffffff"/>
+                        <a:srgbClr val="6241c5"/>
                       </a:solidFill>
                     </a:lnR>
                     <a:lnT w="720">
                       <a:solidFill>
-                        <a:srgbClr val="ffffff"/>
+                        <a:srgbClr val="6241c5"/>
                       </a:solidFill>
                     </a:lnT>
                     <a:lnB w="720">
                       <a:solidFill>
-                        <a:srgbClr val="ffffff"/>
+                        <a:srgbClr val="6241c5"/>
                       </a:solidFill>
                     </a:lnB>
                     <a:solidFill>
-                      <a:srgbClr val="6241c5"/>
+                      <a:srgbClr val="d7cdf8"/>
                     </a:solidFill>
                   </a:tcPr>
                 </a:tc>
@@ -4755,9 +4735,6 @@
                       </a:pPr>
                       <a:r>
                         <a:rPr b="1" lang="en-US" sz="1800" spc="-1" strike="noStrike">
-                          <a:solidFill>
-                            <a:srgbClr val="ffffff"/>
-                          </a:solidFill>
                           <a:latin typeface="Arial"/>
                         </a:rPr>
                         <a:t>Key1_Private</a:t>
@@ -4770,26 +4747,26 @@
                   <a:tcPr anchor="ctr" marL="90000" marR="90000">
                     <a:lnL w="720">
                       <a:solidFill>
-                        <a:srgbClr val="ffffff"/>
+                        <a:srgbClr val="6241c5"/>
                       </a:solidFill>
                     </a:lnL>
                     <a:lnR w="720">
                       <a:solidFill>
-                        <a:srgbClr val="ffffff"/>
+                        <a:srgbClr val="6241c5"/>
                       </a:solidFill>
                     </a:lnR>
                     <a:lnT w="720">
                       <a:solidFill>
-                        <a:srgbClr val="ffffff"/>
+                        <a:srgbClr val="6241c5"/>
                       </a:solidFill>
                     </a:lnT>
                     <a:lnB w="720">
                       <a:solidFill>
-                        <a:srgbClr val="ffffff"/>
+                        <a:srgbClr val="6241c5"/>
                       </a:solidFill>
                     </a:lnB>
                     <a:solidFill>
-                      <a:srgbClr val="6241c5"/>
+                      <a:srgbClr val="d7cdf8"/>
                     </a:solidFill>
                   </a:tcPr>
                 </a:tc>
@@ -4807,9 +4784,6 @@
                       </a:pPr>
                       <a:r>
                         <a:rPr b="1" lang="en-US" sz="1800" spc="-1" strike="noStrike">
-                          <a:solidFill>
-                            <a:srgbClr val="ffffff"/>
-                          </a:solidFill>
                           <a:latin typeface="Arial"/>
                         </a:rPr>
                         <a:t>Key2_Public</a:t>
@@ -4822,26 +4796,26 @@
                   <a:tcPr anchor="ctr" marL="90000" marR="90000">
                     <a:lnL w="720">
                       <a:solidFill>
-                        <a:srgbClr val="ffffff"/>
+                        <a:srgbClr val="6241c5"/>
                       </a:solidFill>
                     </a:lnL>
                     <a:lnR w="720">
                       <a:solidFill>
-                        <a:srgbClr val="ffffff"/>
+                        <a:srgbClr val="6241c5"/>
                       </a:solidFill>
                     </a:lnR>
                     <a:lnT w="720">
                       <a:solidFill>
-                        <a:srgbClr val="ffffff"/>
+                        <a:srgbClr val="6241c5"/>
                       </a:solidFill>
                     </a:lnT>
                     <a:lnB w="720">
                       <a:solidFill>
-                        <a:srgbClr val="ffffff"/>
+                        <a:srgbClr val="6241c5"/>
                       </a:solidFill>
                     </a:lnB>
                     <a:solidFill>
-                      <a:srgbClr val="6241c5"/>
+                      <a:srgbClr val="d7cdf8"/>
                     </a:solidFill>
                   </a:tcPr>
                 </a:tc>
@@ -4859,9 +4833,6 @@
                       </a:pPr>
                       <a:r>
                         <a:rPr b="1" lang="en-US" sz="1800" spc="-1" strike="noStrike">
-                          <a:solidFill>
-                            <a:srgbClr val="ffffff"/>
-                          </a:solidFill>
                           <a:latin typeface="Arial"/>
                         </a:rPr>
                         <a:t>Key2_Private</a:t>
@@ -4874,26 +4845,26 @@
                   <a:tcPr anchor="ctr" marL="90000" marR="90000">
                     <a:lnL w="720">
                       <a:solidFill>
-                        <a:srgbClr val="ffffff"/>
+                        <a:srgbClr val="6241c5"/>
                       </a:solidFill>
                     </a:lnL>
                     <a:lnR w="720">
                       <a:solidFill>
-                        <a:srgbClr val="ffffff"/>
+                        <a:srgbClr val="6241c5"/>
                       </a:solidFill>
                     </a:lnR>
                     <a:lnT w="720">
                       <a:solidFill>
-                        <a:srgbClr val="ffffff"/>
+                        <a:srgbClr val="6241c5"/>
                       </a:solidFill>
                     </a:lnT>
                     <a:lnB w="720">
                       <a:solidFill>
-                        <a:srgbClr val="ffffff"/>
+                        <a:srgbClr val="6241c5"/>
                       </a:solidFill>
                     </a:lnB>
                     <a:solidFill>
-                      <a:srgbClr val="6241c5"/>
+                      <a:srgbClr val="d7cdf8"/>
                     </a:solidFill>
                   </a:tcPr>
                 </a:tc>
@@ -4911,9 +4882,6 @@
                       </a:pPr>
                       <a:r>
                         <a:rPr b="1" lang="en-US" sz="1800" spc="-1" strike="noStrike">
-                          <a:solidFill>
-                            <a:srgbClr val="ffffff"/>
-                          </a:solidFill>
                           <a:latin typeface="Arial"/>
                         </a:rPr>
                         <a:t>AEAD Key</a:t>
@@ -4926,26 +4894,26 @@
                   <a:tcPr anchor="ctr" marL="90000" marR="90000">
                     <a:lnL w="720">
                       <a:solidFill>
-                        <a:srgbClr val="ffffff"/>
+                        <a:srgbClr val="6241c5"/>
                       </a:solidFill>
                     </a:lnL>
                     <a:lnR w="720">
                       <a:solidFill>
-                        <a:srgbClr val="ffffff"/>
+                        <a:srgbClr val="6241c5"/>
                       </a:solidFill>
                     </a:lnR>
                     <a:lnT w="720">
                       <a:solidFill>
-                        <a:srgbClr val="ffffff"/>
+                        <a:srgbClr val="6241c5"/>
                       </a:solidFill>
                     </a:lnT>
                     <a:lnB w="720">
                       <a:solidFill>
-                        <a:srgbClr val="ffffff"/>
+                        <a:srgbClr val="6241c5"/>
                       </a:solidFill>
                     </a:lnB>
                     <a:solidFill>
-                      <a:srgbClr val="6241c5"/>
+                      <a:srgbClr val="d7cdf8"/>
                     </a:solidFill>
                   </a:tcPr>
                 </a:tc>
@@ -4963,9 +4931,6 @@
                       </a:pPr>
                       <a:r>
                         <a:rPr b="1" lang="en-US" sz="1800" spc="-1" strike="noStrike">
-                          <a:solidFill>
-                            <a:srgbClr val="ffffff"/>
-                          </a:solidFill>
                           <a:latin typeface="Arial"/>
                         </a:rPr>
                         <a:t>Hash Key &amp; Salt</a:t>
@@ -4978,26 +4943,26 @@
                   <a:tcPr anchor="ctr" marL="90000" marR="90000">
                     <a:lnL w="720">
                       <a:solidFill>
-                        <a:srgbClr val="ffffff"/>
+                        <a:srgbClr val="6241c5"/>
                       </a:solidFill>
                     </a:lnL>
                     <a:lnR w="720">
                       <a:solidFill>
-                        <a:srgbClr val="ffffff"/>
+                        <a:srgbClr val="6241c5"/>
                       </a:solidFill>
                     </a:lnR>
                     <a:lnT w="720">
                       <a:solidFill>
-                        <a:srgbClr val="ffffff"/>
+                        <a:srgbClr val="6241c5"/>
                       </a:solidFill>
                     </a:lnT>
                     <a:lnB w="720">
                       <a:solidFill>
-                        <a:srgbClr val="ffffff"/>
+                        <a:srgbClr val="6241c5"/>
                       </a:solidFill>
                     </a:lnB>
                     <a:solidFill>
-                      <a:srgbClr val="6241c5"/>
+                      <a:srgbClr val="d7cdf8"/>
                     </a:solidFill>
                   </a:tcPr>
                 </a:tc>
@@ -5017,9 +4982,6 @@
                       </a:pPr>
                       <a:r>
                         <a:rPr b="1" lang="en-US" sz="1800" spc="-1" strike="noStrike">
-                          <a:solidFill>
-                            <a:srgbClr val="ffffff"/>
-                          </a:solidFill>
                           <a:latin typeface="Arial"/>
                         </a:rPr>
                         <a:t>Stored at</a:t>
@@ -5032,169 +4994,22 @@
                   <a:tcPr anchor="ctr" marL="90000" marR="90000">
                     <a:lnL w="720">
                       <a:solidFill>
-                        <a:srgbClr val="ffffff"/>
+                        <a:srgbClr val="6241c5"/>
                       </a:solidFill>
                     </a:lnL>
                     <a:lnR w="720">
                       <a:solidFill>
-                        <a:srgbClr val="ffffff"/>
+                        <a:srgbClr val="6241c5"/>
                       </a:solidFill>
                     </a:lnR>
                     <a:lnT w="720">
                       <a:solidFill>
-                        <a:srgbClr val="ffffff"/>
+                        <a:srgbClr val="6241c5"/>
                       </a:solidFill>
                     </a:lnT>
                     <a:lnB w="720">
                       <a:solidFill>
-                        <a:srgbClr val="ffffff"/>
-                      </a:solidFill>
-                    </a:lnB>
-                    <a:solidFill>
-                      <a:srgbClr val="6241c5"/>
-                    </a:solidFill>
-                  </a:tcPr>
-                </a:tc>
-                <a:tc>
-                  <a:txBody>
-                    <a:bodyPr lIns="90000" rIns="90000" anchor="ctr">
-                      <a:noAutofit/>
-                    </a:bodyPr>
-                    <a:p>
-                      <a:pPr algn="ctr">
-                        <a:lnSpc>
-                          <a:spcPct val="100000"/>
-                        </a:lnSpc>
-                        <a:buNone/>
-                      </a:pPr>
-                      <a:r>
-                        <a:rPr b="0" lang="en-US" sz="1800" spc="-1" strike="noStrike">
-                          <a:latin typeface="Arial"/>
-                        </a:rPr>
-                        <a:t>AP</a:t>
-                      </a:r>
-                      <a:endParaRPr b="0" lang="en-US" sz="1800" spc="-1" strike="noStrike">
-                        <a:latin typeface="Arial"/>
-                      </a:endParaRPr>
-                    </a:p>
-                  </a:txBody>
-                  <a:tcPr anchor="ctr" marL="90000" marR="90000">
-                    <a:lnL w="720">
-                      <a:solidFill>
-                        <a:srgbClr val="ffffff"/>
-                      </a:solidFill>
-                    </a:lnL>
-                    <a:lnR w="720">
-                      <a:solidFill>
-                        <a:srgbClr val="ffffff"/>
-                      </a:solidFill>
-                    </a:lnR>
-                    <a:lnT w="720">
-                      <a:solidFill>
-                        <a:srgbClr val="ffffff"/>
-                      </a:solidFill>
-                    </a:lnT>
-                    <a:lnB w="720">
-                      <a:solidFill>
-                        <a:srgbClr val="ffffff"/>
-                      </a:solidFill>
-                    </a:lnB>
-                    <a:solidFill>
-                      <a:srgbClr val="d7cdf8"/>
-                    </a:solidFill>
-                  </a:tcPr>
-                </a:tc>
-                <a:tc>
-                  <a:txBody>
-                    <a:bodyPr lIns="90000" rIns="90000" anchor="ctr">
-                      <a:noAutofit/>
-                    </a:bodyPr>
-                    <a:p>
-                      <a:pPr algn="ctr">
-                        <a:lnSpc>
-                          <a:spcPct val="100000"/>
-                        </a:lnSpc>
-                        <a:buNone/>
-                      </a:pPr>
-                      <a:r>
-                        <a:rPr b="0" lang="en-US" sz="1800" spc="-1" strike="noStrike">
-                          <a:latin typeface="Arial"/>
-                        </a:rPr>
-                        <a:t>Component</a:t>
-                      </a:r>
-                      <a:endParaRPr b="0" lang="en-US" sz="1800" spc="-1" strike="noStrike">
-                        <a:latin typeface="Arial"/>
-                      </a:endParaRPr>
-                    </a:p>
-                  </a:txBody>
-                  <a:tcPr anchor="ctr" marL="90000" marR="90000">
-                    <a:lnL w="720">
-                      <a:solidFill>
-                        <a:srgbClr val="ffffff"/>
-                      </a:solidFill>
-                    </a:lnL>
-                    <a:lnR w="720">
-                      <a:solidFill>
-                        <a:srgbClr val="ffffff"/>
-                      </a:solidFill>
-                    </a:lnR>
-                    <a:lnT w="720">
-                      <a:solidFill>
-                        <a:srgbClr val="ffffff"/>
-                      </a:solidFill>
-                    </a:lnT>
-                    <a:lnB w="720">
-                      <a:solidFill>
-                        <a:srgbClr val="ffffff"/>
-                      </a:solidFill>
-                    </a:lnB>
-                    <a:solidFill>
-                      <a:srgbClr val="d7cdf8"/>
-                    </a:solidFill>
-                  </a:tcPr>
-                </a:tc>
-                <a:tc>
-                  <a:txBody>
-                    <a:bodyPr lIns="90000" rIns="90000" anchor="ctr">
-                      <a:noAutofit/>
-                    </a:bodyPr>
-                    <a:p>
-                      <a:pPr algn="ctr">
-                        <a:lnSpc>
-                          <a:spcPct val="100000"/>
-                        </a:lnSpc>
-                        <a:buNone/>
-                      </a:pPr>
-                      <a:r>
-                        <a:rPr b="0" lang="en-US" sz="1800" spc="-1" strike="noStrike">
-                          <a:latin typeface="Arial"/>
-                        </a:rPr>
-                        <a:t>Component</a:t>
-                      </a:r>
-                      <a:endParaRPr b="0" lang="en-US" sz="1800" spc="-1" strike="noStrike">
-                        <a:latin typeface="Arial"/>
-                      </a:endParaRPr>
-                    </a:p>
-                  </a:txBody>
-                  <a:tcPr anchor="ctr" marL="90000" marR="90000">
-                    <a:lnL w="720">
-                      <a:solidFill>
-                        <a:srgbClr val="ffffff"/>
-                      </a:solidFill>
-                    </a:lnL>
-                    <a:lnR w="720">
-                      <a:solidFill>
-                        <a:srgbClr val="ffffff"/>
-                      </a:solidFill>
-                    </a:lnR>
-                    <a:lnT w="720">
-                      <a:solidFill>
-                        <a:srgbClr val="ffffff"/>
-                      </a:solidFill>
-                    </a:lnT>
-                    <a:lnB w="720">
-                      <a:solidFill>
-                        <a:srgbClr val="ffffff"/>
+                        <a:srgbClr val="6241c5"/>
                       </a:solidFill>
                     </a:lnB>
                     <a:solidFill>
@@ -5228,26 +5043,124 @@
                   <a:tcPr anchor="ctr" marL="90000" marR="90000">
                     <a:lnL w="720">
                       <a:solidFill>
-                        <a:srgbClr val="ffffff"/>
+                        <a:srgbClr val="6241c5"/>
                       </a:solidFill>
                     </a:lnL>
                     <a:lnR w="720">
                       <a:solidFill>
-                        <a:srgbClr val="ffffff"/>
+                        <a:srgbClr val="6241c5"/>
                       </a:solidFill>
                     </a:lnR>
                     <a:lnT w="720">
                       <a:solidFill>
-                        <a:srgbClr val="ffffff"/>
+                        <a:srgbClr val="6241c5"/>
                       </a:solidFill>
                     </a:lnT>
                     <a:lnB w="720">
                       <a:solidFill>
-                        <a:srgbClr val="ffffff"/>
+                        <a:srgbClr val="6241c5"/>
                       </a:solidFill>
                     </a:lnB>
                     <a:solidFill>
-                      <a:srgbClr val="d7cdf8"/>
+                      <a:srgbClr val="ffffff"/>
+                    </a:solidFill>
+                  </a:tcPr>
+                </a:tc>
+                <a:tc>
+                  <a:txBody>
+                    <a:bodyPr lIns="90000" rIns="90000" anchor="ctr">
+                      <a:noAutofit/>
+                    </a:bodyPr>
+                    <a:p>
+                      <a:pPr algn="ctr">
+                        <a:lnSpc>
+                          <a:spcPct val="100000"/>
+                        </a:lnSpc>
+                        <a:buNone/>
+                      </a:pPr>
+                      <a:r>
+                        <a:rPr b="0" lang="en-US" sz="1800" spc="-1" strike="noStrike">
+                          <a:latin typeface="Arial"/>
+                        </a:rPr>
+                        <a:t>Component</a:t>
+                      </a:r>
+                      <a:endParaRPr b="0" lang="en-US" sz="1800" spc="-1" strike="noStrike">
+                        <a:latin typeface="Arial"/>
+                      </a:endParaRPr>
+                    </a:p>
+                  </a:txBody>
+                  <a:tcPr anchor="ctr" marL="90000" marR="90000">
+                    <a:lnL w="720">
+                      <a:solidFill>
+                        <a:srgbClr val="6241c5"/>
+                      </a:solidFill>
+                    </a:lnL>
+                    <a:lnR w="720">
+                      <a:solidFill>
+                        <a:srgbClr val="6241c5"/>
+                      </a:solidFill>
+                    </a:lnR>
+                    <a:lnT w="720">
+                      <a:solidFill>
+                        <a:srgbClr val="6241c5"/>
+                      </a:solidFill>
+                    </a:lnT>
+                    <a:lnB w="720">
+                      <a:solidFill>
+                        <a:srgbClr val="6241c5"/>
+                      </a:solidFill>
+                    </a:lnB>
+                    <a:solidFill>
+                      <a:srgbClr val="ffffff"/>
+                    </a:solidFill>
+                  </a:tcPr>
+                </a:tc>
+                <a:tc>
+                  <a:txBody>
+                    <a:bodyPr lIns="90000" rIns="90000" anchor="ctr">
+                      <a:noAutofit/>
+                    </a:bodyPr>
+                    <a:p>
+                      <a:pPr algn="ctr">
+                        <a:lnSpc>
+                          <a:spcPct val="100000"/>
+                        </a:lnSpc>
+                        <a:buNone/>
+                      </a:pPr>
+                      <a:r>
+                        <a:rPr b="0" lang="en-US" sz="1800" spc="-1" strike="noStrike">
+                          <a:latin typeface="Arial"/>
+                        </a:rPr>
+                        <a:t>Component</a:t>
+                      </a:r>
+                      <a:endParaRPr b="0" lang="en-US" sz="1800" spc="-1" strike="noStrike">
+                        <a:latin typeface="Arial"/>
+                      </a:endParaRPr>
+                    </a:p>
+                  </a:txBody>
+                  <a:tcPr anchor="ctr" marL="90000" marR="90000">
+                    <a:lnL w="720">
+                      <a:solidFill>
+                        <a:srgbClr val="6241c5"/>
+                      </a:solidFill>
+                    </a:lnL>
+                    <a:lnR w="720">
+                      <a:solidFill>
+                        <a:srgbClr val="6241c5"/>
+                      </a:solidFill>
+                    </a:lnR>
+                    <a:lnT w="720">
+                      <a:solidFill>
+                        <a:srgbClr val="6241c5"/>
+                      </a:solidFill>
+                    </a:lnT>
+                    <a:lnB w="720">
+                      <a:solidFill>
+                        <a:srgbClr val="6241c5"/>
+                      </a:solidFill>
+                    </a:lnB>
+                    <a:solidFill>
+                      <a:srgbClr val="ffffff"/>
                     </a:solidFill>
                   </a:tcPr>
                 </a:tc>
@@ -5277,26 +5190,26 @@
                   <a:tcPr anchor="ctr" marL="90000" marR="90000">
                     <a:lnL w="720">
                       <a:solidFill>
-                        <a:srgbClr val="ffffff"/>
+                        <a:srgbClr val="6241c5"/>
                       </a:solidFill>
                     </a:lnL>
                     <a:lnR w="720">
                       <a:solidFill>
-                        <a:srgbClr val="ffffff"/>
+                        <a:srgbClr val="6241c5"/>
                       </a:solidFill>
                     </a:lnR>
                     <a:lnT w="720">
                       <a:solidFill>
-                        <a:srgbClr val="ffffff"/>
+                        <a:srgbClr val="6241c5"/>
                       </a:solidFill>
                     </a:lnT>
                     <a:lnB w="720">
                       <a:solidFill>
-                        <a:srgbClr val="ffffff"/>
+                        <a:srgbClr val="6241c5"/>
                       </a:solidFill>
                     </a:lnB>
                     <a:solidFill>
-                      <a:srgbClr val="d7cdf8"/>
+                      <a:srgbClr val="ffffff"/>
                     </a:solidFill>
                   </a:tcPr>
                 </a:tc>
@@ -5326,80 +5239,26 @@
                   <a:tcPr anchor="ctr" marL="90000" marR="90000">
                     <a:lnL w="720">
                       <a:solidFill>
-                        <a:srgbClr val="ffffff"/>
+                        <a:srgbClr val="6241c5"/>
                       </a:solidFill>
                     </a:lnL>
                     <a:lnR w="720">
                       <a:solidFill>
-                        <a:srgbClr val="ffffff"/>
+                        <a:srgbClr val="6241c5"/>
                       </a:solidFill>
                     </a:lnR>
                     <a:lnT w="720">
                       <a:solidFill>
-                        <a:srgbClr val="ffffff"/>
+                        <a:srgbClr val="6241c5"/>
                       </a:solidFill>
                     </a:lnT>
                     <a:lnB w="720">
                       <a:solidFill>
-                        <a:srgbClr val="ffffff"/>
+                        <a:srgbClr val="6241c5"/>
                       </a:solidFill>
                     </a:lnB>
                     <a:solidFill>
-                      <a:srgbClr val="d7cdf8"/>
-                    </a:solidFill>
-                  </a:tcPr>
-                </a:tc>
-              </a:tr>
-              <a:tr h="628560">
-                <a:tc>
-                  <a:txBody>
-                    <a:bodyPr lIns="90000" rIns="90000" anchor="ctr">
-                      <a:noAutofit/>
-                    </a:bodyPr>
-                    <a:p>
-                      <a:pPr algn="ctr">
-                        <a:lnSpc>
-                          <a:spcPct val="100000"/>
-                        </a:lnSpc>
-                        <a:buNone/>
-                      </a:pPr>
-                      <a:r>
-                        <a:rPr b="1" lang="en-US" sz="1800" spc="-1" strike="noStrike">
-                          <a:solidFill>
-                            <a:srgbClr val="ffffff"/>
-                          </a:solidFill>
-                          <a:latin typeface="Arial"/>
-                        </a:rPr>
-                        <a:t>Description</a:t>
-                      </a:r>
-                      <a:endParaRPr b="0" lang="en-US" sz="1800" spc="-1" strike="noStrike">
-                        <a:latin typeface="Arial"/>
-                      </a:endParaRPr>
-                    </a:p>
-                  </a:txBody>
-                  <a:tcPr anchor="ctr" marL="90000" marR="90000">
-                    <a:lnL w="720">
-                      <a:solidFill>
-                        <a:srgbClr val="ffffff"/>
-                      </a:solidFill>
-                    </a:lnL>
-                    <a:lnR w="720">
-                      <a:solidFill>
-                        <a:srgbClr val="ffffff"/>
-                      </a:solidFill>
-                    </a:lnR>
-                    <a:lnT w="720">
-                      <a:solidFill>
-                        <a:srgbClr val="ffffff"/>
-                      </a:solidFill>
-                    </a:lnT>
-                    <a:lnB w="720">
-                      <a:solidFill>
-                        <a:srgbClr val="ffffff"/>
-                      </a:solidFill>
-                    </a:lnB>
-                    <a:solidFill>
-                      <a:srgbClr val="6241c5"/>
+                      <a:srgbClr val="ffffff"/>
                     </a:solidFill>
                   </a:tcPr>
                 </a:tc>
@@ -5419,7 +5278,7 @@
                         <a:rPr b="0" lang="en-US" sz="1800" spc="-1" strike="noStrike">
                           <a:latin typeface="Arial"/>
                         </a:rPr>
-                        <a:t>Create signature for AP’s message</a:t>
+                        <a:t>AP</a:t>
                       </a:r>
                       <a:endParaRPr b="0" lang="en-US" sz="1800" spc="-1" strike="noStrike">
                         <a:latin typeface="Arial"/>
@@ -5429,29 +5288,31 @@
                   <a:tcPr anchor="ctr" marL="90000" marR="90000">
                     <a:lnL w="720">
                       <a:solidFill>
-                        <a:srgbClr val="ffffff"/>
+                        <a:srgbClr val="6241c5"/>
                       </a:solidFill>
                     </a:lnL>
                     <a:lnR w="720">
                       <a:solidFill>
-                        <a:srgbClr val="ffffff"/>
+                        <a:srgbClr val="6241c5"/>
                       </a:solidFill>
                     </a:lnR>
                     <a:lnT w="720">
                       <a:solidFill>
-                        <a:srgbClr val="ffffff"/>
+                        <a:srgbClr val="6241c5"/>
                       </a:solidFill>
                     </a:lnT>
                     <a:lnB w="720">
                       <a:solidFill>
-                        <a:srgbClr val="ffffff"/>
+                        <a:srgbClr val="6241c5"/>
                       </a:solidFill>
                     </a:lnB>
                     <a:solidFill>
-                      <a:srgbClr val="d7cdf8"/>
+                      <a:srgbClr val="ffffff"/>
                     </a:solidFill>
                   </a:tcPr>
                 </a:tc>
+              </a:tr>
+              <a:tr h="640440">
                 <a:tc>
                   <a:txBody>
                     <a:bodyPr lIns="90000" rIns="90000" anchor="ctr">
@@ -5465,10 +5326,10 @@
                         <a:buNone/>
                       </a:pPr>
                       <a:r>
-                        <a:rPr b="0" lang="en-US" sz="1800" spc="-1" strike="noStrike">
+                        <a:rPr b="1" lang="en-US" sz="1800" spc="-1" strike="noStrike">
                           <a:latin typeface="Arial"/>
                         </a:rPr>
-                        <a:t>Validate signature for AP’s message</a:t>
+                        <a:t>Description</a:t>
                       </a:r>
                       <a:endParaRPr b="0" lang="en-US" sz="1800" spc="-1" strike="noStrike">
                         <a:latin typeface="Arial"/>
@@ -5478,22 +5339,22 @@
                   <a:tcPr anchor="ctr" marL="90000" marR="90000">
                     <a:lnL w="720">
                       <a:solidFill>
-                        <a:srgbClr val="ffffff"/>
+                        <a:srgbClr val="6241c5"/>
                       </a:solidFill>
                     </a:lnL>
                     <a:lnR w="720">
                       <a:solidFill>
-                        <a:srgbClr val="ffffff"/>
+                        <a:srgbClr val="6241c5"/>
                       </a:solidFill>
                     </a:lnR>
                     <a:lnT w="720">
                       <a:solidFill>
-                        <a:srgbClr val="ffffff"/>
+                        <a:srgbClr val="6241c5"/>
                       </a:solidFill>
                     </a:lnT>
                     <a:lnB w="720">
                       <a:solidFill>
-                        <a:srgbClr val="ffffff"/>
+                        <a:srgbClr val="6241c5"/>
                       </a:solidFill>
                     </a:lnB>
                     <a:solidFill>
@@ -5527,26 +5388,26 @@
                   <a:tcPr anchor="ctr" marL="90000" marR="90000">
                     <a:lnL w="720">
                       <a:solidFill>
-                        <a:srgbClr val="ffffff"/>
+                        <a:srgbClr val="6241c5"/>
                       </a:solidFill>
                     </a:lnL>
                     <a:lnR w="720">
                       <a:solidFill>
-                        <a:srgbClr val="ffffff"/>
+                        <a:srgbClr val="6241c5"/>
                       </a:solidFill>
                     </a:lnR>
                     <a:lnT w="720">
                       <a:solidFill>
-                        <a:srgbClr val="ffffff"/>
+                        <a:srgbClr val="6241c5"/>
                       </a:solidFill>
                     </a:lnT>
                     <a:lnB w="720">
                       <a:solidFill>
-                        <a:srgbClr val="ffffff"/>
+                        <a:srgbClr val="6241c5"/>
                       </a:solidFill>
                     </a:lnB>
                     <a:solidFill>
-                      <a:srgbClr val="d7cdf8"/>
+                      <a:srgbClr val="ffffff"/>
                     </a:solidFill>
                   </a:tcPr>
                 </a:tc>
@@ -5576,26 +5437,124 @@
                   <a:tcPr anchor="ctr" marL="90000" marR="90000">
                     <a:lnL w="720">
                       <a:solidFill>
-                        <a:srgbClr val="ffffff"/>
+                        <a:srgbClr val="6241c5"/>
                       </a:solidFill>
                     </a:lnL>
                     <a:lnR w="720">
                       <a:solidFill>
-                        <a:srgbClr val="ffffff"/>
+                        <a:srgbClr val="6241c5"/>
                       </a:solidFill>
                     </a:lnR>
                     <a:lnT w="720">
                       <a:solidFill>
-                        <a:srgbClr val="ffffff"/>
+                        <a:srgbClr val="6241c5"/>
                       </a:solidFill>
                     </a:lnT>
                     <a:lnB w="720">
                       <a:solidFill>
-                        <a:srgbClr val="ffffff"/>
+                        <a:srgbClr val="6241c5"/>
                       </a:solidFill>
                     </a:lnB>
                     <a:solidFill>
-                      <a:srgbClr val="d7cdf8"/>
+                      <a:srgbClr val="ffffff"/>
+                    </a:solidFill>
+                  </a:tcPr>
+                </a:tc>
+                <a:tc>
+                  <a:txBody>
+                    <a:bodyPr lIns="90000" rIns="90000" anchor="ctr">
+                      <a:noAutofit/>
+                    </a:bodyPr>
+                    <a:p>
+                      <a:pPr algn="ctr">
+                        <a:lnSpc>
+                          <a:spcPct val="100000"/>
+                        </a:lnSpc>
+                        <a:buNone/>
+                      </a:pPr>
+                      <a:r>
+                        <a:rPr b="0" lang="en-US" sz="1800" spc="-1" strike="noStrike">
+                          <a:latin typeface="Arial"/>
+                        </a:rPr>
+                        <a:t>Create signature for AP’s message</a:t>
+                      </a:r>
+                      <a:endParaRPr b="0" lang="en-US" sz="1800" spc="-1" strike="noStrike">
+                        <a:latin typeface="Arial"/>
+                      </a:endParaRPr>
+                    </a:p>
+                  </a:txBody>
+                  <a:tcPr anchor="ctr" marL="90000" marR="90000">
+                    <a:lnL w="720">
+                      <a:solidFill>
+                        <a:srgbClr val="6241c5"/>
+                      </a:solidFill>
+                    </a:lnL>
+                    <a:lnR w="720">
+                      <a:solidFill>
+                        <a:srgbClr val="6241c5"/>
+                      </a:solidFill>
+                    </a:lnR>
+                    <a:lnT w="720">
+                      <a:solidFill>
+                        <a:srgbClr val="6241c5"/>
+                      </a:solidFill>
+                    </a:lnT>
+                    <a:lnB w="720">
+                      <a:solidFill>
+                        <a:srgbClr val="6241c5"/>
+                      </a:solidFill>
+                    </a:lnB>
+                    <a:solidFill>
+                      <a:srgbClr val="ffffff"/>
+                    </a:solidFill>
+                  </a:tcPr>
+                </a:tc>
+                <a:tc>
+                  <a:txBody>
+                    <a:bodyPr lIns="90000" rIns="90000" anchor="ctr">
+                      <a:noAutofit/>
+                    </a:bodyPr>
+                    <a:p>
+                      <a:pPr algn="ctr">
+                        <a:lnSpc>
+                          <a:spcPct val="100000"/>
+                        </a:lnSpc>
+                        <a:buNone/>
+                      </a:pPr>
+                      <a:r>
+                        <a:rPr b="0" lang="en-US" sz="1800" spc="-1" strike="noStrike">
+                          <a:latin typeface="Arial"/>
+                        </a:rPr>
+                        <a:t>Validate signature for AP’s message</a:t>
+                      </a:r>
+                      <a:endParaRPr b="0" lang="en-US" sz="1800" spc="-1" strike="noStrike">
+                        <a:latin typeface="Arial"/>
+                      </a:endParaRPr>
+                    </a:p>
+                  </a:txBody>
+                  <a:tcPr anchor="ctr" marL="90000" marR="90000">
+                    <a:lnL w="720">
+                      <a:solidFill>
+                        <a:srgbClr val="6241c5"/>
+                      </a:solidFill>
+                    </a:lnL>
+                    <a:lnR w="720">
+                      <a:solidFill>
+                        <a:srgbClr val="6241c5"/>
+                      </a:solidFill>
+                    </a:lnR>
+                    <a:lnT w="720">
+                      <a:solidFill>
+                        <a:srgbClr val="6241c5"/>
+                      </a:solidFill>
+                    </a:lnT>
+                    <a:lnB w="720">
+                      <a:solidFill>
+                        <a:srgbClr val="6241c5"/>
+                      </a:solidFill>
+                    </a:lnB>
+                    <a:solidFill>
+                      <a:srgbClr val="ffffff"/>
                     </a:solidFill>
                   </a:tcPr>
                 </a:tc>
@@ -5625,26 +5584,26 @@
                   <a:tcPr anchor="ctr" marL="90000" marR="90000">
                     <a:lnL w="720">
                       <a:solidFill>
-                        <a:srgbClr val="ffffff"/>
+                        <a:srgbClr val="6241c5"/>
                       </a:solidFill>
                     </a:lnL>
                     <a:lnR w="720">
                       <a:solidFill>
-                        <a:srgbClr val="ffffff"/>
+                        <a:srgbClr val="6241c5"/>
                       </a:solidFill>
                     </a:lnR>
                     <a:lnT w="720">
                       <a:solidFill>
-                        <a:srgbClr val="ffffff"/>
+                        <a:srgbClr val="6241c5"/>
                       </a:solidFill>
                     </a:lnT>
                     <a:lnB w="720">
                       <a:solidFill>
-                        <a:srgbClr val="ffffff"/>
+                        <a:srgbClr val="6241c5"/>
                       </a:solidFill>
                     </a:lnB>
                     <a:solidFill>
-                      <a:srgbClr val="d7cdf8"/>
+                      <a:srgbClr val="ffffff"/>
                     </a:solidFill>
                   </a:tcPr>
                 </a:tc>
@@ -5674,26 +5633,26 @@
                   <a:tcPr anchor="ctr" marL="90000" marR="90000">
                     <a:lnL w="720">
                       <a:solidFill>
-                        <a:srgbClr val="ffffff"/>
+                        <a:srgbClr val="6241c5"/>
                       </a:solidFill>
                     </a:lnL>
                     <a:lnR w="720">
                       <a:solidFill>
-                        <a:srgbClr val="ffffff"/>
+                        <a:srgbClr val="6241c5"/>
                       </a:solidFill>
                     </a:lnR>
                     <a:lnT w="720">
                       <a:solidFill>
-                        <a:srgbClr val="ffffff"/>
+                        <a:srgbClr val="6241c5"/>
                       </a:solidFill>
                     </a:lnT>
                     <a:lnB w="720">
                       <a:solidFill>
-                        <a:srgbClr val="ffffff"/>
+                        <a:srgbClr val="6241c5"/>
                       </a:solidFill>
                     </a:lnB>
                     <a:solidFill>
-                      <a:srgbClr val="d7cdf8"/>
+                      <a:srgbClr val="ffffff"/>
                     </a:solidFill>
                   </a:tcPr>
                 </a:tc>
@@ -5790,6 +5749,17 @@
               </a:lnSpc>
               <a:buNone/>
             </a:pPr>
+            <a:endParaRPr b="0" lang="en-US" sz="1000" spc="-1" strike="noStrike">
+              <a:latin typeface="Arial"/>
+            </a:endParaRPr>
+          </a:p>
+          <a:p>
+            <a:pPr algn="just">
+              <a:lnSpc>
+                <a:spcPct val="100000"/>
+              </a:lnSpc>
+              <a:buNone/>
+            </a:pPr>
             <a:r>
               <a:rPr b="1" lang="en-US" sz="2000" spc="-1" strike="noStrike">
                 <a:solidFill>
@@ -5937,6 +5907,17 @@
               </a:lnSpc>
               <a:buNone/>
             </a:pPr>
+            <a:endParaRPr b="0" lang="en-US" sz="1000" spc="-1" strike="noStrike">
+              <a:latin typeface="Arial"/>
+            </a:endParaRPr>
+          </a:p>
+          <a:p>
+            <a:pPr algn="just">
+              <a:lnSpc>
+                <a:spcPct val="100000"/>
+              </a:lnSpc>
+              <a:buNone/>
+            </a:pPr>
             <a:r>
               <a:rPr b="1" lang="en-US" sz="2000" spc="-1" strike="noStrike">
                 <a:solidFill>
@@ -6016,16 +5997,14 @@
         <p:spPr>
           <a:xfrm>
             <a:off x="511920" y="4337280"/>
-            <a:ext cx="15489720" cy="4577760"/>
+            <a:ext cx="15489720" cy="4906800"/>
           </a:xfrm>
           <a:prstGeom prst="rect">
             <a:avLst/>
           </a:prstGeom>
           <a:noFill/>
           <a:ln w="9525">
-            <a:solidFill>
-              <a:srgbClr val="0e2641"/>
-            </a:solidFill>
+            <a:noFill/>
           </a:ln>
         </p:spPr>
         <p:style>
@@ -6089,7 +6068,7 @@
         </p:nvSpPr>
         <p:spPr>
           <a:xfrm>
-            <a:off x="484920" y="20166480"/>
+            <a:off x="484920" y="20310480"/>
             <a:ext cx="15516720" cy="1311120"/>
           </a:xfrm>
           <a:prstGeom prst="rect">
@@ -6099,9 +6078,7 @@
             <a:schemeClr val="bg1"/>
           </a:solidFill>
           <a:ln w="9525">
-            <a:solidFill>
-              <a:srgbClr val="0e2641"/>
-            </a:solidFill>
+            <a:noFill/>
           </a:ln>
         </p:spPr>
         <p:style>
@@ -6163,7 +6140,7 @@
         </p:nvSpPr>
         <p:spPr>
           <a:xfrm>
-            <a:off x="576360" y="20107800"/>
+            <a:off x="576360" y="20251800"/>
             <a:ext cx="1818000" cy="455400"/>
           </a:xfrm>
           <a:prstGeom prst="rect">
@@ -6202,7 +6179,7 @@
               <a:t>Fun Facts</a:t>
             </a:r>
             <a:endParaRPr b="0" lang="en-US" sz="2400" spc="-1" strike="noStrike">
-              <a:latin typeface="Arial"/>
+              <a:latin typeface="TeXGyreChorus"/>
             </a:endParaRPr>
           </a:p>
         </p:txBody>
@@ -6219,8 +6196,8 @@
         </p:blipFill>
         <p:spPr>
           <a:xfrm>
-            <a:off x="5608800" y="3589200"/>
-            <a:ext cx="635400" cy="667080"/>
+            <a:off x="5644800" y="3625200"/>
+            <a:ext cx="500760" cy="525600"/>
           </a:xfrm>
           <a:prstGeom prst="rect">
             <a:avLst/>
@@ -6242,8 +6219,8 @@
         </p:blipFill>
         <p:spPr>
           <a:xfrm>
-            <a:off x="1109160" y="9242280"/>
-            <a:ext cx="582840" cy="594720"/>
+            <a:off x="1109160" y="9458280"/>
+            <a:ext cx="489240" cy="499320"/>
           </a:xfrm>
           <a:prstGeom prst="rect">
             <a:avLst/>
@@ -6265,8 +6242,8 @@
         </p:blipFill>
         <p:spPr>
           <a:xfrm>
-            <a:off x="9207000" y="9227520"/>
-            <a:ext cx="538200" cy="566280"/>
+            <a:off x="9243000" y="9479520"/>
+            <a:ext cx="394200" cy="414720"/>
           </a:xfrm>
           <a:prstGeom prst="rect">
             <a:avLst/>
@@ -6288,7 +6265,7 @@
         </p:blipFill>
         <p:spPr>
           <a:xfrm>
-            <a:off x="1781640" y="12049560"/>
+            <a:off x="1781640" y="12157560"/>
             <a:ext cx="4390560" cy="3038040"/>
           </a:xfrm>
           <a:prstGeom prst="rect">
@@ -6311,7 +6288,7 @@
         </p:blipFill>
         <p:spPr>
           <a:xfrm>
-            <a:off x="10058400" y="18059400"/>
+            <a:off x="10058400" y="18311400"/>
             <a:ext cx="4476240" cy="1618920"/>
           </a:xfrm>
           <a:prstGeom prst="rect">
@@ -6322,6 +6299,574 @@
           </a:ln>
         </p:spPr>
       </p:pic>
+      <p:grpSp>
+        <p:nvGrpSpPr>
+          <p:cNvPr id="66" name=""/>
+          <p:cNvGrpSpPr/>
+          <p:nvPr/>
+        </p:nvGrpSpPr>
+        <p:grpSpPr>
+          <a:xfrm>
+            <a:off x="479880" y="4337280"/>
+            <a:ext cx="685800" cy="691920"/>
+            <a:chOff x="479880" y="4337280"/>
+            <a:chExt cx="685800" cy="691920"/>
+          </a:xfrm>
+        </p:grpSpPr>
+        <p:sp>
+          <p:nvSpPr>
+            <p:cNvPr id="67" name=""/>
+            <p:cNvSpPr/>
+            <p:nvPr/>
+          </p:nvSpPr>
+          <p:spPr>
+            <a:xfrm>
+              <a:off x="479880" y="4337280"/>
+              <a:ext cx="685800" cy="0"/>
+            </a:xfrm>
+            <a:prstGeom prst="line">
+              <a:avLst/>
+            </a:prstGeom>
+            <a:ln w="57240">
+              <a:solidFill>
+                <a:srgbClr val="6241c5"/>
+              </a:solidFill>
+              <a:round/>
+            </a:ln>
+          </p:spPr>
+          <p:style>
+            <a:lnRef idx="0"/>
+            <a:fillRef idx="0"/>
+            <a:effectRef idx="0"/>
+            <a:fontRef idx="minor"/>
+          </p:style>
+        </p:sp>
+        <p:sp>
+          <p:nvSpPr>
+            <p:cNvPr id="68" name=""/>
+            <p:cNvSpPr/>
+            <p:nvPr/>
+          </p:nvSpPr>
+          <p:spPr>
+            <a:xfrm>
+              <a:off x="508680" y="4343400"/>
+              <a:ext cx="0" cy="685800"/>
+            </a:xfrm>
+            <a:prstGeom prst="line">
+              <a:avLst/>
+            </a:prstGeom>
+            <a:ln w="57240">
+              <a:solidFill>
+                <a:srgbClr val="6241c5"/>
+              </a:solidFill>
+              <a:round/>
+            </a:ln>
+          </p:spPr>
+          <p:style>
+            <a:lnRef idx="0"/>
+            <a:fillRef idx="0"/>
+            <a:effectRef idx="0"/>
+            <a:fontRef idx="minor"/>
+          </p:style>
+        </p:sp>
+      </p:grpSp>
+      <p:grpSp>
+        <p:nvGrpSpPr>
+          <p:cNvPr id="69" name=""/>
+          <p:cNvGrpSpPr/>
+          <p:nvPr/>
+        </p:nvGrpSpPr>
+        <p:grpSpPr>
+          <a:xfrm>
+            <a:off x="15287400" y="8544960"/>
+            <a:ext cx="685800" cy="691920"/>
+            <a:chOff x="15287400" y="8544960"/>
+            <a:chExt cx="685800" cy="691920"/>
+          </a:xfrm>
+        </p:grpSpPr>
+        <p:sp>
+          <p:nvSpPr>
+            <p:cNvPr id="70" name=""/>
+            <p:cNvSpPr/>
+            <p:nvPr/>
+          </p:nvSpPr>
+          <p:spPr>
+            <a:xfrm flipH="1">
+              <a:off x="15287400" y="9236880"/>
+              <a:ext cx="685800" cy="0"/>
+            </a:xfrm>
+            <a:prstGeom prst="line">
+              <a:avLst/>
+            </a:prstGeom>
+            <a:ln w="57240">
+              <a:solidFill>
+                <a:srgbClr val="6241c5"/>
+              </a:solidFill>
+              <a:round/>
+            </a:ln>
+          </p:spPr>
+          <p:style>
+            <a:lnRef idx="0"/>
+            <a:fillRef idx="0"/>
+            <a:effectRef idx="0"/>
+            <a:fontRef idx="minor"/>
+          </p:style>
+        </p:sp>
+        <p:sp>
+          <p:nvSpPr>
+            <p:cNvPr id="71" name=""/>
+            <p:cNvSpPr/>
+            <p:nvPr/>
+          </p:nvSpPr>
+          <p:spPr>
+            <a:xfrm flipV="1">
+              <a:off x="15944400" y="8544960"/>
+              <a:ext cx="0" cy="685800"/>
+            </a:xfrm>
+            <a:prstGeom prst="line">
+              <a:avLst/>
+            </a:prstGeom>
+            <a:ln w="57240">
+              <a:solidFill>
+                <a:srgbClr val="6241c5"/>
+              </a:solidFill>
+              <a:round/>
+            </a:ln>
+          </p:spPr>
+          <p:style>
+            <a:lnRef idx="0"/>
+            <a:fillRef idx="0"/>
+            <a:effectRef idx="0"/>
+            <a:fontRef idx="minor"/>
+          </p:style>
+        </p:sp>
+      </p:grpSp>
+      <p:grpSp>
+        <p:nvGrpSpPr>
+          <p:cNvPr id="72" name=""/>
+          <p:cNvGrpSpPr/>
+          <p:nvPr/>
+        </p:nvGrpSpPr>
+        <p:grpSpPr>
+          <a:xfrm>
+            <a:off x="480240" y="10241280"/>
+            <a:ext cx="685800" cy="691920"/>
+            <a:chOff x="480240" y="10241280"/>
+            <a:chExt cx="685800" cy="691920"/>
+          </a:xfrm>
+        </p:grpSpPr>
+        <p:sp>
+          <p:nvSpPr>
+            <p:cNvPr id="73" name=""/>
+            <p:cNvSpPr/>
+            <p:nvPr/>
+          </p:nvSpPr>
+          <p:spPr>
+            <a:xfrm>
+              <a:off x="480240" y="10241280"/>
+              <a:ext cx="685800" cy="0"/>
+            </a:xfrm>
+            <a:prstGeom prst="line">
+              <a:avLst/>
+            </a:prstGeom>
+            <a:ln w="57240">
+              <a:solidFill>
+                <a:srgbClr val="6241c5"/>
+              </a:solidFill>
+              <a:round/>
+            </a:ln>
+          </p:spPr>
+          <p:style>
+            <a:lnRef idx="0"/>
+            <a:fillRef idx="0"/>
+            <a:effectRef idx="0"/>
+            <a:fontRef idx="minor"/>
+          </p:style>
+        </p:sp>
+        <p:sp>
+          <p:nvSpPr>
+            <p:cNvPr id="74" name=""/>
+            <p:cNvSpPr/>
+            <p:nvPr/>
+          </p:nvSpPr>
+          <p:spPr>
+            <a:xfrm>
+              <a:off x="509040" y="10247400"/>
+              <a:ext cx="0" cy="685800"/>
+            </a:xfrm>
+            <a:prstGeom prst="line">
+              <a:avLst/>
+            </a:prstGeom>
+            <a:ln w="57240">
+              <a:solidFill>
+                <a:srgbClr val="6241c5"/>
+              </a:solidFill>
+              <a:round/>
+            </a:ln>
+          </p:spPr>
+          <p:style>
+            <a:lnRef idx="0"/>
+            <a:fillRef idx="0"/>
+            <a:effectRef idx="0"/>
+            <a:fontRef idx="minor"/>
+          </p:style>
+        </p:sp>
+      </p:grpSp>
+      <p:grpSp>
+        <p:nvGrpSpPr>
+          <p:cNvPr id="75" name=""/>
+          <p:cNvGrpSpPr/>
+          <p:nvPr/>
+        </p:nvGrpSpPr>
+        <p:grpSpPr>
+          <a:xfrm>
+            <a:off x="8400600" y="10241280"/>
+            <a:ext cx="685800" cy="691920"/>
+            <a:chOff x="8400600" y="10241280"/>
+            <a:chExt cx="685800" cy="691920"/>
+          </a:xfrm>
+        </p:grpSpPr>
+        <p:sp>
+          <p:nvSpPr>
+            <p:cNvPr id="76" name=""/>
+            <p:cNvSpPr/>
+            <p:nvPr/>
+          </p:nvSpPr>
+          <p:spPr>
+            <a:xfrm>
+              <a:off x="8400600" y="10241280"/>
+              <a:ext cx="685800" cy="0"/>
+            </a:xfrm>
+            <a:prstGeom prst="line">
+              <a:avLst/>
+            </a:prstGeom>
+            <a:ln w="57240">
+              <a:solidFill>
+                <a:srgbClr val="6241c5"/>
+              </a:solidFill>
+              <a:round/>
+            </a:ln>
+          </p:spPr>
+          <p:style>
+            <a:lnRef idx="0"/>
+            <a:fillRef idx="0"/>
+            <a:effectRef idx="0"/>
+            <a:fontRef idx="minor"/>
+          </p:style>
+        </p:sp>
+        <p:sp>
+          <p:nvSpPr>
+            <p:cNvPr id="77" name=""/>
+            <p:cNvSpPr/>
+            <p:nvPr/>
+          </p:nvSpPr>
+          <p:spPr>
+            <a:xfrm>
+              <a:off x="8429400" y="10247400"/>
+              <a:ext cx="0" cy="685800"/>
+            </a:xfrm>
+            <a:prstGeom prst="line">
+              <a:avLst/>
+            </a:prstGeom>
+            <a:ln w="57240">
+              <a:solidFill>
+                <a:srgbClr val="6241c5"/>
+              </a:solidFill>
+              <a:round/>
+            </a:ln>
+          </p:spPr>
+          <p:style>
+            <a:lnRef idx="0"/>
+            <a:fillRef idx="0"/>
+            <a:effectRef idx="0"/>
+            <a:fontRef idx="minor"/>
+          </p:style>
+        </p:sp>
+      </p:grpSp>
+      <p:grpSp>
+        <p:nvGrpSpPr>
+          <p:cNvPr id="78" name=""/>
+          <p:cNvGrpSpPr/>
+          <p:nvPr/>
+        </p:nvGrpSpPr>
+        <p:grpSpPr>
+          <a:xfrm>
+            <a:off x="15287760" y="19380960"/>
+            <a:ext cx="685800" cy="691920"/>
+            <a:chOff x="15287760" y="19380960"/>
+            <a:chExt cx="685800" cy="691920"/>
+          </a:xfrm>
+        </p:grpSpPr>
+        <p:sp>
+          <p:nvSpPr>
+            <p:cNvPr id="79" name=""/>
+            <p:cNvSpPr/>
+            <p:nvPr/>
+          </p:nvSpPr>
+          <p:spPr>
+            <a:xfrm flipH="1">
+              <a:off x="15287760" y="20072880"/>
+              <a:ext cx="685800" cy="0"/>
+            </a:xfrm>
+            <a:prstGeom prst="line">
+              <a:avLst/>
+            </a:prstGeom>
+            <a:ln w="57240">
+              <a:solidFill>
+                <a:srgbClr val="6241c5"/>
+              </a:solidFill>
+              <a:round/>
+            </a:ln>
+          </p:spPr>
+          <p:style>
+            <a:lnRef idx="0"/>
+            <a:fillRef idx="0"/>
+            <a:effectRef idx="0"/>
+            <a:fontRef idx="minor"/>
+          </p:style>
+        </p:sp>
+        <p:sp>
+          <p:nvSpPr>
+            <p:cNvPr id="80" name=""/>
+            <p:cNvSpPr/>
+            <p:nvPr/>
+          </p:nvSpPr>
+          <p:spPr>
+            <a:xfrm flipV="1">
+              <a:off x="15944760" y="19380960"/>
+              <a:ext cx="0" cy="685800"/>
+            </a:xfrm>
+            <a:prstGeom prst="line">
+              <a:avLst/>
+            </a:prstGeom>
+            <a:ln w="57240">
+              <a:solidFill>
+                <a:srgbClr val="6241c5"/>
+              </a:solidFill>
+              <a:round/>
+            </a:ln>
+          </p:spPr>
+          <p:style>
+            <a:lnRef idx="0"/>
+            <a:fillRef idx="0"/>
+            <a:effectRef idx="0"/>
+            <a:fontRef idx="minor"/>
+          </p:style>
+        </p:sp>
+      </p:grpSp>
+      <p:grpSp>
+        <p:nvGrpSpPr>
+          <p:cNvPr id="81" name=""/>
+          <p:cNvGrpSpPr/>
+          <p:nvPr/>
+        </p:nvGrpSpPr>
+        <p:grpSpPr>
+          <a:xfrm>
+            <a:off x="7355520" y="19380960"/>
+            <a:ext cx="685800" cy="691920"/>
+            <a:chOff x="7355520" y="19380960"/>
+            <a:chExt cx="685800" cy="691920"/>
+          </a:xfrm>
+        </p:grpSpPr>
+        <p:sp>
+          <p:nvSpPr>
+            <p:cNvPr id="82" name=""/>
+            <p:cNvSpPr/>
+            <p:nvPr/>
+          </p:nvSpPr>
+          <p:spPr>
+            <a:xfrm flipH="1">
+              <a:off x="7355520" y="20072880"/>
+              <a:ext cx="685800" cy="0"/>
+            </a:xfrm>
+            <a:prstGeom prst="line">
+              <a:avLst/>
+            </a:prstGeom>
+            <a:ln w="57240">
+              <a:solidFill>
+                <a:srgbClr val="6241c5"/>
+              </a:solidFill>
+              <a:round/>
+            </a:ln>
+          </p:spPr>
+          <p:style>
+            <a:lnRef idx="0"/>
+            <a:fillRef idx="0"/>
+            <a:effectRef idx="0"/>
+            <a:fontRef idx="minor"/>
+          </p:style>
+        </p:sp>
+        <p:sp>
+          <p:nvSpPr>
+            <p:cNvPr id="83" name=""/>
+            <p:cNvSpPr/>
+            <p:nvPr/>
+          </p:nvSpPr>
+          <p:spPr>
+            <a:xfrm flipV="1">
+              <a:off x="8012520" y="19380960"/>
+              <a:ext cx="0" cy="685800"/>
+            </a:xfrm>
+            <a:prstGeom prst="line">
+              <a:avLst/>
+            </a:prstGeom>
+            <a:ln w="57240">
+              <a:solidFill>
+                <a:srgbClr val="6241c5"/>
+              </a:solidFill>
+              <a:round/>
+            </a:ln>
+          </p:spPr>
+          <p:style>
+            <a:lnRef idx="0"/>
+            <a:fillRef idx="0"/>
+            <a:effectRef idx="0"/>
+            <a:fontRef idx="minor"/>
+          </p:style>
+        </p:sp>
+      </p:grpSp>
+      <p:grpSp>
+        <p:nvGrpSpPr>
+          <p:cNvPr id="84" name=""/>
+          <p:cNvGrpSpPr/>
+          <p:nvPr/>
+        </p:nvGrpSpPr>
+        <p:grpSpPr>
+          <a:xfrm>
+            <a:off x="15288120" y="20928960"/>
+            <a:ext cx="685800" cy="691920"/>
+            <a:chOff x="15288120" y="20928960"/>
+            <a:chExt cx="685800" cy="691920"/>
+          </a:xfrm>
+        </p:grpSpPr>
+        <p:sp>
+          <p:nvSpPr>
+            <p:cNvPr id="85" name=""/>
+            <p:cNvSpPr/>
+            <p:nvPr/>
+          </p:nvSpPr>
+          <p:spPr>
+            <a:xfrm flipH="1">
+              <a:off x="15288120" y="21620880"/>
+              <a:ext cx="685800" cy="0"/>
+            </a:xfrm>
+            <a:prstGeom prst="line">
+              <a:avLst/>
+            </a:prstGeom>
+            <a:ln w="57240">
+              <a:solidFill>
+                <a:srgbClr val="6241c5"/>
+              </a:solidFill>
+              <a:round/>
+            </a:ln>
+          </p:spPr>
+          <p:style>
+            <a:lnRef idx="0"/>
+            <a:fillRef idx="0"/>
+            <a:effectRef idx="0"/>
+            <a:fontRef idx="minor"/>
+          </p:style>
+        </p:sp>
+        <p:sp>
+          <p:nvSpPr>
+            <p:cNvPr id="86" name=""/>
+            <p:cNvSpPr/>
+            <p:nvPr/>
+          </p:nvSpPr>
+          <p:spPr>
+            <a:xfrm flipV="1">
+              <a:off x="15945120" y="20928960"/>
+              <a:ext cx="0" cy="685800"/>
+            </a:xfrm>
+            <a:prstGeom prst="line">
+              <a:avLst/>
+            </a:prstGeom>
+            <a:ln w="57240">
+              <a:solidFill>
+                <a:srgbClr val="6241c5"/>
+              </a:solidFill>
+              <a:round/>
+            </a:ln>
+          </p:spPr>
+          <p:style>
+            <a:lnRef idx="0"/>
+            <a:fillRef idx="0"/>
+            <a:effectRef idx="0"/>
+            <a:fontRef idx="minor"/>
+          </p:style>
+        </p:sp>
+      </p:grpSp>
+      <p:grpSp>
+        <p:nvGrpSpPr>
+          <p:cNvPr id="87" name=""/>
+          <p:cNvGrpSpPr/>
+          <p:nvPr/>
+        </p:nvGrpSpPr>
+        <p:grpSpPr>
+          <a:xfrm>
+            <a:off x="480600" y="20249280"/>
+            <a:ext cx="685800" cy="691920"/>
+            <a:chOff x="480600" y="20249280"/>
+            <a:chExt cx="685800" cy="691920"/>
+          </a:xfrm>
+        </p:grpSpPr>
+        <p:sp>
+          <p:nvSpPr>
+            <p:cNvPr id="88" name=""/>
+            <p:cNvSpPr/>
+            <p:nvPr/>
+          </p:nvSpPr>
+          <p:spPr>
+            <a:xfrm>
+              <a:off x="480600" y="20249280"/>
+              <a:ext cx="685800" cy="0"/>
+            </a:xfrm>
+            <a:prstGeom prst="line">
+              <a:avLst/>
+            </a:prstGeom>
+            <a:ln w="57240">
+              <a:solidFill>
+                <a:srgbClr val="6241c5"/>
+              </a:solidFill>
+              <a:round/>
+            </a:ln>
+          </p:spPr>
+          <p:style>
+            <a:lnRef idx="0"/>
+            <a:fillRef idx="0"/>
+            <a:effectRef idx="0"/>
+            <a:fontRef idx="minor"/>
+          </p:style>
+        </p:sp>
+        <p:sp>
+          <p:nvSpPr>
+            <p:cNvPr id="89" name=""/>
+            <p:cNvSpPr/>
+            <p:nvPr/>
+          </p:nvSpPr>
+          <p:spPr>
+            <a:xfrm>
+              <a:off x="509400" y="20255400"/>
+              <a:ext cx="0" cy="685800"/>
+            </a:xfrm>
+            <a:prstGeom prst="line">
+              <a:avLst/>
+            </a:prstGeom>
+            <a:ln w="57240">
+              <a:solidFill>
+                <a:srgbClr val="6241c5"/>
+              </a:solidFill>
+              <a:round/>
+            </a:ln>
+          </p:spPr>
+          <p:style>
+            <a:lnRef idx="0"/>
+            <a:fillRef idx="0"/>
+            <a:effectRef idx="0"/>
+            <a:fontRef idx="minor"/>
+          </p:style>
+        </p:sp>
+      </p:grpSp>
     </p:spTree>
   </p:cSld>
   <mc:AlternateContent>

--- a/poster/2024 eCTF Poster Template (copy).pptx
+++ b/poster/2024 eCTF Poster Template (copy).pptx
@@ -67,7 +67,31 @@
               <a:rPr b="0" lang="en-US" sz="4400" spc="-1" strike="noStrike">
                 <a:latin typeface="Arial"/>
               </a:rPr>
-              <a:t>Click to move the slide</a:t>
+              <a:t>Click </a:t>
+            </a:r>
+            <a:r>
+              <a:rPr b="0" lang="en-US" sz="4400" spc="-1" strike="noStrike">
+                <a:latin typeface="Arial"/>
+              </a:rPr>
+              <a:t>to </a:t>
+            </a:r>
+            <a:r>
+              <a:rPr b="0" lang="en-US" sz="4400" spc="-1" strike="noStrike">
+                <a:latin typeface="Arial"/>
+              </a:rPr>
+              <a:t>mov</a:t>
+            </a:r>
+            <a:r>
+              <a:rPr b="0" lang="en-US" sz="4400" spc="-1" strike="noStrike">
+                <a:latin typeface="Arial"/>
+              </a:rPr>
+              <a:t>e the </a:t>
+            </a:r>
+            <a:r>
+              <a:rPr b="0" lang="en-US" sz="4400" spc="-1" strike="noStrike">
+                <a:latin typeface="Arial"/>
+              </a:rPr>
+              <a:t>slide</a:t>
             </a:r>
             <a:endParaRPr b="0" lang="en-US" sz="4400" spc="-1" strike="noStrike">
               <a:latin typeface="Arial"/>
@@ -107,97 +131,25 @@
               <a:rPr b="0" lang="en-US" sz="2000" spc="-1" strike="noStrike">
                 <a:latin typeface="Arial"/>
               </a:rPr>
-              <a:t>Clic</a:t>
+              <a:t>Click to </a:t>
             </a:r>
             <a:r>
               <a:rPr b="0" lang="en-US" sz="2000" spc="-1" strike="noStrike">
                 <a:latin typeface="Arial"/>
               </a:rPr>
-              <a:t>k </a:t>
+              <a:t>edit the </a:t>
             </a:r>
             <a:r>
               <a:rPr b="0" lang="en-US" sz="2000" spc="-1" strike="noStrike">
                 <a:latin typeface="Arial"/>
               </a:rPr>
-              <a:t>to </a:t>
+              <a:t>notes </a:t>
             </a:r>
             <a:r>
               <a:rPr b="0" lang="en-US" sz="2000" spc="-1" strike="noStrike">
                 <a:latin typeface="Arial"/>
               </a:rPr>
-              <a:t>e</a:t>
-            </a:r>
-            <a:r>
-              <a:rPr b="0" lang="en-US" sz="2000" spc="-1" strike="noStrike">
-                <a:latin typeface="Arial"/>
-              </a:rPr>
-              <a:t>di</a:t>
-            </a:r>
-            <a:r>
-              <a:rPr b="0" lang="en-US" sz="2000" spc="-1" strike="noStrike">
-                <a:latin typeface="Arial"/>
-              </a:rPr>
-              <a:t>t </a:t>
-            </a:r>
-            <a:r>
-              <a:rPr b="0" lang="en-US" sz="2000" spc="-1" strike="noStrike">
-                <a:latin typeface="Arial"/>
-              </a:rPr>
-              <a:t>th</a:t>
-            </a:r>
-            <a:r>
-              <a:rPr b="0" lang="en-US" sz="2000" spc="-1" strike="noStrike">
-                <a:latin typeface="Arial"/>
-              </a:rPr>
-              <a:t>e </a:t>
-            </a:r>
-            <a:r>
-              <a:rPr b="0" lang="en-US" sz="2000" spc="-1" strike="noStrike">
-                <a:latin typeface="Arial"/>
-              </a:rPr>
-              <a:t>n</a:t>
-            </a:r>
-            <a:r>
-              <a:rPr b="0" lang="en-US" sz="2000" spc="-1" strike="noStrike">
-                <a:latin typeface="Arial"/>
-              </a:rPr>
-              <a:t>ot</a:t>
-            </a:r>
-            <a:r>
-              <a:rPr b="0" lang="en-US" sz="2000" spc="-1" strike="noStrike">
-                <a:latin typeface="Arial"/>
-              </a:rPr>
-              <a:t>e</a:t>
-            </a:r>
-            <a:r>
-              <a:rPr b="0" lang="en-US" sz="2000" spc="-1" strike="noStrike">
-                <a:latin typeface="Arial"/>
-              </a:rPr>
-              <a:t>s </a:t>
-            </a:r>
-            <a:r>
-              <a:rPr b="0" lang="en-US" sz="2000" spc="-1" strike="noStrike">
-                <a:latin typeface="Arial"/>
-              </a:rPr>
-              <a:t>fo</a:t>
-            </a:r>
-            <a:r>
-              <a:rPr b="0" lang="en-US" sz="2000" spc="-1" strike="noStrike">
-                <a:latin typeface="Arial"/>
-              </a:rPr>
-              <a:t>r</a:t>
-            </a:r>
-            <a:r>
-              <a:rPr b="0" lang="en-US" sz="2000" spc="-1" strike="noStrike">
-                <a:latin typeface="Arial"/>
-              </a:rPr>
-              <a:t>m</a:t>
-            </a:r>
-            <a:r>
-              <a:rPr b="0" lang="en-US" sz="2000" spc="-1" strike="noStrike">
-                <a:latin typeface="Arial"/>
-              </a:rPr>
-              <a:t>at</a:t>
+              <a:t>format</a:t>
             </a:r>
             <a:endParaRPr b="0" lang="en-US" sz="2000" spc="-1" strike="noStrike">
               <a:latin typeface="Arial"/>
@@ -382,7 +334,7 @@
             <a:pPr algn="r">
               <a:buNone/>
             </a:pPr>
-            <a:fld id="{76DFE5D7-45E5-4999-B391-4A4F7BA45F7E}" type="slidenum">
+            <a:fld id="{16DF27CD-1191-4572-A2A2-1316548F32CC}" type="slidenum">
               <a:rPr b="0" lang="en-US" sz="1400" spc="-1" strike="noStrike">
                 <a:latin typeface="Times New Roman"/>
               </a:rPr>
@@ -519,7 +471,7 @@
               </a:lnSpc>
               <a:buNone/>
             </a:pPr>
-            <a:fld id="{68BF041C-4F64-4696-9C1B-7BD6FE58EEF7}" type="slidenum">
+            <a:fld id="{236E915D-401A-4055-832B-31EC3C49FE93}" type="slidenum">
               <a:rPr b="0" lang="en-US" sz="1200" spc="-1" strike="noStrike">
                 <a:latin typeface="Times New Roman"/>
               </a:rPr>
@@ -587,7 +539,7 @@
         <p:txBody>
           <a:bodyPr/>
           <a:p>
-            <a:fld id="{7017280A-E620-4B2A-9ACE-B49965FF303F}" type="slidenum">
+            <a:fld id="{EDF27FEC-EBE1-4D17-BAF0-13EEA9561415}" type="slidenum">
               <a:t>&lt;#&gt;</a:t>
             </a:fld>
           </a:p>
@@ -775,7 +727,7 @@
         <p:txBody>
           <a:bodyPr/>
           <a:p>
-            <a:fld id="{37BCC621-1C73-48F5-BA20-9DBA44FB4D1E}" type="slidenum">
+            <a:fld id="{D0C6407B-2D6E-47F6-AAE0-9913E8F17019}" type="slidenum">
               <a:t>&lt;#&gt;</a:t>
             </a:fld>
           </a:p>
@@ -1031,7 +983,7 @@
         <p:txBody>
           <a:bodyPr/>
           <a:p>
-            <a:fld id="{AACCBA2F-41BD-4760-890F-9CFB2ED8045C}" type="slidenum">
+            <a:fld id="{E918C473-1115-484C-8DB3-C4200BA473C4}" type="slidenum">
               <a:t>&lt;#&gt;</a:t>
             </a:fld>
           </a:p>
@@ -1355,7 +1307,7 @@
         <p:txBody>
           <a:bodyPr/>
           <a:p>
-            <a:fld id="{E987B574-A6E3-4A12-8AC3-40451C6644A9}" type="slidenum">
+            <a:fld id="{99D4E403-D9FB-4D1E-9868-F23B861B777D}" type="slidenum">
               <a:t>&lt;#&gt;</a:t>
             </a:fld>
           </a:p>
@@ -1512,7 +1464,7 @@
         <p:txBody>
           <a:bodyPr/>
           <a:p>
-            <a:fld id="{2D6D121B-B13D-46EA-A867-8B8E4A54FD66}" type="slidenum">
+            <a:fld id="{E4AEABA4-BC3C-4AAD-AB12-6FDCA3321DDB}" type="slidenum">
               <a:t>&lt;#&gt;</a:t>
             </a:fld>
           </a:p>
@@ -1666,7 +1618,7 @@
         <p:txBody>
           <a:bodyPr/>
           <a:p>
-            <a:fld id="{4CF6904A-ED1B-4976-A83B-1E8E4C9B580B}" type="slidenum">
+            <a:fld id="{86F4705E-D39E-4491-865C-A347181D5BA7}" type="slidenum">
               <a:t>&lt;#&gt;</a:t>
             </a:fld>
           </a:p>
@@ -1854,7 +1806,7 @@
         <p:txBody>
           <a:bodyPr/>
           <a:p>
-            <a:fld id="{06B92A5E-526A-4E30-AF9B-0936E950003A}" type="slidenum">
+            <a:fld id="{6F1CF3D1-7D8A-4D13-9A8F-278D340C0BAD}" type="slidenum">
               <a:t>&lt;#&gt;</a:t>
             </a:fld>
           </a:p>
@@ -1974,7 +1926,7 @@
         <p:txBody>
           <a:bodyPr/>
           <a:p>
-            <a:fld id="{2BE7016D-E01B-475D-B0C3-1E850886C687}" type="slidenum">
+            <a:fld id="{AF8E851F-26F3-4C21-8663-C4F4E40F93FE}" type="slidenum">
               <a:t>&lt;#&gt;</a:t>
             </a:fld>
           </a:p>
@@ -2094,7 +2046,7 @@
         <p:txBody>
           <a:bodyPr/>
           <a:p>
-            <a:fld id="{ED72A426-19AC-41F0-9E69-9B67AC6D4E80}" type="slidenum">
+            <a:fld id="{4C3294EF-B9A5-4E62-8908-DEB206C98B34}" type="slidenum">
               <a:t>&lt;#&gt;</a:t>
             </a:fld>
           </a:p>
@@ -2316,7 +2268,7 @@
         <p:txBody>
           <a:bodyPr/>
           <a:p>
-            <a:fld id="{89B77CDD-B61F-4A7D-BE71-51741F7B3C03}" type="slidenum">
+            <a:fld id="{47E40A68-17D9-4662-B01E-7DC25AB6215D}" type="slidenum">
               <a:t>&lt;#&gt;</a:t>
             </a:fld>
           </a:p>
@@ -2538,7 +2490,7 @@
         <p:txBody>
           <a:bodyPr/>
           <a:p>
-            <a:fld id="{9860D493-AD52-4A7F-8F82-C074ABA7DB3D}" type="slidenum">
+            <a:fld id="{41B5E053-9C14-4C59-B3CA-BAF2C2F5122F}" type="slidenum">
               <a:t>&lt;#&gt;</a:t>
             </a:fld>
           </a:p>
@@ -2760,7 +2712,7 @@
         <p:txBody>
           <a:bodyPr/>
           <a:p>
-            <a:fld id="{8C934CAA-3650-4F30-9777-70CFE48BF33E}" type="slidenum">
+            <a:fld id="{75E26375-D6F4-4F1C-8B15-7BF449D5AE5D}" type="slidenum">
               <a:t>&lt;#&gt;</a:t>
             </a:fld>
           </a:p>
@@ -2848,7 +2800,19 @@
               <a:rPr b="0" lang="en-US" sz="1800" spc="-1" strike="noStrike">
                 <a:latin typeface="Arial"/>
               </a:rPr>
-              <a:t>Click to edit the title text format</a:t>
+              <a:t>Click to edit </a:t>
+            </a:r>
+            <a:r>
+              <a:rPr b="0" lang="en-US" sz="1800" spc="-1" strike="noStrike">
+                <a:latin typeface="Arial"/>
+              </a:rPr>
+              <a:t>the title text </a:t>
+            </a:r>
+            <a:r>
+              <a:rPr b="0" lang="en-US" sz="1800" spc="-1" strike="noStrike">
+                <a:latin typeface="Arial"/>
+              </a:rPr>
+              <a:t>format</a:t>
             </a:r>
             <a:endParaRPr b="0" lang="en-US" sz="1800" spc="-1" strike="noStrike">
               <a:latin typeface="Arial"/>
@@ -2961,7 +2925,7 @@
               </a:lnSpc>
               <a:buNone/>
             </a:pPr>
-            <a:fld id="{20FF8F50-E0D9-4CBD-9715-5257DCD4963D}" type="slidenum">
+            <a:fld id="{A82F251B-4BC7-4662-9105-66308B70372A}" type="slidenum">
               <a:rPr b="0" lang="en-US" sz="2160" spc="-1" strike="noStrike">
                 <a:solidFill>
                   <a:srgbClr val="8b8b8b"/>
@@ -3890,7 +3854,7 @@
                 <a:latin typeface="Arial Black"/>
                 <a:ea typeface="DejaVu Sans"/>
               </a:rPr>
-              <a:t>Advised by: Dr. Ziming Zhao, PhD</a:t>
+              <a:t>Advised by: Prof. Ziming Zhao and Prof. Hongxin Hu</a:t>
             </a:r>
             <a:endParaRPr b="0" lang="en-US" sz="2000" spc="-1" strike="noStrike">
               <a:latin typeface="Arial"/>

--- a/poster/2024 eCTF Poster Template (copy).pptx
+++ b/poster/2024 eCTF Poster Template (copy).pptx
@@ -67,31 +67,7 @@
               <a:rPr b="0" lang="en-US" sz="4400" spc="-1" strike="noStrike">
                 <a:latin typeface="Arial"/>
               </a:rPr>
-              <a:t>Click </a:t>
-            </a:r>
-            <a:r>
-              <a:rPr b="0" lang="en-US" sz="4400" spc="-1" strike="noStrike">
-                <a:latin typeface="Arial"/>
-              </a:rPr>
-              <a:t>to </a:t>
-            </a:r>
-            <a:r>
-              <a:rPr b="0" lang="en-US" sz="4400" spc="-1" strike="noStrike">
-                <a:latin typeface="Arial"/>
-              </a:rPr>
-              <a:t>mov</a:t>
-            </a:r>
-            <a:r>
-              <a:rPr b="0" lang="en-US" sz="4400" spc="-1" strike="noStrike">
-                <a:latin typeface="Arial"/>
-              </a:rPr>
-              <a:t>e the </a:t>
-            </a:r>
-            <a:r>
-              <a:rPr b="0" lang="en-US" sz="4400" spc="-1" strike="noStrike">
-                <a:latin typeface="Arial"/>
-              </a:rPr>
-              <a:t>slide</a:t>
+              <a:t>Click to move the slide</a:t>
             </a:r>
             <a:endParaRPr b="0" lang="en-US" sz="4400" spc="-1" strike="noStrike">
               <a:latin typeface="Arial"/>
@@ -131,25 +107,7 @@
               <a:rPr b="0" lang="en-US" sz="2000" spc="-1" strike="noStrike">
                 <a:latin typeface="Arial"/>
               </a:rPr>
-              <a:t>Click to </a:t>
-            </a:r>
-            <a:r>
-              <a:rPr b="0" lang="en-US" sz="2000" spc="-1" strike="noStrike">
-                <a:latin typeface="Arial"/>
-              </a:rPr>
-              <a:t>edit the </a:t>
-            </a:r>
-            <a:r>
-              <a:rPr b="0" lang="en-US" sz="2000" spc="-1" strike="noStrike">
-                <a:latin typeface="Arial"/>
-              </a:rPr>
-              <a:t>notes </a:t>
-            </a:r>
-            <a:r>
-              <a:rPr b="0" lang="en-US" sz="2000" spc="-1" strike="noStrike">
-                <a:latin typeface="Arial"/>
-              </a:rPr>
-              <a:t>format</a:t>
+              <a:t>Click to edit the notes format</a:t>
             </a:r>
             <a:endParaRPr b="0" lang="en-US" sz="2000" spc="-1" strike="noStrike">
               <a:latin typeface="Arial"/>
@@ -334,7 +292,7 @@
             <a:pPr algn="r">
               <a:buNone/>
             </a:pPr>
-            <a:fld id="{16DF27CD-1191-4572-A2A2-1316548F32CC}" type="slidenum">
+            <a:fld id="{D60CBE71-71F1-4D13-A19E-49B7AC300E21}" type="slidenum">
               <a:rPr b="0" lang="en-US" sz="1400" spc="-1" strike="noStrike">
                 <a:latin typeface="Times New Roman"/>
               </a:rPr>
@@ -371,7 +329,7 @@
       </p:grpSpPr>
       <p:sp>
         <p:nvSpPr>
-          <p:cNvPr id="90" name="PlaceHolder 1"/>
+          <p:cNvPr id="94" name="PlaceHolder 1"/>
           <p:cNvSpPr>
             <a:spLocks noGrp="1"/>
           </p:cNvSpPr>
@@ -382,7 +340,7 @@
         <p:spPr>
           <a:xfrm>
             <a:off x="2271600" y="1143000"/>
-            <a:ext cx="2313720" cy="3085560"/>
+            <a:ext cx="2313360" cy="3085200"/>
           </a:xfrm>
           <a:prstGeom prst="rect">
             <a:avLst/>
@@ -394,7 +352,7 @@
       </p:sp>
       <p:sp>
         <p:nvSpPr>
-          <p:cNvPr id="91" name="PlaceHolder 2"/>
+          <p:cNvPr id="95" name="PlaceHolder 2"/>
           <p:cNvSpPr>
             <a:spLocks noGrp="1"/>
           </p:cNvSpPr>
@@ -405,7 +363,7 @@
         <p:spPr>
           <a:xfrm>
             <a:off x="685800" y="4400640"/>
-            <a:ext cx="5485680" cy="3599640"/>
+            <a:ext cx="5485320" cy="3599280"/>
           </a:xfrm>
           <a:prstGeom prst="rect">
             <a:avLst/>
@@ -428,7 +386,7 @@
       </p:sp>
       <p:sp>
         <p:nvSpPr>
-          <p:cNvPr id="92" name="PlaceHolder 3"/>
+          <p:cNvPr id="96" name="PlaceHolder 3"/>
           <p:cNvSpPr>
             <a:spLocks noGrp="1"/>
           </p:cNvSpPr>
@@ -439,7 +397,7 @@
         <p:spPr>
           <a:xfrm>
             <a:off x="3884760" y="8685360"/>
-            <a:ext cx="2971080" cy="457920"/>
+            <a:ext cx="2970720" cy="457560"/>
           </a:xfrm>
           <a:prstGeom prst="rect">
             <a:avLst/>
@@ -471,7 +429,7 @@
               </a:lnSpc>
               <a:buNone/>
             </a:pPr>
-            <a:fld id="{236E915D-401A-4055-832B-31EC3C49FE93}" type="slidenum">
+            <a:fld id="{571B9B4A-3182-4474-84ED-66CF2161E820}" type="slidenum">
               <a:rPr b="0" lang="en-US" sz="1200" spc="-1" strike="noStrike">
                 <a:latin typeface="Times New Roman"/>
               </a:rPr>
@@ -539,7 +497,7 @@
         <p:txBody>
           <a:bodyPr/>
           <a:p>
-            <a:fld id="{EDF27FEC-EBE1-4D17-BAF0-13EEA9561415}" type="slidenum">
+            <a:fld id="{B1F0D47C-B81E-45BC-A82C-F041EB7ECA65}" type="slidenum">
               <a:t>&lt;#&gt;</a:t>
             </a:fld>
           </a:p>
@@ -600,8 +558,8 @@
         </p:nvSpPr>
         <p:spPr>
           <a:xfrm>
-            <a:off x="1234440" y="3591720"/>
-            <a:ext cx="13989600" cy="7639560"/>
+            <a:off x="822960" y="875520"/>
+            <a:ext cx="14812920" cy="3664440"/>
           </a:xfrm>
           <a:prstGeom prst="rect">
             <a:avLst/>
@@ -727,7 +685,7 @@
         <p:txBody>
           <a:bodyPr/>
           <a:p>
-            <a:fld id="{D0C6407B-2D6E-47F6-AAE0-9913E8F17019}" type="slidenum">
+            <a:fld id="{F6DAF4F6-08D9-43BC-AFBB-EE677A8EA298}" type="slidenum">
               <a:t>&lt;#&gt;</a:t>
             </a:fld>
           </a:p>
@@ -788,8 +746,8 @@
         </p:nvSpPr>
         <p:spPr>
           <a:xfrm>
-            <a:off x="1234440" y="3591720"/>
-            <a:ext cx="13989600" cy="7639560"/>
+            <a:off x="822960" y="875520"/>
+            <a:ext cx="14812920" cy="3664440"/>
           </a:xfrm>
           <a:prstGeom prst="rect">
             <a:avLst/>
@@ -983,7 +941,7 @@
         <p:txBody>
           <a:bodyPr/>
           <a:p>
-            <a:fld id="{E918C473-1115-484C-8DB3-C4200BA473C4}" type="slidenum">
+            <a:fld id="{DCCBA159-D8A1-4951-BE5C-4FA8FF5B382B}" type="slidenum">
               <a:t>&lt;#&gt;</a:t>
             </a:fld>
           </a:p>
@@ -1044,8 +1002,8 @@
         </p:nvSpPr>
         <p:spPr>
           <a:xfrm>
-            <a:off x="1234440" y="3591720"/>
-            <a:ext cx="13989600" cy="7639560"/>
+            <a:off x="822960" y="875520"/>
+            <a:ext cx="14812920" cy="3664440"/>
           </a:xfrm>
           <a:prstGeom prst="rect">
             <a:avLst/>
@@ -1307,7 +1265,7 @@
         <p:txBody>
           <a:bodyPr/>
           <a:p>
-            <a:fld id="{99D4E403-D9FB-4D1E-9868-F23B861B777D}" type="slidenum">
+            <a:fld id="{EE38409B-8E19-48B4-9617-0C6B5FDD4732}" type="slidenum">
               <a:t>&lt;#&gt;</a:t>
             </a:fld>
           </a:p>
@@ -1368,8 +1326,8 @@
         </p:nvSpPr>
         <p:spPr>
           <a:xfrm>
-            <a:off x="1234440" y="3591720"/>
-            <a:ext cx="13989600" cy="7639560"/>
+            <a:off x="822960" y="875520"/>
+            <a:ext cx="14812920" cy="3664440"/>
           </a:xfrm>
           <a:prstGeom prst="rect">
             <a:avLst/>
@@ -1464,7 +1422,7 @@
         <p:txBody>
           <a:bodyPr/>
           <a:p>
-            <a:fld id="{E4AEABA4-BC3C-4AAD-AB12-6FDCA3321DDB}" type="slidenum">
+            <a:fld id="{F46C422B-2483-45D4-A1CD-BB2DF8B7466D}" type="slidenum">
               <a:t>&lt;#&gt;</a:t>
             </a:fld>
           </a:p>
@@ -1525,8 +1483,8 @@
         </p:nvSpPr>
         <p:spPr>
           <a:xfrm>
-            <a:off x="1234440" y="3591720"/>
-            <a:ext cx="13989600" cy="7639560"/>
+            <a:off x="822960" y="875520"/>
+            <a:ext cx="14812920" cy="3664440"/>
           </a:xfrm>
           <a:prstGeom prst="rect">
             <a:avLst/>
@@ -1618,7 +1576,7 @@
         <p:txBody>
           <a:bodyPr/>
           <a:p>
-            <a:fld id="{86F4705E-D39E-4491-865C-A347181D5BA7}" type="slidenum">
+            <a:fld id="{643F1206-AF7F-4BEA-BD32-29F0FCFECF74}" type="slidenum">
               <a:t>&lt;#&gt;</a:t>
             </a:fld>
           </a:p>
@@ -1679,8 +1637,8 @@
         </p:nvSpPr>
         <p:spPr>
           <a:xfrm>
-            <a:off x="1234440" y="3591720"/>
-            <a:ext cx="13989600" cy="7639560"/>
+            <a:off x="822960" y="875520"/>
+            <a:ext cx="14812920" cy="3664440"/>
           </a:xfrm>
           <a:prstGeom prst="rect">
             <a:avLst/>
@@ -1806,7 +1764,7 @@
         <p:txBody>
           <a:bodyPr/>
           <a:p>
-            <a:fld id="{6F1CF3D1-7D8A-4D13-9A8F-278D340C0BAD}" type="slidenum">
+            <a:fld id="{DFB8B6AC-086B-4649-AE21-7555988B660B}" type="slidenum">
               <a:t>&lt;#&gt;</a:t>
             </a:fld>
           </a:p>
@@ -1867,8 +1825,8 @@
         </p:nvSpPr>
         <p:spPr>
           <a:xfrm>
-            <a:off x="1234440" y="3591720"/>
-            <a:ext cx="13989600" cy="7639560"/>
+            <a:off x="822960" y="875520"/>
+            <a:ext cx="14812920" cy="3664440"/>
           </a:xfrm>
           <a:prstGeom prst="rect">
             <a:avLst/>
@@ -1926,7 +1884,7 @@
         <p:txBody>
           <a:bodyPr/>
           <a:p>
-            <a:fld id="{AF8E851F-26F3-4C21-8663-C4F4E40F93FE}" type="slidenum">
+            <a:fld id="{47F7366D-4439-4D19-AD1E-83092209BCAD}" type="slidenum">
               <a:t>&lt;#&gt;</a:t>
             </a:fld>
           </a:p>
@@ -1987,8 +1945,8 @@
         </p:nvSpPr>
         <p:spPr>
           <a:xfrm>
-            <a:off x="1234440" y="3591720"/>
-            <a:ext cx="13989600" cy="35413560"/>
+            <a:off x="822960" y="875520"/>
+            <a:ext cx="14812920" cy="16987320"/>
           </a:xfrm>
           <a:prstGeom prst="rect">
             <a:avLst/>
@@ -2046,7 +2004,7 @@
         <p:txBody>
           <a:bodyPr/>
           <a:p>
-            <a:fld id="{4C3294EF-B9A5-4E62-8908-DEB206C98B34}" type="slidenum">
+            <a:fld id="{711F0D06-0190-4C83-94CD-7B06D25A37C9}" type="slidenum">
               <a:t>&lt;#&gt;</a:t>
             </a:fld>
           </a:p>
@@ -2107,8 +2065,8 @@
         </p:nvSpPr>
         <p:spPr>
           <a:xfrm>
-            <a:off x="1234440" y="3591720"/>
-            <a:ext cx="13989600" cy="7639560"/>
+            <a:off x="822960" y="875520"/>
+            <a:ext cx="14812920" cy="3664440"/>
           </a:xfrm>
           <a:prstGeom prst="rect">
             <a:avLst/>
@@ -2268,7 +2226,7 @@
         <p:txBody>
           <a:bodyPr/>
           <a:p>
-            <a:fld id="{47E40A68-17D9-4662-B01E-7DC25AB6215D}" type="slidenum">
+            <a:fld id="{1094ED92-774F-4F6D-8E75-500D5E4AD687}" type="slidenum">
               <a:t>&lt;#&gt;</a:t>
             </a:fld>
           </a:p>
@@ -2329,8 +2287,8 @@
         </p:nvSpPr>
         <p:spPr>
           <a:xfrm>
-            <a:off x="1234440" y="3591720"/>
-            <a:ext cx="13989600" cy="7639560"/>
+            <a:off x="822960" y="875520"/>
+            <a:ext cx="14812920" cy="3664440"/>
           </a:xfrm>
           <a:prstGeom prst="rect">
             <a:avLst/>
@@ -2490,7 +2448,7 @@
         <p:txBody>
           <a:bodyPr/>
           <a:p>
-            <a:fld id="{41B5E053-9C14-4C59-B3CA-BAF2C2F5122F}" type="slidenum">
+            <a:fld id="{7C656054-B472-40FA-9AAC-FE44E1EC6ACB}" type="slidenum">
               <a:t>&lt;#&gt;</a:t>
             </a:fld>
           </a:p>
@@ -2551,8 +2509,8 @@
         </p:nvSpPr>
         <p:spPr>
           <a:xfrm>
-            <a:off x="1234440" y="3591720"/>
-            <a:ext cx="13989600" cy="7639560"/>
+            <a:off x="822960" y="875520"/>
+            <a:ext cx="14812920" cy="3664440"/>
           </a:xfrm>
           <a:prstGeom prst="rect">
             <a:avLst/>
@@ -2712,7 +2670,7 @@
         <p:txBody>
           <a:bodyPr/>
           <a:p>
-            <a:fld id="{75E26375-D6F4-4F1C-8B15-7BF449D5AE5D}" type="slidenum">
+            <a:fld id="{7810A4D1-80D2-44F0-A420-8BD53C9E5B08}" type="slidenum">
               <a:t>&lt;#&gt;</a:t>
             </a:fld>
           </a:p>
@@ -2775,13 +2733,13 @@
             <a:spLocks noGrp="1"/>
           </p:cNvSpPr>
           <p:nvPr>
-            <p:ph type="title"/>
+            <p:ph type="ftr" idx="1"/>
           </p:nvPr>
         </p:nvSpPr>
         <p:spPr>
           <a:xfrm>
-            <a:off x="1234440" y="3591720"/>
-            <a:ext cx="13989600" cy="7639560"/>
+            <a:off x="5452200" y="20340360"/>
+            <a:ext cx="5554080" cy="1167480"/>
           </a:xfrm>
           <a:prstGeom prst="rect">
             <a:avLst/>
@@ -2792,30 +2750,35 @@
           </a:ln>
         </p:spPr>
         <p:txBody>
-          <a:bodyPr lIns="0" rIns="0" tIns="0" bIns="0" anchor="ctr">
+          <a:bodyPr lIns="90000" rIns="90000" tIns="45000" bIns="45000" anchor="ctr">
             <a:noAutofit/>
           </a:bodyPr>
-          <a:p>
-            <a:r>
-              <a:rPr b="0" lang="en-US" sz="1800" spc="-1" strike="noStrike">
-                <a:latin typeface="Arial"/>
+          <a:lstStyle>
+            <a:lvl1pPr algn="ctr">
+              <a:lnSpc>
+                <a:spcPct val="100000"/>
+              </a:lnSpc>
+              <a:buNone/>
+              <a:defRPr b="0" lang="en-US" sz="1400" spc="-1" strike="noStrike">
+                <a:latin typeface="Times New Roman"/>
+              </a:defRPr>
+            </a:lvl1pPr>
+          </a:lstStyle>
+          <a:p>
+            <a:pPr algn="ctr">
+              <a:lnSpc>
+                <a:spcPct val="100000"/>
+              </a:lnSpc>
+              <a:buNone/>
+            </a:pPr>
+            <a:r>
+              <a:rPr b="0" lang="en-US" sz="1400" spc="-1" strike="noStrike">
+                <a:latin typeface="Times New Roman"/>
               </a:rPr>
-              <a:t>Click to edit </a:t>
-            </a:r>
-            <a:r>
-              <a:rPr b="0" lang="en-US" sz="1800" spc="-1" strike="noStrike">
-                <a:latin typeface="Arial"/>
-              </a:rPr>
-              <a:t>the title text </a:t>
-            </a:r>
-            <a:r>
-              <a:rPr b="0" lang="en-US" sz="1800" spc="-1" strike="noStrike">
-                <a:latin typeface="Arial"/>
-              </a:rPr>
-              <a:t>format</a:t>
-            </a:r>
-            <a:endParaRPr b="0" lang="en-US" sz="1800" spc="-1" strike="noStrike">
-              <a:latin typeface="Arial"/>
+              <a:t>&lt;footer&gt;</a:t>
+            </a:r>
+            <a:endParaRPr b="0" lang="en-US" sz="1400" spc="-1" strike="noStrike">
+              <a:latin typeface="Times New Roman"/>
             </a:endParaRPr>
           </a:p>
         </p:txBody>
@@ -2827,13 +2790,13 @@
             <a:spLocks noGrp="1"/>
           </p:cNvSpPr>
           <p:nvPr>
-            <p:ph type="ftr" idx="1"/>
+            <p:ph type="sldNum" idx="2"/>
           </p:nvPr>
         </p:nvSpPr>
         <p:spPr>
           <a:xfrm>
-            <a:off x="5452200" y="20340360"/>
-            <a:ext cx="5554440" cy="1167840"/>
+            <a:off x="11624400" y="20340360"/>
+            <a:ext cx="3702240" cy="1167480"/>
           </a:xfrm>
           <a:prstGeom prst="rect">
             <a:avLst/>
@@ -2848,63 +2811,6 @@
             <a:noAutofit/>
           </a:bodyPr>
           <a:lstStyle>
-            <a:lvl1pPr algn="ctr">
-              <a:lnSpc>
-                <a:spcPct val="100000"/>
-              </a:lnSpc>
-              <a:buNone/>
-              <a:defRPr b="0" lang="en-US" sz="1400" spc="-1" strike="noStrike">
-                <a:latin typeface="Times New Roman"/>
-              </a:defRPr>
-            </a:lvl1pPr>
-          </a:lstStyle>
-          <a:p>
-            <a:pPr algn="ctr">
-              <a:lnSpc>
-                <a:spcPct val="100000"/>
-              </a:lnSpc>
-              <a:buNone/>
-            </a:pPr>
-            <a:r>
-              <a:rPr b="0" lang="en-US" sz="1400" spc="-1" strike="noStrike">
-                <a:latin typeface="Times New Roman"/>
-              </a:rPr>
-              <a:t>&lt;footer&gt;</a:t>
-            </a:r>
-            <a:endParaRPr b="0" lang="en-US" sz="1400" spc="-1" strike="noStrike">
-              <a:latin typeface="Times New Roman"/>
-            </a:endParaRPr>
-          </a:p>
-        </p:txBody>
-      </p:sp>
-      <p:sp>
-        <p:nvSpPr>
-          <p:cNvPr id="2" name="PlaceHolder 3"/>
-          <p:cNvSpPr>
-            <a:spLocks noGrp="1"/>
-          </p:cNvSpPr>
-          <p:nvPr>
-            <p:ph type="sldNum" idx="2"/>
-          </p:nvPr>
-        </p:nvSpPr>
-        <p:spPr>
-          <a:xfrm>
-            <a:off x="11624400" y="20340360"/>
-            <a:ext cx="3702600" cy="1167840"/>
-          </a:xfrm>
-          <a:prstGeom prst="rect">
-            <a:avLst/>
-          </a:prstGeom>
-          <a:noFill/>
-          <a:ln w="0">
-            <a:noFill/>
-          </a:ln>
-        </p:spPr>
-        <p:txBody>
-          <a:bodyPr lIns="90000" rIns="90000" tIns="45000" bIns="45000" anchor="ctr">
-            <a:noAutofit/>
-          </a:bodyPr>
-          <a:lstStyle>
             <a:lvl1pPr algn="r">
               <a:lnSpc>
                 <a:spcPct val="100000"/>
@@ -2925,7 +2831,7 @@
               </a:lnSpc>
               <a:buNone/>
             </a:pPr>
-            <a:fld id="{A82F251B-4BC7-4662-9105-66308B70372A}" type="slidenum">
+            <a:fld id="{56B7FD17-7A94-43E8-8EB6-571DCA42639C}" type="slidenum">
               <a:rPr b="0" lang="en-US" sz="2160" spc="-1" strike="noStrike">
                 <a:solidFill>
                   <a:srgbClr val="8b8b8b"/>
@@ -2942,7 +2848,7 @@
       </p:sp>
       <p:sp>
         <p:nvSpPr>
-          <p:cNvPr id="3" name="PlaceHolder 4"/>
+          <p:cNvPr id="2" name="PlaceHolder 3"/>
           <p:cNvSpPr>
             <a:spLocks noGrp="1"/>
           </p:cNvSpPr>
@@ -2953,7 +2859,7 @@
         <p:spPr>
           <a:xfrm>
             <a:off x="1131480" y="20340360"/>
-            <a:ext cx="3702600" cy="1167840"/>
+            <a:ext cx="3702240" cy="1167480"/>
           </a:xfrm>
           <a:prstGeom prst="rect">
             <a:avLst/>
@@ -2983,6 +2889,49 @@
             </a:r>
             <a:endParaRPr b="0" lang="en-US" sz="1400" spc="-1" strike="noStrike">
               <a:latin typeface="Times New Roman"/>
+            </a:endParaRPr>
+          </a:p>
+        </p:txBody>
+      </p:sp>
+      <p:sp>
+        <p:nvSpPr>
+          <p:cNvPr id="3" name="PlaceHolder 4"/>
+          <p:cNvSpPr>
+            <a:spLocks noGrp="1"/>
+          </p:cNvSpPr>
+          <p:nvPr>
+            <p:ph type="title"/>
+          </p:nvPr>
+        </p:nvSpPr>
+        <p:spPr>
+          <a:xfrm>
+            <a:off x="822960" y="875520"/>
+            <a:ext cx="14812920" cy="3664440"/>
+          </a:xfrm>
+          <a:prstGeom prst="rect">
+            <a:avLst/>
+          </a:prstGeom>
+          <a:noFill/>
+          <a:ln w="0">
+            <a:noFill/>
+          </a:ln>
+        </p:spPr>
+        <p:txBody>
+          <a:bodyPr lIns="0" rIns="0" tIns="0" bIns="0" anchor="ctr">
+            <a:noAutofit/>
+          </a:bodyPr>
+          <a:p>
+            <a:pPr algn="ctr">
+              <a:buNone/>
+            </a:pPr>
+            <a:r>
+              <a:rPr b="0" lang="en-US" sz="4400" spc="-1" strike="noStrike">
+                <a:latin typeface="Arial"/>
+              </a:rPr>
+              <a:t>Click to edit the title text format</a:t>
+            </a:r>
+            <a:endParaRPr b="0" lang="en-US" sz="4400" spc="-1" strike="noStrike">
+              <a:latin typeface="Arial"/>
             </a:endParaRPr>
           </a:p>
         </p:txBody>
@@ -3223,7 +3172,7 @@
         <p:spPr>
           <a:xfrm>
             <a:off x="8430840" y="10238400"/>
-            <a:ext cx="7515720" cy="9832680"/>
+            <a:ext cx="7515360" cy="9832320"/>
           </a:xfrm>
           <a:prstGeom prst="rect">
             <a:avLst/>
@@ -3743,7 +3692,7 @@
         <p:spPr>
           <a:xfrm>
             <a:off x="0" y="500040"/>
-            <a:ext cx="16458480" cy="2711160"/>
+            <a:ext cx="16458120" cy="2711160"/>
           </a:xfrm>
           <a:prstGeom prst="rect">
             <a:avLst/>
@@ -3871,7 +3820,7 @@
         <p:spPr>
           <a:xfrm>
             <a:off x="1026720" y="3225240"/>
-            <a:ext cx="14355360" cy="94680"/>
+            <a:ext cx="14355000" cy="94320"/>
           </a:xfrm>
           <a:prstGeom prst="rect">
             <a:avLst/>
@@ -3907,7 +3856,7 @@
         <p:spPr>
           <a:xfrm>
             <a:off x="504000" y="10238400"/>
-            <a:ext cx="7515720" cy="9833040"/>
+            <a:ext cx="7515360" cy="9832680"/>
           </a:xfrm>
           <a:prstGeom prst="rect">
             <a:avLst/>
@@ -4194,16 +4143,11 @@
             </a:endParaRPr>
           </a:p>
           <a:p>
-            <a:pPr lvl="1" marL="432000" indent="-216000" algn="just">
-              <a:lnSpc>
-                <a:spcPct val="100000"/>
-              </a:lnSpc>
-              <a:buClr>
-                <a:srgbClr val="000000"/>
-              </a:buClr>
-              <a:buSzPct val="45000"/>
-              <a:buFont typeface="Wingdings" charset="2"/>
-              <a:buChar char=""/>
+            <a:pPr algn="just">
+              <a:lnSpc>
+                <a:spcPct val="100000"/>
+              </a:lnSpc>
+              <a:buNone/>
             </a:pPr>
             <a:endParaRPr b="0" lang="en-US" sz="1000" spc="-1" strike="noStrike">
               <a:latin typeface="Arial"/>
@@ -4335,16 +4279,11 @@
             </a:endParaRPr>
           </a:p>
           <a:p>
-            <a:pPr lvl="1" marL="432000" indent="-216000" algn="just">
-              <a:lnSpc>
-                <a:spcPct val="100000"/>
-              </a:lnSpc>
-              <a:buClr>
-                <a:srgbClr val="000000"/>
-              </a:buClr>
-              <a:buSzPct val="45000"/>
-              <a:buFont typeface="Wingdings" charset="2"/>
-              <a:buChar char=""/>
+            <a:pPr algn="just">
+              <a:lnSpc>
+                <a:spcPct val="100000"/>
+              </a:lnSpc>
+              <a:buNone/>
             </a:pPr>
             <a:endParaRPr b="0" lang="en-US" sz="1000" spc="-1" strike="noStrike">
               <a:latin typeface="Arial"/>
@@ -4553,7 +4492,7 @@
         <p:spPr>
           <a:xfrm>
             <a:off x="12441600" y="760320"/>
-            <a:ext cx="3144600" cy="1199160"/>
+            <a:ext cx="3144240" cy="1198800"/>
           </a:xfrm>
           <a:prstGeom prst="rect">
             <a:avLst/>
@@ -4649,7 +4588,7 @@
                         <a:buNone/>
                       </a:pPr>
                       <a:r>
-                        <a:rPr b="1" lang="en-US" sz="1800" spc="-1" strike="noStrike">
+                        <a:rPr b="0" lang="en-US" sz="1800" spc="-1" strike="noStrike">
                           <a:latin typeface="Arial"/>
                         </a:rPr>
                         <a:t>Key1_Public</a:t>
@@ -4698,7 +4637,7 @@
                         <a:buNone/>
                       </a:pPr>
                       <a:r>
-                        <a:rPr b="1" lang="en-US" sz="1800" spc="-1" strike="noStrike">
+                        <a:rPr b="0" lang="en-US" sz="1800" spc="-1" strike="noStrike">
                           <a:latin typeface="Arial"/>
                         </a:rPr>
                         <a:t>Key1_Private</a:t>
@@ -4747,7 +4686,7 @@
                         <a:buNone/>
                       </a:pPr>
                       <a:r>
-                        <a:rPr b="1" lang="en-US" sz="1800" spc="-1" strike="noStrike">
+                        <a:rPr b="0" lang="en-US" sz="1800" spc="-1" strike="noStrike">
                           <a:latin typeface="Arial"/>
                         </a:rPr>
                         <a:t>Key2_Public</a:t>
@@ -4796,7 +4735,7 @@
                         <a:buNone/>
                       </a:pPr>
                       <a:r>
-                        <a:rPr b="1" lang="en-US" sz="1800" spc="-1" strike="noStrike">
+                        <a:rPr b="0" lang="en-US" sz="1800" spc="-1" strike="noStrike">
                           <a:latin typeface="Arial"/>
                         </a:rPr>
                         <a:t>Key2_Private</a:t>
@@ -4845,7 +4784,7 @@
                         <a:buNone/>
                       </a:pPr>
                       <a:r>
-                        <a:rPr b="1" lang="en-US" sz="1800" spc="-1" strike="noStrike">
+                        <a:rPr b="0" lang="en-US" sz="1800" spc="-1" strike="noStrike">
                           <a:latin typeface="Arial"/>
                         </a:rPr>
                         <a:t>AEAD Key</a:t>
@@ -4894,7 +4833,7 @@
                         <a:buNone/>
                       </a:pPr>
                       <a:r>
-                        <a:rPr b="1" lang="en-US" sz="1800" spc="-1" strike="noStrike">
+                        <a:rPr b="0" lang="en-US" sz="1800" spc="-1" strike="noStrike">
                           <a:latin typeface="Arial"/>
                         </a:rPr>
                         <a:t>Hash Key &amp; Salt</a:t>
@@ -4945,7 +4884,7 @@
                         <a:buNone/>
                       </a:pPr>
                       <a:r>
-                        <a:rPr b="1" lang="en-US" sz="1800" spc="-1" strike="noStrike">
+                        <a:rPr b="0" lang="en-US" sz="1800" spc="-1" strike="noStrike">
                           <a:latin typeface="Arial"/>
                         </a:rPr>
                         <a:t>Stored at</a:t>
@@ -5290,7 +5229,7 @@
                         <a:buNone/>
                       </a:pPr>
                       <a:r>
-                        <a:rPr b="1" lang="en-US" sz="1800" spc="-1" strike="noStrike">
+                        <a:rPr b="0" lang="en-US" sz="1800" spc="-1" strike="noStrike">
                           <a:latin typeface="Arial"/>
                         </a:rPr>
                         <a:t>Description</a:t>
@@ -5634,7 +5573,7 @@
         <p:spPr>
           <a:xfrm>
             <a:off x="511920" y="4417200"/>
-            <a:ext cx="7717320" cy="2440440"/>
+            <a:ext cx="7716960" cy="2440080"/>
           </a:xfrm>
           <a:prstGeom prst="rect">
             <a:avLst/>
@@ -5679,6 +5618,16 @@
                 <a:latin typeface="Arial"/>
                 <a:ea typeface="DejaVu Sans"/>
               </a:rPr>
+              <a:t>      </a:t>
+            </a:r>
+            <a:r>
+              <a:rPr b="1" lang="en-US" sz="2000" spc="-1" strike="noStrike">
+                <a:solidFill>
+                  <a:srgbClr val="6241c5"/>
+                </a:solidFill>
+                <a:latin typeface="Arial"/>
+                <a:ea typeface="DejaVu Sans"/>
+              </a:rPr>
               <a:t>Attest</a:t>
             </a:r>
             <a:endParaRPr b="0" lang="en-US" sz="2000" spc="-1" strike="noStrike">
@@ -5732,6 +5681,16 @@
                 <a:latin typeface="Arial"/>
                 <a:ea typeface="DejaVu Sans"/>
               </a:rPr>
+              <a:t>      </a:t>
+            </a:r>
+            <a:r>
+              <a:rPr b="1" lang="en-US" sz="2000" spc="-1" strike="noStrike">
+                <a:solidFill>
+                  <a:srgbClr val="6241c5"/>
+                </a:solidFill>
+                <a:latin typeface="Arial"/>
+                <a:ea typeface="DejaVu Sans"/>
+              </a:rPr>
               <a:t>Boot</a:t>
             </a:r>
             <a:endParaRPr b="0" lang="en-US" sz="2000" spc="-1" strike="noStrike">
@@ -5792,7 +5751,7 @@
         <p:spPr>
           <a:xfrm>
             <a:off x="8229600" y="4417200"/>
-            <a:ext cx="7772040" cy="2440440"/>
+            <a:ext cx="7771680" cy="2440080"/>
           </a:xfrm>
           <a:prstGeom prst="rect">
             <a:avLst/>
@@ -5837,6 +5796,16 @@
                 <a:latin typeface="Arial"/>
                 <a:ea typeface="DejaVu Sans"/>
               </a:rPr>
+              <a:t>      </a:t>
+            </a:r>
+            <a:r>
+              <a:rPr b="1" lang="en-US" sz="2000" spc="-1" strike="noStrike">
+                <a:solidFill>
+                  <a:srgbClr val="6241c5"/>
+                </a:solidFill>
+                <a:latin typeface="Arial"/>
+                <a:ea typeface="DejaVu Sans"/>
+              </a:rPr>
               <a:t>Post-Boot Communication</a:t>
             </a:r>
             <a:endParaRPr b="0" lang="en-US" sz="2000" spc="-1" strike="noStrike">
@@ -5890,6 +5859,16 @@
                 <a:latin typeface="Arial"/>
                 <a:ea typeface="DejaVu Sans"/>
               </a:rPr>
+              <a:t>      </a:t>
+            </a:r>
+            <a:r>
+              <a:rPr b="1" lang="en-US" sz="2000" spc="-1" strike="noStrike">
+                <a:solidFill>
+                  <a:srgbClr val="6241c5"/>
+                </a:solidFill>
+                <a:latin typeface="Arial"/>
+                <a:ea typeface="DejaVu Sans"/>
+              </a:rPr>
               <a:t>PIN and Token Checking</a:t>
             </a:r>
             <a:endParaRPr b="0" lang="en-US" sz="2000" spc="-1" strike="noStrike">
@@ -5961,7 +5940,7 @@
         <p:spPr>
           <a:xfrm>
             <a:off x="511920" y="4337280"/>
-            <a:ext cx="15489720" cy="4906800"/>
+            <a:ext cx="15489360" cy="4906440"/>
           </a:xfrm>
           <a:prstGeom prst="rect">
             <a:avLst/>
@@ -6033,7 +6012,7 @@
         <p:spPr>
           <a:xfrm>
             <a:off x="484920" y="20310480"/>
-            <a:ext cx="15516720" cy="1311120"/>
+            <a:ext cx="15516360" cy="1310760"/>
           </a:xfrm>
           <a:prstGeom prst="rect">
             <a:avLst/>
@@ -6143,7 +6122,7 @@
               <a:t>Fun Facts</a:t>
             </a:r>
             <a:endParaRPr b="0" lang="en-US" sz="2400" spc="-1" strike="noStrike">
-              <a:latin typeface="TeXGyreChorus"/>
+              <a:latin typeface="Arial"/>
             </a:endParaRPr>
           </a:p>
         </p:txBody>
@@ -6161,7 +6140,7 @@
         <p:spPr>
           <a:xfrm>
             <a:off x="5644800" y="3625200"/>
-            <a:ext cx="500760" cy="525600"/>
+            <a:ext cx="500400" cy="525240"/>
           </a:xfrm>
           <a:prstGeom prst="rect">
             <a:avLst/>
@@ -6184,7 +6163,7 @@
         <p:spPr>
           <a:xfrm>
             <a:off x="1109160" y="9458280"/>
-            <a:ext cx="489240" cy="499320"/>
+            <a:ext cx="488880" cy="498960"/>
           </a:xfrm>
           <a:prstGeom prst="rect">
             <a:avLst/>
@@ -6207,53 +6186,7 @@
         <p:spPr>
           <a:xfrm>
             <a:off x="9243000" y="9479520"/>
-            <a:ext cx="394200" cy="414720"/>
-          </a:xfrm>
-          <a:prstGeom prst="rect">
-            <a:avLst/>
-          </a:prstGeom>
-          <a:ln w="0">
-            <a:noFill/>
-          </a:ln>
-        </p:spPr>
-      </p:pic>
-      <p:pic>
-        <p:nvPicPr>
-          <p:cNvPr id="64" name="" descr=""/>
-          <p:cNvPicPr/>
-          <p:nvPr/>
-        </p:nvPicPr>
-        <p:blipFill>
-          <a:blip r:embed="rId5"/>
-          <a:stretch/>
-        </p:blipFill>
-        <p:spPr>
-          <a:xfrm>
-            <a:off x="1781640" y="12157560"/>
-            <a:ext cx="4390560" cy="3038040"/>
-          </a:xfrm>
-          <a:prstGeom prst="rect">
-            <a:avLst/>
-          </a:prstGeom>
-          <a:ln w="0">
-            <a:noFill/>
-          </a:ln>
-        </p:spPr>
-      </p:pic>
-      <p:pic>
-        <p:nvPicPr>
-          <p:cNvPr id="65" name="" descr=""/>
-          <p:cNvPicPr/>
-          <p:nvPr/>
-        </p:nvPicPr>
-        <p:blipFill>
-          <a:blip r:embed="rId6"/>
-          <a:stretch/>
-        </p:blipFill>
-        <p:spPr>
-          <a:xfrm>
-            <a:off x="10058400" y="18311400"/>
-            <a:ext cx="4476240" cy="1618920"/>
+            <a:ext cx="393840" cy="414360"/>
           </a:xfrm>
           <a:prstGeom prst="rect">
             <a:avLst/>
@@ -6265,7 +6198,7 @@
       </p:pic>
       <p:grpSp>
         <p:nvGrpSpPr>
-          <p:cNvPr id="66" name=""/>
+          <p:cNvPr id="64" name=""/>
           <p:cNvGrpSpPr/>
           <p:nvPr/>
         </p:nvGrpSpPr>
@@ -6279,14 +6212,14 @@
         </p:grpSpPr>
         <p:sp>
           <p:nvSpPr>
-            <p:cNvPr id="67" name=""/>
+            <p:cNvPr id="65" name=""/>
             <p:cNvSpPr/>
             <p:nvPr/>
           </p:nvSpPr>
           <p:spPr>
             <a:xfrm>
               <a:off x="479880" y="4337280"/>
-              <a:ext cx="685800" cy="0"/>
+              <a:ext cx="685800" cy="360"/>
             </a:xfrm>
             <a:prstGeom prst="line">
               <a:avLst/>
@@ -6307,14 +6240,14 @@
         </p:sp>
         <p:sp>
           <p:nvSpPr>
-            <p:cNvPr id="68" name=""/>
+            <p:cNvPr id="66" name=""/>
             <p:cNvSpPr/>
             <p:nvPr/>
           </p:nvSpPr>
           <p:spPr>
             <a:xfrm>
               <a:off x="508680" y="4343400"/>
-              <a:ext cx="0" cy="685800"/>
+              <a:ext cx="360" cy="685800"/>
             </a:xfrm>
             <a:prstGeom prst="line">
               <a:avLst/>
@@ -6336,28 +6269,28 @@
       </p:grpSp>
       <p:grpSp>
         <p:nvGrpSpPr>
-          <p:cNvPr id="69" name=""/>
+          <p:cNvPr id="67" name=""/>
           <p:cNvGrpSpPr/>
           <p:nvPr/>
         </p:nvGrpSpPr>
         <p:grpSpPr>
           <a:xfrm>
             <a:off x="15287400" y="8544960"/>
-            <a:ext cx="685800" cy="691920"/>
+            <a:ext cx="685800" cy="692280"/>
             <a:chOff x="15287400" y="8544960"/>
-            <a:chExt cx="685800" cy="691920"/>
+            <a:chExt cx="685800" cy="692280"/>
           </a:xfrm>
         </p:grpSpPr>
         <p:sp>
           <p:nvSpPr>
-            <p:cNvPr id="70" name=""/>
+            <p:cNvPr id="68" name=""/>
             <p:cNvSpPr/>
             <p:nvPr/>
           </p:nvSpPr>
           <p:spPr>
             <a:xfrm flipH="1">
               <a:off x="15287400" y="9236880"/>
-              <a:ext cx="685800" cy="0"/>
+              <a:ext cx="685800" cy="360"/>
             </a:xfrm>
             <a:prstGeom prst="line">
               <a:avLst/>
@@ -6378,14 +6311,14 @@
         </p:sp>
         <p:sp>
           <p:nvSpPr>
-            <p:cNvPr id="71" name=""/>
+            <p:cNvPr id="69" name=""/>
             <p:cNvSpPr/>
             <p:nvPr/>
           </p:nvSpPr>
           <p:spPr>
             <a:xfrm flipV="1">
               <a:off x="15944400" y="8544960"/>
-              <a:ext cx="0" cy="685800"/>
+              <a:ext cx="360" cy="685800"/>
             </a:xfrm>
             <a:prstGeom prst="line">
               <a:avLst/>
@@ -6407,7 +6340,7 @@
       </p:grpSp>
       <p:grpSp>
         <p:nvGrpSpPr>
-          <p:cNvPr id="72" name=""/>
+          <p:cNvPr id="70" name=""/>
           <p:cNvGrpSpPr/>
           <p:nvPr/>
         </p:nvGrpSpPr>
@@ -6421,14 +6354,14 @@
         </p:grpSpPr>
         <p:sp>
           <p:nvSpPr>
-            <p:cNvPr id="73" name=""/>
+            <p:cNvPr id="71" name=""/>
             <p:cNvSpPr/>
             <p:nvPr/>
           </p:nvSpPr>
           <p:spPr>
             <a:xfrm>
               <a:off x="480240" y="10241280"/>
-              <a:ext cx="685800" cy="0"/>
+              <a:ext cx="685800" cy="360"/>
             </a:xfrm>
             <a:prstGeom prst="line">
               <a:avLst/>
@@ -6449,14 +6382,14 @@
         </p:sp>
         <p:sp>
           <p:nvSpPr>
-            <p:cNvPr id="74" name=""/>
+            <p:cNvPr id="72" name=""/>
             <p:cNvSpPr/>
             <p:nvPr/>
           </p:nvSpPr>
           <p:spPr>
             <a:xfrm>
               <a:off x="509040" y="10247400"/>
-              <a:ext cx="0" cy="685800"/>
+              <a:ext cx="360" cy="685800"/>
             </a:xfrm>
             <a:prstGeom prst="line">
               <a:avLst/>
@@ -6478,7 +6411,7 @@
       </p:grpSp>
       <p:grpSp>
         <p:nvGrpSpPr>
-          <p:cNvPr id="75" name=""/>
+          <p:cNvPr id="73" name=""/>
           <p:cNvGrpSpPr/>
           <p:nvPr/>
         </p:nvGrpSpPr>
@@ -6492,14 +6425,14 @@
         </p:grpSpPr>
         <p:sp>
           <p:nvSpPr>
-            <p:cNvPr id="76" name=""/>
+            <p:cNvPr id="74" name=""/>
             <p:cNvSpPr/>
             <p:nvPr/>
           </p:nvSpPr>
           <p:spPr>
             <a:xfrm>
               <a:off x="8400600" y="10241280"/>
-              <a:ext cx="685800" cy="0"/>
+              <a:ext cx="685800" cy="360"/>
             </a:xfrm>
             <a:prstGeom prst="line">
               <a:avLst/>
@@ -6520,14 +6453,14 @@
         </p:sp>
         <p:sp>
           <p:nvSpPr>
-            <p:cNvPr id="77" name=""/>
+            <p:cNvPr id="75" name=""/>
             <p:cNvSpPr/>
             <p:nvPr/>
           </p:nvSpPr>
           <p:spPr>
             <a:xfrm>
               <a:off x="8429400" y="10247400"/>
-              <a:ext cx="0" cy="685800"/>
+              <a:ext cx="360" cy="685800"/>
             </a:xfrm>
             <a:prstGeom prst="line">
               <a:avLst/>
@@ -6549,28 +6482,28 @@
       </p:grpSp>
       <p:grpSp>
         <p:nvGrpSpPr>
-          <p:cNvPr id="78" name=""/>
+          <p:cNvPr id="76" name=""/>
           <p:cNvGrpSpPr/>
           <p:nvPr/>
         </p:nvGrpSpPr>
         <p:grpSpPr>
           <a:xfrm>
             <a:off x="15287760" y="19380960"/>
-            <a:ext cx="685800" cy="691920"/>
+            <a:ext cx="685800" cy="692280"/>
             <a:chOff x="15287760" y="19380960"/>
-            <a:chExt cx="685800" cy="691920"/>
+            <a:chExt cx="685800" cy="692280"/>
           </a:xfrm>
         </p:grpSpPr>
         <p:sp>
           <p:nvSpPr>
-            <p:cNvPr id="79" name=""/>
+            <p:cNvPr id="77" name=""/>
             <p:cNvSpPr/>
             <p:nvPr/>
           </p:nvSpPr>
           <p:spPr>
             <a:xfrm flipH="1">
               <a:off x="15287760" y="20072880"/>
-              <a:ext cx="685800" cy="0"/>
+              <a:ext cx="685800" cy="360"/>
             </a:xfrm>
             <a:prstGeom prst="line">
               <a:avLst/>
@@ -6591,14 +6524,14 @@
         </p:sp>
         <p:sp>
           <p:nvSpPr>
-            <p:cNvPr id="80" name=""/>
+            <p:cNvPr id="78" name=""/>
             <p:cNvSpPr/>
             <p:nvPr/>
           </p:nvSpPr>
           <p:spPr>
             <a:xfrm flipV="1">
               <a:off x="15944760" y="19380960"/>
-              <a:ext cx="0" cy="685800"/>
+              <a:ext cx="360" cy="685800"/>
             </a:xfrm>
             <a:prstGeom prst="line">
               <a:avLst/>
@@ -6620,28 +6553,28 @@
       </p:grpSp>
       <p:grpSp>
         <p:nvGrpSpPr>
-          <p:cNvPr id="81" name=""/>
+          <p:cNvPr id="79" name=""/>
           <p:cNvGrpSpPr/>
           <p:nvPr/>
         </p:nvGrpSpPr>
         <p:grpSpPr>
           <a:xfrm>
             <a:off x="7355520" y="19380960"/>
-            <a:ext cx="685800" cy="691920"/>
+            <a:ext cx="685800" cy="692280"/>
             <a:chOff x="7355520" y="19380960"/>
-            <a:chExt cx="685800" cy="691920"/>
+            <a:chExt cx="685800" cy="692280"/>
           </a:xfrm>
         </p:grpSpPr>
         <p:sp>
           <p:nvSpPr>
-            <p:cNvPr id="82" name=""/>
+            <p:cNvPr id="80" name=""/>
             <p:cNvSpPr/>
             <p:nvPr/>
           </p:nvSpPr>
           <p:spPr>
             <a:xfrm flipH="1">
               <a:off x="7355520" y="20072880"/>
-              <a:ext cx="685800" cy="0"/>
+              <a:ext cx="685800" cy="360"/>
             </a:xfrm>
             <a:prstGeom prst="line">
               <a:avLst/>
@@ -6662,14 +6595,14 @@
         </p:sp>
         <p:sp>
           <p:nvSpPr>
-            <p:cNvPr id="83" name=""/>
+            <p:cNvPr id="81" name=""/>
             <p:cNvSpPr/>
             <p:nvPr/>
           </p:nvSpPr>
           <p:spPr>
             <a:xfrm flipV="1">
               <a:off x="8012520" y="19380960"/>
-              <a:ext cx="0" cy="685800"/>
+              <a:ext cx="360" cy="685800"/>
             </a:xfrm>
             <a:prstGeom prst="line">
               <a:avLst/>
@@ -6691,28 +6624,28 @@
       </p:grpSp>
       <p:grpSp>
         <p:nvGrpSpPr>
-          <p:cNvPr id="84" name=""/>
+          <p:cNvPr id="82" name=""/>
           <p:cNvGrpSpPr/>
           <p:nvPr/>
         </p:nvGrpSpPr>
         <p:grpSpPr>
           <a:xfrm>
             <a:off x="15288120" y="20928960"/>
-            <a:ext cx="685800" cy="691920"/>
+            <a:ext cx="685800" cy="692280"/>
             <a:chOff x="15288120" y="20928960"/>
-            <a:chExt cx="685800" cy="691920"/>
+            <a:chExt cx="685800" cy="692280"/>
           </a:xfrm>
         </p:grpSpPr>
         <p:sp>
           <p:nvSpPr>
-            <p:cNvPr id="85" name=""/>
+            <p:cNvPr id="83" name=""/>
             <p:cNvSpPr/>
             <p:nvPr/>
           </p:nvSpPr>
           <p:spPr>
             <a:xfrm flipH="1">
               <a:off x="15288120" y="21620880"/>
-              <a:ext cx="685800" cy="0"/>
+              <a:ext cx="685800" cy="360"/>
             </a:xfrm>
             <a:prstGeom prst="line">
               <a:avLst/>
@@ -6733,14 +6666,14 @@
         </p:sp>
         <p:sp>
           <p:nvSpPr>
-            <p:cNvPr id="86" name=""/>
+            <p:cNvPr id="84" name=""/>
             <p:cNvSpPr/>
             <p:nvPr/>
           </p:nvSpPr>
           <p:spPr>
             <a:xfrm flipV="1">
               <a:off x="15945120" y="20928960"/>
-              <a:ext cx="0" cy="685800"/>
+              <a:ext cx="360" cy="685800"/>
             </a:xfrm>
             <a:prstGeom prst="line">
               <a:avLst/>
@@ -6762,7 +6695,7 @@
       </p:grpSp>
       <p:grpSp>
         <p:nvGrpSpPr>
-          <p:cNvPr id="87" name=""/>
+          <p:cNvPr id="85" name=""/>
           <p:cNvGrpSpPr/>
           <p:nvPr/>
         </p:nvGrpSpPr>
@@ -6776,14 +6709,14 @@
         </p:grpSpPr>
         <p:sp>
           <p:nvSpPr>
-            <p:cNvPr id="88" name=""/>
+            <p:cNvPr id="86" name=""/>
             <p:cNvSpPr/>
             <p:nvPr/>
           </p:nvSpPr>
           <p:spPr>
             <a:xfrm>
               <a:off x="480600" y="20249280"/>
-              <a:ext cx="685800" cy="0"/>
+              <a:ext cx="685800" cy="360"/>
             </a:xfrm>
             <a:prstGeom prst="line">
               <a:avLst/>
@@ -6804,14 +6737,14 @@
         </p:sp>
         <p:sp>
           <p:nvSpPr>
-            <p:cNvPr id="89" name=""/>
+            <p:cNvPr id="87" name=""/>
             <p:cNvSpPr/>
             <p:nvPr/>
           </p:nvSpPr>
           <p:spPr>
             <a:xfrm>
               <a:off x="509400" y="20255400"/>
-              <a:ext cx="0" cy="685800"/>
+              <a:ext cx="360" cy="685800"/>
             </a:xfrm>
             <a:prstGeom prst="line">
               <a:avLst/>
@@ -6831,6 +6764,144 @@
           </p:style>
         </p:sp>
       </p:grpSp>
+      <p:pic>
+        <p:nvPicPr>
+          <p:cNvPr id="88" name="" descr=""/>
+          <p:cNvPicPr/>
+          <p:nvPr/>
+        </p:nvPicPr>
+        <p:blipFill>
+          <a:blip r:embed="rId5"/>
+          <a:stretch/>
+        </p:blipFill>
+        <p:spPr>
+          <a:xfrm>
+            <a:off x="1902240" y="12187800"/>
+            <a:ext cx="4390560" cy="3038040"/>
+          </a:xfrm>
+          <a:prstGeom prst="rect">
+            <a:avLst/>
+          </a:prstGeom>
+          <a:ln w="0">
+            <a:noFill/>
+          </a:ln>
+        </p:spPr>
+      </p:pic>
+      <p:pic>
+        <p:nvPicPr>
+          <p:cNvPr id="89" name="" descr=""/>
+          <p:cNvPicPr/>
+          <p:nvPr/>
+        </p:nvPicPr>
+        <p:blipFill>
+          <a:blip r:embed="rId6"/>
+          <a:stretch/>
+        </p:blipFill>
+        <p:spPr>
+          <a:xfrm>
+            <a:off x="9925560" y="18288000"/>
+            <a:ext cx="4476240" cy="1618920"/>
+          </a:xfrm>
+          <a:prstGeom prst="rect">
+            <a:avLst/>
+          </a:prstGeom>
+          <a:ln w="0">
+            <a:noFill/>
+          </a:ln>
+        </p:spPr>
+      </p:pic>
+      <p:pic>
+        <p:nvPicPr>
+          <p:cNvPr id="90" name="" descr=""/>
+          <p:cNvPicPr/>
+          <p:nvPr/>
+        </p:nvPicPr>
+        <p:blipFill>
+          <a:blip r:embed="rId7"/>
+          <a:stretch/>
+        </p:blipFill>
+        <p:spPr>
+          <a:xfrm>
+            <a:off x="705600" y="4455000"/>
+            <a:ext cx="333000" cy="333000"/>
+          </a:xfrm>
+          <a:prstGeom prst="rect">
+            <a:avLst/>
+          </a:prstGeom>
+          <a:ln w="0">
+            <a:noFill/>
+          </a:ln>
+        </p:spPr>
+      </p:pic>
+      <p:pic>
+        <p:nvPicPr>
+          <p:cNvPr id="91" name="" descr=""/>
+          <p:cNvPicPr/>
+          <p:nvPr/>
+        </p:nvPicPr>
+        <p:blipFill>
+          <a:blip r:embed="rId8"/>
+          <a:stretch/>
+        </p:blipFill>
+        <p:spPr>
+          <a:xfrm>
+            <a:off x="671760" y="5812560"/>
+            <a:ext cx="332280" cy="332280"/>
+          </a:xfrm>
+          <a:prstGeom prst="rect">
+            <a:avLst/>
+          </a:prstGeom>
+          <a:ln w="0">
+            <a:noFill/>
+          </a:ln>
+        </p:spPr>
+      </p:pic>
+      <p:pic>
+        <p:nvPicPr>
+          <p:cNvPr id="92" name="" descr=""/>
+          <p:cNvPicPr/>
+          <p:nvPr/>
+        </p:nvPicPr>
+        <p:blipFill>
+          <a:blip r:embed="rId9"/>
+          <a:stretch/>
+        </p:blipFill>
+        <p:spPr>
+          <a:xfrm>
+            <a:off x="8354520" y="4395960"/>
+            <a:ext cx="463680" cy="463680"/>
+          </a:xfrm>
+          <a:prstGeom prst="rect">
+            <a:avLst/>
+          </a:prstGeom>
+          <a:ln w="0">
+            <a:noFill/>
+          </a:ln>
+        </p:spPr>
+      </p:pic>
+      <p:pic>
+        <p:nvPicPr>
+          <p:cNvPr id="93" name="" descr=""/>
+          <p:cNvPicPr/>
+          <p:nvPr/>
+        </p:nvPicPr>
+        <p:blipFill>
+          <a:blip r:embed="rId10"/>
+          <a:stretch/>
+        </p:blipFill>
+        <p:spPr>
+          <a:xfrm>
+            <a:off x="8380800" y="5784480"/>
+            <a:ext cx="355320" cy="355320"/>
+          </a:xfrm>
+          <a:prstGeom prst="rect">
+            <a:avLst/>
+          </a:prstGeom>
+          <a:ln w="0">
+            <a:noFill/>
+          </a:ln>
+        </p:spPr>
+      </p:pic>
     </p:spTree>
   </p:cSld>
   <mc:AlternateContent>

--- a/poster/2024 eCTF Poster Template (copy).pptx
+++ b/poster/2024 eCTF Poster Template (copy).pptx
@@ -107,7 +107,181 @@
               <a:rPr b="0" lang="en-US" sz="2000" spc="-1" strike="noStrike">
                 <a:latin typeface="Arial"/>
               </a:rPr>
-              <a:t>Click to edit the notes format</a:t>
+              <a:t>C</a:t>
+            </a:r>
+            <a:r>
+              <a:rPr b="0" lang="en-US" sz="2000" spc="-1" strike="noStrike">
+                <a:latin typeface="Arial"/>
+              </a:rPr>
+              <a:t>l</a:t>
+            </a:r>
+            <a:r>
+              <a:rPr b="0" lang="en-US" sz="2000" spc="-1" strike="noStrike">
+                <a:latin typeface="Arial"/>
+              </a:rPr>
+              <a:t>i</a:t>
+            </a:r>
+            <a:r>
+              <a:rPr b="0" lang="en-US" sz="2000" spc="-1" strike="noStrike">
+                <a:latin typeface="Arial"/>
+              </a:rPr>
+              <a:t>c</a:t>
+            </a:r>
+            <a:r>
+              <a:rPr b="0" lang="en-US" sz="2000" spc="-1" strike="noStrike">
+                <a:latin typeface="Arial"/>
+              </a:rPr>
+              <a:t>k</a:t>
+            </a:r>
+            <a:r>
+              <a:rPr b="0" lang="en-US" sz="2000" spc="-1" strike="noStrike">
+                <a:latin typeface="Arial"/>
+              </a:rPr>
+              <a:t> </a:t>
+            </a:r>
+            <a:r>
+              <a:rPr b="0" lang="en-US" sz="2000" spc="-1" strike="noStrike">
+                <a:latin typeface="Arial"/>
+              </a:rPr>
+              <a:t>t</a:t>
+            </a:r>
+            <a:r>
+              <a:rPr b="0" lang="en-US" sz="2000" spc="-1" strike="noStrike">
+                <a:latin typeface="Arial"/>
+              </a:rPr>
+              <a:t>o</a:t>
+            </a:r>
+            <a:r>
+              <a:rPr b="0" lang="en-US" sz="2000" spc="-1" strike="noStrike">
+                <a:latin typeface="Arial"/>
+              </a:rPr>
+              <a:t> </a:t>
+            </a:r>
+            <a:r>
+              <a:rPr b="0" lang="en-US" sz="2000" spc="-1" strike="noStrike">
+                <a:latin typeface="Arial"/>
+              </a:rPr>
+              <a:t>e</a:t>
+            </a:r>
+            <a:r>
+              <a:rPr b="0" lang="en-US" sz="2000" spc="-1" strike="noStrike">
+                <a:latin typeface="Arial"/>
+              </a:rPr>
+              <a:t>d</a:t>
+            </a:r>
+            <a:r>
+              <a:rPr b="0" lang="en-US" sz="2000" spc="-1" strike="noStrike">
+                <a:latin typeface="Arial"/>
+              </a:rPr>
+              <a:t>i</a:t>
+            </a:r>
+            <a:r>
+              <a:rPr b="0" lang="en-US" sz="2000" spc="-1" strike="noStrike">
+                <a:latin typeface="Arial"/>
+              </a:rPr>
+              <a:t>t</a:t>
+            </a:r>
+            <a:r>
+              <a:rPr b="0" lang="en-US" sz="2000" spc="-1" strike="noStrike">
+                <a:latin typeface="Arial"/>
+              </a:rPr>
+              <a:t> </a:t>
+            </a:r>
+            <a:r>
+              <a:rPr b="0" lang="en-US" sz="2000" spc="-1" strike="noStrike">
+                <a:latin typeface="Arial"/>
+              </a:rPr>
+              <a:t>t</a:t>
+            </a:r>
+            <a:r>
+              <a:rPr b="0" lang="en-US" sz="2000" spc="-1" strike="noStrike">
+                <a:latin typeface="Arial"/>
+              </a:rPr>
+              <a:t>h</a:t>
+            </a:r>
+            <a:r>
+              <a:rPr b="0" lang="en-US" sz="2000" spc="-1" strike="noStrike">
+                <a:latin typeface="Arial"/>
+              </a:rPr>
+              <a:t>e</a:t>
+            </a:r>
+            <a:r>
+              <a:rPr b="0" lang="en-US" sz="2000" spc="-1" strike="noStrike">
+                <a:latin typeface="Arial"/>
+              </a:rPr>
+              <a:t> </a:t>
+            </a:r>
+            <a:r>
+              <a:rPr b="0" lang="en-US" sz="2000" spc="-1" strike="noStrike">
+                <a:latin typeface="Arial"/>
+              </a:rPr>
+              <a:t>n</a:t>
+            </a:r>
+            <a:r>
+              <a:rPr b="0" lang="en-US" sz="2000" spc="-1" strike="noStrike">
+                <a:latin typeface="Arial"/>
+              </a:rPr>
+              <a:t>o</a:t>
+            </a:r>
+            <a:r>
+              <a:rPr b="0" lang="en-US" sz="2000" spc="-1" strike="noStrike">
+                <a:latin typeface="Arial"/>
+              </a:rPr>
+              <a:t>t</a:t>
+            </a:r>
+            <a:r>
+              <a:rPr b="0" lang="en-US" sz="2000" spc="-1" strike="noStrike">
+                <a:latin typeface="Arial"/>
+              </a:rPr>
+              <a:t>e</a:t>
+            </a:r>
+            <a:r>
+              <a:rPr b="0" lang="en-US" sz="2000" spc="-1" strike="noStrike">
+                <a:latin typeface="Arial"/>
+              </a:rPr>
+              <a:t>s</a:t>
+            </a:r>
+            <a:r>
+              <a:rPr b="0" lang="en-US" sz="2000" spc="-1" strike="noStrike">
+                <a:latin typeface="Arial"/>
+              </a:rPr>
+              <a:t> </a:t>
+            </a:r>
+            <a:r>
+              <a:rPr b="0" lang="en-US" sz="2000" spc="-1" strike="noStrike">
+                <a:latin typeface="Arial"/>
+              </a:rPr>
+              <a:t>f</a:t>
+            </a:r>
+            <a:r>
+              <a:rPr b="0" lang="en-US" sz="2000" spc="-1" strike="noStrike">
+                <a:latin typeface="Arial"/>
+              </a:rPr>
+              <a:t>o</a:t>
+            </a:r>
+            <a:r>
+              <a:rPr b="0" lang="en-US" sz="2000" spc="-1" strike="noStrike">
+                <a:latin typeface="Arial"/>
+              </a:rPr>
+              <a:t>r</a:t>
+            </a:r>
+            <a:r>
+              <a:rPr b="0" lang="en-US" sz="2000" spc="-1" strike="noStrike">
+                <a:latin typeface="Arial"/>
+              </a:rPr>
+              <a:t>m</a:t>
+            </a:r>
+            <a:r>
+              <a:rPr b="0" lang="en-US" sz="2000" spc="-1" strike="noStrike">
+                <a:latin typeface="Arial"/>
+              </a:rPr>
+              <a:t>a</a:t>
+            </a:r>
+            <a:r>
+              <a:rPr b="0" lang="en-US" sz="2000" spc="-1" strike="noStrike">
+                <a:latin typeface="Arial"/>
+              </a:rPr>
+              <a:t>t</a:t>
             </a:r>
             <a:endParaRPr b="0" lang="en-US" sz="2000" spc="-1" strike="noStrike">
               <a:latin typeface="Arial"/>
@@ -292,7 +466,7 @@
             <a:pPr algn="r">
               <a:buNone/>
             </a:pPr>
-            <a:fld id="{D60CBE71-71F1-4D13-A19E-49B7AC300E21}" type="slidenum">
+            <a:fld id="{055EF225-E340-4AC2-9951-92F4427AD7AD}" type="slidenum">
               <a:rPr b="0" lang="en-US" sz="1400" spc="-1" strike="noStrike">
                 <a:latin typeface="Times New Roman"/>
               </a:rPr>
@@ -429,7 +603,7 @@
               </a:lnSpc>
               <a:buNone/>
             </a:pPr>
-            <a:fld id="{571B9B4A-3182-4474-84ED-66CF2161E820}" type="slidenum">
+            <a:fld id="{55E55E36-8D9E-4FF3-BF1C-CD71A47CFE24}" type="slidenum">
               <a:rPr b="0" lang="en-US" sz="1200" spc="-1" strike="noStrike">
                 <a:latin typeface="Times New Roman"/>
               </a:rPr>
@@ -497,7 +671,7 @@
         <p:txBody>
           <a:bodyPr/>
           <a:p>
-            <a:fld id="{B1F0D47C-B81E-45BC-A82C-F041EB7ECA65}" type="slidenum">
+            <a:fld id="{B5348DA7-F72A-4F3C-9DF3-4C9913E5BFF4}" type="slidenum">
               <a:t>&lt;#&gt;</a:t>
             </a:fld>
           </a:p>
@@ -685,7 +859,7 @@
         <p:txBody>
           <a:bodyPr/>
           <a:p>
-            <a:fld id="{F6DAF4F6-08D9-43BC-AFBB-EE677A8EA298}" type="slidenum">
+            <a:fld id="{7BA84626-9C77-411E-9731-AE67B1833209}" type="slidenum">
               <a:t>&lt;#&gt;</a:t>
             </a:fld>
           </a:p>
@@ -941,7 +1115,7 @@
         <p:txBody>
           <a:bodyPr/>
           <a:p>
-            <a:fld id="{DCCBA159-D8A1-4951-BE5C-4FA8FF5B382B}" type="slidenum">
+            <a:fld id="{62F53F63-4328-45E1-94B9-C90A3BD405BE}" type="slidenum">
               <a:t>&lt;#&gt;</a:t>
             </a:fld>
           </a:p>
@@ -1265,7 +1439,7 @@
         <p:txBody>
           <a:bodyPr/>
           <a:p>
-            <a:fld id="{EE38409B-8E19-48B4-9617-0C6B5FDD4732}" type="slidenum">
+            <a:fld id="{8ED1879F-4A93-4BCB-A40F-4DAEB7D04504}" type="slidenum">
               <a:t>&lt;#&gt;</a:t>
             </a:fld>
           </a:p>
@@ -1422,7 +1596,7 @@
         <p:txBody>
           <a:bodyPr/>
           <a:p>
-            <a:fld id="{F46C422B-2483-45D4-A1CD-BB2DF8B7466D}" type="slidenum">
+            <a:fld id="{BAB267E7-5CFD-44F3-AF5A-8A66B94C55D0}" type="slidenum">
               <a:t>&lt;#&gt;</a:t>
             </a:fld>
           </a:p>
@@ -1576,7 +1750,7 @@
         <p:txBody>
           <a:bodyPr/>
           <a:p>
-            <a:fld id="{643F1206-AF7F-4BEA-BD32-29F0FCFECF74}" type="slidenum">
+            <a:fld id="{2F76337A-87E0-4CB6-A4F4-4C785956F243}" type="slidenum">
               <a:t>&lt;#&gt;</a:t>
             </a:fld>
           </a:p>
@@ -1764,7 +1938,7 @@
         <p:txBody>
           <a:bodyPr/>
           <a:p>
-            <a:fld id="{DFB8B6AC-086B-4649-AE21-7555988B660B}" type="slidenum">
+            <a:fld id="{5F07B9D8-B019-4992-AEB5-E4AEDF54171E}" type="slidenum">
               <a:t>&lt;#&gt;</a:t>
             </a:fld>
           </a:p>
@@ -1884,7 +2058,7 @@
         <p:txBody>
           <a:bodyPr/>
           <a:p>
-            <a:fld id="{47F7366D-4439-4D19-AD1E-83092209BCAD}" type="slidenum">
+            <a:fld id="{F06E820E-EC56-4151-842A-FCEBCAFA5375}" type="slidenum">
               <a:t>&lt;#&gt;</a:t>
             </a:fld>
           </a:p>
@@ -2004,7 +2178,7 @@
         <p:txBody>
           <a:bodyPr/>
           <a:p>
-            <a:fld id="{711F0D06-0190-4C83-94CD-7B06D25A37C9}" type="slidenum">
+            <a:fld id="{1C3A0829-B667-433C-A6E8-7154B3C79EAC}" type="slidenum">
               <a:t>&lt;#&gt;</a:t>
             </a:fld>
           </a:p>
@@ -2226,7 +2400,7 @@
         <p:txBody>
           <a:bodyPr/>
           <a:p>
-            <a:fld id="{1094ED92-774F-4F6D-8E75-500D5E4AD687}" type="slidenum">
+            <a:fld id="{80472D6D-0687-4197-ADD6-5E9DD13ECFB8}" type="slidenum">
               <a:t>&lt;#&gt;</a:t>
             </a:fld>
           </a:p>
@@ -2448,7 +2622,7 @@
         <p:txBody>
           <a:bodyPr/>
           <a:p>
-            <a:fld id="{7C656054-B472-40FA-9AAC-FE44E1EC6ACB}" type="slidenum">
+            <a:fld id="{CD14BFA7-2892-4B51-8F5D-E62D861269E7}" type="slidenum">
               <a:t>&lt;#&gt;</a:t>
             </a:fld>
           </a:p>
@@ -2670,7 +2844,7 @@
         <p:txBody>
           <a:bodyPr/>
           <a:p>
-            <a:fld id="{7810A4D1-80D2-44F0-A420-8BD53C9E5B08}" type="slidenum">
+            <a:fld id="{DBD039E1-697D-4A12-8979-7F787D177659}" type="slidenum">
               <a:t>&lt;#&gt;</a:t>
             </a:fld>
           </a:p>
@@ -2831,7 +3005,7 @@
               </a:lnSpc>
               <a:buNone/>
             </a:pPr>
-            <a:fld id="{56B7FD17-7A94-43E8-8EB6-571DCA42639C}" type="slidenum">
+            <a:fld id="{C712D0E9-0C35-459E-AF45-56D044743C29}" type="slidenum">
               <a:rPr b="0" lang="en-US" sz="2160" spc="-1" strike="noStrike">
                 <a:solidFill>
                   <a:srgbClr val="8b8b8b"/>
@@ -3692,7 +3866,7 @@
         <p:spPr>
           <a:xfrm>
             <a:off x="0" y="500040"/>
-            <a:ext cx="16458120" cy="2711160"/>
+            <a:ext cx="16458120" cy="2711880"/>
           </a:xfrm>
           <a:prstGeom prst="rect">
             <a:avLst/>
@@ -3769,11 +3943,19 @@
                 <a:latin typeface="Arial Black"/>
                 <a:ea typeface="DejaVu Sans"/>
               </a:rPr>
-              <a:t>Gaoxiang Liu, Zheyuan Ma, Alex Eastman, Xi Tan, MD Armanuzzaman, Sagar Mohan, Afton Spiegel,</a:t>
-            </a:r>
-            <a:br>
-              <a:rPr sz="2000"/>
-            </a:br>
+              <a:t>Gaoxiang Liu, Zheyuan Ma, Alex Eastman, Xi Tan, MD Armanuzzaman,</a:t>
+            </a:r>
+            <a:endParaRPr b="0" lang="en-US" sz="2000" spc="-1" strike="noStrike">
+              <a:latin typeface="Arial"/>
+            </a:endParaRPr>
+          </a:p>
+          <a:p>
+            <a:pPr algn="ctr">
+              <a:lnSpc>
+                <a:spcPct val="100000"/>
+              </a:lnSpc>
+              <a:buNone/>
+            </a:pPr>
             <a:r>
               <a:rPr b="1" lang="en-US" sz="2000" spc="-1" strike="noStrike">
                 <a:solidFill>
@@ -3782,7 +3964,7 @@
                 <a:latin typeface="Arial Black"/>
                 <a:ea typeface="DejaVu Sans"/>
               </a:rPr>
-              <a:t>Barani Rajendran, Sai Bhargav Menta, Rumaizi Mopuri, Sai Venkata Akhila Achakala</a:t>
+              <a:t>Sagar Mohan, Afton Spiegel, and Sai Bhargav Menta</a:t>
             </a:r>
             <a:endParaRPr b="0" lang="en-US" sz="2000" spc="-1" strike="noStrike">
               <a:latin typeface="Arial"/>

--- a/poster/2024 eCTF Poster Template (copy).pptx
+++ b/poster/2024 eCTF Poster Template (copy).pptx
@@ -466,7 +466,7 @@
             <a:pPr algn="r">
               <a:buNone/>
             </a:pPr>
-            <a:fld id="{055EF225-E340-4AC2-9951-92F4427AD7AD}" type="slidenum">
+            <a:fld id="{0CECD997-D891-4DBB-B737-A52BE96DD49E}" type="slidenum">
               <a:rPr b="0" lang="en-US" sz="1400" spc="-1" strike="noStrike">
                 <a:latin typeface="Times New Roman"/>
               </a:rPr>
@@ -503,7 +503,7 @@
       </p:grpSpPr>
       <p:sp>
         <p:nvSpPr>
-          <p:cNvPr id="94" name="PlaceHolder 1"/>
+          <p:cNvPr id="98" name="PlaceHolder 1"/>
           <p:cNvSpPr>
             <a:spLocks noGrp="1"/>
           </p:cNvSpPr>
@@ -514,7 +514,7 @@
         <p:spPr>
           <a:xfrm>
             <a:off x="2271600" y="1143000"/>
-            <a:ext cx="2313360" cy="3085200"/>
+            <a:ext cx="2313000" cy="3084840"/>
           </a:xfrm>
           <a:prstGeom prst="rect">
             <a:avLst/>
@@ -526,7 +526,7 @@
       </p:sp>
       <p:sp>
         <p:nvSpPr>
-          <p:cNvPr id="95" name="PlaceHolder 2"/>
+          <p:cNvPr id="99" name="PlaceHolder 2"/>
           <p:cNvSpPr>
             <a:spLocks noGrp="1"/>
           </p:cNvSpPr>
@@ -537,7 +537,7 @@
         <p:spPr>
           <a:xfrm>
             <a:off x="685800" y="4400640"/>
-            <a:ext cx="5485320" cy="3599280"/>
+            <a:ext cx="5484960" cy="3598920"/>
           </a:xfrm>
           <a:prstGeom prst="rect">
             <a:avLst/>
@@ -560,7 +560,7 @@
       </p:sp>
       <p:sp>
         <p:nvSpPr>
-          <p:cNvPr id="96" name="PlaceHolder 3"/>
+          <p:cNvPr id="100" name="PlaceHolder 3"/>
           <p:cNvSpPr>
             <a:spLocks noGrp="1"/>
           </p:cNvSpPr>
@@ -571,7 +571,7 @@
         <p:spPr>
           <a:xfrm>
             <a:off x="3884760" y="8685360"/>
-            <a:ext cx="2970720" cy="457560"/>
+            <a:ext cx="2970360" cy="457200"/>
           </a:xfrm>
           <a:prstGeom prst="rect">
             <a:avLst/>
@@ -603,7 +603,7 @@
               </a:lnSpc>
               <a:buNone/>
             </a:pPr>
-            <a:fld id="{55E55E36-8D9E-4FF3-BF1C-CD71A47CFE24}" type="slidenum">
+            <a:fld id="{903968AF-CECD-4363-918D-9A60DCEB63CB}" type="slidenum">
               <a:rPr b="0" lang="en-US" sz="1200" spc="-1" strike="noStrike">
                 <a:latin typeface="Times New Roman"/>
               </a:rPr>
@@ -671,7 +671,7 @@
         <p:txBody>
           <a:bodyPr/>
           <a:p>
-            <a:fld id="{B5348DA7-F72A-4F3C-9DF3-4C9913E5BFF4}" type="slidenum">
+            <a:fld id="{5B8F5266-D109-4EE9-AFCF-A1BAEDB1C3C0}" type="slidenum">
               <a:t>&lt;#&gt;</a:t>
             </a:fld>
           </a:p>
@@ -859,7 +859,7 @@
         <p:txBody>
           <a:bodyPr/>
           <a:p>
-            <a:fld id="{7BA84626-9C77-411E-9731-AE67B1833209}" type="slidenum">
+            <a:fld id="{C0090526-F0AB-4260-803B-B13F16F849B0}" type="slidenum">
               <a:t>&lt;#&gt;</a:t>
             </a:fld>
           </a:p>
@@ -1115,7 +1115,7 @@
         <p:txBody>
           <a:bodyPr/>
           <a:p>
-            <a:fld id="{62F53F63-4328-45E1-94B9-C90A3BD405BE}" type="slidenum">
+            <a:fld id="{70ACB0B3-5338-4FF2-A4C6-E61FAA36DF2C}" type="slidenum">
               <a:t>&lt;#&gt;</a:t>
             </a:fld>
           </a:p>
@@ -1439,7 +1439,7 @@
         <p:txBody>
           <a:bodyPr/>
           <a:p>
-            <a:fld id="{8ED1879F-4A93-4BCB-A40F-4DAEB7D04504}" type="slidenum">
+            <a:fld id="{0FAAF24B-CA74-425A-BD3D-A7830B70A887}" type="slidenum">
               <a:t>&lt;#&gt;</a:t>
             </a:fld>
           </a:p>
@@ -1596,7 +1596,7 @@
         <p:txBody>
           <a:bodyPr/>
           <a:p>
-            <a:fld id="{BAB267E7-5CFD-44F3-AF5A-8A66B94C55D0}" type="slidenum">
+            <a:fld id="{D11D2A6F-41EE-49D6-89CA-14C7E356872E}" type="slidenum">
               <a:t>&lt;#&gt;</a:t>
             </a:fld>
           </a:p>
@@ -1750,7 +1750,7 @@
         <p:txBody>
           <a:bodyPr/>
           <a:p>
-            <a:fld id="{2F76337A-87E0-4CB6-A4F4-4C785956F243}" type="slidenum">
+            <a:fld id="{DCC9E916-65D7-4C3C-9878-21C73CE806F3}" type="slidenum">
               <a:t>&lt;#&gt;</a:t>
             </a:fld>
           </a:p>
@@ -1938,7 +1938,7 @@
         <p:txBody>
           <a:bodyPr/>
           <a:p>
-            <a:fld id="{5F07B9D8-B019-4992-AEB5-E4AEDF54171E}" type="slidenum">
+            <a:fld id="{71D01925-5A28-4825-81D5-030A14395A39}" type="slidenum">
               <a:t>&lt;#&gt;</a:t>
             </a:fld>
           </a:p>
@@ -2058,7 +2058,7 @@
         <p:txBody>
           <a:bodyPr/>
           <a:p>
-            <a:fld id="{F06E820E-EC56-4151-842A-FCEBCAFA5375}" type="slidenum">
+            <a:fld id="{93CE9CF0-BEC4-41CD-8940-1B9E5E99E879}" type="slidenum">
               <a:t>&lt;#&gt;</a:t>
             </a:fld>
           </a:p>
@@ -2178,7 +2178,7 @@
         <p:txBody>
           <a:bodyPr/>
           <a:p>
-            <a:fld id="{1C3A0829-B667-433C-A6E8-7154B3C79EAC}" type="slidenum">
+            <a:fld id="{7985D712-B415-4EE5-87EC-BA726CCDC615}" type="slidenum">
               <a:t>&lt;#&gt;</a:t>
             </a:fld>
           </a:p>
@@ -2400,7 +2400,7 @@
         <p:txBody>
           <a:bodyPr/>
           <a:p>
-            <a:fld id="{80472D6D-0687-4197-ADD6-5E9DD13ECFB8}" type="slidenum">
+            <a:fld id="{1688F54D-3CF0-4948-8D4B-53084430388F}" type="slidenum">
               <a:t>&lt;#&gt;</a:t>
             </a:fld>
           </a:p>
@@ -2622,7 +2622,7 @@
         <p:txBody>
           <a:bodyPr/>
           <a:p>
-            <a:fld id="{CD14BFA7-2892-4B51-8F5D-E62D861269E7}" type="slidenum">
+            <a:fld id="{8F424F75-42EB-4423-8FBA-92C6955D61D1}" type="slidenum">
               <a:t>&lt;#&gt;</a:t>
             </a:fld>
           </a:p>
@@ -2844,7 +2844,7 @@
         <p:txBody>
           <a:bodyPr/>
           <a:p>
-            <a:fld id="{DBD039E1-697D-4A12-8979-7F787D177659}" type="slidenum">
+            <a:fld id="{CB1D44EC-0DA9-4802-8E68-8D91EC49C960}" type="slidenum">
               <a:t>&lt;#&gt;</a:t>
             </a:fld>
           </a:p>
@@ -2913,7 +2913,7 @@
         <p:spPr>
           <a:xfrm>
             <a:off x="5452200" y="20340360"/>
-            <a:ext cx="5554080" cy="1167480"/>
+            <a:ext cx="5553720" cy="1167120"/>
           </a:xfrm>
           <a:prstGeom prst="rect">
             <a:avLst/>
@@ -2970,7 +2970,7 @@
         <p:spPr>
           <a:xfrm>
             <a:off x="11624400" y="20340360"/>
-            <a:ext cx="3702240" cy="1167480"/>
+            <a:ext cx="3701880" cy="1167120"/>
           </a:xfrm>
           <a:prstGeom prst="rect">
             <a:avLst/>
@@ -3005,7 +3005,7 @@
               </a:lnSpc>
               <a:buNone/>
             </a:pPr>
-            <a:fld id="{C712D0E9-0C35-459E-AF45-56D044743C29}" type="slidenum">
+            <a:fld id="{50321C55-66E0-4F1A-B7AA-E8FADACA3260}" type="slidenum">
               <a:rPr b="0" lang="en-US" sz="2160" spc="-1" strike="noStrike">
                 <a:solidFill>
                   <a:srgbClr val="8b8b8b"/>
@@ -3033,7 +3033,7 @@
         <p:spPr>
           <a:xfrm>
             <a:off x="1131480" y="20340360"/>
-            <a:ext cx="3702240" cy="1167480"/>
+            <a:ext cx="3701880" cy="1167120"/>
           </a:xfrm>
           <a:prstGeom prst="rect">
             <a:avLst/>
@@ -3346,7 +3346,7 @@
         <p:spPr>
           <a:xfrm>
             <a:off x="8430840" y="10238400"/>
-            <a:ext cx="7515360" cy="9832320"/>
+            <a:ext cx="7515000" cy="9831960"/>
           </a:xfrm>
           <a:prstGeom prst="rect">
             <a:avLst/>
@@ -3412,6 +3412,16 @@
                 <a:latin typeface="Arial"/>
                 <a:ea typeface="Calibri"/>
               </a:rPr>
+              <a:t>     </a:t>
+            </a:r>
+            <a:r>
+              <a:rPr b="1" lang="en-US" sz="2000" spc="-1" strike="noStrike">
+                <a:solidFill>
+                  <a:srgbClr val="000000"/>
+                </a:solidFill>
+                <a:latin typeface="Arial"/>
+                <a:ea typeface="Calibri"/>
+              </a:rPr>
               <a:t>Brute-Force: </a:t>
             </a:r>
             <a:r>
@@ -3443,6 +3453,16 @@
                 <a:latin typeface="Arial"/>
                 <a:ea typeface="Calibri"/>
               </a:rPr>
+              <a:t>     </a:t>
+            </a:r>
+            <a:r>
+              <a:rPr b="1" lang="en-US" sz="2000" spc="-1" strike="noStrike">
+                <a:solidFill>
+                  <a:srgbClr val="000000"/>
+                </a:solidFill>
+                <a:latin typeface="Arial"/>
+                <a:ea typeface="Calibri"/>
+              </a:rPr>
               <a:t>Shared Secrets</a:t>
             </a:r>
             <a:r>
@@ -3474,6 +3494,16 @@
                 <a:latin typeface="Arial"/>
                 <a:ea typeface="Calibri"/>
               </a:rPr>
+              <a:t>     </a:t>
+            </a:r>
+            <a:r>
+              <a:rPr b="1" lang="en-US" sz="2000" spc="-1" strike="noStrike">
+                <a:solidFill>
+                  <a:srgbClr val="000000"/>
+                </a:solidFill>
+                <a:latin typeface="Arial"/>
+                <a:ea typeface="Calibri"/>
+              </a:rPr>
               <a:t>Replay Attack</a:t>
             </a:r>
             <a:r>
@@ -3497,6 +3527,16 @@
               </a:lnSpc>
               <a:buNone/>
             </a:pPr>
+            <a:r>
+              <a:rPr b="1" lang="en-US" sz="2000" spc="-1" strike="noStrike">
+                <a:solidFill>
+                  <a:srgbClr val="000000"/>
+                </a:solidFill>
+                <a:latin typeface="Arial"/>
+                <a:ea typeface="Calibri"/>
+              </a:rPr>
+              <a:t>     </a:t>
+            </a:r>
             <a:r>
               <a:rPr b="1" lang="en-US" sz="2000" spc="-1" strike="noStrike">
                 <a:solidFill>
@@ -3866,7 +3906,7 @@
         <p:spPr>
           <a:xfrm>
             <a:off x="0" y="500040"/>
-            <a:ext cx="16458120" cy="2711880"/>
+            <a:ext cx="16457760" cy="2711160"/>
           </a:xfrm>
           <a:prstGeom prst="rect">
             <a:avLst/>
@@ -4002,7 +4042,7 @@
         <p:spPr>
           <a:xfrm>
             <a:off x="1026720" y="3225240"/>
-            <a:ext cx="14355000" cy="94320"/>
+            <a:ext cx="14354640" cy="93960"/>
           </a:xfrm>
           <a:prstGeom prst="rect">
             <a:avLst/>
@@ -4038,7 +4078,7 @@
         <p:spPr>
           <a:xfrm>
             <a:off x="504000" y="10238400"/>
-            <a:ext cx="7515360" cy="9832680"/>
+            <a:ext cx="7515000" cy="9832320"/>
           </a:xfrm>
           <a:prstGeom prst="rect">
             <a:avLst/>
@@ -4674,7 +4714,7 @@
         <p:spPr>
           <a:xfrm>
             <a:off x="12441600" y="760320"/>
-            <a:ext cx="3144240" cy="1198800"/>
+            <a:ext cx="3143880" cy="1198440"/>
           </a:xfrm>
           <a:prstGeom prst="rect">
             <a:avLst/>
@@ -5755,7 +5795,7 @@
         <p:spPr>
           <a:xfrm>
             <a:off x="511920" y="4417200"/>
-            <a:ext cx="7716960" cy="2440080"/>
+            <a:ext cx="7716600" cy="2439720"/>
           </a:xfrm>
           <a:prstGeom prst="rect">
             <a:avLst/>
@@ -5933,7 +5973,7 @@
         <p:spPr>
           <a:xfrm>
             <a:off x="8229600" y="4417200"/>
-            <a:ext cx="7771680" cy="2440080"/>
+            <a:ext cx="7771320" cy="2439720"/>
           </a:xfrm>
           <a:prstGeom prst="rect">
             <a:avLst/>
@@ -6122,7 +6162,7 @@
         <p:spPr>
           <a:xfrm>
             <a:off x="511920" y="4337280"/>
-            <a:ext cx="15489360" cy="4906440"/>
+            <a:ext cx="15489000" cy="4906080"/>
           </a:xfrm>
           <a:prstGeom prst="rect">
             <a:avLst/>
@@ -6194,7 +6234,7 @@
         <p:spPr>
           <a:xfrm>
             <a:off x="484920" y="20310480"/>
-            <a:ext cx="15516360" cy="1310760"/>
+            <a:ext cx="15516000" cy="1310400"/>
           </a:xfrm>
           <a:prstGeom prst="rect">
             <a:avLst/>
@@ -6322,7 +6362,7 @@
         <p:spPr>
           <a:xfrm>
             <a:off x="5644800" y="3625200"/>
-            <a:ext cx="500400" cy="525240"/>
+            <a:ext cx="500040" cy="524880"/>
           </a:xfrm>
           <a:prstGeom prst="rect">
             <a:avLst/>
@@ -6345,7 +6385,7 @@
         <p:spPr>
           <a:xfrm>
             <a:off x="1109160" y="9458280"/>
-            <a:ext cx="488880" cy="498960"/>
+            <a:ext cx="488520" cy="498600"/>
           </a:xfrm>
           <a:prstGeom prst="rect">
             <a:avLst/>
@@ -6368,7 +6408,7 @@
         <p:spPr>
           <a:xfrm>
             <a:off x="9243000" y="9479520"/>
-            <a:ext cx="393840" cy="414360"/>
+            <a:ext cx="393480" cy="414000"/>
           </a:xfrm>
           <a:prstGeom prst="rect">
             <a:avLst/>
@@ -6959,7 +6999,7 @@
         <p:spPr>
           <a:xfrm>
             <a:off x="1902240" y="12187800"/>
-            <a:ext cx="4390560" cy="3038040"/>
+            <a:ext cx="4390200" cy="3037680"/>
           </a:xfrm>
           <a:prstGeom prst="rect">
             <a:avLst/>
@@ -6982,7 +7022,7 @@
         <p:spPr>
           <a:xfrm>
             <a:off x="9925560" y="18288000"/>
-            <a:ext cx="4476240" cy="1618920"/>
+            <a:ext cx="4475880" cy="1618560"/>
           </a:xfrm>
           <a:prstGeom prst="rect">
             <a:avLst/>
@@ -7005,7 +7045,7 @@
         <p:spPr>
           <a:xfrm>
             <a:off x="705600" y="4455000"/>
-            <a:ext cx="333000" cy="333000"/>
+            <a:ext cx="332640" cy="332640"/>
           </a:xfrm>
           <a:prstGeom prst="rect">
             <a:avLst/>
@@ -7028,7 +7068,7 @@
         <p:spPr>
           <a:xfrm>
             <a:off x="671760" y="5812560"/>
-            <a:ext cx="332280" cy="332280"/>
+            <a:ext cx="331920" cy="331920"/>
           </a:xfrm>
           <a:prstGeom prst="rect">
             <a:avLst/>
@@ -7051,7 +7091,7 @@
         <p:spPr>
           <a:xfrm>
             <a:off x="8354520" y="4395960"/>
-            <a:ext cx="463680" cy="463680"/>
+            <a:ext cx="463320" cy="463320"/>
           </a:xfrm>
           <a:prstGeom prst="rect">
             <a:avLst/>
@@ -7074,7 +7114,99 @@
         <p:spPr>
           <a:xfrm>
             <a:off x="8380800" y="5784480"/>
-            <a:ext cx="355320" cy="355320"/>
+            <a:ext cx="354960" cy="354960"/>
+          </a:xfrm>
+          <a:prstGeom prst="rect">
+            <a:avLst/>
+          </a:prstGeom>
+          <a:ln w="0">
+            <a:noFill/>
+          </a:ln>
+        </p:spPr>
+      </p:pic>
+      <p:pic>
+        <p:nvPicPr>
+          <p:cNvPr id="94" name="" descr=""/>
+          <p:cNvPicPr/>
+          <p:nvPr/>
+        </p:nvPicPr>
+        <p:blipFill>
+          <a:blip r:embed="rId11"/>
+          <a:stretch/>
+        </p:blipFill>
+        <p:spPr>
+          <a:xfrm>
+            <a:off x="8653320" y="10629000"/>
+            <a:ext cx="248040" cy="248040"/>
+          </a:xfrm>
+          <a:prstGeom prst="rect">
+            <a:avLst/>
+          </a:prstGeom>
+          <a:ln w="0">
+            <a:noFill/>
+          </a:ln>
+        </p:spPr>
+      </p:pic>
+      <p:pic>
+        <p:nvPicPr>
+          <p:cNvPr id="95" name="" descr=""/>
+          <p:cNvPicPr/>
+          <p:nvPr/>
+        </p:nvPicPr>
+        <p:blipFill>
+          <a:blip r:embed="rId12"/>
+          <a:stretch/>
+        </p:blipFill>
+        <p:spPr>
+          <a:xfrm>
+            <a:off x="8639280" y="10894680"/>
+            <a:ext cx="270000" cy="270000"/>
+          </a:xfrm>
+          <a:prstGeom prst="rect">
+            <a:avLst/>
+          </a:prstGeom>
+          <a:ln w="0">
+            <a:noFill/>
+          </a:ln>
+        </p:spPr>
+      </p:pic>
+      <p:pic>
+        <p:nvPicPr>
+          <p:cNvPr id="96" name="" descr=""/>
+          <p:cNvPicPr/>
+          <p:nvPr/>
+        </p:nvPicPr>
+        <p:blipFill>
+          <a:blip r:embed="rId13"/>
+          <a:stretch/>
+        </p:blipFill>
+        <p:spPr>
+          <a:xfrm>
+            <a:off x="8649360" y="11243880"/>
+            <a:ext cx="258120" cy="258120"/>
+          </a:xfrm>
+          <a:prstGeom prst="rect">
+            <a:avLst/>
+          </a:prstGeom>
+          <a:ln w="0">
+            <a:noFill/>
+          </a:ln>
+        </p:spPr>
+      </p:pic>
+      <p:pic>
+        <p:nvPicPr>
+          <p:cNvPr id="97" name="" descr=""/>
+          <p:cNvPicPr/>
+          <p:nvPr/>
+        </p:nvPicPr>
+        <p:blipFill>
+          <a:blip r:embed="rId14"/>
+          <a:stretch/>
+        </p:blipFill>
+        <p:spPr>
+          <a:xfrm>
+            <a:off x="8705520" y="11546640"/>
+            <a:ext cx="203400" cy="211320"/>
           </a:xfrm>
           <a:prstGeom prst="rect">
             <a:avLst/>

--- a/poster/2024 eCTF Poster Template (copy).pptx
+++ b/poster/2024 eCTF Poster Template (copy).pptx
@@ -107,181 +107,25 @@
               <a:rPr b="0" lang="en-US" sz="2000" spc="-1" strike="noStrike">
                 <a:latin typeface="Arial"/>
               </a:rPr>
-              <a:t>C</a:t>
+              <a:t>Click to </a:t>
             </a:r>
             <a:r>
               <a:rPr b="0" lang="en-US" sz="2000" spc="-1" strike="noStrike">
                 <a:latin typeface="Arial"/>
               </a:rPr>
-              <a:t>l</a:t>
+              <a:t>edit the </a:t>
             </a:r>
             <a:r>
               <a:rPr b="0" lang="en-US" sz="2000" spc="-1" strike="noStrike">
                 <a:latin typeface="Arial"/>
               </a:rPr>
-              <a:t>i</a:t>
+              <a:t>notes </a:t>
             </a:r>
             <a:r>
               <a:rPr b="0" lang="en-US" sz="2000" spc="-1" strike="noStrike">
                 <a:latin typeface="Arial"/>
               </a:rPr>
-              <a:t>c</a:t>
-            </a:r>
-            <a:r>
-              <a:rPr b="0" lang="en-US" sz="2000" spc="-1" strike="noStrike">
-                <a:latin typeface="Arial"/>
-              </a:rPr>
-              <a:t>k</a:t>
-            </a:r>
-            <a:r>
-              <a:rPr b="0" lang="en-US" sz="2000" spc="-1" strike="noStrike">
-                <a:latin typeface="Arial"/>
-              </a:rPr>
-              <a:t> </a:t>
-            </a:r>
-            <a:r>
-              <a:rPr b="0" lang="en-US" sz="2000" spc="-1" strike="noStrike">
-                <a:latin typeface="Arial"/>
-              </a:rPr>
-              <a:t>t</a:t>
-            </a:r>
-            <a:r>
-              <a:rPr b="0" lang="en-US" sz="2000" spc="-1" strike="noStrike">
-                <a:latin typeface="Arial"/>
-              </a:rPr>
-              <a:t>o</a:t>
-            </a:r>
-            <a:r>
-              <a:rPr b="0" lang="en-US" sz="2000" spc="-1" strike="noStrike">
-                <a:latin typeface="Arial"/>
-              </a:rPr>
-              <a:t> </a:t>
-            </a:r>
-            <a:r>
-              <a:rPr b="0" lang="en-US" sz="2000" spc="-1" strike="noStrike">
-                <a:latin typeface="Arial"/>
-              </a:rPr>
-              <a:t>e</a:t>
-            </a:r>
-            <a:r>
-              <a:rPr b="0" lang="en-US" sz="2000" spc="-1" strike="noStrike">
-                <a:latin typeface="Arial"/>
-              </a:rPr>
-              <a:t>d</a:t>
-            </a:r>
-            <a:r>
-              <a:rPr b="0" lang="en-US" sz="2000" spc="-1" strike="noStrike">
-                <a:latin typeface="Arial"/>
-              </a:rPr>
-              <a:t>i</a:t>
-            </a:r>
-            <a:r>
-              <a:rPr b="0" lang="en-US" sz="2000" spc="-1" strike="noStrike">
-                <a:latin typeface="Arial"/>
-              </a:rPr>
-              <a:t>t</a:t>
-            </a:r>
-            <a:r>
-              <a:rPr b="0" lang="en-US" sz="2000" spc="-1" strike="noStrike">
-                <a:latin typeface="Arial"/>
-              </a:rPr>
-              <a:t> </a:t>
-            </a:r>
-            <a:r>
-              <a:rPr b="0" lang="en-US" sz="2000" spc="-1" strike="noStrike">
-                <a:latin typeface="Arial"/>
-              </a:rPr>
-              <a:t>t</a:t>
-            </a:r>
-            <a:r>
-              <a:rPr b="0" lang="en-US" sz="2000" spc="-1" strike="noStrike">
-                <a:latin typeface="Arial"/>
-              </a:rPr>
-              <a:t>h</a:t>
-            </a:r>
-            <a:r>
-              <a:rPr b="0" lang="en-US" sz="2000" spc="-1" strike="noStrike">
-                <a:latin typeface="Arial"/>
-              </a:rPr>
-              <a:t>e</a:t>
-            </a:r>
-            <a:r>
-              <a:rPr b="0" lang="en-US" sz="2000" spc="-1" strike="noStrike">
-                <a:latin typeface="Arial"/>
-              </a:rPr>
-              <a:t> </a:t>
-            </a:r>
-            <a:r>
-              <a:rPr b="0" lang="en-US" sz="2000" spc="-1" strike="noStrike">
-                <a:latin typeface="Arial"/>
-              </a:rPr>
-              <a:t>n</a:t>
-            </a:r>
-            <a:r>
-              <a:rPr b="0" lang="en-US" sz="2000" spc="-1" strike="noStrike">
-                <a:latin typeface="Arial"/>
-              </a:rPr>
-              <a:t>o</a:t>
-            </a:r>
-            <a:r>
-              <a:rPr b="0" lang="en-US" sz="2000" spc="-1" strike="noStrike">
-                <a:latin typeface="Arial"/>
-              </a:rPr>
-              <a:t>t</a:t>
-            </a:r>
-            <a:r>
-              <a:rPr b="0" lang="en-US" sz="2000" spc="-1" strike="noStrike">
-                <a:latin typeface="Arial"/>
-              </a:rPr>
-              <a:t>e</a:t>
-            </a:r>
-            <a:r>
-              <a:rPr b="0" lang="en-US" sz="2000" spc="-1" strike="noStrike">
-                <a:latin typeface="Arial"/>
-              </a:rPr>
-              <a:t>s</a:t>
-            </a:r>
-            <a:r>
-              <a:rPr b="0" lang="en-US" sz="2000" spc="-1" strike="noStrike">
-                <a:latin typeface="Arial"/>
-              </a:rPr>
-              <a:t> </a:t>
-            </a:r>
-            <a:r>
-              <a:rPr b="0" lang="en-US" sz="2000" spc="-1" strike="noStrike">
-                <a:latin typeface="Arial"/>
-              </a:rPr>
-              <a:t>f</a:t>
-            </a:r>
-            <a:r>
-              <a:rPr b="0" lang="en-US" sz="2000" spc="-1" strike="noStrike">
-                <a:latin typeface="Arial"/>
-              </a:rPr>
-              <a:t>o</a:t>
-            </a:r>
-            <a:r>
-              <a:rPr b="0" lang="en-US" sz="2000" spc="-1" strike="noStrike">
-                <a:latin typeface="Arial"/>
-              </a:rPr>
-              <a:t>r</a:t>
-            </a:r>
-            <a:r>
-              <a:rPr b="0" lang="en-US" sz="2000" spc="-1" strike="noStrike">
-                <a:latin typeface="Arial"/>
-              </a:rPr>
-              <a:t>m</a:t>
-            </a:r>
-            <a:r>
-              <a:rPr b="0" lang="en-US" sz="2000" spc="-1" strike="noStrike">
-                <a:latin typeface="Arial"/>
-              </a:rPr>
-              <a:t>a</a:t>
-            </a:r>
-            <a:r>
-              <a:rPr b="0" lang="en-US" sz="2000" spc="-1" strike="noStrike">
-                <a:latin typeface="Arial"/>
-              </a:rPr>
-              <a:t>t</a:t>
+              <a:t>format</a:t>
             </a:r>
             <a:endParaRPr b="0" lang="en-US" sz="2000" spc="-1" strike="noStrike">
               <a:latin typeface="Arial"/>
@@ -466,7 +310,7 @@
             <a:pPr algn="r">
               <a:buNone/>
             </a:pPr>
-            <a:fld id="{0CECD997-D891-4DBB-B737-A52BE96DD49E}" type="slidenum">
+            <a:fld id="{FB7AE865-5BAD-4610-8472-0DA8567E3029}" type="slidenum">
               <a:rPr b="0" lang="en-US" sz="1400" spc="-1" strike="noStrike">
                 <a:latin typeface="Times New Roman"/>
               </a:rPr>
@@ -603,7 +447,7 @@
               </a:lnSpc>
               <a:buNone/>
             </a:pPr>
-            <a:fld id="{903968AF-CECD-4363-918D-9A60DCEB63CB}" type="slidenum">
+            <a:fld id="{00BF8C0D-C501-428C-BF22-4362B3DBBC64}" type="slidenum">
               <a:rPr b="0" lang="en-US" sz="1200" spc="-1" strike="noStrike">
                 <a:latin typeface="Times New Roman"/>
               </a:rPr>
@@ -671,7 +515,7 @@
         <p:txBody>
           <a:bodyPr/>
           <a:p>
-            <a:fld id="{5B8F5266-D109-4EE9-AFCF-A1BAEDB1C3C0}" type="slidenum">
+            <a:fld id="{0C750976-2D1D-43FA-9E03-E7DFEAB04F85}" type="slidenum">
               <a:t>&lt;#&gt;</a:t>
             </a:fld>
           </a:p>
@@ -859,7 +703,7 @@
         <p:txBody>
           <a:bodyPr/>
           <a:p>
-            <a:fld id="{C0090526-F0AB-4260-803B-B13F16F849B0}" type="slidenum">
+            <a:fld id="{EAC0B76D-C95C-4BA0-9812-62552CB038B6}" type="slidenum">
               <a:t>&lt;#&gt;</a:t>
             </a:fld>
           </a:p>
@@ -1115,7 +959,7 @@
         <p:txBody>
           <a:bodyPr/>
           <a:p>
-            <a:fld id="{70ACB0B3-5338-4FF2-A4C6-E61FAA36DF2C}" type="slidenum">
+            <a:fld id="{E22C1085-F104-48B8-826B-F87E5C924F76}" type="slidenum">
               <a:t>&lt;#&gt;</a:t>
             </a:fld>
           </a:p>
@@ -1439,7 +1283,7 @@
         <p:txBody>
           <a:bodyPr/>
           <a:p>
-            <a:fld id="{0FAAF24B-CA74-425A-BD3D-A7830B70A887}" type="slidenum">
+            <a:fld id="{57DF4E51-4B24-4EEB-A275-000331AB5F62}" type="slidenum">
               <a:t>&lt;#&gt;</a:t>
             </a:fld>
           </a:p>
@@ -1596,7 +1440,7 @@
         <p:txBody>
           <a:bodyPr/>
           <a:p>
-            <a:fld id="{D11D2A6F-41EE-49D6-89CA-14C7E356872E}" type="slidenum">
+            <a:fld id="{DCDA91B5-2F4D-4C79-B00C-703708BA3552}" type="slidenum">
               <a:t>&lt;#&gt;</a:t>
             </a:fld>
           </a:p>
@@ -1750,7 +1594,7 @@
         <p:txBody>
           <a:bodyPr/>
           <a:p>
-            <a:fld id="{DCC9E916-65D7-4C3C-9878-21C73CE806F3}" type="slidenum">
+            <a:fld id="{F833E8F1-99B4-450D-9F3B-B279D4EF48F0}" type="slidenum">
               <a:t>&lt;#&gt;</a:t>
             </a:fld>
           </a:p>
@@ -1938,7 +1782,7 @@
         <p:txBody>
           <a:bodyPr/>
           <a:p>
-            <a:fld id="{71D01925-5A28-4825-81D5-030A14395A39}" type="slidenum">
+            <a:fld id="{EB3BD13F-898D-4333-895D-7C8A73599296}" type="slidenum">
               <a:t>&lt;#&gt;</a:t>
             </a:fld>
           </a:p>
@@ -2058,7 +1902,7 @@
         <p:txBody>
           <a:bodyPr/>
           <a:p>
-            <a:fld id="{93CE9CF0-BEC4-41CD-8940-1B9E5E99E879}" type="slidenum">
+            <a:fld id="{1E91BAA6-9ADA-4644-9B79-50AA816F4A4A}" type="slidenum">
               <a:t>&lt;#&gt;</a:t>
             </a:fld>
           </a:p>
@@ -2178,7 +2022,7 @@
         <p:txBody>
           <a:bodyPr/>
           <a:p>
-            <a:fld id="{7985D712-B415-4EE5-87EC-BA726CCDC615}" type="slidenum">
+            <a:fld id="{601F82E2-DB0B-4714-BEF6-F1F499932A1A}" type="slidenum">
               <a:t>&lt;#&gt;</a:t>
             </a:fld>
           </a:p>
@@ -2400,7 +2244,7 @@
         <p:txBody>
           <a:bodyPr/>
           <a:p>
-            <a:fld id="{1688F54D-3CF0-4948-8D4B-53084430388F}" type="slidenum">
+            <a:fld id="{2DBEB715-785F-4E23-BA75-8843F6D0D82A}" type="slidenum">
               <a:t>&lt;#&gt;</a:t>
             </a:fld>
           </a:p>
@@ -2622,7 +2466,7 @@
         <p:txBody>
           <a:bodyPr/>
           <a:p>
-            <a:fld id="{8F424F75-42EB-4423-8FBA-92C6955D61D1}" type="slidenum">
+            <a:fld id="{4D99473A-3410-48BD-BB8A-23E158577A84}" type="slidenum">
               <a:t>&lt;#&gt;</a:t>
             </a:fld>
           </a:p>
@@ -2844,7 +2688,7 @@
         <p:txBody>
           <a:bodyPr/>
           <a:p>
-            <a:fld id="{CB1D44EC-0DA9-4802-8E68-8D91EC49C960}" type="slidenum">
+            <a:fld id="{65AFE09D-1F40-40ED-8FF6-9CF0E6C7CA1C}" type="slidenum">
               <a:t>&lt;#&gt;</a:t>
             </a:fld>
           </a:p>
@@ -3005,7 +2849,7 @@
               </a:lnSpc>
               <a:buNone/>
             </a:pPr>
-            <a:fld id="{50321C55-66E0-4F1A-B7AA-E8FADACA3260}" type="slidenum">
+            <a:fld id="{B81F4888-2195-4577-A552-5DCB014401E2}" type="slidenum">
               <a:rPr b="0" lang="en-US" sz="2160" spc="-1" strike="noStrike">
                 <a:solidFill>
                   <a:srgbClr val="8b8b8b"/>
@@ -3415,6 +3259,37 @@
               <a:t>     </a:t>
             </a:r>
             <a:r>
+              <a:rPr b="0" lang="en-US" sz="2000" spc="-1" strike="noStrike">
+                <a:solidFill>
+                  <a:srgbClr val="6241c5"/>
+                </a:solidFill>
+                <a:latin typeface="Arial"/>
+                <a:ea typeface="Calibri"/>
+              </a:rPr>
+              <a:t>Brute-Force         </a:t>
+            </a:r>
+            <a:r>
+              <a:rPr b="0" lang="en-US" sz="2000" spc="-1" strike="noStrike">
+                <a:solidFill>
+                  <a:srgbClr val="000000"/>
+                </a:solidFill>
+                <a:latin typeface="Arial"/>
+                <a:ea typeface="Calibri"/>
+              </a:rPr>
+              <a:t>Try all possible PIN codes</a:t>
+            </a:r>
+            <a:endParaRPr b="0" lang="en-US" sz="2000" spc="-1" strike="noStrike">
+              <a:latin typeface="Arial"/>
+            </a:endParaRPr>
+          </a:p>
+          <a:p>
+            <a:pPr algn="just">
+              <a:lnSpc>
+                <a:spcPct val="100000"/>
+              </a:lnSpc>
+              <a:buNone/>
+            </a:pPr>
+            <a:r>
               <a:rPr b="1" lang="en-US" sz="2000" spc="-1" strike="noStrike">
                 <a:solidFill>
                   <a:srgbClr val="000000"/>
@@ -3422,7 +3297,17 @@
                 <a:latin typeface="Arial"/>
                 <a:ea typeface="Calibri"/>
               </a:rPr>
-              <a:t>Brute-Force: </a:t>
+              <a:t>     </a:t>
+            </a:r>
+            <a:r>
+              <a:rPr b="0" lang="en-US" sz="2000" spc="-1" strike="noStrike">
+                <a:solidFill>
+                  <a:srgbClr val="6241c5"/>
+                </a:solidFill>
+                <a:latin typeface="Arial"/>
+                <a:ea typeface="Calibri"/>
+              </a:rPr>
+              <a:t>Shared Secrets </a:t>
             </a:r>
             <a:r>
               <a:rPr b="0" lang="en-US" sz="2000" spc="-1" strike="noStrike">
@@ -3432,7 +3317,7 @@
                 <a:latin typeface="Arial"/>
                 <a:ea typeface="Calibri"/>
               </a:rPr>
-              <a:t>Try all possible PIN codes</a:t>
+              <a:t>  Reuse components between deployments</a:t>
             </a:r>
             <a:endParaRPr b="0" lang="en-US" sz="2000" spc="-1" strike="noStrike">
               <a:latin typeface="Arial"/>
@@ -3456,6 +3341,37 @@
               <a:t>     </a:t>
             </a:r>
             <a:r>
+              <a:rPr b="0" lang="en-US" sz="2000" spc="-1" strike="noStrike">
+                <a:solidFill>
+                  <a:srgbClr val="6241c5"/>
+                </a:solidFill>
+                <a:latin typeface="Arial"/>
+                <a:ea typeface="Calibri"/>
+              </a:rPr>
+              <a:t>Replay Attack </a:t>
+            </a:r>
+            <a:r>
+              <a:rPr b="0" lang="en-US" sz="2000" spc="-1" strike="noStrike">
+                <a:solidFill>
+                  <a:srgbClr val="000000"/>
+                </a:solidFill>
+                <a:latin typeface="Arial"/>
+                <a:ea typeface="Calibri"/>
+              </a:rPr>
+              <a:t>     Replay captured communication data</a:t>
+            </a:r>
+            <a:endParaRPr b="0" lang="en-US" sz="2000" spc="-1" strike="noStrike">
+              <a:latin typeface="Arial"/>
+            </a:endParaRPr>
+          </a:p>
+          <a:p>
+            <a:pPr algn="just">
+              <a:lnSpc>
+                <a:spcPct val="100000"/>
+              </a:lnSpc>
+              <a:buNone/>
+            </a:pPr>
+            <a:r>
               <a:rPr b="1" lang="en-US" sz="2000" spc="-1" strike="noStrike">
                 <a:solidFill>
                   <a:srgbClr val="000000"/>
@@ -3463,7 +3379,17 @@
                 <a:latin typeface="Arial"/>
                 <a:ea typeface="Calibri"/>
               </a:rPr>
-              <a:t>Shared Secrets</a:t>
+              <a:t>     </a:t>
+            </a:r>
+            <a:r>
+              <a:rPr b="0" lang="en-US" sz="2000" spc="-1" strike="noStrike">
+                <a:solidFill>
+                  <a:srgbClr val="6241c5"/>
+                </a:solidFill>
+                <a:latin typeface="Arial"/>
+                <a:ea typeface="Calibri"/>
+              </a:rPr>
+              <a:t>Predictable Keys </a:t>
             </a:r>
             <a:r>
               <a:rPr b="0" lang="en-US" sz="2000" spc="-1" strike="noStrike">
@@ -3473,89 +3399,7 @@
                 <a:latin typeface="Arial"/>
                 <a:ea typeface="Calibri"/>
               </a:rPr>
-              <a:t>: Reuse components between deployments</a:t>
-            </a:r>
-            <a:endParaRPr b="0" lang="en-US" sz="2000" spc="-1" strike="noStrike">
-              <a:latin typeface="Arial"/>
-            </a:endParaRPr>
-          </a:p>
-          <a:p>
-            <a:pPr algn="just">
-              <a:lnSpc>
-                <a:spcPct val="100000"/>
-              </a:lnSpc>
-              <a:buNone/>
-            </a:pPr>
-            <a:r>
-              <a:rPr b="1" lang="en-US" sz="2000" spc="-1" strike="noStrike">
-                <a:solidFill>
-                  <a:srgbClr val="000000"/>
-                </a:solidFill>
-                <a:latin typeface="Arial"/>
-                <a:ea typeface="Calibri"/>
-              </a:rPr>
-              <a:t>     </a:t>
-            </a:r>
-            <a:r>
-              <a:rPr b="1" lang="en-US" sz="2000" spc="-1" strike="noStrike">
-                <a:solidFill>
-                  <a:srgbClr val="000000"/>
-                </a:solidFill>
-                <a:latin typeface="Arial"/>
-                <a:ea typeface="Calibri"/>
-              </a:rPr>
-              <a:t>Replay Attack</a:t>
-            </a:r>
-            <a:r>
-              <a:rPr b="0" lang="en-US" sz="2000" spc="-1" strike="noStrike">
-                <a:solidFill>
-                  <a:srgbClr val="000000"/>
-                </a:solidFill>
-                <a:latin typeface="Arial"/>
-                <a:ea typeface="Calibri"/>
-              </a:rPr>
-              <a:t>: Replay captured communication messages</a:t>
-            </a:r>
-            <a:endParaRPr b="0" lang="en-US" sz="2000" spc="-1" strike="noStrike">
-              <a:latin typeface="Arial"/>
-            </a:endParaRPr>
-          </a:p>
-          <a:p>
-            <a:pPr algn="just">
-              <a:lnSpc>
-                <a:spcPct val="100000"/>
-              </a:lnSpc>
-              <a:buNone/>
-            </a:pPr>
-            <a:r>
-              <a:rPr b="1" lang="en-US" sz="2000" spc="-1" strike="noStrike">
-                <a:solidFill>
-                  <a:srgbClr val="000000"/>
-                </a:solidFill>
-                <a:latin typeface="Arial"/>
-                <a:ea typeface="Calibri"/>
-              </a:rPr>
-              <a:t>     </a:t>
-            </a:r>
-            <a:r>
-              <a:rPr b="1" lang="en-US" sz="2000" spc="-1" strike="noStrike">
-                <a:solidFill>
-                  <a:srgbClr val="000000"/>
-                </a:solidFill>
-                <a:latin typeface="Arial"/>
-                <a:ea typeface="Calibri"/>
-              </a:rPr>
-              <a:t>Predictable Keys</a:t>
-            </a:r>
-            <a:r>
-              <a:rPr b="0" lang="en-US" sz="2000" spc="-1" strike="noStrike">
-                <a:solidFill>
-                  <a:srgbClr val="000000"/>
-                </a:solidFill>
-                <a:latin typeface="Arial"/>
-                <a:ea typeface="Calibri"/>
-              </a:rPr>
-              <a:t>: Key value is 0 due to global variables</a:t>
+              <a:t>Key value is 0 due to global variables</a:t>
             </a:r>
             <a:endParaRPr b="0" lang="en-US" sz="2000" spc="-1" strike="noStrike">
               <a:latin typeface="Arial"/>

--- a/poster/2024 eCTF Poster Template (copy).pptx
+++ b/poster/2024 eCTF Poster Template (copy).pptx
@@ -107,25 +107,7 @@
               <a:rPr b="0" lang="en-US" sz="2000" spc="-1" strike="noStrike">
                 <a:latin typeface="Arial"/>
               </a:rPr>
-              <a:t>Click to </a:t>
-            </a:r>
-            <a:r>
-              <a:rPr b="0" lang="en-US" sz="2000" spc="-1" strike="noStrike">
-                <a:latin typeface="Arial"/>
-              </a:rPr>
-              <a:t>edit the </a:t>
-            </a:r>
-            <a:r>
-              <a:rPr b="0" lang="en-US" sz="2000" spc="-1" strike="noStrike">
-                <a:latin typeface="Arial"/>
-              </a:rPr>
-              <a:t>notes </a:t>
-            </a:r>
-            <a:r>
-              <a:rPr b="0" lang="en-US" sz="2000" spc="-1" strike="noStrike">
-                <a:latin typeface="Arial"/>
-              </a:rPr>
-              <a:t>format</a:t>
+              <a:t>Click to edit the notes format</a:t>
             </a:r>
             <a:endParaRPr b="0" lang="en-US" sz="2000" spc="-1" strike="noStrike">
               <a:latin typeface="Arial"/>
@@ -310,7 +292,7 @@
             <a:pPr algn="r">
               <a:buNone/>
             </a:pPr>
-            <a:fld id="{FB7AE865-5BAD-4610-8472-0DA8567E3029}" type="slidenum">
+            <a:fld id="{58923082-6F69-40DE-AA76-A1F9B3AA18D8}" type="slidenum">
               <a:rPr b="0" lang="en-US" sz="1400" spc="-1" strike="noStrike">
                 <a:latin typeface="Times New Roman"/>
               </a:rPr>
@@ -447,7 +429,7 @@
               </a:lnSpc>
               <a:buNone/>
             </a:pPr>
-            <a:fld id="{00BF8C0D-C501-428C-BF22-4362B3DBBC64}" type="slidenum">
+            <a:fld id="{0865A877-71C6-4C64-B344-2E550F6A1CB0}" type="slidenum">
               <a:rPr b="0" lang="en-US" sz="1200" spc="-1" strike="noStrike">
                 <a:latin typeface="Times New Roman"/>
               </a:rPr>
@@ -515,7 +497,7 @@
         <p:txBody>
           <a:bodyPr/>
           <a:p>
-            <a:fld id="{0C750976-2D1D-43FA-9E03-E7DFEAB04F85}" type="slidenum">
+            <a:fld id="{CD4AAC29-8E67-4959-8193-47AB0A82737D}" type="slidenum">
               <a:t>&lt;#&gt;</a:t>
             </a:fld>
           </a:p>
@@ -703,7 +685,7 @@
         <p:txBody>
           <a:bodyPr/>
           <a:p>
-            <a:fld id="{EAC0B76D-C95C-4BA0-9812-62552CB038B6}" type="slidenum">
+            <a:fld id="{BFD218B4-3E96-40E1-99BA-A26AF4DE020A}" type="slidenum">
               <a:t>&lt;#&gt;</a:t>
             </a:fld>
           </a:p>
@@ -959,7 +941,7 @@
         <p:txBody>
           <a:bodyPr/>
           <a:p>
-            <a:fld id="{E22C1085-F104-48B8-826B-F87E5C924F76}" type="slidenum">
+            <a:fld id="{47E806A7-6B80-439B-8EAE-2590596BDDE9}" type="slidenum">
               <a:t>&lt;#&gt;</a:t>
             </a:fld>
           </a:p>
@@ -1283,7 +1265,7 @@
         <p:txBody>
           <a:bodyPr/>
           <a:p>
-            <a:fld id="{57DF4E51-4B24-4EEB-A275-000331AB5F62}" type="slidenum">
+            <a:fld id="{7F669B43-93E8-40AA-B958-F9646412EA7B}" type="slidenum">
               <a:t>&lt;#&gt;</a:t>
             </a:fld>
           </a:p>
@@ -1440,7 +1422,7 @@
         <p:txBody>
           <a:bodyPr/>
           <a:p>
-            <a:fld id="{DCDA91B5-2F4D-4C79-B00C-703708BA3552}" type="slidenum">
+            <a:fld id="{CD7ED34C-62EA-42CE-88D0-3461F052AAE7}" type="slidenum">
               <a:t>&lt;#&gt;</a:t>
             </a:fld>
           </a:p>
@@ -1594,7 +1576,7 @@
         <p:txBody>
           <a:bodyPr/>
           <a:p>
-            <a:fld id="{F833E8F1-99B4-450D-9F3B-B279D4EF48F0}" type="slidenum">
+            <a:fld id="{988AC2E1-014E-4661-8C9D-3C242118AC66}" type="slidenum">
               <a:t>&lt;#&gt;</a:t>
             </a:fld>
           </a:p>
@@ -1782,7 +1764,7 @@
         <p:txBody>
           <a:bodyPr/>
           <a:p>
-            <a:fld id="{EB3BD13F-898D-4333-895D-7C8A73599296}" type="slidenum">
+            <a:fld id="{C095F266-9C47-4BC0-AC8E-D6D194E53ED2}" type="slidenum">
               <a:t>&lt;#&gt;</a:t>
             </a:fld>
           </a:p>
@@ -1902,7 +1884,7 @@
         <p:txBody>
           <a:bodyPr/>
           <a:p>
-            <a:fld id="{1E91BAA6-9ADA-4644-9B79-50AA816F4A4A}" type="slidenum">
+            <a:fld id="{E9FF8B51-D99C-438B-9B1D-A8D709FBEA79}" type="slidenum">
               <a:t>&lt;#&gt;</a:t>
             </a:fld>
           </a:p>
@@ -2022,7 +2004,7 @@
         <p:txBody>
           <a:bodyPr/>
           <a:p>
-            <a:fld id="{601F82E2-DB0B-4714-BEF6-F1F499932A1A}" type="slidenum">
+            <a:fld id="{169EE29F-6CE8-4210-AAE8-616B9C720A22}" type="slidenum">
               <a:t>&lt;#&gt;</a:t>
             </a:fld>
           </a:p>
@@ -2244,7 +2226,7 @@
         <p:txBody>
           <a:bodyPr/>
           <a:p>
-            <a:fld id="{2DBEB715-785F-4E23-BA75-8843F6D0D82A}" type="slidenum">
+            <a:fld id="{616E5F28-CEED-42DA-8C6A-BA5B15C28C08}" type="slidenum">
               <a:t>&lt;#&gt;</a:t>
             </a:fld>
           </a:p>
@@ -2466,7 +2448,7 @@
         <p:txBody>
           <a:bodyPr/>
           <a:p>
-            <a:fld id="{4D99473A-3410-48BD-BB8A-23E158577A84}" type="slidenum">
+            <a:fld id="{8F1FFAEE-2D6C-4777-A2F2-FDE8976238F5}" type="slidenum">
               <a:t>&lt;#&gt;</a:t>
             </a:fld>
           </a:p>
@@ -2688,7 +2670,7 @@
         <p:txBody>
           <a:bodyPr/>
           <a:p>
-            <a:fld id="{65AFE09D-1F40-40ED-8FF6-9CF0E6C7CA1C}" type="slidenum">
+            <a:fld id="{0B4E4192-DE9E-4836-B8AC-796751CD2632}" type="slidenum">
               <a:t>&lt;#&gt;</a:t>
             </a:fld>
           </a:p>
@@ -2849,7 +2831,7 @@
               </a:lnSpc>
               <a:buNone/>
             </a:pPr>
-            <a:fld id="{B81F4888-2195-4577-A552-5DCB014401E2}" type="slidenum">
+            <a:fld id="{3B6F843E-9A8B-48C6-847A-31AB5C0C9D7F}" type="slidenum">
               <a:rPr b="0" lang="en-US" sz="2160" spc="-1" strike="noStrike">
                 <a:solidFill>
                   <a:srgbClr val="8b8b8b"/>
@@ -2946,7 +2928,13 @@
               <a:rPr b="0" lang="en-US" sz="4400" spc="-1" strike="noStrike">
                 <a:latin typeface="Arial"/>
               </a:rPr>
-              <a:t>Click to edit the title text format</a:t>
+              <a:t>Click to edit the </a:t>
+            </a:r>
+            <a:r>
+              <a:rPr b="0" lang="en-US" sz="4400" spc="-1" strike="noStrike">
+                <a:latin typeface="Arial"/>
+              </a:rPr>
+              <a:t>title text format</a:t>
             </a:r>
             <a:endParaRPr b="0" lang="en-US" sz="4400" spc="-1" strike="noStrike">
               <a:latin typeface="Arial"/>

--- a/poster/2024 eCTF Poster Template (copy).pptx
+++ b/poster/2024 eCTF Poster Template (copy).pptx
@@ -292,7 +292,7 @@
             <a:pPr algn="r">
               <a:buNone/>
             </a:pPr>
-            <a:fld id="{58923082-6F69-40DE-AA76-A1F9B3AA18D8}" type="slidenum">
+            <a:fld id="{32F22B4E-907D-4EA7-9A8A-70A7519FFFF9}" type="slidenum">
               <a:rPr b="0" lang="en-US" sz="1400" spc="-1" strike="noStrike">
                 <a:latin typeface="Times New Roman"/>
               </a:rPr>
@@ -329,7 +329,7 @@
       </p:grpSpPr>
       <p:sp>
         <p:nvSpPr>
-          <p:cNvPr id="98" name="PlaceHolder 1"/>
+          <p:cNvPr id="90" name="PlaceHolder 1"/>
           <p:cNvSpPr>
             <a:spLocks noGrp="1"/>
           </p:cNvSpPr>
@@ -352,7 +352,7 @@
       </p:sp>
       <p:sp>
         <p:nvSpPr>
-          <p:cNvPr id="99" name="PlaceHolder 2"/>
+          <p:cNvPr id="91" name="PlaceHolder 2"/>
           <p:cNvSpPr>
             <a:spLocks noGrp="1"/>
           </p:cNvSpPr>
@@ -386,7 +386,7 @@
       </p:sp>
       <p:sp>
         <p:nvSpPr>
-          <p:cNvPr id="100" name="PlaceHolder 3"/>
+          <p:cNvPr id="92" name="PlaceHolder 3"/>
           <p:cNvSpPr>
             <a:spLocks noGrp="1"/>
           </p:cNvSpPr>
@@ -429,7 +429,7 @@
               </a:lnSpc>
               <a:buNone/>
             </a:pPr>
-            <a:fld id="{0865A877-71C6-4C64-B344-2E550F6A1CB0}" type="slidenum">
+            <a:fld id="{9E7DCBE6-A6E8-4C93-9039-F444A195D2B6}" type="slidenum">
               <a:rPr b="0" lang="en-US" sz="1200" spc="-1" strike="noStrike">
                 <a:latin typeface="Times New Roman"/>
               </a:rPr>
@@ -497,7 +497,7 @@
         <p:txBody>
           <a:bodyPr/>
           <a:p>
-            <a:fld id="{CD4AAC29-8E67-4959-8193-47AB0A82737D}" type="slidenum">
+            <a:fld id="{B79DFFF7-2DBE-4DF1-932E-3475E0343079}" type="slidenum">
               <a:t>&lt;#&gt;</a:t>
             </a:fld>
           </a:p>
@@ -685,7 +685,7 @@
         <p:txBody>
           <a:bodyPr/>
           <a:p>
-            <a:fld id="{BFD218B4-3E96-40E1-99BA-A26AF4DE020A}" type="slidenum">
+            <a:fld id="{602EE3FF-A098-410D-AD54-0D1D45B214CB}" type="slidenum">
               <a:t>&lt;#&gt;</a:t>
             </a:fld>
           </a:p>
@@ -941,7 +941,7 @@
         <p:txBody>
           <a:bodyPr/>
           <a:p>
-            <a:fld id="{47E806A7-6B80-439B-8EAE-2590596BDDE9}" type="slidenum">
+            <a:fld id="{809878EF-4F7E-47C1-8D76-FF795218F76C}" type="slidenum">
               <a:t>&lt;#&gt;</a:t>
             </a:fld>
           </a:p>
@@ -1265,7 +1265,7 @@
         <p:txBody>
           <a:bodyPr/>
           <a:p>
-            <a:fld id="{7F669B43-93E8-40AA-B958-F9646412EA7B}" type="slidenum">
+            <a:fld id="{0D6930FA-1660-4CF7-AA96-CCB3A187F4D7}" type="slidenum">
               <a:t>&lt;#&gt;</a:t>
             </a:fld>
           </a:p>
@@ -1422,7 +1422,7 @@
         <p:txBody>
           <a:bodyPr/>
           <a:p>
-            <a:fld id="{CD7ED34C-62EA-42CE-88D0-3461F052AAE7}" type="slidenum">
+            <a:fld id="{1EA16DFF-E0D0-4417-92DB-F7200298EDEA}" type="slidenum">
               <a:t>&lt;#&gt;</a:t>
             </a:fld>
           </a:p>
@@ -1576,7 +1576,7 @@
         <p:txBody>
           <a:bodyPr/>
           <a:p>
-            <a:fld id="{988AC2E1-014E-4661-8C9D-3C242118AC66}" type="slidenum">
+            <a:fld id="{6F07A1B5-19E6-4932-988F-093680C9F7CB}" type="slidenum">
               <a:t>&lt;#&gt;</a:t>
             </a:fld>
           </a:p>
@@ -1764,7 +1764,7 @@
         <p:txBody>
           <a:bodyPr/>
           <a:p>
-            <a:fld id="{C095F266-9C47-4BC0-AC8E-D6D194E53ED2}" type="slidenum">
+            <a:fld id="{E87248D2-5270-46CA-9364-BE3B58C426C3}" type="slidenum">
               <a:t>&lt;#&gt;</a:t>
             </a:fld>
           </a:p>
@@ -1884,7 +1884,7 @@
         <p:txBody>
           <a:bodyPr/>
           <a:p>
-            <a:fld id="{E9FF8B51-D99C-438B-9B1D-A8D709FBEA79}" type="slidenum">
+            <a:fld id="{AE4F7108-7AAC-4418-AC3E-1FB6B82BFDCA}" type="slidenum">
               <a:t>&lt;#&gt;</a:t>
             </a:fld>
           </a:p>
@@ -2004,7 +2004,7 @@
         <p:txBody>
           <a:bodyPr/>
           <a:p>
-            <a:fld id="{169EE29F-6CE8-4210-AAE8-616B9C720A22}" type="slidenum">
+            <a:fld id="{9606958B-F1EA-46F7-97D2-76AB7B3D5B9F}" type="slidenum">
               <a:t>&lt;#&gt;</a:t>
             </a:fld>
           </a:p>
@@ -2226,7 +2226,7 @@
         <p:txBody>
           <a:bodyPr/>
           <a:p>
-            <a:fld id="{616E5F28-CEED-42DA-8C6A-BA5B15C28C08}" type="slidenum">
+            <a:fld id="{B85E781E-1210-4CF7-94BD-4C62B7279C57}" type="slidenum">
               <a:t>&lt;#&gt;</a:t>
             </a:fld>
           </a:p>
@@ -2448,7 +2448,7 @@
         <p:txBody>
           <a:bodyPr/>
           <a:p>
-            <a:fld id="{8F1FFAEE-2D6C-4777-A2F2-FDE8976238F5}" type="slidenum">
+            <a:fld id="{02DFF0E4-F3AC-42C8-ACFF-EC8A917E23A4}" type="slidenum">
               <a:t>&lt;#&gt;</a:t>
             </a:fld>
           </a:p>
@@ -2670,7 +2670,7 @@
         <p:txBody>
           <a:bodyPr/>
           <a:p>
-            <a:fld id="{0B4E4192-DE9E-4836-B8AC-796751CD2632}" type="slidenum">
+            <a:fld id="{1069C223-A878-4D24-8638-84E366DFE822}" type="slidenum">
               <a:t>&lt;#&gt;</a:t>
             </a:fld>
           </a:p>
@@ -2831,7 +2831,7 @@
               </a:lnSpc>
               <a:buNone/>
             </a:pPr>
-            <a:fld id="{3B6F843E-9A8B-48C6-847A-31AB5C0C9D7F}" type="slidenum">
+            <a:fld id="{365B06BA-E097-4C89-9752-2AF31225CA29}" type="slidenum">
               <a:rPr b="0" lang="en-US" sz="2160" spc="-1" strike="noStrike">
                 <a:solidFill>
                   <a:srgbClr val="8b8b8b"/>
@@ -2928,13 +2928,211 @@
               <a:rPr b="0" lang="en-US" sz="4400" spc="-1" strike="noStrike">
                 <a:latin typeface="Arial"/>
               </a:rPr>
-              <a:t>Click to edit the </a:t>
+              <a:t>C</a:t>
             </a:r>
             <a:r>
               <a:rPr b="0" lang="en-US" sz="4400" spc="-1" strike="noStrike">
                 <a:latin typeface="Arial"/>
               </a:rPr>
-              <a:t>title text format</a:t>
+              <a:t>l</a:t>
+            </a:r>
+            <a:r>
+              <a:rPr b="0" lang="en-US" sz="4400" spc="-1" strike="noStrike">
+                <a:latin typeface="Arial"/>
+              </a:rPr>
+              <a:t>i</a:t>
+            </a:r>
+            <a:r>
+              <a:rPr b="0" lang="en-US" sz="4400" spc="-1" strike="noStrike">
+                <a:latin typeface="Arial"/>
+              </a:rPr>
+              <a:t>c</a:t>
+            </a:r>
+            <a:r>
+              <a:rPr b="0" lang="en-US" sz="4400" spc="-1" strike="noStrike">
+                <a:latin typeface="Arial"/>
+              </a:rPr>
+              <a:t>k</a:t>
+            </a:r>
+            <a:r>
+              <a:rPr b="0" lang="en-US" sz="4400" spc="-1" strike="noStrike">
+                <a:latin typeface="Arial"/>
+              </a:rPr>
+              <a:t> </a:t>
+            </a:r>
+            <a:r>
+              <a:rPr b="0" lang="en-US" sz="4400" spc="-1" strike="noStrike">
+                <a:latin typeface="Arial"/>
+              </a:rPr>
+              <a:t>t</a:t>
+            </a:r>
+            <a:r>
+              <a:rPr b="0" lang="en-US" sz="4400" spc="-1" strike="noStrike">
+                <a:latin typeface="Arial"/>
+              </a:rPr>
+              <a:t>o</a:t>
+            </a:r>
+            <a:r>
+              <a:rPr b="0" lang="en-US" sz="4400" spc="-1" strike="noStrike">
+                <a:latin typeface="Arial"/>
+              </a:rPr>
+              <a:t> </a:t>
+            </a:r>
+            <a:r>
+              <a:rPr b="0" lang="en-US" sz="4400" spc="-1" strike="noStrike">
+                <a:latin typeface="Arial"/>
+              </a:rPr>
+              <a:t>e</a:t>
+            </a:r>
+            <a:r>
+              <a:rPr b="0" lang="en-US" sz="4400" spc="-1" strike="noStrike">
+                <a:latin typeface="Arial"/>
+              </a:rPr>
+              <a:t>d</a:t>
+            </a:r>
+            <a:r>
+              <a:rPr b="0" lang="en-US" sz="4400" spc="-1" strike="noStrike">
+                <a:latin typeface="Arial"/>
+              </a:rPr>
+              <a:t>i</a:t>
+            </a:r>
+            <a:r>
+              <a:rPr b="0" lang="en-US" sz="4400" spc="-1" strike="noStrike">
+                <a:latin typeface="Arial"/>
+              </a:rPr>
+              <a:t>t</a:t>
+            </a:r>
+            <a:r>
+              <a:rPr b="0" lang="en-US" sz="4400" spc="-1" strike="noStrike">
+                <a:latin typeface="Arial"/>
+              </a:rPr>
+              <a:t> </a:t>
+            </a:r>
+            <a:r>
+              <a:rPr b="0" lang="en-US" sz="4400" spc="-1" strike="noStrike">
+                <a:latin typeface="Arial"/>
+              </a:rPr>
+              <a:t>t</a:t>
+            </a:r>
+            <a:r>
+              <a:rPr b="0" lang="en-US" sz="4400" spc="-1" strike="noStrike">
+                <a:latin typeface="Arial"/>
+              </a:rPr>
+              <a:t>h</a:t>
+            </a:r>
+            <a:r>
+              <a:rPr b="0" lang="en-US" sz="4400" spc="-1" strike="noStrike">
+                <a:latin typeface="Arial"/>
+              </a:rPr>
+              <a:t>e</a:t>
+            </a:r>
+            <a:r>
+              <a:rPr b="0" lang="en-US" sz="4400" spc="-1" strike="noStrike">
+                <a:latin typeface="Arial"/>
+              </a:rPr>
+              <a:t> </a:t>
+            </a:r>
+            <a:r>
+              <a:rPr b="0" lang="en-US" sz="4400" spc="-1" strike="noStrike">
+                <a:latin typeface="Arial"/>
+              </a:rPr>
+              <a:t>t</a:t>
+            </a:r>
+            <a:r>
+              <a:rPr b="0" lang="en-US" sz="4400" spc="-1" strike="noStrike">
+                <a:latin typeface="Arial"/>
+              </a:rPr>
+              <a:t>i</a:t>
+            </a:r>
+            <a:r>
+              <a:rPr b="0" lang="en-US" sz="4400" spc="-1" strike="noStrike">
+                <a:latin typeface="Arial"/>
+              </a:rPr>
+              <a:t>t</a:t>
+            </a:r>
+            <a:r>
+              <a:rPr b="0" lang="en-US" sz="4400" spc="-1" strike="noStrike">
+                <a:latin typeface="Arial"/>
+              </a:rPr>
+              <a:t>l</a:t>
+            </a:r>
+            <a:r>
+              <a:rPr b="0" lang="en-US" sz="4400" spc="-1" strike="noStrike">
+                <a:latin typeface="Arial"/>
+              </a:rPr>
+              <a:t>e</a:t>
+            </a:r>
+            <a:r>
+              <a:rPr b="0" lang="en-US" sz="4400" spc="-1" strike="noStrike">
+                <a:latin typeface="Arial"/>
+              </a:rPr>
+              <a:t> </a:t>
+            </a:r>
+            <a:r>
+              <a:rPr b="0" lang="en-US" sz="4400" spc="-1" strike="noStrike">
+                <a:latin typeface="Arial"/>
+              </a:rPr>
+              <a:t>t</a:t>
+            </a:r>
+            <a:r>
+              <a:rPr b="0" lang="en-US" sz="4400" spc="-1" strike="noStrike">
+                <a:latin typeface="Arial"/>
+              </a:rPr>
+              <a:t>e</a:t>
+            </a:r>
+            <a:r>
+              <a:rPr b="0" lang="en-US" sz="4400" spc="-1" strike="noStrike">
+                <a:latin typeface="Arial"/>
+              </a:rPr>
+              <a:t>x</a:t>
+            </a:r>
+            <a:r>
+              <a:rPr b="0" lang="en-US" sz="4400" spc="-1" strike="noStrike">
+                <a:latin typeface="Arial"/>
+              </a:rPr>
+              <a:t>t</a:t>
+            </a:r>
+            <a:r>
+              <a:rPr b="0" lang="en-US" sz="4400" spc="-1" strike="noStrike">
+                <a:latin typeface="Arial"/>
+              </a:rPr>
+              <a:t> </a:t>
+            </a:r>
+            <a:r>
+              <a:rPr b="0" lang="en-US" sz="4400" spc="-1" strike="noStrike">
+                <a:latin typeface="Arial"/>
+              </a:rPr>
+              <a:t>f</a:t>
+            </a:r>
+            <a:r>
+              <a:rPr b="0" lang="en-US" sz="4400" spc="-1" strike="noStrike">
+                <a:latin typeface="Arial"/>
+              </a:rPr>
+              <a:t>o</a:t>
+            </a:r>
+            <a:r>
+              <a:rPr b="0" lang="en-US" sz="4400" spc="-1" strike="noStrike">
+                <a:latin typeface="Arial"/>
+              </a:rPr>
+              <a:t>r</a:t>
+            </a:r>
+            <a:r>
+              <a:rPr b="0" lang="en-US" sz="4400" spc="-1" strike="noStrike">
+                <a:latin typeface="Arial"/>
+              </a:rPr>
+              <a:t>m</a:t>
+            </a:r>
+            <a:r>
+              <a:rPr b="0" lang="en-US" sz="4400" spc="-1" strike="noStrike">
+                <a:latin typeface="Arial"/>
+              </a:rPr>
+              <a:t>a</a:t>
+            </a:r>
+            <a:r>
+              <a:rPr b="0" lang="en-US" sz="4400" spc="-1" strike="noStrike">
+                <a:latin typeface="Arial"/>
+              </a:rPr>
+              <a:t>t</a:t>
             </a:r>
             <a:endParaRPr b="0" lang="en-US" sz="4400" spc="-1" strike="noStrike">
               <a:latin typeface="Arial"/>
@@ -3177,8 +3375,8 @@
         </p:nvSpPr>
         <p:spPr>
           <a:xfrm>
-            <a:off x="8430840" y="10238400"/>
-            <a:ext cx="7515000" cy="9831960"/>
+            <a:off x="8430840" y="10659600"/>
+            <a:ext cx="7515000" cy="10778760"/>
           </a:xfrm>
           <a:prstGeom prst="rect">
             <a:avLst/>
@@ -3213,6 +3411,9 @@
               <a:lnSpc>
                 <a:spcPct val="100000"/>
               </a:lnSpc>
+              <a:spcAft>
+                <a:spcPts val="360"/>
+              </a:spcAft>
               <a:buNone/>
             </a:pPr>
             <a:r>
@@ -3234,6 +3435,9 @@
               <a:lnSpc>
                 <a:spcPct val="100000"/>
               </a:lnSpc>
+              <a:spcAft>
+                <a:spcPts val="360"/>
+              </a:spcAft>
               <a:buNone/>
             </a:pPr>
             <a:r>
@@ -3275,6 +3479,9 @@
               <a:lnSpc>
                 <a:spcPct val="100000"/>
               </a:lnSpc>
+              <a:spcAft>
+                <a:spcPts val="360"/>
+              </a:spcAft>
               <a:buNone/>
             </a:pPr>
             <a:r>
@@ -3316,6 +3523,9 @@
               <a:lnSpc>
                 <a:spcPct val="100000"/>
               </a:lnSpc>
+              <a:spcAft>
+                <a:spcPts val="360"/>
+              </a:spcAft>
               <a:buNone/>
             </a:pPr>
             <a:r>
@@ -3357,6 +3567,9 @@
               <a:lnSpc>
                 <a:spcPct val="100000"/>
               </a:lnSpc>
+              <a:spcAft>
+                <a:spcPts val="360"/>
+              </a:spcAft>
               <a:buNone/>
             </a:pPr>
             <a:r>
@@ -3398,6 +3611,9 @@
               <a:lnSpc>
                 <a:spcPct val="100000"/>
               </a:lnSpc>
+              <a:spcAft>
+                <a:spcPts val="360"/>
+              </a:spcAft>
               <a:buNone/>
             </a:pPr>
             <a:endParaRPr b="0" lang="en-US" sz="1000" spc="-1" strike="noStrike">
@@ -3409,6 +3625,9 @@
               <a:lnSpc>
                 <a:spcPct val="100000"/>
               </a:lnSpc>
+              <a:spcAft>
+                <a:spcPts val="360"/>
+              </a:spcAft>
               <a:buNone/>
             </a:pPr>
             <a:r>
@@ -3430,6 +3649,9 @@
               <a:lnSpc>
                 <a:spcPct val="100000"/>
               </a:lnSpc>
+              <a:spcAft>
+                <a:spcPts val="360"/>
+              </a:spcAft>
               <a:buClr>
                 <a:srgbClr val="000000"/>
               </a:buClr>
@@ -3456,6 +3678,9 @@
               <a:lnSpc>
                 <a:spcPct val="100000"/>
               </a:lnSpc>
+              <a:spcAft>
+                <a:spcPts val="360"/>
+              </a:spcAft>
               <a:buClr>
                 <a:srgbClr val="000000"/>
               </a:buClr>
@@ -3482,6 +3707,9 @@
               <a:lnSpc>
                 <a:spcPct val="100000"/>
               </a:lnSpc>
+              <a:spcAft>
+                <a:spcPts val="360"/>
+              </a:spcAft>
               <a:buNone/>
             </a:pPr>
             <a:endParaRPr b="0" lang="en-US" sz="1000" spc="-1" strike="noStrike">
@@ -3493,6 +3721,9 @@
               <a:lnSpc>
                 <a:spcPct val="100000"/>
               </a:lnSpc>
+              <a:spcAft>
+                <a:spcPts val="360"/>
+              </a:spcAft>
               <a:buNone/>
             </a:pPr>
             <a:r>
@@ -3514,6 +3745,9 @@
               <a:lnSpc>
                 <a:spcPct val="100000"/>
               </a:lnSpc>
+              <a:spcAft>
+                <a:spcPts val="360"/>
+              </a:spcAft>
               <a:buClr>
                 <a:srgbClr val="000000"/>
               </a:buClr>
@@ -3540,6 +3774,9 @@
               <a:lnSpc>
                 <a:spcPct val="100000"/>
               </a:lnSpc>
+              <a:spcAft>
+                <a:spcPts val="360"/>
+              </a:spcAft>
               <a:buClr>
                 <a:srgbClr val="000000"/>
               </a:buClr>
@@ -3562,10 +3799,13 @@
             </a:endParaRPr>
           </a:p>
           <a:p>
-            <a:pPr lvl="2" marL="648000" indent="-216000" algn="just">
+            <a:pPr lvl="3" marL="864000" indent="-216000" algn="just">
               <a:lnSpc>
                 <a:spcPct val="100000"/>
               </a:lnSpc>
+              <a:spcAft>
+                <a:spcPts val="360"/>
+              </a:spcAft>
               <a:buClr>
                 <a:srgbClr val="000000"/>
               </a:buClr>
@@ -3592,6 +3832,9 @@
               <a:lnSpc>
                 <a:spcPct val="100000"/>
               </a:lnSpc>
+              <a:spcAft>
+                <a:spcPts val="360"/>
+              </a:spcAft>
               <a:buClr>
                 <a:srgbClr val="000000"/>
               </a:buClr>
@@ -3618,6 +3861,9 @@
               <a:lnSpc>
                 <a:spcPct val="100000"/>
               </a:lnSpc>
+              <a:spcAft>
+                <a:spcPts val="360"/>
+              </a:spcAft>
               <a:buClr>
                 <a:srgbClr val="000000"/>
               </a:buClr>
@@ -3644,6 +3890,9 @@
               <a:lnSpc>
                 <a:spcPct val="100000"/>
               </a:lnSpc>
+              <a:spcAft>
+                <a:spcPts val="360"/>
+              </a:spcAft>
               <a:buNone/>
             </a:pPr>
             <a:endParaRPr b="0" lang="en-US" sz="2000" spc="-1" strike="noStrike">
@@ -3655,6 +3904,9 @@
               <a:lnSpc>
                 <a:spcPct val="100000"/>
               </a:lnSpc>
+              <a:spcAft>
+                <a:spcPts val="360"/>
+              </a:spcAft>
               <a:buNone/>
             </a:pPr>
             <a:endParaRPr b="0" lang="en-US" sz="2000" spc="-1" strike="noStrike">
@@ -3666,6 +3918,9 @@
               <a:lnSpc>
                 <a:spcPct val="100000"/>
               </a:lnSpc>
+              <a:spcAft>
+                <a:spcPts val="360"/>
+              </a:spcAft>
               <a:buNone/>
             </a:pPr>
             <a:br>
@@ -3685,7 +3940,7 @@
         </p:nvSpPr>
         <p:spPr>
           <a:xfrm>
-            <a:off x="1598400" y="9345600"/>
+            <a:off x="1598400" y="9705600"/>
             <a:ext cx="5835240" cy="699120"/>
           </a:xfrm>
           <a:prstGeom prst="rect">
@@ -3909,8 +4164,8 @@
         </p:nvSpPr>
         <p:spPr>
           <a:xfrm>
-            <a:off x="504000" y="10238400"/>
-            <a:ext cx="7515000" cy="9832320"/>
+            <a:off x="504000" y="10659600"/>
+            <a:ext cx="7515000" cy="10779120"/>
           </a:xfrm>
           <a:prstGeom prst="rect">
             <a:avLst/>
@@ -3945,6 +4200,9 @@
               <a:lnSpc>
                 <a:spcPct val="100000"/>
               </a:lnSpc>
+              <a:spcAft>
+                <a:spcPts val="360"/>
+              </a:spcAft>
               <a:buNone/>
             </a:pPr>
             <a:r>
@@ -3966,6 +4224,9 @@
               <a:lnSpc>
                 <a:spcPct val="100000"/>
               </a:lnSpc>
+              <a:spcAft>
+                <a:spcPts val="360"/>
+              </a:spcAft>
               <a:buClr>
                 <a:srgbClr val="000000"/>
               </a:buClr>
@@ -3992,6 +4253,9 @@
               <a:lnSpc>
                 <a:spcPct val="100000"/>
               </a:lnSpc>
+              <a:spcAft>
+                <a:spcPts val="360"/>
+              </a:spcAft>
               <a:buClr>
                 <a:srgbClr val="000000"/>
               </a:buClr>
@@ -4018,6 +4282,9 @@
               <a:lnSpc>
                 <a:spcPct val="100000"/>
               </a:lnSpc>
+              <a:spcAft>
+                <a:spcPts val="360"/>
+              </a:spcAft>
               <a:buClr>
                 <a:srgbClr val="000000"/>
               </a:buClr>
@@ -4044,6 +4311,9 @@
               <a:lnSpc>
                 <a:spcPct val="100000"/>
               </a:lnSpc>
+              <a:spcAft>
+                <a:spcPts val="360"/>
+              </a:spcAft>
               <a:buNone/>
             </a:pPr>
             <a:endParaRPr b="0" lang="en-US" sz="2000" spc="-1" strike="noStrike">
@@ -4055,6 +4325,9 @@
               <a:lnSpc>
                 <a:spcPct val="100000"/>
               </a:lnSpc>
+              <a:spcAft>
+                <a:spcPts val="360"/>
+              </a:spcAft>
               <a:buNone/>
             </a:pPr>
             <a:endParaRPr b="0" lang="en-US" sz="2000" spc="-1" strike="noStrike">
@@ -4066,6 +4339,9 @@
               <a:lnSpc>
                 <a:spcPct val="100000"/>
               </a:lnSpc>
+              <a:spcAft>
+                <a:spcPts val="360"/>
+              </a:spcAft>
               <a:buNone/>
             </a:pPr>
             <a:endParaRPr b="0" lang="en-US" sz="2000" spc="-1" strike="noStrike">
@@ -4077,6 +4353,9 @@
               <a:lnSpc>
                 <a:spcPct val="100000"/>
               </a:lnSpc>
+              <a:spcAft>
+                <a:spcPts val="360"/>
+              </a:spcAft>
               <a:buNone/>
             </a:pPr>
             <a:endParaRPr b="0" lang="en-US" sz="2000" spc="-1" strike="noStrike">
@@ -4088,6 +4367,9 @@
               <a:lnSpc>
                 <a:spcPct val="100000"/>
               </a:lnSpc>
+              <a:spcAft>
+                <a:spcPts val="360"/>
+              </a:spcAft>
               <a:buNone/>
             </a:pPr>
             <a:endParaRPr b="0" lang="en-US" sz="2000" spc="-1" strike="noStrike">
@@ -4099,6 +4381,9 @@
               <a:lnSpc>
                 <a:spcPct val="100000"/>
               </a:lnSpc>
+              <a:spcAft>
+                <a:spcPts val="360"/>
+              </a:spcAft>
               <a:buNone/>
             </a:pPr>
             <a:endParaRPr b="0" lang="en-US" sz="2000" spc="-1" strike="noStrike">
@@ -4110,6 +4395,9 @@
               <a:lnSpc>
                 <a:spcPct val="100000"/>
               </a:lnSpc>
+              <a:spcAft>
+                <a:spcPts val="360"/>
+              </a:spcAft>
               <a:buNone/>
             </a:pPr>
             <a:endParaRPr b="0" lang="en-US" sz="2000" spc="-1" strike="noStrike">
@@ -4121,6 +4409,9 @@
               <a:lnSpc>
                 <a:spcPct val="100000"/>
               </a:lnSpc>
+              <a:spcAft>
+                <a:spcPts val="360"/>
+              </a:spcAft>
               <a:buNone/>
             </a:pPr>
             <a:endParaRPr b="0" lang="en-US" sz="2000" spc="-1" strike="noStrike">
@@ -4132,6 +4423,9 @@
               <a:lnSpc>
                 <a:spcPct val="100000"/>
               </a:lnSpc>
+              <a:spcAft>
+                <a:spcPts val="360"/>
+              </a:spcAft>
               <a:buNone/>
             </a:pPr>
             <a:endParaRPr b="0" lang="en-US" sz="2000" spc="-1" strike="noStrike">
@@ -4143,17 +4437,9 @@
               <a:lnSpc>
                 <a:spcPct val="100000"/>
               </a:lnSpc>
-              <a:buNone/>
-            </a:pPr>
-            <a:endParaRPr b="0" lang="en-US" sz="2000" spc="-1" strike="noStrike">
-              <a:latin typeface="Arial"/>
-            </a:endParaRPr>
-          </a:p>
-          <a:p>
-            <a:pPr algn="just">
-              <a:lnSpc>
-                <a:spcPct val="100000"/>
-              </a:lnSpc>
+              <a:spcAft>
+                <a:spcPts val="360"/>
+              </a:spcAft>
               <a:buNone/>
             </a:pPr>
             <a:r>
@@ -4175,6 +4461,9 @@
               <a:lnSpc>
                 <a:spcPct val="100000"/>
               </a:lnSpc>
+              <a:spcAft>
+                <a:spcPts val="360"/>
+              </a:spcAft>
               <a:buClr>
                 <a:srgbClr val="000000"/>
               </a:buClr>
@@ -4201,6 +4490,9 @@
               <a:lnSpc>
                 <a:spcPct val="100000"/>
               </a:lnSpc>
+              <a:spcAft>
+                <a:spcPts val="360"/>
+              </a:spcAft>
               <a:buNone/>
             </a:pPr>
             <a:endParaRPr b="0" lang="en-US" sz="1000" spc="-1" strike="noStrike">
@@ -4212,6 +4504,9 @@
               <a:lnSpc>
                 <a:spcPct val="100000"/>
               </a:lnSpc>
+              <a:spcAft>
+                <a:spcPts val="360"/>
+              </a:spcAft>
               <a:buNone/>
             </a:pPr>
             <a:r>
@@ -4233,6 +4528,9 @@
               <a:lnSpc>
                 <a:spcPct val="100000"/>
               </a:lnSpc>
+              <a:spcAft>
+                <a:spcPts val="360"/>
+              </a:spcAft>
               <a:buClr>
                 <a:srgbClr val="000000"/>
               </a:buClr>
@@ -4259,6 +4557,9 @@
               <a:lnSpc>
                 <a:spcPct val="100000"/>
               </a:lnSpc>
+              <a:spcAft>
+                <a:spcPts val="360"/>
+              </a:spcAft>
               <a:buClr>
                 <a:srgbClr val="000000"/>
               </a:buClr>
@@ -4285,6 +4586,9 @@
               <a:lnSpc>
                 <a:spcPct val="100000"/>
               </a:lnSpc>
+              <a:spcAft>
+                <a:spcPts val="360"/>
+              </a:spcAft>
               <a:buClr>
                 <a:srgbClr val="000000"/>
               </a:buClr>
@@ -4311,6 +4615,9 @@
               <a:lnSpc>
                 <a:spcPct val="100000"/>
               </a:lnSpc>
+              <a:spcAft>
+                <a:spcPts val="360"/>
+              </a:spcAft>
               <a:buClr>
                 <a:srgbClr val="000000"/>
               </a:buClr>
@@ -4337,6 +4644,9 @@
               <a:lnSpc>
                 <a:spcPct val="100000"/>
               </a:lnSpc>
+              <a:spcAft>
+                <a:spcPts val="360"/>
+              </a:spcAft>
               <a:buNone/>
             </a:pPr>
             <a:endParaRPr b="0" lang="en-US" sz="1000" spc="-1" strike="noStrike">
@@ -4348,6 +4658,9 @@
               <a:lnSpc>
                 <a:spcPct val="100000"/>
               </a:lnSpc>
+              <a:spcAft>
+                <a:spcPts val="360"/>
+              </a:spcAft>
               <a:buNone/>
             </a:pPr>
             <a:r>
@@ -4369,6 +4682,9 @@
               <a:lnSpc>
                 <a:spcPct val="100000"/>
               </a:lnSpc>
+              <a:spcAft>
+                <a:spcPts val="360"/>
+              </a:spcAft>
               <a:buClr>
                 <a:srgbClr val="000000"/>
               </a:buClr>
@@ -4395,6 +4711,9 @@
               <a:lnSpc>
                 <a:spcPct val="100000"/>
               </a:lnSpc>
+              <a:spcAft>
+                <a:spcPts val="360"/>
+              </a:spcAft>
               <a:buClr>
                 <a:srgbClr val="000000"/>
               </a:buClr>
@@ -4421,6 +4740,9 @@
               <a:lnSpc>
                 <a:spcPct val="100000"/>
               </a:lnSpc>
+              <a:spcAft>
+                <a:spcPts val="360"/>
+              </a:spcAft>
               <a:buNone/>
             </a:pPr>
             <a:endParaRPr b="0" lang="en-US" sz="2000" spc="-1" strike="noStrike">
@@ -4437,7 +4759,7 @@
         </p:nvSpPr>
         <p:spPr>
           <a:xfrm>
-            <a:off x="9646920" y="9335160"/>
+            <a:off x="9646920" y="9695160"/>
             <a:ext cx="5691960" cy="699120"/>
           </a:xfrm>
           <a:prstGeom prst="rect">
@@ -4563,7 +4885,7 @@
           <p:nvPr/>
         </p:nvGraphicFramePr>
         <p:xfrm>
-          <a:off x="723600" y="7276320"/>
+          <a:off x="723600" y="7564320"/>
           <a:ext cx="15086880" cy="1778400"/>
         </p:xfrm>
         <a:graphic>
@@ -5662,6 +5984,9 @@
               <a:lnSpc>
                 <a:spcPct val="100000"/>
               </a:lnSpc>
+              <a:spcAft>
+                <a:spcPts val="360"/>
+              </a:spcAft>
               <a:buNone/>
             </a:pPr>
             <a:r>
@@ -5693,6 +6018,9 @@
               <a:lnSpc>
                 <a:spcPct val="100000"/>
               </a:lnSpc>
+              <a:spcAft>
+                <a:spcPts val="360"/>
+              </a:spcAft>
               <a:buNone/>
             </a:pPr>
             <a:r>
@@ -5714,6 +6042,9 @@
               <a:lnSpc>
                 <a:spcPct val="100000"/>
               </a:lnSpc>
+              <a:spcAft>
+                <a:spcPts val="360"/>
+              </a:spcAft>
               <a:buNone/>
             </a:pPr>
             <a:endParaRPr b="0" lang="en-US" sz="1000" spc="-1" strike="noStrike">
@@ -5725,6 +6056,9 @@
               <a:lnSpc>
                 <a:spcPct val="100000"/>
               </a:lnSpc>
+              <a:spcAft>
+                <a:spcPts val="360"/>
+              </a:spcAft>
               <a:buNone/>
             </a:pPr>
             <a:r>
@@ -5756,6 +6090,9 @@
               <a:lnSpc>
                 <a:spcPct val="100000"/>
               </a:lnSpc>
+              <a:spcAft>
+                <a:spcPts val="360"/>
+              </a:spcAft>
               <a:buNone/>
             </a:pPr>
             <a:r>
@@ -5777,6 +6114,9 @@
               <a:lnSpc>
                 <a:spcPct val="100000"/>
               </a:lnSpc>
+              <a:spcAft>
+                <a:spcPts val="360"/>
+              </a:spcAft>
               <a:buNone/>
             </a:pPr>
             <a:endParaRPr b="0" lang="en-US" sz="2000" spc="-1" strike="noStrike">
@@ -5788,6 +6128,9 @@
               <a:lnSpc>
                 <a:spcPct val="100000"/>
               </a:lnSpc>
+              <a:spcAft>
+                <a:spcPts val="360"/>
+              </a:spcAft>
               <a:buNone/>
             </a:pPr>
             <a:endParaRPr b="0" lang="en-US" sz="2000" spc="-1" strike="noStrike">
@@ -5840,6 +6183,9 @@
               <a:lnSpc>
                 <a:spcPct val="100000"/>
               </a:lnSpc>
+              <a:spcAft>
+                <a:spcPts val="360"/>
+              </a:spcAft>
               <a:buNone/>
             </a:pPr>
             <a:r>
@@ -5871,6 +6217,9 @@
               <a:lnSpc>
                 <a:spcPct val="100000"/>
               </a:lnSpc>
+              <a:spcAft>
+                <a:spcPts val="360"/>
+              </a:spcAft>
               <a:buNone/>
             </a:pPr>
             <a:r>
@@ -5892,6 +6241,9 @@
               <a:lnSpc>
                 <a:spcPct val="100000"/>
               </a:lnSpc>
+              <a:spcAft>
+                <a:spcPts val="360"/>
+              </a:spcAft>
               <a:buNone/>
             </a:pPr>
             <a:endParaRPr b="0" lang="en-US" sz="1000" spc="-1" strike="noStrike">
@@ -5903,6 +6255,9 @@
               <a:lnSpc>
                 <a:spcPct val="100000"/>
               </a:lnSpc>
+              <a:spcAft>
+                <a:spcPts val="360"/>
+              </a:spcAft>
               <a:buNone/>
             </a:pPr>
             <a:r>
@@ -5934,6 +6289,9 @@
               <a:lnSpc>
                 <a:spcPct val="100000"/>
               </a:lnSpc>
+              <a:spcAft>
+                <a:spcPts val="360"/>
+              </a:spcAft>
               <a:buNone/>
             </a:pPr>
             <a:r>
@@ -5955,6 +6313,9 @@
               <a:lnSpc>
                 <a:spcPct val="100000"/>
               </a:lnSpc>
+              <a:spcAft>
+                <a:spcPts val="360"/>
+              </a:spcAft>
               <a:buNone/>
             </a:pPr>
             <a:endParaRPr b="0" lang="en-US" sz="2000" spc="-1" strike="noStrike">
@@ -5966,6 +6327,9 @@
               <a:lnSpc>
                 <a:spcPct val="100000"/>
               </a:lnSpc>
+              <a:spcAft>
+                <a:spcPts val="360"/>
+              </a:spcAft>
               <a:buNone/>
             </a:pPr>
             <a:endParaRPr b="0" lang="en-US" sz="2000" spc="-1" strike="noStrike">
@@ -5977,6 +6341,9 @@
               <a:lnSpc>
                 <a:spcPct val="100000"/>
               </a:lnSpc>
+              <a:spcAft>
+                <a:spcPts val="360"/>
+              </a:spcAft>
               <a:buNone/>
             </a:pPr>
             <a:endParaRPr b="0" lang="en-US" sz="2000" spc="-1" strike="noStrike">
@@ -5994,7 +6361,7 @@
         <p:spPr>
           <a:xfrm>
             <a:off x="511920" y="4337280"/>
-            <a:ext cx="15489000" cy="4906080"/>
+            <a:ext cx="15489000" cy="5263920"/>
           </a:xfrm>
           <a:prstGeom prst="rect">
             <a:avLst/>
@@ -6057,133 +6424,9 @@
           </a:p>
         </p:txBody>
       </p:sp>
-      <p:sp>
-        <p:nvSpPr>
-          <p:cNvPr id="59" name="Rectangle 4"/>
-          <p:cNvSpPr/>
-          <p:nvPr/>
-        </p:nvSpPr>
-        <p:spPr>
-          <a:xfrm>
-            <a:off x="484920" y="20310480"/>
-            <a:ext cx="15516000" cy="1310400"/>
-          </a:xfrm>
-          <a:prstGeom prst="rect">
-            <a:avLst/>
-          </a:prstGeom>
-          <a:solidFill>
-            <a:schemeClr val="bg1"/>
-          </a:solidFill>
-          <a:ln w="9525">
-            <a:noFill/>
-          </a:ln>
-        </p:spPr>
-        <p:style>
-          <a:lnRef idx="2">
-            <a:schemeClr val="accent1">
-              <a:shade val="50000"/>
-            </a:schemeClr>
-          </a:lnRef>
-          <a:fillRef idx="1">
-            <a:schemeClr val="accent1"/>
-          </a:fillRef>
-          <a:effectRef idx="0">
-            <a:schemeClr val="accent1"/>
-          </a:effectRef>
-          <a:fontRef idx="minor"/>
-        </p:style>
-        <p:txBody>
-          <a:bodyPr lIns="182880" rIns="182880" tIns="45000" bIns="45000" anchor="t">
-            <a:noAutofit/>
-          </a:bodyPr>
-          <a:p>
-            <a:pPr algn="just">
-              <a:lnSpc>
-                <a:spcPct val="100000"/>
-              </a:lnSpc>
-              <a:buNone/>
-            </a:pPr>
-            <a:r>
-              <a:rPr b="0" lang="en-US" sz="2000" spc="-1" strike="noStrike">
-                <a:solidFill>
-                  <a:srgbClr val="000000"/>
-                </a:solidFill>
-                <a:latin typeface="Arial"/>
-                <a:ea typeface="Calibri"/>
-              </a:rPr>
-              <a:t>                         ① </a:t>
-            </a:r>
-            <a:r>
-              <a:rPr b="0" lang="en-US" sz="2000" spc="-1" strike="noStrike">
-                <a:solidFill>
-                  <a:srgbClr val="000000"/>
-                </a:solidFill>
-                <a:latin typeface="Arial"/>
-                <a:ea typeface="Calibri"/>
-              </a:rPr>
-              <a:t>Although brute-force is a slow approach, almost half of the PIN extract flags snagged by our team used brute-force. ② The attack boards this year does not support resetting, which serves as a defense mechanism for brute-force attack. Otherwise, we could brute-force more PIN code! ➂ A complex design may not mean a high security, all thanks to the same secrets shared between deployments! ④ Defense points helped us a lot this year! ⑤ Snatched 72 flags during the attack phase, not too shabby! </a:t>
-            </a:r>
-            <a:endParaRPr b="0" lang="en-US" sz="2000" spc="-1" strike="noStrike">
-              <a:latin typeface="Arial"/>
-            </a:endParaRPr>
-          </a:p>
-        </p:txBody>
-      </p:sp>
-      <p:sp>
-        <p:nvSpPr>
-          <p:cNvPr id="60" name="TextBox 12"/>
-          <p:cNvSpPr/>
-          <p:nvPr/>
-        </p:nvSpPr>
-        <p:spPr>
-          <a:xfrm>
-            <a:off x="576360" y="20251800"/>
-            <a:ext cx="1818000" cy="455400"/>
-          </a:xfrm>
-          <a:prstGeom prst="rect">
-            <a:avLst/>
-          </a:prstGeom>
-          <a:noFill/>
-          <a:ln w="0">
-            <a:noFill/>
-          </a:ln>
-        </p:spPr>
-        <p:style>
-          <a:lnRef idx="0"/>
-          <a:fillRef idx="0"/>
-          <a:effectRef idx="0"/>
-          <a:fontRef idx="minor"/>
-        </p:style>
-        <p:txBody>
-          <a:bodyPr wrap="none" lIns="90000" rIns="90000" tIns="45000" bIns="45000" anchor="t">
-            <a:spAutoFit/>
-          </a:bodyPr>
-          <a:p>
-            <a:pPr>
-              <a:lnSpc>
-                <a:spcPct val="100000"/>
-              </a:lnSpc>
-              <a:buNone/>
-            </a:pPr>
-            <a:r>
-              <a:rPr b="1" lang="en-US" sz="2400" spc="-1" strike="noStrike">
-                <a:solidFill>
-                  <a:srgbClr val="6241c5"/>
-                </a:solidFill>
-                <a:latin typeface="Arial Black"/>
-                <a:ea typeface="DejaVu Sans"/>
-              </a:rPr>
-              <a:t>Fun Facts</a:t>
-            </a:r>
-            <a:endParaRPr b="0" lang="en-US" sz="2400" spc="-1" strike="noStrike">
-              <a:latin typeface="Arial"/>
-            </a:endParaRPr>
-          </a:p>
-        </p:txBody>
-      </p:sp>
       <p:pic>
         <p:nvPicPr>
-          <p:cNvPr id="61" name="" descr=""/>
+          <p:cNvPr id="59" name="" descr=""/>
           <p:cNvPicPr/>
           <p:nvPr/>
         </p:nvPicPr>
@@ -6206,7 +6449,7 @@
       </p:pic>
       <p:pic>
         <p:nvPicPr>
-          <p:cNvPr id="62" name="" descr=""/>
+          <p:cNvPr id="60" name="" descr=""/>
           <p:cNvPicPr/>
           <p:nvPr/>
         </p:nvPicPr>
@@ -6216,7 +6459,7 @@
         </p:blipFill>
         <p:spPr>
           <a:xfrm>
-            <a:off x="1109160" y="9458280"/>
+            <a:off x="1109160" y="9818280"/>
             <a:ext cx="488520" cy="498600"/>
           </a:xfrm>
           <a:prstGeom prst="rect">
@@ -6229,7 +6472,7 @@
       </p:pic>
       <p:pic>
         <p:nvPicPr>
-          <p:cNvPr id="63" name="" descr=""/>
+          <p:cNvPr id="61" name="" descr=""/>
           <p:cNvPicPr/>
           <p:nvPr/>
         </p:nvPicPr>
@@ -6239,7 +6482,7 @@
         </p:blipFill>
         <p:spPr>
           <a:xfrm>
-            <a:off x="9243000" y="9479520"/>
+            <a:off x="9243000" y="9839520"/>
             <a:ext cx="393480" cy="414000"/>
           </a:xfrm>
           <a:prstGeom prst="rect">
@@ -6252,7 +6495,7 @@
       </p:pic>
       <p:grpSp>
         <p:nvGrpSpPr>
-          <p:cNvPr id="64" name=""/>
+          <p:cNvPr id="62" name=""/>
           <p:cNvGrpSpPr/>
           <p:nvPr/>
         </p:nvGrpSpPr>
@@ -6266,7 +6509,7 @@
         </p:grpSpPr>
         <p:sp>
           <p:nvSpPr>
-            <p:cNvPr id="65" name=""/>
+            <p:cNvPr id="63" name=""/>
             <p:cNvSpPr/>
             <p:nvPr/>
           </p:nvSpPr>
@@ -6294,7 +6537,7 @@
         </p:sp>
         <p:sp>
           <p:nvSpPr>
-            <p:cNvPr id="66" name=""/>
+            <p:cNvPr id="64" name=""/>
             <p:cNvSpPr/>
             <p:nvPr/>
           </p:nvSpPr>
@@ -6323,27 +6566,27 @@
       </p:grpSp>
       <p:grpSp>
         <p:nvGrpSpPr>
-          <p:cNvPr id="67" name=""/>
+          <p:cNvPr id="65" name=""/>
           <p:cNvGrpSpPr/>
           <p:nvPr/>
         </p:nvGrpSpPr>
         <p:grpSpPr>
           <a:xfrm>
-            <a:off x="15287400" y="8544960"/>
+            <a:off x="15287400" y="8832960"/>
             <a:ext cx="685800" cy="692280"/>
-            <a:chOff x="15287400" y="8544960"/>
+            <a:chOff x="15287400" y="8832960"/>
             <a:chExt cx="685800" cy="692280"/>
           </a:xfrm>
         </p:grpSpPr>
         <p:sp>
           <p:nvSpPr>
-            <p:cNvPr id="68" name=""/>
+            <p:cNvPr id="66" name=""/>
             <p:cNvSpPr/>
             <p:nvPr/>
           </p:nvSpPr>
           <p:spPr>
             <a:xfrm flipH="1">
-              <a:off x="15287400" y="9236880"/>
+              <a:off x="15287400" y="9524880"/>
               <a:ext cx="685800" cy="360"/>
             </a:xfrm>
             <a:prstGeom prst="line">
@@ -6365,13 +6608,13 @@
         </p:sp>
         <p:sp>
           <p:nvSpPr>
-            <p:cNvPr id="69" name=""/>
+            <p:cNvPr id="67" name=""/>
             <p:cNvSpPr/>
             <p:nvPr/>
           </p:nvSpPr>
           <p:spPr>
             <a:xfrm flipV="1">
-              <a:off x="15944400" y="8544960"/>
+              <a:off x="15944400" y="8832960"/>
               <a:ext cx="360" cy="685800"/>
             </a:xfrm>
             <a:prstGeom prst="line">
@@ -6394,27 +6637,27 @@
       </p:grpSp>
       <p:grpSp>
         <p:nvGrpSpPr>
-          <p:cNvPr id="70" name=""/>
+          <p:cNvPr id="68" name=""/>
           <p:cNvGrpSpPr/>
           <p:nvPr/>
         </p:nvGrpSpPr>
         <p:grpSpPr>
           <a:xfrm>
-            <a:off x="480240" y="10241280"/>
+            <a:off x="8400600" y="10601280"/>
             <a:ext cx="685800" cy="691920"/>
-            <a:chOff x="480240" y="10241280"/>
+            <a:chOff x="8400600" y="10601280"/>
             <a:chExt cx="685800" cy="691920"/>
           </a:xfrm>
         </p:grpSpPr>
         <p:sp>
           <p:nvSpPr>
-            <p:cNvPr id="71" name=""/>
+            <p:cNvPr id="69" name=""/>
             <p:cNvSpPr/>
             <p:nvPr/>
           </p:nvSpPr>
           <p:spPr>
             <a:xfrm>
-              <a:off x="480240" y="10241280"/>
+              <a:off x="8400600" y="10601280"/>
               <a:ext cx="685800" cy="360"/>
             </a:xfrm>
             <a:prstGeom prst="line">
@@ -6436,13 +6679,13 @@
         </p:sp>
         <p:sp>
           <p:nvSpPr>
-            <p:cNvPr id="72" name=""/>
+            <p:cNvPr id="70" name=""/>
             <p:cNvSpPr/>
             <p:nvPr/>
           </p:nvSpPr>
           <p:spPr>
             <a:xfrm>
-              <a:off x="509040" y="10247400"/>
+              <a:off x="8429400" y="10607400"/>
               <a:ext cx="360" cy="685800"/>
             </a:xfrm>
             <a:prstGeom prst="line">
@@ -6465,27 +6708,27 @@
       </p:grpSp>
       <p:grpSp>
         <p:nvGrpSpPr>
-          <p:cNvPr id="73" name=""/>
+          <p:cNvPr id="71" name=""/>
           <p:cNvGrpSpPr/>
           <p:nvPr/>
         </p:nvGrpSpPr>
         <p:grpSpPr>
           <a:xfrm>
-            <a:off x="8400600" y="10241280"/>
-            <a:ext cx="685800" cy="691920"/>
-            <a:chOff x="8400600" y="10241280"/>
-            <a:chExt cx="685800" cy="691920"/>
+            <a:off x="15287760" y="20748960"/>
+            <a:ext cx="685800" cy="692280"/>
+            <a:chOff x="15287760" y="20748960"/>
+            <a:chExt cx="685800" cy="692280"/>
           </a:xfrm>
         </p:grpSpPr>
         <p:sp>
           <p:nvSpPr>
-            <p:cNvPr id="74" name=""/>
+            <p:cNvPr id="72" name=""/>
             <p:cNvSpPr/>
             <p:nvPr/>
           </p:nvSpPr>
           <p:spPr>
-            <a:xfrm>
-              <a:off x="8400600" y="10241280"/>
+            <a:xfrm flipH="1">
+              <a:off x="15287760" y="21440880"/>
               <a:ext cx="685800" cy="360"/>
             </a:xfrm>
             <a:prstGeom prst="line">
@@ -6507,13 +6750,13 @@
         </p:sp>
         <p:sp>
           <p:nvSpPr>
-            <p:cNvPr id="75" name=""/>
+            <p:cNvPr id="73" name=""/>
             <p:cNvSpPr/>
             <p:nvPr/>
           </p:nvSpPr>
           <p:spPr>
-            <a:xfrm>
-              <a:off x="8429400" y="10247400"/>
+            <a:xfrm flipV="1">
+              <a:off x="15944760" y="20748960"/>
               <a:ext cx="360" cy="685800"/>
             </a:xfrm>
             <a:prstGeom prst="line">
@@ -6536,27 +6779,27 @@
       </p:grpSp>
       <p:grpSp>
         <p:nvGrpSpPr>
-          <p:cNvPr id="76" name=""/>
+          <p:cNvPr id="74" name=""/>
           <p:cNvGrpSpPr/>
           <p:nvPr/>
         </p:nvGrpSpPr>
         <p:grpSpPr>
           <a:xfrm>
-            <a:off x="15287760" y="19380960"/>
+            <a:off x="7355520" y="20748960"/>
             <a:ext cx="685800" cy="692280"/>
-            <a:chOff x="15287760" y="19380960"/>
+            <a:chOff x="7355520" y="20748960"/>
             <a:chExt cx="685800" cy="692280"/>
           </a:xfrm>
         </p:grpSpPr>
         <p:sp>
           <p:nvSpPr>
-            <p:cNvPr id="77" name=""/>
+            <p:cNvPr id="75" name=""/>
             <p:cNvSpPr/>
             <p:nvPr/>
           </p:nvSpPr>
           <p:spPr>
             <a:xfrm flipH="1">
-              <a:off x="15287760" y="20072880"/>
+              <a:off x="7355520" y="21440880"/>
               <a:ext cx="685800" cy="360"/>
             </a:xfrm>
             <a:prstGeom prst="line">
@@ -6578,226 +6821,13 @@
         </p:sp>
         <p:sp>
           <p:nvSpPr>
-            <p:cNvPr id="78" name=""/>
+            <p:cNvPr id="76" name=""/>
             <p:cNvSpPr/>
             <p:nvPr/>
           </p:nvSpPr>
           <p:spPr>
             <a:xfrm flipV="1">
-              <a:off x="15944760" y="19380960"/>
-              <a:ext cx="360" cy="685800"/>
-            </a:xfrm>
-            <a:prstGeom prst="line">
-              <a:avLst/>
-            </a:prstGeom>
-            <a:ln w="57240">
-              <a:solidFill>
-                <a:srgbClr val="6241c5"/>
-              </a:solidFill>
-              <a:round/>
-            </a:ln>
-          </p:spPr>
-          <p:style>
-            <a:lnRef idx="0"/>
-            <a:fillRef idx="0"/>
-            <a:effectRef idx="0"/>
-            <a:fontRef idx="minor"/>
-          </p:style>
-        </p:sp>
-      </p:grpSp>
-      <p:grpSp>
-        <p:nvGrpSpPr>
-          <p:cNvPr id="79" name=""/>
-          <p:cNvGrpSpPr/>
-          <p:nvPr/>
-        </p:nvGrpSpPr>
-        <p:grpSpPr>
-          <a:xfrm>
-            <a:off x="7355520" y="19380960"/>
-            <a:ext cx="685800" cy="692280"/>
-            <a:chOff x="7355520" y="19380960"/>
-            <a:chExt cx="685800" cy="692280"/>
-          </a:xfrm>
-        </p:grpSpPr>
-        <p:sp>
-          <p:nvSpPr>
-            <p:cNvPr id="80" name=""/>
-            <p:cNvSpPr/>
-            <p:nvPr/>
-          </p:nvSpPr>
-          <p:spPr>
-            <a:xfrm flipH="1">
-              <a:off x="7355520" y="20072880"/>
-              <a:ext cx="685800" cy="360"/>
-            </a:xfrm>
-            <a:prstGeom prst="line">
-              <a:avLst/>
-            </a:prstGeom>
-            <a:ln w="57240">
-              <a:solidFill>
-                <a:srgbClr val="6241c5"/>
-              </a:solidFill>
-              <a:round/>
-            </a:ln>
-          </p:spPr>
-          <p:style>
-            <a:lnRef idx="0"/>
-            <a:fillRef idx="0"/>
-            <a:effectRef idx="0"/>
-            <a:fontRef idx="minor"/>
-          </p:style>
-        </p:sp>
-        <p:sp>
-          <p:nvSpPr>
-            <p:cNvPr id="81" name=""/>
-            <p:cNvSpPr/>
-            <p:nvPr/>
-          </p:nvSpPr>
-          <p:spPr>
-            <a:xfrm flipV="1">
-              <a:off x="8012520" y="19380960"/>
-              <a:ext cx="360" cy="685800"/>
-            </a:xfrm>
-            <a:prstGeom prst="line">
-              <a:avLst/>
-            </a:prstGeom>
-            <a:ln w="57240">
-              <a:solidFill>
-                <a:srgbClr val="6241c5"/>
-              </a:solidFill>
-              <a:round/>
-            </a:ln>
-          </p:spPr>
-          <p:style>
-            <a:lnRef idx="0"/>
-            <a:fillRef idx="0"/>
-            <a:effectRef idx="0"/>
-            <a:fontRef idx="minor"/>
-          </p:style>
-        </p:sp>
-      </p:grpSp>
-      <p:grpSp>
-        <p:nvGrpSpPr>
-          <p:cNvPr id="82" name=""/>
-          <p:cNvGrpSpPr/>
-          <p:nvPr/>
-        </p:nvGrpSpPr>
-        <p:grpSpPr>
-          <a:xfrm>
-            <a:off x="15288120" y="20928960"/>
-            <a:ext cx="685800" cy="692280"/>
-            <a:chOff x="15288120" y="20928960"/>
-            <a:chExt cx="685800" cy="692280"/>
-          </a:xfrm>
-        </p:grpSpPr>
-        <p:sp>
-          <p:nvSpPr>
-            <p:cNvPr id="83" name=""/>
-            <p:cNvSpPr/>
-            <p:nvPr/>
-          </p:nvSpPr>
-          <p:spPr>
-            <a:xfrm flipH="1">
-              <a:off x="15288120" y="21620880"/>
-              <a:ext cx="685800" cy="360"/>
-            </a:xfrm>
-            <a:prstGeom prst="line">
-              <a:avLst/>
-            </a:prstGeom>
-            <a:ln w="57240">
-              <a:solidFill>
-                <a:srgbClr val="6241c5"/>
-              </a:solidFill>
-              <a:round/>
-            </a:ln>
-          </p:spPr>
-          <p:style>
-            <a:lnRef idx="0"/>
-            <a:fillRef idx="0"/>
-            <a:effectRef idx="0"/>
-            <a:fontRef idx="minor"/>
-          </p:style>
-        </p:sp>
-        <p:sp>
-          <p:nvSpPr>
-            <p:cNvPr id="84" name=""/>
-            <p:cNvSpPr/>
-            <p:nvPr/>
-          </p:nvSpPr>
-          <p:spPr>
-            <a:xfrm flipV="1">
-              <a:off x="15945120" y="20928960"/>
-              <a:ext cx="360" cy="685800"/>
-            </a:xfrm>
-            <a:prstGeom prst="line">
-              <a:avLst/>
-            </a:prstGeom>
-            <a:ln w="57240">
-              <a:solidFill>
-                <a:srgbClr val="6241c5"/>
-              </a:solidFill>
-              <a:round/>
-            </a:ln>
-          </p:spPr>
-          <p:style>
-            <a:lnRef idx="0"/>
-            <a:fillRef idx="0"/>
-            <a:effectRef idx="0"/>
-            <a:fontRef idx="minor"/>
-          </p:style>
-        </p:sp>
-      </p:grpSp>
-      <p:grpSp>
-        <p:nvGrpSpPr>
-          <p:cNvPr id="85" name=""/>
-          <p:cNvGrpSpPr/>
-          <p:nvPr/>
-        </p:nvGrpSpPr>
-        <p:grpSpPr>
-          <a:xfrm>
-            <a:off x="480600" y="20249280"/>
-            <a:ext cx="685800" cy="691920"/>
-            <a:chOff x="480600" y="20249280"/>
-            <a:chExt cx="685800" cy="691920"/>
-          </a:xfrm>
-        </p:grpSpPr>
-        <p:sp>
-          <p:nvSpPr>
-            <p:cNvPr id="86" name=""/>
-            <p:cNvSpPr/>
-            <p:nvPr/>
-          </p:nvSpPr>
-          <p:spPr>
-            <a:xfrm>
-              <a:off x="480600" y="20249280"/>
-              <a:ext cx="685800" cy="360"/>
-            </a:xfrm>
-            <a:prstGeom prst="line">
-              <a:avLst/>
-            </a:prstGeom>
-            <a:ln w="57240">
-              <a:solidFill>
-                <a:srgbClr val="6241c5"/>
-              </a:solidFill>
-              <a:round/>
-            </a:ln>
-          </p:spPr>
-          <p:style>
-            <a:lnRef idx="0"/>
-            <a:fillRef idx="0"/>
-            <a:effectRef idx="0"/>
-            <a:fontRef idx="minor"/>
-          </p:style>
-        </p:sp>
-        <p:sp>
-          <p:nvSpPr>
-            <p:cNvPr id="87" name=""/>
-            <p:cNvSpPr/>
-            <p:nvPr/>
-          </p:nvSpPr>
-          <p:spPr>
-            <a:xfrm>
-              <a:off x="509400" y="20255400"/>
+              <a:off x="8012520" y="20748960"/>
               <a:ext cx="360" cy="685800"/>
             </a:xfrm>
             <a:prstGeom prst="line">
@@ -6820,7 +6850,7 @@
       </p:grpSp>
       <p:pic>
         <p:nvPicPr>
-          <p:cNvPr id="88" name="" descr=""/>
+          <p:cNvPr id="77" name="" descr=""/>
           <p:cNvPicPr/>
           <p:nvPr/>
         </p:nvPicPr>
@@ -6830,7 +6860,7 @@
         </p:blipFill>
         <p:spPr>
           <a:xfrm>
-            <a:off x="1902240" y="12187800"/>
+            <a:off x="1902240" y="12735720"/>
             <a:ext cx="4390200" cy="3037680"/>
           </a:xfrm>
           <a:prstGeom prst="rect">
@@ -6843,7 +6873,7 @@
       </p:pic>
       <p:pic>
         <p:nvPicPr>
-          <p:cNvPr id="89" name="" descr=""/>
+          <p:cNvPr id="78" name="" descr=""/>
           <p:cNvPicPr/>
           <p:nvPr/>
         </p:nvPicPr>
@@ -6853,7 +6883,7 @@
         </p:blipFill>
         <p:spPr>
           <a:xfrm>
-            <a:off x="9925560" y="18288000"/>
+            <a:off x="9925560" y="19620000"/>
             <a:ext cx="4475880" cy="1618560"/>
           </a:xfrm>
           <a:prstGeom prst="rect">
@@ -6866,7 +6896,7 @@
       </p:pic>
       <p:pic>
         <p:nvPicPr>
-          <p:cNvPr id="90" name="" descr=""/>
+          <p:cNvPr id="79" name="" descr=""/>
           <p:cNvPicPr/>
           <p:nvPr/>
         </p:nvPicPr>
@@ -6889,7 +6919,7 @@
       </p:pic>
       <p:pic>
         <p:nvPicPr>
-          <p:cNvPr id="91" name="" descr=""/>
+          <p:cNvPr id="80" name="" descr=""/>
           <p:cNvPicPr/>
           <p:nvPr/>
         </p:nvPicPr>
@@ -6899,8 +6929,8 @@
         </p:blipFill>
         <p:spPr>
           <a:xfrm>
-            <a:off x="671760" y="5812560"/>
-            <a:ext cx="331920" cy="331920"/>
+            <a:off x="671760" y="5956560"/>
+            <a:ext cx="367560" cy="367560"/>
           </a:xfrm>
           <a:prstGeom prst="rect">
             <a:avLst/>
@@ -6912,7 +6942,7 @@
       </p:pic>
       <p:pic>
         <p:nvPicPr>
-          <p:cNvPr id="92" name="" descr=""/>
+          <p:cNvPr id="81" name="" descr=""/>
           <p:cNvPicPr/>
           <p:nvPr/>
         </p:nvPicPr>
@@ -6922,8 +6952,8 @@
         </p:blipFill>
         <p:spPr>
           <a:xfrm>
-            <a:off x="8354520" y="4395960"/>
-            <a:ext cx="463320" cy="463320"/>
+            <a:off x="8354520" y="4431960"/>
+            <a:ext cx="402840" cy="402840"/>
           </a:xfrm>
           <a:prstGeom prst="rect">
             <a:avLst/>
@@ -6935,7 +6965,7 @@
       </p:pic>
       <p:pic>
         <p:nvPicPr>
-          <p:cNvPr id="93" name="" descr=""/>
+          <p:cNvPr id="82" name="" descr=""/>
           <p:cNvPicPr/>
           <p:nvPr/>
         </p:nvPicPr>
@@ -6945,7 +6975,7 @@
         </p:blipFill>
         <p:spPr>
           <a:xfrm>
-            <a:off x="8380800" y="5784480"/>
+            <a:off x="8416800" y="5964480"/>
             <a:ext cx="354960" cy="354960"/>
           </a:xfrm>
           <a:prstGeom prst="rect">
@@ -6958,7 +6988,7 @@
       </p:pic>
       <p:pic>
         <p:nvPicPr>
-          <p:cNvPr id="94" name="" descr=""/>
+          <p:cNvPr id="83" name="" descr=""/>
           <p:cNvPicPr/>
           <p:nvPr/>
         </p:nvPicPr>
@@ -6968,7 +6998,7 @@
         </p:blipFill>
         <p:spPr>
           <a:xfrm>
-            <a:off x="8653320" y="10629000"/>
+            <a:off x="8689320" y="11097000"/>
             <a:ext cx="248040" cy="248040"/>
           </a:xfrm>
           <a:prstGeom prst="rect">
@@ -6981,7 +7011,7 @@
       </p:pic>
       <p:pic>
         <p:nvPicPr>
-          <p:cNvPr id="95" name="" descr=""/>
+          <p:cNvPr id="84" name="" descr=""/>
           <p:cNvPicPr/>
           <p:nvPr/>
         </p:nvPicPr>
@@ -6991,7 +7021,7 @@
         </p:blipFill>
         <p:spPr>
           <a:xfrm>
-            <a:off x="8639280" y="10894680"/>
+            <a:off x="8675280" y="11434680"/>
             <a:ext cx="270000" cy="270000"/>
           </a:xfrm>
           <a:prstGeom prst="rect">
@@ -7004,7 +7034,7 @@
       </p:pic>
       <p:pic>
         <p:nvPicPr>
-          <p:cNvPr id="96" name="" descr=""/>
+          <p:cNvPr id="85" name="" descr=""/>
           <p:cNvPicPr/>
           <p:nvPr/>
         </p:nvPicPr>
@@ -7014,7 +7044,7 @@
         </p:blipFill>
         <p:spPr>
           <a:xfrm>
-            <a:off x="8649360" y="11243880"/>
+            <a:off x="8685360" y="11783880"/>
             <a:ext cx="258120" cy="258120"/>
           </a:xfrm>
           <a:prstGeom prst="rect">
@@ -7027,7 +7057,7 @@
       </p:pic>
       <p:pic>
         <p:nvPicPr>
-          <p:cNvPr id="97" name="" descr=""/>
+          <p:cNvPr id="86" name="" descr=""/>
           <p:cNvPicPr/>
           <p:nvPr/>
         </p:nvPicPr>
@@ -7037,7 +7067,7 @@
         </p:blipFill>
         <p:spPr>
           <a:xfrm>
-            <a:off x="8705520" y="11546640"/>
+            <a:off x="8727120" y="12158640"/>
             <a:ext cx="203400" cy="211320"/>
           </a:xfrm>
           <a:prstGeom prst="rect">
@@ -7048,6 +7078,77 @@
           </a:ln>
         </p:spPr>
       </p:pic>
+      <p:grpSp>
+        <p:nvGrpSpPr>
+          <p:cNvPr id="87" name=""/>
+          <p:cNvGrpSpPr/>
+          <p:nvPr/>
+        </p:nvGrpSpPr>
+        <p:grpSpPr>
+          <a:xfrm>
+            <a:off x="480960" y="10601280"/>
+            <a:ext cx="685800" cy="691920"/>
+            <a:chOff x="480960" y="10601280"/>
+            <a:chExt cx="685800" cy="691920"/>
+          </a:xfrm>
+        </p:grpSpPr>
+        <p:sp>
+          <p:nvSpPr>
+            <p:cNvPr id="88" name=""/>
+            <p:cNvSpPr/>
+            <p:nvPr/>
+          </p:nvSpPr>
+          <p:spPr>
+            <a:xfrm>
+              <a:off x="480960" y="10601280"/>
+              <a:ext cx="685800" cy="360"/>
+            </a:xfrm>
+            <a:prstGeom prst="line">
+              <a:avLst/>
+            </a:prstGeom>
+            <a:ln w="57240">
+              <a:solidFill>
+                <a:srgbClr val="6241c5"/>
+              </a:solidFill>
+              <a:round/>
+            </a:ln>
+          </p:spPr>
+          <p:style>
+            <a:lnRef idx="0"/>
+            <a:fillRef idx="0"/>
+            <a:effectRef idx="0"/>
+            <a:fontRef idx="minor"/>
+          </p:style>
+        </p:sp>
+        <p:sp>
+          <p:nvSpPr>
+            <p:cNvPr id="89" name=""/>
+            <p:cNvSpPr/>
+            <p:nvPr/>
+          </p:nvSpPr>
+          <p:spPr>
+            <a:xfrm>
+              <a:off x="509760" y="10607400"/>
+              <a:ext cx="360" cy="685800"/>
+            </a:xfrm>
+            <a:prstGeom prst="line">
+              <a:avLst/>
+            </a:prstGeom>
+            <a:ln w="57240">
+              <a:solidFill>
+                <a:srgbClr val="6241c5"/>
+              </a:solidFill>
+              <a:round/>
+            </a:ln>
+          </p:spPr>
+          <p:style>
+            <a:lnRef idx="0"/>
+            <a:fillRef idx="0"/>
+            <a:effectRef idx="0"/>
+            <a:fontRef idx="minor"/>
+          </p:style>
+        </p:sp>
+      </p:grpSp>
     </p:spTree>
   </p:cSld>
   <mc:AlternateContent>

--- a/poster/2024 eCTF Poster Template (copy).pptx
+++ b/poster/2024 eCTF Poster Template (copy).pptx
@@ -107,7 +107,181 @@
               <a:rPr b="0" lang="en-US" sz="2000" spc="-1" strike="noStrike">
                 <a:latin typeface="Arial"/>
               </a:rPr>
-              <a:t>Click to edit the notes format</a:t>
+              <a:t>C</a:t>
+            </a:r>
+            <a:r>
+              <a:rPr b="0" lang="en-US" sz="2000" spc="-1" strike="noStrike">
+                <a:latin typeface="Arial"/>
+              </a:rPr>
+              <a:t>l</a:t>
+            </a:r>
+            <a:r>
+              <a:rPr b="0" lang="en-US" sz="2000" spc="-1" strike="noStrike">
+                <a:latin typeface="Arial"/>
+              </a:rPr>
+              <a:t>i</a:t>
+            </a:r>
+            <a:r>
+              <a:rPr b="0" lang="en-US" sz="2000" spc="-1" strike="noStrike">
+                <a:latin typeface="Arial"/>
+              </a:rPr>
+              <a:t>c</a:t>
+            </a:r>
+            <a:r>
+              <a:rPr b="0" lang="en-US" sz="2000" spc="-1" strike="noStrike">
+                <a:latin typeface="Arial"/>
+              </a:rPr>
+              <a:t>k</a:t>
+            </a:r>
+            <a:r>
+              <a:rPr b="0" lang="en-US" sz="2000" spc="-1" strike="noStrike">
+                <a:latin typeface="Arial"/>
+              </a:rPr>
+              <a:t> </a:t>
+            </a:r>
+            <a:r>
+              <a:rPr b="0" lang="en-US" sz="2000" spc="-1" strike="noStrike">
+                <a:latin typeface="Arial"/>
+              </a:rPr>
+              <a:t>t</a:t>
+            </a:r>
+            <a:r>
+              <a:rPr b="0" lang="en-US" sz="2000" spc="-1" strike="noStrike">
+                <a:latin typeface="Arial"/>
+              </a:rPr>
+              <a:t>o</a:t>
+            </a:r>
+            <a:r>
+              <a:rPr b="0" lang="en-US" sz="2000" spc="-1" strike="noStrike">
+                <a:latin typeface="Arial"/>
+              </a:rPr>
+              <a:t> </a:t>
+            </a:r>
+            <a:r>
+              <a:rPr b="0" lang="en-US" sz="2000" spc="-1" strike="noStrike">
+                <a:latin typeface="Arial"/>
+              </a:rPr>
+              <a:t>e</a:t>
+            </a:r>
+            <a:r>
+              <a:rPr b="0" lang="en-US" sz="2000" spc="-1" strike="noStrike">
+                <a:latin typeface="Arial"/>
+              </a:rPr>
+              <a:t>d</a:t>
+            </a:r>
+            <a:r>
+              <a:rPr b="0" lang="en-US" sz="2000" spc="-1" strike="noStrike">
+                <a:latin typeface="Arial"/>
+              </a:rPr>
+              <a:t>i</a:t>
+            </a:r>
+            <a:r>
+              <a:rPr b="0" lang="en-US" sz="2000" spc="-1" strike="noStrike">
+                <a:latin typeface="Arial"/>
+              </a:rPr>
+              <a:t>t</a:t>
+            </a:r>
+            <a:r>
+              <a:rPr b="0" lang="en-US" sz="2000" spc="-1" strike="noStrike">
+                <a:latin typeface="Arial"/>
+              </a:rPr>
+              <a:t> </a:t>
+            </a:r>
+            <a:r>
+              <a:rPr b="0" lang="en-US" sz="2000" spc="-1" strike="noStrike">
+                <a:latin typeface="Arial"/>
+              </a:rPr>
+              <a:t>t</a:t>
+            </a:r>
+            <a:r>
+              <a:rPr b="0" lang="en-US" sz="2000" spc="-1" strike="noStrike">
+                <a:latin typeface="Arial"/>
+              </a:rPr>
+              <a:t>h</a:t>
+            </a:r>
+            <a:r>
+              <a:rPr b="0" lang="en-US" sz="2000" spc="-1" strike="noStrike">
+                <a:latin typeface="Arial"/>
+              </a:rPr>
+              <a:t>e</a:t>
+            </a:r>
+            <a:r>
+              <a:rPr b="0" lang="en-US" sz="2000" spc="-1" strike="noStrike">
+                <a:latin typeface="Arial"/>
+              </a:rPr>
+              <a:t> </a:t>
+            </a:r>
+            <a:r>
+              <a:rPr b="0" lang="en-US" sz="2000" spc="-1" strike="noStrike">
+                <a:latin typeface="Arial"/>
+              </a:rPr>
+              <a:t>n</a:t>
+            </a:r>
+            <a:r>
+              <a:rPr b="0" lang="en-US" sz="2000" spc="-1" strike="noStrike">
+                <a:latin typeface="Arial"/>
+              </a:rPr>
+              <a:t>o</a:t>
+            </a:r>
+            <a:r>
+              <a:rPr b="0" lang="en-US" sz="2000" spc="-1" strike="noStrike">
+                <a:latin typeface="Arial"/>
+              </a:rPr>
+              <a:t>t</a:t>
+            </a:r>
+            <a:r>
+              <a:rPr b="0" lang="en-US" sz="2000" spc="-1" strike="noStrike">
+                <a:latin typeface="Arial"/>
+              </a:rPr>
+              <a:t>e</a:t>
+            </a:r>
+            <a:r>
+              <a:rPr b="0" lang="en-US" sz="2000" spc="-1" strike="noStrike">
+                <a:latin typeface="Arial"/>
+              </a:rPr>
+              <a:t>s</a:t>
+            </a:r>
+            <a:r>
+              <a:rPr b="0" lang="en-US" sz="2000" spc="-1" strike="noStrike">
+                <a:latin typeface="Arial"/>
+              </a:rPr>
+              <a:t> </a:t>
+            </a:r>
+            <a:r>
+              <a:rPr b="0" lang="en-US" sz="2000" spc="-1" strike="noStrike">
+                <a:latin typeface="Arial"/>
+              </a:rPr>
+              <a:t>f</a:t>
+            </a:r>
+            <a:r>
+              <a:rPr b="0" lang="en-US" sz="2000" spc="-1" strike="noStrike">
+                <a:latin typeface="Arial"/>
+              </a:rPr>
+              <a:t>o</a:t>
+            </a:r>
+            <a:r>
+              <a:rPr b="0" lang="en-US" sz="2000" spc="-1" strike="noStrike">
+                <a:latin typeface="Arial"/>
+              </a:rPr>
+              <a:t>r</a:t>
+            </a:r>
+            <a:r>
+              <a:rPr b="0" lang="en-US" sz="2000" spc="-1" strike="noStrike">
+                <a:latin typeface="Arial"/>
+              </a:rPr>
+              <a:t>m</a:t>
+            </a:r>
+            <a:r>
+              <a:rPr b="0" lang="en-US" sz="2000" spc="-1" strike="noStrike">
+                <a:latin typeface="Arial"/>
+              </a:rPr>
+              <a:t>a</a:t>
+            </a:r>
+            <a:r>
+              <a:rPr b="0" lang="en-US" sz="2000" spc="-1" strike="noStrike">
+                <a:latin typeface="Arial"/>
+              </a:rPr>
+              <a:t>t</a:t>
             </a:r>
             <a:endParaRPr b="0" lang="en-US" sz="2000" spc="-1" strike="noStrike">
               <a:latin typeface="Arial"/>
@@ -292,7 +466,7 @@
             <a:pPr algn="r">
               <a:buNone/>
             </a:pPr>
-            <a:fld id="{32F22B4E-907D-4EA7-9A8A-70A7519FFFF9}" type="slidenum">
+            <a:fld id="{8BC9EF46-2775-4691-AC22-943591D59EB6}" type="slidenum">
               <a:rPr b="0" lang="en-US" sz="1400" spc="-1" strike="noStrike">
                 <a:latin typeface="Times New Roman"/>
               </a:rPr>
@@ -329,7 +503,7 @@
       </p:grpSpPr>
       <p:sp>
         <p:nvSpPr>
-          <p:cNvPr id="90" name="PlaceHolder 1"/>
+          <p:cNvPr id="91" name="PlaceHolder 1"/>
           <p:cNvSpPr>
             <a:spLocks noGrp="1"/>
           </p:cNvSpPr>
@@ -352,7 +526,7 @@
       </p:sp>
       <p:sp>
         <p:nvSpPr>
-          <p:cNvPr id="91" name="PlaceHolder 2"/>
+          <p:cNvPr id="92" name="PlaceHolder 2"/>
           <p:cNvSpPr>
             <a:spLocks noGrp="1"/>
           </p:cNvSpPr>
@@ -386,7 +560,7 @@
       </p:sp>
       <p:sp>
         <p:nvSpPr>
-          <p:cNvPr id="92" name="PlaceHolder 3"/>
+          <p:cNvPr id="93" name="PlaceHolder 3"/>
           <p:cNvSpPr>
             <a:spLocks noGrp="1"/>
           </p:cNvSpPr>
@@ -429,7 +603,7 @@
               </a:lnSpc>
               <a:buNone/>
             </a:pPr>
-            <a:fld id="{9E7DCBE6-A6E8-4C93-9039-F444A195D2B6}" type="slidenum">
+            <a:fld id="{B340B8DE-D24D-4A9A-B5AD-CA3C7626B8CE}" type="slidenum">
               <a:rPr b="0" lang="en-US" sz="1200" spc="-1" strike="noStrike">
                 <a:latin typeface="Times New Roman"/>
               </a:rPr>
@@ -497,7 +671,7 @@
         <p:txBody>
           <a:bodyPr/>
           <a:p>
-            <a:fld id="{B79DFFF7-2DBE-4DF1-932E-3475E0343079}" type="slidenum">
+            <a:fld id="{0EFF4E09-4C37-48D2-A6D8-5048679ADA35}" type="slidenum">
               <a:t>&lt;#&gt;</a:t>
             </a:fld>
           </a:p>
@@ -685,7 +859,7 @@
         <p:txBody>
           <a:bodyPr/>
           <a:p>
-            <a:fld id="{602EE3FF-A098-410D-AD54-0D1D45B214CB}" type="slidenum">
+            <a:fld id="{79B552CE-A7EF-4E53-A904-67C445961414}" type="slidenum">
               <a:t>&lt;#&gt;</a:t>
             </a:fld>
           </a:p>
@@ -941,7 +1115,7 @@
         <p:txBody>
           <a:bodyPr/>
           <a:p>
-            <a:fld id="{809878EF-4F7E-47C1-8D76-FF795218F76C}" type="slidenum">
+            <a:fld id="{5C0B80E1-6CDB-4122-99FB-C1045FF2D471}" type="slidenum">
               <a:t>&lt;#&gt;</a:t>
             </a:fld>
           </a:p>
@@ -1265,7 +1439,7 @@
         <p:txBody>
           <a:bodyPr/>
           <a:p>
-            <a:fld id="{0D6930FA-1660-4CF7-AA96-CCB3A187F4D7}" type="slidenum">
+            <a:fld id="{582B02A8-7443-4FAB-B93D-C97DC697BE7C}" type="slidenum">
               <a:t>&lt;#&gt;</a:t>
             </a:fld>
           </a:p>
@@ -1422,7 +1596,7 @@
         <p:txBody>
           <a:bodyPr/>
           <a:p>
-            <a:fld id="{1EA16DFF-E0D0-4417-92DB-F7200298EDEA}" type="slidenum">
+            <a:fld id="{B1FD3F7D-5487-4E16-AC11-0D4A20E45A8B}" type="slidenum">
               <a:t>&lt;#&gt;</a:t>
             </a:fld>
           </a:p>
@@ -1576,7 +1750,7 @@
         <p:txBody>
           <a:bodyPr/>
           <a:p>
-            <a:fld id="{6F07A1B5-19E6-4932-988F-093680C9F7CB}" type="slidenum">
+            <a:fld id="{36469F98-F55C-4626-A021-5E374EF219D9}" type="slidenum">
               <a:t>&lt;#&gt;</a:t>
             </a:fld>
           </a:p>
@@ -1764,7 +1938,7 @@
         <p:txBody>
           <a:bodyPr/>
           <a:p>
-            <a:fld id="{E87248D2-5270-46CA-9364-BE3B58C426C3}" type="slidenum">
+            <a:fld id="{1D7BFDDC-9EE6-4227-AFDE-5499BDCA6E0D}" type="slidenum">
               <a:t>&lt;#&gt;</a:t>
             </a:fld>
           </a:p>
@@ -1884,7 +2058,7 @@
         <p:txBody>
           <a:bodyPr/>
           <a:p>
-            <a:fld id="{AE4F7108-7AAC-4418-AC3E-1FB6B82BFDCA}" type="slidenum">
+            <a:fld id="{F9608DF3-9286-4908-B983-B9DC11B93018}" type="slidenum">
               <a:t>&lt;#&gt;</a:t>
             </a:fld>
           </a:p>
@@ -2004,7 +2178,7 @@
         <p:txBody>
           <a:bodyPr/>
           <a:p>
-            <a:fld id="{9606958B-F1EA-46F7-97D2-76AB7B3D5B9F}" type="slidenum">
+            <a:fld id="{EB90A1C4-4D22-4EB2-AEDD-5F9791AF8274}" type="slidenum">
               <a:t>&lt;#&gt;</a:t>
             </a:fld>
           </a:p>
@@ -2226,7 +2400,7 @@
         <p:txBody>
           <a:bodyPr/>
           <a:p>
-            <a:fld id="{B85E781E-1210-4CF7-94BD-4C62B7279C57}" type="slidenum">
+            <a:fld id="{D77C113A-27C1-4A28-8357-39BC0875EF8C}" type="slidenum">
               <a:t>&lt;#&gt;</a:t>
             </a:fld>
           </a:p>
@@ -2448,7 +2622,7 @@
         <p:txBody>
           <a:bodyPr/>
           <a:p>
-            <a:fld id="{02DFF0E4-F3AC-42C8-ACFF-EC8A917E23A4}" type="slidenum">
+            <a:fld id="{EB5E8A98-281C-4BB6-9215-033FDC189F22}" type="slidenum">
               <a:t>&lt;#&gt;</a:t>
             </a:fld>
           </a:p>
@@ -2670,7 +2844,7 @@
         <p:txBody>
           <a:bodyPr/>
           <a:p>
-            <a:fld id="{1069C223-A878-4D24-8638-84E366DFE822}" type="slidenum">
+            <a:fld id="{69331B2E-28B8-4A3F-8BB1-6F45F31295D5}" type="slidenum">
               <a:t>&lt;#&gt;</a:t>
             </a:fld>
           </a:p>
@@ -2831,7 +3005,7 @@
               </a:lnSpc>
               <a:buNone/>
             </a:pPr>
-            <a:fld id="{365B06BA-E097-4C89-9752-2AF31225CA29}" type="slidenum">
+            <a:fld id="{197F9765-57D6-4AE9-B8DE-3198D94A3C75}" type="slidenum">
               <a:rPr b="0" lang="en-US" sz="2160" spc="-1" strike="noStrike">
                 <a:solidFill>
                   <a:srgbClr val="8b8b8b"/>
@@ -2928,211 +3102,7 @@
               <a:rPr b="0" lang="en-US" sz="4400" spc="-1" strike="noStrike">
                 <a:latin typeface="Arial"/>
               </a:rPr>
-              <a:t>C</a:t>
-            </a:r>
-            <a:r>
-              <a:rPr b="0" lang="en-US" sz="4400" spc="-1" strike="noStrike">
-                <a:latin typeface="Arial"/>
-              </a:rPr>
-              <a:t>l</a:t>
-            </a:r>
-            <a:r>
-              <a:rPr b="0" lang="en-US" sz="4400" spc="-1" strike="noStrike">
-                <a:latin typeface="Arial"/>
-              </a:rPr>
-              <a:t>i</a:t>
-            </a:r>
-            <a:r>
-              <a:rPr b="0" lang="en-US" sz="4400" spc="-1" strike="noStrike">
-                <a:latin typeface="Arial"/>
-              </a:rPr>
-              <a:t>c</a:t>
-            </a:r>
-            <a:r>
-              <a:rPr b="0" lang="en-US" sz="4400" spc="-1" strike="noStrike">
-                <a:latin typeface="Arial"/>
-              </a:rPr>
-              <a:t>k</a:t>
-            </a:r>
-            <a:r>
-              <a:rPr b="0" lang="en-US" sz="4400" spc="-1" strike="noStrike">
-                <a:latin typeface="Arial"/>
-              </a:rPr>
-              <a:t> </a:t>
-            </a:r>
-            <a:r>
-              <a:rPr b="0" lang="en-US" sz="4400" spc="-1" strike="noStrike">
-                <a:latin typeface="Arial"/>
-              </a:rPr>
-              <a:t>t</a:t>
-            </a:r>
-            <a:r>
-              <a:rPr b="0" lang="en-US" sz="4400" spc="-1" strike="noStrike">
-                <a:latin typeface="Arial"/>
-              </a:rPr>
-              <a:t>o</a:t>
-            </a:r>
-            <a:r>
-              <a:rPr b="0" lang="en-US" sz="4400" spc="-1" strike="noStrike">
-                <a:latin typeface="Arial"/>
-              </a:rPr>
-              <a:t> </a:t>
-            </a:r>
-            <a:r>
-              <a:rPr b="0" lang="en-US" sz="4400" spc="-1" strike="noStrike">
-                <a:latin typeface="Arial"/>
-              </a:rPr>
-              <a:t>e</a:t>
-            </a:r>
-            <a:r>
-              <a:rPr b="0" lang="en-US" sz="4400" spc="-1" strike="noStrike">
-                <a:latin typeface="Arial"/>
-              </a:rPr>
-              <a:t>d</a:t>
-            </a:r>
-            <a:r>
-              <a:rPr b="0" lang="en-US" sz="4400" spc="-1" strike="noStrike">
-                <a:latin typeface="Arial"/>
-              </a:rPr>
-              <a:t>i</a:t>
-            </a:r>
-            <a:r>
-              <a:rPr b="0" lang="en-US" sz="4400" spc="-1" strike="noStrike">
-                <a:latin typeface="Arial"/>
-              </a:rPr>
-              <a:t>t</a:t>
-            </a:r>
-            <a:r>
-              <a:rPr b="0" lang="en-US" sz="4400" spc="-1" strike="noStrike">
-                <a:latin typeface="Arial"/>
-              </a:rPr>
-              <a:t> </a:t>
-            </a:r>
-            <a:r>
-              <a:rPr b="0" lang="en-US" sz="4400" spc="-1" strike="noStrike">
-                <a:latin typeface="Arial"/>
-              </a:rPr>
-              <a:t>t</a:t>
-            </a:r>
-            <a:r>
-              <a:rPr b="0" lang="en-US" sz="4400" spc="-1" strike="noStrike">
-                <a:latin typeface="Arial"/>
-              </a:rPr>
-              <a:t>h</a:t>
-            </a:r>
-            <a:r>
-              <a:rPr b="0" lang="en-US" sz="4400" spc="-1" strike="noStrike">
-                <a:latin typeface="Arial"/>
-              </a:rPr>
-              <a:t>e</a:t>
-            </a:r>
-            <a:r>
-              <a:rPr b="0" lang="en-US" sz="4400" spc="-1" strike="noStrike">
-                <a:latin typeface="Arial"/>
-              </a:rPr>
-              <a:t> </a:t>
-            </a:r>
-            <a:r>
-              <a:rPr b="0" lang="en-US" sz="4400" spc="-1" strike="noStrike">
-                <a:latin typeface="Arial"/>
-              </a:rPr>
-              <a:t>t</a:t>
-            </a:r>
-            <a:r>
-              <a:rPr b="0" lang="en-US" sz="4400" spc="-1" strike="noStrike">
-                <a:latin typeface="Arial"/>
-              </a:rPr>
-              <a:t>i</a:t>
-            </a:r>
-            <a:r>
-              <a:rPr b="0" lang="en-US" sz="4400" spc="-1" strike="noStrike">
-                <a:latin typeface="Arial"/>
-              </a:rPr>
-              <a:t>t</a:t>
-            </a:r>
-            <a:r>
-              <a:rPr b="0" lang="en-US" sz="4400" spc="-1" strike="noStrike">
-                <a:latin typeface="Arial"/>
-              </a:rPr>
-              <a:t>l</a:t>
-            </a:r>
-            <a:r>
-              <a:rPr b="0" lang="en-US" sz="4400" spc="-1" strike="noStrike">
-                <a:latin typeface="Arial"/>
-              </a:rPr>
-              <a:t>e</a:t>
-            </a:r>
-            <a:r>
-              <a:rPr b="0" lang="en-US" sz="4400" spc="-1" strike="noStrike">
-                <a:latin typeface="Arial"/>
-              </a:rPr>
-              <a:t> </a:t>
-            </a:r>
-            <a:r>
-              <a:rPr b="0" lang="en-US" sz="4400" spc="-1" strike="noStrike">
-                <a:latin typeface="Arial"/>
-              </a:rPr>
-              <a:t>t</a:t>
-            </a:r>
-            <a:r>
-              <a:rPr b="0" lang="en-US" sz="4400" spc="-1" strike="noStrike">
-                <a:latin typeface="Arial"/>
-              </a:rPr>
-              <a:t>e</a:t>
-            </a:r>
-            <a:r>
-              <a:rPr b="0" lang="en-US" sz="4400" spc="-1" strike="noStrike">
-                <a:latin typeface="Arial"/>
-              </a:rPr>
-              <a:t>x</a:t>
-            </a:r>
-            <a:r>
-              <a:rPr b="0" lang="en-US" sz="4400" spc="-1" strike="noStrike">
-                <a:latin typeface="Arial"/>
-              </a:rPr>
-              <a:t>t</a:t>
-            </a:r>
-            <a:r>
-              <a:rPr b="0" lang="en-US" sz="4400" spc="-1" strike="noStrike">
-                <a:latin typeface="Arial"/>
-              </a:rPr>
-              <a:t> </a:t>
-            </a:r>
-            <a:r>
-              <a:rPr b="0" lang="en-US" sz="4400" spc="-1" strike="noStrike">
-                <a:latin typeface="Arial"/>
-              </a:rPr>
-              <a:t>f</a:t>
-            </a:r>
-            <a:r>
-              <a:rPr b="0" lang="en-US" sz="4400" spc="-1" strike="noStrike">
-                <a:latin typeface="Arial"/>
-              </a:rPr>
-              <a:t>o</a:t>
-            </a:r>
-            <a:r>
-              <a:rPr b="0" lang="en-US" sz="4400" spc="-1" strike="noStrike">
-                <a:latin typeface="Arial"/>
-              </a:rPr>
-              <a:t>r</a:t>
-            </a:r>
-            <a:r>
-              <a:rPr b="0" lang="en-US" sz="4400" spc="-1" strike="noStrike">
-                <a:latin typeface="Arial"/>
-              </a:rPr>
-              <a:t>m</a:t>
-            </a:r>
-            <a:r>
-              <a:rPr b="0" lang="en-US" sz="4400" spc="-1" strike="noStrike">
-                <a:latin typeface="Arial"/>
-              </a:rPr>
-              <a:t>a</a:t>
-            </a:r>
-            <a:r>
-              <a:rPr b="0" lang="en-US" sz="4400" spc="-1" strike="noStrike">
-                <a:latin typeface="Arial"/>
-              </a:rPr>
-              <a:t>t</a:t>
+              <a:t>Click to edit the title text format</a:t>
             </a:r>
             <a:endParaRPr b="0" lang="en-US" sz="4400" spc="-1" strike="noStrike">
               <a:latin typeface="Arial"/>
@@ -3375,7 +3345,7 @@
         </p:nvSpPr>
         <p:spPr>
           <a:xfrm>
-            <a:off x="8430840" y="10659600"/>
+            <a:off x="8430840" y="10479600"/>
             <a:ext cx="7515000" cy="10778760"/>
           </a:xfrm>
           <a:prstGeom prst="rect">
@@ -3940,7 +3910,7 @@
         </p:nvSpPr>
         <p:spPr>
           <a:xfrm>
-            <a:off x="1598400" y="9705600"/>
+            <a:off x="1598400" y="9525600"/>
             <a:ext cx="5835240" cy="699120"/>
           </a:xfrm>
           <a:prstGeom prst="rect">
@@ -4164,7 +4134,7 @@
         </p:nvSpPr>
         <p:spPr>
           <a:xfrm>
-            <a:off x="504000" y="10659600"/>
+            <a:off x="504000" y="10479600"/>
             <a:ext cx="7515000" cy="10779120"/>
           </a:xfrm>
           <a:prstGeom prst="rect">
@@ -4759,7 +4729,7 @@
         </p:nvSpPr>
         <p:spPr>
           <a:xfrm>
-            <a:off x="9646920" y="9695160"/>
+            <a:off x="9646920" y="9515160"/>
             <a:ext cx="5691960" cy="699120"/>
           </a:xfrm>
           <a:prstGeom prst="rect">
@@ -4811,7 +4781,7 @@
         </p:nvSpPr>
         <p:spPr>
           <a:xfrm>
-            <a:off x="6188040" y="3486600"/>
+            <a:off x="6188040" y="3450600"/>
             <a:ext cx="4995360" cy="699120"/>
           </a:xfrm>
           <a:prstGeom prst="rect">
@@ -4885,7 +4855,7 @@
           <p:nvPr/>
         </p:nvGraphicFramePr>
         <p:xfrm>
-          <a:off x="723600" y="7564320"/>
+          <a:off x="723600" y="7456320"/>
           <a:ext cx="15086880" cy="1778400"/>
         </p:xfrm>
         <a:graphic>
@@ -5948,7 +5918,7 @@
         </p:nvSpPr>
         <p:spPr>
           <a:xfrm>
-            <a:off x="511920" y="4417200"/>
+            <a:off x="511920" y="4309200"/>
             <a:ext cx="7716600" cy="2439720"/>
           </a:xfrm>
           <a:prstGeom prst="rect">
@@ -6147,7 +6117,7 @@
         </p:nvSpPr>
         <p:spPr>
           <a:xfrm>
-            <a:off x="8229600" y="4417200"/>
+            <a:off x="8229600" y="4309200"/>
             <a:ext cx="7771320" cy="2439720"/>
           </a:xfrm>
           <a:prstGeom prst="rect">
@@ -6360,7 +6330,7 @@
         </p:nvSpPr>
         <p:spPr>
           <a:xfrm>
-            <a:off x="511920" y="4337280"/>
+            <a:off x="511920" y="4229280"/>
             <a:ext cx="15489000" cy="5263920"/>
           </a:xfrm>
           <a:prstGeom prst="rect">
@@ -6436,7 +6406,7 @@
         </p:blipFill>
         <p:spPr>
           <a:xfrm>
-            <a:off x="5644800" y="3625200"/>
+            <a:off x="5644800" y="3589200"/>
             <a:ext cx="500040" cy="524880"/>
           </a:xfrm>
           <a:prstGeom prst="rect">
@@ -6459,7 +6429,7 @@
         </p:blipFill>
         <p:spPr>
           <a:xfrm>
-            <a:off x="1109160" y="9818280"/>
+            <a:off x="1109160" y="9638280"/>
             <a:ext cx="488520" cy="498600"/>
           </a:xfrm>
           <a:prstGeom prst="rect">
@@ -6482,7 +6452,7 @@
         </p:blipFill>
         <p:spPr>
           <a:xfrm>
-            <a:off x="9243000" y="9839520"/>
+            <a:off x="9243000" y="9659520"/>
             <a:ext cx="393480" cy="414000"/>
           </a:xfrm>
           <a:prstGeom prst="rect">
@@ -6501,9 +6471,9 @@
         </p:nvGrpSpPr>
         <p:grpSpPr>
           <a:xfrm>
-            <a:off x="479880" y="4337280"/>
+            <a:off x="479880" y="4229280"/>
             <a:ext cx="685800" cy="691920"/>
-            <a:chOff x="479880" y="4337280"/>
+            <a:chOff x="479880" y="4229280"/>
             <a:chExt cx="685800" cy="691920"/>
           </a:xfrm>
         </p:grpSpPr>
@@ -6515,7 +6485,7 @@
           </p:nvSpPr>
           <p:spPr>
             <a:xfrm>
-              <a:off x="479880" y="4337280"/>
+              <a:off x="479880" y="4229280"/>
               <a:ext cx="685800" cy="360"/>
             </a:xfrm>
             <a:prstGeom prst="line">
@@ -6543,7 +6513,7 @@
           </p:nvSpPr>
           <p:spPr>
             <a:xfrm>
-              <a:off x="508680" y="4343400"/>
+              <a:off x="508680" y="4235400"/>
               <a:ext cx="360" cy="685800"/>
             </a:xfrm>
             <a:prstGeom prst="line">
@@ -6572,9 +6542,9 @@
         </p:nvGrpSpPr>
         <p:grpSpPr>
           <a:xfrm>
-            <a:off x="15287400" y="8832960"/>
+            <a:off x="15287400" y="8724960"/>
             <a:ext cx="685800" cy="692280"/>
-            <a:chOff x="15287400" y="8832960"/>
+            <a:chOff x="15287400" y="8724960"/>
             <a:chExt cx="685800" cy="692280"/>
           </a:xfrm>
         </p:grpSpPr>
@@ -6586,7 +6556,7 @@
           </p:nvSpPr>
           <p:spPr>
             <a:xfrm flipH="1">
-              <a:off x="15287400" y="9524880"/>
+              <a:off x="15287400" y="9416880"/>
               <a:ext cx="685800" cy="360"/>
             </a:xfrm>
             <a:prstGeom prst="line">
@@ -6614,7 +6584,7 @@
           </p:nvSpPr>
           <p:spPr>
             <a:xfrm flipV="1">
-              <a:off x="15944400" y="8832960"/>
+              <a:off x="15944400" y="8724960"/>
               <a:ext cx="360" cy="685800"/>
             </a:xfrm>
             <a:prstGeom prst="line">
@@ -6643,9 +6613,9 @@
         </p:nvGrpSpPr>
         <p:grpSpPr>
           <a:xfrm>
-            <a:off x="8400600" y="10601280"/>
+            <a:off x="8400600" y="10421280"/>
             <a:ext cx="685800" cy="691920"/>
-            <a:chOff x="8400600" y="10601280"/>
+            <a:chOff x="8400600" y="10421280"/>
             <a:chExt cx="685800" cy="691920"/>
           </a:xfrm>
         </p:grpSpPr>
@@ -6657,7 +6627,7 @@
           </p:nvSpPr>
           <p:spPr>
             <a:xfrm>
-              <a:off x="8400600" y="10601280"/>
+              <a:off x="8400600" y="10421280"/>
               <a:ext cx="685800" cy="360"/>
             </a:xfrm>
             <a:prstGeom prst="line">
@@ -6685,7 +6655,7 @@
           </p:nvSpPr>
           <p:spPr>
             <a:xfrm>
-              <a:off x="8429400" y="10607400"/>
+              <a:off x="8429400" y="10427400"/>
               <a:ext cx="360" cy="685800"/>
             </a:xfrm>
             <a:prstGeom prst="line">
@@ -6714,9 +6684,9 @@
         </p:nvGrpSpPr>
         <p:grpSpPr>
           <a:xfrm>
-            <a:off x="15287760" y="20748960"/>
+            <a:off x="15287760" y="20568960"/>
             <a:ext cx="685800" cy="692280"/>
-            <a:chOff x="15287760" y="20748960"/>
+            <a:chOff x="15287760" y="20568960"/>
             <a:chExt cx="685800" cy="692280"/>
           </a:xfrm>
         </p:grpSpPr>
@@ -6728,7 +6698,7 @@
           </p:nvSpPr>
           <p:spPr>
             <a:xfrm flipH="1">
-              <a:off x="15287760" y="21440880"/>
+              <a:off x="15287760" y="21260880"/>
               <a:ext cx="685800" cy="360"/>
             </a:xfrm>
             <a:prstGeom prst="line">
@@ -6756,7 +6726,7 @@
           </p:nvSpPr>
           <p:spPr>
             <a:xfrm flipV="1">
-              <a:off x="15944760" y="20748960"/>
+              <a:off x="15944760" y="20568960"/>
               <a:ext cx="360" cy="685800"/>
             </a:xfrm>
             <a:prstGeom prst="line">
@@ -6785,9 +6755,9 @@
         </p:nvGrpSpPr>
         <p:grpSpPr>
           <a:xfrm>
-            <a:off x="7355520" y="20748960"/>
+            <a:off x="7355520" y="20568960"/>
             <a:ext cx="685800" cy="692280"/>
-            <a:chOff x="7355520" y="20748960"/>
+            <a:chOff x="7355520" y="20568960"/>
             <a:chExt cx="685800" cy="692280"/>
           </a:xfrm>
         </p:grpSpPr>
@@ -6799,7 +6769,7 @@
           </p:nvSpPr>
           <p:spPr>
             <a:xfrm flipH="1">
-              <a:off x="7355520" y="21440880"/>
+              <a:off x="7355520" y="21260880"/>
               <a:ext cx="685800" cy="360"/>
             </a:xfrm>
             <a:prstGeom prst="line">
@@ -6827,7 +6797,7 @@
           </p:nvSpPr>
           <p:spPr>
             <a:xfrm flipV="1">
-              <a:off x="8012520" y="20748960"/>
+              <a:off x="8012520" y="20568960"/>
               <a:ext cx="360" cy="685800"/>
             </a:xfrm>
             <a:prstGeom prst="line">
@@ -6860,7 +6830,7 @@
         </p:blipFill>
         <p:spPr>
           <a:xfrm>
-            <a:off x="1902240" y="12735720"/>
+            <a:off x="1902240" y="12555720"/>
             <a:ext cx="4390200" cy="3037680"/>
           </a:xfrm>
           <a:prstGeom prst="rect">
@@ -6883,7 +6853,7 @@
         </p:blipFill>
         <p:spPr>
           <a:xfrm>
-            <a:off x="9925560" y="19620000"/>
+            <a:off x="9925560" y="19440000"/>
             <a:ext cx="4475880" cy="1618560"/>
           </a:xfrm>
           <a:prstGeom prst="rect">
@@ -6906,7 +6876,7 @@
         </p:blipFill>
         <p:spPr>
           <a:xfrm>
-            <a:off x="705600" y="4455000"/>
+            <a:off x="705600" y="4347000"/>
             <a:ext cx="332640" cy="332640"/>
           </a:xfrm>
           <a:prstGeom prst="rect">
@@ -6929,7 +6899,7 @@
         </p:blipFill>
         <p:spPr>
           <a:xfrm>
-            <a:off x="671760" y="5956560"/>
+            <a:off x="671760" y="5848560"/>
             <a:ext cx="367560" cy="367560"/>
           </a:xfrm>
           <a:prstGeom prst="rect">
@@ -6952,7 +6922,7 @@
         </p:blipFill>
         <p:spPr>
           <a:xfrm>
-            <a:off x="8354520" y="4431960"/>
+            <a:off x="8354520" y="4323960"/>
             <a:ext cx="402840" cy="402840"/>
           </a:xfrm>
           <a:prstGeom prst="rect">
@@ -6975,7 +6945,7 @@
         </p:blipFill>
         <p:spPr>
           <a:xfrm>
-            <a:off x="8416800" y="5964480"/>
+            <a:off x="8416800" y="5856480"/>
             <a:ext cx="354960" cy="354960"/>
           </a:xfrm>
           <a:prstGeom prst="rect">
@@ -6998,7 +6968,7 @@
         </p:blipFill>
         <p:spPr>
           <a:xfrm>
-            <a:off x="8689320" y="11097000"/>
+            <a:off x="8689320" y="10917000"/>
             <a:ext cx="248040" cy="248040"/>
           </a:xfrm>
           <a:prstGeom prst="rect">
@@ -7021,7 +6991,7 @@
         </p:blipFill>
         <p:spPr>
           <a:xfrm>
-            <a:off x="8675280" y="11434680"/>
+            <a:off x="8675280" y="11254680"/>
             <a:ext cx="270000" cy="270000"/>
           </a:xfrm>
           <a:prstGeom prst="rect">
@@ -7044,7 +7014,7 @@
         </p:blipFill>
         <p:spPr>
           <a:xfrm>
-            <a:off x="8685360" y="11783880"/>
+            <a:off x="8685360" y="11603880"/>
             <a:ext cx="258120" cy="258120"/>
           </a:xfrm>
           <a:prstGeom prst="rect">
@@ -7067,7 +7037,7 @@
         </p:blipFill>
         <p:spPr>
           <a:xfrm>
-            <a:off x="8727120" y="12158640"/>
+            <a:off x="8727120" y="11978640"/>
             <a:ext cx="203400" cy="211320"/>
           </a:xfrm>
           <a:prstGeom prst="rect">
@@ -7086,9 +7056,9 @@
         </p:nvGrpSpPr>
         <p:grpSpPr>
           <a:xfrm>
-            <a:off x="480960" y="10601280"/>
+            <a:off x="480960" y="10421280"/>
             <a:ext cx="685800" cy="691920"/>
-            <a:chOff x="480960" y="10601280"/>
+            <a:chOff x="480960" y="10421280"/>
             <a:chExt cx="685800" cy="691920"/>
           </a:xfrm>
         </p:grpSpPr>
@@ -7100,7 +7070,7 @@
           </p:nvSpPr>
           <p:spPr>
             <a:xfrm>
-              <a:off x="480960" y="10601280"/>
+              <a:off x="480960" y="10421280"/>
               <a:ext cx="685800" cy="360"/>
             </a:xfrm>
             <a:prstGeom prst="line">
@@ -7128,7 +7098,7 @@
           </p:nvSpPr>
           <p:spPr>
             <a:xfrm>
-              <a:off x="509760" y="10607400"/>
+              <a:off x="509760" y="10427400"/>
               <a:ext cx="360" cy="685800"/>
             </a:xfrm>
             <a:prstGeom prst="line">
@@ -7149,6 +7119,47 @@
           </p:style>
         </p:sp>
       </p:grpSp>
+      <p:sp>
+        <p:nvSpPr>
+          <p:cNvPr id="90" name=""/>
+          <p:cNvSpPr txBox="1"/>
+          <p:nvPr/>
+        </p:nvSpPr>
+        <p:spPr>
+          <a:xfrm>
+            <a:off x="514080" y="21359160"/>
+            <a:ext cx="15487920" cy="1500840"/>
+          </a:xfrm>
+          <a:prstGeom prst="rect">
+            <a:avLst/>
+          </a:prstGeom>
+          <a:noFill/>
+          <a:ln w="0">
+            <a:noFill/>
+          </a:ln>
+        </p:spPr>
+        <p:txBody>
+          <a:bodyPr lIns="90000" rIns="90000" tIns="45000" bIns="45000" anchor="t">
+            <a:noAutofit/>
+          </a:bodyPr>
+          <a:p>
+            <a:r>
+              <a:rPr b="0" lang="en-US" sz="1600" spc="-1" strike="noStrike">
+                <a:latin typeface="Arial"/>
+              </a:rPr>
+              <a:t>The research of Team Cacti is supported in part by a National Centers of Academic Excellence in Cybersecurity grant (H98230-22-1-0307).</a:t>
+            </a:r>
+            <a:endParaRPr b="0" lang="en-US" sz="1600" spc="-1" strike="noStrike">
+              <a:latin typeface="Arial"/>
+            </a:endParaRPr>
+          </a:p>
+          <a:p>
+            <a:endParaRPr b="0" lang="en-US" sz="1600" spc="-1" strike="noStrike">
+              <a:latin typeface="Arial"/>
+            </a:endParaRPr>
+          </a:p>
+        </p:txBody>
+      </p:sp>
     </p:spTree>
   </p:cSld>
   <mc:AlternateContent>

--- a/poster/2024 eCTF Poster Template (copy).pptx
+++ b/poster/2024 eCTF Poster Template (copy).pptx
@@ -107,181 +107,7 @@
               <a:rPr b="0" lang="en-US" sz="2000" spc="-1" strike="noStrike">
                 <a:latin typeface="Arial"/>
               </a:rPr>
-              <a:t>C</a:t>
-            </a:r>
-            <a:r>
-              <a:rPr b="0" lang="en-US" sz="2000" spc="-1" strike="noStrike">
-                <a:latin typeface="Arial"/>
-              </a:rPr>
-              <a:t>l</a:t>
-            </a:r>
-            <a:r>
-              <a:rPr b="0" lang="en-US" sz="2000" spc="-1" strike="noStrike">
-                <a:latin typeface="Arial"/>
-              </a:rPr>
-              <a:t>i</a:t>
-            </a:r>
-            <a:r>
-              <a:rPr b="0" lang="en-US" sz="2000" spc="-1" strike="noStrike">
-                <a:latin typeface="Arial"/>
-              </a:rPr>
-              <a:t>c</a:t>
-            </a:r>
-            <a:r>
-              <a:rPr b="0" lang="en-US" sz="2000" spc="-1" strike="noStrike">
-                <a:latin typeface="Arial"/>
-              </a:rPr>
-              <a:t>k</a:t>
-            </a:r>
-            <a:r>
-              <a:rPr b="0" lang="en-US" sz="2000" spc="-1" strike="noStrike">
-                <a:latin typeface="Arial"/>
-              </a:rPr>
-              <a:t> </a:t>
-            </a:r>
-            <a:r>
-              <a:rPr b="0" lang="en-US" sz="2000" spc="-1" strike="noStrike">
-                <a:latin typeface="Arial"/>
-              </a:rPr>
-              <a:t>t</a:t>
-            </a:r>
-            <a:r>
-              <a:rPr b="0" lang="en-US" sz="2000" spc="-1" strike="noStrike">
-                <a:latin typeface="Arial"/>
-              </a:rPr>
-              <a:t>o</a:t>
-            </a:r>
-            <a:r>
-              <a:rPr b="0" lang="en-US" sz="2000" spc="-1" strike="noStrike">
-                <a:latin typeface="Arial"/>
-              </a:rPr>
-              <a:t> </a:t>
-            </a:r>
-            <a:r>
-              <a:rPr b="0" lang="en-US" sz="2000" spc="-1" strike="noStrike">
-                <a:latin typeface="Arial"/>
-              </a:rPr>
-              <a:t>e</a:t>
-            </a:r>
-            <a:r>
-              <a:rPr b="0" lang="en-US" sz="2000" spc="-1" strike="noStrike">
-                <a:latin typeface="Arial"/>
-              </a:rPr>
-              <a:t>d</a:t>
-            </a:r>
-            <a:r>
-              <a:rPr b="0" lang="en-US" sz="2000" spc="-1" strike="noStrike">
-                <a:latin typeface="Arial"/>
-              </a:rPr>
-              <a:t>i</a:t>
-            </a:r>
-            <a:r>
-              <a:rPr b="0" lang="en-US" sz="2000" spc="-1" strike="noStrike">
-                <a:latin typeface="Arial"/>
-              </a:rPr>
-              <a:t>t</a:t>
-            </a:r>
-            <a:r>
-              <a:rPr b="0" lang="en-US" sz="2000" spc="-1" strike="noStrike">
-                <a:latin typeface="Arial"/>
-              </a:rPr>
-              <a:t> </a:t>
-            </a:r>
-            <a:r>
-              <a:rPr b="0" lang="en-US" sz="2000" spc="-1" strike="noStrike">
-                <a:latin typeface="Arial"/>
-              </a:rPr>
-              <a:t>t</a:t>
-            </a:r>
-            <a:r>
-              <a:rPr b="0" lang="en-US" sz="2000" spc="-1" strike="noStrike">
-                <a:latin typeface="Arial"/>
-              </a:rPr>
-              <a:t>h</a:t>
-            </a:r>
-            <a:r>
-              <a:rPr b="0" lang="en-US" sz="2000" spc="-1" strike="noStrike">
-                <a:latin typeface="Arial"/>
-              </a:rPr>
-              <a:t>e</a:t>
-            </a:r>
-            <a:r>
-              <a:rPr b="0" lang="en-US" sz="2000" spc="-1" strike="noStrike">
-                <a:latin typeface="Arial"/>
-              </a:rPr>
-              <a:t> </a:t>
-            </a:r>
-            <a:r>
-              <a:rPr b="0" lang="en-US" sz="2000" spc="-1" strike="noStrike">
-                <a:latin typeface="Arial"/>
-              </a:rPr>
-              <a:t>n</a:t>
-            </a:r>
-            <a:r>
-              <a:rPr b="0" lang="en-US" sz="2000" spc="-1" strike="noStrike">
-                <a:latin typeface="Arial"/>
-              </a:rPr>
-              <a:t>o</a:t>
-            </a:r>
-            <a:r>
-              <a:rPr b="0" lang="en-US" sz="2000" spc="-1" strike="noStrike">
-                <a:latin typeface="Arial"/>
-              </a:rPr>
-              <a:t>t</a:t>
-            </a:r>
-            <a:r>
-              <a:rPr b="0" lang="en-US" sz="2000" spc="-1" strike="noStrike">
-                <a:latin typeface="Arial"/>
-              </a:rPr>
-              <a:t>e</a:t>
-            </a:r>
-            <a:r>
-              <a:rPr b="0" lang="en-US" sz="2000" spc="-1" strike="noStrike">
-                <a:latin typeface="Arial"/>
-              </a:rPr>
-              <a:t>s</a:t>
-            </a:r>
-            <a:r>
-              <a:rPr b="0" lang="en-US" sz="2000" spc="-1" strike="noStrike">
-                <a:latin typeface="Arial"/>
-              </a:rPr>
-              <a:t> </a:t>
-            </a:r>
-            <a:r>
-              <a:rPr b="0" lang="en-US" sz="2000" spc="-1" strike="noStrike">
-                <a:latin typeface="Arial"/>
-              </a:rPr>
-              <a:t>f</a:t>
-            </a:r>
-            <a:r>
-              <a:rPr b="0" lang="en-US" sz="2000" spc="-1" strike="noStrike">
-                <a:latin typeface="Arial"/>
-              </a:rPr>
-              <a:t>o</a:t>
-            </a:r>
-            <a:r>
-              <a:rPr b="0" lang="en-US" sz="2000" spc="-1" strike="noStrike">
-                <a:latin typeface="Arial"/>
-              </a:rPr>
-              <a:t>r</a:t>
-            </a:r>
-            <a:r>
-              <a:rPr b="0" lang="en-US" sz="2000" spc="-1" strike="noStrike">
-                <a:latin typeface="Arial"/>
-              </a:rPr>
-              <a:t>m</a:t>
-            </a:r>
-            <a:r>
-              <a:rPr b="0" lang="en-US" sz="2000" spc="-1" strike="noStrike">
-                <a:latin typeface="Arial"/>
-              </a:rPr>
-              <a:t>a</a:t>
-            </a:r>
-            <a:r>
-              <a:rPr b="0" lang="en-US" sz="2000" spc="-1" strike="noStrike">
-                <a:latin typeface="Arial"/>
-              </a:rPr>
-              <a:t>t</a:t>
+              <a:t>Click to edit the notes format</a:t>
             </a:r>
             <a:endParaRPr b="0" lang="en-US" sz="2000" spc="-1" strike="noStrike">
               <a:latin typeface="Arial"/>
@@ -466,7 +292,7 @@
             <a:pPr algn="r">
               <a:buNone/>
             </a:pPr>
-            <a:fld id="{8BC9EF46-2775-4691-AC22-943591D59EB6}" type="slidenum">
+            <a:fld id="{A443EF87-9911-4EF5-9F09-525DD3C84266}" type="slidenum">
               <a:rPr b="0" lang="en-US" sz="1400" spc="-1" strike="noStrike">
                 <a:latin typeface="Times New Roman"/>
               </a:rPr>
@@ -603,7 +429,7 @@
               </a:lnSpc>
               <a:buNone/>
             </a:pPr>
-            <a:fld id="{B340B8DE-D24D-4A9A-B5AD-CA3C7626B8CE}" type="slidenum">
+            <a:fld id="{D752CC71-9954-4A51-864D-5AF7BF4DF847}" type="slidenum">
               <a:rPr b="0" lang="en-US" sz="1200" spc="-1" strike="noStrike">
                 <a:latin typeface="Times New Roman"/>
               </a:rPr>
@@ -671,7 +497,7 @@
         <p:txBody>
           <a:bodyPr/>
           <a:p>
-            <a:fld id="{0EFF4E09-4C37-48D2-A6D8-5048679ADA35}" type="slidenum">
+            <a:fld id="{FE954C32-764C-48BB-889A-75988B7EF96A}" type="slidenum">
               <a:t>&lt;#&gt;</a:t>
             </a:fld>
           </a:p>
@@ -859,7 +685,7 @@
         <p:txBody>
           <a:bodyPr/>
           <a:p>
-            <a:fld id="{79B552CE-A7EF-4E53-A904-67C445961414}" type="slidenum">
+            <a:fld id="{BCF8299B-E9C7-42BF-AD2E-DE9E494DB711}" type="slidenum">
               <a:t>&lt;#&gt;</a:t>
             </a:fld>
           </a:p>
@@ -1115,7 +941,7 @@
         <p:txBody>
           <a:bodyPr/>
           <a:p>
-            <a:fld id="{5C0B80E1-6CDB-4122-99FB-C1045FF2D471}" type="slidenum">
+            <a:fld id="{04A3E00A-E77B-4F5C-99B8-0E389239E4EB}" type="slidenum">
               <a:t>&lt;#&gt;</a:t>
             </a:fld>
           </a:p>
@@ -1439,7 +1265,7 @@
         <p:txBody>
           <a:bodyPr/>
           <a:p>
-            <a:fld id="{582B02A8-7443-4FAB-B93D-C97DC697BE7C}" type="slidenum">
+            <a:fld id="{DD0730B1-F418-4A2C-9283-941AA1477314}" type="slidenum">
               <a:t>&lt;#&gt;</a:t>
             </a:fld>
           </a:p>
@@ -1596,7 +1422,7 @@
         <p:txBody>
           <a:bodyPr/>
           <a:p>
-            <a:fld id="{B1FD3F7D-5487-4E16-AC11-0D4A20E45A8B}" type="slidenum">
+            <a:fld id="{743823DF-CE65-401B-9CD4-016990C61935}" type="slidenum">
               <a:t>&lt;#&gt;</a:t>
             </a:fld>
           </a:p>
@@ -1750,7 +1576,7 @@
         <p:txBody>
           <a:bodyPr/>
           <a:p>
-            <a:fld id="{36469F98-F55C-4626-A021-5E374EF219D9}" type="slidenum">
+            <a:fld id="{C0CD9021-3A51-4E00-ABC3-39E4501869A3}" type="slidenum">
               <a:t>&lt;#&gt;</a:t>
             </a:fld>
           </a:p>
@@ -1938,7 +1764,7 @@
         <p:txBody>
           <a:bodyPr/>
           <a:p>
-            <a:fld id="{1D7BFDDC-9EE6-4227-AFDE-5499BDCA6E0D}" type="slidenum">
+            <a:fld id="{2AF8E9E9-5099-404F-8D52-44150BF0261A}" type="slidenum">
               <a:t>&lt;#&gt;</a:t>
             </a:fld>
           </a:p>
@@ -2058,7 +1884,7 @@
         <p:txBody>
           <a:bodyPr/>
           <a:p>
-            <a:fld id="{F9608DF3-9286-4908-B983-B9DC11B93018}" type="slidenum">
+            <a:fld id="{D59E6F0A-3743-4348-8069-B5F8C88191BB}" type="slidenum">
               <a:t>&lt;#&gt;</a:t>
             </a:fld>
           </a:p>
@@ -2178,7 +2004,7 @@
         <p:txBody>
           <a:bodyPr/>
           <a:p>
-            <a:fld id="{EB90A1C4-4D22-4EB2-AEDD-5F9791AF8274}" type="slidenum">
+            <a:fld id="{A5D5051F-C63E-4659-AD64-8AAE91A15942}" type="slidenum">
               <a:t>&lt;#&gt;</a:t>
             </a:fld>
           </a:p>
@@ -2400,7 +2226,7 @@
         <p:txBody>
           <a:bodyPr/>
           <a:p>
-            <a:fld id="{D77C113A-27C1-4A28-8357-39BC0875EF8C}" type="slidenum">
+            <a:fld id="{B0EB9B24-072B-43E7-8941-FDC889BD4EBC}" type="slidenum">
               <a:t>&lt;#&gt;</a:t>
             </a:fld>
           </a:p>
@@ -2622,7 +2448,7 @@
         <p:txBody>
           <a:bodyPr/>
           <a:p>
-            <a:fld id="{EB5E8A98-281C-4BB6-9215-033FDC189F22}" type="slidenum">
+            <a:fld id="{2B9B720B-3870-4154-BBFF-627686D34F83}" type="slidenum">
               <a:t>&lt;#&gt;</a:t>
             </a:fld>
           </a:p>
@@ -2844,7 +2670,7 @@
         <p:txBody>
           <a:bodyPr/>
           <a:p>
-            <a:fld id="{69331B2E-28B8-4A3F-8BB1-6F45F31295D5}" type="slidenum">
+            <a:fld id="{04EB11C5-1B9E-460C-BDF0-1011BA79845B}" type="slidenum">
               <a:t>&lt;#&gt;</a:t>
             </a:fld>
           </a:p>
@@ -2949,7 +2775,7 @@
               <a:rPr b="0" lang="en-US" sz="1400" spc="-1" strike="noStrike">
                 <a:latin typeface="Times New Roman"/>
               </a:rPr>
-              <a:t>&lt;footer&gt;</a:t>
+              <a:t> </a:t>
             </a:r>
             <a:endParaRPr b="0" lang="en-US" sz="1400" spc="-1" strike="noStrike">
               <a:latin typeface="Times New Roman"/>
@@ -3005,14 +2831,14 @@
               </a:lnSpc>
               <a:buNone/>
             </a:pPr>
-            <a:fld id="{197F9765-57D6-4AE9-B8DE-3198D94A3C75}" type="slidenum">
+            <a:fld id="{1FC6723B-396B-4C15-8EA6-8B78217B51D7}" type="slidenum">
               <a:rPr b="0" lang="en-US" sz="2160" spc="-1" strike="noStrike">
                 <a:solidFill>
                   <a:srgbClr val="8b8b8b"/>
                 </a:solidFill>
                 <a:latin typeface="Arial"/>
               </a:rPr>
-              <a:t>&lt;number&gt;</a:t>
+              <a:t>1</a:t>
             </a:fld>
             <a:endParaRPr b="0" lang="en-US" sz="2160" spc="-1" strike="noStrike">
               <a:latin typeface="Times New Roman"/>
@@ -3059,7 +2885,7 @@
               <a:rPr b="0" lang="en-US" sz="1400" spc="-1" strike="noStrike">
                 <a:latin typeface="Times New Roman"/>
               </a:rPr>
-              <a:t>&lt;date/time&gt;</a:t>
+              <a:t> </a:t>
             </a:r>
             <a:endParaRPr b="0" lang="en-US" sz="1400" spc="-1" strike="noStrike">
               <a:latin typeface="Times New Roman"/>
@@ -3482,7 +3308,7 @@
                 <a:latin typeface="Arial"/>
                 <a:ea typeface="Calibri"/>
               </a:rPr>
-              <a:t>  Reuse components between deployments</a:t>
+              <a:t>  Reuse keys between deployments</a:t>
             </a:r>
             <a:endParaRPr b="0" lang="en-US" sz="2000" spc="-1" strike="noStrike">
               <a:latin typeface="Arial"/>

--- a/poster/2024 eCTF Poster Template (copy).pptx
+++ b/poster/2024 eCTF Poster Template (copy).pptx
@@ -1,22 +1,497 @@
 
 <file path=ppt/presentation.xml><?xml version="1.0" encoding="utf-8"?>
-<p:presentation xmlns:a="http://schemas.openxmlformats.org/drawingml/2006/main" xmlns:p="http://schemas.openxmlformats.org/presentationml/2006/main" xmlns:r="http://schemas.openxmlformats.org/officeDocument/2006/relationships" xmlns:p14="http://schemas.microsoft.com/office/powerpoint/2010/main" xmlns:p15="http://schemas.microsoft.com/office/powerpoint/2012/main" xmlns:mc="http://schemas.openxmlformats.org/markup-compatibility/2006">
+<p:presentation xmlns:a="http://schemas.openxmlformats.org/drawingml/2006/main" xmlns:r="http://schemas.openxmlformats.org/officeDocument/2006/relationships" xmlns:p="http://schemas.openxmlformats.org/presentationml/2006/main">
   <p:sldMasterIdLst>
-    <p:sldMasterId id="2147483648" r:id="rId2"/>
+    <p:sldMasterId id="2147483648" r:id="rId1"/>
   </p:sldMasterIdLst>
   <p:notesMasterIdLst>
     <p:notesMasterId r:id="rId3"/>
   </p:notesMasterIdLst>
   <p:sldIdLst>
-    <p:sldId id="256" r:id="rId4"/>
+    <p:sldId id="256" r:id="rId2"/>
   </p:sldIdLst>
   <p:sldSz cx="16459200" cy="21945600"/>
   <p:notesSz cx="6858000" cy="9144000"/>
+  <p:defaultTextStyle>
+    <a:defPPr>
+      <a:defRPr lang="en-US"/>
+    </a:defPPr>
+    <a:lvl1pPr marL="0" algn="l" defTabSz="914400" rtl="0" eaLnBrk="1" latinLnBrk="0" hangingPunct="1">
+      <a:defRPr sz="1800" kern="1200">
+        <a:solidFill>
+          <a:schemeClr val="tx1"/>
+        </a:solidFill>
+        <a:latin typeface="+mn-lt"/>
+        <a:ea typeface="+mn-ea"/>
+        <a:cs typeface="+mn-cs"/>
+      </a:defRPr>
+    </a:lvl1pPr>
+    <a:lvl2pPr marL="457200" algn="l" defTabSz="914400" rtl="0" eaLnBrk="1" latinLnBrk="0" hangingPunct="1">
+      <a:defRPr sz="1800" kern="1200">
+        <a:solidFill>
+          <a:schemeClr val="tx1"/>
+        </a:solidFill>
+        <a:latin typeface="+mn-lt"/>
+        <a:ea typeface="+mn-ea"/>
+        <a:cs typeface="+mn-cs"/>
+      </a:defRPr>
+    </a:lvl2pPr>
+    <a:lvl3pPr marL="914400" algn="l" defTabSz="914400" rtl="0" eaLnBrk="1" latinLnBrk="0" hangingPunct="1">
+      <a:defRPr sz="1800" kern="1200">
+        <a:solidFill>
+          <a:schemeClr val="tx1"/>
+        </a:solidFill>
+        <a:latin typeface="+mn-lt"/>
+        <a:ea typeface="+mn-ea"/>
+        <a:cs typeface="+mn-cs"/>
+      </a:defRPr>
+    </a:lvl3pPr>
+    <a:lvl4pPr marL="1371600" algn="l" defTabSz="914400" rtl="0" eaLnBrk="1" latinLnBrk="0" hangingPunct="1">
+      <a:defRPr sz="1800" kern="1200">
+        <a:solidFill>
+          <a:schemeClr val="tx1"/>
+        </a:solidFill>
+        <a:latin typeface="+mn-lt"/>
+        <a:ea typeface="+mn-ea"/>
+        <a:cs typeface="+mn-cs"/>
+      </a:defRPr>
+    </a:lvl4pPr>
+    <a:lvl5pPr marL="1828800" algn="l" defTabSz="914400" rtl="0" eaLnBrk="1" latinLnBrk="0" hangingPunct="1">
+      <a:defRPr sz="1800" kern="1200">
+        <a:solidFill>
+          <a:schemeClr val="tx1"/>
+        </a:solidFill>
+        <a:latin typeface="+mn-lt"/>
+        <a:ea typeface="+mn-ea"/>
+        <a:cs typeface="+mn-cs"/>
+      </a:defRPr>
+    </a:lvl5pPr>
+    <a:lvl6pPr marL="2286000" algn="l" defTabSz="914400" rtl="0" eaLnBrk="1" latinLnBrk="0" hangingPunct="1">
+      <a:defRPr sz="1800" kern="1200">
+        <a:solidFill>
+          <a:schemeClr val="tx1"/>
+        </a:solidFill>
+        <a:latin typeface="+mn-lt"/>
+        <a:ea typeface="+mn-ea"/>
+        <a:cs typeface="+mn-cs"/>
+      </a:defRPr>
+    </a:lvl6pPr>
+    <a:lvl7pPr marL="2743200" algn="l" defTabSz="914400" rtl="0" eaLnBrk="1" latinLnBrk="0" hangingPunct="1">
+      <a:defRPr sz="1800" kern="1200">
+        <a:solidFill>
+          <a:schemeClr val="tx1"/>
+        </a:solidFill>
+        <a:latin typeface="+mn-lt"/>
+        <a:ea typeface="+mn-ea"/>
+        <a:cs typeface="+mn-cs"/>
+      </a:defRPr>
+    </a:lvl7pPr>
+    <a:lvl8pPr marL="3200400" algn="l" defTabSz="914400" rtl="0" eaLnBrk="1" latinLnBrk="0" hangingPunct="1">
+      <a:defRPr sz="1800" kern="1200">
+        <a:solidFill>
+          <a:schemeClr val="tx1"/>
+        </a:solidFill>
+        <a:latin typeface="+mn-lt"/>
+        <a:ea typeface="+mn-ea"/>
+        <a:cs typeface="+mn-cs"/>
+      </a:defRPr>
+    </a:lvl8pPr>
+    <a:lvl9pPr marL="3657600" algn="l" defTabSz="914400" rtl="0" eaLnBrk="1" latinLnBrk="0" hangingPunct="1">
+      <a:defRPr sz="1800" kern="1200">
+        <a:solidFill>
+          <a:schemeClr val="tx1"/>
+        </a:solidFill>
+        <a:latin typeface="+mn-lt"/>
+        <a:ea typeface="+mn-ea"/>
+        <a:cs typeface="+mn-cs"/>
+      </a:defRPr>
+    </a:lvl9pPr>
+  </p:defaultTextStyle>
 </p:presentation>
 </file>
 
 <file path=ppt/notesMasters/notesMaster1.xml><?xml version="1.0" encoding="utf-8"?>
-<p:notesMaster xmlns:a="http://schemas.openxmlformats.org/drawingml/2006/main" xmlns:p="http://schemas.openxmlformats.org/presentationml/2006/main" xmlns:r="http://schemas.openxmlformats.org/officeDocument/2006/relationships" xmlns:p14="http://schemas.microsoft.com/office/powerpoint/2010/main" xmlns:p15="http://schemas.microsoft.com/office/powerpoint/2012/main" xmlns:mc="http://schemas.openxmlformats.org/markup-compatibility/2006">
+<p:notesMaster xmlns:a="http://schemas.openxmlformats.org/drawingml/2006/main" xmlns:r="http://schemas.openxmlformats.org/officeDocument/2006/relationships" xmlns:p="http://schemas.openxmlformats.org/presentationml/2006/main">
+  <p:cSld>
+    <p:bg>
+      <p:bgRef idx="1001">
+        <a:schemeClr val="bg1"/>
+      </p:bgRef>
+    </p:bg>
+    <p:spTree>
+      <p:nvGrpSpPr>
+        <p:cNvPr id="1" name=""/>
+        <p:cNvGrpSpPr/>
+        <p:nvPr/>
+      </p:nvGrpSpPr>
+      <p:grpSpPr>
+        <a:xfrm>
+          <a:off x="0" y="0"/>
+          <a:ext cx="0" cy="0"/>
+          <a:chOff x="0" y="0"/>
+          <a:chExt cx="0" cy="0"/>
+        </a:xfrm>
+      </p:grpSpPr>
+      <p:sp>
+        <p:nvSpPr>
+          <p:cNvPr id="41" name="PlaceHolder 1"/>
+          <p:cNvSpPr>
+            <a:spLocks noGrp="1" noRot="1" noChangeAspect="1"/>
+          </p:cNvSpPr>
+          <p:nvPr>
+            <p:ph type="sldImg"/>
+          </p:nvPr>
+        </p:nvSpPr>
+        <p:spPr>
+          <a:xfrm>
+            <a:off x="533520" y="764280"/>
+            <a:ext cx="6704640" cy="3771360"/>
+          </a:xfrm>
+          <a:prstGeom prst="rect">
+            <a:avLst/>
+          </a:prstGeom>
+          <a:noFill/>
+          <a:ln w="0">
+            <a:noFill/>
+          </a:ln>
+        </p:spPr>
+        <p:txBody>
+          <a:bodyPr lIns="0" tIns="0" rIns="0" bIns="0" anchor="ctr">
+            <a:noAutofit/>
+          </a:bodyPr>
+          <a:lstStyle/>
+          <a:p>
+            <a:r>
+              <a:rPr lang="en-US" sz="1800" b="0" strike="noStrike" spc="-1">
+                <a:solidFill>
+                  <a:srgbClr val="000000"/>
+                </a:solidFill>
+                <a:latin typeface="Arial"/>
+              </a:rPr>
+              <a:t>Click to move the slide</a:t>
+            </a:r>
+          </a:p>
+        </p:txBody>
+      </p:sp>
+      <p:sp>
+        <p:nvSpPr>
+          <p:cNvPr id="42" name="PlaceHolder 2"/>
+          <p:cNvSpPr>
+            <a:spLocks noGrp="1"/>
+          </p:cNvSpPr>
+          <p:nvPr>
+            <p:ph type="body"/>
+          </p:nvPr>
+        </p:nvSpPr>
+        <p:spPr>
+          <a:xfrm>
+            <a:off x="777240" y="4777560"/>
+            <a:ext cx="6217560" cy="4525920"/>
+          </a:xfrm>
+          <a:prstGeom prst="rect">
+            <a:avLst/>
+          </a:prstGeom>
+          <a:noFill/>
+          <a:ln w="0">
+            <a:noFill/>
+          </a:ln>
+        </p:spPr>
+        <p:txBody>
+          <a:bodyPr lIns="0" tIns="0" rIns="0" bIns="0" anchor="t">
+            <a:noAutofit/>
+          </a:bodyPr>
+          <a:lstStyle/>
+          <a:p>
+            <a:r>
+              <a:rPr lang="en-US" sz="2000" b="0" strike="noStrike" spc="-1">
+                <a:latin typeface="Arial"/>
+              </a:rPr>
+              <a:t>Click to edit the notes format</a:t>
+            </a:r>
+          </a:p>
+        </p:txBody>
+      </p:sp>
+      <p:sp>
+        <p:nvSpPr>
+          <p:cNvPr id="43" name="PlaceHolder 3"/>
+          <p:cNvSpPr>
+            <a:spLocks noGrp="1"/>
+          </p:cNvSpPr>
+          <p:nvPr>
+            <p:ph type="hdr"/>
+          </p:nvPr>
+        </p:nvSpPr>
+        <p:spPr>
+          <a:xfrm>
+            <a:off x="0" y="0"/>
+            <a:ext cx="3372840" cy="502560"/>
+          </a:xfrm>
+          <a:prstGeom prst="rect">
+            <a:avLst/>
+          </a:prstGeom>
+          <a:noFill/>
+          <a:ln w="0">
+            <a:noFill/>
+          </a:ln>
+        </p:spPr>
+        <p:txBody>
+          <a:bodyPr lIns="0" tIns="0" rIns="0" bIns="0" anchor="t">
+            <a:noAutofit/>
+          </a:bodyPr>
+          <a:lstStyle/>
+          <a:p>
+            <a:r>
+              <a:rPr lang="en-US" sz="1400" b="0" strike="noStrike" spc="-1">
+                <a:latin typeface="Times New Roman"/>
+              </a:rPr>
+              <a:t>&lt;header&gt;</a:t>
+            </a:r>
+          </a:p>
+        </p:txBody>
+      </p:sp>
+      <p:sp>
+        <p:nvSpPr>
+          <p:cNvPr id="44" name="PlaceHolder 4"/>
+          <p:cNvSpPr>
+            <a:spLocks noGrp="1"/>
+          </p:cNvSpPr>
+          <p:nvPr>
+            <p:ph type="dt" idx="4"/>
+          </p:nvPr>
+        </p:nvSpPr>
+        <p:spPr>
+          <a:xfrm>
+            <a:off x="4399200" y="0"/>
+            <a:ext cx="3372840" cy="502560"/>
+          </a:xfrm>
+          <a:prstGeom prst="rect">
+            <a:avLst/>
+          </a:prstGeom>
+          <a:noFill/>
+          <a:ln w="0">
+            <a:noFill/>
+          </a:ln>
+        </p:spPr>
+        <p:txBody>
+          <a:bodyPr lIns="0" tIns="0" rIns="0" bIns="0" anchor="t">
+            <a:noAutofit/>
+          </a:bodyPr>
+          <a:lstStyle>
+            <a:lvl1pPr algn="r">
+              <a:buNone/>
+              <a:defRPr lang="en-US" sz="1400" b="0" strike="noStrike" spc="-1">
+                <a:latin typeface="Times New Roman"/>
+              </a:defRPr>
+            </a:lvl1pPr>
+          </a:lstStyle>
+          <a:p>
+            <a:pPr algn="r">
+              <a:buNone/>
+            </a:pPr>
+            <a:r>
+              <a:rPr lang="en-US" sz="1400" b="0" strike="noStrike" spc="-1">
+                <a:latin typeface="Times New Roman"/>
+              </a:rPr>
+              <a:t>&lt;date/time&gt;</a:t>
+            </a:r>
+          </a:p>
+        </p:txBody>
+      </p:sp>
+      <p:sp>
+        <p:nvSpPr>
+          <p:cNvPr id="45" name="PlaceHolder 5"/>
+          <p:cNvSpPr>
+            <a:spLocks noGrp="1"/>
+          </p:cNvSpPr>
+          <p:nvPr>
+            <p:ph type="ftr" idx="5"/>
+          </p:nvPr>
+        </p:nvSpPr>
+        <p:spPr>
+          <a:xfrm>
+            <a:off x="0" y="9555480"/>
+            <a:ext cx="3372840" cy="502560"/>
+          </a:xfrm>
+          <a:prstGeom prst="rect">
+            <a:avLst/>
+          </a:prstGeom>
+          <a:noFill/>
+          <a:ln w="0">
+            <a:noFill/>
+          </a:ln>
+        </p:spPr>
+        <p:txBody>
+          <a:bodyPr lIns="0" tIns="0" rIns="0" bIns="0" anchor="b">
+            <a:noAutofit/>
+          </a:bodyPr>
+          <a:lstStyle>
+            <a:lvl1pPr>
+              <a:defRPr lang="en-US" sz="1400" b="0" strike="noStrike" spc="-1">
+                <a:latin typeface="Times New Roman"/>
+              </a:defRPr>
+            </a:lvl1pPr>
+          </a:lstStyle>
+          <a:p>
+            <a:r>
+              <a:rPr lang="en-US" sz="1400" b="0" strike="noStrike" spc="-1">
+                <a:latin typeface="Times New Roman"/>
+              </a:rPr>
+              <a:t>&lt;footer&gt;</a:t>
+            </a:r>
+          </a:p>
+        </p:txBody>
+      </p:sp>
+      <p:sp>
+        <p:nvSpPr>
+          <p:cNvPr id="46" name="PlaceHolder 6"/>
+          <p:cNvSpPr>
+            <a:spLocks noGrp="1"/>
+          </p:cNvSpPr>
+          <p:nvPr>
+            <p:ph type="sldNum" idx="6"/>
+          </p:nvPr>
+        </p:nvSpPr>
+        <p:spPr>
+          <a:xfrm>
+            <a:off x="4399200" y="9555480"/>
+            <a:ext cx="3372840" cy="502560"/>
+          </a:xfrm>
+          <a:prstGeom prst="rect">
+            <a:avLst/>
+          </a:prstGeom>
+          <a:noFill/>
+          <a:ln w="0">
+            <a:noFill/>
+          </a:ln>
+        </p:spPr>
+        <p:txBody>
+          <a:bodyPr lIns="0" tIns="0" rIns="0" bIns="0" anchor="b">
+            <a:noAutofit/>
+          </a:bodyPr>
+          <a:lstStyle>
+            <a:lvl1pPr algn="r">
+              <a:buNone/>
+              <a:defRPr lang="en-US" sz="1400" b="0" strike="noStrike" spc="-1">
+                <a:latin typeface="Times New Roman"/>
+              </a:defRPr>
+            </a:lvl1pPr>
+          </a:lstStyle>
+          <a:p>
+            <a:pPr algn="r">
+              <a:buNone/>
+            </a:pPr>
+            <a:fld id="{43974AB6-75F5-4921-B7EB-5B4462F61437}" type="slidenum">
+              <a:rPr lang="en-US" sz="1400" b="0" strike="noStrike" spc="-1">
+                <a:latin typeface="Times New Roman"/>
+              </a:rPr>
+              <a:t>‹#›</a:t>
+            </a:fld>
+            <a:endParaRPr lang="en-US" sz="1400" b="0" strike="noStrike" spc="-1">
+              <a:latin typeface="Times New Roman"/>
+            </a:endParaRPr>
+          </a:p>
+        </p:txBody>
+      </p:sp>
+    </p:spTree>
+  </p:cSld>
+  <p:clrMap bg1="lt1" tx1="dk1" bg2="lt2" tx2="dk2" accent1="accent1" accent2="accent2" accent3="accent3" accent4="accent4" accent5="accent5" accent6="accent6" hlink="hlink" folHlink="folHlink"/>
+  <p:notesStyle>
+    <a:lvl1pPr marL="0" algn="l" defTabSz="914400" rtl="0" eaLnBrk="1" latinLnBrk="0" hangingPunct="1">
+      <a:defRPr sz="1200" kern="1200">
+        <a:solidFill>
+          <a:schemeClr val="tx1"/>
+        </a:solidFill>
+        <a:latin typeface="+mn-lt"/>
+        <a:ea typeface="+mn-ea"/>
+        <a:cs typeface="+mn-cs"/>
+      </a:defRPr>
+    </a:lvl1pPr>
+    <a:lvl2pPr marL="457200" algn="l" defTabSz="914400" rtl="0" eaLnBrk="1" latinLnBrk="0" hangingPunct="1">
+      <a:defRPr sz="1200" kern="1200">
+        <a:solidFill>
+          <a:schemeClr val="tx1"/>
+        </a:solidFill>
+        <a:latin typeface="+mn-lt"/>
+        <a:ea typeface="+mn-ea"/>
+        <a:cs typeface="+mn-cs"/>
+      </a:defRPr>
+    </a:lvl2pPr>
+    <a:lvl3pPr marL="914400" algn="l" defTabSz="914400" rtl="0" eaLnBrk="1" latinLnBrk="0" hangingPunct="1">
+      <a:defRPr sz="1200" kern="1200">
+        <a:solidFill>
+          <a:schemeClr val="tx1"/>
+        </a:solidFill>
+        <a:latin typeface="+mn-lt"/>
+        <a:ea typeface="+mn-ea"/>
+        <a:cs typeface="+mn-cs"/>
+      </a:defRPr>
+    </a:lvl3pPr>
+    <a:lvl4pPr marL="1371600" algn="l" defTabSz="914400" rtl="0" eaLnBrk="1" latinLnBrk="0" hangingPunct="1">
+      <a:defRPr sz="1200" kern="1200">
+        <a:solidFill>
+          <a:schemeClr val="tx1"/>
+        </a:solidFill>
+        <a:latin typeface="+mn-lt"/>
+        <a:ea typeface="+mn-ea"/>
+        <a:cs typeface="+mn-cs"/>
+      </a:defRPr>
+    </a:lvl4pPr>
+    <a:lvl5pPr marL="1828800" algn="l" defTabSz="914400" rtl="0" eaLnBrk="1" latinLnBrk="0" hangingPunct="1">
+      <a:defRPr sz="1200" kern="1200">
+        <a:solidFill>
+          <a:schemeClr val="tx1"/>
+        </a:solidFill>
+        <a:latin typeface="+mn-lt"/>
+        <a:ea typeface="+mn-ea"/>
+        <a:cs typeface="+mn-cs"/>
+      </a:defRPr>
+    </a:lvl5pPr>
+    <a:lvl6pPr marL="2286000" algn="l" defTabSz="914400" rtl="0" eaLnBrk="1" latinLnBrk="0" hangingPunct="1">
+      <a:defRPr sz="1200" kern="1200">
+        <a:solidFill>
+          <a:schemeClr val="tx1"/>
+        </a:solidFill>
+        <a:latin typeface="+mn-lt"/>
+        <a:ea typeface="+mn-ea"/>
+        <a:cs typeface="+mn-cs"/>
+      </a:defRPr>
+    </a:lvl6pPr>
+    <a:lvl7pPr marL="2743200" algn="l" defTabSz="914400" rtl="0" eaLnBrk="1" latinLnBrk="0" hangingPunct="1">
+      <a:defRPr sz="1200" kern="1200">
+        <a:solidFill>
+          <a:schemeClr val="tx1"/>
+        </a:solidFill>
+        <a:latin typeface="+mn-lt"/>
+        <a:ea typeface="+mn-ea"/>
+        <a:cs typeface="+mn-cs"/>
+      </a:defRPr>
+    </a:lvl7pPr>
+    <a:lvl8pPr marL="3200400" algn="l" defTabSz="914400" rtl="0" eaLnBrk="1" latinLnBrk="0" hangingPunct="1">
+      <a:defRPr sz="1200" kern="1200">
+        <a:solidFill>
+          <a:schemeClr val="tx1"/>
+        </a:solidFill>
+        <a:latin typeface="+mn-lt"/>
+        <a:ea typeface="+mn-ea"/>
+        <a:cs typeface="+mn-cs"/>
+      </a:defRPr>
+    </a:lvl8pPr>
+    <a:lvl9pPr marL="3657600" algn="l" defTabSz="914400" rtl="0" eaLnBrk="1" latinLnBrk="0" hangingPunct="1">
+      <a:defRPr sz="1200" kern="1200">
+        <a:solidFill>
+          <a:schemeClr val="tx1"/>
+        </a:solidFill>
+        <a:latin typeface="+mn-lt"/>
+        <a:ea typeface="+mn-ea"/>
+        <a:cs typeface="+mn-cs"/>
+      </a:defRPr>
+    </a:lvl9pPr>
+  </p:notesStyle>
+</p:notesMaster>
+</file>
+
+<file path=ppt/notesSlides/notesSlide1.xml><?xml version="1.0" encoding="utf-8"?>
+<p:notes xmlns:a="http://schemas.openxmlformats.org/drawingml/2006/main" xmlns:r="http://schemas.openxmlformats.org/officeDocument/2006/relationships" xmlns:p="http://schemas.openxmlformats.org/presentationml/2006/main">
   <p:cSld>
     <p:spTree>
       <p:nvGrpSpPr>
@@ -34,9 +509,9 @@
       </p:grpSpPr>
       <p:sp>
         <p:nvSpPr>
-          <p:cNvPr id="41" name="PlaceHolder 1"/>
-          <p:cNvSpPr>
-            <a:spLocks noGrp="1"/>
+          <p:cNvPr id="63" name="PlaceHolder 1"/>
+          <p:cNvSpPr>
+            <a:spLocks noGrp="1" noRot="1" noChangeAspect="1"/>
           </p:cNvSpPr>
           <p:nvPr>
             <p:ph type="sldImg"/>
@@ -44,306 +519,8 @@
         </p:nvSpPr>
         <p:spPr>
           <a:xfrm>
-            <a:off x="533520" y="764280"/>
-            <a:ext cx="6704640" cy="3771360"/>
-          </a:xfrm>
-          <a:prstGeom prst="rect">
-            <a:avLst/>
-          </a:prstGeom>
-          <a:noFill/>
-          <a:ln w="0">
-            <a:noFill/>
-          </a:ln>
-        </p:spPr>
-        <p:txBody>
-          <a:bodyPr lIns="0" rIns="0" tIns="0" bIns="0" anchor="ctr">
-            <a:noAutofit/>
-          </a:bodyPr>
-          <a:p>
-            <a:r>
-              <a:rPr b="0" lang="en-US" sz="1800" spc="-1" strike="noStrike">
-                <a:solidFill>
-                  <a:srgbClr val="000000"/>
-                </a:solidFill>
-                <a:latin typeface="Arial"/>
-              </a:rPr>
-              <a:t>Click to move the slide</a:t>
-            </a:r>
-            <a:endParaRPr b="0" lang="en-US" sz="1800" spc="-1" strike="noStrike">
-              <a:solidFill>
-                <a:srgbClr val="000000"/>
-              </a:solidFill>
-              <a:latin typeface="Arial"/>
-            </a:endParaRPr>
-          </a:p>
-        </p:txBody>
-      </p:sp>
-      <p:sp>
-        <p:nvSpPr>
-          <p:cNvPr id="42" name="PlaceHolder 2"/>
-          <p:cNvSpPr>
-            <a:spLocks noGrp="1"/>
-          </p:cNvSpPr>
-          <p:nvPr>
-            <p:ph type="body"/>
-          </p:nvPr>
-        </p:nvSpPr>
-        <p:spPr>
-          <a:xfrm>
-            <a:off x="777240" y="4777560"/>
-            <a:ext cx="6217560" cy="4525920"/>
-          </a:xfrm>
-          <a:prstGeom prst="rect">
-            <a:avLst/>
-          </a:prstGeom>
-          <a:noFill/>
-          <a:ln w="0">
-            <a:noFill/>
-          </a:ln>
-        </p:spPr>
-        <p:txBody>
-          <a:bodyPr lIns="0" rIns="0" tIns="0" bIns="0" anchor="t">
-            <a:noAutofit/>
-          </a:bodyPr>
-          <a:p>
-            <a:r>
-              <a:rPr b="0" lang="en-US" sz="2000" spc="-1" strike="noStrike">
-                <a:latin typeface="Arial"/>
-              </a:rPr>
-              <a:t>Click to edit the notes format</a:t>
-            </a:r>
-            <a:endParaRPr b="0" lang="en-US" sz="2000" spc="-1" strike="noStrike">
-              <a:latin typeface="Arial"/>
-            </a:endParaRPr>
-          </a:p>
-        </p:txBody>
-      </p:sp>
-      <p:sp>
-        <p:nvSpPr>
-          <p:cNvPr id="43" name="PlaceHolder 3"/>
-          <p:cNvSpPr>
-            <a:spLocks noGrp="1"/>
-          </p:cNvSpPr>
-          <p:nvPr>
-            <p:ph type="hdr"/>
-          </p:nvPr>
-        </p:nvSpPr>
-        <p:spPr>
-          <a:xfrm>
-            <a:off x="0" y="0"/>
-            <a:ext cx="3372840" cy="502560"/>
-          </a:xfrm>
-          <a:prstGeom prst="rect">
-            <a:avLst/>
-          </a:prstGeom>
-          <a:noFill/>
-          <a:ln w="0">
-            <a:noFill/>
-          </a:ln>
-        </p:spPr>
-        <p:txBody>
-          <a:bodyPr lIns="0" rIns="0" tIns="0" bIns="0" anchor="t">
-            <a:noAutofit/>
-          </a:bodyPr>
-          <a:p>
-            <a:r>
-              <a:rPr b="0" lang="en-US" sz="1400" spc="-1" strike="noStrike">
-                <a:latin typeface="Times New Roman"/>
-              </a:rPr>
-              <a:t>&lt;header&gt;</a:t>
-            </a:r>
-            <a:endParaRPr b="0" lang="en-US" sz="1400" spc="-1" strike="noStrike">
-              <a:latin typeface="Times New Roman"/>
-            </a:endParaRPr>
-          </a:p>
-        </p:txBody>
-      </p:sp>
-      <p:sp>
-        <p:nvSpPr>
-          <p:cNvPr id="44" name="PlaceHolder 4"/>
-          <p:cNvSpPr>
-            <a:spLocks noGrp="1"/>
-          </p:cNvSpPr>
-          <p:nvPr>
-            <p:ph type="dt" idx="4"/>
-          </p:nvPr>
-        </p:nvSpPr>
-        <p:spPr>
-          <a:xfrm>
-            <a:off x="4399200" y="0"/>
-            <a:ext cx="3372840" cy="502560"/>
-          </a:xfrm>
-          <a:prstGeom prst="rect">
-            <a:avLst/>
-          </a:prstGeom>
-          <a:noFill/>
-          <a:ln w="0">
-            <a:noFill/>
-          </a:ln>
-        </p:spPr>
-        <p:txBody>
-          <a:bodyPr lIns="0" rIns="0" tIns="0" bIns="0" anchor="t">
-            <a:noAutofit/>
-          </a:bodyPr>
-          <a:lstStyle>
-            <a:lvl1pPr algn="r">
-              <a:buNone/>
-              <a:defRPr b="0" lang="en-US" sz="1400" spc="-1" strike="noStrike">
-                <a:latin typeface="Times New Roman"/>
-              </a:defRPr>
-            </a:lvl1pPr>
-          </a:lstStyle>
-          <a:p>
-            <a:pPr algn="r">
-              <a:buNone/>
-            </a:pPr>
-            <a:r>
-              <a:rPr b="0" lang="en-US" sz="1400" spc="-1" strike="noStrike">
-                <a:latin typeface="Times New Roman"/>
-              </a:rPr>
-              <a:t>&lt;date/time&gt;</a:t>
-            </a:r>
-            <a:endParaRPr b="0" lang="en-US" sz="1400" spc="-1" strike="noStrike">
-              <a:latin typeface="Times New Roman"/>
-            </a:endParaRPr>
-          </a:p>
-        </p:txBody>
-      </p:sp>
-      <p:sp>
-        <p:nvSpPr>
-          <p:cNvPr id="45" name="PlaceHolder 5"/>
-          <p:cNvSpPr>
-            <a:spLocks noGrp="1"/>
-          </p:cNvSpPr>
-          <p:nvPr>
-            <p:ph type="ftr" idx="5"/>
-          </p:nvPr>
-        </p:nvSpPr>
-        <p:spPr>
-          <a:xfrm>
-            <a:off x="0" y="9555480"/>
-            <a:ext cx="3372840" cy="502560"/>
-          </a:xfrm>
-          <a:prstGeom prst="rect">
-            <a:avLst/>
-          </a:prstGeom>
-          <a:noFill/>
-          <a:ln w="0">
-            <a:noFill/>
-          </a:ln>
-        </p:spPr>
-        <p:txBody>
-          <a:bodyPr lIns="0" rIns="0" tIns="0" bIns="0" anchor="b">
-            <a:noAutofit/>
-          </a:bodyPr>
-          <a:lstStyle>
-            <a:lvl1pPr>
-              <a:defRPr b="0" lang="en-US" sz="1400" spc="-1" strike="noStrike">
-                <a:latin typeface="Times New Roman"/>
-              </a:defRPr>
-            </a:lvl1pPr>
-          </a:lstStyle>
-          <a:p>
-            <a:r>
-              <a:rPr b="0" lang="en-US" sz="1400" spc="-1" strike="noStrike">
-                <a:latin typeface="Times New Roman"/>
-              </a:rPr>
-              <a:t>&lt;footer&gt;</a:t>
-            </a:r>
-            <a:endParaRPr b="0" lang="en-US" sz="1400" spc="-1" strike="noStrike">
-              <a:latin typeface="Times New Roman"/>
-            </a:endParaRPr>
-          </a:p>
-        </p:txBody>
-      </p:sp>
-      <p:sp>
-        <p:nvSpPr>
-          <p:cNvPr id="46" name="PlaceHolder 6"/>
-          <p:cNvSpPr>
-            <a:spLocks noGrp="1"/>
-          </p:cNvSpPr>
-          <p:nvPr>
-            <p:ph type="sldNum" idx="6"/>
-          </p:nvPr>
-        </p:nvSpPr>
-        <p:spPr>
-          <a:xfrm>
-            <a:off x="4399200" y="9555480"/>
-            <a:ext cx="3372840" cy="502560"/>
-          </a:xfrm>
-          <a:prstGeom prst="rect">
-            <a:avLst/>
-          </a:prstGeom>
-          <a:noFill/>
-          <a:ln w="0">
-            <a:noFill/>
-          </a:ln>
-        </p:spPr>
-        <p:txBody>
-          <a:bodyPr lIns="0" rIns="0" tIns="0" bIns="0" anchor="b">
-            <a:noAutofit/>
-          </a:bodyPr>
-          <a:lstStyle>
-            <a:lvl1pPr algn="r">
-              <a:buNone/>
-              <a:defRPr b="0" lang="en-US" sz="1400" spc="-1" strike="noStrike">
-                <a:latin typeface="Times New Roman"/>
-              </a:defRPr>
-            </a:lvl1pPr>
-          </a:lstStyle>
-          <a:p>
-            <a:pPr algn="r">
-              <a:buNone/>
-            </a:pPr>
-            <a:fld id="{43974AB6-75F5-4921-B7EB-5B4462F61437}" type="slidenum">
-              <a:rPr b="0" lang="en-US" sz="1400" spc="-1" strike="noStrike">
-                <a:latin typeface="Times New Roman"/>
-              </a:rPr>
-              <a:t>&lt;number&gt;</a:t>
-            </a:fld>
-            <a:endParaRPr b="0" lang="en-US" sz="1400" spc="-1" strike="noStrike">
-              <a:latin typeface="Times New Roman"/>
-            </a:endParaRPr>
-          </a:p>
-        </p:txBody>
-      </p:sp>
-    </p:spTree>
-  </p:cSld>
-  <p:clrMap bg1="lt1" bg2="lt2" tx1="dk1" tx2="dk2" accent1="accent1" accent2="accent2" accent3="accent3" accent4="accent4" accent5="accent5" accent6="accent6" hlink="hlink" folHlink="folHlink"/>
-</p:notesMaster>
-</file>
-
-<file path=ppt/notesSlides/notesSlide1.xml><?xml version="1.0" encoding="utf-8"?>
-<p:notes xmlns:a="http://schemas.openxmlformats.org/drawingml/2006/main" xmlns:p="http://schemas.openxmlformats.org/presentationml/2006/main" xmlns:r="http://schemas.openxmlformats.org/officeDocument/2006/relationships" xmlns:p14="http://schemas.microsoft.com/office/powerpoint/2010/main" xmlns:p15="http://schemas.microsoft.com/office/powerpoint/2012/main" xmlns:mc="http://schemas.openxmlformats.org/markup-compatibility/2006">
-  <p:cSld>
-    <p:spTree>
-      <p:nvGrpSpPr>
-        <p:cNvPr id="1" name=""/>
-        <p:cNvGrpSpPr/>
-        <p:nvPr/>
-      </p:nvGrpSpPr>
-      <p:grpSpPr>
-        <a:xfrm>
-          <a:off x="0" y="0"/>
-          <a:ext cx="0" cy="0"/>
-          <a:chOff x="0" y="0"/>
-          <a:chExt cx="0" cy="0"/>
-        </a:xfrm>
-      </p:grpSpPr>
-      <p:sp>
-        <p:nvSpPr>
-          <p:cNvPr id="63" name="PlaceHolder 1"/>
-          <p:cNvSpPr>
-            <a:spLocks noGrp="1"/>
-          </p:cNvSpPr>
-          <p:nvPr>
-            <p:ph type="sldImg"/>
-          </p:nvPr>
-        </p:nvSpPr>
-        <p:spPr>
-          <a:xfrm>
-            <a:off x="2271600" y="1143000"/>
-            <a:ext cx="2314080" cy="3085920"/>
+            <a:off x="2271713" y="1143000"/>
+            <a:ext cx="2314575" cy="3086100"/>
           </a:xfrm>
           <a:prstGeom prst="rect">
             <a:avLst/>
@@ -380,8 +557,9 @@
           <a:bodyPr anchor="t">
             <a:noAutofit/>
           </a:bodyPr>
-          <a:p>
-            <a:endParaRPr b="0" lang="en-US" sz="2000" spc="-1" strike="noStrike">
+          <a:lstStyle/>
+          <a:p>
+            <a:endParaRPr lang="en-US" sz="2000" b="0" strike="noStrike" spc="-1">
               <a:latin typeface="Arial"/>
             </a:endParaRPr>
           </a:p>
@@ -420,7 +598,7 @@
                 <a:spcPct val="100000"/>
               </a:lnSpc>
               <a:buNone/>
-              <a:defRPr b="0" lang="en-US" sz="1200" spc="-1" strike="noStrike">
+              <a:defRPr lang="en-US" sz="1200" b="0" strike="noStrike" spc="-1">
                 <a:latin typeface="Times New Roman"/>
               </a:defRPr>
             </a:lvl1pPr>
@@ -433,12 +611,12 @@
               <a:buNone/>
             </a:pPr>
             <a:fld id="{C2C0C024-7063-4B64-B75D-0E9CC68FAABC}" type="slidenum">
-              <a:rPr b="0" lang="en-US" sz="1200" spc="-1" strike="noStrike">
+              <a:rPr lang="en-US" sz="1200" b="0" strike="noStrike" spc="-1">
                 <a:latin typeface="Times New Roman"/>
               </a:rPr>
-              <a:t>&lt;number&gt;</a:t>
+              <a:t>1</a:t>
             </a:fld>
-            <a:endParaRPr b="0" lang="en-US" sz="1200" spc="-1" strike="noStrike">
+            <a:endParaRPr lang="en-US" sz="1200" b="0" strike="noStrike" spc="-1">
               <a:latin typeface="Times New Roman"/>
             </a:endParaRPr>
           </a:p>
@@ -446,11 +624,14 @@
       </p:sp>
     </p:spTree>
   </p:cSld>
+  <p:clrMapOvr>
+    <a:masterClrMapping/>
+  </p:clrMapOvr>
 </p:notes>
 </file>
 
 <file path=ppt/slideLayouts/slideLayout1.xml><?xml version="1.0" encoding="utf-8"?>
-<p:sldLayout xmlns:a="http://schemas.openxmlformats.org/drawingml/2006/main" xmlns:p="http://schemas.openxmlformats.org/presentationml/2006/main" xmlns:r="http://schemas.openxmlformats.org/officeDocument/2006/relationships" xmlns:p14="http://schemas.microsoft.com/office/powerpoint/2010/main" xmlns:p15="http://schemas.microsoft.com/office/powerpoint/2012/main" xmlns:mc="http://schemas.openxmlformats.org/markup-compatibility/2006" type="blank" preserve="1">
+<p:sldLayout xmlns:a="http://schemas.openxmlformats.org/drawingml/2006/main" xmlns:r="http://schemas.openxmlformats.org/officeDocument/2006/relationships" xmlns:p="http://schemas.openxmlformats.org/presentationml/2006/main" type="blank" preserve="1">
   <p:cSld name="Blank Slide">
     <p:spTree>
       <p:nvGrpSpPr>
@@ -479,6 +660,7 @@
         <p:spPr/>
         <p:txBody>
           <a:bodyPr/>
+          <a:lstStyle/>
           <a:p>
             <a:r>
               <a:t>Footer</a:t>
@@ -499,10 +681,12 @@
         <p:spPr/>
         <p:txBody>
           <a:bodyPr/>
+          <a:lstStyle/>
           <a:p>
             <a:fld id="{C354CF87-9651-457F-B8F9-7B42F3965220}" type="slidenum">
-              <a:t>&lt;#&gt;</a:t>
+              <a:t>‹#›</a:t>
             </a:fld>
+            <a:endParaRPr/>
           </a:p>
         </p:txBody>
       </p:sp>
@@ -519,21 +703,22 @@
         <p:spPr/>
         <p:txBody>
           <a:bodyPr/>
-          <a:p>
-            <a:r>
-              <a:rPr lang="en-US"/>
-              <a:t/>
-            </a:r>
+          <a:lstStyle/>
+          <a:p>
+            <a:endParaRPr/>
           </a:p>
         </p:txBody>
       </p:sp>
     </p:spTree>
   </p:cSld>
+  <p:clrMapOvr>
+    <a:masterClrMapping/>
+  </p:clrMapOvr>
 </p:sldLayout>
 </file>
 
 <file path=ppt/slideLayouts/slideLayout10.xml><?xml version="1.0" encoding="utf-8"?>
-<p:sldLayout xmlns:a="http://schemas.openxmlformats.org/drawingml/2006/main" xmlns:p="http://schemas.openxmlformats.org/presentationml/2006/main" xmlns:r="http://schemas.openxmlformats.org/officeDocument/2006/relationships" xmlns:p14="http://schemas.microsoft.com/office/powerpoint/2010/main" xmlns:p15="http://schemas.microsoft.com/office/powerpoint/2012/main" xmlns:mc="http://schemas.openxmlformats.org/markup-compatibility/2006" type="objOverTx" preserve="1">
+<p:sldLayout xmlns:a="http://schemas.openxmlformats.org/drawingml/2006/main" xmlns:r="http://schemas.openxmlformats.org/officeDocument/2006/relationships" xmlns:p="http://schemas.openxmlformats.org/presentationml/2006/main" type="objOverTx" preserve="1">
   <p:cSld name="Title, Content over Content">
     <p:spTree>
       <p:nvGrpSpPr>
@@ -573,11 +758,12 @@
           </a:ln>
         </p:spPr>
         <p:txBody>
-          <a:bodyPr lIns="0" rIns="0" tIns="0" bIns="0" anchor="ctr">
+          <a:bodyPr lIns="0" tIns="0" rIns="0" bIns="0" anchor="ctr">
             <a:noAutofit/>
           </a:bodyPr>
-          <a:p>
-            <a:endParaRPr b="0" lang="en-US" sz="1800" spc="-1" strike="noStrike">
+          <a:lstStyle/>
+          <a:p>
+            <a:endParaRPr lang="en-US" sz="1800" b="0" strike="noStrike" spc="-1">
               <a:solidFill>
                 <a:srgbClr val="000000"/>
               </a:solidFill>
@@ -610,9 +796,10 @@
           </a:ln>
         </p:spPr>
         <p:txBody>
-          <a:bodyPr lIns="0" rIns="0" tIns="0" bIns="0" anchor="t">
+          <a:bodyPr lIns="0" tIns="0" rIns="0" bIns="0" anchor="t">
             <a:normAutofit/>
           </a:bodyPr>
+          <a:lstStyle/>
           <a:p>
             <a:pPr>
               <a:lnSpc>
@@ -623,7 +810,7 @@
               </a:spcBef>
               <a:buNone/>
             </a:pPr>
-            <a:endParaRPr b="0" lang="en-US" sz="5040" spc="-1" strike="noStrike">
+            <a:endParaRPr lang="en-US" sz="5040" b="0" strike="noStrike" spc="-1">
               <a:solidFill>
                 <a:srgbClr val="000000"/>
               </a:solidFill>
@@ -656,9 +843,10 @@
           </a:ln>
         </p:spPr>
         <p:txBody>
-          <a:bodyPr lIns="0" rIns="0" tIns="0" bIns="0" anchor="t">
+          <a:bodyPr lIns="0" tIns="0" rIns="0" bIns="0" anchor="t">
             <a:normAutofit/>
           </a:bodyPr>
+          <a:lstStyle/>
           <a:p>
             <a:pPr>
               <a:lnSpc>
@@ -669,7 +857,7 @@
               </a:spcBef>
               <a:buNone/>
             </a:pPr>
-            <a:endParaRPr b="0" lang="en-US" sz="5040" spc="-1" strike="noStrike">
+            <a:endParaRPr lang="en-US" sz="5040" b="0" strike="noStrike" spc="-1">
               <a:solidFill>
                 <a:srgbClr val="000000"/>
               </a:solidFill>
@@ -691,6 +879,7 @@
         <p:spPr/>
         <p:txBody>
           <a:bodyPr/>
+          <a:lstStyle/>
           <a:p>
             <a:r>
               <a:t>Footer</a:t>
@@ -711,10 +900,12 @@
         <p:spPr/>
         <p:txBody>
           <a:bodyPr/>
+          <a:lstStyle/>
           <a:p>
             <a:fld id="{73B92D7A-4660-43F7-A4AE-8DB2169835C3}" type="slidenum">
-              <a:t>&lt;#&gt;</a:t>
+              <a:t>‹#›</a:t>
             </a:fld>
+            <a:endParaRPr/>
           </a:p>
         </p:txBody>
       </p:sp>
@@ -731,21 +922,22 @@
         <p:spPr/>
         <p:txBody>
           <a:bodyPr/>
-          <a:p>
-            <a:r>
-              <a:rPr lang="en-US"/>
-              <a:t/>
-            </a:r>
+          <a:lstStyle/>
+          <a:p>
+            <a:endParaRPr/>
           </a:p>
         </p:txBody>
       </p:sp>
     </p:spTree>
   </p:cSld>
+  <p:clrMapOvr>
+    <a:masterClrMapping/>
+  </p:clrMapOvr>
 </p:sldLayout>
 </file>
 
 <file path=ppt/slideLayouts/slideLayout11.xml><?xml version="1.0" encoding="utf-8"?>
-<p:sldLayout xmlns:a="http://schemas.openxmlformats.org/drawingml/2006/main" xmlns:p="http://schemas.openxmlformats.org/presentationml/2006/main" xmlns:r="http://schemas.openxmlformats.org/officeDocument/2006/relationships" xmlns:p14="http://schemas.microsoft.com/office/powerpoint/2010/main" xmlns:p15="http://schemas.microsoft.com/office/powerpoint/2012/main" xmlns:mc="http://schemas.openxmlformats.org/markup-compatibility/2006" type="fourObj" preserve="1">
+<p:sldLayout xmlns:a="http://schemas.openxmlformats.org/drawingml/2006/main" xmlns:r="http://schemas.openxmlformats.org/officeDocument/2006/relationships" xmlns:p="http://schemas.openxmlformats.org/presentationml/2006/main" type="fourObj" preserve="1">
   <p:cSld name="Title, 4 Content">
     <p:spTree>
       <p:nvGrpSpPr>
@@ -785,11 +977,12 @@
           </a:ln>
         </p:spPr>
         <p:txBody>
-          <a:bodyPr lIns="0" rIns="0" tIns="0" bIns="0" anchor="ctr">
+          <a:bodyPr lIns="0" tIns="0" rIns="0" bIns="0" anchor="ctr">
             <a:noAutofit/>
           </a:bodyPr>
-          <a:p>
-            <a:endParaRPr b="0" lang="en-US" sz="1800" spc="-1" strike="noStrike">
+          <a:lstStyle/>
+          <a:p>
+            <a:endParaRPr lang="en-US" sz="1800" b="0" strike="noStrike" spc="-1">
               <a:solidFill>
                 <a:srgbClr val="000000"/>
               </a:solidFill>
@@ -822,9 +1015,10 @@
           </a:ln>
         </p:spPr>
         <p:txBody>
-          <a:bodyPr lIns="0" rIns="0" tIns="0" bIns="0" anchor="t">
+          <a:bodyPr lIns="0" tIns="0" rIns="0" bIns="0" anchor="t">
             <a:normAutofit/>
           </a:bodyPr>
+          <a:lstStyle/>
           <a:p>
             <a:pPr>
               <a:lnSpc>
@@ -835,7 +1029,7 @@
               </a:spcBef>
               <a:buNone/>
             </a:pPr>
-            <a:endParaRPr b="0" lang="en-US" sz="5040" spc="-1" strike="noStrike">
+            <a:endParaRPr lang="en-US" sz="5040" b="0" strike="noStrike" spc="-1">
               <a:solidFill>
                 <a:srgbClr val="000000"/>
               </a:solidFill>
@@ -868,9 +1062,10 @@
           </a:ln>
         </p:spPr>
         <p:txBody>
-          <a:bodyPr lIns="0" rIns="0" tIns="0" bIns="0" anchor="t">
+          <a:bodyPr lIns="0" tIns="0" rIns="0" bIns="0" anchor="t">
             <a:normAutofit/>
           </a:bodyPr>
+          <a:lstStyle/>
           <a:p>
             <a:pPr>
               <a:lnSpc>
@@ -881,7 +1076,7 @@
               </a:spcBef>
               <a:buNone/>
             </a:pPr>
-            <a:endParaRPr b="0" lang="en-US" sz="5040" spc="-1" strike="noStrike">
+            <a:endParaRPr lang="en-US" sz="5040" b="0" strike="noStrike" spc="-1">
               <a:solidFill>
                 <a:srgbClr val="000000"/>
               </a:solidFill>
@@ -914,9 +1109,10 @@
           </a:ln>
         </p:spPr>
         <p:txBody>
-          <a:bodyPr lIns="0" rIns="0" tIns="0" bIns="0" anchor="t">
+          <a:bodyPr lIns="0" tIns="0" rIns="0" bIns="0" anchor="t">
             <a:normAutofit/>
           </a:bodyPr>
+          <a:lstStyle/>
           <a:p>
             <a:pPr>
               <a:lnSpc>
@@ -927,7 +1123,7 @@
               </a:spcBef>
               <a:buNone/>
             </a:pPr>
-            <a:endParaRPr b="0" lang="en-US" sz="5040" spc="-1" strike="noStrike">
+            <a:endParaRPr lang="en-US" sz="5040" b="0" strike="noStrike" spc="-1">
               <a:solidFill>
                 <a:srgbClr val="000000"/>
               </a:solidFill>
@@ -960,9 +1156,10 @@
           </a:ln>
         </p:spPr>
         <p:txBody>
-          <a:bodyPr lIns="0" rIns="0" tIns="0" bIns="0" anchor="t">
+          <a:bodyPr lIns="0" tIns="0" rIns="0" bIns="0" anchor="t">
             <a:normAutofit/>
           </a:bodyPr>
+          <a:lstStyle/>
           <a:p>
             <a:pPr>
               <a:lnSpc>
@@ -973,7 +1170,7 @@
               </a:spcBef>
               <a:buNone/>
             </a:pPr>
-            <a:endParaRPr b="0" lang="en-US" sz="5040" spc="-1" strike="noStrike">
+            <a:endParaRPr lang="en-US" sz="5040" b="0" strike="noStrike" spc="-1">
               <a:solidFill>
                 <a:srgbClr val="000000"/>
               </a:solidFill>
@@ -995,6 +1192,7 @@
         <p:spPr/>
         <p:txBody>
           <a:bodyPr/>
+          <a:lstStyle/>
           <a:p>
             <a:r>
               <a:t>Footer</a:t>
@@ -1015,10 +1213,12 @@
         <p:spPr/>
         <p:txBody>
           <a:bodyPr/>
+          <a:lstStyle/>
           <a:p>
             <a:fld id="{4DF0EA7D-98D9-4E59-A154-629420F48ECC}" type="slidenum">
-              <a:t>&lt;#&gt;</a:t>
+              <a:t>‹#›</a:t>
             </a:fld>
+            <a:endParaRPr/>
           </a:p>
         </p:txBody>
       </p:sp>
@@ -1035,21 +1235,22 @@
         <p:spPr/>
         <p:txBody>
           <a:bodyPr/>
-          <a:p>
-            <a:r>
-              <a:rPr lang="en-US"/>
-              <a:t/>
-            </a:r>
+          <a:lstStyle/>
+          <a:p>
+            <a:endParaRPr/>
           </a:p>
         </p:txBody>
       </p:sp>
     </p:spTree>
   </p:cSld>
+  <p:clrMapOvr>
+    <a:masterClrMapping/>
+  </p:clrMapOvr>
 </p:sldLayout>
 </file>
 
 <file path=ppt/slideLayouts/slideLayout12.xml><?xml version="1.0" encoding="utf-8"?>
-<p:sldLayout xmlns:a="http://schemas.openxmlformats.org/drawingml/2006/main" xmlns:p="http://schemas.openxmlformats.org/presentationml/2006/main" xmlns:r="http://schemas.openxmlformats.org/officeDocument/2006/relationships" xmlns:p14="http://schemas.microsoft.com/office/powerpoint/2010/main" xmlns:p15="http://schemas.microsoft.com/office/powerpoint/2012/main" xmlns:mc="http://schemas.openxmlformats.org/markup-compatibility/2006" type="blank" preserve="1">
+<p:sldLayout xmlns:a="http://schemas.openxmlformats.org/drawingml/2006/main" xmlns:r="http://schemas.openxmlformats.org/officeDocument/2006/relationships" xmlns:p="http://schemas.openxmlformats.org/presentationml/2006/main" type="blank" preserve="1">
   <p:cSld name="Title, 6 Content">
     <p:spTree>
       <p:nvGrpSpPr>
@@ -1089,11 +1290,12 @@
           </a:ln>
         </p:spPr>
         <p:txBody>
-          <a:bodyPr lIns="0" rIns="0" tIns="0" bIns="0" anchor="ctr">
+          <a:bodyPr lIns="0" tIns="0" rIns="0" bIns="0" anchor="ctr">
             <a:noAutofit/>
           </a:bodyPr>
-          <a:p>
-            <a:endParaRPr b="0" lang="en-US" sz="1800" spc="-1" strike="noStrike">
+          <a:lstStyle/>
+          <a:p>
+            <a:endParaRPr lang="en-US" sz="1800" b="0" strike="noStrike" spc="-1">
               <a:solidFill>
                 <a:srgbClr val="000000"/>
               </a:solidFill>
@@ -1126,9 +1328,10 @@
           </a:ln>
         </p:spPr>
         <p:txBody>
-          <a:bodyPr lIns="0" rIns="0" tIns="0" bIns="0" anchor="t">
+          <a:bodyPr lIns="0" tIns="0" rIns="0" bIns="0" anchor="t">
             <a:normAutofit/>
           </a:bodyPr>
+          <a:lstStyle/>
           <a:p>
             <a:pPr>
               <a:lnSpc>
@@ -1139,7 +1342,7 @@
               </a:spcBef>
               <a:buNone/>
             </a:pPr>
-            <a:endParaRPr b="0" lang="en-US" sz="5040" spc="-1" strike="noStrike">
+            <a:endParaRPr lang="en-US" sz="5040" b="0" strike="noStrike" spc="-1">
               <a:solidFill>
                 <a:srgbClr val="000000"/>
               </a:solidFill>
@@ -1172,9 +1375,10 @@
           </a:ln>
         </p:spPr>
         <p:txBody>
-          <a:bodyPr lIns="0" rIns="0" tIns="0" bIns="0" anchor="t">
+          <a:bodyPr lIns="0" tIns="0" rIns="0" bIns="0" anchor="t">
             <a:normAutofit/>
           </a:bodyPr>
+          <a:lstStyle/>
           <a:p>
             <a:pPr>
               <a:lnSpc>
@@ -1185,7 +1389,7 @@
               </a:spcBef>
               <a:buNone/>
             </a:pPr>
-            <a:endParaRPr b="0" lang="en-US" sz="5040" spc="-1" strike="noStrike">
+            <a:endParaRPr lang="en-US" sz="5040" b="0" strike="noStrike" spc="-1">
               <a:solidFill>
                 <a:srgbClr val="000000"/>
               </a:solidFill>
@@ -1218,9 +1422,10 @@
           </a:ln>
         </p:spPr>
         <p:txBody>
-          <a:bodyPr lIns="0" rIns="0" tIns="0" bIns="0" anchor="t">
+          <a:bodyPr lIns="0" tIns="0" rIns="0" bIns="0" anchor="t">
             <a:normAutofit/>
           </a:bodyPr>
+          <a:lstStyle/>
           <a:p>
             <a:pPr>
               <a:lnSpc>
@@ -1231,7 +1436,7 @@
               </a:spcBef>
               <a:buNone/>
             </a:pPr>
-            <a:endParaRPr b="0" lang="en-US" sz="5040" spc="-1" strike="noStrike">
+            <a:endParaRPr lang="en-US" sz="5040" b="0" strike="noStrike" spc="-1">
               <a:solidFill>
                 <a:srgbClr val="000000"/>
               </a:solidFill>
@@ -1264,9 +1469,10 @@
           </a:ln>
         </p:spPr>
         <p:txBody>
-          <a:bodyPr lIns="0" rIns="0" tIns="0" bIns="0" anchor="t">
+          <a:bodyPr lIns="0" tIns="0" rIns="0" bIns="0" anchor="t">
             <a:normAutofit/>
           </a:bodyPr>
+          <a:lstStyle/>
           <a:p>
             <a:pPr>
               <a:lnSpc>
@@ -1277,7 +1483,7 @@
               </a:spcBef>
               <a:buNone/>
             </a:pPr>
-            <a:endParaRPr b="0" lang="en-US" sz="5040" spc="-1" strike="noStrike">
+            <a:endParaRPr lang="en-US" sz="5040" b="0" strike="noStrike" spc="-1">
               <a:solidFill>
                 <a:srgbClr val="000000"/>
               </a:solidFill>
@@ -1310,9 +1516,10 @@
           </a:ln>
         </p:spPr>
         <p:txBody>
-          <a:bodyPr lIns="0" rIns="0" tIns="0" bIns="0" anchor="t">
+          <a:bodyPr lIns="0" tIns="0" rIns="0" bIns="0" anchor="t">
             <a:normAutofit/>
           </a:bodyPr>
+          <a:lstStyle/>
           <a:p>
             <a:pPr>
               <a:lnSpc>
@@ -1323,7 +1530,7 @@
               </a:spcBef>
               <a:buNone/>
             </a:pPr>
-            <a:endParaRPr b="0" lang="en-US" sz="5040" spc="-1" strike="noStrike">
+            <a:endParaRPr lang="en-US" sz="5040" b="0" strike="noStrike" spc="-1">
               <a:solidFill>
                 <a:srgbClr val="000000"/>
               </a:solidFill>
@@ -1356,9 +1563,10 @@
           </a:ln>
         </p:spPr>
         <p:txBody>
-          <a:bodyPr lIns="0" rIns="0" tIns="0" bIns="0" anchor="t">
+          <a:bodyPr lIns="0" tIns="0" rIns="0" bIns="0" anchor="t">
             <a:normAutofit/>
           </a:bodyPr>
+          <a:lstStyle/>
           <a:p>
             <a:pPr>
               <a:lnSpc>
@@ -1369,7 +1577,7 @@
               </a:spcBef>
               <a:buNone/>
             </a:pPr>
-            <a:endParaRPr b="0" lang="en-US" sz="5040" spc="-1" strike="noStrike">
+            <a:endParaRPr lang="en-US" sz="5040" b="0" strike="noStrike" spc="-1">
               <a:solidFill>
                 <a:srgbClr val="000000"/>
               </a:solidFill>
@@ -1391,6 +1599,7 @@
         <p:spPr/>
         <p:txBody>
           <a:bodyPr/>
+          <a:lstStyle/>
           <a:p>
             <a:r>
               <a:t>Footer</a:t>
@@ -1411,10 +1620,12 @@
         <p:spPr/>
         <p:txBody>
           <a:bodyPr/>
+          <a:lstStyle/>
           <a:p>
             <a:fld id="{76D872F2-9B8E-4E37-9DBA-65C630A6FB85}" type="slidenum">
-              <a:t>&lt;#&gt;</a:t>
+              <a:t>‹#›</a:t>
             </a:fld>
+            <a:endParaRPr/>
           </a:p>
         </p:txBody>
       </p:sp>
@@ -1431,21 +1642,22 @@
         <p:spPr/>
         <p:txBody>
           <a:bodyPr/>
-          <a:p>
-            <a:r>
-              <a:rPr lang="en-US"/>
-              <a:t/>
-            </a:r>
+          <a:lstStyle/>
+          <a:p>
+            <a:endParaRPr/>
           </a:p>
         </p:txBody>
       </p:sp>
     </p:spTree>
   </p:cSld>
+  <p:clrMapOvr>
+    <a:masterClrMapping/>
+  </p:clrMapOvr>
 </p:sldLayout>
 </file>
 
 <file path=ppt/slideLayouts/slideLayout2.xml><?xml version="1.0" encoding="utf-8"?>
-<p:sldLayout xmlns:a="http://schemas.openxmlformats.org/drawingml/2006/main" xmlns:p="http://schemas.openxmlformats.org/presentationml/2006/main" xmlns:r="http://schemas.openxmlformats.org/officeDocument/2006/relationships" xmlns:p14="http://schemas.microsoft.com/office/powerpoint/2010/main" xmlns:p15="http://schemas.microsoft.com/office/powerpoint/2012/main" xmlns:mc="http://schemas.openxmlformats.org/markup-compatibility/2006" type="tx" preserve="1">
+<p:sldLayout xmlns:a="http://schemas.openxmlformats.org/drawingml/2006/main" xmlns:r="http://schemas.openxmlformats.org/officeDocument/2006/relationships" xmlns:p="http://schemas.openxmlformats.org/presentationml/2006/main" type="tx" preserve="1">
   <p:cSld name="Title Slide">
     <p:spTree>
       <p:nvGrpSpPr>
@@ -1485,11 +1697,12 @@
           </a:ln>
         </p:spPr>
         <p:txBody>
-          <a:bodyPr lIns="0" rIns="0" tIns="0" bIns="0" anchor="ctr">
+          <a:bodyPr lIns="0" tIns="0" rIns="0" bIns="0" anchor="ctr">
             <a:noAutofit/>
           </a:bodyPr>
-          <a:p>
-            <a:endParaRPr b="0" lang="en-US" sz="1800" spc="-1" strike="noStrike">
+          <a:lstStyle/>
+          <a:p>
+            <a:endParaRPr lang="en-US" sz="1800" b="0" strike="noStrike" spc="-1">
               <a:solidFill>
                 <a:srgbClr val="000000"/>
               </a:solidFill>
@@ -1522,14 +1735,15 @@
           </a:ln>
         </p:spPr>
         <p:txBody>
-          <a:bodyPr lIns="0" rIns="0" tIns="0" bIns="0" anchor="ctr">
+          <a:bodyPr lIns="0" tIns="0" rIns="0" bIns="0" anchor="ctr">
             <a:noAutofit/>
           </a:bodyPr>
+          <a:lstStyle/>
           <a:p>
             <a:pPr algn="ctr">
               <a:buNone/>
             </a:pPr>
-            <a:endParaRPr b="0" lang="en-US" sz="3200" spc="-1" strike="noStrike">
+            <a:endParaRPr lang="en-US" sz="3200" b="0" strike="noStrike" spc="-1">
               <a:latin typeface="Arial"/>
             </a:endParaRPr>
           </a:p>
@@ -1548,6 +1762,7 @@
         <p:spPr/>
         <p:txBody>
           <a:bodyPr/>
+          <a:lstStyle/>
           <a:p>
             <a:r>
               <a:t>Footer</a:t>
@@ -1557,7 +1772,7 @@
       </p:sp>
       <p:sp>
         <p:nvSpPr>
-          <p:cNvPr id="5" name="PlaceHolder 4"/>
+          <p:cNvPr id="2" name="PlaceHolder 4"/>
           <p:cNvSpPr>
             <a:spLocks noGrp="1"/>
           </p:cNvSpPr>
@@ -1568,16 +1783,18 @@
         <p:spPr/>
         <p:txBody>
           <a:bodyPr/>
+          <a:lstStyle/>
           <a:p>
             <a:fld id="{67D94755-E768-4B96-B493-A29CF180C0E8}" type="slidenum">
-              <a:t>&lt;#&gt;</a:t>
+              <a:t>‹#›</a:t>
             </a:fld>
-          </a:p>
-        </p:txBody>
-      </p:sp>
-      <p:sp>
-        <p:nvSpPr>
-          <p:cNvPr id="6" name="PlaceHolder 5"/>
+            <a:endParaRPr/>
+          </a:p>
+        </p:txBody>
+      </p:sp>
+      <p:sp>
+        <p:nvSpPr>
+          <p:cNvPr id="3" name="PlaceHolder 5"/>
           <p:cNvSpPr>
             <a:spLocks noGrp="1"/>
           </p:cNvSpPr>
@@ -1588,21 +1805,22 @@
         <p:spPr/>
         <p:txBody>
           <a:bodyPr/>
-          <a:p>
-            <a:r>
-              <a:rPr lang="en-US"/>
-              <a:t/>
-            </a:r>
+          <a:lstStyle/>
+          <a:p>
+            <a:endParaRPr/>
           </a:p>
         </p:txBody>
       </p:sp>
     </p:spTree>
   </p:cSld>
+  <p:clrMapOvr>
+    <a:masterClrMapping/>
+  </p:clrMapOvr>
 </p:sldLayout>
 </file>
 
 <file path=ppt/slideLayouts/slideLayout3.xml><?xml version="1.0" encoding="utf-8"?>
-<p:sldLayout xmlns:a="http://schemas.openxmlformats.org/drawingml/2006/main" xmlns:p="http://schemas.openxmlformats.org/presentationml/2006/main" xmlns:r="http://schemas.openxmlformats.org/officeDocument/2006/relationships" xmlns:p14="http://schemas.microsoft.com/office/powerpoint/2010/main" xmlns:p15="http://schemas.microsoft.com/office/powerpoint/2012/main" xmlns:mc="http://schemas.openxmlformats.org/markup-compatibility/2006" type="obj" preserve="1">
+<p:sldLayout xmlns:a="http://schemas.openxmlformats.org/drawingml/2006/main" xmlns:r="http://schemas.openxmlformats.org/officeDocument/2006/relationships" xmlns:p="http://schemas.openxmlformats.org/presentationml/2006/main" type="obj" preserve="1">
   <p:cSld name="Title, Content">
     <p:spTree>
       <p:nvGrpSpPr>
@@ -1642,11 +1860,12 @@
           </a:ln>
         </p:spPr>
         <p:txBody>
-          <a:bodyPr lIns="0" rIns="0" tIns="0" bIns="0" anchor="ctr">
+          <a:bodyPr lIns="0" tIns="0" rIns="0" bIns="0" anchor="ctr">
             <a:noAutofit/>
           </a:bodyPr>
-          <a:p>
-            <a:endParaRPr b="0" lang="en-US" sz="1800" spc="-1" strike="noStrike">
+          <a:lstStyle/>
+          <a:p>
+            <a:endParaRPr lang="en-US" sz="1800" b="0" strike="noStrike" spc="-1">
               <a:solidFill>
                 <a:srgbClr val="000000"/>
               </a:solidFill>
@@ -1679,9 +1898,10 @@
           </a:ln>
         </p:spPr>
         <p:txBody>
-          <a:bodyPr lIns="0" rIns="0" tIns="0" bIns="0" anchor="t">
+          <a:bodyPr lIns="0" tIns="0" rIns="0" bIns="0" anchor="t">
             <a:normAutofit/>
           </a:bodyPr>
+          <a:lstStyle/>
           <a:p>
             <a:pPr>
               <a:lnSpc>
@@ -1692,7 +1912,7 @@
               </a:spcBef>
               <a:buNone/>
             </a:pPr>
-            <a:endParaRPr b="0" lang="en-US" sz="5040" spc="-1" strike="noStrike">
+            <a:endParaRPr lang="en-US" sz="5040" b="0" strike="noStrike" spc="-1">
               <a:solidFill>
                 <a:srgbClr val="000000"/>
               </a:solidFill>
@@ -1714,6 +1934,7 @@
         <p:spPr/>
         <p:txBody>
           <a:bodyPr/>
+          <a:lstStyle/>
           <a:p>
             <a:r>
               <a:t>Footer</a:t>
@@ -1734,10 +1955,12 @@
         <p:spPr/>
         <p:txBody>
           <a:bodyPr/>
+          <a:lstStyle/>
           <a:p>
             <a:fld id="{DFCFB0B6-685E-43DD-A80E-35BDA81C6F31}" type="slidenum">
-              <a:t>&lt;#&gt;</a:t>
+              <a:t>‹#›</a:t>
             </a:fld>
+            <a:endParaRPr/>
           </a:p>
         </p:txBody>
       </p:sp>
@@ -1754,21 +1977,22 @@
         <p:spPr/>
         <p:txBody>
           <a:bodyPr/>
-          <a:p>
-            <a:r>
-              <a:rPr lang="en-US"/>
-              <a:t/>
-            </a:r>
+          <a:lstStyle/>
+          <a:p>
+            <a:endParaRPr/>
           </a:p>
         </p:txBody>
       </p:sp>
     </p:spTree>
   </p:cSld>
+  <p:clrMapOvr>
+    <a:masterClrMapping/>
+  </p:clrMapOvr>
 </p:sldLayout>
 </file>
 
 <file path=ppt/slideLayouts/slideLayout4.xml><?xml version="1.0" encoding="utf-8"?>
-<p:sldLayout xmlns:a="http://schemas.openxmlformats.org/drawingml/2006/main" xmlns:p="http://schemas.openxmlformats.org/presentationml/2006/main" xmlns:r="http://schemas.openxmlformats.org/officeDocument/2006/relationships" xmlns:p14="http://schemas.microsoft.com/office/powerpoint/2010/main" xmlns:p15="http://schemas.microsoft.com/office/powerpoint/2012/main" xmlns:mc="http://schemas.openxmlformats.org/markup-compatibility/2006" type="twoObj" preserve="1">
+<p:sldLayout xmlns:a="http://schemas.openxmlformats.org/drawingml/2006/main" xmlns:r="http://schemas.openxmlformats.org/officeDocument/2006/relationships" xmlns:p="http://schemas.openxmlformats.org/presentationml/2006/main" type="twoObj" preserve="1">
   <p:cSld name="Title, 2 Content">
     <p:spTree>
       <p:nvGrpSpPr>
@@ -1808,11 +2032,12 @@
           </a:ln>
         </p:spPr>
         <p:txBody>
-          <a:bodyPr lIns="0" rIns="0" tIns="0" bIns="0" anchor="ctr">
+          <a:bodyPr lIns="0" tIns="0" rIns="0" bIns="0" anchor="ctr">
             <a:noAutofit/>
           </a:bodyPr>
-          <a:p>
-            <a:endParaRPr b="0" lang="en-US" sz="1800" spc="-1" strike="noStrike">
+          <a:lstStyle/>
+          <a:p>
+            <a:endParaRPr lang="en-US" sz="1800" b="0" strike="noStrike" spc="-1">
               <a:solidFill>
                 <a:srgbClr val="000000"/>
               </a:solidFill>
@@ -1845,9 +2070,10 @@
           </a:ln>
         </p:spPr>
         <p:txBody>
-          <a:bodyPr lIns="0" rIns="0" tIns="0" bIns="0" anchor="t">
+          <a:bodyPr lIns="0" tIns="0" rIns="0" bIns="0" anchor="t">
             <a:normAutofit/>
           </a:bodyPr>
+          <a:lstStyle/>
           <a:p>
             <a:pPr>
               <a:lnSpc>
@@ -1858,7 +2084,7 @@
               </a:spcBef>
               <a:buNone/>
             </a:pPr>
-            <a:endParaRPr b="0" lang="en-US" sz="5040" spc="-1" strike="noStrike">
+            <a:endParaRPr lang="en-US" sz="5040" b="0" strike="noStrike" spc="-1">
               <a:solidFill>
                 <a:srgbClr val="000000"/>
               </a:solidFill>
@@ -1891,9 +2117,10 @@
           </a:ln>
         </p:spPr>
         <p:txBody>
-          <a:bodyPr lIns="0" rIns="0" tIns="0" bIns="0" anchor="t">
+          <a:bodyPr lIns="0" tIns="0" rIns="0" bIns="0" anchor="t">
             <a:normAutofit/>
           </a:bodyPr>
+          <a:lstStyle/>
           <a:p>
             <a:pPr>
               <a:lnSpc>
@@ -1904,7 +2131,7 @@
               </a:spcBef>
               <a:buNone/>
             </a:pPr>
-            <a:endParaRPr b="0" lang="en-US" sz="5040" spc="-1" strike="noStrike">
+            <a:endParaRPr lang="en-US" sz="5040" b="0" strike="noStrike" spc="-1">
               <a:solidFill>
                 <a:srgbClr val="000000"/>
               </a:solidFill>
@@ -1926,6 +2153,7 @@
         <p:spPr/>
         <p:txBody>
           <a:bodyPr/>
+          <a:lstStyle/>
           <a:p>
             <a:r>
               <a:t>Footer</a:t>
@@ -1946,10 +2174,12 @@
         <p:spPr/>
         <p:txBody>
           <a:bodyPr/>
+          <a:lstStyle/>
           <a:p>
             <a:fld id="{134A25E5-A696-42F2-85E7-5305873B8C0D}" type="slidenum">
-              <a:t>&lt;#&gt;</a:t>
+              <a:t>‹#›</a:t>
             </a:fld>
+            <a:endParaRPr/>
           </a:p>
         </p:txBody>
       </p:sp>
@@ -1966,21 +2196,22 @@
         <p:spPr/>
         <p:txBody>
           <a:bodyPr/>
-          <a:p>
-            <a:r>
-              <a:rPr lang="en-US"/>
-              <a:t/>
-            </a:r>
+          <a:lstStyle/>
+          <a:p>
+            <a:endParaRPr/>
           </a:p>
         </p:txBody>
       </p:sp>
     </p:spTree>
   </p:cSld>
+  <p:clrMapOvr>
+    <a:masterClrMapping/>
+  </p:clrMapOvr>
 </p:sldLayout>
 </file>
 
 <file path=ppt/slideLayouts/slideLayout5.xml><?xml version="1.0" encoding="utf-8"?>
-<p:sldLayout xmlns:a="http://schemas.openxmlformats.org/drawingml/2006/main" xmlns:p="http://schemas.openxmlformats.org/presentationml/2006/main" xmlns:r="http://schemas.openxmlformats.org/officeDocument/2006/relationships" xmlns:p14="http://schemas.microsoft.com/office/powerpoint/2010/main" xmlns:p15="http://schemas.microsoft.com/office/powerpoint/2012/main" xmlns:mc="http://schemas.openxmlformats.org/markup-compatibility/2006" type="titleOnly" preserve="1">
+<p:sldLayout xmlns:a="http://schemas.openxmlformats.org/drawingml/2006/main" xmlns:r="http://schemas.openxmlformats.org/officeDocument/2006/relationships" xmlns:p="http://schemas.openxmlformats.org/presentationml/2006/main" type="titleOnly" preserve="1">
   <p:cSld name="Title Only">
     <p:spTree>
       <p:nvGrpSpPr>
@@ -2020,11 +2251,12 @@
           </a:ln>
         </p:spPr>
         <p:txBody>
-          <a:bodyPr lIns="0" rIns="0" tIns="0" bIns="0" anchor="ctr">
+          <a:bodyPr lIns="0" tIns="0" rIns="0" bIns="0" anchor="ctr">
             <a:noAutofit/>
           </a:bodyPr>
-          <a:p>
-            <a:endParaRPr b="0" lang="en-US" sz="1800" spc="-1" strike="noStrike">
+          <a:lstStyle/>
+          <a:p>
+            <a:endParaRPr lang="en-US" sz="1800" b="0" strike="noStrike" spc="-1">
               <a:solidFill>
                 <a:srgbClr val="000000"/>
               </a:solidFill>
@@ -2046,6 +2278,7 @@
         <p:spPr/>
         <p:txBody>
           <a:bodyPr/>
+          <a:lstStyle/>
           <a:p>
             <a:r>
               <a:t>Footer</a:t>
@@ -2066,10 +2299,12 @@
         <p:spPr/>
         <p:txBody>
           <a:bodyPr/>
+          <a:lstStyle/>
           <a:p>
             <a:fld id="{D9A934D7-898D-4052-9034-74E1AA9392CD}" type="slidenum">
-              <a:t>&lt;#&gt;</a:t>
+              <a:t>‹#›</a:t>
             </a:fld>
+            <a:endParaRPr/>
           </a:p>
         </p:txBody>
       </p:sp>
@@ -2086,21 +2321,22 @@
         <p:spPr/>
         <p:txBody>
           <a:bodyPr/>
-          <a:p>
-            <a:r>
-              <a:rPr lang="en-US"/>
-              <a:t/>
-            </a:r>
+          <a:lstStyle/>
+          <a:p>
+            <a:endParaRPr/>
           </a:p>
         </p:txBody>
       </p:sp>
     </p:spTree>
   </p:cSld>
+  <p:clrMapOvr>
+    <a:masterClrMapping/>
+  </p:clrMapOvr>
 </p:sldLayout>
 </file>
 
 <file path=ppt/slideLayouts/slideLayout6.xml><?xml version="1.0" encoding="utf-8"?>
-<p:sldLayout xmlns:a="http://schemas.openxmlformats.org/drawingml/2006/main" xmlns:p="http://schemas.openxmlformats.org/presentationml/2006/main" xmlns:r="http://schemas.openxmlformats.org/officeDocument/2006/relationships" xmlns:p14="http://schemas.microsoft.com/office/powerpoint/2010/main" xmlns:p15="http://schemas.microsoft.com/office/powerpoint/2012/main" xmlns:mc="http://schemas.openxmlformats.org/markup-compatibility/2006" type="objOnly" preserve="1">
+<p:sldLayout xmlns:a="http://schemas.openxmlformats.org/drawingml/2006/main" xmlns:r="http://schemas.openxmlformats.org/officeDocument/2006/relationships" xmlns:p="http://schemas.openxmlformats.org/presentationml/2006/main" type="objOnly" preserve="1">
   <p:cSld name="Centered Text">
     <p:spTree>
       <p:nvGrpSpPr>
@@ -2140,14 +2376,15 @@
           </a:ln>
         </p:spPr>
         <p:txBody>
-          <a:bodyPr lIns="0" rIns="0" tIns="0" bIns="0" anchor="ctr">
+          <a:bodyPr lIns="0" tIns="0" rIns="0" bIns="0" anchor="ctr">
             <a:noAutofit/>
           </a:bodyPr>
+          <a:lstStyle/>
           <a:p>
             <a:pPr algn="ctr">
               <a:buNone/>
             </a:pPr>
-            <a:endParaRPr b="0" lang="en-US" sz="3200" spc="-1" strike="noStrike">
+            <a:endParaRPr lang="en-US" sz="3200" b="0" strike="noStrike" spc="-1">
               <a:latin typeface="Arial"/>
             </a:endParaRPr>
           </a:p>
@@ -2166,6 +2403,7 @@
         <p:spPr/>
         <p:txBody>
           <a:bodyPr/>
+          <a:lstStyle/>
           <a:p>
             <a:r>
               <a:t>Footer</a:t>
@@ -2186,10 +2424,12 @@
         <p:spPr/>
         <p:txBody>
           <a:bodyPr/>
+          <a:lstStyle/>
           <a:p>
             <a:fld id="{73FEB397-9F72-46FD-8595-60DC3E4E17EB}" type="slidenum">
-              <a:t>&lt;#&gt;</a:t>
+              <a:t>‹#›</a:t>
             </a:fld>
+            <a:endParaRPr/>
           </a:p>
         </p:txBody>
       </p:sp>
@@ -2206,21 +2446,22 @@
         <p:spPr/>
         <p:txBody>
           <a:bodyPr/>
-          <a:p>
-            <a:r>
-              <a:rPr lang="en-US"/>
-              <a:t/>
-            </a:r>
+          <a:lstStyle/>
+          <a:p>
+            <a:endParaRPr/>
           </a:p>
         </p:txBody>
       </p:sp>
     </p:spTree>
   </p:cSld>
+  <p:clrMapOvr>
+    <a:masterClrMapping/>
+  </p:clrMapOvr>
 </p:sldLayout>
 </file>
 
 <file path=ppt/slideLayouts/slideLayout7.xml><?xml version="1.0" encoding="utf-8"?>
-<p:sldLayout xmlns:a="http://schemas.openxmlformats.org/drawingml/2006/main" xmlns:p="http://schemas.openxmlformats.org/presentationml/2006/main" xmlns:r="http://schemas.openxmlformats.org/officeDocument/2006/relationships" xmlns:p14="http://schemas.microsoft.com/office/powerpoint/2010/main" xmlns:p15="http://schemas.microsoft.com/office/powerpoint/2012/main" xmlns:mc="http://schemas.openxmlformats.org/markup-compatibility/2006" type="twoObjAndObj" preserve="1">
+<p:sldLayout xmlns:a="http://schemas.openxmlformats.org/drawingml/2006/main" xmlns:r="http://schemas.openxmlformats.org/officeDocument/2006/relationships" xmlns:p="http://schemas.openxmlformats.org/presentationml/2006/main" type="twoObjAndObj" preserve="1">
   <p:cSld name="Title, 2 Content and Content">
     <p:spTree>
       <p:nvGrpSpPr>
@@ -2260,11 +2501,12 @@
           </a:ln>
         </p:spPr>
         <p:txBody>
-          <a:bodyPr lIns="0" rIns="0" tIns="0" bIns="0" anchor="ctr">
+          <a:bodyPr lIns="0" tIns="0" rIns="0" bIns="0" anchor="ctr">
             <a:noAutofit/>
           </a:bodyPr>
-          <a:p>
-            <a:endParaRPr b="0" lang="en-US" sz="1800" spc="-1" strike="noStrike">
+          <a:lstStyle/>
+          <a:p>
+            <a:endParaRPr lang="en-US" sz="1800" b="0" strike="noStrike" spc="-1">
               <a:solidFill>
                 <a:srgbClr val="000000"/>
               </a:solidFill>
@@ -2297,9 +2539,10 @@
           </a:ln>
         </p:spPr>
         <p:txBody>
-          <a:bodyPr lIns="0" rIns="0" tIns="0" bIns="0" anchor="t">
+          <a:bodyPr lIns="0" tIns="0" rIns="0" bIns="0" anchor="t">
             <a:normAutofit/>
           </a:bodyPr>
+          <a:lstStyle/>
           <a:p>
             <a:pPr>
               <a:lnSpc>
@@ -2310,7 +2553,7 @@
               </a:spcBef>
               <a:buNone/>
             </a:pPr>
-            <a:endParaRPr b="0" lang="en-US" sz="5040" spc="-1" strike="noStrike">
+            <a:endParaRPr lang="en-US" sz="5040" b="0" strike="noStrike" spc="-1">
               <a:solidFill>
                 <a:srgbClr val="000000"/>
               </a:solidFill>
@@ -2343,9 +2586,10 @@
           </a:ln>
         </p:spPr>
         <p:txBody>
-          <a:bodyPr lIns="0" rIns="0" tIns="0" bIns="0" anchor="t">
+          <a:bodyPr lIns="0" tIns="0" rIns="0" bIns="0" anchor="t">
             <a:normAutofit/>
           </a:bodyPr>
+          <a:lstStyle/>
           <a:p>
             <a:pPr>
               <a:lnSpc>
@@ -2356,7 +2600,7 @@
               </a:spcBef>
               <a:buNone/>
             </a:pPr>
-            <a:endParaRPr b="0" lang="en-US" sz="5040" spc="-1" strike="noStrike">
+            <a:endParaRPr lang="en-US" sz="5040" b="0" strike="noStrike" spc="-1">
               <a:solidFill>
                 <a:srgbClr val="000000"/>
               </a:solidFill>
@@ -2389,9 +2633,10 @@
           </a:ln>
         </p:spPr>
         <p:txBody>
-          <a:bodyPr lIns="0" rIns="0" tIns="0" bIns="0" anchor="t">
+          <a:bodyPr lIns="0" tIns="0" rIns="0" bIns="0" anchor="t">
             <a:normAutofit/>
           </a:bodyPr>
+          <a:lstStyle/>
           <a:p>
             <a:pPr>
               <a:lnSpc>
@@ -2402,7 +2647,7 @@
               </a:spcBef>
               <a:buNone/>
             </a:pPr>
-            <a:endParaRPr b="0" lang="en-US" sz="5040" spc="-1" strike="noStrike">
+            <a:endParaRPr lang="en-US" sz="5040" b="0" strike="noStrike" spc="-1">
               <a:solidFill>
                 <a:srgbClr val="000000"/>
               </a:solidFill>
@@ -2424,6 +2669,7 @@
         <p:spPr/>
         <p:txBody>
           <a:bodyPr/>
+          <a:lstStyle/>
           <a:p>
             <a:r>
               <a:t>Footer</a:t>
@@ -2444,10 +2690,12 @@
         <p:spPr/>
         <p:txBody>
           <a:bodyPr/>
+          <a:lstStyle/>
           <a:p>
             <a:fld id="{4F60497A-D4EA-44AD-86CF-C663F6234BB0}" type="slidenum">
-              <a:t>&lt;#&gt;</a:t>
+              <a:t>‹#›</a:t>
             </a:fld>
+            <a:endParaRPr/>
           </a:p>
         </p:txBody>
       </p:sp>
@@ -2464,21 +2712,22 @@
         <p:spPr/>
         <p:txBody>
           <a:bodyPr/>
-          <a:p>
-            <a:r>
-              <a:rPr lang="en-US"/>
-              <a:t/>
-            </a:r>
+          <a:lstStyle/>
+          <a:p>
+            <a:endParaRPr/>
           </a:p>
         </p:txBody>
       </p:sp>
     </p:spTree>
   </p:cSld>
+  <p:clrMapOvr>
+    <a:masterClrMapping/>
+  </p:clrMapOvr>
 </p:sldLayout>
 </file>
 
 <file path=ppt/slideLayouts/slideLayout8.xml><?xml version="1.0" encoding="utf-8"?>
-<p:sldLayout xmlns:a="http://schemas.openxmlformats.org/drawingml/2006/main" xmlns:p="http://schemas.openxmlformats.org/presentationml/2006/main" xmlns:r="http://schemas.openxmlformats.org/officeDocument/2006/relationships" xmlns:p14="http://schemas.microsoft.com/office/powerpoint/2010/main" xmlns:p15="http://schemas.microsoft.com/office/powerpoint/2012/main" xmlns:mc="http://schemas.openxmlformats.org/markup-compatibility/2006" type="objAndTwoObj" preserve="1">
+<p:sldLayout xmlns:a="http://schemas.openxmlformats.org/drawingml/2006/main" xmlns:r="http://schemas.openxmlformats.org/officeDocument/2006/relationships" xmlns:p="http://schemas.openxmlformats.org/presentationml/2006/main" type="objAndTwoObj" preserve="1">
   <p:cSld name="Title Content and 2 Content">
     <p:spTree>
       <p:nvGrpSpPr>
@@ -2518,11 +2767,12 @@
           </a:ln>
         </p:spPr>
         <p:txBody>
-          <a:bodyPr lIns="0" rIns="0" tIns="0" bIns="0" anchor="ctr">
+          <a:bodyPr lIns="0" tIns="0" rIns="0" bIns="0" anchor="ctr">
             <a:noAutofit/>
           </a:bodyPr>
-          <a:p>
-            <a:endParaRPr b="0" lang="en-US" sz="1800" spc="-1" strike="noStrike">
+          <a:lstStyle/>
+          <a:p>
+            <a:endParaRPr lang="en-US" sz="1800" b="0" strike="noStrike" spc="-1">
               <a:solidFill>
                 <a:srgbClr val="000000"/>
               </a:solidFill>
@@ -2555,9 +2805,10 @@
           </a:ln>
         </p:spPr>
         <p:txBody>
-          <a:bodyPr lIns="0" rIns="0" tIns="0" bIns="0" anchor="t">
+          <a:bodyPr lIns="0" tIns="0" rIns="0" bIns="0" anchor="t">
             <a:normAutofit/>
           </a:bodyPr>
+          <a:lstStyle/>
           <a:p>
             <a:pPr>
               <a:lnSpc>
@@ -2568,7 +2819,7 @@
               </a:spcBef>
               <a:buNone/>
             </a:pPr>
-            <a:endParaRPr b="0" lang="en-US" sz="5040" spc="-1" strike="noStrike">
+            <a:endParaRPr lang="en-US" sz="5040" b="0" strike="noStrike" spc="-1">
               <a:solidFill>
                 <a:srgbClr val="000000"/>
               </a:solidFill>
@@ -2601,9 +2852,10 @@
           </a:ln>
         </p:spPr>
         <p:txBody>
-          <a:bodyPr lIns="0" rIns="0" tIns="0" bIns="0" anchor="t">
+          <a:bodyPr lIns="0" tIns="0" rIns="0" bIns="0" anchor="t">
             <a:normAutofit/>
           </a:bodyPr>
+          <a:lstStyle/>
           <a:p>
             <a:pPr>
               <a:lnSpc>
@@ -2614,7 +2866,7 @@
               </a:spcBef>
               <a:buNone/>
             </a:pPr>
-            <a:endParaRPr b="0" lang="en-US" sz="5040" spc="-1" strike="noStrike">
+            <a:endParaRPr lang="en-US" sz="5040" b="0" strike="noStrike" spc="-1">
               <a:solidFill>
                 <a:srgbClr val="000000"/>
               </a:solidFill>
@@ -2647,9 +2899,10 @@
           </a:ln>
         </p:spPr>
         <p:txBody>
-          <a:bodyPr lIns="0" rIns="0" tIns="0" bIns="0" anchor="t">
+          <a:bodyPr lIns="0" tIns="0" rIns="0" bIns="0" anchor="t">
             <a:normAutofit/>
           </a:bodyPr>
+          <a:lstStyle/>
           <a:p>
             <a:pPr>
               <a:lnSpc>
@@ -2660,7 +2913,7 @@
               </a:spcBef>
               <a:buNone/>
             </a:pPr>
-            <a:endParaRPr b="0" lang="en-US" sz="5040" spc="-1" strike="noStrike">
+            <a:endParaRPr lang="en-US" sz="5040" b="0" strike="noStrike" spc="-1">
               <a:solidFill>
                 <a:srgbClr val="000000"/>
               </a:solidFill>
@@ -2682,6 +2935,7 @@
         <p:spPr/>
         <p:txBody>
           <a:bodyPr/>
+          <a:lstStyle/>
           <a:p>
             <a:r>
               <a:t>Footer</a:t>
@@ -2702,10 +2956,12 @@
         <p:spPr/>
         <p:txBody>
           <a:bodyPr/>
+          <a:lstStyle/>
           <a:p>
             <a:fld id="{A2B79749-D4F7-4259-9A3B-894B5E9550BC}" type="slidenum">
-              <a:t>&lt;#&gt;</a:t>
+              <a:t>‹#›</a:t>
             </a:fld>
+            <a:endParaRPr/>
           </a:p>
         </p:txBody>
       </p:sp>
@@ -2722,21 +2978,22 @@
         <p:spPr/>
         <p:txBody>
           <a:bodyPr/>
-          <a:p>
-            <a:r>
-              <a:rPr lang="en-US"/>
-              <a:t/>
-            </a:r>
+          <a:lstStyle/>
+          <a:p>
+            <a:endParaRPr/>
           </a:p>
         </p:txBody>
       </p:sp>
     </p:spTree>
   </p:cSld>
+  <p:clrMapOvr>
+    <a:masterClrMapping/>
+  </p:clrMapOvr>
 </p:sldLayout>
 </file>
 
 <file path=ppt/slideLayouts/slideLayout9.xml><?xml version="1.0" encoding="utf-8"?>
-<p:sldLayout xmlns:a="http://schemas.openxmlformats.org/drawingml/2006/main" xmlns:p="http://schemas.openxmlformats.org/presentationml/2006/main" xmlns:r="http://schemas.openxmlformats.org/officeDocument/2006/relationships" xmlns:p14="http://schemas.microsoft.com/office/powerpoint/2010/main" xmlns:p15="http://schemas.microsoft.com/office/powerpoint/2012/main" xmlns:mc="http://schemas.openxmlformats.org/markup-compatibility/2006" type="twoObjOverTx" preserve="1">
+<p:sldLayout xmlns:a="http://schemas.openxmlformats.org/drawingml/2006/main" xmlns:r="http://schemas.openxmlformats.org/officeDocument/2006/relationships" xmlns:p="http://schemas.openxmlformats.org/presentationml/2006/main" type="twoObjOverTx" preserve="1">
   <p:cSld name="Title, 2 Content over Content">
     <p:spTree>
       <p:nvGrpSpPr>
@@ -2776,11 +3033,12 @@
           </a:ln>
         </p:spPr>
         <p:txBody>
-          <a:bodyPr lIns="0" rIns="0" tIns="0" bIns="0" anchor="ctr">
+          <a:bodyPr lIns="0" tIns="0" rIns="0" bIns="0" anchor="ctr">
             <a:noAutofit/>
           </a:bodyPr>
-          <a:p>
-            <a:endParaRPr b="0" lang="en-US" sz="1800" spc="-1" strike="noStrike">
+          <a:lstStyle/>
+          <a:p>
+            <a:endParaRPr lang="en-US" sz="1800" b="0" strike="noStrike" spc="-1">
               <a:solidFill>
                 <a:srgbClr val="000000"/>
               </a:solidFill>
@@ -2813,9 +3071,10 @@
           </a:ln>
         </p:spPr>
         <p:txBody>
-          <a:bodyPr lIns="0" rIns="0" tIns="0" bIns="0" anchor="t">
+          <a:bodyPr lIns="0" tIns="0" rIns="0" bIns="0" anchor="t">
             <a:normAutofit/>
           </a:bodyPr>
+          <a:lstStyle/>
           <a:p>
             <a:pPr>
               <a:lnSpc>
@@ -2826,7 +3085,7 @@
               </a:spcBef>
               <a:buNone/>
             </a:pPr>
-            <a:endParaRPr b="0" lang="en-US" sz="5040" spc="-1" strike="noStrike">
+            <a:endParaRPr lang="en-US" sz="5040" b="0" strike="noStrike" spc="-1">
               <a:solidFill>
                 <a:srgbClr val="000000"/>
               </a:solidFill>
@@ -2859,9 +3118,10 @@
           </a:ln>
         </p:spPr>
         <p:txBody>
-          <a:bodyPr lIns="0" rIns="0" tIns="0" bIns="0" anchor="t">
+          <a:bodyPr lIns="0" tIns="0" rIns="0" bIns="0" anchor="t">
             <a:normAutofit/>
           </a:bodyPr>
+          <a:lstStyle/>
           <a:p>
             <a:pPr>
               <a:lnSpc>
@@ -2872,7 +3132,7 @@
               </a:spcBef>
               <a:buNone/>
             </a:pPr>
-            <a:endParaRPr b="0" lang="en-US" sz="5040" spc="-1" strike="noStrike">
+            <a:endParaRPr lang="en-US" sz="5040" b="0" strike="noStrike" spc="-1">
               <a:solidFill>
                 <a:srgbClr val="000000"/>
               </a:solidFill>
@@ -2905,9 +3165,10 @@
           </a:ln>
         </p:spPr>
         <p:txBody>
-          <a:bodyPr lIns="0" rIns="0" tIns="0" bIns="0" anchor="t">
+          <a:bodyPr lIns="0" tIns="0" rIns="0" bIns="0" anchor="t">
             <a:normAutofit/>
           </a:bodyPr>
+          <a:lstStyle/>
           <a:p>
             <a:pPr>
               <a:lnSpc>
@@ -2918,7 +3179,7 @@
               </a:spcBef>
               <a:buNone/>
             </a:pPr>
-            <a:endParaRPr b="0" lang="en-US" sz="5040" spc="-1" strike="noStrike">
+            <a:endParaRPr lang="en-US" sz="5040" b="0" strike="noStrike" spc="-1">
               <a:solidFill>
                 <a:srgbClr val="000000"/>
               </a:solidFill>
@@ -2940,6 +3201,7 @@
         <p:spPr/>
         <p:txBody>
           <a:bodyPr/>
+          <a:lstStyle/>
           <a:p>
             <a:r>
               <a:t>Footer</a:t>
@@ -2960,10 +3222,12 @@
         <p:spPr/>
         <p:txBody>
           <a:bodyPr/>
+          <a:lstStyle/>
           <a:p>
             <a:fld id="{9EECBEED-C8C9-4022-84CA-05F4C099590E}" type="slidenum">
-              <a:t>&lt;#&gt;</a:t>
+              <a:t>‹#›</a:t>
             </a:fld>
+            <a:endParaRPr/>
           </a:p>
         </p:txBody>
       </p:sp>
@@ -2980,27 +3244,29 @@
         <p:spPr/>
         <p:txBody>
           <a:bodyPr/>
-          <a:p>
-            <a:r>
-              <a:rPr lang="en-US"/>
-              <a:t/>
-            </a:r>
+          <a:lstStyle/>
+          <a:p>
+            <a:endParaRPr/>
           </a:p>
         </p:txBody>
       </p:sp>
     </p:spTree>
   </p:cSld>
+  <p:clrMapOvr>
+    <a:masterClrMapping/>
+  </p:clrMapOvr>
 </p:sldLayout>
 </file>
 
 <file path=ppt/slideMasters/slideMaster1.xml><?xml version="1.0" encoding="utf-8"?>
-<p:sldMaster xmlns:a="http://schemas.openxmlformats.org/drawingml/2006/main" xmlns:p="http://schemas.openxmlformats.org/presentationml/2006/main" xmlns:r="http://schemas.openxmlformats.org/officeDocument/2006/relationships" xmlns:p14="http://schemas.microsoft.com/office/powerpoint/2010/main" xmlns:p15="http://schemas.microsoft.com/office/powerpoint/2012/main" xmlns:mc="http://schemas.openxmlformats.org/markup-compatibility/2006">
+<p:sldMaster xmlns:a="http://schemas.openxmlformats.org/drawingml/2006/main" xmlns:r="http://schemas.openxmlformats.org/officeDocument/2006/relationships" xmlns:p="http://schemas.openxmlformats.org/presentationml/2006/main">
   <p:cSld>
     <p:bg>
       <p:bgPr>
         <a:solidFill>
-          <a:srgbClr val="ffffff"/>
+          <a:srgbClr val="FFFFFF"/>
         </a:solidFill>
+        <a:effectLst/>
       </p:bgPr>
     </p:bg>
     <p:spTree>
@@ -3019,7 +3285,7 @@
       </p:grpSpPr>
       <p:sp>
         <p:nvSpPr>
-          <p:cNvPr id="0" name="PlaceHolder 1"/>
+          <p:cNvPr id="5" name="PlaceHolder 1"/>
           <p:cNvSpPr>
             <a:spLocks noGrp="1"/>
           </p:cNvSpPr>
@@ -3044,6 +3310,7 @@
           <a:bodyPr anchor="b">
             <a:noAutofit/>
           </a:bodyPr>
+          <a:lstStyle/>
           <a:p>
             <a:pPr algn="ctr">
               <a:lnSpc>
@@ -3052,7 +3319,7 @@
               <a:buNone/>
             </a:pPr>
             <a:r>
-              <a:rPr b="0" lang="en-US" sz="10800" spc="-1" strike="noStrike">
+              <a:rPr lang="en-US" sz="10800" b="0" strike="noStrike" spc="-1">
                 <a:solidFill>
                   <a:srgbClr val="000000"/>
                 </a:solidFill>
@@ -3060,18 +3327,12 @@
               </a:rPr>
               <a:t>Click to edit Master title style</a:t>
             </a:r>
-            <a:endParaRPr b="0" lang="en-US" sz="10800" spc="-1" strike="noStrike">
-              <a:solidFill>
-                <a:srgbClr val="000000"/>
-              </a:solidFill>
-              <a:latin typeface="Arial"/>
-            </a:endParaRPr>
-          </a:p>
-        </p:txBody>
-      </p:sp>
-      <p:sp>
-        <p:nvSpPr>
-          <p:cNvPr id="1" name="PlaceHolder 2"/>
+          </a:p>
+        </p:txBody>
+      </p:sp>
+      <p:sp>
+        <p:nvSpPr>
+          <p:cNvPr id="6" name="PlaceHolder 2"/>
           <p:cNvSpPr>
             <a:spLocks noGrp="1"/>
           </p:cNvSpPr>
@@ -3102,9 +3363,9 @@
                 <a:spcPct val="100000"/>
               </a:lnSpc>
               <a:buNone/>
-              <a:defRPr b="0" lang="en-US" sz="2160" spc="-1" strike="noStrike">
-                <a:solidFill>
-                  <a:srgbClr val="8b8b8b"/>
+              <a:defRPr lang="en-US" sz="2160" b="0" strike="noStrike" spc="-1">
+                <a:solidFill>
+                  <a:srgbClr val="8B8B8B"/>
                 </a:solidFill>
                 <a:latin typeface="Arial"/>
               </a:defRPr>
@@ -3118,15 +3379,15 @@
               <a:buNone/>
             </a:pPr>
             <a:r>
-              <a:rPr b="0" lang="en-US" sz="2160" spc="-1" strike="noStrike">
-                <a:solidFill>
-                  <a:srgbClr val="8b8b8b"/>
+              <a:rPr lang="en-US" sz="2160" b="0" strike="noStrike" spc="-1">
+                <a:solidFill>
+                  <a:srgbClr val="8B8B8B"/>
                 </a:solidFill>
                 <a:latin typeface="Arial"/>
               </a:rPr>
               <a:t>&lt;date/time&gt;</a:t>
             </a:r>
-            <a:endParaRPr b="0" lang="en-US" sz="2160" spc="-1" strike="noStrike">
+            <a:endParaRPr lang="en-US" sz="2160" b="0" strike="noStrike" spc="-1">
               <a:latin typeface="Times New Roman"/>
             </a:endParaRPr>
           </a:p>
@@ -3162,7 +3423,7 @@
           <a:lstStyle>
             <a:lvl1pPr algn="ctr">
               <a:buNone/>
-              <a:defRPr b="0" lang="en-US" sz="1400" spc="-1" strike="noStrike">
+              <a:defRPr lang="en-US" sz="1400" b="0" strike="noStrike" spc="-1">
                 <a:latin typeface="Times New Roman"/>
               </a:defRPr>
             </a:lvl1pPr>
@@ -3172,14 +3433,11 @@
               <a:buNone/>
             </a:pPr>
             <a:r>
-              <a:rPr b="0" lang="en-US" sz="1400" spc="-1" strike="noStrike">
+              <a:rPr lang="en-US" sz="1400" b="0" strike="noStrike" spc="-1">
                 <a:latin typeface="Times New Roman"/>
               </a:rPr>
               <a:t>&lt;footer&gt;</a:t>
             </a:r>
-            <a:endParaRPr b="0" lang="en-US" sz="1400" spc="-1" strike="noStrike">
-              <a:latin typeface="Times New Roman"/>
-            </a:endParaRPr>
           </a:p>
         </p:txBody>
       </p:sp>
@@ -3216,9 +3474,9 @@
                 <a:spcPct val="100000"/>
               </a:lnSpc>
               <a:buNone/>
-              <a:defRPr b="0" lang="en-US" sz="2160" spc="-1" strike="noStrike">
-                <a:solidFill>
-                  <a:srgbClr val="8b8b8b"/>
+              <a:defRPr lang="en-US" sz="2160" b="0" strike="noStrike" spc="-1">
+                <a:solidFill>
+                  <a:srgbClr val="8B8B8B"/>
                 </a:solidFill>
                 <a:latin typeface="Arial"/>
               </a:defRPr>
@@ -3232,15 +3490,15 @@
               <a:buNone/>
             </a:pPr>
             <a:fld id="{A332415C-940D-4C27-80E9-548D4B85B8F7}" type="slidenum">
-              <a:rPr b="0" lang="en-US" sz="2160" spc="-1" strike="noStrike">
-                <a:solidFill>
-                  <a:srgbClr val="8b8b8b"/>
+              <a:rPr lang="en-US" sz="2160" b="0" strike="noStrike" spc="-1">
+                <a:solidFill>
+                  <a:srgbClr val="8B8B8B"/>
                 </a:solidFill>
                 <a:latin typeface="Arial"/>
               </a:rPr>
-              <a:t>&lt;number&gt;</a:t>
+              <a:t>‹#›</a:t>
             </a:fld>
-            <a:endParaRPr b="0" lang="en-US" sz="2160" spc="-1" strike="noStrike">
+            <a:endParaRPr lang="en-US" sz="2160" b="0" strike="noStrike" spc="-1">
               <a:latin typeface="Times New Roman"/>
             </a:endParaRPr>
           </a:p>
@@ -3270,9 +3528,10 @@
           </a:ln>
         </p:spPr>
         <p:txBody>
-          <a:bodyPr lIns="0" rIns="0" tIns="0" bIns="0" anchor="t">
+          <a:bodyPr lIns="0" tIns="0" rIns="0" bIns="0" anchor="t">
             <a:normAutofit/>
           </a:bodyPr>
+          <a:lstStyle/>
           <a:p>
             <a:pPr marL="432000" indent="-324000">
               <a:lnSpc>
@@ -3289,7 +3548,7 @@
               <a:buChar char=""/>
             </a:pPr>
             <a:r>
-              <a:rPr b="0" lang="en-US" sz="5040" spc="-1" strike="noStrike">
+              <a:rPr lang="en-US" sz="5040" b="0" strike="noStrike" spc="-1">
                 <a:solidFill>
                   <a:srgbClr val="000000"/>
                 </a:solidFill>
@@ -3297,15 +3556,9 @@
               </a:rPr>
               <a:t>Click to edit the outline text format</a:t>
             </a:r>
-            <a:endParaRPr b="0" lang="en-US" sz="5040" spc="-1" strike="noStrike">
-              <a:solidFill>
-                <a:srgbClr val="000000"/>
-              </a:solidFill>
-              <a:latin typeface="Arial"/>
-            </a:endParaRPr>
-          </a:p>
-          <a:p>
-            <a:pPr lvl="1" marL="864000" indent="-324000">
+          </a:p>
+          <a:p>
+            <a:pPr marL="864000" lvl="1" indent="-324000">
               <a:lnSpc>
                 <a:spcPct val="90000"/>
               </a:lnSpc>
@@ -3320,7 +3573,7 @@
               <a:buChar char=""/>
             </a:pPr>
             <a:r>
-              <a:rPr b="0" lang="en-US" sz="3600" spc="-1" strike="noStrike">
+              <a:rPr lang="en-US" sz="3600" b="0" strike="noStrike" spc="-1">
                 <a:solidFill>
                   <a:srgbClr val="000000"/>
                 </a:solidFill>
@@ -3328,15 +3581,9 @@
               </a:rPr>
               <a:t>Second Outline Level</a:t>
             </a:r>
-            <a:endParaRPr b="0" lang="en-US" sz="3600" spc="-1" strike="noStrike">
-              <a:solidFill>
-                <a:srgbClr val="000000"/>
-              </a:solidFill>
-              <a:latin typeface="Arial"/>
-            </a:endParaRPr>
-          </a:p>
-          <a:p>
-            <a:pPr lvl="2" marL="1296000" indent="-288000">
+          </a:p>
+          <a:p>
+            <a:pPr marL="1296000" lvl="2" indent="-288000">
               <a:lnSpc>
                 <a:spcPct val="90000"/>
               </a:lnSpc>
@@ -3351,7 +3598,7 @@
               <a:buChar char=""/>
             </a:pPr>
             <a:r>
-              <a:rPr b="0" lang="en-US" sz="3240" spc="-1" strike="noStrike">
+              <a:rPr lang="en-US" sz="3240" b="0" strike="noStrike" spc="-1">
                 <a:solidFill>
                   <a:srgbClr val="000000"/>
                 </a:solidFill>
@@ -3359,15 +3606,9 @@
               </a:rPr>
               <a:t>Third Outline Level</a:t>
             </a:r>
-            <a:endParaRPr b="0" lang="en-US" sz="3240" spc="-1" strike="noStrike">
-              <a:solidFill>
-                <a:srgbClr val="000000"/>
-              </a:solidFill>
-              <a:latin typeface="Arial"/>
-            </a:endParaRPr>
-          </a:p>
-          <a:p>
-            <a:pPr lvl="3" marL="1728000" indent="-216000">
+          </a:p>
+          <a:p>
+            <a:pPr marL="1728000" lvl="3" indent="-216000">
               <a:lnSpc>
                 <a:spcPct val="90000"/>
               </a:lnSpc>
@@ -3382,7 +3623,7 @@
               <a:buChar char=""/>
             </a:pPr>
             <a:r>
-              <a:rPr b="0" lang="en-US" sz="3240" spc="-1" strike="noStrike">
+              <a:rPr lang="en-US" sz="3240" b="0" strike="noStrike" spc="-1">
                 <a:solidFill>
                   <a:srgbClr val="000000"/>
                 </a:solidFill>
@@ -3390,15 +3631,9 @@
               </a:rPr>
               <a:t>Fourth Outline Level</a:t>
             </a:r>
-            <a:endParaRPr b="0" lang="en-US" sz="3240" spc="-1" strike="noStrike">
-              <a:solidFill>
-                <a:srgbClr val="000000"/>
-              </a:solidFill>
-              <a:latin typeface="Arial"/>
-            </a:endParaRPr>
-          </a:p>
-          <a:p>
-            <a:pPr lvl="4" marL="2160000" indent="-216000">
+          </a:p>
+          <a:p>
+            <a:pPr marL="2160000" lvl="4" indent="-216000">
               <a:lnSpc>
                 <a:spcPct val="90000"/>
               </a:lnSpc>
@@ -3413,7 +3648,7 @@
               <a:buChar char=""/>
             </a:pPr>
             <a:r>
-              <a:rPr b="0" lang="en-US" sz="2000" spc="-1" strike="noStrike">
+              <a:rPr lang="en-US" sz="2000" b="0" strike="noStrike" spc="-1">
                 <a:solidFill>
                   <a:srgbClr val="000000"/>
                 </a:solidFill>
@@ -3421,15 +3656,9 @@
               </a:rPr>
               <a:t>Fifth Outline Level</a:t>
             </a:r>
-            <a:endParaRPr b="0" lang="en-US" sz="2000" spc="-1" strike="noStrike">
-              <a:solidFill>
-                <a:srgbClr val="000000"/>
-              </a:solidFill>
-              <a:latin typeface="Arial"/>
-            </a:endParaRPr>
-          </a:p>
-          <a:p>
-            <a:pPr lvl="5" marL="2592000" indent="-216000">
+          </a:p>
+          <a:p>
+            <a:pPr marL="2592000" lvl="5" indent="-216000">
               <a:lnSpc>
                 <a:spcPct val="90000"/>
               </a:lnSpc>
@@ -3444,7 +3673,7 @@
               <a:buChar char=""/>
             </a:pPr>
             <a:r>
-              <a:rPr b="0" lang="en-US" sz="2000" spc="-1" strike="noStrike">
+              <a:rPr lang="en-US" sz="2000" b="0" strike="noStrike" spc="-1">
                 <a:solidFill>
                   <a:srgbClr val="000000"/>
                 </a:solidFill>
@@ -3452,15 +3681,9 @@
               </a:rPr>
               <a:t>Sixth Outline Level</a:t>
             </a:r>
-            <a:endParaRPr b="0" lang="en-US" sz="2000" spc="-1" strike="noStrike">
-              <a:solidFill>
-                <a:srgbClr val="000000"/>
-              </a:solidFill>
-              <a:latin typeface="Arial"/>
-            </a:endParaRPr>
-          </a:p>
-          <a:p>
-            <a:pPr lvl="6" marL="3024000" indent="-216000">
+          </a:p>
+          <a:p>
+            <a:pPr marL="3024000" lvl="6" indent="-216000">
               <a:lnSpc>
                 <a:spcPct val="90000"/>
               </a:lnSpc>
@@ -3475,7 +3698,7 @@
               <a:buChar char=""/>
             </a:pPr>
             <a:r>
-              <a:rPr b="0" lang="en-US" sz="2000" spc="-1" strike="noStrike">
+              <a:rPr lang="en-US" sz="2000" b="0" strike="noStrike" spc="-1">
                 <a:solidFill>
                   <a:srgbClr val="000000"/>
                 </a:solidFill>
@@ -3483,43 +3706,318 @@
               </a:rPr>
               <a:t>Seventh Outline Level</a:t>
             </a:r>
-            <a:endParaRPr b="0" lang="en-US" sz="2000" spc="-1" strike="noStrike">
-              <a:solidFill>
-                <a:srgbClr val="000000"/>
-              </a:solidFill>
-              <a:latin typeface="Arial"/>
-            </a:endParaRPr>
           </a:p>
         </p:txBody>
       </p:sp>
     </p:spTree>
   </p:cSld>
-  <p:clrMap bg1="lt1" bg2="lt2" tx1="dk1" tx2="dk2" accent1="accent1" accent2="accent2" accent3="accent3" accent4="accent4" accent5="accent5" accent6="accent6" hlink="hlink" folHlink="folHlink"/>
+  <p:clrMap bg1="lt1" tx1="dk1" bg2="lt2" tx2="dk2" accent1="accent1" accent2="accent2" accent3="accent3" accent4="accent4" accent5="accent5" accent6="accent6" hlink="hlink" folHlink="folHlink"/>
   <p:sldLayoutIdLst>
-    <p:sldLayoutId id="2147483649" r:id="rId2"/>
-    <p:sldLayoutId id="2147483650" r:id="rId3"/>
-    <p:sldLayoutId id="2147483651" r:id="rId4"/>
-    <p:sldLayoutId id="2147483652" r:id="rId5"/>
-    <p:sldLayoutId id="2147483653" r:id="rId6"/>
-    <p:sldLayoutId id="2147483654" r:id="rId7"/>
-    <p:sldLayoutId id="2147483655" r:id="rId8"/>
-    <p:sldLayoutId id="2147483656" r:id="rId9"/>
-    <p:sldLayoutId id="2147483657" r:id="rId10"/>
-    <p:sldLayoutId id="2147483658" r:id="rId11"/>
-    <p:sldLayoutId id="2147483659" r:id="rId12"/>
-    <p:sldLayoutId id="2147483660" r:id="rId13"/>
+    <p:sldLayoutId id="2147483649" r:id="rId1"/>
+    <p:sldLayoutId id="2147483650" r:id="rId2"/>
+    <p:sldLayoutId id="2147483651" r:id="rId3"/>
+    <p:sldLayoutId id="2147483652" r:id="rId4"/>
+    <p:sldLayoutId id="2147483653" r:id="rId5"/>
+    <p:sldLayoutId id="2147483654" r:id="rId6"/>
+    <p:sldLayoutId id="2147483655" r:id="rId7"/>
+    <p:sldLayoutId id="2147483656" r:id="rId8"/>
+    <p:sldLayoutId id="2147483657" r:id="rId9"/>
+    <p:sldLayoutId id="2147483658" r:id="rId10"/>
+    <p:sldLayoutId id="2147483659" r:id="rId11"/>
+    <p:sldLayoutId id="2147483660" r:id="rId12"/>
   </p:sldLayoutIdLst>
+  <p:txStyles>
+    <p:titleStyle>
+      <a:lvl1pPr algn="l" defTabSz="914400" rtl="0" eaLnBrk="1" latinLnBrk="0" hangingPunct="1">
+        <a:lnSpc>
+          <a:spcPct val="90000"/>
+        </a:lnSpc>
+        <a:spcBef>
+          <a:spcPct val="0"/>
+        </a:spcBef>
+        <a:buNone/>
+        <a:defRPr sz="4400" kern="1200">
+          <a:solidFill>
+            <a:schemeClr val="tx1"/>
+          </a:solidFill>
+          <a:latin typeface="+mj-lt"/>
+          <a:ea typeface="+mj-ea"/>
+          <a:cs typeface="+mj-cs"/>
+        </a:defRPr>
+      </a:lvl1pPr>
+    </p:titleStyle>
+    <p:bodyStyle>
+      <a:lvl1pPr marL="228600" indent="-228600" algn="l" defTabSz="914400" rtl="0" eaLnBrk="1" latinLnBrk="0" hangingPunct="1">
+        <a:lnSpc>
+          <a:spcPct val="90000"/>
+        </a:lnSpc>
+        <a:spcBef>
+          <a:spcPts val="1000"/>
+        </a:spcBef>
+        <a:buFont typeface="Arial" panose="020B0604020202020204" pitchFamily="34" charset="0"/>
+        <a:buChar char="•"/>
+        <a:defRPr sz="2800" kern="1200">
+          <a:solidFill>
+            <a:schemeClr val="tx1"/>
+          </a:solidFill>
+          <a:latin typeface="+mn-lt"/>
+          <a:ea typeface="+mn-ea"/>
+          <a:cs typeface="+mn-cs"/>
+        </a:defRPr>
+      </a:lvl1pPr>
+      <a:lvl2pPr marL="685800" indent="-228600" algn="l" defTabSz="914400" rtl="0" eaLnBrk="1" latinLnBrk="0" hangingPunct="1">
+        <a:lnSpc>
+          <a:spcPct val="90000"/>
+        </a:lnSpc>
+        <a:spcBef>
+          <a:spcPts val="500"/>
+        </a:spcBef>
+        <a:buFont typeface="Arial" panose="020B0604020202020204" pitchFamily="34" charset="0"/>
+        <a:buChar char="•"/>
+        <a:defRPr sz="2400" kern="1200">
+          <a:solidFill>
+            <a:schemeClr val="tx1"/>
+          </a:solidFill>
+          <a:latin typeface="+mn-lt"/>
+          <a:ea typeface="+mn-ea"/>
+          <a:cs typeface="+mn-cs"/>
+        </a:defRPr>
+      </a:lvl2pPr>
+      <a:lvl3pPr marL="1143000" indent="-228600" algn="l" defTabSz="914400" rtl="0" eaLnBrk="1" latinLnBrk="0" hangingPunct="1">
+        <a:lnSpc>
+          <a:spcPct val="90000"/>
+        </a:lnSpc>
+        <a:spcBef>
+          <a:spcPts val="500"/>
+        </a:spcBef>
+        <a:buFont typeface="Arial" panose="020B0604020202020204" pitchFamily="34" charset="0"/>
+        <a:buChar char="•"/>
+        <a:defRPr sz="2000" kern="1200">
+          <a:solidFill>
+            <a:schemeClr val="tx1"/>
+          </a:solidFill>
+          <a:latin typeface="+mn-lt"/>
+          <a:ea typeface="+mn-ea"/>
+          <a:cs typeface="+mn-cs"/>
+        </a:defRPr>
+      </a:lvl3pPr>
+      <a:lvl4pPr marL="1600200" indent="-228600" algn="l" defTabSz="914400" rtl="0" eaLnBrk="1" latinLnBrk="0" hangingPunct="1">
+        <a:lnSpc>
+          <a:spcPct val="90000"/>
+        </a:lnSpc>
+        <a:spcBef>
+          <a:spcPts val="500"/>
+        </a:spcBef>
+        <a:buFont typeface="Arial" panose="020B0604020202020204" pitchFamily="34" charset="0"/>
+        <a:buChar char="•"/>
+        <a:defRPr sz="1800" kern="1200">
+          <a:solidFill>
+            <a:schemeClr val="tx1"/>
+          </a:solidFill>
+          <a:latin typeface="+mn-lt"/>
+          <a:ea typeface="+mn-ea"/>
+          <a:cs typeface="+mn-cs"/>
+        </a:defRPr>
+      </a:lvl4pPr>
+      <a:lvl5pPr marL="2057400" indent="-228600" algn="l" defTabSz="914400" rtl="0" eaLnBrk="1" latinLnBrk="0" hangingPunct="1">
+        <a:lnSpc>
+          <a:spcPct val="90000"/>
+        </a:lnSpc>
+        <a:spcBef>
+          <a:spcPts val="500"/>
+        </a:spcBef>
+        <a:buFont typeface="Arial" panose="020B0604020202020204" pitchFamily="34" charset="0"/>
+        <a:buChar char="•"/>
+        <a:defRPr sz="1800" kern="1200">
+          <a:solidFill>
+            <a:schemeClr val="tx1"/>
+          </a:solidFill>
+          <a:latin typeface="+mn-lt"/>
+          <a:ea typeface="+mn-ea"/>
+          <a:cs typeface="+mn-cs"/>
+        </a:defRPr>
+      </a:lvl5pPr>
+      <a:lvl6pPr marL="2514600" indent="-228600" algn="l" defTabSz="914400" rtl="0" eaLnBrk="1" latinLnBrk="0" hangingPunct="1">
+        <a:lnSpc>
+          <a:spcPct val="90000"/>
+        </a:lnSpc>
+        <a:spcBef>
+          <a:spcPts val="500"/>
+        </a:spcBef>
+        <a:buFont typeface="Arial" panose="020B0604020202020204" pitchFamily="34" charset="0"/>
+        <a:buChar char="•"/>
+        <a:defRPr sz="1800" kern="1200">
+          <a:solidFill>
+            <a:schemeClr val="tx1"/>
+          </a:solidFill>
+          <a:latin typeface="+mn-lt"/>
+          <a:ea typeface="+mn-ea"/>
+          <a:cs typeface="+mn-cs"/>
+        </a:defRPr>
+      </a:lvl6pPr>
+      <a:lvl7pPr marL="2971800" indent="-228600" algn="l" defTabSz="914400" rtl="0" eaLnBrk="1" latinLnBrk="0" hangingPunct="1">
+        <a:lnSpc>
+          <a:spcPct val="90000"/>
+        </a:lnSpc>
+        <a:spcBef>
+          <a:spcPts val="500"/>
+        </a:spcBef>
+        <a:buFont typeface="Arial" panose="020B0604020202020204" pitchFamily="34" charset="0"/>
+        <a:buChar char="•"/>
+        <a:defRPr sz="1800" kern="1200">
+          <a:solidFill>
+            <a:schemeClr val="tx1"/>
+          </a:solidFill>
+          <a:latin typeface="+mn-lt"/>
+          <a:ea typeface="+mn-ea"/>
+          <a:cs typeface="+mn-cs"/>
+        </a:defRPr>
+      </a:lvl7pPr>
+      <a:lvl8pPr marL="3429000" indent="-228600" algn="l" defTabSz="914400" rtl="0" eaLnBrk="1" latinLnBrk="0" hangingPunct="1">
+        <a:lnSpc>
+          <a:spcPct val="90000"/>
+        </a:lnSpc>
+        <a:spcBef>
+          <a:spcPts val="500"/>
+        </a:spcBef>
+        <a:buFont typeface="Arial" panose="020B0604020202020204" pitchFamily="34" charset="0"/>
+        <a:buChar char="•"/>
+        <a:defRPr sz="1800" kern="1200">
+          <a:solidFill>
+            <a:schemeClr val="tx1"/>
+          </a:solidFill>
+          <a:latin typeface="+mn-lt"/>
+          <a:ea typeface="+mn-ea"/>
+          <a:cs typeface="+mn-cs"/>
+        </a:defRPr>
+      </a:lvl8pPr>
+      <a:lvl9pPr marL="3886200" indent="-228600" algn="l" defTabSz="914400" rtl="0" eaLnBrk="1" latinLnBrk="0" hangingPunct="1">
+        <a:lnSpc>
+          <a:spcPct val="90000"/>
+        </a:lnSpc>
+        <a:spcBef>
+          <a:spcPts val="500"/>
+        </a:spcBef>
+        <a:buFont typeface="Arial" panose="020B0604020202020204" pitchFamily="34" charset="0"/>
+        <a:buChar char="•"/>
+        <a:defRPr sz="1800" kern="1200">
+          <a:solidFill>
+            <a:schemeClr val="tx1"/>
+          </a:solidFill>
+          <a:latin typeface="+mn-lt"/>
+          <a:ea typeface="+mn-ea"/>
+          <a:cs typeface="+mn-cs"/>
+        </a:defRPr>
+      </a:lvl9pPr>
+    </p:bodyStyle>
+    <p:otherStyle>
+      <a:defPPr>
+        <a:defRPr lang="en-US"/>
+      </a:defPPr>
+      <a:lvl1pPr marL="0" algn="l" defTabSz="914400" rtl="0" eaLnBrk="1" latinLnBrk="0" hangingPunct="1">
+        <a:defRPr sz="1800" kern="1200">
+          <a:solidFill>
+            <a:schemeClr val="tx1"/>
+          </a:solidFill>
+          <a:latin typeface="+mn-lt"/>
+          <a:ea typeface="+mn-ea"/>
+          <a:cs typeface="+mn-cs"/>
+        </a:defRPr>
+      </a:lvl1pPr>
+      <a:lvl2pPr marL="457200" algn="l" defTabSz="914400" rtl="0" eaLnBrk="1" latinLnBrk="0" hangingPunct="1">
+        <a:defRPr sz="1800" kern="1200">
+          <a:solidFill>
+            <a:schemeClr val="tx1"/>
+          </a:solidFill>
+          <a:latin typeface="+mn-lt"/>
+          <a:ea typeface="+mn-ea"/>
+          <a:cs typeface="+mn-cs"/>
+        </a:defRPr>
+      </a:lvl2pPr>
+      <a:lvl3pPr marL="914400" algn="l" defTabSz="914400" rtl="0" eaLnBrk="1" latinLnBrk="0" hangingPunct="1">
+        <a:defRPr sz="1800" kern="1200">
+          <a:solidFill>
+            <a:schemeClr val="tx1"/>
+          </a:solidFill>
+          <a:latin typeface="+mn-lt"/>
+          <a:ea typeface="+mn-ea"/>
+          <a:cs typeface="+mn-cs"/>
+        </a:defRPr>
+      </a:lvl3pPr>
+      <a:lvl4pPr marL="1371600" algn="l" defTabSz="914400" rtl="0" eaLnBrk="1" latinLnBrk="0" hangingPunct="1">
+        <a:defRPr sz="1800" kern="1200">
+          <a:solidFill>
+            <a:schemeClr val="tx1"/>
+          </a:solidFill>
+          <a:latin typeface="+mn-lt"/>
+          <a:ea typeface="+mn-ea"/>
+          <a:cs typeface="+mn-cs"/>
+        </a:defRPr>
+      </a:lvl4pPr>
+      <a:lvl5pPr marL="1828800" algn="l" defTabSz="914400" rtl="0" eaLnBrk="1" latinLnBrk="0" hangingPunct="1">
+        <a:defRPr sz="1800" kern="1200">
+          <a:solidFill>
+            <a:schemeClr val="tx1"/>
+          </a:solidFill>
+          <a:latin typeface="+mn-lt"/>
+          <a:ea typeface="+mn-ea"/>
+          <a:cs typeface="+mn-cs"/>
+        </a:defRPr>
+      </a:lvl5pPr>
+      <a:lvl6pPr marL="2286000" algn="l" defTabSz="914400" rtl="0" eaLnBrk="1" latinLnBrk="0" hangingPunct="1">
+        <a:defRPr sz="1800" kern="1200">
+          <a:solidFill>
+            <a:schemeClr val="tx1"/>
+          </a:solidFill>
+          <a:latin typeface="+mn-lt"/>
+          <a:ea typeface="+mn-ea"/>
+          <a:cs typeface="+mn-cs"/>
+        </a:defRPr>
+      </a:lvl6pPr>
+      <a:lvl7pPr marL="2743200" algn="l" defTabSz="914400" rtl="0" eaLnBrk="1" latinLnBrk="0" hangingPunct="1">
+        <a:defRPr sz="1800" kern="1200">
+          <a:solidFill>
+            <a:schemeClr val="tx1"/>
+          </a:solidFill>
+          <a:latin typeface="+mn-lt"/>
+          <a:ea typeface="+mn-ea"/>
+          <a:cs typeface="+mn-cs"/>
+        </a:defRPr>
+      </a:lvl7pPr>
+      <a:lvl8pPr marL="3200400" algn="l" defTabSz="914400" rtl="0" eaLnBrk="1" latinLnBrk="0" hangingPunct="1">
+        <a:defRPr sz="1800" kern="1200">
+          <a:solidFill>
+            <a:schemeClr val="tx1"/>
+          </a:solidFill>
+          <a:latin typeface="+mn-lt"/>
+          <a:ea typeface="+mn-ea"/>
+          <a:cs typeface="+mn-cs"/>
+        </a:defRPr>
+      </a:lvl8pPr>
+      <a:lvl9pPr marL="3657600" algn="l" defTabSz="914400" rtl="0" eaLnBrk="1" latinLnBrk="0" hangingPunct="1">
+        <a:defRPr sz="1800" kern="1200">
+          <a:solidFill>
+            <a:schemeClr val="tx1"/>
+          </a:solidFill>
+          <a:latin typeface="+mn-lt"/>
+          <a:ea typeface="+mn-ea"/>
+          <a:cs typeface="+mn-cs"/>
+        </a:defRPr>
+      </a:lvl9pPr>
+    </p:otherStyle>
+  </p:txStyles>
 </p:sldMaster>
 </file>
 
 <file path=ppt/slides/slide1.xml><?xml version="1.0" encoding="utf-8"?>
-<p:sld xmlns:a="http://schemas.openxmlformats.org/drawingml/2006/main" xmlns:p="http://schemas.openxmlformats.org/presentationml/2006/main" xmlns:r="http://schemas.openxmlformats.org/officeDocument/2006/relationships" xmlns:p14="http://schemas.microsoft.com/office/powerpoint/2010/main" xmlns:p15="http://schemas.microsoft.com/office/powerpoint/2012/main" xmlns:mc="http://schemas.openxmlformats.org/markup-compatibility/2006">
+<p:sld xmlns:a="http://schemas.openxmlformats.org/drawingml/2006/main" xmlns:r="http://schemas.openxmlformats.org/officeDocument/2006/relationships" xmlns:p="http://schemas.openxmlformats.org/presentationml/2006/main">
   <p:cSld>
     <p:bg>
       <p:bgPr>
         <a:solidFill>
-          <a:srgbClr val="ffffff"/>
+          <a:srgbClr val="FFFFFF"/>
         </a:solidFill>
+        <a:effectLst/>
       </p:bgPr>
     </p:bg>
     <p:spTree>
@@ -3555,7 +4053,7 @@
           </a:solidFill>
           <a:ln w="9525">
             <a:solidFill>
-              <a:srgbClr val="0e2641"/>
+              <a:srgbClr val="0E2641"/>
             </a:solidFill>
           </a:ln>
         </p:spPr>
@@ -3574,9 +4072,10 @@
           <a:fontRef idx="minor"/>
         </p:style>
         <p:txBody>
-          <a:bodyPr lIns="182880" rIns="182880" tIns="45000" bIns="45000" anchor="t">
+          <a:bodyPr lIns="182880" tIns="45000" rIns="182880" bIns="45000" anchor="t">
             <a:noAutofit/>
           </a:bodyPr>
+          <a:lstStyle/>
           <a:p>
             <a:pPr algn="just">
               <a:lnSpc>
@@ -3585,16 +4084,16 @@
               <a:buNone/>
             </a:pPr>
             <a:r>
-              <a:rPr b="1" lang="en-US" sz="2000" spc="-1" strike="noStrike">
-                <a:solidFill>
-                  <a:srgbClr val="6241c5"/>
+              <a:rPr lang="en-US" sz="2000" b="1" strike="noStrike" spc="-1" dirty="0">
+                <a:solidFill>
+                  <a:srgbClr val="6241C5"/>
                 </a:solidFill>
                 <a:latin typeface="Arial"/>
                 <a:ea typeface="Calibri"/>
               </a:rPr>
               <a:t>Attacks</a:t>
             </a:r>
-            <a:endParaRPr b="0" lang="en-US" sz="2000" spc="-1" strike="noStrike">
+            <a:endParaRPr lang="en-US" sz="2000" b="0" strike="noStrike" spc="-1" dirty="0">
               <a:latin typeface="Arial"/>
             </a:endParaRPr>
           </a:p>
@@ -3606,7 +4105,7 @@
               <a:buNone/>
             </a:pPr>
             <a:r>
-              <a:rPr b="1" lang="en-US" sz="2000" spc="-1" strike="noStrike">
+              <a:rPr lang="en-US" sz="2000" b="1" strike="noStrike" spc="-1" dirty="0">
                 <a:solidFill>
                   <a:srgbClr val="000000"/>
                 </a:solidFill>
@@ -3616,7 +4115,7 @@
               <a:t>Brute-Force: </a:t>
             </a:r>
             <a:r>
-              <a:rPr b="0" lang="en-US" sz="2000" spc="-1" strike="noStrike">
+              <a:rPr lang="en-US" sz="2000" b="0" strike="noStrike" spc="-1" dirty="0">
                 <a:solidFill>
                   <a:srgbClr val="000000"/>
                 </a:solidFill>
@@ -3625,7 +4124,7 @@
               </a:rPr>
               <a:t>Try all possible PIN codes</a:t>
             </a:r>
-            <a:endParaRPr b="0" lang="en-US" sz="2000" spc="-1" strike="noStrike">
+            <a:endParaRPr lang="en-US" sz="2000" b="0" strike="noStrike" spc="-1" dirty="0">
               <a:latin typeface="Arial"/>
             </a:endParaRPr>
           </a:p>
@@ -3637,7 +4136,7 @@
               <a:buNone/>
             </a:pPr>
             <a:r>
-              <a:rPr b="1" lang="en-US" sz="2000" spc="-1" strike="noStrike">
+              <a:rPr lang="en-US" sz="2000" b="1" strike="noStrike" spc="-1" dirty="0">
                 <a:solidFill>
                   <a:srgbClr val="000000"/>
                 </a:solidFill>
@@ -3647,16 +4146,16 @@
               <a:t>Shared Secrets</a:t>
             </a:r>
             <a:r>
-              <a:rPr b="0" lang="en-US" sz="2000" spc="-1" strike="noStrike">
+              <a:rPr lang="en-US" sz="2000" b="0" strike="noStrike" spc="-1" dirty="0">
                 <a:solidFill>
                   <a:srgbClr val="000000"/>
                 </a:solidFill>
                 <a:latin typeface="Arial"/>
                 <a:ea typeface="Calibri"/>
               </a:rPr>
-              <a:t>: Reuse components between deployments</a:t>
-            </a:r>
-            <a:endParaRPr b="0" lang="en-US" sz="2000" spc="-1" strike="noStrike">
+              <a:t>: Reuse known keys from other deployments</a:t>
+            </a:r>
+            <a:endParaRPr lang="en-US" sz="2000" b="0" strike="noStrike" spc="-1" dirty="0">
               <a:latin typeface="Arial"/>
             </a:endParaRPr>
           </a:p>
@@ -3668,7 +4167,7 @@
               <a:buNone/>
             </a:pPr>
             <a:r>
-              <a:rPr b="1" lang="en-US" sz="2000" spc="-1" strike="noStrike">
+              <a:rPr lang="en-US" sz="2000" b="1" strike="noStrike" spc="-1" dirty="0">
                 <a:solidFill>
                   <a:srgbClr val="000000"/>
                 </a:solidFill>
@@ -3678,47 +4177,36 @@
               <a:t>Replay Attack</a:t>
             </a:r>
             <a:r>
-              <a:rPr b="0" lang="en-US" sz="2000" spc="-1" strike="noStrike">
+              <a:rPr lang="en-US" sz="2000" b="0" strike="noStrike" spc="-1" dirty="0">
                 <a:solidFill>
                   <a:srgbClr val="000000"/>
                 </a:solidFill>
                 <a:latin typeface="Arial"/>
                 <a:ea typeface="Calibri"/>
               </a:rPr>
-              <a:t>: Replay captured communication messages</a:t>
-            </a:r>
-            <a:endParaRPr b="0" lang="en-US" sz="2000" spc="-1" strike="noStrike">
-              <a:latin typeface="Arial"/>
-            </a:endParaRPr>
-          </a:p>
-          <a:p>
-            <a:pPr algn="just">
-              <a:lnSpc>
-                <a:spcPct val="100000"/>
-              </a:lnSpc>
-              <a:buNone/>
-            </a:pPr>
-            <a:r>
-              <a:rPr b="1" lang="en-US" sz="2000" spc="-1" strike="noStrike">
+              <a:t>: </a:t>
+            </a:r>
+            <a:r>
+              <a:rPr lang="en-US" sz="2000" spc="-1" dirty="0">
                 <a:solidFill>
                   <a:srgbClr val="000000"/>
                 </a:solidFill>
                 <a:latin typeface="Arial"/>
                 <a:ea typeface="Calibri"/>
               </a:rPr>
-              <a:t>Predictable Keys</a:t>
-            </a:r>
-            <a:r>
-              <a:rPr b="0" lang="en-US" sz="2000" spc="-1" strike="noStrike">
+              <a:t>Capture and replay authentic </a:t>
+            </a:r>
+            <a:r>
+              <a:rPr lang="en-US" sz="2000" b="0" strike="noStrike" spc="-1" dirty="0">
                 <a:solidFill>
                   <a:srgbClr val="000000"/>
                 </a:solidFill>
                 <a:latin typeface="Arial"/>
                 <a:ea typeface="Calibri"/>
               </a:rPr>
-              <a:t>: Key value is 0 due to global variables</a:t>
-            </a:r>
-            <a:endParaRPr b="0" lang="en-US" sz="2000" spc="-1" strike="noStrike">
+              <a:t>messages</a:t>
+            </a:r>
+            <a:endParaRPr lang="en-US" sz="2000" b="0" strike="noStrike" spc="-1" dirty="0">
               <a:latin typeface="Arial"/>
             </a:endParaRPr>
           </a:p>
@@ -3729,33 +4217,64 @@
               </a:lnSpc>
               <a:buNone/>
             </a:pPr>
-            <a:endParaRPr b="0" lang="en-US" sz="2000" spc="-1" strike="noStrike">
-              <a:latin typeface="Arial"/>
-            </a:endParaRPr>
-          </a:p>
-          <a:p>
-            <a:pPr algn="just">
-              <a:lnSpc>
-                <a:spcPct val="100000"/>
-              </a:lnSpc>
-              <a:buNone/>
-            </a:pPr>
-            <a:r>
-              <a:rPr b="1" lang="en-US" sz="2000" spc="-1" strike="noStrike">
-                <a:solidFill>
-                  <a:srgbClr val="6241c5"/>
+            <a:r>
+              <a:rPr lang="en-US" sz="2000" b="1" strike="noStrike" spc="-1" dirty="0">
+                <a:solidFill>
+                  <a:srgbClr val="000000"/>
                 </a:solidFill>
                 <a:latin typeface="Arial"/>
                 <a:ea typeface="Calibri"/>
               </a:rPr>
+              <a:t>Predictable Keys</a:t>
+            </a:r>
+            <a:r>
+              <a:rPr lang="en-US" sz="2000" b="0" strike="noStrike" spc="-1" dirty="0">
+                <a:solidFill>
+                  <a:srgbClr val="000000"/>
+                </a:solidFill>
+                <a:latin typeface="Arial"/>
+                <a:ea typeface="Calibri"/>
+              </a:rPr>
+              <a:t>: Key value is 0 due to global variables</a:t>
+            </a:r>
+            <a:endParaRPr lang="en-US" sz="2000" b="0" strike="noStrike" spc="-1" dirty="0">
+              <a:latin typeface="Arial"/>
+            </a:endParaRPr>
+          </a:p>
+          <a:p>
+            <a:pPr algn="just">
+              <a:lnSpc>
+                <a:spcPct val="100000"/>
+              </a:lnSpc>
+              <a:buNone/>
+            </a:pPr>
+            <a:endParaRPr lang="en-US" sz="2000" b="0" strike="noStrike" spc="-1" dirty="0">
+              <a:latin typeface="Arial"/>
+            </a:endParaRPr>
+          </a:p>
+          <a:p>
+            <a:pPr algn="just">
+              <a:lnSpc>
+                <a:spcPct val="100000"/>
+              </a:lnSpc>
+              <a:buNone/>
+            </a:pPr>
+            <a:r>
+              <a:rPr lang="en-US" sz="2000" b="1" strike="noStrike" spc="-1" dirty="0">
+                <a:solidFill>
+                  <a:srgbClr val="6241C5"/>
+                </a:solidFill>
+                <a:latin typeface="Arial"/>
+                <a:ea typeface="Calibri"/>
+              </a:rPr>
               <a:t>Exploiting Weak Validation Designs</a:t>
             </a:r>
-            <a:endParaRPr b="0" lang="en-US" sz="2000" spc="-1" strike="noStrike">
-              <a:latin typeface="Arial"/>
-            </a:endParaRPr>
-          </a:p>
-          <a:p>
-            <a:pPr lvl="1" marL="432000" indent="-216000" algn="just">
+            <a:endParaRPr lang="en-US" sz="2000" b="0" strike="noStrike" spc="-1" dirty="0">
+              <a:latin typeface="Arial"/>
+            </a:endParaRPr>
+          </a:p>
+          <a:p>
+            <a:pPr marL="432000" lvl="1" indent="-216000" algn="just">
               <a:lnSpc>
                 <a:spcPct val="100000"/>
               </a:lnSpc>
@@ -3767,7 +4286,7 @@
               <a:buChar char=""/>
             </a:pPr>
             <a:r>
-              <a:rPr b="0" lang="en-US" sz="2000" spc="-1" strike="noStrike">
+              <a:rPr lang="en-US" sz="2000" b="0" strike="noStrike" spc="-1" dirty="0">
                 <a:solidFill>
                   <a:srgbClr val="000000"/>
                 </a:solidFill>
@@ -3776,12 +4295,12 @@
               </a:rPr>
               <a:t>If a post-boot communication message has a fixed checksum for the same message, it can be captured and replayed, allowing the checksum validation to still succeed</a:t>
             </a:r>
-            <a:endParaRPr b="0" lang="en-US" sz="2000" spc="-1" strike="noStrike">
-              <a:latin typeface="Arial"/>
-            </a:endParaRPr>
-          </a:p>
-          <a:p>
-            <a:pPr lvl="1" marL="432000" indent="-216000" algn="just">
+            <a:endParaRPr lang="en-US" sz="2000" b="0" strike="noStrike" spc="-1" dirty="0">
+              <a:latin typeface="Arial"/>
+            </a:endParaRPr>
+          </a:p>
+          <a:p>
+            <a:pPr marL="432000" lvl="1" indent="-216000" algn="just">
               <a:lnSpc>
                 <a:spcPct val="100000"/>
               </a:lnSpc>
@@ -3793,7 +4312,7 @@
               <a:buChar char=""/>
             </a:pPr>
             <a:r>
-              <a:rPr b="0" lang="en-US" sz="2000" spc="-1" strike="noStrike">
+              <a:rPr lang="en-US" sz="2000" b="0" strike="noStrike" spc="-1" dirty="0">
                 <a:solidFill>
                   <a:srgbClr val="000000"/>
                 </a:solidFill>
@@ -3802,7 +4321,7 @@
               </a:rPr>
               <a:t>Many teams use pre-boot validation to confirm the authenticity of the AP and components by sending a fixed secret value. However, this value can be intercepted during communication or extracted by malicious firmware, leading to a security breach as the secret is exposed</a:t>
             </a:r>
-            <a:endParaRPr b="0" lang="en-US" sz="2000" spc="-1" strike="noStrike">
+            <a:endParaRPr lang="en-US" sz="2000" b="0" strike="noStrike" spc="-1" dirty="0">
               <a:latin typeface="Arial"/>
             </a:endParaRPr>
           </a:p>
@@ -3814,21 +4333,21 @@
               <a:buNone/>
             </a:pPr>
             <a:r>
-              <a:rPr b="1" lang="en-US" sz="2000" spc="-1" strike="noStrike">
-                <a:solidFill>
-                  <a:srgbClr val="6241c5"/>
+              <a:rPr lang="en-US" sz="2000" b="1" strike="noStrike" spc="-1" dirty="0">
+                <a:solidFill>
+                  <a:srgbClr val="6241C5"/>
                 </a:solidFill>
                 <a:latin typeface="Arial"/>
                 <a:ea typeface="Calibri"/>
               </a:rPr>
               <a:t>How to Fix It</a:t>
             </a:r>
-            <a:endParaRPr b="0" lang="en-US" sz="2000" spc="-1" strike="noStrike">
-              <a:latin typeface="Arial"/>
-            </a:endParaRPr>
-          </a:p>
-          <a:p>
-            <a:pPr lvl="1" marL="432000" indent="-216000" algn="just">
+            <a:endParaRPr lang="en-US" sz="2000" b="0" strike="noStrike" spc="-1" dirty="0">
+              <a:latin typeface="Arial"/>
+            </a:endParaRPr>
+          </a:p>
+          <a:p>
+            <a:pPr marL="432000" lvl="1" indent="-216000" algn="just">
               <a:lnSpc>
                 <a:spcPct val="100000"/>
               </a:lnSpc>
@@ -3840,7 +4359,7 @@
               <a:buChar char=""/>
             </a:pPr>
             <a:r>
-              <a:rPr b="0" lang="en-US" sz="2000" spc="-1" strike="noStrike">
+              <a:rPr lang="en-US" sz="2000" b="0" strike="noStrike" spc="-1" dirty="0">
                 <a:solidFill>
                   <a:srgbClr val="000000"/>
                 </a:solidFill>
@@ -3849,12 +4368,12 @@
               </a:rPr>
               <a:t>Ensure that the checksum for a message is unique each time, even if the message itself is unchanged</a:t>
             </a:r>
-            <a:endParaRPr b="0" lang="en-US" sz="2000" spc="-1" strike="noStrike">
-              <a:latin typeface="Arial"/>
-            </a:endParaRPr>
-          </a:p>
-          <a:p>
-            <a:pPr lvl="1" marL="432000" indent="-216000" algn="just">
+            <a:endParaRPr lang="en-US" sz="2000" b="0" strike="noStrike" spc="-1" dirty="0">
+              <a:latin typeface="Arial"/>
+            </a:endParaRPr>
+          </a:p>
+          <a:p>
+            <a:pPr marL="432000" lvl="1" indent="-216000" algn="just">
               <a:lnSpc>
                 <a:spcPct val="100000"/>
               </a:lnSpc>
@@ -3866,21 +4385,21 @@
               <a:buChar char=""/>
             </a:pPr>
             <a:r>
-              <a:rPr b="0" lang="en-US" sz="2000" spc="-1" strike="noStrike">
+              <a:rPr lang="en-US" sz="2000" b="0" strike="noStrike" spc="-1" dirty="0">
                 <a:solidFill>
                   <a:srgbClr val="000000"/>
                 </a:solidFill>
                 <a:latin typeface="Arial"/>
                 <a:ea typeface="Calibri"/>
               </a:rPr>
-              <a:t>Use the challenge-response mechanism to authenticate, rather than using a fixed value</a:t>
-            </a:r>
-            <a:endParaRPr b="0" lang="en-US" sz="2000" spc="-1" strike="noStrike">
-              <a:latin typeface="Arial"/>
-            </a:endParaRPr>
-          </a:p>
-          <a:p>
-            <a:pPr lvl="2" marL="648000" indent="-216000" algn="just">
+              <a:t>Do not reuse the same secret for different validation processes</a:t>
+            </a:r>
+            <a:endParaRPr lang="en-US" sz="2000" b="0" strike="noStrike" spc="-1" dirty="0">
+              <a:latin typeface="Arial"/>
+            </a:endParaRPr>
+          </a:p>
+          <a:p>
+            <a:pPr marL="432000" lvl="1" indent="-216000" algn="just">
               <a:lnSpc>
                 <a:spcPct val="100000"/>
               </a:lnSpc>
@@ -3892,24 +4411,18 @@
               <a:buChar char=""/>
             </a:pPr>
             <a:r>
-              <a:rPr b="0" lang="en-US" sz="2000" spc="-1" strike="noStrike">
+              <a:rPr lang="en-US" sz="2000" b="0" strike="noStrike" spc="-1" dirty="0">
                 <a:solidFill>
                   <a:srgbClr val="000000"/>
                 </a:solidFill>
                 <a:latin typeface="Arial"/>
                 <a:ea typeface="Calibri"/>
               </a:rPr>
-              <a:t>As illustrated in the diagram below, the AP tries to validate the component</a:t>
-            </a:r>
-            <a:endParaRPr b="0" lang="en-US" sz="2000" spc="-1" strike="noStrike">
-              <a:latin typeface="Arial"/>
-            </a:endParaRPr>
-          </a:p>
-          <a:p>
-            <a:pPr lvl="1" marL="432000" indent="-216000" algn="just">
-              <a:lnSpc>
-                <a:spcPct val="100000"/>
-              </a:lnSpc>
+              <a:t>Ensure that any random number used in the validation process is unpredictable to enhance security</a:t>
+            </a:r>
+          </a:p>
+          <a:p>
+            <a:pPr marL="432000" lvl="1" indent="-216000" algn="just">
               <a:buClr>
                 <a:srgbClr val="000000"/>
               </a:buClr>
@@ -3918,21 +4431,21 @@
               <a:buChar char=""/>
             </a:pPr>
             <a:r>
-              <a:rPr b="0" lang="en-US" sz="2000" spc="-1" strike="noStrike">
+              <a:rPr lang="en-US" sz="2000" b="0" strike="noStrike" spc="-1" dirty="0">
                 <a:solidFill>
                   <a:srgbClr val="000000"/>
                 </a:solidFill>
                 <a:latin typeface="Arial"/>
                 <a:ea typeface="Calibri"/>
               </a:rPr>
-              <a:t>Do not reuse the same secret for different validation processes</a:t>
-            </a:r>
-            <a:endParaRPr b="0" lang="en-US" sz="2000" spc="-1" strike="noStrike">
-              <a:latin typeface="Arial"/>
-            </a:endParaRPr>
-          </a:p>
-          <a:p>
-            <a:pPr lvl="1" marL="432000" indent="-216000" algn="just">
+              <a:t>Use a challenge-response mechanism to authenticate, rather than using a fixed value (Fig. 2)</a:t>
+            </a:r>
+            <a:endParaRPr lang="en-US" sz="2000" b="0" strike="noStrike" spc="-1" dirty="0">
+              <a:latin typeface="Arial"/>
+            </a:endParaRPr>
+          </a:p>
+          <a:p>
+            <a:pPr marL="432000" lvl="1" indent="-216000" algn="just">
               <a:lnSpc>
                 <a:spcPct val="100000"/>
               </a:lnSpc>
@@ -3943,53 +4456,72 @@
               <a:buFont typeface="Wingdings" charset="2"/>
               <a:buChar char=""/>
             </a:pPr>
-            <a:r>
-              <a:rPr b="0" lang="en-US" sz="2000" spc="-1" strike="noStrike">
-                <a:solidFill>
-                  <a:srgbClr val="000000"/>
+            <a:endParaRPr lang="en-US" sz="2000" b="0" strike="noStrike" spc="-1" dirty="0">
+              <a:latin typeface="Arial"/>
+            </a:endParaRPr>
+          </a:p>
+          <a:p>
+            <a:pPr>
+              <a:lnSpc>
+                <a:spcPct val="100000"/>
+              </a:lnSpc>
+              <a:buNone/>
+            </a:pPr>
+            <a:endParaRPr lang="en-US" sz="2000" b="0" strike="noStrike" spc="-1" dirty="0">
+              <a:latin typeface="Arial"/>
+            </a:endParaRPr>
+          </a:p>
+          <a:p>
+            <a:pPr>
+              <a:lnSpc>
+                <a:spcPct val="100000"/>
+              </a:lnSpc>
+              <a:buNone/>
+            </a:pPr>
+            <a:endParaRPr lang="en-US" sz="2000" b="0" strike="noStrike" spc="-1" dirty="0">
+              <a:latin typeface="Arial"/>
+            </a:endParaRPr>
+          </a:p>
+          <a:p>
+            <a:br>
+              <a:rPr sz="2000" dirty="0"/>
+            </a:br>
+            <a:endParaRPr lang="en-US" sz="2000" dirty="0"/>
+          </a:p>
+          <a:p>
+            <a:endParaRPr lang="en-US" sz="2000" b="1" strike="noStrike" spc="-1" dirty="0">
+              <a:solidFill>
+                <a:srgbClr val="6241C5"/>
+              </a:solidFill>
+              <a:latin typeface="Arial"/>
+              <a:ea typeface="Calibri"/>
+            </a:endParaRPr>
+          </a:p>
+          <a:p>
+            <a:r>
+              <a:rPr lang="en-US" sz="2000" b="1" spc="-1" dirty="0">
+                <a:solidFill>
+                  <a:srgbClr val="6241C5"/>
                 </a:solidFill>
                 <a:latin typeface="Arial"/>
                 <a:ea typeface="Calibri"/>
               </a:rPr>
-              <a:t>Ensure that any random number used in the validation process is unpredictable to enhance security</a:t>
-            </a:r>
-            <a:endParaRPr b="0" lang="en-US" sz="2000" spc="-1" strike="noStrike">
-              <a:latin typeface="Arial"/>
-            </a:endParaRPr>
-          </a:p>
-          <a:p>
-            <a:pPr>
-              <a:lnSpc>
-                <a:spcPct val="100000"/>
-              </a:lnSpc>
-              <a:buNone/>
-            </a:pPr>
-            <a:endParaRPr b="0" lang="en-US" sz="2000" spc="-1" strike="noStrike">
-              <a:latin typeface="Arial"/>
-            </a:endParaRPr>
-          </a:p>
-          <a:p>
-            <a:pPr>
-              <a:lnSpc>
-                <a:spcPct val="100000"/>
-              </a:lnSpc>
-              <a:buNone/>
-            </a:pPr>
-            <a:endParaRPr b="0" lang="en-US" sz="2000" spc="-1" strike="noStrike">
-              <a:latin typeface="Arial"/>
-            </a:endParaRPr>
-          </a:p>
-          <a:p>
-            <a:pPr>
-              <a:lnSpc>
-                <a:spcPct val="100000"/>
-              </a:lnSpc>
-              <a:buNone/>
-            </a:pPr>
-            <a:br>
-              <a:rPr sz="2000"/>
-            </a:br>
-            <a:endParaRPr b="0" lang="en-US" sz="2000" spc="-1" strike="noStrike">
+              <a:t>		</a:t>
+            </a:r>
+          </a:p>
+          <a:p>
+            <a:pPr algn="ctr"/>
+            <a:r>
+              <a:rPr lang="en-US" sz="2000" b="1" strike="noStrike" spc="-1" dirty="0">
+                <a:solidFill>
+                  <a:srgbClr val="6241C5"/>
+                </a:solidFill>
+                <a:latin typeface="Arial"/>
+                <a:ea typeface="Calibri"/>
+              </a:rPr>
+              <a:t>	</a:t>
+            </a:r>
+            <a:endParaRPr lang="en-US" sz="2000" b="0" strike="noStrike" spc="-1" dirty="0">
               <a:latin typeface="Arial"/>
             </a:endParaRPr>
           </a:p>
@@ -4015,15 +4547,22 @@
           </a:ln>
         </p:spPr>
         <p:style>
-          <a:lnRef idx="0"/>
-          <a:fillRef idx="0"/>
-          <a:effectRef idx="0"/>
+          <a:lnRef idx="0">
+            <a:scrgbClr r="0" g="0" b="0"/>
+          </a:lnRef>
+          <a:fillRef idx="0">
+            <a:scrgbClr r="0" g="0" b="0"/>
+          </a:fillRef>
+          <a:effectRef idx="0">
+            <a:scrgbClr r="0" g="0" b="0"/>
+          </a:effectRef>
           <a:fontRef idx="minor"/>
         </p:style>
         <p:txBody>
-          <a:bodyPr wrap="none" lIns="90000" rIns="90000" tIns="45000" bIns="45000" anchor="t">
+          <a:bodyPr wrap="none" lIns="90000" tIns="45000" rIns="90000" bIns="45000" anchor="t">
             <a:spAutoFit/>
           </a:bodyPr>
+          <a:lstStyle/>
           <a:p>
             <a:pPr>
               <a:lnSpc>
@@ -4032,15 +4571,15 @@
               <a:buNone/>
             </a:pPr>
             <a:r>
-              <a:rPr b="1" lang="en-US" sz="4000" spc="-1" strike="noStrike">
-                <a:solidFill>
-                  <a:srgbClr val="6241c5"/>
+              <a:rPr lang="en-US" sz="4000" b="1" strike="noStrike" spc="-1">
+                <a:solidFill>
+                  <a:srgbClr val="6241C5"/>
                 </a:solidFill>
                 <a:latin typeface="Arial Black"/>
               </a:rPr>
               <a:t>Defensive Highlight</a:t>
             </a:r>
-            <a:endParaRPr b="0" lang="en-US" sz="4000" spc="-1" strike="noStrike">
+            <a:endParaRPr lang="en-US" sz="4000" b="0" strike="noStrike" spc="-1">
               <a:latin typeface="Arial"/>
             </a:endParaRPr>
           </a:p>
@@ -4066,15 +4605,22 @@
           </a:ln>
         </p:spPr>
         <p:style>
-          <a:lnRef idx="0"/>
-          <a:fillRef idx="0"/>
-          <a:effectRef idx="0"/>
+          <a:lnRef idx="0">
+            <a:scrgbClr r="0" g="0" b="0"/>
+          </a:lnRef>
+          <a:fillRef idx="0">
+            <a:scrgbClr r="0" g="0" b="0"/>
+          </a:fillRef>
+          <a:effectRef idx="0">
+            <a:scrgbClr r="0" g="0" b="0"/>
+          </a:effectRef>
           <a:fontRef idx="minor"/>
         </p:style>
         <p:txBody>
-          <a:bodyPr lIns="90000" rIns="90000" tIns="45000" bIns="45000" anchor="t">
+          <a:bodyPr lIns="90000" tIns="45000" rIns="90000" bIns="45000" anchor="t">
             <a:spAutoFit/>
           </a:bodyPr>
+          <a:lstStyle/>
           <a:p>
             <a:pPr algn="ctr">
               <a:lnSpc>
@@ -4083,7 +4629,7 @@
               <a:buNone/>
             </a:pPr>
             <a:r>
-              <a:rPr b="1" lang="en-US" sz="7200" spc="-1" strike="noStrike">
+              <a:rPr lang="en-US" sz="7200" b="1" strike="noStrike" spc="-1">
                 <a:solidFill>
                   <a:srgbClr val="000000"/>
                 </a:solidFill>
@@ -4091,7 +4637,7 @@
               </a:rPr>
               <a:t>Team Cacti</a:t>
             </a:r>
-            <a:endParaRPr b="0" lang="en-US" sz="7200" spc="-1" strike="noStrike">
+            <a:endParaRPr lang="en-US" sz="7200" b="0" strike="noStrike" spc="-1">
               <a:latin typeface="Arial"/>
             </a:endParaRPr>
           </a:p>
@@ -4103,7 +4649,7 @@
               <a:buNone/>
             </a:pPr>
             <a:r>
-              <a:rPr b="1" lang="en-US" sz="4000" spc="-1" strike="noStrike">
+              <a:rPr lang="en-US" sz="4000" b="1" strike="noStrike" spc="-1">
                 <a:solidFill>
                   <a:srgbClr val="000000"/>
                 </a:solidFill>
@@ -4111,7 +4657,7 @@
               </a:rPr>
               <a:t>University at Buffalo</a:t>
             </a:r>
-            <a:endParaRPr b="0" lang="en-US" sz="4000" spc="-1" strike="noStrike">
+            <a:endParaRPr lang="en-US" sz="4000" b="0" strike="noStrike" spc="-1">
               <a:latin typeface="Arial"/>
             </a:endParaRPr>
           </a:p>
@@ -4123,7 +4669,7 @@
               <a:buNone/>
             </a:pPr>
             <a:r>
-              <a:rPr b="1" lang="en-US" sz="2000" spc="-1" strike="noStrike">
+              <a:rPr lang="en-US" sz="2000" b="1" strike="noStrike" spc="-1">
                 <a:solidFill>
                   <a:srgbClr val="000000"/>
                 </a:solidFill>
@@ -4135,7 +4681,7 @@
               <a:rPr sz="2000"/>
             </a:br>
             <a:r>
-              <a:rPr b="1" lang="en-US" sz="2000" spc="-1" strike="noStrike">
+              <a:rPr lang="en-US" sz="2000" b="1" strike="noStrike" spc="-1">
                 <a:solidFill>
                   <a:srgbClr val="000000"/>
                 </a:solidFill>
@@ -4143,7 +4689,7 @@
               </a:rPr>
               <a:t>Barani Rajendran, Sai Bhargav Menta, Rumaizi Mopuri, Sai Venkata Akhila Achakala</a:t>
             </a:r>
-            <a:endParaRPr b="0" lang="en-US" sz="2000" spc="-1" strike="noStrike">
+            <a:endParaRPr lang="en-US" sz="2000" b="0" strike="noStrike" spc="-1">
               <a:latin typeface="Arial"/>
             </a:endParaRPr>
           </a:p>
@@ -4155,7 +4701,7 @@
               <a:buNone/>
             </a:pPr>
             <a:r>
-              <a:rPr b="1" lang="en-US" sz="2000" spc="-1" strike="noStrike">
+              <a:rPr lang="en-US" sz="2000" b="1" strike="noStrike" spc="-1">
                 <a:solidFill>
                   <a:srgbClr val="000000"/>
                 </a:solidFill>
@@ -4163,7 +4709,7 @@
               </a:rPr>
               <a:t>Advised by: Dr. Ziming Zhao, PhD</a:t>
             </a:r>
-            <a:endParaRPr b="0" lang="en-US" sz="2000" spc="-1" strike="noStrike">
+            <a:endParaRPr lang="en-US" sz="2000" b="0" strike="noStrike" spc="-1">
               <a:latin typeface="Arial"/>
             </a:endParaRPr>
           </a:p>
@@ -4184,7 +4730,7 @@
             <a:avLst/>
           </a:prstGeom>
           <a:solidFill>
-            <a:srgbClr val="6241c5"/>
+            <a:srgbClr val="6241C5"/>
           </a:solidFill>
           <a:ln>
             <a:noFill/>
@@ -4204,6 +4750,13 @@
           </a:effectRef>
           <a:fontRef idx="minor"/>
         </p:style>
+        <p:txBody>
+          <a:bodyPr/>
+          <a:lstStyle/>
+          <a:p>
+            <a:endParaRPr lang="en-US"/>
+          </a:p>
+        </p:txBody>
       </p:sp>
       <p:sp>
         <p:nvSpPr>
@@ -4224,7 +4777,7 @@
           </a:solidFill>
           <a:ln w="9525">
             <a:solidFill>
-              <a:srgbClr val="0e2641"/>
+              <a:srgbClr val="0E2641"/>
             </a:solidFill>
           </a:ln>
         </p:spPr>
@@ -4243,9 +4796,10 @@
           <a:fontRef idx="minor"/>
         </p:style>
         <p:txBody>
-          <a:bodyPr lIns="182880" rIns="182880" tIns="45000" bIns="45000" anchor="t">
+          <a:bodyPr lIns="182880" tIns="45000" rIns="182880" bIns="45000" anchor="t">
             <a:noAutofit/>
           </a:bodyPr>
+          <a:lstStyle/>
           <a:p>
             <a:pPr algn="just">
               <a:lnSpc>
@@ -4254,21 +4808,21 @@
               <a:buNone/>
             </a:pPr>
             <a:r>
-              <a:rPr b="1" lang="en-US" sz="2000" spc="-1" strike="noStrike">
-                <a:solidFill>
-                  <a:srgbClr val="6241c5"/>
+              <a:rPr lang="en-US" sz="2000" b="1" strike="noStrike" spc="-1" dirty="0">
+                <a:solidFill>
+                  <a:srgbClr val="6241C5"/>
                 </a:solidFill>
                 <a:latin typeface="Arial"/>
                 <a:ea typeface="Calibri"/>
               </a:rPr>
               <a:t>Encrypted Sensitive Data</a:t>
             </a:r>
-            <a:endParaRPr b="0" lang="en-US" sz="2000" spc="-1" strike="noStrike">
-              <a:latin typeface="Arial"/>
-            </a:endParaRPr>
-          </a:p>
-          <a:p>
-            <a:pPr lvl="1" marL="432000" indent="-216000" algn="just">
+            <a:endParaRPr lang="en-US" sz="2000" b="0" strike="noStrike" spc="-1" dirty="0">
+              <a:latin typeface="Arial"/>
+            </a:endParaRPr>
+          </a:p>
+          <a:p>
+            <a:pPr marL="432000" lvl="1" indent="-216000" algn="just">
               <a:lnSpc>
                 <a:spcPct val="100000"/>
               </a:lnSpc>
@@ -4280,21 +4834,21 @@
               <a:buChar char=""/>
             </a:pPr>
             <a:r>
-              <a:rPr b="0" lang="en-US" sz="2000" spc="-1" strike="noStrike">
+              <a:rPr lang="en-US" sz="2000" b="0" strike="noStrike" spc="-1" dirty="0">
                 <a:solidFill>
                   <a:srgbClr val="000000"/>
                 </a:solidFill>
                 <a:latin typeface="Arial"/>
                 <a:ea typeface="Calibri"/>
               </a:rPr>
-              <a:t>Flags in the boot message and attestation data are encrypted and stored securely</a:t>
-            </a:r>
-            <a:endParaRPr b="0" lang="en-US" sz="2000" spc="-1" strike="noStrike">
-              <a:latin typeface="Arial"/>
-            </a:endParaRPr>
-          </a:p>
-          <a:p>
-            <a:pPr lvl="1" marL="432000" indent="-216000" algn="just">
+              <a:t>Flags in the boot message and attestation data are encrypted and stored securely (Fig 1.)</a:t>
+            </a:r>
+            <a:endParaRPr lang="en-US" sz="2000" b="0" strike="noStrike" spc="-1" dirty="0">
+              <a:latin typeface="Arial"/>
+            </a:endParaRPr>
+          </a:p>
+          <a:p>
+            <a:pPr marL="432000" lvl="1" indent="-216000" algn="just">
               <a:lnSpc>
                 <a:spcPct val="100000"/>
               </a:lnSpc>
@@ -4306,7 +4860,7 @@
               <a:buChar char=""/>
             </a:pPr>
             <a:r>
-              <a:rPr b="0" lang="en-US" sz="2000" spc="-1" strike="noStrike">
+              <a:rPr lang="en-US" sz="2000" b="0" strike="noStrike" spc="-1" dirty="0">
                 <a:solidFill>
                   <a:srgbClr val="000000"/>
                 </a:solidFill>
@@ -4315,12 +4869,12 @@
               </a:rPr>
               <a:t>Only the AP holds the decryption key</a:t>
             </a:r>
-            <a:endParaRPr b="0" lang="en-US" sz="2000" spc="-1" strike="noStrike">
-              <a:latin typeface="Arial"/>
-            </a:endParaRPr>
-          </a:p>
-          <a:p>
-            <a:pPr lvl="1" marL="432000" indent="-216000" algn="just">
+            <a:endParaRPr lang="en-US" sz="2000" b="0" strike="noStrike" spc="-1" dirty="0">
+              <a:latin typeface="Arial"/>
+            </a:endParaRPr>
+          </a:p>
+          <a:p>
+            <a:pPr marL="432000" lvl="1" indent="-216000" algn="just">
               <a:lnSpc>
                 <a:spcPct val="100000"/>
               </a:lnSpc>
@@ -4332,7 +4886,7 @@
               <a:buChar char=""/>
             </a:pPr>
             <a:r>
-              <a:rPr b="0" lang="en-US" sz="2000" spc="-1" strike="noStrike">
+              <a:rPr lang="en-US" sz="2000" b="0" strike="noStrike" spc="-1" dirty="0">
                 <a:solidFill>
                   <a:srgbClr val="000000"/>
                 </a:solidFill>
@@ -4341,7 +4895,7 @@
               </a:rPr>
               <a:t>Even if attackers can read a component's flash memory and SRAM, the flags remain secure</a:t>
             </a:r>
-            <a:endParaRPr b="0" lang="en-US" sz="2000" spc="-1" strike="noStrike">
+            <a:endParaRPr lang="en-US" sz="2000" b="0" strike="noStrike" spc="-1" dirty="0">
               <a:latin typeface="Arial"/>
             </a:endParaRPr>
           </a:p>
@@ -4356,7 +4910,7 @@
               <a:buFont typeface="Wingdings" charset="2"/>
               <a:buChar char=""/>
             </a:pPr>
-            <a:endParaRPr b="0" lang="en-US" sz="2000" spc="-1" strike="noStrike">
+            <a:endParaRPr lang="en-US" sz="2000" b="0" strike="noStrike" spc="-1" dirty="0">
               <a:latin typeface="Arial"/>
             </a:endParaRPr>
           </a:p>
@@ -4367,7 +4921,7 @@
               </a:lnSpc>
               <a:buNone/>
             </a:pPr>
-            <a:endParaRPr b="0" lang="en-US" sz="2000" spc="-1" strike="noStrike">
+            <a:endParaRPr lang="en-US" sz="2000" b="0" strike="noStrike" spc="-1" dirty="0">
               <a:latin typeface="Arial"/>
             </a:endParaRPr>
           </a:p>
@@ -4378,7 +4932,7 @@
               </a:lnSpc>
               <a:buNone/>
             </a:pPr>
-            <a:endParaRPr b="0" lang="en-US" sz="2000" spc="-1" strike="noStrike">
+            <a:endParaRPr lang="en-US" sz="2000" b="0" strike="noStrike" spc="-1" dirty="0">
               <a:latin typeface="Arial"/>
             </a:endParaRPr>
           </a:p>
@@ -4389,7 +4943,7 @@
               </a:lnSpc>
               <a:buNone/>
             </a:pPr>
-            <a:endParaRPr b="0" lang="en-US" sz="2000" spc="-1" strike="noStrike">
+            <a:endParaRPr lang="en-US" sz="2000" b="0" strike="noStrike" spc="-1" dirty="0">
               <a:latin typeface="Arial"/>
             </a:endParaRPr>
           </a:p>
@@ -4400,7 +4954,7 @@
               </a:lnSpc>
               <a:buNone/>
             </a:pPr>
-            <a:endParaRPr b="0" lang="en-US" sz="2000" spc="-1" strike="noStrike">
+            <a:endParaRPr lang="en-US" sz="2000" b="0" strike="noStrike" spc="-1" dirty="0">
               <a:latin typeface="Arial"/>
             </a:endParaRPr>
           </a:p>
@@ -4411,7 +4965,7 @@
               </a:lnSpc>
               <a:buNone/>
             </a:pPr>
-            <a:endParaRPr b="0" lang="en-US" sz="2000" spc="-1" strike="noStrike">
+            <a:endParaRPr lang="en-US" sz="2000" b="0" strike="noStrike" spc="-1" dirty="0">
               <a:latin typeface="Arial"/>
             </a:endParaRPr>
           </a:p>
@@ -4422,7 +4976,7 @@
               </a:lnSpc>
               <a:buNone/>
             </a:pPr>
-            <a:endParaRPr b="0" lang="en-US" sz="2000" spc="-1" strike="noStrike">
+            <a:endParaRPr lang="en-US" sz="2000" b="0" strike="noStrike" spc="-1" dirty="0">
               <a:latin typeface="Arial"/>
             </a:endParaRPr>
           </a:p>
@@ -4433,7 +4987,7 @@
               </a:lnSpc>
               <a:buNone/>
             </a:pPr>
-            <a:endParaRPr b="0" lang="en-US" sz="2000" spc="-1" strike="noStrike">
+            <a:endParaRPr lang="en-US" sz="2000" b="0" strike="noStrike" spc="-1" dirty="0">
               <a:latin typeface="Arial"/>
             </a:endParaRPr>
           </a:p>
@@ -4444,7 +4998,7 @@
               </a:lnSpc>
               <a:buNone/>
             </a:pPr>
-            <a:endParaRPr b="0" lang="en-US" sz="2000" spc="-1" strike="noStrike">
+            <a:endParaRPr lang="en-US" sz="2000" b="0" strike="noStrike" spc="-1" dirty="0">
               <a:latin typeface="Arial"/>
             </a:endParaRPr>
           </a:p>
@@ -4455,7 +5009,7 @@
               </a:lnSpc>
               <a:buNone/>
             </a:pPr>
-            <a:endParaRPr b="0" lang="en-US" sz="2000" spc="-1" strike="noStrike">
+            <a:endParaRPr lang="en-US" sz="2000" b="0" strike="noStrike" spc="-1" dirty="0">
               <a:latin typeface="Arial"/>
             </a:endParaRPr>
           </a:p>
@@ -4466,7 +5020,7 @@
               </a:lnSpc>
               <a:buNone/>
             </a:pPr>
-            <a:endParaRPr b="0" lang="en-US" sz="2000" spc="-1" strike="noStrike">
+            <a:endParaRPr lang="en-US" sz="2000" b="0" strike="noStrike" spc="-1" dirty="0">
               <a:latin typeface="Arial"/>
             </a:endParaRPr>
           </a:p>
@@ -4477,22 +5031,52 @@
               </a:lnSpc>
               <a:buNone/>
             </a:pPr>
-            <a:r>
-              <a:rPr b="1" lang="en-US" sz="2000" spc="-1" strike="noStrike">
-                <a:solidFill>
-                  <a:srgbClr val="6241c5"/>
+            <a:endParaRPr lang="en-US" sz="2000" b="1" strike="noStrike" spc="-1" dirty="0">
+              <a:solidFill>
+                <a:srgbClr val="6241C5"/>
+              </a:solidFill>
+              <a:latin typeface="Arial"/>
+              <a:ea typeface="Calibri"/>
+            </a:endParaRPr>
+          </a:p>
+          <a:p>
+            <a:pPr algn="just">
+              <a:lnSpc>
+                <a:spcPct val="100000"/>
+              </a:lnSpc>
+              <a:buNone/>
+            </a:pPr>
+            <a:endParaRPr lang="en-US" sz="2000" b="1" strike="noStrike" spc="-1" dirty="0">
+              <a:solidFill>
+                <a:srgbClr val="6241C5"/>
+              </a:solidFill>
+              <a:latin typeface="Arial"/>
+              <a:ea typeface="Calibri"/>
+            </a:endParaRPr>
+          </a:p>
+          <a:p>
+            <a:pPr algn="just">
+              <a:lnSpc>
+                <a:spcPct val="100000"/>
+              </a:lnSpc>
+              <a:buNone/>
+            </a:pPr>
+            <a:r>
+              <a:rPr lang="en-US" sz="2000" b="1" strike="noStrike" spc="-1" dirty="0">
+                <a:solidFill>
+                  <a:srgbClr val="6241C5"/>
                 </a:solidFill>
                 <a:latin typeface="Arial"/>
                 <a:ea typeface="Calibri"/>
               </a:rPr>
               <a:t>Memory Wiping</a:t>
             </a:r>
-            <a:endParaRPr b="0" lang="en-US" sz="2000" spc="-1" strike="noStrike">
-              <a:latin typeface="Arial"/>
-            </a:endParaRPr>
-          </a:p>
-          <a:p>
-            <a:pPr lvl="1" marL="432000" indent="-216000" algn="just">
+            <a:endParaRPr lang="en-US" sz="2000" b="0" strike="noStrike" spc="-1" dirty="0">
+              <a:latin typeface="Arial"/>
+            </a:endParaRPr>
+          </a:p>
+          <a:p>
+            <a:pPr marL="432000" lvl="1" indent="-216000" algn="just">
               <a:lnSpc>
                 <a:spcPct val="100000"/>
               </a:lnSpc>
@@ -4504,7 +5088,7 @@
               <a:buChar char=""/>
             </a:pPr>
             <a:r>
-              <a:rPr b="0" lang="en-US" sz="2000" spc="-1" strike="noStrike">
+              <a:rPr lang="en-US" sz="2000" b="0" strike="noStrike" spc="-1" dirty="0">
                 <a:solidFill>
                   <a:srgbClr val="000000"/>
                 </a:solidFill>
@@ -4513,7 +5097,7 @@
               </a:rPr>
               <a:t>After using sensitive data like keys, fill the memory location with zeros to securely erase it</a:t>
             </a:r>
-            <a:endParaRPr b="0" lang="en-US" sz="2000" spc="-1" strike="noStrike">
+            <a:endParaRPr lang="en-US" sz="2000" b="0" strike="noStrike" spc="-1" dirty="0">
               <a:latin typeface="Arial"/>
             </a:endParaRPr>
           </a:p>
@@ -4525,21 +5109,21 @@
               <a:buNone/>
             </a:pPr>
             <a:r>
-              <a:rPr b="1" lang="en-US" sz="2000" spc="-1" strike="noStrike">
-                <a:solidFill>
-                  <a:srgbClr val="6241c5"/>
+              <a:rPr lang="en-US" sz="2000" b="1" strike="noStrike" spc="-1" dirty="0">
+                <a:solidFill>
+                  <a:srgbClr val="6241C5"/>
                 </a:solidFill>
                 <a:latin typeface="Arial"/>
                 <a:ea typeface="Calibri"/>
               </a:rPr>
-              <a:t>Mitigate Bruce-Force Attack</a:t>
-            </a:r>
-            <a:endParaRPr b="0" lang="en-US" sz="2000" spc="-1" strike="noStrike">
-              <a:latin typeface="Arial"/>
-            </a:endParaRPr>
-          </a:p>
-          <a:p>
-            <a:pPr lvl="1" marL="432000" indent="-216000" algn="just">
+              <a:t>Mitigating Bruce-Force Attacks</a:t>
+            </a:r>
+            <a:endParaRPr lang="en-US" sz="2000" b="0" strike="noStrike" spc="-1" dirty="0">
+              <a:latin typeface="Arial"/>
+            </a:endParaRPr>
+          </a:p>
+          <a:p>
+            <a:pPr marL="432000" lvl="1" indent="-216000" algn="just">
               <a:lnSpc>
                 <a:spcPct val="100000"/>
               </a:lnSpc>
@@ -4551,21 +5135,21 @@
               <a:buChar char=""/>
             </a:pPr>
             <a:r>
-              <a:rPr b="0" lang="en-US" sz="2000" spc="-1" strike="noStrike">
+              <a:rPr lang="en-US" sz="2000" b="0" strike="noStrike" spc="-1" dirty="0">
                 <a:solidFill>
                   <a:srgbClr val="000000"/>
                 </a:solidFill>
                 <a:latin typeface="Arial"/>
                 <a:ea typeface="Calibri"/>
               </a:rPr>
-              <a:t>Use the Argon2 keyed-hash algorithm for the inputted PIN and Token; this method is intentionally slow</a:t>
-            </a:r>
-            <a:endParaRPr b="0" lang="en-US" sz="2000" spc="-1" strike="noStrike">
-              <a:latin typeface="Arial"/>
-            </a:endParaRPr>
-          </a:p>
-          <a:p>
-            <a:pPr lvl="1" marL="432000" indent="-216000" algn="just">
+              <a:t>Use the Argon2 keyed-hash algorithm for the inputted PIN and token; this method is intentionally slow</a:t>
+            </a:r>
+            <a:endParaRPr lang="en-US" sz="2000" b="0" strike="noStrike" spc="-1" dirty="0">
+              <a:latin typeface="Arial"/>
+            </a:endParaRPr>
+          </a:p>
+          <a:p>
+            <a:pPr marL="432000" lvl="1" indent="-216000" algn="just">
               <a:lnSpc>
                 <a:spcPct val="100000"/>
               </a:lnSpc>
@@ -4577,21 +5161,21 @@
               <a:buChar char=""/>
             </a:pPr>
             <a:r>
-              <a:rPr b="0" lang="en-US" sz="2000" spc="-1" strike="noStrike">
+              <a:rPr lang="en-US" sz="2000" b="0" strike="noStrike" spc="-1" dirty="0">
                 <a:solidFill>
                   <a:srgbClr val="000000"/>
                 </a:solidFill>
                 <a:latin typeface="Arial"/>
                 <a:ea typeface="Calibri"/>
               </a:rPr>
-              <a:t>Introduce a deliberate delay during the checking</a:t>
-            </a:r>
-            <a:endParaRPr b="0" lang="en-US" sz="2000" spc="-1" strike="noStrike">
-              <a:latin typeface="Arial"/>
-            </a:endParaRPr>
-          </a:p>
-          <a:p>
-            <a:pPr lvl="1" marL="432000" indent="-216000" algn="just">
+              <a:t>Introduce a deliberate delay during the validation</a:t>
+            </a:r>
+            <a:endParaRPr lang="en-US" sz="2000" b="0" strike="noStrike" spc="-1" dirty="0">
+              <a:latin typeface="Arial"/>
+            </a:endParaRPr>
+          </a:p>
+          <a:p>
+            <a:pPr marL="432000" lvl="1" indent="-216000" algn="just">
               <a:lnSpc>
                 <a:spcPct val="100000"/>
               </a:lnSpc>
@@ -4603,21 +5187,42 @@
               <a:buChar char=""/>
             </a:pPr>
             <a:r>
-              <a:rPr b="0" lang="en-US" sz="2000" spc="-1" strike="noStrike">
+              <a:rPr lang="en-US" sz="2000" b="0" strike="noStrike" spc="-1" dirty="0">
                 <a:solidFill>
                   <a:srgbClr val="000000"/>
                 </a:solidFill>
                 <a:latin typeface="Arial"/>
                 <a:ea typeface="Calibri"/>
               </a:rPr>
-              <a:t>Longer delay after a failed attempt, the delay is still in effective even reseting the board</a:t>
-            </a:r>
-            <a:endParaRPr b="0" lang="en-US" sz="2000" spc="-1" strike="noStrike">
-              <a:latin typeface="Arial"/>
-            </a:endParaRPr>
-          </a:p>
-          <a:p>
-            <a:pPr lvl="1" marL="432000" indent="-216000" algn="just">
+              <a:t>Longer delays from failed attempts to validate the PIN or token are effective even after resetting the board</a:t>
+            </a:r>
+            <a:endParaRPr lang="en-US" sz="2000" b="0" strike="noStrike" spc="-1" dirty="0">
+              <a:latin typeface="Arial"/>
+            </a:endParaRPr>
+          </a:p>
+          <a:p>
+            <a:pPr algn="just">
+              <a:lnSpc>
+                <a:spcPct val="100000"/>
+              </a:lnSpc>
+              <a:buNone/>
+            </a:pPr>
+            <a:r>
+              <a:rPr lang="en-US" sz="2000" b="1" strike="noStrike" spc="-1" dirty="0">
+                <a:solidFill>
+                  <a:srgbClr val="6241C5"/>
+                </a:solidFill>
+                <a:latin typeface="Arial"/>
+                <a:ea typeface="Calibri"/>
+              </a:rPr>
+              <a:t>Mitigating Fault-Injection Attacks</a:t>
+            </a:r>
+            <a:endParaRPr lang="en-US" sz="2000" b="0" strike="noStrike" spc="-1" dirty="0">
+              <a:latin typeface="Arial"/>
+            </a:endParaRPr>
+          </a:p>
+          <a:p>
+            <a:pPr marL="432000" lvl="1" indent="-216000" algn="just">
               <a:lnSpc>
                 <a:spcPct val="100000"/>
               </a:lnSpc>
@@ -4629,42 +5234,41 @@
               <a:buChar char=""/>
             </a:pPr>
             <a:r>
-              <a:rPr b="0" lang="en-US" sz="2000" spc="-1" strike="noStrike">
+              <a:rPr lang="en-US" sz="2000" b="0" strike="noStrike" spc="-1" dirty="0">
                 <a:solidFill>
                   <a:srgbClr val="000000"/>
                 </a:solidFill>
                 <a:latin typeface="Arial"/>
                 <a:ea typeface="Calibri"/>
               </a:rPr>
-              <a:t>A longer delay after a failed PIN or Token attempt, which remains effective even after resetting the board</a:t>
-            </a:r>
-            <a:endParaRPr b="0" lang="en-US" sz="2000" spc="-1" strike="noStrike">
-              <a:latin typeface="Arial"/>
-            </a:endParaRPr>
-          </a:p>
-          <a:p>
-            <a:pPr algn="just">
-              <a:lnSpc>
-                <a:spcPct val="100000"/>
-              </a:lnSpc>
-              <a:buNone/>
-            </a:pPr>
-            <a:r>
-              <a:rPr b="1" lang="en-US" sz="2000" spc="-1" strike="noStrike">
-                <a:solidFill>
-                  <a:srgbClr val="6241c5"/>
+              <a:t>Introduce random delays </a:t>
+            </a:r>
+            <a:r>
+              <a:rPr lang="en-US" sz="2000" spc="-1" dirty="0">
+                <a:solidFill>
+                  <a:srgbClr val="000000"/>
                 </a:solidFill>
                 <a:latin typeface="Arial"/>
                 <a:ea typeface="Calibri"/>
               </a:rPr>
-              <a:t>Mitigate Fault-Injection Attack</a:t>
-            </a:r>
-            <a:endParaRPr b="0" lang="en-US" sz="2000" spc="-1" strike="noStrike">
-              <a:latin typeface="Arial"/>
-            </a:endParaRPr>
-          </a:p>
-          <a:p>
-            <a:pPr lvl="1" marL="432000" indent="-216000" algn="just">
+              <a:t>of several</a:t>
+            </a:r>
+            <a:r>
+              <a:rPr lang="en-US" sz="2000" b="0" strike="noStrike" spc="-1" dirty="0">
+                <a:solidFill>
+                  <a:srgbClr val="000000"/>
+                </a:solidFill>
+                <a:latin typeface="Arial"/>
+                <a:ea typeface="Calibri"/>
+              </a:rPr>
+              <a:t> hundred CPU cycles</a:t>
+            </a:r>
+            <a:endParaRPr lang="en-US" sz="2000" b="0" strike="noStrike" spc="-1" dirty="0">
+              <a:latin typeface="Arial"/>
+            </a:endParaRPr>
+          </a:p>
+          <a:p>
+            <a:pPr marL="432000" lvl="1" indent="-216000" algn="just">
               <a:lnSpc>
                 <a:spcPct val="100000"/>
               </a:lnSpc>
@@ -4676,21 +5280,61 @@
               <a:buChar char=""/>
             </a:pPr>
             <a:r>
-              <a:rPr b="0" lang="en-US" sz="2000" spc="-1" strike="noStrike">
+              <a:rPr lang="en-US" sz="2000" b="0" strike="noStrike" spc="-1" dirty="0">
                 <a:solidFill>
                   <a:srgbClr val="000000"/>
                 </a:solidFill>
                 <a:latin typeface="Arial"/>
                 <a:ea typeface="Calibri"/>
               </a:rPr>
-              <a:t>Introduce random delays in hundreds of CPU cycles</a:t>
-            </a:r>
-            <a:endParaRPr b="0" lang="en-US" sz="2000" spc="-1" strike="noStrike">
-              <a:latin typeface="Arial"/>
-            </a:endParaRPr>
-          </a:p>
-          <a:p>
-            <a:pPr lvl="1" marL="432000" indent="-216000" algn="just">
+              <a:t>Execute important conditional expressions twice; for example</a:t>
+            </a:r>
+            <a:r>
+              <a:rPr lang="en-US" sz="2000" spc="-1" dirty="0">
+                <a:solidFill>
+                  <a:srgbClr val="000000"/>
+                </a:solidFill>
+                <a:latin typeface="Arial"/>
+                <a:ea typeface="Calibri"/>
+              </a:rPr>
+              <a:t>, branching on </a:t>
+            </a:r>
+            <a:r>
+              <a:rPr lang="en-US" sz="2000" b="0" strike="noStrike" spc="-1" dirty="0">
+                <a:solidFill>
+                  <a:srgbClr val="000000"/>
+                </a:solidFill>
+                <a:latin typeface="Arial"/>
+                <a:ea typeface="Calibri"/>
+              </a:rPr>
+              <a:t>authentication or password </a:t>
+            </a:r>
+            <a:r>
+              <a:rPr lang="en-US" sz="2000" spc="-1" dirty="0">
+                <a:solidFill>
+                  <a:srgbClr val="000000"/>
+                </a:solidFill>
+                <a:latin typeface="Arial"/>
+                <a:ea typeface="Calibri"/>
+              </a:rPr>
+              <a:t>validity</a:t>
+            </a:r>
+            <a:r>
+              <a:rPr lang="en-US" sz="2000" b="0" strike="noStrike" spc="-1" dirty="0">
+                <a:solidFill>
+                  <a:srgbClr val="000000"/>
+                </a:solidFill>
+                <a:latin typeface="Arial"/>
+                <a:ea typeface="Calibri"/>
+              </a:rPr>
+              <a:t>.</a:t>
+            </a:r>
+            <a:endParaRPr lang="en-US" sz="2000" b="0" strike="noStrike" spc="-1" dirty="0">
+              <a:latin typeface="Arial"/>
+            </a:endParaRPr>
+          </a:p>
+          <a:p>
+            <a:pPr marL="432000" lvl="1" indent="-216000" algn="just">
               <a:lnSpc>
                 <a:spcPct val="100000"/>
               </a:lnSpc>
@@ -4701,33 +5345,7 @@
               <a:buFont typeface="Wingdings" charset="2"/>
               <a:buChar char=""/>
             </a:pPr>
-            <a:r>
-              <a:rPr b="0" lang="en-US" sz="2000" spc="-1" strike="noStrike">
-                <a:solidFill>
-                  <a:srgbClr val="000000"/>
-                </a:solidFill>
-                <a:latin typeface="Arial"/>
-                <a:ea typeface="Calibri"/>
-              </a:rPr>
-              <a:t>Execute important conditional expression twice, such as authentication and password checking</a:t>
-            </a:r>
-            <a:endParaRPr b="0" lang="en-US" sz="2000" spc="-1" strike="noStrike">
-              <a:latin typeface="Arial"/>
-            </a:endParaRPr>
-          </a:p>
-          <a:p>
-            <a:pPr lvl="1" marL="432000" indent="-216000" algn="just">
-              <a:lnSpc>
-                <a:spcPct val="100000"/>
-              </a:lnSpc>
-              <a:buClr>
-                <a:srgbClr val="000000"/>
-              </a:buClr>
-              <a:buSzPct val="45000"/>
-              <a:buFont typeface="Wingdings" charset="2"/>
-              <a:buChar char=""/>
-            </a:pPr>
-            <a:endParaRPr b="0" lang="en-US" sz="2000" spc="-1" strike="noStrike">
+            <a:endParaRPr lang="en-US" sz="2000" b="0" strike="noStrike" spc="-1" dirty="0">
               <a:latin typeface="Arial"/>
             </a:endParaRPr>
           </a:p>
@@ -4753,15 +5371,22 @@
           </a:ln>
         </p:spPr>
         <p:style>
-          <a:lnRef idx="0"/>
-          <a:fillRef idx="0"/>
-          <a:effectRef idx="0"/>
+          <a:lnRef idx="0">
+            <a:scrgbClr r="0" g="0" b="0"/>
+          </a:lnRef>
+          <a:fillRef idx="0">
+            <a:scrgbClr r="0" g="0" b="0"/>
+          </a:fillRef>
+          <a:effectRef idx="0">
+            <a:scrgbClr r="0" g="0" b="0"/>
+          </a:effectRef>
           <a:fontRef idx="minor"/>
         </p:style>
         <p:txBody>
-          <a:bodyPr wrap="none" lIns="90000" rIns="90000" tIns="45000" bIns="45000" anchor="t">
+          <a:bodyPr wrap="none" lIns="90000" tIns="45000" rIns="90000" bIns="45000" anchor="t">
             <a:spAutoFit/>
           </a:bodyPr>
+          <a:lstStyle/>
           <a:p>
             <a:pPr>
               <a:lnSpc>
@@ -4770,15 +5395,15 @@
               <a:buNone/>
             </a:pPr>
             <a:r>
-              <a:rPr b="1" lang="en-US" sz="4000" spc="-1" strike="noStrike">
-                <a:solidFill>
-                  <a:srgbClr val="6241c5"/>
+              <a:rPr lang="en-US" sz="4000" b="1" strike="noStrike" spc="-1">
+                <a:solidFill>
+                  <a:srgbClr val="6241C5"/>
                 </a:solidFill>
                 <a:latin typeface="Arial Black"/>
               </a:rPr>
               <a:t>Offensive Highlight</a:t>
             </a:r>
-            <a:endParaRPr b="0" lang="en-US" sz="4000" spc="-1" strike="noStrike">
+            <a:endParaRPr lang="en-US" sz="4000" b="0" strike="noStrike" spc="-1">
               <a:latin typeface="Arial"/>
             </a:endParaRPr>
           </a:p>
@@ -4804,15 +5429,22 @@
           </a:ln>
         </p:spPr>
         <p:style>
-          <a:lnRef idx="0"/>
-          <a:fillRef idx="0"/>
-          <a:effectRef idx="0"/>
+          <a:lnRef idx="0">
+            <a:scrgbClr r="0" g="0" b="0"/>
+          </a:lnRef>
+          <a:fillRef idx="0">
+            <a:scrgbClr r="0" g="0" b="0"/>
+          </a:fillRef>
+          <a:effectRef idx="0">
+            <a:scrgbClr r="0" g="0" b="0"/>
+          </a:effectRef>
           <a:fontRef idx="minor"/>
         </p:style>
         <p:txBody>
-          <a:bodyPr wrap="none" lIns="90000" rIns="90000" tIns="45000" bIns="45000" anchor="t">
+          <a:bodyPr wrap="none" lIns="90000" tIns="45000" rIns="90000" bIns="45000" anchor="t">
             <a:spAutoFit/>
           </a:bodyPr>
+          <a:lstStyle/>
           <a:p>
             <a:pPr>
               <a:lnSpc>
@@ -4821,15 +5453,15 @@
               <a:buNone/>
             </a:pPr>
             <a:r>
-              <a:rPr b="1" lang="en-US" sz="4000" spc="-1" strike="noStrike">
-                <a:solidFill>
-                  <a:srgbClr val="6241c5"/>
+              <a:rPr lang="en-US" sz="4000" b="1" strike="noStrike" spc="-1">
+                <a:solidFill>
+                  <a:srgbClr val="6241C5"/>
                 </a:solidFill>
                 <a:latin typeface="Arial Black"/>
               </a:rPr>
               <a:t>Design Overview</a:t>
             </a:r>
-            <a:endParaRPr b="0" lang="en-US" sz="4000" spc="-1" strike="noStrike">
+            <a:endParaRPr lang="en-US" sz="4000" b="0" strike="noStrike" spc="-1">
               <a:latin typeface="Arial"/>
             </a:endParaRPr>
           </a:p>
@@ -4837,12 +5469,12 @@
       </p:sp>
       <p:pic>
         <p:nvPicPr>
-          <p:cNvPr id="54" name="Picture 2" descr=""/>
+          <p:cNvPr id="54" name="Picture 2"/>
           <p:cNvPicPr/>
           <p:nvPr/>
         </p:nvPicPr>
         <p:blipFill>
-          <a:blip r:embed="rId1"/>
+          <a:blip r:embed="rId3"/>
           <a:stretch/>
         </p:blipFill>
         <p:spPr>
@@ -4860,1052 +5492,1004 @@
       </p:pic>
       <p:graphicFrame>
         <p:nvGraphicFramePr>
-          <p:cNvPr id="55" name=""/>
+          <p:cNvPr id="55" name="Table 54"/>
           <p:cNvGraphicFramePr/>
-          <p:nvPr/>
+          <p:nvPr>
+            <p:extLst>
+              <p:ext uri="{D42A27DB-BD31-4B8C-83A1-F6EECF244321}">
+                <p14:modId xmlns:p14="http://schemas.microsoft.com/office/powerpoint/2010/main" val="832682129"/>
+              </p:ext>
+            </p:extLst>
+          </p:nvPr>
         </p:nvGraphicFramePr>
         <p:xfrm>
-          <a:off x="723600" y="6952320"/>
-          <a:ext cx="15086880" cy="1692360"/>
+          <a:off x="713340" y="7040160"/>
+          <a:ext cx="15087240" cy="1778400"/>
         </p:xfrm>
         <a:graphic>
           <a:graphicData uri="http://schemas.openxmlformats.org/drawingml/2006/table">
             <a:tbl>
               <a:tblPr/>
               <a:tblGrid>
-                <a:gridCol w="1467360"/>
-                <a:gridCol w="2084760"/>
-                <a:gridCol w="2042280"/>
-                <a:gridCol w="2180160"/>
-                <a:gridCol w="2286000"/>
-                <a:gridCol w="2571840"/>
-                <a:gridCol w="2454840"/>
+                <a:gridCol w="1467360">
+                  <a:extLst>
+                    <a:ext uri="{9D8B030D-6E8A-4147-A177-3AD203B41FA5}">
+                      <a16:colId xmlns:a16="http://schemas.microsoft.com/office/drawing/2014/main" val="20000"/>
+                    </a:ext>
+                  </a:extLst>
+                </a:gridCol>
+                <a:gridCol w="2084760">
+                  <a:extLst>
+                    <a:ext uri="{9D8B030D-6E8A-4147-A177-3AD203B41FA5}">
+                      <a16:colId xmlns:a16="http://schemas.microsoft.com/office/drawing/2014/main" val="20001"/>
+                    </a:ext>
+                  </a:extLst>
+                </a:gridCol>
+                <a:gridCol w="2042280">
+                  <a:extLst>
+                    <a:ext uri="{9D8B030D-6E8A-4147-A177-3AD203B41FA5}">
+                      <a16:colId xmlns:a16="http://schemas.microsoft.com/office/drawing/2014/main" val="20002"/>
+                    </a:ext>
+                  </a:extLst>
+                </a:gridCol>
+                <a:gridCol w="2180160">
+                  <a:extLst>
+                    <a:ext uri="{9D8B030D-6E8A-4147-A177-3AD203B41FA5}">
+                      <a16:colId xmlns:a16="http://schemas.microsoft.com/office/drawing/2014/main" val="20003"/>
+                    </a:ext>
+                  </a:extLst>
+                </a:gridCol>
+                <a:gridCol w="2286000">
+                  <a:extLst>
+                    <a:ext uri="{9D8B030D-6E8A-4147-A177-3AD203B41FA5}">
+                      <a16:colId xmlns:a16="http://schemas.microsoft.com/office/drawing/2014/main" val="20004"/>
+                    </a:ext>
+                  </a:extLst>
+                </a:gridCol>
+                <a:gridCol w="2571840">
+                  <a:extLst>
+                    <a:ext uri="{9D8B030D-6E8A-4147-A177-3AD203B41FA5}">
+                      <a16:colId xmlns:a16="http://schemas.microsoft.com/office/drawing/2014/main" val="20005"/>
+                    </a:ext>
+                  </a:extLst>
+                </a:gridCol>
+                <a:gridCol w="2454840">
+                  <a:extLst>
+                    <a:ext uri="{9D8B030D-6E8A-4147-A177-3AD203B41FA5}">
+                      <a16:colId xmlns:a16="http://schemas.microsoft.com/office/drawing/2014/main" val="20006"/>
+                    </a:ext>
+                  </a:extLst>
+                </a:gridCol>
               </a:tblGrid>
               <a:tr h="577440">
                 <a:tc>
                   <a:txBody>
-                    <a:bodyPr lIns="90000" rIns="90000" tIns="46800" bIns="46800" anchor="ctr">
-                      <a:noAutofit/>
-                    </a:bodyPr>
+                    <a:bodyPr/>
+                    <a:lstStyle/>
                     <a:p>
                       <a:pPr algn="ctr">
                         <a:buNone/>
                       </a:pPr>
                       <a:r>
-                        <a:rPr b="1" lang="en-US" sz="1800" spc="-1" strike="noStrike">
+                        <a:rPr lang="en-US" sz="1800" b="1" strike="noStrike" spc="-1">
                           <a:solidFill>
-                            <a:srgbClr val="ffffff"/>
+                            <a:srgbClr val="FFFFFF"/>
                           </a:solidFill>
                           <a:latin typeface="Arial"/>
                         </a:rPr>
                         <a:t>Secrets</a:t>
                       </a:r>
-                      <a:endParaRPr b="1" lang="en-US" sz="1800" spc="-1" strike="noStrike">
-                        <a:solidFill>
-                          <a:srgbClr val="ffffff"/>
-                        </a:solidFill>
-                        <a:latin typeface="Arial"/>
-                      </a:endParaRPr>
                     </a:p>
                   </a:txBody>
-                  <a:tcPr anchor="ctr" marL="90000" marR="90000">
+                  <a:tcPr marL="90000" marR="90000" anchor="ctr">
                     <a:lnL w="720">
                       <a:solidFill>
-                        <a:srgbClr val="ffffff"/>
+                        <a:srgbClr val="FFFFFF"/>
                       </a:solidFill>
                     </a:lnL>
                     <a:lnR w="720">
                       <a:solidFill>
-                        <a:srgbClr val="ffffff"/>
+                        <a:srgbClr val="FFFFFF"/>
                       </a:solidFill>
                     </a:lnR>
                     <a:lnT w="720">
                       <a:solidFill>
-                        <a:srgbClr val="ffffff"/>
+                        <a:srgbClr val="FFFFFF"/>
                       </a:solidFill>
                     </a:lnT>
                     <a:lnB w="720">
                       <a:solidFill>
-                        <a:srgbClr val="ffffff"/>
+                        <a:srgbClr val="FFFFFF"/>
                       </a:solidFill>
                     </a:lnB>
                     <a:solidFill>
-                      <a:srgbClr val="6241c5"/>
+                      <a:srgbClr val="6241C5"/>
                     </a:solidFill>
                   </a:tcPr>
                 </a:tc>
                 <a:tc>
                   <a:txBody>
-                    <a:bodyPr lIns="90000" rIns="90000" tIns="46800" bIns="46800" anchor="ctr">
-                      <a:noAutofit/>
-                    </a:bodyPr>
+                    <a:bodyPr/>
+                    <a:lstStyle/>
                     <a:p>
                       <a:pPr algn="ctr">
                         <a:buNone/>
                       </a:pPr>
                       <a:r>
-                        <a:rPr b="1" lang="en-US" sz="1800" spc="-1" strike="noStrike">
+                        <a:rPr lang="en-US" sz="1800" b="1" strike="noStrike" spc="-1">
                           <a:solidFill>
-                            <a:srgbClr val="ffffff"/>
+                            <a:srgbClr val="FFFFFF"/>
                           </a:solidFill>
                           <a:latin typeface="Arial"/>
                         </a:rPr>
                         <a:t>Key1_Public</a:t>
                       </a:r>
-                      <a:endParaRPr b="1" lang="en-US" sz="1800" spc="-1" strike="noStrike">
-                        <a:solidFill>
-                          <a:srgbClr val="ffffff"/>
-                        </a:solidFill>
-                        <a:latin typeface="Arial"/>
-                      </a:endParaRPr>
                     </a:p>
                   </a:txBody>
-                  <a:tcPr anchor="ctr" marL="90000" marR="90000">
+                  <a:tcPr marL="90000" marR="90000" anchor="ctr">
                     <a:lnL w="720">
                       <a:solidFill>
-                        <a:srgbClr val="ffffff"/>
+                        <a:srgbClr val="FFFFFF"/>
                       </a:solidFill>
                     </a:lnL>
                     <a:lnR w="720">
                       <a:solidFill>
-                        <a:srgbClr val="ffffff"/>
+                        <a:srgbClr val="FFFFFF"/>
                       </a:solidFill>
                     </a:lnR>
                     <a:lnT w="720">
                       <a:solidFill>
-                        <a:srgbClr val="ffffff"/>
+                        <a:srgbClr val="FFFFFF"/>
                       </a:solidFill>
                     </a:lnT>
                     <a:lnB w="720">
                       <a:solidFill>
-                        <a:srgbClr val="ffffff"/>
+                        <a:srgbClr val="FFFFFF"/>
                       </a:solidFill>
                     </a:lnB>
                     <a:solidFill>
-                      <a:srgbClr val="6241c5"/>
+                      <a:srgbClr val="6241C5"/>
                     </a:solidFill>
                   </a:tcPr>
                 </a:tc>
                 <a:tc>
                   <a:txBody>
-                    <a:bodyPr lIns="90000" rIns="90000" tIns="46800" bIns="46800" anchor="ctr">
-                      <a:noAutofit/>
-                    </a:bodyPr>
+                    <a:bodyPr/>
+                    <a:lstStyle/>
                     <a:p>
                       <a:pPr algn="ctr">
                         <a:buNone/>
                       </a:pPr>
                       <a:r>
-                        <a:rPr b="1" lang="en-US" sz="1800" spc="-1" strike="noStrike">
+                        <a:rPr lang="en-US" sz="1800" b="1" strike="noStrike" spc="-1">
                           <a:solidFill>
-                            <a:srgbClr val="ffffff"/>
+                            <a:srgbClr val="FFFFFF"/>
                           </a:solidFill>
                           <a:latin typeface="Arial"/>
                         </a:rPr>
                         <a:t>Key1_Private</a:t>
                       </a:r>
-                      <a:endParaRPr b="1" lang="en-US" sz="1800" spc="-1" strike="noStrike">
-                        <a:solidFill>
-                          <a:srgbClr val="ffffff"/>
-                        </a:solidFill>
-                        <a:latin typeface="Arial"/>
-                      </a:endParaRPr>
                     </a:p>
                   </a:txBody>
-                  <a:tcPr anchor="ctr" marL="90000" marR="90000">
+                  <a:tcPr marL="90000" marR="90000" anchor="ctr">
                     <a:lnL w="720">
                       <a:solidFill>
-                        <a:srgbClr val="ffffff"/>
+                        <a:srgbClr val="FFFFFF"/>
                       </a:solidFill>
                     </a:lnL>
                     <a:lnR w="720">
                       <a:solidFill>
-                        <a:srgbClr val="ffffff"/>
+                        <a:srgbClr val="FFFFFF"/>
                       </a:solidFill>
                     </a:lnR>
                     <a:lnT w="720">
                       <a:solidFill>
-                        <a:srgbClr val="ffffff"/>
+                        <a:srgbClr val="FFFFFF"/>
                       </a:solidFill>
                     </a:lnT>
                     <a:lnB w="720">
                       <a:solidFill>
-                        <a:srgbClr val="ffffff"/>
+                        <a:srgbClr val="FFFFFF"/>
                       </a:solidFill>
                     </a:lnB>
                     <a:solidFill>
-                      <a:srgbClr val="6241c5"/>
+                      <a:srgbClr val="6241C5"/>
                     </a:solidFill>
                   </a:tcPr>
                 </a:tc>
                 <a:tc>
                   <a:txBody>
-                    <a:bodyPr lIns="90000" rIns="90000" tIns="46800" bIns="46800" anchor="ctr">
-                      <a:noAutofit/>
-                    </a:bodyPr>
+                    <a:bodyPr/>
+                    <a:lstStyle/>
                     <a:p>
                       <a:pPr algn="ctr">
                         <a:buNone/>
                       </a:pPr>
                       <a:r>
-                        <a:rPr b="1" lang="en-US" sz="1800" spc="-1" strike="noStrike">
+                        <a:rPr lang="en-US" sz="1800" b="1" strike="noStrike" spc="-1">
                           <a:solidFill>
-                            <a:srgbClr val="ffffff"/>
+                            <a:srgbClr val="FFFFFF"/>
                           </a:solidFill>
                           <a:latin typeface="Arial"/>
                         </a:rPr>
                         <a:t>Key2_Public</a:t>
                       </a:r>
-                      <a:endParaRPr b="1" lang="en-US" sz="1800" spc="-1" strike="noStrike">
-                        <a:solidFill>
-                          <a:srgbClr val="ffffff"/>
-                        </a:solidFill>
-                        <a:latin typeface="Arial"/>
-                      </a:endParaRPr>
                     </a:p>
                   </a:txBody>
-                  <a:tcPr anchor="ctr" marL="90000" marR="90000">
+                  <a:tcPr marL="90000" marR="90000" anchor="ctr">
                     <a:lnL w="720">
                       <a:solidFill>
-                        <a:srgbClr val="ffffff"/>
+                        <a:srgbClr val="FFFFFF"/>
                       </a:solidFill>
                     </a:lnL>
                     <a:lnR w="720">
                       <a:solidFill>
-                        <a:srgbClr val="ffffff"/>
+                        <a:srgbClr val="FFFFFF"/>
                       </a:solidFill>
                     </a:lnR>
                     <a:lnT w="720">
                       <a:solidFill>
-                        <a:srgbClr val="ffffff"/>
+                        <a:srgbClr val="FFFFFF"/>
                       </a:solidFill>
                     </a:lnT>
                     <a:lnB w="720">
                       <a:solidFill>
-                        <a:srgbClr val="ffffff"/>
+                        <a:srgbClr val="FFFFFF"/>
                       </a:solidFill>
                     </a:lnB>
                     <a:solidFill>
-                      <a:srgbClr val="6241c5"/>
+                      <a:srgbClr val="6241C5"/>
                     </a:solidFill>
                   </a:tcPr>
                 </a:tc>
                 <a:tc>
                   <a:txBody>
-                    <a:bodyPr lIns="90000" rIns="90000" tIns="46800" bIns="46800" anchor="ctr">
-                      <a:noAutofit/>
-                    </a:bodyPr>
+                    <a:bodyPr/>
+                    <a:lstStyle/>
                     <a:p>
                       <a:pPr algn="ctr">
                         <a:buNone/>
                       </a:pPr>
                       <a:r>
-                        <a:rPr b="1" lang="en-US" sz="1800" spc="-1" strike="noStrike">
+                        <a:rPr lang="en-US" sz="1800" b="1" strike="noStrike" spc="-1">
                           <a:solidFill>
-                            <a:srgbClr val="ffffff"/>
+                            <a:srgbClr val="FFFFFF"/>
                           </a:solidFill>
                           <a:latin typeface="Arial"/>
                         </a:rPr>
                         <a:t>Key2_Private</a:t>
                       </a:r>
-                      <a:endParaRPr b="1" lang="en-US" sz="1800" spc="-1" strike="noStrike">
-                        <a:solidFill>
-                          <a:srgbClr val="ffffff"/>
-                        </a:solidFill>
-                        <a:latin typeface="Arial"/>
-                      </a:endParaRPr>
                     </a:p>
                   </a:txBody>
-                  <a:tcPr anchor="ctr" marL="90000" marR="90000">
+                  <a:tcPr marL="90000" marR="90000" anchor="ctr">
                     <a:lnL w="720">
                       <a:solidFill>
-                        <a:srgbClr val="ffffff"/>
+                        <a:srgbClr val="FFFFFF"/>
                       </a:solidFill>
                     </a:lnL>
                     <a:lnR w="720">
                       <a:solidFill>
-                        <a:srgbClr val="ffffff"/>
+                        <a:srgbClr val="FFFFFF"/>
                       </a:solidFill>
                     </a:lnR>
                     <a:lnT w="720">
                       <a:solidFill>
-                        <a:srgbClr val="ffffff"/>
+                        <a:srgbClr val="FFFFFF"/>
                       </a:solidFill>
                     </a:lnT>
                     <a:lnB w="720">
                       <a:solidFill>
-                        <a:srgbClr val="ffffff"/>
+                        <a:srgbClr val="FFFFFF"/>
                       </a:solidFill>
                     </a:lnB>
                     <a:solidFill>
-                      <a:srgbClr val="6241c5"/>
+                      <a:srgbClr val="6241C5"/>
                     </a:solidFill>
                   </a:tcPr>
                 </a:tc>
                 <a:tc>
                   <a:txBody>
-                    <a:bodyPr lIns="90000" rIns="90000" tIns="46800" bIns="46800" anchor="ctr">
-                      <a:noAutofit/>
-                    </a:bodyPr>
+                    <a:bodyPr/>
+                    <a:lstStyle/>
                     <a:p>
                       <a:pPr algn="ctr">
                         <a:buNone/>
                       </a:pPr>
                       <a:r>
-                        <a:rPr b="1" lang="en-US" sz="1800" spc="-1" strike="noStrike">
+                        <a:rPr lang="en-US" sz="1800" b="1" strike="noStrike" spc="-1">
                           <a:solidFill>
-                            <a:srgbClr val="ffffff"/>
+                            <a:srgbClr val="FFFFFF"/>
                           </a:solidFill>
                           <a:latin typeface="Arial"/>
                         </a:rPr>
                         <a:t>AEAD Key</a:t>
                       </a:r>
-                      <a:endParaRPr b="1" lang="en-US" sz="1800" spc="-1" strike="noStrike">
-                        <a:solidFill>
-                          <a:srgbClr val="ffffff"/>
-                        </a:solidFill>
-                        <a:latin typeface="Arial"/>
-                      </a:endParaRPr>
                     </a:p>
                   </a:txBody>
-                  <a:tcPr anchor="ctr" marL="90000" marR="90000">
+                  <a:tcPr marL="90000" marR="90000" anchor="ctr">
                     <a:lnL w="720">
                       <a:solidFill>
-                        <a:srgbClr val="ffffff"/>
+                        <a:srgbClr val="FFFFFF"/>
                       </a:solidFill>
                     </a:lnL>
                     <a:lnR w="720">
                       <a:solidFill>
-                        <a:srgbClr val="ffffff"/>
+                        <a:srgbClr val="FFFFFF"/>
                       </a:solidFill>
                     </a:lnR>
                     <a:lnT w="720">
                       <a:solidFill>
-                        <a:srgbClr val="ffffff"/>
+                        <a:srgbClr val="FFFFFF"/>
                       </a:solidFill>
                     </a:lnT>
                     <a:lnB w="720">
                       <a:solidFill>
-                        <a:srgbClr val="ffffff"/>
+                        <a:srgbClr val="FFFFFF"/>
                       </a:solidFill>
                     </a:lnB>
                     <a:solidFill>
-                      <a:srgbClr val="6241c5"/>
+                      <a:srgbClr val="6241C5"/>
                     </a:solidFill>
                   </a:tcPr>
                 </a:tc>
                 <a:tc>
                   <a:txBody>
-                    <a:bodyPr lIns="90000" rIns="90000" tIns="46800" bIns="46800" anchor="ctr">
-                      <a:noAutofit/>
-                    </a:bodyPr>
+                    <a:bodyPr/>
+                    <a:lstStyle/>
                     <a:p>
                       <a:pPr algn="ctr">
                         <a:buNone/>
                       </a:pPr>
                       <a:r>
-                        <a:rPr b="1" lang="en-US" sz="1800" spc="-1" strike="noStrike">
+                        <a:rPr lang="en-US" sz="1800" b="1" strike="noStrike" spc="-1">
                           <a:solidFill>
-                            <a:srgbClr val="ffffff"/>
+                            <a:srgbClr val="FFFFFF"/>
                           </a:solidFill>
                           <a:latin typeface="Arial"/>
                         </a:rPr>
                         <a:t>Hash Key &amp; Salt</a:t>
                       </a:r>
-                      <a:endParaRPr b="1" lang="en-US" sz="1800" spc="-1" strike="noStrike">
-                        <a:solidFill>
-                          <a:srgbClr val="ffffff"/>
-                        </a:solidFill>
-                        <a:latin typeface="Arial"/>
-                      </a:endParaRPr>
                     </a:p>
                   </a:txBody>
-                  <a:tcPr anchor="ctr" marL="90000" marR="90000">
+                  <a:tcPr marL="90000" marR="90000" anchor="ctr">
                     <a:lnL w="720">
                       <a:solidFill>
-                        <a:srgbClr val="ffffff"/>
+                        <a:srgbClr val="FFFFFF"/>
                       </a:solidFill>
                     </a:lnL>
                     <a:lnR w="720">
                       <a:solidFill>
-                        <a:srgbClr val="ffffff"/>
+                        <a:srgbClr val="FFFFFF"/>
                       </a:solidFill>
                     </a:lnR>
                     <a:lnT w="720">
                       <a:solidFill>
-                        <a:srgbClr val="ffffff"/>
+                        <a:srgbClr val="FFFFFF"/>
                       </a:solidFill>
                     </a:lnT>
                     <a:lnB w="720">
                       <a:solidFill>
-                        <a:srgbClr val="ffffff"/>
+                        <a:srgbClr val="FFFFFF"/>
                       </a:solidFill>
                     </a:lnB>
                     <a:solidFill>
-                      <a:srgbClr val="6241c5"/>
+                      <a:srgbClr val="6241C5"/>
                     </a:solidFill>
                   </a:tcPr>
                 </a:tc>
+                <a:extLst>
+                  <a:ext uri="{0D108BD9-81ED-4DB2-BD59-A6C34878D82A}">
+                    <a16:rowId xmlns:a16="http://schemas.microsoft.com/office/drawing/2014/main" val="10000"/>
+                  </a:ext>
+                </a:extLst>
               </a:tr>
               <a:tr h="560880">
                 <a:tc>
                   <a:txBody>
-                    <a:bodyPr lIns="90000" rIns="90000" tIns="46800" bIns="46800" anchor="ctr">
-                      <a:noAutofit/>
-                    </a:bodyPr>
+                    <a:bodyPr/>
+                    <a:lstStyle/>
                     <a:p>
                       <a:pPr algn="ctr">
                         <a:buNone/>
                       </a:pPr>
                       <a:r>
-                        <a:rPr b="1" lang="en-US" sz="1800" spc="-1" strike="noStrike">
+                        <a:rPr lang="en-US" sz="1800" b="1" strike="noStrike" spc="-1">
                           <a:solidFill>
-                            <a:srgbClr val="ffffff"/>
+                            <a:srgbClr val="FFFFFF"/>
                           </a:solidFill>
                           <a:latin typeface="Arial"/>
                         </a:rPr>
                         <a:t>Stored at</a:t>
                       </a:r>
-                      <a:endParaRPr b="1" lang="en-US" sz="1800" spc="-1" strike="noStrike">
-                        <a:solidFill>
-                          <a:srgbClr val="ffffff"/>
-                        </a:solidFill>
-                        <a:latin typeface="Arial"/>
-                      </a:endParaRPr>
                     </a:p>
                   </a:txBody>
-                  <a:tcPr anchor="ctr" marL="90000" marR="90000">
+                  <a:tcPr marL="90000" marR="90000" anchor="ctr">
                     <a:lnL w="720">
                       <a:solidFill>
-                        <a:srgbClr val="ffffff"/>
+                        <a:srgbClr val="FFFFFF"/>
                       </a:solidFill>
                     </a:lnL>
                     <a:lnR w="720">
                       <a:solidFill>
-                        <a:srgbClr val="ffffff"/>
+                        <a:srgbClr val="FFFFFF"/>
                       </a:solidFill>
                     </a:lnR>
                     <a:lnT w="720">
                       <a:solidFill>
-                        <a:srgbClr val="ffffff"/>
+                        <a:srgbClr val="FFFFFF"/>
                       </a:solidFill>
                     </a:lnT>
                     <a:lnB w="720">
                       <a:solidFill>
-                        <a:srgbClr val="ffffff"/>
+                        <a:srgbClr val="FFFFFF"/>
                       </a:solidFill>
                     </a:lnB>
                     <a:solidFill>
-                      <a:srgbClr val="6241c5"/>
+                      <a:srgbClr val="6241C5"/>
                     </a:solidFill>
                   </a:tcPr>
                 </a:tc>
                 <a:tc>
                   <a:txBody>
-                    <a:bodyPr lIns="90000" rIns="90000" tIns="46800" bIns="46800" anchor="ctr">
-                      <a:noAutofit/>
-                    </a:bodyPr>
+                    <a:bodyPr/>
+                    <a:lstStyle/>
                     <a:p>
                       <a:pPr algn="ctr">
                         <a:buNone/>
                       </a:pPr>
                       <a:r>
-                        <a:rPr b="0" lang="en-US" sz="1800" spc="-1" strike="noStrike">
+                        <a:rPr lang="en-US" sz="1800" b="0" strike="noStrike" spc="-1">
                           <a:latin typeface="Arial"/>
                         </a:rPr>
                         <a:t>AP</a:t>
                       </a:r>
-                      <a:endParaRPr b="0" lang="en-US" sz="1800" spc="-1" strike="noStrike">
-                        <a:latin typeface="Arial"/>
-                      </a:endParaRPr>
                     </a:p>
                   </a:txBody>
-                  <a:tcPr anchor="ctr" marL="90000" marR="90000">
+                  <a:tcPr marL="90000" marR="90000" anchor="ctr">
                     <a:lnL w="720">
                       <a:solidFill>
-                        <a:srgbClr val="ffffff"/>
+                        <a:srgbClr val="FFFFFF"/>
                       </a:solidFill>
                     </a:lnL>
                     <a:lnR w="720">
                       <a:solidFill>
-                        <a:srgbClr val="ffffff"/>
+                        <a:srgbClr val="FFFFFF"/>
                       </a:solidFill>
                     </a:lnR>
                     <a:lnT w="720">
                       <a:solidFill>
-                        <a:srgbClr val="ffffff"/>
+                        <a:srgbClr val="FFFFFF"/>
                       </a:solidFill>
                     </a:lnT>
                     <a:lnB w="720">
                       <a:solidFill>
-                        <a:srgbClr val="ffffff"/>
+                        <a:srgbClr val="FFFFFF"/>
                       </a:solidFill>
                     </a:lnB>
                     <a:solidFill>
-                      <a:srgbClr val="d7cdf8"/>
+                      <a:srgbClr val="D7CDF8"/>
                     </a:solidFill>
                   </a:tcPr>
                 </a:tc>
                 <a:tc>
                   <a:txBody>
-                    <a:bodyPr lIns="90000" rIns="90000" tIns="46800" bIns="46800" anchor="ctr">
-                      <a:noAutofit/>
-                    </a:bodyPr>
+                    <a:bodyPr/>
+                    <a:lstStyle/>
                     <a:p>
                       <a:pPr algn="ctr">
                         <a:buNone/>
                       </a:pPr>
                       <a:r>
-                        <a:rPr b="0" lang="en-US" sz="1800" spc="-1" strike="noStrike">
+                        <a:rPr lang="en-US" sz="1800" b="0" strike="noStrike" spc="-1" dirty="0">
                           <a:latin typeface="Arial"/>
                         </a:rPr>
                         <a:t>Component</a:t>
                       </a:r>
-                      <a:endParaRPr b="0" lang="en-US" sz="1800" spc="-1" strike="noStrike">
-                        <a:latin typeface="Arial"/>
-                      </a:endParaRPr>
                     </a:p>
                   </a:txBody>
-                  <a:tcPr anchor="ctr" marL="90000" marR="90000">
+                  <a:tcPr marL="90000" marR="90000" anchor="ctr">
                     <a:lnL w="720">
                       <a:solidFill>
-                        <a:srgbClr val="ffffff"/>
+                        <a:srgbClr val="FFFFFF"/>
                       </a:solidFill>
                     </a:lnL>
                     <a:lnR w="720">
                       <a:solidFill>
-                        <a:srgbClr val="ffffff"/>
+                        <a:srgbClr val="FFFFFF"/>
                       </a:solidFill>
                     </a:lnR>
                     <a:lnT w="720">
                       <a:solidFill>
-                        <a:srgbClr val="ffffff"/>
+                        <a:srgbClr val="FFFFFF"/>
                       </a:solidFill>
                     </a:lnT>
                     <a:lnB w="720">
                       <a:solidFill>
-                        <a:srgbClr val="ffffff"/>
+                        <a:srgbClr val="FFFFFF"/>
                       </a:solidFill>
                     </a:lnB>
                     <a:solidFill>
-                      <a:srgbClr val="d7cdf8"/>
+                      <a:srgbClr val="D7CDF8"/>
                     </a:solidFill>
                   </a:tcPr>
                 </a:tc>
                 <a:tc>
                   <a:txBody>
-                    <a:bodyPr lIns="90000" rIns="90000" tIns="46800" bIns="46800" anchor="ctr">
-                      <a:noAutofit/>
-                    </a:bodyPr>
+                    <a:bodyPr/>
+                    <a:lstStyle/>
                     <a:p>
                       <a:pPr algn="ctr">
                         <a:buNone/>
                       </a:pPr>
                       <a:r>
-                        <a:rPr b="0" lang="en-US" sz="1800" spc="-1" strike="noStrike">
+                        <a:rPr lang="en-US" sz="1800" b="0" strike="noStrike" spc="-1">
                           <a:latin typeface="Arial"/>
                         </a:rPr>
                         <a:t>Component</a:t>
                       </a:r>
-                      <a:endParaRPr b="0" lang="en-US" sz="1800" spc="-1" strike="noStrike">
-                        <a:latin typeface="Arial"/>
-                      </a:endParaRPr>
                     </a:p>
                   </a:txBody>
-                  <a:tcPr anchor="ctr" marL="90000" marR="90000">
+                  <a:tcPr marL="90000" marR="90000" anchor="ctr">
                     <a:lnL w="720">
                       <a:solidFill>
-                        <a:srgbClr val="ffffff"/>
+                        <a:srgbClr val="FFFFFF"/>
                       </a:solidFill>
                     </a:lnL>
                     <a:lnR w="720">
                       <a:solidFill>
-                        <a:srgbClr val="ffffff"/>
+                        <a:srgbClr val="FFFFFF"/>
                       </a:solidFill>
                     </a:lnR>
                     <a:lnT w="720">
                       <a:solidFill>
-                        <a:srgbClr val="ffffff"/>
+                        <a:srgbClr val="FFFFFF"/>
                       </a:solidFill>
                     </a:lnT>
                     <a:lnB w="720">
                       <a:solidFill>
-                        <a:srgbClr val="ffffff"/>
+                        <a:srgbClr val="FFFFFF"/>
                       </a:solidFill>
                     </a:lnB>
                     <a:solidFill>
-                      <a:srgbClr val="d7cdf8"/>
+                      <a:srgbClr val="D7CDF8"/>
                     </a:solidFill>
                   </a:tcPr>
                 </a:tc>
                 <a:tc>
                   <a:txBody>
-                    <a:bodyPr lIns="90000" rIns="90000" tIns="46800" bIns="46800" anchor="ctr">
-                      <a:noAutofit/>
-                    </a:bodyPr>
+                    <a:bodyPr/>
+                    <a:lstStyle/>
                     <a:p>
                       <a:pPr algn="ctr">
                         <a:buNone/>
                       </a:pPr>
                       <a:r>
-                        <a:rPr b="0" lang="en-US" sz="1800" spc="-1" strike="noStrike">
+                        <a:rPr lang="en-US" sz="1800" b="0" strike="noStrike" spc="-1">
                           <a:latin typeface="Arial"/>
                         </a:rPr>
                         <a:t>AP</a:t>
                       </a:r>
-                      <a:endParaRPr b="0" lang="en-US" sz="1800" spc="-1" strike="noStrike">
-                        <a:latin typeface="Arial"/>
-                      </a:endParaRPr>
                     </a:p>
                   </a:txBody>
-                  <a:tcPr anchor="ctr" marL="90000" marR="90000">
+                  <a:tcPr marL="90000" marR="90000" anchor="ctr">
                     <a:lnL w="720">
                       <a:solidFill>
-                        <a:srgbClr val="ffffff"/>
+                        <a:srgbClr val="FFFFFF"/>
                       </a:solidFill>
                     </a:lnL>
                     <a:lnR w="720">
                       <a:solidFill>
-                        <a:srgbClr val="ffffff"/>
+                        <a:srgbClr val="FFFFFF"/>
                       </a:solidFill>
                     </a:lnR>
                     <a:lnT w="720">
                       <a:solidFill>
-                        <a:srgbClr val="ffffff"/>
+                        <a:srgbClr val="FFFFFF"/>
                       </a:solidFill>
                     </a:lnT>
                     <a:lnB w="720">
                       <a:solidFill>
-                        <a:srgbClr val="ffffff"/>
+                        <a:srgbClr val="FFFFFF"/>
                       </a:solidFill>
                     </a:lnB>
                     <a:solidFill>
-                      <a:srgbClr val="d7cdf8"/>
+                      <a:srgbClr val="D7CDF8"/>
                     </a:solidFill>
                   </a:tcPr>
                 </a:tc>
                 <a:tc>
                   <a:txBody>
-                    <a:bodyPr lIns="90000" rIns="90000" tIns="46800" bIns="46800" anchor="ctr">
-                      <a:noAutofit/>
-                    </a:bodyPr>
+                    <a:bodyPr/>
+                    <a:lstStyle/>
                     <a:p>
                       <a:pPr algn="ctr">
                         <a:buNone/>
                       </a:pPr>
                       <a:r>
-                        <a:rPr b="0" lang="en-US" sz="1800" spc="-1" strike="noStrike">
+                        <a:rPr lang="en-US" sz="1800" b="0" strike="noStrike" spc="-1">
                           <a:latin typeface="Arial"/>
                         </a:rPr>
                         <a:t>AP</a:t>
                       </a:r>
-                      <a:endParaRPr b="0" lang="en-US" sz="1800" spc="-1" strike="noStrike">
-                        <a:latin typeface="Arial"/>
-                      </a:endParaRPr>
                     </a:p>
                   </a:txBody>
-                  <a:tcPr anchor="ctr" marL="90000" marR="90000">
+                  <a:tcPr marL="90000" marR="90000" anchor="ctr">
                     <a:lnL w="720">
                       <a:solidFill>
-                        <a:srgbClr val="ffffff"/>
+                        <a:srgbClr val="FFFFFF"/>
                       </a:solidFill>
                     </a:lnL>
                     <a:lnR w="720">
                       <a:solidFill>
-                        <a:srgbClr val="ffffff"/>
+                        <a:srgbClr val="FFFFFF"/>
                       </a:solidFill>
                     </a:lnR>
                     <a:lnT w="720">
                       <a:solidFill>
-                        <a:srgbClr val="ffffff"/>
+                        <a:srgbClr val="FFFFFF"/>
                       </a:solidFill>
                     </a:lnT>
                     <a:lnB w="720">
                       <a:solidFill>
-                        <a:srgbClr val="ffffff"/>
+                        <a:srgbClr val="FFFFFF"/>
                       </a:solidFill>
                     </a:lnB>
                     <a:solidFill>
-                      <a:srgbClr val="d7cdf8"/>
+                      <a:srgbClr val="D7CDF8"/>
                     </a:solidFill>
                   </a:tcPr>
                 </a:tc>
                 <a:tc>
                   <a:txBody>
-                    <a:bodyPr lIns="90000" rIns="90000" tIns="46800" bIns="46800" anchor="ctr">
-                      <a:noAutofit/>
-                    </a:bodyPr>
+                    <a:bodyPr/>
+                    <a:lstStyle/>
                     <a:p>
                       <a:pPr algn="ctr">
                         <a:buNone/>
                       </a:pPr>
                       <a:r>
-                        <a:rPr b="0" lang="en-US" sz="1800" spc="-1" strike="noStrike">
+                        <a:rPr lang="en-US" sz="1800" b="0" strike="noStrike" spc="-1">
                           <a:latin typeface="Arial"/>
                         </a:rPr>
                         <a:t>AP</a:t>
                       </a:r>
-                      <a:endParaRPr b="0" lang="en-US" sz="1800" spc="-1" strike="noStrike">
-                        <a:latin typeface="Arial"/>
-                      </a:endParaRPr>
                     </a:p>
                   </a:txBody>
-                  <a:tcPr anchor="ctr" marL="90000" marR="90000">
+                  <a:tcPr marL="90000" marR="90000" anchor="ctr">
                     <a:lnL w="720">
                       <a:solidFill>
-                        <a:srgbClr val="ffffff"/>
+                        <a:srgbClr val="FFFFFF"/>
                       </a:solidFill>
                     </a:lnL>
                     <a:lnR w="720">
                       <a:solidFill>
-                        <a:srgbClr val="ffffff"/>
+                        <a:srgbClr val="FFFFFF"/>
                       </a:solidFill>
                     </a:lnR>
                     <a:lnT w="720">
                       <a:solidFill>
-                        <a:srgbClr val="ffffff"/>
+                        <a:srgbClr val="FFFFFF"/>
                       </a:solidFill>
                     </a:lnT>
                     <a:lnB w="720">
                       <a:solidFill>
-                        <a:srgbClr val="ffffff"/>
+                        <a:srgbClr val="FFFFFF"/>
                       </a:solidFill>
                     </a:lnB>
                     <a:solidFill>
-                      <a:srgbClr val="d7cdf8"/>
+                      <a:srgbClr val="D7CDF8"/>
                     </a:solidFill>
                   </a:tcPr>
                 </a:tc>
+                <a:extLst>
+                  <a:ext uri="{0D108BD9-81ED-4DB2-BD59-A6C34878D82A}">
+                    <a16:rowId xmlns:a16="http://schemas.microsoft.com/office/drawing/2014/main" val="10001"/>
+                  </a:ext>
+                </a:extLst>
               </a:tr>
               <a:tr h="628560">
                 <a:tc>
                   <a:txBody>
-                    <a:bodyPr lIns="90000" rIns="90000" tIns="46800" bIns="46800" anchor="ctr">
-                      <a:noAutofit/>
-                    </a:bodyPr>
+                    <a:bodyPr/>
+                    <a:lstStyle/>
                     <a:p>
                       <a:pPr algn="ctr">
                         <a:buNone/>
                       </a:pPr>
                       <a:r>
-                        <a:rPr b="1" lang="en-US" sz="1800" spc="-1" strike="noStrike">
+                        <a:rPr lang="en-US" sz="1800" b="1" strike="noStrike" spc="-1">
                           <a:solidFill>
-                            <a:srgbClr val="ffffff"/>
+                            <a:srgbClr val="FFFFFF"/>
                           </a:solidFill>
                           <a:latin typeface="Arial"/>
                         </a:rPr>
                         <a:t>Description</a:t>
                       </a:r>
-                      <a:endParaRPr b="1" lang="en-US" sz="1800" spc="-1" strike="noStrike">
-                        <a:solidFill>
-                          <a:srgbClr val="ffffff"/>
-                        </a:solidFill>
-                        <a:latin typeface="Arial"/>
-                      </a:endParaRPr>
                     </a:p>
                   </a:txBody>
-                  <a:tcPr anchor="ctr" marL="90000" marR="90000">
+                  <a:tcPr marL="90000" marR="90000" anchor="ctr">
                     <a:lnL w="720">
                       <a:solidFill>
-                        <a:srgbClr val="ffffff"/>
+                        <a:srgbClr val="FFFFFF"/>
                       </a:solidFill>
                     </a:lnL>
                     <a:lnR w="720">
                       <a:solidFill>
-                        <a:srgbClr val="ffffff"/>
+                        <a:srgbClr val="FFFFFF"/>
                       </a:solidFill>
                     </a:lnR>
                     <a:lnT w="720">
                       <a:solidFill>
-                        <a:srgbClr val="ffffff"/>
+                        <a:srgbClr val="FFFFFF"/>
                       </a:solidFill>
                     </a:lnT>
                     <a:lnB w="720">
                       <a:solidFill>
-                        <a:srgbClr val="ffffff"/>
+                        <a:srgbClr val="FFFFFF"/>
                       </a:solidFill>
                     </a:lnB>
                     <a:solidFill>
-                      <a:srgbClr val="6241c5"/>
+                      <a:srgbClr val="6241C5"/>
                     </a:solidFill>
                   </a:tcPr>
                 </a:tc>
                 <a:tc>
                   <a:txBody>
-                    <a:bodyPr lIns="90000" rIns="90000" tIns="46800" bIns="46800" anchor="ctr">
-                      <a:noAutofit/>
-                    </a:bodyPr>
+                    <a:bodyPr/>
+                    <a:lstStyle/>
                     <a:p>
                       <a:pPr algn="ctr">
                         <a:buNone/>
                       </a:pPr>
                       <a:r>
-                        <a:rPr b="0" lang="en-US" sz="1800" spc="-1" strike="noStrike">
+                        <a:rPr lang="en-US" sz="1800" b="0" strike="noStrike" spc="-1">
                           <a:latin typeface="Arial"/>
                         </a:rPr>
                         <a:t>Create signature for AP’s message</a:t>
                       </a:r>
-                      <a:endParaRPr b="0" lang="en-US" sz="1800" spc="-1" strike="noStrike">
-                        <a:latin typeface="Arial"/>
-                      </a:endParaRPr>
                     </a:p>
                   </a:txBody>
-                  <a:tcPr anchor="ctr" marL="90000" marR="90000">
+                  <a:tcPr marL="90000" marR="90000" anchor="ctr">
                     <a:lnL w="720">
                       <a:solidFill>
-                        <a:srgbClr val="ffffff"/>
+                        <a:srgbClr val="FFFFFF"/>
                       </a:solidFill>
                     </a:lnL>
                     <a:lnR w="720">
                       <a:solidFill>
-                        <a:srgbClr val="ffffff"/>
+                        <a:srgbClr val="FFFFFF"/>
                       </a:solidFill>
                     </a:lnR>
                     <a:lnT w="720">
                       <a:solidFill>
-                        <a:srgbClr val="ffffff"/>
+                        <a:srgbClr val="FFFFFF"/>
                       </a:solidFill>
                     </a:lnT>
                     <a:lnB w="720">
                       <a:solidFill>
-                        <a:srgbClr val="ffffff"/>
+                        <a:srgbClr val="FFFFFF"/>
                       </a:solidFill>
                     </a:lnB>
                     <a:solidFill>
-                      <a:srgbClr val="d7cdf8"/>
+                      <a:srgbClr val="D7CDF8"/>
                     </a:solidFill>
                   </a:tcPr>
                 </a:tc>
                 <a:tc>
                   <a:txBody>
-                    <a:bodyPr lIns="90000" rIns="90000" tIns="46800" bIns="46800" anchor="ctr">
-                      <a:noAutofit/>
-                    </a:bodyPr>
+                    <a:bodyPr/>
+                    <a:lstStyle/>
                     <a:p>
                       <a:pPr algn="ctr">
                         <a:buNone/>
                       </a:pPr>
                       <a:r>
-                        <a:rPr b="0" lang="en-US" sz="1800" spc="-1" strike="noStrike">
+                        <a:rPr lang="en-US" sz="1800" b="0" strike="noStrike" spc="-1" dirty="0">
                           <a:latin typeface="Arial"/>
                         </a:rPr>
                         <a:t>Validate signature for AP’s message</a:t>
                       </a:r>
-                      <a:endParaRPr b="0" lang="en-US" sz="1800" spc="-1" strike="noStrike">
-                        <a:latin typeface="Arial"/>
-                      </a:endParaRPr>
                     </a:p>
                   </a:txBody>
-                  <a:tcPr anchor="ctr" marL="90000" marR="90000">
+                  <a:tcPr marL="90000" marR="90000" anchor="ctr">
                     <a:lnL w="720">
                       <a:solidFill>
-                        <a:srgbClr val="ffffff"/>
+                        <a:srgbClr val="FFFFFF"/>
                       </a:solidFill>
                     </a:lnL>
                     <a:lnR w="720">
                       <a:solidFill>
-                        <a:srgbClr val="ffffff"/>
+                        <a:srgbClr val="FFFFFF"/>
                       </a:solidFill>
                     </a:lnR>
                     <a:lnT w="720">
                       <a:solidFill>
-                        <a:srgbClr val="ffffff"/>
+                        <a:srgbClr val="FFFFFF"/>
                       </a:solidFill>
                     </a:lnT>
                     <a:lnB w="720">
                       <a:solidFill>
-                        <a:srgbClr val="ffffff"/>
+                        <a:srgbClr val="FFFFFF"/>
                       </a:solidFill>
                     </a:lnB>
                     <a:solidFill>
-                      <a:srgbClr val="d7cdf8"/>
+                      <a:srgbClr val="D7CDF8"/>
                     </a:solidFill>
                   </a:tcPr>
                 </a:tc>
                 <a:tc>
                   <a:txBody>
-                    <a:bodyPr lIns="90000" rIns="90000" tIns="46800" bIns="46800" anchor="ctr">
-                      <a:noAutofit/>
-                    </a:bodyPr>
+                    <a:bodyPr/>
+                    <a:lstStyle/>
                     <a:p>
                       <a:pPr algn="ctr">
                         <a:buNone/>
                       </a:pPr>
                       <a:r>
-                        <a:rPr b="0" lang="en-US" sz="1800" spc="-1" strike="noStrike">
+                        <a:rPr lang="en-US" sz="1800" b="0" strike="noStrike" spc="-1">
                           <a:latin typeface="Arial"/>
                         </a:rPr>
                         <a:t>Create signature for AP’s message</a:t>
                       </a:r>
-                      <a:endParaRPr b="0" lang="en-US" sz="1800" spc="-1" strike="noStrike">
-                        <a:latin typeface="Arial"/>
-                      </a:endParaRPr>
                     </a:p>
                   </a:txBody>
-                  <a:tcPr anchor="ctr" marL="90000" marR="90000">
+                  <a:tcPr marL="90000" marR="90000" anchor="ctr">
                     <a:lnL w="720">
                       <a:solidFill>
-                        <a:srgbClr val="ffffff"/>
+                        <a:srgbClr val="FFFFFF"/>
                       </a:solidFill>
                     </a:lnL>
                     <a:lnR w="720">
                       <a:solidFill>
-                        <a:srgbClr val="ffffff"/>
+                        <a:srgbClr val="FFFFFF"/>
                       </a:solidFill>
                     </a:lnR>
                     <a:lnT w="720">
                       <a:solidFill>
-                        <a:srgbClr val="ffffff"/>
+                        <a:srgbClr val="FFFFFF"/>
                       </a:solidFill>
                     </a:lnT>
                     <a:lnB w="720">
                       <a:solidFill>
-                        <a:srgbClr val="ffffff"/>
+                        <a:srgbClr val="FFFFFF"/>
                       </a:solidFill>
                     </a:lnB>
                     <a:solidFill>
-                      <a:srgbClr val="d7cdf8"/>
+                      <a:srgbClr val="D7CDF8"/>
                     </a:solidFill>
                   </a:tcPr>
                 </a:tc>
                 <a:tc>
                   <a:txBody>
-                    <a:bodyPr lIns="90000" rIns="90000" tIns="46800" bIns="46800" anchor="ctr">
-                      <a:noAutofit/>
-                    </a:bodyPr>
+                    <a:bodyPr/>
+                    <a:lstStyle/>
                     <a:p>
                       <a:pPr algn="ctr">
                         <a:buNone/>
                       </a:pPr>
                       <a:r>
-                        <a:rPr b="0" lang="en-US" sz="1800" spc="-1" strike="noStrike">
+                        <a:rPr lang="en-US" sz="1800" b="0" strike="noStrike" spc="-1">
                           <a:latin typeface="Arial"/>
                         </a:rPr>
                         <a:t>Validate signature for AP’s message</a:t>
                       </a:r>
-                      <a:endParaRPr b="0" lang="en-US" sz="1800" spc="-1" strike="noStrike">
-                        <a:latin typeface="Arial"/>
-                      </a:endParaRPr>
                     </a:p>
                   </a:txBody>
-                  <a:tcPr anchor="ctr" marL="90000" marR="90000">
+                  <a:tcPr marL="90000" marR="90000" anchor="ctr">
                     <a:lnL w="720">
                       <a:solidFill>
-                        <a:srgbClr val="ffffff"/>
+                        <a:srgbClr val="FFFFFF"/>
                       </a:solidFill>
                     </a:lnL>
                     <a:lnR w="720">
                       <a:solidFill>
-                        <a:srgbClr val="ffffff"/>
+                        <a:srgbClr val="FFFFFF"/>
                       </a:solidFill>
                     </a:lnR>
                     <a:lnT w="720">
                       <a:solidFill>
-                        <a:srgbClr val="ffffff"/>
+                        <a:srgbClr val="FFFFFF"/>
                       </a:solidFill>
                     </a:lnT>
                     <a:lnB w="720">
                       <a:solidFill>
-                        <a:srgbClr val="ffffff"/>
+                        <a:srgbClr val="FFFFFF"/>
                       </a:solidFill>
                     </a:lnB>
                     <a:solidFill>
-                      <a:srgbClr val="d7cdf8"/>
+                      <a:srgbClr val="D7CDF8"/>
                     </a:solidFill>
                   </a:tcPr>
                 </a:tc>
                 <a:tc>
                   <a:txBody>
-                    <a:bodyPr lIns="90000" rIns="90000" tIns="46800" bIns="46800" anchor="ctr">
-                      <a:noAutofit/>
-                    </a:bodyPr>
+                    <a:bodyPr/>
+                    <a:lstStyle/>
                     <a:p>
                       <a:pPr algn="ctr">
                         <a:buNone/>
                       </a:pPr>
                       <a:r>
-                        <a:rPr b="0" lang="en-US" sz="1800" spc="-1" strike="noStrike">
+                        <a:rPr lang="en-US" sz="1800" b="0" strike="noStrike" spc="-1">
                           <a:latin typeface="Arial"/>
                         </a:rPr>
                         <a:t>Decrypt the attestation data and boot message</a:t>
                       </a:r>
-                      <a:endParaRPr b="0" lang="en-US" sz="1800" spc="-1" strike="noStrike">
-                        <a:latin typeface="Arial"/>
-                      </a:endParaRPr>
                     </a:p>
                   </a:txBody>
-                  <a:tcPr anchor="ctr" marL="90000" marR="90000">
+                  <a:tcPr marL="90000" marR="90000" anchor="ctr">
                     <a:lnL w="720">
                       <a:solidFill>
-                        <a:srgbClr val="ffffff"/>
+                        <a:srgbClr val="FFFFFF"/>
                       </a:solidFill>
                     </a:lnL>
                     <a:lnR w="720">
                       <a:solidFill>
-                        <a:srgbClr val="ffffff"/>
+                        <a:srgbClr val="FFFFFF"/>
                       </a:solidFill>
                     </a:lnR>
                     <a:lnT w="720">
                       <a:solidFill>
-                        <a:srgbClr val="ffffff"/>
+                        <a:srgbClr val="FFFFFF"/>
                       </a:solidFill>
                     </a:lnT>
                     <a:lnB w="720">
                       <a:solidFill>
-                        <a:srgbClr val="ffffff"/>
+                        <a:srgbClr val="FFFFFF"/>
                       </a:solidFill>
                     </a:lnB>
                     <a:solidFill>
-                      <a:srgbClr val="d7cdf8"/>
+                      <a:srgbClr val="D7CDF8"/>
                     </a:solidFill>
                   </a:tcPr>
                 </a:tc>
                 <a:tc>
                   <a:txBody>
-                    <a:bodyPr lIns="90000" rIns="90000" tIns="46800" bIns="46800" anchor="ctr">
-                      <a:noAutofit/>
-                    </a:bodyPr>
+                    <a:bodyPr/>
+                    <a:lstStyle/>
                     <a:p>
                       <a:pPr algn="ctr">
                         <a:buNone/>
                       </a:pPr>
                       <a:r>
-                        <a:rPr b="0" lang="en-US" sz="1800" spc="-1" strike="noStrike">
+                        <a:rPr lang="en-US" sz="1800" b="0" strike="noStrike" spc="-1" dirty="0">
                           <a:latin typeface="Arial"/>
                         </a:rPr>
-                        <a:t>For attestation PIN and replace Token</a:t>
+                        <a:t>Secure attestation PIN and replace token</a:t>
                       </a:r>
-                      <a:endParaRPr b="0" lang="en-US" sz="1800" spc="-1" strike="noStrike">
-                        <a:latin typeface="Arial"/>
-                      </a:endParaRPr>
                     </a:p>
                   </a:txBody>
-                  <a:tcPr anchor="ctr" marL="90000" marR="90000">
+                  <a:tcPr marL="90000" marR="90000" anchor="ctr">
                     <a:lnL w="720">
                       <a:solidFill>
-                        <a:srgbClr val="ffffff"/>
+                        <a:srgbClr val="FFFFFF"/>
                       </a:solidFill>
                     </a:lnL>
                     <a:lnR w="720">
                       <a:solidFill>
-                        <a:srgbClr val="ffffff"/>
+                        <a:srgbClr val="FFFFFF"/>
                       </a:solidFill>
                     </a:lnR>
                     <a:lnT w="720">
                       <a:solidFill>
-                        <a:srgbClr val="ffffff"/>
+                        <a:srgbClr val="FFFFFF"/>
                       </a:solidFill>
                     </a:lnT>
                     <a:lnB w="720">
                       <a:solidFill>
-                        <a:srgbClr val="ffffff"/>
+                        <a:srgbClr val="FFFFFF"/>
                       </a:solidFill>
                     </a:lnB>
                     <a:solidFill>
-                      <a:srgbClr val="d7cdf8"/>
+                      <a:srgbClr val="D7CDF8"/>
                     </a:solidFill>
                   </a:tcPr>
                 </a:tc>
+                <a:extLst>
+                  <a:ext uri="{0D108BD9-81ED-4DB2-BD59-A6C34878D82A}">
+                    <a16:rowId xmlns:a16="http://schemas.microsoft.com/office/drawing/2014/main" val="10002"/>
+                  </a:ext>
+                </a:extLst>
               </a:tr>
             </a:tbl>
           </a:graphicData>
@@ -5947,9 +6531,10 @@
           <a:fontRef idx="minor"/>
         </p:style>
         <p:txBody>
-          <a:bodyPr lIns="182880" rIns="182880" tIns="45000" bIns="45000" anchor="t">
+          <a:bodyPr lIns="182880" tIns="45000" rIns="182880" bIns="45000" anchor="t">
             <a:noAutofit/>
           </a:bodyPr>
+          <a:lstStyle/>
           <a:p>
             <a:pPr algn="just">
               <a:lnSpc>
@@ -5958,15 +6543,15 @@
               <a:buNone/>
             </a:pPr>
             <a:r>
-              <a:rPr b="1" lang="en-US" sz="2000" spc="-1" strike="noStrike">
-                <a:solidFill>
-                  <a:srgbClr val="6241c5"/>
+              <a:rPr lang="en-US" sz="2000" b="1" strike="noStrike" spc="-1" dirty="0">
+                <a:solidFill>
+                  <a:srgbClr val="6241C5"/>
                 </a:solidFill>
                 <a:latin typeface="Arial"/>
               </a:rPr>
               <a:t>Attest</a:t>
             </a:r>
-            <a:endParaRPr b="0" lang="en-US" sz="2000" spc="-1" strike="noStrike">
+            <a:endParaRPr lang="en-US" sz="2000" b="0" strike="noStrike" spc="-1" dirty="0">
               <a:latin typeface="Arial"/>
             </a:endParaRPr>
           </a:p>
@@ -5978,15 +6563,33 @@
               <a:buNone/>
             </a:pPr>
             <a:r>
-              <a:rPr b="0" lang="en-US" sz="2000" spc="-1" strike="noStrike">
+              <a:rPr lang="en-US" sz="2000" b="0" strike="noStrike" spc="-1" dirty="0">
                 <a:solidFill>
                   <a:srgbClr val="000000"/>
                 </a:solidFill>
                 <a:latin typeface="Arial"/>
               </a:rPr>
-              <a:t>The AP signs a component's random number and sends back the signature for validation. After validation, the component sends encrypted attestation data to the AP for decryption.</a:t>
-            </a:r>
-            <a:endParaRPr b="0" lang="en-US" sz="2000" spc="-1" strike="noStrike">
+              <a:t>The AP signs a random number generated by a component and sends the signature to the </a:t>
+            </a:r>
+            <a:r>
+              <a:rPr lang="en-US" sz="2000" spc="-1" dirty="0">
+                <a:solidFill>
+                  <a:srgbClr val="000000"/>
+                </a:solidFill>
+                <a:latin typeface="Arial"/>
+              </a:rPr>
+              <a:t>component to validate</a:t>
+            </a:r>
+            <a:r>
+              <a:rPr lang="en-US" sz="2000" b="0" strike="noStrike" spc="-1" dirty="0">
+                <a:solidFill>
+                  <a:srgbClr val="000000"/>
+                </a:solidFill>
+                <a:latin typeface="Arial"/>
+              </a:rPr>
+              <a:t>. After validation, the component provides the encrypted attestation PIN to the AP.</a:t>
+            </a:r>
+            <a:endParaRPr lang="en-US" sz="2000" b="0" strike="noStrike" spc="-1" dirty="0">
               <a:latin typeface="Arial"/>
             </a:endParaRPr>
           </a:p>
@@ -5998,15 +6601,15 @@
               <a:buNone/>
             </a:pPr>
             <a:r>
-              <a:rPr b="1" lang="en-US" sz="2000" spc="-1" strike="noStrike">
-                <a:solidFill>
-                  <a:srgbClr val="6241c5"/>
+              <a:rPr lang="en-US" sz="2000" b="1" strike="noStrike" spc="-1" dirty="0">
+                <a:solidFill>
+                  <a:srgbClr val="6241C5"/>
                 </a:solidFill>
                 <a:latin typeface="Arial"/>
               </a:rPr>
               <a:t>Boot</a:t>
             </a:r>
-            <a:endParaRPr b="0" lang="en-US" sz="2000" spc="-1" strike="noStrike">
+            <a:endParaRPr lang="en-US" sz="2000" b="0" strike="noStrike" spc="-1" dirty="0">
               <a:latin typeface="Arial"/>
             </a:endParaRPr>
           </a:p>
@@ -6018,7 +6621,7 @@
               <a:buNone/>
             </a:pPr>
             <a:r>
-              <a:rPr b="0" lang="en-US" sz="2000" spc="-1" strike="noStrike">
+              <a:rPr lang="en-US" sz="2000" b="0" strike="noStrike" spc="-1" dirty="0">
                 <a:solidFill>
                   <a:srgbClr val="000000"/>
                 </a:solidFill>
@@ -6026,7 +6629,7 @@
               </a:rPr>
               <a:t>The AP verifies each component by having it sign a random number; the components then validate the AP similarly. On successful validation, both the AP and components boot up.</a:t>
             </a:r>
-            <a:endParaRPr b="0" lang="en-US" sz="2000" spc="-1" strike="noStrike">
+            <a:endParaRPr lang="en-US" sz="2000" b="0" strike="noStrike" spc="-1" dirty="0">
               <a:latin typeface="Arial"/>
             </a:endParaRPr>
           </a:p>
@@ -6037,7 +6640,7 @@
               </a:lnSpc>
               <a:buNone/>
             </a:pPr>
-            <a:endParaRPr b="0" lang="en-US" sz="2000" spc="-1" strike="noStrike">
+            <a:endParaRPr lang="en-US" sz="2000" b="0" strike="noStrike" spc="-1" dirty="0">
               <a:latin typeface="Arial"/>
             </a:endParaRPr>
           </a:p>
@@ -6048,7 +6651,7 @@
               </a:lnSpc>
               <a:buNone/>
             </a:pPr>
-            <a:endParaRPr b="0" lang="en-US" sz="2000" spc="-1" strike="noStrike">
+            <a:endParaRPr lang="en-US" sz="2000" b="0" strike="noStrike" spc="-1" dirty="0">
               <a:latin typeface="Arial"/>
             </a:endParaRPr>
           </a:p>
@@ -6090,9 +6693,10 @@
           <a:fontRef idx="minor"/>
         </p:style>
         <p:txBody>
-          <a:bodyPr lIns="182880" rIns="182880" tIns="45000" bIns="45000" anchor="t">
+          <a:bodyPr lIns="182880" tIns="45000" rIns="182880" bIns="45000" anchor="t">
             <a:noAutofit/>
           </a:bodyPr>
+          <a:lstStyle/>
           <a:p>
             <a:pPr algn="just">
               <a:lnSpc>
@@ -6101,15 +6705,15 @@
               <a:buNone/>
             </a:pPr>
             <a:r>
-              <a:rPr b="1" lang="en-US" sz="2000" spc="-1" strike="noStrike">
-                <a:solidFill>
-                  <a:srgbClr val="6241c5"/>
+              <a:rPr lang="en-US" sz="2000" b="1" strike="noStrike" spc="-1" dirty="0">
+                <a:solidFill>
+                  <a:srgbClr val="6241C5"/>
                 </a:solidFill>
                 <a:latin typeface="Arial"/>
               </a:rPr>
               <a:t>Post-Boot Communication</a:t>
             </a:r>
-            <a:endParaRPr b="0" lang="en-US" sz="2000" spc="-1" strike="noStrike">
+            <a:endParaRPr lang="en-US" sz="2000" b="0" strike="noStrike" spc="-1" dirty="0">
               <a:latin typeface="Arial"/>
             </a:endParaRPr>
           </a:p>
@@ -6121,15 +6725,42 @@
               <a:buNone/>
             </a:pPr>
             <a:r>
-              <a:rPr b="0" lang="en-US" sz="2000" spc="-1" strike="noStrike">
+              <a:rPr lang="en-US" sz="2000" b="0" strike="noStrike" spc="-1" dirty="0">
                 <a:solidFill>
                   <a:srgbClr val="000000"/>
                 </a:solidFill>
                 <a:latin typeface="Arial"/>
               </a:rPr>
-              <a:t>To ensure message integrity, the sender must sign the message, including the slave device's I2C address and a random number provided by the receiver, allowing the receiver to validate it.</a:t>
-            </a:r>
-            <a:endParaRPr b="0" lang="en-US" sz="2000" spc="-1" strike="noStrike">
+              <a:t>To ensure message integrity, messages are signed with the </a:t>
+            </a:r>
+            <a:r>
+              <a:rPr lang="en-US" sz="2000" spc="-1" dirty="0">
+                <a:solidFill>
+                  <a:srgbClr val="000000"/>
+                </a:solidFill>
+                <a:latin typeface="Arial"/>
+              </a:rPr>
+              <a:t>slave device’s I2C address </a:t>
+            </a:r>
+            <a:r>
+              <a:rPr lang="en-US" sz="2000" b="0" strike="noStrike" spc="-1" dirty="0">
+                <a:solidFill>
+                  <a:srgbClr val="000000"/>
+                </a:solidFill>
+                <a:latin typeface="Arial"/>
+              </a:rPr>
+              <a:t>and a random number provided by th</a:t>
+            </a:r>
+            <a:r>
+              <a:rPr lang="en-US" sz="2000" spc="-1" dirty="0">
+                <a:solidFill>
+                  <a:srgbClr val="000000"/>
+                </a:solidFill>
+                <a:latin typeface="Arial"/>
+              </a:rPr>
+              <a:t>e recipient. If the recipient can verify the signature, it trusts the data. </a:t>
+            </a:r>
+            <a:endParaRPr lang="en-US" sz="2000" b="0" strike="noStrike" spc="-1" dirty="0">
               <a:latin typeface="Arial"/>
             </a:endParaRPr>
           </a:p>
@@ -6141,15 +6772,15 @@
               <a:buNone/>
             </a:pPr>
             <a:r>
-              <a:rPr b="1" lang="en-US" sz="2000" spc="-1" strike="noStrike">
-                <a:solidFill>
-                  <a:srgbClr val="6241c5"/>
+              <a:rPr lang="en-US" sz="2000" b="1" strike="noStrike" spc="-1" dirty="0">
+                <a:solidFill>
+                  <a:srgbClr val="6241C5"/>
                 </a:solidFill>
                 <a:latin typeface="Arial"/>
               </a:rPr>
               <a:t>PIN and Token Checking</a:t>
             </a:r>
-            <a:endParaRPr b="0" lang="en-US" sz="2000" spc="-1" strike="noStrike">
+            <a:endParaRPr lang="en-US" sz="2000" b="0" strike="noStrike" spc="-1" dirty="0">
               <a:latin typeface="Arial"/>
             </a:endParaRPr>
           </a:p>
@@ -6161,15 +6792,15 @@
               <a:buNone/>
             </a:pPr>
             <a:r>
-              <a:rPr b="0" lang="en-US" sz="2000" spc="-1" strike="noStrike">
+              <a:rPr lang="en-US" sz="2000" b="0" strike="noStrike" spc="-1" dirty="0">
                 <a:solidFill>
                   <a:srgbClr val="000000"/>
                 </a:solidFill>
                 <a:latin typeface="Arial"/>
               </a:rPr>
-              <a:t>Store only the Argon2 keyed-hash values of the PIN and Token. Apply the same hashing algorithm to user input and use constant-time comparison to verify hash values.</a:t>
-            </a:r>
-            <a:endParaRPr b="0" lang="en-US" sz="2000" spc="-1" strike="noStrike">
+              <a:t>We only store the Argon2 keyed-hash values of the PIN and token. User input is also hashed, and a constant time comparator is used to verify hash values.</a:t>
+            </a:r>
+            <a:endParaRPr lang="en-US" sz="2000" b="0" strike="noStrike" spc="-1" dirty="0">
               <a:latin typeface="Arial"/>
             </a:endParaRPr>
           </a:p>
@@ -6180,7 +6811,7 @@
               </a:lnSpc>
               <a:buNone/>
             </a:pPr>
-            <a:endParaRPr b="0" lang="en-US" sz="2000" spc="-1" strike="noStrike">
+            <a:endParaRPr lang="en-US" sz="2000" b="0" strike="noStrike" spc="-1" dirty="0">
               <a:latin typeface="Arial"/>
             </a:endParaRPr>
           </a:p>
@@ -6191,7 +6822,7 @@
               </a:lnSpc>
               <a:buNone/>
             </a:pPr>
-            <a:endParaRPr b="0" lang="en-US" sz="2000" spc="-1" strike="noStrike">
+            <a:endParaRPr lang="en-US" sz="2000" b="0" strike="noStrike" spc="-1" dirty="0">
               <a:latin typeface="Arial"/>
             </a:endParaRPr>
           </a:p>
@@ -6202,7 +6833,7 @@
               </a:lnSpc>
               <a:buNone/>
             </a:pPr>
-            <a:endParaRPr b="0" lang="en-US" sz="2000" spc="-1" strike="noStrike">
+            <a:endParaRPr lang="en-US" sz="2000" b="0" strike="noStrike" spc="-1" dirty="0">
               <a:latin typeface="Arial"/>
             </a:endParaRPr>
           </a:p>
@@ -6225,7 +6856,7 @@
           <a:noFill/>
           <a:ln w="9525">
             <a:solidFill>
-              <a:srgbClr val="0e2641"/>
+              <a:srgbClr val="0E2641"/>
             </a:solidFill>
           </a:ln>
         </p:spPr>
@@ -6244,9 +6875,10 @@
           <a:fontRef idx="minor"/>
         </p:style>
         <p:txBody>
-          <a:bodyPr lIns="182880" rIns="182880" tIns="45000" bIns="45000" anchor="t">
+          <a:bodyPr lIns="182880" tIns="45000" rIns="182880" bIns="45000" anchor="t">
             <a:noAutofit/>
           </a:bodyPr>
+          <a:lstStyle/>
           <a:p>
             <a:pPr>
               <a:lnSpc>
@@ -6254,7 +6886,7 @@
               </a:lnSpc>
               <a:buNone/>
             </a:pPr>
-            <a:endParaRPr b="0" lang="en-US" sz="2000" spc="-1" strike="noStrike">
+            <a:endParaRPr lang="en-US" sz="2000" b="0" strike="noStrike" spc="-1">
               <a:latin typeface="Arial"/>
             </a:endParaRPr>
           </a:p>
@@ -6265,7 +6897,7 @@
               </a:lnSpc>
               <a:buNone/>
             </a:pPr>
-            <a:endParaRPr b="0" lang="en-US" sz="2000" spc="-1" strike="noStrike">
+            <a:endParaRPr lang="en-US" sz="2000" b="0" strike="noStrike" spc="-1">
               <a:latin typeface="Arial"/>
             </a:endParaRPr>
           </a:p>
@@ -6276,7 +6908,7 @@
               </a:lnSpc>
               <a:buNone/>
             </a:pPr>
-            <a:endParaRPr b="0" lang="en-US" sz="2000" spc="-1" strike="noStrike">
+            <a:endParaRPr lang="en-US" sz="2000" b="0" strike="noStrike" spc="-1">
               <a:latin typeface="Arial"/>
             </a:endParaRPr>
           </a:p>
@@ -6284,17 +6916,17 @@
       </p:sp>
       <p:pic>
         <p:nvPicPr>
-          <p:cNvPr id="59" name="" descr=""/>
+          <p:cNvPr id="59" name="Picture 58"/>
           <p:cNvPicPr/>
           <p:nvPr/>
         </p:nvPicPr>
         <p:blipFill>
-          <a:blip r:embed="rId2"/>
+          <a:blip r:embed="rId4"/>
           <a:stretch/>
         </p:blipFill>
         <p:spPr>
           <a:xfrm>
-            <a:off x="1828800" y="12098160"/>
+            <a:off x="1865376" y="12247538"/>
             <a:ext cx="4390560" cy="3038040"/>
           </a:xfrm>
           <a:prstGeom prst="rect">
@@ -6307,17 +6939,17 @@
       </p:pic>
       <p:pic>
         <p:nvPicPr>
-          <p:cNvPr id="60" name="" descr=""/>
+          <p:cNvPr id="60" name="Picture 59"/>
           <p:cNvPicPr/>
           <p:nvPr/>
         </p:nvPicPr>
         <p:blipFill>
-          <a:blip r:embed="rId3"/>
+          <a:blip r:embed="rId5"/>
           <a:stretch/>
         </p:blipFill>
         <p:spPr>
           <a:xfrm>
-            <a:off x="9829800" y="18161280"/>
+            <a:off x="9950760" y="17708760"/>
             <a:ext cx="4476240" cy="1618920"/>
           </a:xfrm>
           <a:prstGeom prst="rect">
@@ -6347,7 +6979,7 @@
           </a:solidFill>
           <a:ln w="9525">
             <a:solidFill>
-              <a:srgbClr val="0e2641"/>
+              <a:srgbClr val="0E2641"/>
             </a:solidFill>
           </a:ln>
         </p:spPr>
@@ -6366,9 +6998,10 @@
           <a:fontRef idx="minor"/>
         </p:style>
         <p:txBody>
-          <a:bodyPr lIns="182880" rIns="182880" tIns="45000" bIns="45000" anchor="t">
+          <a:bodyPr lIns="182880" tIns="45000" rIns="182880" bIns="45000" anchor="t">
             <a:noAutofit/>
           </a:bodyPr>
+          <a:lstStyle/>
           <a:p>
             <a:pPr algn="just">
               <a:lnSpc>
@@ -6377,86 +7010,16 @@
               <a:buNone/>
             </a:pPr>
             <a:r>
-              <a:rPr b="0" lang="en-US" sz="2000" spc="-1" strike="noStrike">
+              <a:rPr lang="en-US" sz="2000" b="0" strike="noStrike" spc="-1" dirty="0">
                 <a:solidFill>
                   <a:srgbClr val="000000"/>
                 </a:solidFill>
                 <a:latin typeface="Arial"/>
                 <a:ea typeface="Calibri"/>
               </a:rPr>
-              <a:t>                         ① </a:t>
-            </a:r>
-            <a:r>
-              <a:rPr b="0" lang="en-US" sz="2000" spc="-1" strike="noStrike">
-                <a:solidFill>
-                  <a:srgbClr val="000000"/>
-                </a:solidFill>
-                <a:latin typeface="Arial"/>
-                <a:ea typeface="Calibri"/>
-              </a:rPr>
-              <a:t>Although brute-force is a slow approach, almost half of the PIN extract flags snagged by our team used brute-</a:t>
-            </a:r>
-            <a:r>
-              <a:rPr b="0" lang="en-US" sz="2000" spc="-1" strike="noStrike">
-                <a:solidFill>
-                  <a:srgbClr val="000000"/>
-                </a:solidFill>
-                <a:latin typeface="Arial"/>
-                <a:ea typeface="Calibri"/>
-              </a:rPr>
-              <a:t>force.</a:t>
-            </a:r>
-            <a:r>
-              <a:rPr b="0" lang="en-US" sz="2000" spc="-1" strike="noStrike">
-                <a:solidFill>
-                  <a:srgbClr val="000000"/>
-                </a:solidFill>
-                <a:latin typeface="Arial"/>
-                <a:ea typeface="Calibri"/>
-              </a:rPr>
-              <a:t> ② </a:t>
-            </a:r>
-            <a:r>
-              <a:rPr b="0" lang="en-US" sz="2000" spc="-1" strike="noStrike">
-                <a:solidFill>
-                  <a:srgbClr val="000000"/>
-                </a:solidFill>
-                <a:latin typeface="Arial"/>
-                <a:ea typeface="Calibri"/>
-              </a:rPr>
-              <a:t>The attack boards this year does not support resetting, which serves as a defense mechanism for brute-force attack. </a:t>
-            </a:r>
-            <a:r>
-              <a:rPr b="0" lang="en-US" sz="2000" spc="-1" strike="noStrike">
-                <a:solidFill>
-                  <a:srgbClr val="000000"/>
-                </a:solidFill>
-                <a:latin typeface="Arial"/>
-                <a:ea typeface="Calibri"/>
-              </a:rPr>
-              <a:t>Otherwise, we could brute-force more PIN code!</a:t>
-            </a:r>
-            <a:r>
-              <a:rPr b="0" lang="en-US" sz="2000" spc="-1" strike="noStrike">
-                <a:solidFill>
-                  <a:srgbClr val="000000"/>
-                </a:solidFill>
-                <a:latin typeface="Arial"/>
-                <a:ea typeface="Calibri"/>
-              </a:rPr>
-              <a:t> ➂ A complex design may not mean a high security, all thanks to the same secrets </a:t>
-            </a:r>
-            <a:r>
-              <a:rPr b="0" lang="en-US" sz="2000" spc="-1" strike="noStrike">
-                <a:solidFill>
-                  <a:srgbClr val="000000"/>
-                </a:solidFill>
-                <a:latin typeface="Arial"/>
-                <a:ea typeface="Calibri"/>
-              </a:rPr>
-              <a:t>shared between deployments! ④ Defense points helped us a lot this year!</a:t>
-            </a:r>
-            <a:endParaRPr b="0" lang="en-US" sz="2000" spc="-1" strike="noStrike">
+              <a:t>                         ① Although brute-force is a slow approach, almost half of the PIN extract flags snagged by our team used brute-force. ② The attack boards this year do not support resetting, which serves as a defense mechanism against brute-force attacks. Otherwise, we could brute-force even more PINs! ➂ A complex design may not mean a highly secure design, all thanks to shared secrets between deployments! ④ Defense points helped us a lot this year!</a:t>
+            </a:r>
+            <a:endParaRPr lang="en-US" sz="2000" b="0" strike="noStrike" spc="-1" dirty="0">
               <a:solidFill>
                 <a:srgbClr val="000000"/>
               </a:solidFill>
@@ -6485,15 +7048,22 @@
           </a:ln>
         </p:spPr>
         <p:style>
-          <a:lnRef idx="0"/>
-          <a:fillRef idx="0"/>
-          <a:effectRef idx="0"/>
+          <a:lnRef idx="0">
+            <a:scrgbClr r="0" g="0" b="0"/>
+          </a:lnRef>
+          <a:fillRef idx="0">
+            <a:scrgbClr r="0" g="0" b="0"/>
+          </a:fillRef>
+          <a:effectRef idx="0">
+            <a:scrgbClr r="0" g="0" b="0"/>
+          </a:effectRef>
           <a:fontRef idx="minor"/>
         </p:style>
         <p:txBody>
-          <a:bodyPr wrap="none" lIns="90000" rIns="90000" tIns="45000" bIns="45000" anchor="t">
+          <a:bodyPr wrap="none" lIns="90000" tIns="45000" rIns="90000" bIns="45000" anchor="t">
             <a:spAutoFit/>
           </a:bodyPr>
+          <a:lstStyle/>
           <a:p>
             <a:pPr>
               <a:lnSpc>
@@ -6502,15 +7072,107 @@
               <a:buNone/>
             </a:pPr>
             <a:r>
-              <a:rPr b="1" lang="en-US" sz="2400" spc="-1" strike="noStrike">
-                <a:solidFill>
-                  <a:srgbClr val="6241c5"/>
+              <a:rPr lang="en-US" sz="2400" b="1" strike="noStrike" spc="-1">
+                <a:solidFill>
+                  <a:srgbClr val="6241C5"/>
                 </a:solidFill>
                 <a:latin typeface="Arial Black"/>
               </a:rPr>
               <a:t>Fun Facts</a:t>
             </a:r>
-            <a:endParaRPr b="0" lang="en-US" sz="2400" spc="-1" strike="noStrike">
+            <a:endParaRPr lang="en-US" sz="2400" b="0" strike="noStrike" spc="-1">
+              <a:latin typeface="Arial"/>
+            </a:endParaRPr>
+          </a:p>
+        </p:txBody>
+      </p:sp>
+      <p:sp>
+        <p:nvSpPr>
+          <p:cNvPr id="2" name="TextBox 1">
+            <a:extLst>
+              <a:ext uri="{FF2B5EF4-FFF2-40B4-BE49-F238E27FC236}">
+                <a16:creationId xmlns:a16="http://schemas.microsoft.com/office/drawing/2014/main" id="{B7DC9BEC-F653-4ED2-F1FF-7257E1F4D82E}"/>
+              </a:ext>
+            </a:extLst>
+          </p:cNvPr>
+          <p:cNvSpPr txBox="1"/>
+          <p:nvPr/>
+        </p:nvSpPr>
+        <p:spPr>
+          <a:xfrm>
+            <a:off x="10022023" y="19397750"/>
+            <a:ext cx="4437753" cy="369332"/>
+          </a:xfrm>
+          <a:prstGeom prst="rect">
+            <a:avLst/>
+          </a:prstGeom>
+          <a:noFill/>
+        </p:spPr>
+        <p:txBody>
+          <a:bodyPr wrap="none" rtlCol="0">
+            <a:spAutoFit/>
+          </a:bodyPr>
+          <a:lstStyle/>
+          <a:p>
+            <a:r>
+              <a:rPr lang="en-US" sz="1800" b="1" strike="noStrike" spc="-1" dirty="0">
+                <a:solidFill>
+                  <a:srgbClr val="6241C5"/>
+                </a:solidFill>
+                <a:latin typeface="Arial"/>
+                <a:ea typeface="Calibri"/>
+              </a:rPr>
+              <a:t>Fig 2. Challenge Response Mechanism</a:t>
+            </a:r>
+            <a:endParaRPr lang="en-US" dirty="0"/>
+          </a:p>
+        </p:txBody>
+      </p:sp>
+      <p:sp>
+        <p:nvSpPr>
+          <p:cNvPr id="4" name="TextBox 3">
+            <a:extLst>
+              <a:ext uri="{FF2B5EF4-FFF2-40B4-BE49-F238E27FC236}">
+                <a16:creationId xmlns:a16="http://schemas.microsoft.com/office/drawing/2014/main" id="{B864F53A-FE35-B2C8-BA26-1D88134E8DB2}"/>
+              </a:ext>
+            </a:extLst>
+          </p:cNvPr>
+          <p:cNvSpPr txBox="1"/>
+          <p:nvPr/>
+        </p:nvSpPr>
+        <p:spPr>
+          <a:xfrm>
+            <a:off x="2508552" y="15314234"/>
+            <a:ext cx="3104208" cy="369332"/>
+          </a:xfrm>
+          <a:prstGeom prst="rect">
+            <a:avLst/>
+          </a:prstGeom>
+          <a:noFill/>
+        </p:spPr>
+        <p:txBody>
+          <a:bodyPr wrap="square">
+            <a:spAutoFit/>
+          </a:bodyPr>
+          <a:lstStyle/>
+          <a:p>
+            <a:pPr algn="just">
+              <a:lnSpc>
+                <a:spcPct val="100000"/>
+              </a:lnSpc>
+              <a:buNone/>
+            </a:pPr>
+            <a:r>
+              <a:rPr lang="en-US" sz="1800" b="1" strike="noStrike" spc="-1" dirty="0">
+                <a:solidFill>
+                  <a:srgbClr val="6241C5"/>
+                </a:solidFill>
+                <a:latin typeface="Arial"/>
+                <a:ea typeface="Calibri"/>
+              </a:rPr>
+              <a:t>Fig 1. Secure Flag Storage</a:t>
+            </a:r>
+            <a:endParaRPr lang="en-US" sz="1800" b="0" strike="noStrike" spc="-1" dirty="0">
               <a:latin typeface="Arial"/>
             </a:endParaRPr>
           </a:p>
@@ -6518,14 +7180,9 @@
       </p:sp>
     </p:spTree>
   </p:cSld>
-  <mc:AlternateContent>
-    <mc:Choice Requires="p14">
-      <p:transition spd="slow" p14:dur="2000"/>
-    </mc:Choice>
-    <mc:Fallback>
-      <p:transition spd="slow"/>
-    </mc:Fallback>
-  </mc:AlternateContent>
+  <p:clrMapOvr>
+    <a:masterClrMapping/>
+  </p:clrMapOvr>
 </p:sld>
 </file>
 
@@ -6540,34 +7197,34 @@
         <a:sysClr val="window" lastClr="FFFFFF"/>
       </a:lt1>
       <a:dk2>
-        <a:srgbClr val="0e2641"/>
+        <a:srgbClr val="0E2641"/>
       </a:dk2>
       <a:lt2>
-        <a:srgbClr val="e5eeef"/>
+        <a:srgbClr val="E5EEEF"/>
       </a:lt2>
       <a:accent1>
-        <a:srgbClr val="005b93"/>
+        <a:srgbClr val="005B93"/>
       </a:accent1>
       <a:accent2>
-        <a:srgbClr val="87deff"/>
+        <a:srgbClr val="87DEFF"/>
       </a:accent2>
       <a:accent3>
-        <a:srgbClr val="7e8283"/>
+        <a:srgbClr val="7E8283"/>
       </a:accent3>
       <a:accent4>
-        <a:srgbClr val="fff601"/>
+        <a:srgbClr val="FFF601"/>
       </a:accent4>
       <a:accent5>
-        <a:srgbClr val="0d2f4f"/>
+        <a:srgbClr val="0D2F4F"/>
       </a:accent5>
       <a:accent6>
-        <a:srgbClr val="d3d3d3"/>
+        <a:srgbClr val="D3D3D3"/>
       </a:accent6>
       <a:hlink>
-        <a:srgbClr val="0068da"/>
+        <a:srgbClr val="0068DA"/>
       </a:hlink>
       <a:folHlink>
-        <a:srgbClr val="ff2d55"/>
+        <a:srgbClr val="FF2D55"/>
       </a:folHlink>
     </a:clrScheme>
     <a:fontScheme name="Office">
@@ -6752,6 +7409,8 @@
       </a:bgFillStyleLst>
     </a:fmtScheme>
   </a:themeElements>
+  <a:objectDefaults/>
+  <a:extraClrSchemeLst/>
 </a:theme>
 </file>
 
@@ -6766,34 +7425,34 @@
         <a:sysClr val="window" lastClr="FFFFFF"/>
       </a:lt1>
       <a:dk2>
-        <a:srgbClr val="0e2641"/>
+        <a:srgbClr val="0E2641"/>
       </a:dk2>
       <a:lt2>
-        <a:srgbClr val="e5eeef"/>
+        <a:srgbClr val="E5EEEF"/>
       </a:lt2>
       <a:accent1>
-        <a:srgbClr val="005b93"/>
+        <a:srgbClr val="005B93"/>
       </a:accent1>
       <a:accent2>
-        <a:srgbClr val="87deff"/>
+        <a:srgbClr val="87DEFF"/>
       </a:accent2>
       <a:accent3>
-        <a:srgbClr val="7e8283"/>
+        <a:srgbClr val="7E8283"/>
       </a:accent3>
       <a:accent4>
-        <a:srgbClr val="fff601"/>
+        <a:srgbClr val="FFF601"/>
       </a:accent4>
       <a:accent5>
-        <a:srgbClr val="0d2f4f"/>
+        <a:srgbClr val="0D2F4F"/>
       </a:accent5>
       <a:accent6>
-        <a:srgbClr val="d3d3d3"/>
+        <a:srgbClr val="D3D3D3"/>
       </a:accent6>
       <a:hlink>
-        <a:srgbClr val="0068da"/>
+        <a:srgbClr val="0068DA"/>
       </a:hlink>
       <a:folHlink>
-        <a:srgbClr val="ff2d55"/>
+        <a:srgbClr val="FF2D55"/>
       </a:folHlink>
     </a:clrScheme>
     <a:fontScheme name="Office">
@@ -6978,317 +7637,7 @@
       </a:bgFillStyleLst>
     </a:fmtScheme>
   </a:themeElements>
+  <a:objectDefaults/>
+  <a:extraClrSchemeLst/>
 </a:theme>
-</file>
-
-<file path=customXml/item1.xml><?xml version="1.0" encoding="utf-8"?>
-<ct:contentTypeSchema xmlns:ct="http://schemas.microsoft.com/office/2006/metadata/contentType" xmlns:ma="http://schemas.microsoft.com/office/2006/metadata/properties/metaAttributes" ct:_="" ma:_="" ma:contentTypeName="Document" ma:contentTypeID="0x01010079EA518B1AF5D8438D0B58C0CA63D2C4" ma:contentTypeVersion="16" ma:contentTypeDescription="Create a new document." ma:contentTypeScope="" ma:versionID="8716a95de34efb6fc24270e04d5f5428">
-  <xsd:schema xmlns:xsd="http://www.w3.org/2001/XMLSchema" xmlns:xs="http://www.w3.org/2001/XMLSchema" xmlns:p="http://schemas.microsoft.com/office/2006/metadata/properties" xmlns:ns2="ad2c82c2-9c3b-49d0-9c75-900ba54972d9" xmlns:ns3="715c9600-0e69-4eaf-a942-71eeca3aad92" xmlns:ns4="b5a44311-ed64-4a72-909f-c9dc6973bde2" targetNamespace="http://schemas.microsoft.com/office/2006/metadata/properties" ma:root="true" ma:fieldsID="698c9c327f117802d305c8914ca67719" ns2:_="" ns3:_="" ns4:_="">
-    <xsd:import namespace="ad2c82c2-9c3b-49d0-9c75-900ba54972d9"/>
-    <xsd:import namespace="715c9600-0e69-4eaf-a942-71eeca3aad92"/>
-    <xsd:import namespace="b5a44311-ed64-4a72-909f-c9dc6973bde2"/>
-    <xsd:element name="properties">
-      <xsd:complexType>
-        <xsd:sequence>
-          <xsd:element name="documentManagement">
-            <xsd:complexType>
-              <xsd:all>
-                <xsd:element ref="ns2:MediaServiceMetadata" minOccurs="0"/>
-                <xsd:element ref="ns2:MediaServiceFastMetadata" minOccurs="0"/>
-                <xsd:element ref="ns3:SharedWithUsers" minOccurs="0"/>
-                <xsd:element ref="ns3:SharedWithDetails" minOccurs="0"/>
-                <xsd:element ref="ns2:MediaServiceDateTaken" minOccurs="0"/>
-                <xsd:element ref="ns2:MediaServiceAutoTags" minOccurs="0"/>
-                <xsd:element ref="ns2:MediaServiceOCR" minOccurs="0"/>
-                <xsd:element ref="ns2:MediaServiceGenerationTime" minOccurs="0"/>
-                <xsd:element ref="ns2:MediaServiceEventHashCode" minOccurs="0"/>
-                <xsd:element ref="ns2:MediaLengthInSeconds" minOccurs="0"/>
-                <xsd:element ref="ns2:lcf76f155ced4ddcb4097134ff3c332f" minOccurs="0"/>
-                <xsd:element ref="ns4:TaxCatchAll" minOccurs="0"/>
-                <xsd:element ref="ns2:MediaServiceLocation" minOccurs="0"/>
-                <xsd:element ref="ns2:MediaServiceObjectDetectorVersions" minOccurs="0"/>
-                <xsd:element ref="ns2:MediaServiceSearchProperties" minOccurs="0"/>
-              </xsd:all>
-            </xsd:complexType>
-          </xsd:element>
-        </xsd:sequence>
-      </xsd:complexType>
-    </xsd:element>
-  </xsd:schema>
-  <xsd:schema xmlns:xsd="http://www.w3.org/2001/XMLSchema" xmlns:xs="http://www.w3.org/2001/XMLSchema" xmlns:dms="http://schemas.microsoft.com/office/2006/documentManagement/types" xmlns:pc="http://schemas.microsoft.com/office/infopath/2007/PartnerControls" targetNamespace="ad2c82c2-9c3b-49d0-9c75-900ba54972d9" elementFormDefault="qualified">
-    <xsd:import namespace="http://schemas.microsoft.com/office/2006/documentManagement/types"/>
-    <xsd:import namespace="http://schemas.microsoft.com/office/infopath/2007/PartnerControls"/>
-    <xsd:element name="MediaServiceMetadata" ma:index="8" nillable="true" ma:displayName="MediaServiceMetadata" ma:hidden="true" ma:internalName="MediaServiceMetadata" ma:readOnly="true">
-      <xsd:simpleType>
-        <xsd:restriction base="dms:Note"/>
-      </xsd:simpleType>
-    </xsd:element>
-    <xsd:element name="MediaServiceFastMetadata" ma:index="9" nillable="true" ma:displayName="MediaServiceFastMetadata" ma:hidden="true" ma:internalName="MediaServiceFastMetadata" ma:readOnly="true">
-      <xsd:simpleType>
-        <xsd:restriction base="dms:Note"/>
-      </xsd:simpleType>
-    </xsd:element>
-    <xsd:element name="MediaServiceDateTaken" ma:index="12" nillable="true" ma:displayName="MediaServiceDateTaken" ma:hidden="true" ma:internalName="MediaServiceDateTaken" ma:readOnly="true">
-      <xsd:simpleType>
-        <xsd:restriction base="dms:Text"/>
-      </xsd:simpleType>
-    </xsd:element>
-    <xsd:element name="MediaServiceAutoTags" ma:index="13" nillable="true" ma:displayName="Tags" ma:internalName="MediaServiceAutoTags" ma:readOnly="true">
-      <xsd:simpleType>
-        <xsd:restriction base="dms:Text"/>
-      </xsd:simpleType>
-    </xsd:element>
-    <xsd:element name="MediaServiceOCR" ma:index="14" nillable="true" ma:displayName="Extracted Text" ma:internalName="MediaServiceOCR" ma:readOnly="true">
-      <xsd:simpleType>
-        <xsd:restriction base="dms:Note">
-          <xsd:maxLength value="255"/>
-        </xsd:restriction>
-      </xsd:simpleType>
-    </xsd:element>
-    <xsd:element name="MediaServiceGenerationTime" ma:index="15" nillable="true" ma:displayName="MediaServiceGenerationTime" ma:hidden="true" ma:internalName="MediaServiceGenerationTime" ma:readOnly="true">
-      <xsd:simpleType>
-        <xsd:restriction base="dms:Text"/>
-      </xsd:simpleType>
-    </xsd:element>
-    <xsd:element name="MediaServiceEventHashCode" ma:index="16" nillable="true" ma:displayName="MediaServiceEventHashCode" ma:hidden="true" ma:internalName="MediaServiceEventHashCode" ma:readOnly="true">
-      <xsd:simpleType>
-        <xsd:restriction base="dms:Text"/>
-      </xsd:simpleType>
-    </xsd:element>
-    <xsd:element name="MediaLengthInSeconds" ma:index="17" nillable="true" ma:displayName="MediaLengthInSeconds" ma:hidden="true" ma:internalName="MediaLengthInSeconds" ma:readOnly="true">
-      <xsd:simpleType>
-        <xsd:restriction base="dms:Unknown"/>
-      </xsd:simpleType>
-    </xsd:element>
-    <xsd:element name="lcf76f155ced4ddcb4097134ff3c332f" ma:index="19" nillable="true" ma:taxonomy="true" ma:internalName="lcf76f155ced4ddcb4097134ff3c332f" ma:taxonomyFieldName="MediaServiceImageTags" ma:displayName="Image Tags" ma:readOnly="false" ma:fieldId="{5cf76f15-5ced-4ddc-b409-7134ff3c332f}" ma:taxonomyMulti="true" ma:sspId="4ea1a638-fe8f-4e55-a8a3-ec1a1fdf419b" ma:termSetId="09814cd3-568e-fe90-9814-8d621ff8fb84" ma:anchorId="fba54fb3-c3e1-fe81-a776-ca4b69148c4d" ma:open="true" ma:isKeyword="false">
-      <xsd:complexType>
-        <xsd:sequence>
-          <xsd:element ref="pc:Terms" minOccurs="0" maxOccurs="1"/>
-        </xsd:sequence>
-      </xsd:complexType>
-    </xsd:element>
-    <xsd:element name="MediaServiceLocation" ma:index="21" nillable="true" ma:displayName="Location" ma:indexed="true" ma:internalName="MediaServiceLocation" ma:readOnly="true">
-      <xsd:simpleType>
-        <xsd:restriction base="dms:Text"/>
-      </xsd:simpleType>
-    </xsd:element>
-    <xsd:element name="MediaServiceObjectDetectorVersions" ma:index="22" nillable="true" ma:displayName="MediaServiceObjectDetectorVersions" ma:description="" ma:hidden="true" ma:indexed="true" ma:internalName="MediaServiceObjectDetectorVersions" ma:readOnly="true">
-      <xsd:simpleType>
-        <xsd:restriction base="dms:Text"/>
-      </xsd:simpleType>
-    </xsd:element>
-    <xsd:element name="MediaServiceSearchProperties" ma:index="23" nillable="true" ma:displayName="MediaServiceSearchProperties" ma:hidden="true" ma:internalName="MediaServiceSearchProperties" ma:readOnly="true">
-      <xsd:simpleType>
-        <xsd:restriction base="dms:Note"/>
-      </xsd:simpleType>
-    </xsd:element>
-  </xsd:schema>
-  <xsd:schema xmlns:xsd="http://www.w3.org/2001/XMLSchema" xmlns:xs="http://www.w3.org/2001/XMLSchema" xmlns:dms="http://schemas.microsoft.com/office/2006/documentManagement/types" xmlns:pc="http://schemas.microsoft.com/office/infopath/2007/PartnerControls" targetNamespace="715c9600-0e69-4eaf-a942-71eeca3aad92" elementFormDefault="qualified">
-    <xsd:import namespace="http://schemas.microsoft.com/office/2006/documentManagement/types"/>
-    <xsd:import namespace="http://schemas.microsoft.com/office/infopath/2007/PartnerControls"/>
-    <xsd:element name="SharedWithUsers" ma:index="10" nillable="true" ma:displayName="Shared With" ma:internalName="SharedWithUsers" ma:readOnly="true">
-      <xsd:complexType>
-        <xsd:complexContent>
-          <xsd:extension base="dms:UserMulti">
-            <xsd:sequence>
-              <xsd:element name="UserInfo" minOccurs="0" maxOccurs="unbounded">
-                <xsd:complexType>
-                  <xsd:sequence>
-                    <xsd:element name="DisplayName" type="xsd:string" minOccurs="0"/>
-                    <xsd:element name="AccountId" type="dms:UserId" minOccurs="0" nillable="true"/>
-                    <xsd:element name="AccountType" type="xsd:string" minOccurs="0"/>
-                  </xsd:sequence>
-                </xsd:complexType>
-              </xsd:element>
-            </xsd:sequence>
-          </xsd:extension>
-        </xsd:complexContent>
-      </xsd:complexType>
-    </xsd:element>
-    <xsd:element name="SharedWithDetails" ma:index="11" nillable="true" ma:displayName="Shared With Details" ma:internalName="SharedWithDetails" ma:readOnly="true">
-      <xsd:simpleType>
-        <xsd:restriction base="dms:Note">
-          <xsd:maxLength value="255"/>
-        </xsd:restriction>
-      </xsd:simpleType>
-    </xsd:element>
-  </xsd:schema>
-  <xsd:schema xmlns:xsd="http://www.w3.org/2001/XMLSchema" xmlns:xs="http://www.w3.org/2001/XMLSchema" xmlns:dms="http://schemas.microsoft.com/office/2006/documentManagement/types" xmlns:pc="http://schemas.microsoft.com/office/infopath/2007/PartnerControls" targetNamespace="b5a44311-ed64-4a72-909f-c9dc6973bde2" elementFormDefault="qualified">
-    <xsd:import namespace="http://schemas.microsoft.com/office/2006/documentManagement/types"/>
-    <xsd:import namespace="http://schemas.microsoft.com/office/infopath/2007/PartnerControls"/>
-    <xsd:element name="TaxCatchAll" ma:index="20" nillable="true" ma:displayName="Taxonomy Catch All Column" ma:hidden="true" ma:list="{06dd9847-16c5-42fa-90c4-ec1acfc9d1f9}" ma:internalName="TaxCatchAll" ma:showField="CatchAllData" ma:web="715c9600-0e69-4eaf-a942-71eeca3aad92">
-      <xsd:complexType>
-        <xsd:complexContent>
-          <xsd:extension base="dms:MultiChoiceLookup">
-            <xsd:sequence>
-              <xsd:element name="Value" type="dms:Lookup" maxOccurs="unbounded" minOccurs="0" nillable="true"/>
-            </xsd:sequence>
-          </xsd:extension>
-        </xsd:complexContent>
-      </xsd:complexType>
-    </xsd:element>
-  </xsd:schema>
-  <xsd:schema xmlns="http://schemas.openxmlformats.org/package/2006/metadata/core-properties" xmlns:xsd="http://www.w3.org/2001/XMLSchema" xmlns:xsi="http://www.w3.org/2001/XMLSchema-instance" xmlns:dc="http://purl.org/dc/elements/1.1/" xmlns:dcterms="http://purl.org/dc/terms/" xmlns:odoc="http://schemas.microsoft.com/internal/obd" targetNamespace="http://schemas.openxmlformats.org/package/2006/metadata/core-properties" elementFormDefault="qualified" attributeFormDefault="unqualified" blockDefault="#all">
-    <xsd:import namespace="http://purl.org/dc/elements/1.1/" schemaLocation="http://dublincore.org/schemas/xmls/qdc/2003/04/02/dc.xsd"/>
-    <xsd:import namespace="http://purl.org/dc/terms/" schemaLocation="http://dublincore.org/schemas/xmls/qdc/2003/04/02/dcterms.xsd"/>
-    <xsd:element name="coreProperties" type="CT_coreProperties"/>
-    <xsd:complexType name="CT_coreProperties">
-      <xsd:all>
-        <xsd:element ref="dc:creator" minOccurs="0" maxOccurs="1"/>
-        <xsd:element ref="dcterms:created" minOccurs="0" maxOccurs="1"/>
-        <xsd:element ref="dc:identifier" minOccurs="0" maxOccurs="1"/>
-        <xsd:element name="contentType" minOccurs="0" maxOccurs="1" type="xsd:string" ma:index="0" ma:displayName="Content Type"/>
-        <xsd:element ref="dc:title" minOccurs="0" maxOccurs="1" ma:index="4" ma:displayName="Title"/>
-        <xsd:element ref="dc:subject" minOccurs="0" maxOccurs="1"/>
-        <xsd:element ref="dc:description" minOccurs="0" maxOccurs="1"/>
-        <xsd:element name="keywords" minOccurs="0" maxOccurs="1" type="xsd:string"/>
-        <xsd:element ref="dc:language" minOccurs="0" maxOccurs="1"/>
-        <xsd:element name="category" minOccurs="0" maxOccurs="1" type="xsd:string"/>
-        <xsd:element name="version" minOccurs="0" maxOccurs="1" type="xsd:string"/>
-        <xsd:element name="revision" minOccurs="0" maxOccurs="1" type="xsd:string">
-          <xsd:annotation>
-            <xsd:documentation>
-                        This value indicates the number of saves or revisions. The application is responsible for updating this value after each revision.
-                    </xsd:documentation>
-          </xsd:annotation>
-        </xsd:element>
-        <xsd:element name="lastModifiedBy" minOccurs="0" maxOccurs="1" type="xsd:string"/>
-        <xsd:element ref="dcterms:modified" minOccurs="0" maxOccurs="1"/>
-        <xsd:element name="contentStatus" minOccurs="0" maxOccurs="1" type="xsd:string"/>
-      </xsd:all>
-    </xsd:complexType>
-  </xsd:schema>
-  <xs:schema xmlns:pc="http://schemas.microsoft.com/office/infopath/2007/PartnerControls" xmlns:xs="http://www.w3.org/2001/XMLSchema" targetNamespace="http://schemas.microsoft.com/office/infopath/2007/PartnerControls" elementFormDefault="qualified" attributeFormDefault="unqualified">
-    <xs:element name="Person">
-      <xs:complexType>
-        <xs:sequence>
-          <xs:element ref="pc:DisplayName" minOccurs="0"/>
-          <xs:element ref="pc:AccountId" minOccurs="0"/>
-          <xs:element ref="pc:AccountType" minOccurs="0"/>
-        </xs:sequence>
-      </xs:complexType>
-    </xs:element>
-    <xs:element name="DisplayName" type="xs:string"/>
-    <xs:element name="AccountId" type="xs:string"/>
-    <xs:element name="AccountType" type="xs:string"/>
-    <xs:element name="BDCAssociatedEntity">
-      <xs:complexType>
-        <xs:sequence>
-          <xs:element ref="pc:BDCEntity" minOccurs="0" maxOccurs="unbounded"/>
-        </xs:sequence>
-        <xs:attribute ref="pc:EntityNamespace"/>
-        <xs:attribute ref="pc:EntityName"/>
-        <xs:attribute ref="pc:SystemInstanceName"/>
-        <xs:attribute ref="pc:AssociationName"/>
-      </xs:complexType>
-    </xs:element>
-    <xs:attribute name="EntityNamespace" type="xs:string"/>
-    <xs:attribute name="EntityName" type="xs:string"/>
-    <xs:attribute name="SystemInstanceName" type="xs:string"/>
-    <xs:attribute name="AssociationName" type="xs:string"/>
-    <xs:element name="BDCEntity">
-      <xs:complexType>
-        <xs:sequence>
-          <xs:element ref="pc:EntityDisplayName" minOccurs="0"/>
-          <xs:element ref="pc:EntityInstanceReference" minOccurs="0"/>
-          <xs:element ref="pc:EntityId1" minOccurs="0"/>
-          <xs:element ref="pc:EntityId2" minOccurs="0"/>
-          <xs:element ref="pc:EntityId3" minOccurs="0"/>
-          <xs:element ref="pc:EntityId4" minOccurs="0"/>
-          <xs:element ref="pc:EntityId5" minOccurs="0"/>
-        </xs:sequence>
-      </xs:complexType>
-    </xs:element>
-    <xs:element name="EntityDisplayName" type="xs:string"/>
-    <xs:element name="EntityInstanceReference" type="xs:string"/>
-    <xs:element name="EntityId1" type="xs:string"/>
-    <xs:element name="EntityId2" type="xs:string"/>
-    <xs:element name="EntityId3" type="xs:string"/>
-    <xs:element name="EntityId4" type="xs:string"/>
-    <xs:element name="EntityId5" type="xs:string"/>
-    <xs:element name="Terms">
-      <xs:complexType>
-        <xs:sequence>
-          <xs:element ref="pc:TermInfo" minOccurs="0" maxOccurs="unbounded"/>
-        </xs:sequence>
-      </xs:complexType>
-    </xs:element>
-    <xs:element name="TermInfo">
-      <xs:complexType>
-        <xs:sequence>
-          <xs:element ref="pc:TermName" minOccurs="0"/>
-          <xs:element ref="pc:TermId" minOccurs="0"/>
-        </xs:sequence>
-      </xs:complexType>
-    </xs:element>
-    <xs:element name="TermName" type="xs:string"/>
-    <xs:element name="TermId" type="xs:string"/>
-  </xs:schema>
-</ct:contentTypeSchema>
-</file>
-
-<file path=customXml/item2.xml><?xml version="1.0" encoding="utf-8"?>
-<?mso-contentType ?>
-<FormTemplates xmlns="http://schemas.microsoft.com/sharepoint/v3/contenttype/forms">
-  <Display>DocumentLibraryForm</Display>
-  <Edit>DocumentLibraryForm</Edit>
-  <New>DocumentLibraryForm</New>
-</FormTemplates>
-</file>
-
-<file path=customXml/item3.xml><?xml version="1.0" encoding="utf-8"?>
-<p:properties xmlns:p="http://schemas.microsoft.com/office/2006/metadata/properties" xmlns:xsi="http://www.w3.org/2001/XMLSchema-instance" xmlns:pc="http://schemas.microsoft.com/office/infopath/2007/PartnerControls">
-  <documentManagement>
-    <TaxCatchAll xmlns="b5a44311-ed64-4a72-909f-c9dc6973bde2" xsi:nil="true"/>
-    <lcf76f155ced4ddcb4097134ff3c332f xmlns="ad2c82c2-9c3b-49d0-9c75-900ba54972d9">
-      <Terms xmlns="http://schemas.microsoft.com/office/infopath/2007/PartnerControls"/>
-    </lcf76f155ced4ddcb4097134ff3c332f>
-  </documentManagement>
-</p:properties>
-</file>
-
-<file path=customXml/itemProps1.xml><?xml version="1.0" encoding="utf-8"?>
-<ds:datastoreItem xmlns:ds="http://schemas.openxmlformats.org/officeDocument/2006/customXml" ds:itemID="{29B2B4FA-2C0E-40C4-A380-10DDB41E243F}">
-  <ds:schemaRefs>
-    <ds:schemaRef ds:uri="http://schemas.microsoft.com/office/2006/metadata/contentType"/>
-    <ds:schemaRef ds:uri="http://schemas.microsoft.com/office/2006/metadata/properties/metaAttributes"/>
-    <ds:schemaRef ds:uri="http://www.w3.org/2001/XMLSchema"/>
-    <ds:schemaRef ds:uri="http://schemas.microsoft.com/office/2006/metadata/properties"/>
-    <ds:schemaRef ds:uri="ad2c82c2-9c3b-49d0-9c75-900ba54972d9"/>
-    <ds:schemaRef ds:uri="715c9600-0e69-4eaf-a942-71eeca3aad92"/>
-    <ds:schemaRef ds:uri="b5a44311-ed64-4a72-909f-c9dc6973bde2"/>
-    <ds:schemaRef ds:uri="http://schemas.microsoft.com/office/2006/documentManagement/types"/>
-    <ds:schemaRef ds:uri="http://schemas.microsoft.com/office/infopath/2007/PartnerControls"/>
-    <ds:schemaRef ds:uri="http://schemas.openxmlformats.org/package/2006/metadata/core-properties"/>
-    <ds:schemaRef ds:uri="http://purl.org/dc/elements/1.1/"/>
-    <ds:schemaRef ds:uri="http://purl.org/dc/terms/"/>
-    <ds:schemaRef ds:uri="http://schemas.microsoft.com/internal/obd"/>
-  </ds:schemaRefs>
-</ds:datastoreItem>
-</file>
-
-<file path=customXml/itemProps2.xml><?xml version="1.0" encoding="utf-8"?>
-<ds:datastoreItem xmlns:ds="http://schemas.openxmlformats.org/officeDocument/2006/customXml" ds:itemID="{5958E50D-9448-49E4-B33A-F83592D610F6}">
-  <ds:schemaRefs>
-    <ds:schemaRef ds:uri="http://schemas.microsoft.com/sharepoint/v3/contenttype/forms"/>
-  </ds:schemaRefs>
-</ds:datastoreItem>
-</file>
-
-<file path=customXml/itemProps3.xml><?xml version="1.0" encoding="utf-8"?>
-<ds:datastoreItem xmlns:ds="http://schemas.openxmlformats.org/officeDocument/2006/customXml" ds:itemID="{06667EF3-CDF4-4393-A1CF-B99E1EC704C4}">
-  <ds:schemaRefs>
-    <ds:schemaRef ds:uri="http://schemas.microsoft.com/office/2006/metadata/properties"/>
-    <ds:schemaRef ds:uri="http://purl.org/dc/dcmitype/"/>
-    <ds:schemaRef ds:uri="http://purl.org/dc/elements/1.1/"/>
-    <ds:schemaRef ds:uri="b5a44311-ed64-4a72-909f-c9dc6973bde2"/>
-    <ds:schemaRef ds:uri="http://schemas.microsoft.com/office/2006/documentManagement/types"/>
-    <ds:schemaRef ds:uri="http://purl.org/dc/terms/"/>
-    <ds:schemaRef ds:uri="http://schemas.microsoft.com/office/infopath/2007/PartnerControls"/>
-    <ds:schemaRef ds:uri="http://schemas.openxmlformats.org/package/2006/metadata/core-properties"/>
-    <ds:schemaRef ds:uri="715c9600-0e69-4eaf-a942-71eeca3aad92"/>
-    <ds:schemaRef ds:uri="ad2c82c2-9c3b-49d0-9c75-900ba54972d9"/>
-    <ds:schemaRef ds:uri="http://www.w3.org/XML/1998/namespace"/>
-  </ds:schemaRefs>
-</ds:datastoreItem>
 </file>
--- a/poster/2024 eCTF Poster Template (copy).pptx
+++ b/poster/2024 eCTF Poster Template (copy).pptx
@@ -4629,7 +4629,7 @@
               <a:buNone/>
             </a:pPr>
             <a:r>
-              <a:rPr lang="en-US" sz="7200" b="1" strike="noStrike" spc="-1">
+              <a:rPr lang="en-US" sz="7200" b="1" strike="noStrike" spc="-1" dirty="0">
                 <a:solidFill>
                   <a:srgbClr val="000000"/>
                 </a:solidFill>
@@ -4637,7 +4637,7 @@
               </a:rPr>
               <a:t>Team Cacti</a:t>
             </a:r>
-            <a:endParaRPr lang="en-US" sz="7200" b="0" strike="noStrike" spc="-1">
+            <a:endParaRPr lang="en-US" sz="7200" b="0" strike="noStrike" spc="-1" dirty="0">
               <a:latin typeface="Arial"/>
             </a:endParaRPr>
           </a:p>
@@ -4649,7 +4649,7 @@
               <a:buNone/>
             </a:pPr>
             <a:r>
-              <a:rPr lang="en-US" sz="4000" b="1" strike="noStrike" spc="-1">
+              <a:rPr lang="en-US" sz="4000" b="1" strike="noStrike" spc="-1" dirty="0">
                 <a:solidFill>
                   <a:srgbClr val="000000"/>
                 </a:solidFill>
@@ -4657,7 +4657,7 @@
               </a:rPr>
               <a:t>University at Buffalo</a:t>
             </a:r>
-            <a:endParaRPr lang="en-US" sz="4000" b="0" strike="noStrike" spc="-1">
+            <a:endParaRPr lang="en-US" sz="4000" b="0" strike="noStrike" spc="-1" dirty="0">
               <a:latin typeface="Arial"/>
             </a:endParaRPr>
           </a:p>
@@ -4669,27 +4669,135 @@
               <a:buNone/>
             </a:pPr>
             <a:r>
-              <a:rPr lang="en-US" sz="2000" b="1" strike="noStrike" spc="-1">
+              <a:rPr lang="en-US" sz="2000" b="1" strike="noStrike" spc="-1" dirty="0" err="1">
                 <a:solidFill>
                   <a:srgbClr val="000000"/>
                 </a:solidFill>
                 <a:latin typeface="Arial Black"/>
               </a:rPr>
-              <a:t>Gaoxiang Liu, Zheyuan Ma, Alex Eastman, Xi Tan, MD Armanuzzaman, Sagar Mohan, Afton Spiegel,</a:t>
+              <a:t>Gaoxiang</a:t>
+            </a:r>
+            <a:r>
+              <a:rPr lang="en-US" sz="2000" b="1" strike="noStrike" spc="-1" dirty="0">
+                <a:solidFill>
+                  <a:srgbClr val="000000"/>
+                </a:solidFill>
+                <a:latin typeface="Arial Black"/>
+              </a:rPr>
+              <a:t> Liu, </a:t>
+            </a:r>
+            <a:r>
+              <a:rPr lang="en-US" sz="2000" b="1" strike="noStrike" spc="-1" dirty="0" err="1">
+                <a:solidFill>
+                  <a:srgbClr val="000000"/>
+                </a:solidFill>
+                <a:latin typeface="Arial Black"/>
+              </a:rPr>
+              <a:t>Zheyuan</a:t>
+            </a:r>
+            <a:r>
+              <a:rPr lang="en-US" sz="2000" b="1" strike="noStrike" spc="-1" dirty="0">
+                <a:solidFill>
+                  <a:srgbClr val="000000"/>
+                </a:solidFill>
+                <a:latin typeface="Arial Black"/>
+              </a:rPr>
+              <a:t> Ma, Alex Eastman, Xi Tan, MD </a:t>
+            </a:r>
+            <a:r>
+              <a:rPr lang="en-US" sz="2000" b="1" strike="noStrike" spc="-1" dirty="0" err="1">
+                <a:solidFill>
+                  <a:srgbClr val="000000"/>
+                </a:solidFill>
+                <a:latin typeface="Arial Black"/>
+              </a:rPr>
+              <a:t>Armanuzzaman</a:t>
+            </a:r>
+            <a:r>
+              <a:rPr lang="en-US" sz="2000" b="1" strike="noStrike" spc="-1" dirty="0">
+                <a:solidFill>
+                  <a:srgbClr val="000000"/>
+                </a:solidFill>
+                <a:latin typeface="Arial Black"/>
+              </a:rPr>
+              <a:t>, Sagar Mohan, Afton Spiegel,</a:t>
             </a:r>
             <a:br>
-              <a:rPr sz="2000"/>
+              <a:rPr sz="2000" dirty="0"/>
             </a:br>
             <a:r>
-              <a:rPr lang="en-US" sz="2000" b="1" strike="noStrike" spc="-1">
+              <a:rPr lang="en-US" sz="2000" b="1" strike="noStrike" spc="-1" dirty="0">
                 <a:solidFill>
                   <a:srgbClr val="000000"/>
                 </a:solidFill>
                 <a:latin typeface="Arial Black"/>
               </a:rPr>
-              <a:t>Barani Rajendran, Sai Bhargav Menta, Rumaizi Mopuri, Sai Venkata Akhila Achakala</a:t>
-            </a:r>
-            <a:endParaRPr lang="en-US" sz="2000" b="0" strike="noStrike" spc="-1">
+              <a:t>Barani Rajendran, Sai Bhargav Menta, </a:t>
+            </a:r>
+            <a:r>
+              <a:rPr lang="en-US" sz="2000" b="1" strike="noStrike" spc="-1" dirty="0" err="1">
+                <a:solidFill>
+                  <a:srgbClr val="000000"/>
+                </a:solidFill>
+                <a:latin typeface="Arial Black"/>
+              </a:rPr>
+              <a:t>Rumaizi</a:t>
+            </a:r>
+            <a:r>
+              <a:rPr lang="en-US" sz="2000" b="1" strike="noStrike" spc="-1" dirty="0">
+                <a:solidFill>
+                  <a:srgbClr val="000000"/>
+                </a:solidFill>
+                <a:latin typeface="Arial Black"/>
+              </a:rPr>
+              <a:t> </a:t>
+            </a:r>
+            <a:r>
+              <a:rPr lang="en-US" sz="2000" b="1" strike="noStrike" spc="-1" dirty="0" err="1">
+                <a:solidFill>
+                  <a:srgbClr val="000000"/>
+                </a:solidFill>
+                <a:latin typeface="Arial Black"/>
+              </a:rPr>
+              <a:t>Mopuri</a:t>
+            </a:r>
+            <a:r>
+              <a:rPr lang="en-US" sz="2000" b="1" strike="noStrike" spc="-1" dirty="0">
+                <a:solidFill>
+                  <a:srgbClr val="000000"/>
+                </a:solidFill>
+                <a:latin typeface="Arial Black"/>
+              </a:rPr>
+              <a:t>, Sai Venkata </a:t>
+            </a:r>
+            <a:r>
+              <a:rPr lang="en-US" sz="2000" b="1" strike="noStrike" spc="-1" dirty="0" err="1">
+                <a:solidFill>
+                  <a:srgbClr val="000000"/>
+                </a:solidFill>
+                <a:latin typeface="Arial Black"/>
+              </a:rPr>
+              <a:t>Akhila</a:t>
+            </a:r>
+            <a:r>
+              <a:rPr lang="en-US" sz="2000" b="1" strike="noStrike" spc="-1" dirty="0">
+                <a:solidFill>
+                  <a:srgbClr val="000000"/>
+                </a:solidFill>
+                <a:latin typeface="Arial Black"/>
+              </a:rPr>
+              <a:t> </a:t>
+            </a:r>
+            <a:r>
+              <a:rPr lang="en-US" sz="2000" b="1" strike="noStrike" spc="-1" dirty="0" err="1">
+                <a:solidFill>
+                  <a:srgbClr val="000000"/>
+                </a:solidFill>
+                <a:latin typeface="Arial Black"/>
+              </a:rPr>
+              <a:t>Achakala</a:t>
+            </a:r>
+            <a:endParaRPr lang="en-US" sz="2000" b="0" strike="noStrike" spc="-1" dirty="0">
               <a:latin typeface="Arial"/>
             </a:endParaRPr>
           </a:p>
@@ -4701,15 +4809,33 @@
               <a:buNone/>
             </a:pPr>
             <a:r>
-              <a:rPr lang="en-US" sz="2000" b="1" strike="noStrike" spc="-1">
+              <a:rPr lang="en-US" sz="2000" b="1" strike="noStrike" spc="-1" dirty="0">
                 <a:solidFill>
                   <a:srgbClr val="000000"/>
                 </a:solidFill>
                 <a:latin typeface="Arial Black"/>
               </a:rPr>
-              <a:t>Advised by: Dr. Ziming Zhao, PhD</a:t>
-            </a:r>
-            <a:endParaRPr lang="en-US" sz="2000" b="0" strike="noStrike" spc="-1">
+              <a:t>Advised by: Dr. </a:t>
+            </a:r>
+            <a:r>
+              <a:rPr lang="en-US" sz="2000" b="1" strike="noStrike" spc="-1" dirty="0" err="1">
+                <a:solidFill>
+                  <a:srgbClr val="000000"/>
+                </a:solidFill>
+                <a:latin typeface="Arial Black"/>
+              </a:rPr>
+              <a:t>Ziming</a:t>
+            </a:r>
+            <a:r>
+              <a:rPr lang="en-US" sz="2000" b="1" strike="noStrike" spc="-1" dirty="0">
+                <a:solidFill>
+                  <a:srgbClr val="000000"/>
+                </a:solidFill>
+                <a:latin typeface="Arial Black"/>
+              </a:rPr>
+              <a:t> Zhao, PhD</a:t>
+            </a:r>
+            <a:endParaRPr lang="en-US" sz="2000" b="0" strike="noStrike" spc="-1" dirty="0">
               <a:latin typeface="Arial"/>
             </a:endParaRPr>
           </a:p>
@@ -5318,16 +5444,6 @@
                 <a:ea typeface="Calibri"/>
               </a:rPr>
               <a:t>validity</a:t>
-            </a:r>
-            <a:r>
-              <a:rPr lang="en-US" sz="2000" b="0" strike="noStrike" spc="-1" dirty="0">
-                <a:solidFill>
-                  <a:srgbClr val="000000"/>
-                </a:solidFill>
-                <a:latin typeface="Arial"/>
-                <a:ea typeface="Calibri"/>
-              </a:rPr>
-              <a:t>.</a:t>
             </a:r>
             <a:endParaRPr lang="en-US" sz="2000" b="0" strike="noStrike" spc="-1" dirty="0">
               <a:latin typeface="Arial"/>
@@ -6587,7 +6703,7 @@
                 </a:solidFill>
                 <a:latin typeface="Arial"/>
               </a:rPr>
-              <a:t>. After validation, the component provides the encrypted attestation PIN to the AP.</a:t>
+              <a:t>. After validation, the component provides the encrypted attestation PIN to the AP</a:t>
             </a:r>
             <a:endParaRPr lang="en-US" sz="2000" b="0" strike="noStrike" spc="-1" dirty="0">
               <a:latin typeface="Arial"/>
@@ -6627,7 +6743,7 @@
                 </a:solidFill>
                 <a:latin typeface="Arial"/>
               </a:rPr>
-              <a:t>The AP verifies each component by having it sign a random number; the components then validate the AP similarly. On successful validation, both the AP and components boot up.</a:t>
+              <a:t>The AP verifies each component by having it sign a random number; the components then validate the AP similarly. On successful validation, both the AP and components boot up</a:t>
             </a:r>
             <a:endParaRPr lang="en-US" sz="2000" b="0" strike="noStrike" spc="-1" dirty="0">
               <a:latin typeface="Arial"/>
@@ -6758,7 +6874,7 @@
                 </a:solidFill>
                 <a:latin typeface="Arial"/>
               </a:rPr>
-              <a:t>e recipient. If the recipient can verify the signature, it trusts the data. </a:t>
+              <a:t>e recipient. If the recipient can verify the signature, it trusts the data </a:t>
             </a:r>
             <a:endParaRPr lang="en-US" sz="2000" b="0" strike="noStrike" spc="-1" dirty="0">
               <a:latin typeface="Arial"/>
@@ -6798,7 +6914,7 @@
                 </a:solidFill>
                 <a:latin typeface="Arial"/>
               </a:rPr>
-              <a:t>We only store the Argon2 keyed-hash values of the PIN and token. User input is also hashed, and a constant time comparator is used to verify hash values.</a:t>
+              <a:t>We only store the Argon2 keyed-hash values of the PIN and token. User input is also hashed, and a constant time comparator is used to verify hash values</a:t>
             </a:r>
             <a:endParaRPr lang="en-US" sz="2000" b="0" strike="noStrike" spc="-1" dirty="0">
               <a:latin typeface="Arial"/>

--- a/poster/2024 eCTF Poster Template (copy).pptx
+++ b/poster/2024 eCTF Poster Template (copy).pptx
@@ -67,7 +67,139 @@
               <a:rPr b="0" lang="en-US" sz="4400" spc="-1" strike="noStrike">
                 <a:latin typeface="Arial"/>
               </a:rPr>
-              <a:t>Click to move the slide</a:t>
+              <a:t>C</a:t>
+            </a:r>
+            <a:r>
+              <a:rPr b="0" lang="en-US" sz="4400" spc="-1" strike="noStrike">
+                <a:latin typeface="Arial"/>
+              </a:rPr>
+              <a:t>l</a:t>
+            </a:r>
+            <a:r>
+              <a:rPr b="0" lang="en-US" sz="4400" spc="-1" strike="noStrike">
+                <a:latin typeface="Arial"/>
+              </a:rPr>
+              <a:t>i</a:t>
+            </a:r>
+            <a:r>
+              <a:rPr b="0" lang="en-US" sz="4400" spc="-1" strike="noStrike">
+                <a:latin typeface="Arial"/>
+              </a:rPr>
+              <a:t>c</a:t>
+            </a:r>
+            <a:r>
+              <a:rPr b="0" lang="en-US" sz="4400" spc="-1" strike="noStrike">
+                <a:latin typeface="Arial"/>
+              </a:rPr>
+              <a:t>k</a:t>
+            </a:r>
+            <a:r>
+              <a:rPr b="0" lang="en-US" sz="4400" spc="-1" strike="noStrike">
+                <a:latin typeface="Arial"/>
+              </a:rPr>
+              <a:t> </a:t>
+            </a:r>
+            <a:r>
+              <a:rPr b="0" lang="en-US" sz="4400" spc="-1" strike="noStrike">
+                <a:latin typeface="Arial"/>
+              </a:rPr>
+              <a:t>t</a:t>
+            </a:r>
+            <a:r>
+              <a:rPr b="0" lang="en-US" sz="4400" spc="-1" strike="noStrike">
+                <a:latin typeface="Arial"/>
+              </a:rPr>
+              <a:t>o</a:t>
+            </a:r>
+            <a:r>
+              <a:rPr b="0" lang="en-US" sz="4400" spc="-1" strike="noStrike">
+                <a:latin typeface="Arial"/>
+              </a:rPr>
+              <a:t> </a:t>
+            </a:r>
+            <a:r>
+              <a:rPr b="0" lang="en-US" sz="4400" spc="-1" strike="noStrike">
+                <a:latin typeface="Arial"/>
+              </a:rPr>
+              <a:t>m</a:t>
+            </a:r>
+            <a:r>
+              <a:rPr b="0" lang="en-US" sz="4400" spc="-1" strike="noStrike">
+                <a:latin typeface="Arial"/>
+              </a:rPr>
+              <a:t>o</a:t>
+            </a:r>
+            <a:r>
+              <a:rPr b="0" lang="en-US" sz="4400" spc="-1" strike="noStrike">
+                <a:latin typeface="Arial"/>
+              </a:rPr>
+              <a:t>v</a:t>
+            </a:r>
+            <a:r>
+              <a:rPr b="0" lang="en-US" sz="4400" spc="-1" strike="noStrike">
+                <a:latin typeface="Arial"/>
+              </a:rPr>
+              <a:t>e</a:t>
+            </a:r>
+            <a:r>
+              <a:rPr b="0" lang="en-US" sz="4400" spc="-1" strike="noStrike">
+                <a:latin typeface="Arial"/>
+              </a:rPr>
+              <a:t> </a:t>
+            </a:r>
+            <a:r>
+              <a:rPr b="0" lang="en-US" sz="4400" spc="-1" strike="noStrike">
+                <a:latin typeface="Arial"/>
+              </a:rPr>
+              <a:t>t</a:t>
+            </a:r>
+            <a:r>
+              <a:rPr b="0" lang="en-US" sz="4400" spc="-1" strike="noStrike">
+                <a:latin typeface="Arial"/>
+              </a:rPr>
+              <a:t>h</a:t>
+            </a:r>
+            <a:r>
+              <a:rPr b="0" lang="en-US" sz="4400" spc="-1" strike="noStrike">
+                <a:latin typeface="Arial"/>
+              </a:rPr>
+              <a:t>e</a:t>
+            </a:r>
+            <a:r>
+              <a:rPr b="0" lang="en-US" sz="4400" spc="-1" strike="noStrike">
+                <a:latin typeface="Arial"/>
+              </a:rPr>
+              <a:t> </a:t>
+            </a:r>
+            <a:r>
+              <a:rPr b="0" lang="en-US" sz="4400" spc="-1" strike="noStrike">
+                <a:latin typeface="Arial"/>
+              </a:rPr>
+              <a:t>s</a:t>
+            </a:r>
+            <a:r>
+              <a:rPr b="0" lang="en-US" sz="4400" spc="-1" strike="noStrike">
+                <a:latin typeface="Arial"/>
+              </a:rPr>
+              <a:t>l</a:t>
+            </a:r>
+            <a:r>
+              <a:rPr b="0" lang="en-US" sz="4400" spc="-1" strike="noStrike">
+                <a:latin typeface="Arial"/>
+              </a:rPr>
+              <a:t>i</a:t>
+            </a:r>
+            <a:r>
+              <a:rPr b="0" lang="en-US" sz="4400" spc="-1" strike="noStrike">
+                <a:latin typeface="Arial"/>
+              </a:rPr>
+              <a:t>d</a:t>
+            </a:r>
+            <a:r>
+              <a:rPr b="0" lang="en-US" sz="4400" spc="-1" strike="noStrike">
+                <a:latin typeface="Arial"/>
+              </a:rPr>
+              <a:t>e</a:t>
             </a:r>
             <a:endParaRPr b="0" lang="en-US" sz="4400" spc="-1" strike="noStrike">
               <a:latin typeface="Arial"/>
@@ -107,7 +239,181 @@
               <a:rPr b="0" lang="en-US" sz="2000" spc="-1" strike="noStrike">
                 <a:latin typeface="Arial"/>
               </a:rPr>
-              <a:t>Click to edit the notes format</a:t>
+              <a:t>C</a:t>
+            </a:r>
+            <a:r>
+              <a:rPr b="0" lang="en-US" sz="2000" spc="-1" strike="noStrike">
+                <a:latin typeface="Arial"/>
+              </a:rPr>
+              <a:t>l</a:t>
+            </a:r>
+            <a:r>
+              <a:rPr b="0" lang="en-US" sz="2000" spc="-1" strike="noStrike">
+                <a:latin typeface="Arial"/>
+              </a:rPr>
+              <a:t>i</a:t>
+            </a:r>
+            <a:r>
+              <a:rPr b="0" lang="en-US" sz="2000" spc="-1" strike="noStrike">
+                <a:latin typeface="Arial"/>
+              </a:rPr>
+              <a:t>c</a:t>
+            </a:r>
+            <a:r>
+              <a:rPr b="0" lang="en-US" sz="2000" spc="-1" strike="noStrike">
+                <a:latin typeface="Arial"/>
+              </a:rPr>
+              <a:t>k</a:t>
+            </a:r>
+            <a:r>
+              <a:rPr b="0" lang="en-US" sz="2000" spc="-1" strike="noStrike">
+                <a:latin typeface="Arial"/>
+              </a:rPr>
+              <a:t> </a:t>
+            </a:r>
+            <a:r>
+              <a:rPr b="0" lang="en-US" sz="2000" spc="-1" strike="noStrike">
+                <a:latin typeface="Arial"/>
+              </a:rPr>
+              <a:t>t</a:t>
+            </a:r>
+            <a:r>
+              <a:rPr b="0" lang="en-US" sz="2000" spc="-1" strike="noStrike">
+                <a:latin typeface="Arial"/>
+              </a:rPr>
+              <a:t>o</a:t>
+            </a:r>
+            <a:r>
+              <a:rPr b="0" lang="en-US" sz="2000" spc="-1" strike="noStrike">
+                <a:latin typeface="Arial"/>
+              </a:rPr>
+              <a:t> </a:t>
+            </a:r>
+            <a:r>
+              <a:rPr b="0" lang="en-US" sz="2000" spc="-1" strike="noStrike">
+                <a:latin typeface="Arial"/>
+              </a:rPr>
+              <a:t>e</a:t>
+            </a:r>
+            <a:r>
+              <a:rPr b="0" lang="en-US" sz="2000" spc="-1" strike="noStrike">
+                <a:latin typeface="Arial"/>
+              </a:rPr>
+              <a:t>d</a:t>
+            </a:r>
+            <a:r>
+              <a:rPr b="0" lang="en-US" sz="2000" spc="-1" strike="noStrike">
+                <a:latin typeface="Arial"/>
+              </a:rPr>
+              <a:t>i</a:t>
+            </a:r>
+            <a:r>
+              <a:rPr b="0" lang="en-US" sz="2000" spc="-1" strike="noStrike">
+                <a:latin typeface="Arial"/>
+              </a:rPr>
+              <a:t>t</a:t>
+            </a:r>
+            <a:r>
+              <a:rPr b="0" lang="en-US" sz="2000" spc="-1" strike="noStrike">
+                <a:latin typeface="Arial"/>
+              </a:rPr>
+              <a:t> </a:t>
+            </a:r>
+            <a:r>
+              <a:rPr b="0" lang="en-US" sz="2000" spc="-1" strike="noStrike">
+                <a:latin typeface="Arial"/>
+              </a:rPr>
+              <a:t>t</a:t>
+            </a:r>
+            <a:r>
+              <a:rPr b="0" lang="en-US" sz="2000" spc="-1" strike="noStrike">
+                <a:latin typeface="Arial"/>
+              </a:rPr>
+              <a:t>h</a:t>
+            </a:r>
+            <a:r>
+              <a:rPr b="0" lang="en-US" sz="2000" spc="-1" strike="noStrike">
+                <a:latin typeface="Arial"/>
+              </a:rPr>
+              <a:t>e</a:t>
+            </a:r>
+            <a:r>
+              <a:rPr b="0" lang="en-US" sz="2000" spc="-1" strike="noStrike">
+                <a:latin typeface="Arial"/>
+              </a:rPr>
+              <a:t> </a:t>
+            </a:r>
+            <a:r>
+              <a:rPr b="0" lang="en-US" sz="2000" spc="-1" strike="noStrike">
+                <a:latin typeface="Arial"/>
+              </a:rPr>
+              <a:t>n</a:t>
+            </a:r>
+            <a:r>
+              <a:rPr b="0" lang="en-US" sz="2000" spc="-1" strike="noStrike">
+                <a:latin typeface="Arial"/>
+              </a:rPr>
+              <a:t>o</a:t>
+            </a:r>
+            <a:r>
+              <a:rPr b="0" lang="en-US" sz="2000" spc="-1" strike="noStrike">
+                <a:latin typeface="Arial"/>
+              </a:rPr>
+              <a:t>t</a:t>
+            </a:r>
+            <a:r>
+              <a:rPr b="0" lang="en-US" sz="2000" spc="-1" strike="noStrike">
+                <a:latin typeface="Arial"/>
+              </a:rPr>
+              <a:t>e</a:t>
+            </a:r>
+            <a:r>
+              <a:rPr b="0" lang="en-US" sz="2000" spc="-1" strike="noStrike">
+                <a:latin typeface="Arial"/>
+              </a:rPr>
+              <a:t>s</a:t>
+            </a:r>
+            <a:r>
+              <a:rPr b="0" lang="en-US" sz="2000" spc="-1" strike="noStrike">
+                <a:latin typeface="Arial"/>
+              </a:rPr>
+              <a:t> </a:t>
+            </a:r>
+            <a:r>
+              <a:rPr b="0" lang="en-US" sz="2000" spc="-1" strike="noStrike">
+                <a:latin typeface="Arial"/>
+              </a:rPr>
+              <a:t>f</a:t>
+            </a:r>
+            <a:r>
+              <a:rPr b="0" lang="en-US" sz="2000" spc="-1" strike="noStrike">
+                <a:latin typeface="Arial"/>
+              </a:rPr>
+              <a:t>o</a:t>
+            </a:r>
+            <a:r>
+              <a:rPr b="0" lang="en-US" sz="2000" spc="-1" strike="noStrike">
+                <a:latin typeface="Arial"/>
+              </a:rPr>
+              <a:t>r</a:t>
+            </a:r>
+            <a:r>
+              <a:rPr b="0" lang="en-US" sz="2000" spc="-1" strike="noStrike">
+                <a:latin typeface="Arial"/>
+              </a:rPr>
+              <a:t>m</a:t>
+            </a:r>
+            <a:r>
+              <a:rPr b="0" lang="en-US" sz="2000" spc="-1" strike="noStrike">
+                <a:latin typeface="Arial"/>
+              </a:rPr>
+              <a:t>a</a:t>
+            </a:r>
+            <a:r>
+              <a:rPr b="0" lang="en-US" sz="2000" spc="-1" strike="noStrike">
+                <a:latin typeface="Arial"/>
+              </a:rPr>
+              <a:t>t</a:t>
             </a:r>
             <a:endParaRPr b="0" lang="en-US" sz="2000" spc="-1" strike="noStrike">
               <a:latin typeface="Arial"/>
@@ -292,7 +598,7 @@
             <a:pPr algn="r">
               <a:buNone/>
             </a:pPr>
-            <a:fld id="{A443EF87-9911-4EF5-9F09-525DD3C84266}" type="slidenum">
+            <a:fld id="{68D4D329-3A68-41D4-9B2F-6147E9E2C2FA}" type="slidenum">
               <a:rPr b="0" lang="en-US" sz="1400" spc="-1" strike="noStrike">
                 <a:latin typeface="Times New Roman"/>
               </a:rPr>
@@ -429,7 +735,7 @@
               </a:lnSpc>
               <a:buNone/>
             </a:pPr>
-            <a:fld id="{D752CC71-9954-4A51-864D-5AF7BF4DF847}" type="slidenum">
+            <a:fld id="{EEADF702-95CE-4B40-9105-E02FA660D132}" type="slidenum">
               <a:rPr b="0" lang="en-US" sz="1200" spc="-1" strike="noStrike">
                 <a:latin typeface="Times New Roman"/>
               </a:rPr>
@@ -497,7 +803,7 @@
         <p:txBody>
           <a:bodyPr/>
           <a:p>
-            <a:fld id="{FE954C32-764C-48BB-889A-75988B7EF96A}" type="slidenum">
+            <a:fld id="{E2960047-3393-40FA-8DF6-19F7CFACBC22}" type="slidenum">
               <a:t>&lt;#&gt;</a:t>
             </a:fld>
           </a:p>
@@ -685,7 +991,7 @@
         <p:txBody>
           <a:bodyPr/>
           <a:p>
-            <a:fld id="{BCF8299B-E9C7-42BF-AD2E-DE9E494DB711}" type="slidenum">
+            <a:fld id="{1EC40B34-701B-4A10-BEC5-02C8C71CDDD8}" type="slidenum">
               <a:t>&lt;#&gt;</a:t>
             </a:fld>
           </a:p>
@@ -941,7 +1247,7 @@
         <p:txBody>
           <a:bodyPr/>
           <a:p>
-            <a:fld id="{04A3E00A-E77B-4F5C-99B8-0E389239E4EB}" type="slidenum">
+            <a:fld id="{D5CBC248-6DDD-4C30-AF38-091D2258AFFB}" type="slidenum">
               <a:t>&lt;#&gt;</a:t>
             </a:fld>
           </a:p>
@@ -1265,7 +1571,7 @@
         <p:txBody>
           <a:bodyPr/>
           <a:p>
-            <a:fld id="{DD0730B1-F418-4A2C-9283-941AA1477314}" type="slidenum">
+            <a:fld id="{43F6FF5D-46B8-4430-8069-D4E54F1AF9CC}" type="slidenum">
               <a:t>&lt;#&gt;</a:t>
             </a:fld>
           </a:p>
@@ -1422,7 +1728,7 @@
         <p:txBody>
           <a:bodyPr/>
           <a:p>
-            <a:fld id="{743823DF-CE65-401B-9CD4-016990C61935}" type="slidenum">
+            <a:fld id="{D91D438E-DF4E-4C8A-98AB-D26C96C4EAEF}" type="slidenum">
               <a:t>&lt;#&gt;</a:t>
             </a:fld>
           </a:p>
@@ -1576,7 +1882,7 @@
         <p:txBody>
           <a:bodyPr/>
           <a:p>
-            <a:fld id="{C0CD9021-3A51-4E00-ABC3-39E4501869A3}" type="slidenum">
+            <a:fld id="{40C36437-DE3B-4302-B1D5-8BE3E14B4142}" type="slidenum">
               <a:t>&lt;#&gt;</a:t>
             </a:fld>
           </a:p>
@@ -1764,7 +2070,7 @@
         <p:txBody>
           <a:bodyPr/>
           <a:p>
-            <a:fld id="{2AF8E9E9-5099-404F-8D52-44150BF0261A}" type="slidenum">
+            <a:fld id="{3B165D5C-E9FF-4330-B233-E376F27D5E15}" type="slidenum">
               <a:t>&lt;#&gt;</a:t>
             </a:fld>
           </a:p>
@@ -1884,7 +2190,7 @@
         <p:txBody>
           <a:bodyPr/>
           <a:p>
-            <a:fld id="{D59E6F0A-3743-4348-8069-B5F8C88191BB}" type="slidenum">
+            <a:fld id="{060CD0D1-429D-429F-A8F2-977D3B9E6167}" type="slidenum">
               <a:t>&lt;#&gt;</a:t>
             </a:fld>
           </a:p>
@@ -2004,7 +2310,7 @@
         <p:txBody>
           <a:bodyPr/>
           <a:p>
-            <a:fld id="{A5D5051F-C63E-4659-AD64-8AAE91A15942}" type="slidenum">
+            <a:fld id="{7B762829-452D-4889-BF33-6E1CF04CD8D5}" type="slidenum">
               <a:t>&lt;#&gt;</a:t>
             </a:fld>
           </a:p>
@@ -2226,7 +2532,7 @@
         <p:txBody>
           <a:bodyPr/>
           <a:p>
-            <a:fld id="{B0EB9B24-072B-43E7-8941-FDC889BD4EBC}" type="slidenum">
+            <a:fld id="{CB2A546D-0321-4019-B69B-F2CA61A71F99}" type="slidenum">
               <a:t>&lt;#&gt;</a:t>
             </a:fld>
           </a:p>
@@ -2448,7 +2754,7 @@
         <p:txBody>
           <a:bodyPr/>
           <a:p>
-            <a:fld id="{2B9B720B-3870-4154-BBFF-627686D34F83}" type="slidenum">
+            <a:fld id="{9D5D0B15-1CE5-46DD-A243-BFBD8A038FFC}" type="slidenum">
               <a:t>&lt;#&gt;</a:t>
             </a:fld>
           </a:p>
@@ -2670,7 +2976,7 @@
         <p:txBody>
           <a:bodyPr/>
           <a:p>
-            <a:fld id="{04EB11C5-1B9E-460C-BDF0-1011BA79845B}" type="slidenum">
+            <a:fld id="{B0ABD032-5AB5-4726-B778-938A77EEA080}" type="slidenum">
               <a:t>&lt;#&gt;</a:t>
             </a:fld>
           </a:p>
@@ -2775,7 +3081,7 @@
               <a:rPr b="0" lang="en-US" sz="1400" spc="-1" strike="noStrike">
                 <a:latin typeface="Times New Roman"/>
               </a:rPr>
-              <a:t> </a:t>
+              <a:t>&lt;footer&gt;</a:t>
             </a:r>
             <a:endParaRPr b="0" lang="en-US" sz="1400" spc="-1" strike="noStrike">
               <a:latin typeface="Times New Roman"/>
@@ -2831,14 +3137,14 @@
               </a:lnSpc>
               <a:buNone/>
             </a:pPr>
-            <a:fld id="{1FC6723B-396B-4C15-8EA6-8B78217B51D7}" type="slidenum">
+            <a:fld id="{EB17E239-AABA-4176-9768-7356AB8AEAFE}" type="slidenum">
               <a:rPr b="0" lang="en-US" sz="2160" spc="-1" strike="noStrike">
                 <a:solidFill>
                   <a:srgbClr val="8b8b8b"/>
                 </a:solidFill>
                 <a:latin typeface="Arial"/>
               </a:rPr>
-              <a:t>1</a:t>
+              <a:t>&lt;number&gt;</a:t>
             </a:fld>
             <a:endParaRPr b="0" lang="en-US" sz="2160" spc="-1" strike="noStrike">
               <a:latin typeface="Times New Roman"/>
@@ -2885,7 +3191,7 @@
               <a:rPr b="0" lang="en-US" sz="1400" spc="-1" strike="noStrike">
                 <a:latin typeface="Times New Roman"/>
               </a:rPr>
-              <a:t> </a:t>
+              <a:t>&lt;date/time&gt;</a:t>
             </a:r>
             <a:endParaRPr b="0" lang="en-US" sz="1400" spc="-1" strike="noStrike">
               <a:latin typeface="Times New Roman"/>
@@ -3254,7 +3560,7 @@
                 <a:latin typeface="Arial"/>
                 <a:ea typeface="Calibri"/>
               </a:rPr>
-              <a:t>Brute-Force         </a:t>
+              <a:t>Brute-Force           </a:t>
             </a:r>
             <a:r>
               <a:rPr b="0" lang="en-US" sz="2000" spc="-1" strike="noStrike">
@@ -3308,7 +3614,7 @@
                 <a:latin typeface="Arial"/>
                 <a:ea typeface="Calibri"/>
               </a:rPr>
-              <a:t>  Reuse keys between deployments</a:t>
+              <a:t>    Reuse known keys between deployments</a:t>
             </a:r>
             <a:endParaRPr b="0" lang="en-US" sz="2000" spc="-1" strike="noStrike">
               <a:latin typeface="Arial"/>
@@ -3352,7 +3658,7 @@
                 <a:latin typeface="Arial"/>
                 <a:ea typeface="Calibri"/>
               </a:rPr>
-              <a:t>     Replay captured communication data</a:t>
+              <a:t>       Capture and replay authentic messages</a:t>
             </a:r>
             <a:endParaRPr b="0" lang="en-US" sz="2000" spc="-1" strike="noStrike">
               <a:latin typeface="Arial"/>
@@ -3386,7 +3692,7 @@
                 <a:latin typeface="Arial"/>
                 <a:ea typeface="Calibri"/>
               </a:rPr>
-              <a:t>Predictable Keys </a:t>
+              <a:t>Predictable Keys   </a:t>
             </a:r>
             <a:r>
               <a:rPr b="0" lang="en-US" sz="2000" spc="-1" strike="noStrike">
@@ -3588,36 +3894,7 @@
                 <a:latin typeface="Arial"/>
                 <a:ea typeface="Calibri"/>
               </a:rPr>
-              <a:t>Use the challenge-response mechanism to authenticate, rather than using a fixed value</a:t>
-            </a:r>
-            <a:endParaRPr b="0" lang="en-US" sz="2000" spc="-1" strike="noStrike">
-              <a:latin typeface="Arial"/>
-            </a:endParaRPr>
-          </a:p>
-          <a:p>
-            <a:pPr lvl="3" marL="864000" indent="-216000" algn="just">
-              <a:lnSpc>
-                <a:spcPct val="100000"/>
-              </a:lnSpc>
-              <a:spcAft>
-                <a:spcPts val="360"/>
-              </a:spcAft>
-              <a:buClr>
-                <a:srgbClr val="000000"/>
-              </a:buClr>
-              <a:buSzPct val="45000"/>
-              <a:buFont typeface="Wingdings" charset="2"/>
-              <a:buChar char=""/>
-            </a:pPr>
-            <a:r>
-              <a:rPr b="0" lang="en-US" sz="2000" spc="-1" strike="noStrike">
-                <a:solidFill>
-                  <a:srgbClr val="000000"/>
-                </a:solidFill>
-                <a:latin typeface="Arial"/>
-                <a:ea typeface="Calibri"/>
-              </a:rPr>
-              <a:t>As illustrated in the diagram below, the AP tries to validate the component</a:t>
+              <a:t>Do not reuse the same secret for different validation processes</a:t>
             </a:r>
             <a:endParaRPr b="0" lang="en-US" sz="2000" spc="-1" strike="noStrike">
               <a:latin typeface="Arial"/>
@@ -3646,7 +3923,7 @@
                 <a:latin typeface="Arial"/>
                 <a:ea typeface="Calibri"/>
               </a:rPr>
-              <a:t>Do not reuse the same secret for different validation processes</a:t>
+              <a:t>Ensure that any random number used in the validation process is unpredictable to enhance security</a:t>
             </a:r>
             <a:endParaRPr b="0" lang="en-US" sz="2000" spc="-1" strike="noStrike">
               <a:latin typeface="Arial"/>
@@ -3675,7 +3952,7 @@
                 <a:latin typeface="Arial"/>
                 <a:ea typeface="Calibri"/>
               </a:rPr>
-              <a:t>Ensure that any random number used in the validation process is unpredictable to enhance security</a:t>
+              <a:t>Use the challenge-response mechanism to authenticate, rather than using a fixed value (See the figure below, where the AP tries to authenticate the component)</a:t>
             </a:r>
             <a:endParaRPr b="0" lang="en-US" sz="2000" spc="-1" strike="noStrike">
               <a:latin typeface="Arial"/>
@@ -4313,7 +4590,7 @@
                 <a:latin typeface="Arial"/>
                 <a:ea typeface="Calibri"/>
               </a:rPr>
-              <a:t>Mitigate Bruce-Force Attack</a:t>
+              <a:t>Mitigating Bruce-Force Attacks</a:t>
             </a:r>
             <a:endParaRPr b="0" lang="en-US" sz="2000" spc="-1" strike="noStrike">
               <a:latin typeface="Arial"/>
@@ -4400,7 +4677,7 @@
                 <a:latin typeface="Arial"/>
                 <a:ea typeface="Calibri"/>
               </a:rPr>
-              <a:t>Longer delay after a failed attempt, the delay is still in effective even reseting the board</a:t>
+              <a:t>Longer delay after a failed attempt, the delay is still in effective even resetting the board</a:t>
             </a:r>
             <a:endParaRPr b="0" lang="en-US" sz="2000" spc="-1" strike="noStrike">
               <a:latin typeface="Arial"/>
@@ -4467,7 +4744,7 @@
                 <a:latin typeface="Arial"/>
                 <a:ea typeface="Calibri"/>
               </a:rPr>
-              <a:t>Mitigate Fault-Injection Attack</a:t>
+              <a:t>Mitigating Fault-Injection Attacks</a:t>
             </a:r>
             <a:endParaRPr b="0" lang="en-US" sz="2000" spc="-1" strike="noStrike">
               <a:latin typeface="Arial"/>
@@ -4496,7 +4773,7 @@
                 <a:latin typeface="Arial"/>
                 <a:ea typeface="Calibri"/>
               </a:rPr>
-              <a:t>Introduce random delays in hundreds of CPU cycles</a:t>
+              <a:t>Introduce random delays of several hundred CPU cycles</a:t>
             </a:r>
             <a:endParaRPr b="0" lang="en-US" sz="2000" spc="-1" strike="noStrike">
               <a:latin typeface="Arial"/>
@@ -4525,7 +4802,17 @@
                 <a:latin typeface="Arial"/>
                 <a:ea typeface="Calibri"/>
               </a:rPr>
-              <a:t>Execute important conditional expression twice, such as authentication and password checking</a:t>
+              <a:t>Execute important conditional expression twice</a:t>
+            </a:r>
+            <a:r>
+              <a:rPr b="0" lang="en-US" sz="2000" spc="-1" strike="noStrike">
+                <a:solidFill>
+                  <a:srgbClr val="000000"/>
+                </a:solidFill>
+                <a:latin typeface="Arial"/>
+                <a:ea typeface="Calibri"/>
+              </a:rPr>
+              <a:t>; for example, branching on authentication or password validity</a:t>
             </a:r>
             <a:endParaRPr b="0" lang="en-US" sz="2000" spc="-1" strike="noStrike">
               <a:latin typeface="Arial"/>
@@ -5696,9 +5983,13 @@
                       </a:pPr>
                       <a:r>
                         <a:rPr b="0" lang="en-US" sz="1800" spc="-1" strike="noStrike">
+                          <a:solidFill>
+                            <a:srgbClr val="000000"/>
+                          </a:solidFill>
                           <a:latin typeface="Arial"/>
+                          <a:ea typeface="DejaVu Sans"/>
                         </a:rPr>
-                        <a:t>For attestation PIN and replace Token</a:t>
+                        <a:t>Secure attestation PIN and replace token</a:t>
                       </a:r>
                       <a:endParaRPr b="0" lang="en-US" sz="1800" spc="-1" strike="noStrike">
                         <a:latin typeface="Arial"/>
@@ -5827,7 +6118,7 @@
                 <a:latin typeface="Arial"/>
                 <a:ea typeface="DejaVu Sans"/>
               </a:rPr>
-              <a:t>The AP signs a component's random number and sends back the signature for validation. After validation, the component sends encrypted attestation data to the AP for decryption.</a:t>
+              <a:t>The AP signs a component's random number and sends back the signature for validation. After validation, the component sends encrypted attestation data to the AP for decryption</a:t>
             </a:r>
             <a:endParaRPr b="0" lang="en-US" sz="2000" spc="-1" strike="noStrike">
               <a:latin typeface="Arial"/>
@@ -5899,7 +6190,7 @@
                 <a:latin typeface="Arial"/>
                 <a:ea typeface="DejaVu Sans"/>
               </a:rPr>
-              <a:t>The AP verifies each component by having it sign a random number; the components then validate the AP similarly. On successful validation, both the AP and components boot up.</a:t>
+              <a:t>The AP verifies each component by having it sign a random number; the components then validate the AP similarly. On successful validation, both the AP and components boot up</a:t>
             </a:r>
             <a:endParaRPr b="0" lang="en-US" sz="2000" spc="-1" strike="noStrike">
               <a:latin typeface="Arial"/>
@@ -6013,9 +6304,6 @@
               <a:lnSpc>
                 <a:spcPct val="100000"/>
               </a:lnSpc>
-              <a:spcAft>
-                <a:spcPts val="360"/>
-              </a:spcAft>
               <a:buNone/>
             </a:pPr>
             <a:r>
@@ -6026,7 +6314,7 @@
                 <a:latin typeface="Arial"/>
                 <a:ea typeface="DejaVu Sans"/>
               </a:rPr>
-              <a:t>To ensure message integrity, the sender must sign the message, including the slave device's I2C address and a random number provided by the receiver, allowing the receiver to validate it.</a:t>
+              <a:t>To ensure message integrity, messages are signed with the slave device’s I2C address and a random number provided by the recipient. If the recipient can verify the signature, it trusts the data</a:t>
             </a:r>
             <a:endParaRPr b="0" lang="en-US" sz="2000" spc="-1" strike="noStrike">
               <a:latin typeface="Arial"/>
@@ -6085,9 +6373,6 @@
               <a:lnSpc>
                 <a:spcPct val="100000"/>
               </a:lnSpc>
-              <a:spcAft>
-                <a:spcPts val="360"/>
-              </a:spcAft>
               <a:buNone/>
             </a:pPr>
             <a:r>
@@ -6098,7 +6383,7 @@
                 <a:latin typeface="Arial"/>
                 <a:ea typeface="DejaVu Sans"/>
               </a:rPr>
-              <a:t>Store only the Argon2 keyed-hash values of the PIN and Token. Apply the same hashing algorithm to user input and use constant-time comparison to verify hash values.</a:t>
+              <a:t>We only store the Argon2 keyed-hash values of the PIN and token. User input is also hashed, and a constant-time comparator is used to verify hash values</a:t>
             </a:r>
             <a:endParaRPr b="0" lang="en-US" sz="2000" spc="-1" strike="noStrike">
               <a:latin typeface="Arial"/>
@@ -6679,7 +6964,7 @@
         </p:blipFill>
         <p:spPr>
           <a:xfrm>
-            <a:off x="9925560" y="19440000"/>
+            <a:off x="9925920" y="19173600"/>
             <a:ext cx="4475880" cy="1618560"/>
           </a:xfrm>
           <a:prstGeom prst="rect">
@@ -6771,8 +7056,8 @@
         </p:blipFill>
         <p:spPr>
           <a:xfrm>
-            <a:off x="8416800" y="5856480"/>
-            <a:ext cx="354960" cy="354960"/>
+            <a:off x="8380800" y="5892480"/>
+            <a:ext cx="311400" cy="311400"/>
           </a:xfrm>
           <a:prstGeom prst="rect">
             <a:avLst/>
@@ -6954,7 +7239,7 @@
         <p:spPr>
           <a:xfrm>
             <a:off x="514080" y="21359160"/>
-            <a:ext cx="15487920" cy="1500840"/>
+            <a:ext cx="15487920" cy="819000"/>
           </a:xfrm>
           <a:prstGeom prst="rect">
             <a:avLst/>

--- a/poster/2024 eCTF Poster Template (copy).pptx
+++ b/poster/2024 eCTF Poster Template (copy).pptx
@@ -598,7 +598,7 @@
             <a:pPr algn="r">
               <a:buNone/>
             </a:pPr>
-            <a:fld id="{68D4D329-3A68-41D4-9B2F-6147E9E2C2FA}" type="slidenum">
+            <a:fld id="{735C148E-AD9F-4544-9FA2-51BBEC898BA8}" type="slidenum">
               <a:rPr b="0" lang="en-US" sz="1400" spc="-1" strike="noStrike">
                 <a:latin typeface="Times New Roman"/>
               </a:rPr>
@@ -735,7 +735,7 @@
               </a:lnSpc>
               <a:buNone/>
             </a:pPr>
-            <a:fld id="{EEADF702-95CE-4B40-9105-E02FA660D132}" type="slidenum">
+            <a:fld id="{649E4110-64B4-48D3-8E35-29F86CB205B3}" type="slidenum">
               <a:rPr b="0" lang="en-US" sz="1200" spc="-1" strike="noStrike">
                 <a:latin typeface="Times New Roman"/>
               </a:rPr>
@@ -803,7 +803,7 @@
         <p:txBody>
           <a:bodyPr/>
           <a:p>
-            <a:fld id="{E2960047-3393-40FA-8DF6-19F7CFACBC22}" type="slidenum">
+            <a:fld id="{B9B2FFBF-2BA2-48A9-832E-3A0939ABC4D4}" type="slidenum">
               <a:t>&lt;#&gt;</a:t>
             </a:fld>
           </a:p>
@@ -991,7 +991,7 @@
         <p:txBody>
           <a:bodyPr/>
           <a:p>
-            <a:fld id="{1EC40B34-701B-4A10-BEC5-02C8C71CDDD8}" type="slidenum">
+            <a:fld id="{19E5F17E-6D27-48D0-AA73-EF91A77D752E}" type="slidenum">
               <a:t>&lt;#&gt;</a:t>
             </a:fld>
           </a:p>
@@ -1247,7 +1247,7 @@
         <p:txBody>
           <a:bodyPr/>
           <a:p>
-            <a:fld id="{D5CBC248-6DDD-4C30-AF38-091D2258AFFB}" type="slidenum">
+            <a:fld id="{20E9D941-C4F6-4796-B29B-45893BF6C24C}" type="slidenum">
               <a:t>&lt;#&gt;</a:t>
             </a:fld>
           </a:p>
@@ -1571,7 +1571,7 @@
         <p:txBody>
           <a:bodyPr/>
           <a:p>
-            <a:fld id="{43F6FF5D-46B8-4430-8069-D4E54F1AF9CC}" type="slidenum">
+            <a:fld id="{80E91537-9C54-43E3-91AE-C8AB5DC51876}" type="slidenum">
               <a:t>&lt;#&gt;</a:t>
             </a:fld>
           </a:p>
@@ -1728,7 +1728,7 @@
         <p:txBody>
           <a:bodyPr/>
           <a:p>
-            <a:fld id="{D91D438E-DF4E-4C8A-98AB-D26C96C4EAEF}" type="slidenum">
+            <a:fld id="{C27664F6-B878-441A-8151-CB5816D779F8}" type="slidenum">
               <a:t>&lt;#&gt;</a:t>
             </a:fld>
           </a:p>
@@ -1882,7 +1882,7 @@
         <p:txBody>
           <a:bodyPr/>
           <a:p>
-            <a:fld id="{40C36437-DE3B-4302-B1D5-8BE3E14B4142}" type="slidenum">
+            <a:fld id="{2E160873-5FB8-438D-A64C-302549AA249F}" type="slidenum">
               <a:t>&lt;#&gt;</a:t>
             </a:fld>
           </a:p>
@@ -2070,7 +2070,7 @@
         <p:txBody>
           <a:bodyPr/>
           <a:p>
-            <a:fld id="{3B165D5C-E9FF-4330-B233-E376F27D5E15}" type="slidenum">
+            <a:fld id="{2D45C413-40CD-4EA2-9872-33A55DEF5225}" type="slidenum">
               <a:t>&lt;#&gt;</a:t>
             </a:fld>
           </a:p>
@@ -2190,7 +2190,7 @@
         <p:txBody>
           <a:bodyPr/>
           <a:p>
-            <a:fld id="{060CD0D1-429D-429F-A8F2-977D3B9E6167}" type="slidenum">
+            <a:fld id="{5C207CBC-08FC-44D9-B924-D8E071A1557F}" type="slidenum">
               <a:t>&lt;#&gt;</a:t>
             </a:fld>
           </a:p>
@@ -2310,7 +2310,7 @@
         <p:txBody>
           <a:bodyPr/>
           <a:p>
-            <a:fld id="{7B762829-452D-4889-BF33-6E1CF04CD8D5}" type="slidenum">
+            <a:fld id="{3DC7F727-70FA-4A12-9ED5-8ED5DF425F0D}" type="slidenum">
               <a:t>&lt;#&gt;</a:t>
             </a:fld>
           </a:p>
@@ -2532,7 +2532,7 @@
         <p:txBody>
           <a:bodyPr/>
           <a:p>
-            <a:fld id="{CB2A546D-0321-4019-B69B-F2CA61A71F99}" type="slidenum">
+            <a:fld id="{B7D34613-8FBE-4BDD-BF24-2D62E78C5534}" type="slidenum">
               <a:t>&lt;#&gt;</a:t>
             </a:fld>
           </a:p>
@@ -2754,7 +2754,7 @@
         <p:txBody>
           <a:bodyPr/>
           <a:p>
-            <a:fld id="{9D5D0B15-1CE5-46DD-A243-BFBD8A038FFC}" type="slidenum">
+            <a:fld id="{E007F9BF-8324-426D-8578-D0128FCA5F83}" type="slidenum">
               <a:t>&lt;#&gt;</a:t>
             </a:fld>
           </a:p>
@@ -2976,7 +2976,7 @@
         <p:txBody>
           <a:bodyPr/>
           <a:p>
-            <a:fld id="{B0ABD032-5AB5-4726-B778-938A77EEA080}" type="slidenum">
+            <a:fld id="{D03662E1-9ACA-45BD-B617-94389C073F05}" type="slidenum">
               <a:t>&lt;#&gt;</a:t>
             </a:fld>
           </a:p>
@@ -3137,7 +3137,7 @@
               </a:lnSpc>
               <a:buNone/>
             </a:pPr>
-            <a:fld id="{EB17E239-AABA-4176-9768-7356AB8AEAFE}" type="slidenum">
+            <a:fld id="{4C04CE77-2CA4-47EA-B625-70DBB9528BDC}" type="slidenum">
               <a:rPr b="0" lang="en-US" sz="2160" spc="-1" strike="noStrike">
                 <a:solidFill>
                   <a:srgbClr val="8b8b8b"/>
@@ -5346,7 +5346,7 @@
                         <a:rPr b="0" lang="en-US" sz="1800" spc="-1" strike="noStrike">
                           <a:latin typeface="Arial"/>
                         </a:rPr>
-                        <a:t>Stored at</a:t>
+                        <a:t>Stored in</a:t>
                       </a:r>
                       <a:endParaRPr b="0" lang="en-US" sz="1800" spc="-1" strike="noStrike">
                         <a:latin typeface="Arial"/>
@@ -7258,7 +7258,811 @@
               <a:rPr b="0" lang="en-US" sz="1600" spc="-1" strike="noStrike">
                 <a:latin typeface="Arial"/>
               </a:rPr>
-              <a:t>The research of Team Cacti is supported in part by a National Centers of Academic Excellence in Cybersecurity grant (H98230-22-1-0307).</a:t>
+              <a:t>T</a:t>
+            </a:r>
+            <a:r>
+              <a:rPr b="0" lang="en-US" sz="1600" spc="-1" strike="noStrike">
+                <a:latin typeface="Arial"/>
+              </a:rPr>
+              <a:t>h</a:t>
+            </a:r>
+            <a:r>
+              <a:rPr b="0" lang="en-US" sz="1600" spc="-1" strike="noStrike">
+                <a:latin typeface="Arial"/>
+              </a:rPr>
+              <a:t>e</a:t>
+            </a:r>
+            <a:r>
+              <a:rPr b="0" lang="en-US" sz="1600" spc="-1" strike="noStrike">
+                <a:latin typeface="Arial"/>
+              </a:rPr>
+              <a:t> </a:t>
+            </a:r>
+            <a:r>
+              <a:rPr b="0" lang="en-US" sz="1600" spc="-1" strike="noStrike">
+                <a:latin typeface="Arial"/>
+              </a:rPr>
+              <a:t>r</a:t>
+            </a:r>
+            <a:r>
+              <a:rPr b="0" lang="en-US" sz="1600" spc="-1" strike="noStrike">
+                <a:latin typeface="Arial"/>
+              </a:rPr>
+              <a:t>e</a:t>
+            </a:r>
+            <a:r>
+              <a:rPr b="0" lang="en-US" sz="1600" spc="-1" strike="noStrike">
+                <a:latin typeface="Arial"/>
+              </a:rPr>
+              <a:t>s</a:t>
+            </a:r>
+            <a:r>
+              <a:rPr b="0" lang="en-US" sz="1600" spc="-1" strike="noStrike">
+                <a:latin typeface="Arial"/>
+              </a:rPr>
+              <a:t>e</a:t>
+            </a:r>
+            <a:r>
+              <a:rPr b="0" lang="en-US" sz="1600" spc="-1" strike="noStrike">
+                <a:latin typeface="Arial"/>
+              </a:rPr>
+              <a:t>a</a:t>
+            </a:r>
+            <a:r>
+              <a:rPr b="0" lang="en-US" sz="1600" spc="-1" strike="noStrike">
+                <a:latin typeface="Arial"/>
+              </a:rPr>
+              <a:t>r</a:t>
+            </a:r>
+            <a:r>
+              <a:rPr b="0" lang="en-US" sz="1600" spc="-1" strike="noStrike">
+                <a:latin typeface="Arial"/>
+              </a:rPr>
+              <a:t>c</a:t>
+            </a:r>
+            <a:r>
+              <a:rPr b="0" lang="en-US" sz="1600" spc="-1" strike="noStrike">
+                <a:latin typeface="Arial"/>
+              </a:rPr>
+              <a:t>h</a:t>
+            </a:r>
+            <a:r>
+              <a:rPr b="0" lang="en-US" sz="1600" spc="-1" strike="noStrike">
+                <a:latin typeface="Arial"/>
+              </a:rPr>
+              <a:t> </a:t>
+            </a:r>
+            <a:r>
+              <a:rPr b="0" lang="en-US" sz="1600" spc="-1" strike="noStrike">
+                <a:latin typeface="Arial"/>
+              </a:rPr>
+              <a:t>o</a:t>
+            </a:r>
+            <a:r>
+              <a:rPr b="0" lang="en-US" sz="1600" spc="-1" strike="noStrike">
+                <a:latin typeface="Arial"/>
+              </a:rPr>
+              <a:t>f</a:t>
+            </a:r>
+            <a:r>
+              <a:rPr b="0" lang="en-US" sz="1600" spc="-1" strike="noStrike">
+                <a:latin typeface="Arial"/>
+              </a:rPr>
+              <a:t> </a:t>
+            </a:r>
+            <a:r>
+              <a:rPr b="0" lang="en-US" sz="1600" spc="-1" strike="noStrike">
+                <a:latin typeface="Arial"/>
+              </a:rPr>
+              <a:t>T</a:t>
+            </a:r>
+            <a:r>
+              <a:rPr b="0" lang="en-US" sz="1600" spc="-1" strike="noStrike">
+                <a:latin typeface="Arial"/>
+              </a:rPr>
+              <a:t>e</a:t>
+            </a:r>
+            <a:r>
+              <a:rPr b="0" lang="en-US" sz="1600" spc="-1" strike="noStrike">
+                <a:latin typeface="Arial"/>
+              </a:rPr>
+              <a:t>a</a:t>
+            </a:r>
+            <a:r>
+              <a:rPr b="0" lang="en-US" sz="1600" spc="-1" strike="noStrike">
+                <a:latin typeface="Arial"/>
+              </a:rPr>
+              <a:t>m</a:t>
+            </a:r>
+            <a:r>
+              <a:rPr b="0" lang="en-US" sz="1600" spc="-1" strike="noStrike">
+                <a:latin typeface="Arial"/>
+              </a:rPr>
+              <a:t> </a:t>
+            </a:r>
+            <a:r>
+              <a:rPr b="0" lang="en-US" sz="1600" spc="-1" strike="noStrike">
+                <a:latin typeface="Arial"/>
+              </a:rPr>
+              <a:t>C</a:t>
+            </a:r>
+            <a:r>
+              <a:rPr b="0" lang="en-US" sz="1600" spc="-1" strike="noStrike">
+                <a:latin typeface="Arial"/>
+              </a:rPr>
+              <a:t>a</a:t>
+            </a:r>
+            <a:r>
+              <a:rPr b="0" lang="en-US" sz="1600" spc="-1" strike="noStrike">
+                <a:latin typeface="Arial"/>
+              </a:rPr>
+              <a:t>c</a:t>
+            </a:r>
+            <a:r>
+              <a:rPr b="0" lang="en-US" sz="1600" spc="-1" strike="noStrike">
+                <a:latin typeface="Arial"/>
+              </a:rPr>
+              <a:t>t</a:t>
+            </a:r>
+            <a:r>
+              <a:rPr b="0" lang="en-US" sz="1600" spc="-1" strike="noStrike">
+                <a:latin typeface="Arial"/>
+              </a:rPr>
+              <a:t>i</a:t>
+            </a:r>
+            <a:r>
+              <a:rPr b="0" lang="en-US" sz="1600" spc="-1" strike="noStrike">
+                <a:latin typeface="Arial"/>
+              </a:rPr>
+              <a:t> </a:t>
+            </a:r>
+            <a:r>
+              <a:rPr b="0" lang="en-US" sz="1600" spc="-1" strike="noStrike">
+                <a:latin typeface="Arial"/>
+              </a:rPr>
+              <a:t>i</a:t>
+            </a:r>
+            <a:r>
+              <a:rPr b="0" lang="en-US" sz="1600" spc="-1" strike="noStrike">
+                <a:latin typeface="Arial"/>
+              </a:rPr>
+              <a:t>s</a:t>
+            </a:r>
+            <a:r>
+              <a:rPr b="0" lang="en-US" sz="1600" spc="-1" strike="noStrike">
+                <a:latin typeface="Arial"/>
+              </a:rPr>
+              <a:t> </a:t>
+            </a:r>
+            <a:r>
+              <a:rPr b="0" lang="en-US" sz="1600" spc="-1" strike="noStrike">
+                <a:latin typeface="Arial"/>
+              </a:rPr>
+              <a:t>s</a:t>
+            </a:r>
+            <a:r>
+              <a:rPr b="0" lang="en-US" sz="1600" spc="-1" strike="noStrike">
+                <a:latin typeface="Arial"/>
+              </a:rPr>
+              <a:t>u</a:t>
+            </a:r>
+            <a:r>
+              <a:rPr b="0" lang="en-US" sz="1600" spc="-1" strike="noStrike">
+                <a:latin typeface="Arial"/>
+              </a:rPr>
+              <a:t>p</a:t>
+            </a:r>
+            <a:r>
+              <a:rPr b="0" lang="en-US" sz="1600" spc="-1" strike="noStrike">
+                <a:latin typeface="Arial"/>
+              </a:rPr>
+              <a:t>p</a:t>
+            </a:r>
+            <a:r>
+              <a:rPr b="0" lang="en-US" sz="1600" spc="-1" strike="noStrike">
+                <a:latin typeface="Arial"/>
+              </a:rPr>
+              <a:t>o</a:t>
+            </a:r>
+            <a:r>
+              <a:rPr b="0" lang="en-US" sz="1600" spc="-1" strike="noStrike">
+                <a:latin typeface="Arial"/>
+              </a:rPr>
+              <a:t>r</a:t>
+            </a:r>
+            <a:r>
+              <a:rPr b="0" lang="en-US" sz="1600" spc="-1" strike="noStrike">
+                <a:latin typeface="Arial"/>
+              </a:rPr>
+              <a:t>t</a:t>
+            </a:r>
+            <a:r>
+              <a:rPr b="0" lang="en-US" sz="1600" spc="-1" strike="noStrike">
+                <a:latin typeface="Arial"/>
+              </a:rPr>
+              <a:t>e</a:t>
+            </a:r>
+            <a:r>
+              <a:rPr b="0" lang="en-US" sz="1600" spc="-1" strike="noStrike">
+                <a:latin typeface="Arial"/>
+              </a:rPr>
+              <a:t>d</a:t>
+            </a:r>
+            <a:r>
+              <a:rPr b="0" lang="en-US" sz="1600" spc="-1" strike="noStrike">
+                <a:latin typeface="Arial"/>
+              </a:rPr>
+              <a:t> </a:t>
+            </a:r>
+            <a:r>
+              <a:rPr b="0" lang="en-US" sz="1600" spc="-1" strike="noStrike">
+                <a:latin typeface="Arial"/>
+              </a:rPr>
+              <a:t>i</a:t>
+            </a:r>
+            <a:r>
+              <a:rPr b="0" lang="en-US" sz="1600" spc="-1" strike="noStrike">
+                <a:latin typeface="Arial"/>
+              </a:rPr>
+              <a:t>n</a:t>
+            </a:r>
+            <a:r>
+              <a:rPr b="0" lang="en-US" sz="1600" spc="-1" strike="noStrike">
+                <a:latin typeface="Arial"/>
+              </a:rPr>
+              <a:t> </a:t>
+            </a:r>
+            <a:r>
+              <a:rPr b="0" lang="en-US" sz="1600" spc="-1" strike="noStrike">
+                <a:latin typeface="Arial"/>
+              </a:rPr>
+              <a:t>p</a:t>
+            </a:r>
+            <a:r>
+              <a:rPr b="0" lang="en-US" sz="1600" spc="-1" strike="noStrike">
+                <a:latin typeface="Arial"/>
+              </a:rPr>
+              <a:t>a</a:t>
+            </a:r>
+            <a:r>
+              <a:rPr b="0" lang="en-US" sz="1600" spc="-1" strike="noStrike">
+                <a:latin typeface="Arial"/>
+              </a:rPr>
+              <a:t>r</a:t>
+            </a:r>
+            <a:r>
+              <a:rPr b="0" lang="en-US" sz="1600" spc="-1" strike="noStrike">
+                <a:latin typeface="Arial"/>
+              </a:rPr>
+              <a:t>t</a:t>
+            </a:r>
+            <a:r>
+              <a:rPr b="0" lang="en-US" sz="1600" spc="-1" strike="noStrike">
+                <a:latin typeface="Arial"/>
+              </a:rPr>
+              <a:t> </a:t>
+            </a:r>
+            <a:r>
+              <a:rPr b="0" lang="en-US" sz="1600" spc="-1" strike="noStrike">
+                <a:latin typeface="Arial"/>
+              </a:rPr>
+              <a:t>b</a:t>
+            </a:r>
+            <a:r>
+              <a:rPr b="0" lang="en-US" sz="1600" spc="-1" strike="noStrike">
+                <a:latin typeface="Arial"/>
+              </a:rPr>
+              <a:t>y</a:t>
+            </a:r>
+            <a:r>
+              <a:rPr b="0" lang="en-US" sz="1600" spc="-1" strike="noStrike">
+                <a:latin typeface="Arial"/>
+              </a:rPr>
+              <a:t> </a:t>
+            </a:r>
+            <a:r>
+              <a:rPr b="0" lang="en-US" sz="1600" spc="-1" strike="noStrike">
+                <a:latin typeface="Arial"/>
+              </a:rPr>
+              <a:t>a</a:t>
+            </a:r>
+            <a:r>
+              <a:rPr b="0" lang="en-US" sz="1600" spc="-1" strike="noStrike">
+                <a:latin typeface="Arial"/>
+              </a:rPr>
+              <a:t> </a:t>
+            </a:r>
+            <a:r>
+              <a:rPr b="0" lang="en-US" sz="1600" spc="-1" strike="noStrike">
+                <a:latin typeface="Arial"/>
+              </a:rPr>
+              <a:t>N</a:t>
+            </a:r>
+            <a:r>
+              <a:rPr b="0" lang="en-US" sz="1600" spc="-1" strike="noStrike">
+                <a:latin typeface="Arial"/>
+              </a:rPr>
+              <a:t>a</a:t>
+            </a:r>
+            <a:r>
+              <a:rPr b="0" lang="en-US" sz="1600" spc="-1" strike="noStrike">
+                <a:latin typeface="Arial"/>
+              </a:rPr>
+              <a:t>t</a:t>
+            </a:r>
+            <a:r>
+              <a:rPr b="0" lang="en-US" sz="1600" spc="-1" strike="noStrike">
+                <a:latin typeface="Arial"/>
+              </a:rPr>
+              <a:t>i</a:t>
+            </a:r>
+            <a:r>
+              <a:rPr b="0" lang="en-US" sz="1600" spc="-1" strike="noStrike">
+                <a:latin typeface="Arial"/>
+              </a:rPr>
+              <a:t>o</a:t>
+            </a:r>
+            <a:r>
+              <a:rPr b="0" lang="en-US" sz="1600" spc="-1" strike="noStrike">
+                <a:latin typeface="Arial"/>
+              </a:rPr>
+              <a:t>n</a:t>
+            </a:r>
+            <a:r>
+              <a:rPr b="0" lang="en-US" sz="1600" spc="-1" strike="noStrike">
+                <a:latin typeface="Arial"/>
+              </a:rPr>
+              <a:t>a</a:t>
+            </a:r>
+            <a:r>
+              <a:rPr b="0" lang="en-US" sz="1600" spc="-1" strike="noStrike">
+                <a:latin typeface="Arial"/>
+              </a:rPr>
+              <a:t>l</a:t>
+            </a:r>
+            <a:r>
+              <a:rPr b="0" lang="en-US" sz="1600" spc="-1" strike="noStrike">
+                <a:latin typeface="Arial"/>
+              </a:rPr>
+              <a:t> </a:t>
+            </a:r>
+            <a:r>
+              <a:rPr b="0" lang="en-US" sz="1600" spc="-1" strike="noStrike">
+                <a:latin typeface="Arial"/>
+              </a:rPr>
+              <a:t>C</a:t>
+            </a:r>
+            <a:r>
+              <a:rPr b="0" lang="en-US" sz="1600" spc="-1" strike="noStrike">
+                <a:latin typeface="Arial"/>
+              </a:rPr>
+              <a:t>e</a:t>
+            </a:r>
+            <a:r>
+              <a:rPr b="0" lang="en-US" sz="1600" spc="-1" strike="noStrike">
+                <a:latin typeface="Arial"/>
+              </a:rPr>
+              <a:t>n</a:t>
+            </a:r>
+            <a:r>
+              <a:rPr b="0" lang="en-US" sz="1600" spc="-1" strike="noStrike">
+                <a:latin typeface="Arial"/>
+              </a:rPr>
+              <a:t>t</a:t>
+            </a:r>
+            <a:r>
+              <a:rPr b="0" lang="en-US" sz="1600" spc="-1" strike="noStrike">
+                <a:latin typeface="Arial"/>
+              </a:rPr>
+              <a:t>e</a:t>
+            </a:r>
+            <a:r>
+              <a:rPr b="0" lang="en-US" sz="1600" spc="-1" strike="noStrike">
+                <a:latin typeface="Arial"/>
+              </a:rPr>
+              <a:t>r</a:t>
+            </a:r>
+            <a:r>
+              <a:rPr b="0" lang="en-US" sz="1600" spc="-1" strike="noStrike">
+                <a:latin typeface="Arial"/>
+              </a:rPr>
+              <a:t>s</a:t>
+            </a:r>
+            <a:r>
+              <a:rPr b="0" lang="en-US" sz="1600" spc="-1" strike="noStrike">
+                <a:latin typeface="Arial"/>
+              </a:rPr>
+              <a:t> </a:t>
+            </a:r>
+            <a:r>
+              <a:rPr b="0" lang="en-US" sz="1600" spc="-1" strike="noStrike">
+                <a:latin typeface="Arial"/>
+              </a:rPr>
+              <a:t>o</a:t>
+            </a:r>
+            <a:r>
+              <a:rPr b="0" lang="en-US" sz="1600" spc="-1" strike="noStrike">
+                <a:latin typeface="Arial"/>
+              </a:rPr>
+              <a:t>f</a:t>
+            </a:r>
+            <a:r>
+              <a:rPr b="0" lang="en-US" sz="1600" spc="-1" strike="noStrike">
+                <a:latin typeface="Arial"/>
+              </a:rPr>
+              <a:t> </a:t>
+            </a:r>
+            <a:r>
+              <a:rPr b="0" lang="en-US" sz="1600" spc="-1" strike="noStrike">
+                <a:latin typeface="Arial"/>
+              </a:rPr>
+              <a:t>A</a:t>
+            </a:r>
+            <a:r>
+              <a:rPr b="0" lang="en-US" sz="1600" spc="-1" strike="noStrike">
+                <a:latin typeface="Arial"/>
+              </a:rPr>
+              <a:t>c</a:t>
+            </a:r>
+            <a:r>
+              <a:rPr b="0" lang="en-US" sz="1600" spc="-1" strike="noStrike">
+                <a:latin typeface="Arial"/>
+              </a:rPr>
+              <a:t>a</a:t>
+            </a:r>
+            <a:r>
+              <a:rPr b="0" lang="en-US" sz="1600" spc="-1" strike="noStrike">
+                <a:latin typeface="Arial"/>
+              </a:rPr>
+              <a:t>d</a:t>
+            </a:r>
+            <a:r>
+              <a:rPr b="0" lang="en-US" sz="1600" spc="-1" strike="noStrike">
+                <a:latin typeface="Arial"/>
+              </a:rPr>
+              <a:t>e</a:t>
+            </a:r>
+            <a:r>
+              <a:rPr b="0" lang="en-US" sz="1600" spc="-1" strike="noStrike">
+                <a:latin typeface="Arial"/>
+              </a:rPr>
+              <a:t>m</a:t>
+            </a:r>
+            <a:r>
+              <a:rPr b="0" lang="en-US" sz="1600" spc="-1" strike="noStrike">
+                <a:latin typeface="Arial"/>
+              </a:rPr>
+              <a:t>i</a:t>
+            </a:r>
+            <a:r>
+              <a:rPr b="0" lang="en-US" sz="1600" spc="-1" strike="noStrike">
+                <a:latin typeface="Arial"/>
+              </a:rPr>
+              <a:t>c</a:t>
+            </a:r>
+            <a:r>
+              <a:rPr b="0" lang="en-US" sz="1600" spc="-1" strike="noStrike">
+                <a:latin typeface="Arial"/>
+              </a:rPr>
+              <a:t> </a:t>
+            </a:r>
+            <a:r>
+              <a:rPr b="0" lang="en-US" sz="1600" spc="-1" strike="noStrike">
+                <a:latin typeface="Arial"/>
+              </a:rPr>
+              <a:t>E</a:t>
+            </a:r>
+            <a:r>
+              <a:rPr b="0" lang="en-US" sz="1600" spc="-1" strike="noStrike">
+                <a:latin typeface="Arial"/>
+              </a:rPr>
+              <a:t>x</a:t>
+            </a:r>
+            <a:r>
+              <a:rPr b="0" lang="en-US" sz="1600" spc="-1" strike="noStrike">
+                <a:latin typeface="Arial"/>
+              </a:rPr>
+              <a:t>c</a:t>
+            </a:r>
+            <a:r>
+              <a:rPr b="0" lang="en-US" sz="1600" spc="-1" strike="noStrike">
+                <a:latin typeface="Arial"/>
+              </a:rPr>
+              <a:t>e</a:t>
+            </a:r>
+            <a:r>
+              <a:rPr b="0" lang="en-US" sz="1600" spc="-1" strike="noStrike">
+                <a:latin typeface="Arial"/>
+              </a:rPr>
+              <a:t>l</a:t>
+            </a:r>
+            <a:r>
+              <a:rPr b="0" lang="en-US" sz="1600" spc="-1" strike="noStrike">
+                <a:latin typeface="Arial"/>
+              </a:rPr>
+              <a:t>l</a:t>
+            </a:r>
+            <a:r>
+              <a:rPr b="0" lang="en-US" sz="1600" spc="-1" strike="noStrike">
+                <a:latin typeface="Arial"/>
+              </a:rPr>
+              <a:t>e</a:t>
+            </a:r>
+            <a:r>
+              <a:rPr b="0" lang="en-US" sz="1600" spc="-1" strike="noStrike">
+                <a:latin typeface="Arial"/>
+              </a:rPr>
+              <a:t>n</a:t>
+            </a:r>
+            <a:r>
+              <a:rPr b="0" lang="en-US" sz="1600" spc="-1" strike="noStrike">
+                <a:latin typeface="Arial"/>
+              </a:rPr>
+              <a:t>c</a:t>
+            </a:r>
+            <a:r>
+              <a:rPr b="0" lang="en-US" sz="1600" spc="-1" strike="noStrike">
+                <a:latin typeface="Arial"/>
+              </a:rPr>
+              <a:t>e</a:t>
+            </a:r>
+            <a:r>
+              <a:rPr b="0" lang="en-US" sz="1600" spc="-1" strike="noStrike">
+                <a:latin typeface="Arial"/>
+              </a:rPr>
+              <a:t> </a:t>
+            </a:r>
+            <a:r>
+              <a:rPr b="0" lang="en-US" sz="1600" spc="-1" strike="noStrike">
+                <a:latin typeface="Arial"/>
+              </a:rPr>
+              <a:t>i</a:t>
+            </a:r>
+            <a:r>
+              <a:rPr b="0" lang="en-US" sz="1600" spc="-1" strike="noStrike">
+                <a:latin typeface="Arial"/>
+              </a:rPr>
+              <a:t>n</a:t>
+            </a:r>
+            <a:r>
+              <a:rPr b="0" lang="en-US" sz="1600" spc="-1" strike="noStrike">
+                <a:latin typeface="Arial"/>
+              </a:rPr>
+              <a:t> </a:t>
+            </a:r>
+            <a:r>
+              <a:rPr b="0" lang="en-US" sz="1600" spc="-1" strike="noStrike">
+                <a:latin typeface="Arial"/>
+              </a:rPr>
+              <a:t>C</a:t>
+            </a:r>
+            <a:r>
+              <a:rPr b="0" lang="en-US" sz="1600" spc="-1" strike="noStrike">
+                <a:latin typeface="Arial"/>
+              </a:rPr>
+              <a:t>y</a:t>
+            </a:r>
+            <a:r>
+              <a:rPr b="0" lang="en-US" sz="1600" spc="-1" strike="noStrike">
+                <a:latin typeface="Arial"/>
+              </a:rPr>
+              <a:t>b</a:t>
+            </a:r>
+            <a:r>
+              <a:rPr b="0" lang="en-US" sz="1600" spc="-1" strike="noStrike">
+                <a:latin typeface="Arial"/>
+              </a:rPr>
+              <a:t>e</a:t>
+            </a:r>
+            <a:r>
+              <a:rPr b="0" lang="en-US" sz="1600" spc="-1" strike="noStrike">
+                <a:latin typeface="Arial"/>
+              </a:rPr>
+              <a:t>r</a:t>
+            </a:r>
+            <a:r>
+              <a:rPr b="0" lang="en-US" sz="1600" spc="-1" strike="noStrike">
+                <a:latin typeface="Arial"/>
+              </a:rPr>
+              <a:t>s</a:t>
+            </a:r>
+            <a:r>
+              <a:rPr b="0" lang="en-US" sz="1600" spc="-1" strike="noStrike">
+                <a:latin typeface="Arial"/>
+              </a:rPr>
+              <a:t>e</a:t>
+            </a:r>
+            <a:r>
+              <a:rPr b="0" lang="en-US" sz="1600" spc="-1" strike="noStrike">
+                <a:latin typeface="Arial"/>
+              </a:rPr>
+              <a:t>c</a:t>
+            </a:r>
+            <a:r>
+              <a:rPr b="0" lang="en-US" sz="1600" spc="-1" strike="noStrike">
+                <a:latin typeface="Arial"/>
+              </a:rPr>
+              <a:t>u</a:t>
+            </a:r>
+            <a:r>
+              <a:rPr b="0" lang="en-US" sz="1600" spc="-1" strike="noStrike">
+                <a:latin typeface="Arial"/>
+              </a:rPr>
+              <a:t>r</a:t>
+            </a:r>
+            <a:r>
+              <a:rPr b="0" lang="en-US" sz="1600" spc="-1" strike="noStrike">
+                <a:latin typeface="Arial"/>
+              </a:rPr>
+              <a:t>i</a:t>
+            </a:r>
+            <a:r>
+              <a:rPr b="0" lang="en-US" sz="1600" spc="-1" strike="noStrike">
+                <a:latin typeface="Arial"/>
+              </a:rPr>
+              <a:t>t</a:t>
+            </a:r>
+            <a:r>
+              <a:rPr b="0" lang="en-US" sz="1600" spc="-1" strike="noStrike">
+                <a:latin typeface="Arial"/>
+              </a:rPr>
+              <a:t>y</a:t>
+            </a:r>
+            <a:r>
+              <a:rPr b="0" lang="en-US" sz="1600" spc="-1" strike="noStrike">
+                <a:latin typeface="Arial"/>
+              </a:rPr>
+              <a:t> </a:t>
+            </a:r>
+            <a:r>
+              <a:rPr b="0" lang="en-US" sz="1600" spc="-1" strike="noStrike">
+                <a:latin typeface="Arial"/>
+              </a:rPr>
+              <a:t>g</a:t>
+            </a:r>
+            <a:r>
+              <a:rPr b="0" lang="en-US" sz="1600" spc="-1" strike="noStrike">
+                <a:latin typeface="Arial"/>
+              </a:rPr>
+              <a:t>r</a:t>
+            </a:r>
+            <a:r>
+              <a:rPr b="0" lang="en-US" sz="1600" spc="-1" strike="noStrike">
+                <a:latin typeface="Arial"/>
+              </a:rPr>
+              <a:t>a</a:t>
+            </a:r>
+            <a:r>
+              <a:rPr b="0" lang="en-US" sz="1600" spc="-1" strike="noStrike">
+                <a:latin typeface="Arial"/>
+              </a:rPr>
+              <a:t>n</a:t>
+            </a:r>
+            <a:r>
+              <a:rPr b="0" lang="en-US" sz="1600" spc="-1" strike="noStrike">
+                <a:latin typeface="Arial"/>
+              </a:rPr>
+              <a:t>t</a:t>
+            </a:r>
+            <a:r>
+              <a:rPr b="0" lang="en-US" sz="1600" spc="-1" strike="noStrike">
+                <a:latin typeface="Arial"/>
+              </a:rPr>
+              <a:t> </a:t>
+            </a:r>
+            <a:r>
+              <a:rPr b="0" lang="en-US" sz="1600" spc="-1" strike="noStrike">
+                <a:latin typeface="Arial"/>
+              </a:rPr>
+              <a:t>(</a:t>
+            </a:r>
+            <a:r>
+              <a:rPr b="0" lang="en-US" sz="1600" spc="-1" strike="noStrike">
+                <a:latin typeface="Arial"/>
+              </a:rPr>
+              <a:t>H</a:t>
+            </a:r>
+            <a:r>
+              <a:rPr b="0" lang="en-US" sz="1600" spc="-1" strike="noStrike">
+                <a:latin typeface="Arial"/>
+              </a:rPr>
+              <a:t>9</a:t>
+            </a:r>
+            <a:r>
+              <a:rPr b="0" lang="en-US" sz="1600" spc="-1" strike="noStrike">
+                <a:latin typeface="Arial"/>
+              </a:rPr>
+              <a:t>8</a:t>
+            </a:r>
+            <a:r>
+              <a:rPr b="0" lang="en-US" sz="1600" spc="-1" strike="noStrike">
+                <a:latin typeface="Arial"/>
+              </a:rPr>
+              <a:t>2</a:t>
+            </a:r>
+            <a:r>
+              <a:rPr b="0" lang="en-US" sz="1600" spc="-1" strike="noStrike">
+                <a:latin typeface="Arial"/>
+              </a:rPr>
+              <a:t>3</a:t>
+            </a:r>
+            <a:r>
+              <a:rPr b="0" lang="en-US" sz="1600" spc="-1" strike="noStrike">
+                <a:latin typeface="Arial"/>
+              </a:rPr>
+              <a:t>0</a:t>
+            </a:r>
+            <a:r>
+              <a:rPr b="0" lang="en-US" sz="1600" spc="-1" strike="noStrike">
+                <a:latin typeface="Arial"/>
+              </a:rPr>
+              <a:t>-</a:t>
+            </a:r>
+            <a:r>
+              <a:rPr b="0" lang="en-US" sz="1600" spc="-1" strike="noStrike">
+                <a:latin typeface="Arial"/>
+              </a:rPr>
+              <a:t>2</a:t>
+            </a:r>
+            <a:r>
+              <a:rPr b="0" lang="en-US" sz="1600" spc="-1" strike="noStrike">
+                <a:latin typeface="Arial"/>
+              </a:rPr>
+              <a:t>2</a:t>
+            </a:r>
+            <a:r>
+              <a:rPr b="0" lang="en-US" sz="1600" spc="-1" strike="noStrike">
+                <a:latin typeface="Arial"/>
+              </a:rPr>
+              <a:t>-</a:t>
+            </a:r>
+            <a:r>
+              <a:rPr b="0" lang="en-US" sz="1600" spc="-1" strike="noStrike">
+                <a:latin typeface="Arial"/>
+              </a:rPr>
+              <a:t>1</a:t>
+            </a:r>
+            <a:r>
+              <a:rPr b="0" lang="en-US" sz="1600" spc="-1" strike="noStrike">
+                <a:latin typeface="Arial"/>
+              </a:rPr>
+              <a:t>-</a:t>
+            </a:r>
+            <a:r>
+              <a:rPr b="0" lang="en-US" sz="1600" spc="-1" strike="noStrike">
+                <a:latin typeface="Arial"/>
+              </a:rPr>
+              <a:t>0</a:t>
+            </a:r>
+            <a:r>
+              <a:rPr b="0" lang="en-US" sz="1600" spc="-1" strike="noStrike">
+                <a:latin typeface="Arial"/>
+              </a:rPr>
+              <a:t>3</a:t>
+            </a:r>
+            <a:r>
+              <a:rPr b="0" lang="en-US" sz="1600" spc="-1" strike="noStrike">
+                <a:latin typeface="Arial"/>
+              </a:rPr>
+              <a:t>0</a:t>
+            </a:r>
+            <a:r>
+              <a:rPr b="0" lang="en-US" sz="1600" spc="-1" strike="noStrike">
+                <a:latin typeface="Arial"/>
+              </a:rPr>
+              <a:t>7</a:t>
+            </a:r>
+            <a:r>
+              <a:rPr b="0" lang="en-US" sz="1600" spc="-1" strike="noStrike">
+                <a:latin typeface="Arial"/>
+              </a:rPr>
+              <a:t>)</a:t>
+            </a:r>
+            <a:r>
+              <a:rPr b="0" lang="en-US" sz="1600" spc="-1" strike="noStrike">
+                <a:latin typeface="Arial"/>
+              </a:rPr>
+              <a:t>.</a:t>
             </a:r>
             <a:endParaRPr b="0" lang="en-US" sz="1600" spc="-1" strike="noStrike">
               <a:latin typeface="Arial"/>

--- a/poster/2024 eCTF Poster Template (copy).pptx
+++ b/poster/2024 eCTF Poster Template (copy).pptx
@@ -67,139 +67,7 @@
               <a:rPr b="0" lang="en-US" sz="4400" spc="-1" strike="noStrike">
                 <a:latin typeface="Arial"/>
               </a:rPr>
-              <a:t>C</a:t>
-            </a:r>
-            <a:r>
-              <a:rPr b="0" lang="en-US" sz="4400" spc="-1" strike="noStrike">
-                <a:latin typeface="Arial"/>
-              </a:rPr>
-              <a:t>l</a:t>
-            </a:r>
-            <a:r>
-              <a:rPr b="0" lang="en-US" sz="4400" spc="-1" strike="noStrike">
-                <a:latin typeface="Arial"/>
-              </a:rPr>
-              <a:t>i</a:t>
-            </a:r>
-            <a:r>
-              <a:rPr b="0" lang="en-US" sz="4400" spc="-1" strike="noStrike">
-                <a:latin typeface="Arial"/>
-              </a:rPr>
-              <a:t>c</a:t>
-            </a:r>
-            <a:r>
-              <a:rPr b="0" lang="en-US" sz="4400" spc="-1" strike="noStrike">
-                <a:latin typeface="Arial"/>
-              </a:rPr>
-              <a:t>k</a:t>
-            </a:r>
-            <a:r>
-              <a:rPr b="0" lang="en-US" sz="4400" spc="-1" strike="noStrike">
-                <a:latin typeface="Arial"/>
-              </a:rPr>
-              <a:t> </a:t>
-            </a:r>
-            <a:r>
-              <a:rPr b="0" lang="en-US" sz="4400" spc="-1" strike="noStrike">
-                <a:latin typeface="Arial"/>
-              </a:rPr>
-              <a:t>t</a:t>
-            </a:r>
-            <a:r>
-              <a:rPr b="0" lang="en-US" sz="4400" spc="-1" strike="noStrike">
-                <a:latin typeface="Arial"/>
-              </a:rPr>
-              <a:t>o</a:t>
-            </a:r>
-            <a:r>
-              <a:rPr b="0" lang="en-US" sz="4400" spc="-1" strike="noStrike">
-                <a:latin typeface="Arial"/>
-              </a:rPr>
-              <a:t> </a:t>
-            </a:r>
-            <a:r>
-              <a:rPr b="0" lang="en-US" sz="4400" spc="-1" strike="noStrike">
-                <a:latin typeface="Arial"/>
-              </a:rPr>
-              <a:t>m</a:t>
-            </a:r>
-            <a:r>
-              <a:rPr b="0" lang="en-US" sz="4400" spc="-1" strike="noStrike">
-                <a:latin typeface="Arial"/>
-              </a:rPr>
-              <a:t>o</a:t>
-            </a:r>
-            <a:r>
-              <a:rPr b="0" lang="en-US" sz="4400" spc="-1" strike="noStrike">
-                <a:latin typeface="Arial"/>
-              </a:rPr>
-              <a:t>v</a:t>
-            </a:r>
-            <a:r>
-              <a:rPr b="0" lang="en-US" sz="4400" spc="-1" strike="noStrike">
-                <a:latin typeface="Arial"/>
-              </a:rPr>
-              <a:t>e</a:t>
-            </a:r>
-            <a:r>
-              <a:rPr b="0" lang="en-US" sz="4400" spc="-1" strike="noStrike">
-                <a:latin typeface="Arial"/>
-              </a:rPr>
-              <a:t> </a:t>
-            </a:r>
-            <a:r>
-              <a:rPr b="0" lang="en-US" sz="4400" spc="-1" strike="noStrike">
-                <a:latin typeface="Arial"/>
-              </a:rPr>
-              <a:t>t</a:t>
-            </a:r>
-            <a:r>
-              <a:rPr b="0" lang="en-US" sz="4400" spc="-1" strike="noStrike">
-                <a:latin typeface="Arial"/>
-              </a:rPr>
-              <a:t>h</a:t>
-            </a:r>
-            <a:r>
-              <a:rPr b="0" lang="en-US" sz="4400" spc="-1" strike="noStrike">
-                <a:latin typeface="Arial"/>
-              </a:rPr>
-              <a:t>e</a:t>
-            </a:r>
-            <a:r>
-              <a:rPr b="0" lang="en-US" sz="4400" spc="-1" strike="noStrike">
-                <a:latin typeface="Arial"/>
-              </a:rPr>
-              <a:t> </a:t>
-            </a:r>
-            <a:r>
-              <a:rPr b="0" lang="en-US" sz="4400" spc="-1" strike="noStrike">
-                <a:latin typeface="Arial"/>
-              </a:rPr>
-              <a:t>s</a:t>
-            </a:r>
-            <a:r>
-              <a:rPr b="0" lang="en-US" sz="4400" spc="-1" strike="noStrike">
-                <a:latin typeface="Arial"/>
-              </a:rPr>
-              <a:t>l</a:t>
-            </a:r>
-            <a:r>
-              <a:rPr b="0" lang="en-US" sz="4400" spc="-1" strike="noStrike">
-                <a:latin typeface="Arial"/>
-              </a:rPr>
-              <a:t>i</a:t>
-            </a:r>
-            <a:r>
-              <a:rPr b="0" lang="en-US" sz="4400" spc="-1" strike="noStrike">
-                <a:latin typeface="Arial"/>
-              </a:rPr>
-              <a:t>d</a:t>
-            </a:r>
-            <a:r>
-              <a:rPr b="0" lang="en-US" sz="4400" spc="-1" strike="noStrike">
-                <a:latin typeface="Arial"/>
-              </a:rPr>
-              <a:t>e</a:t>
+              <a:t>Click to move the slide</a:t>
             </a:r>
             <a:endParaRPr b="0" lang="en-US" sz="4400" spc="-1" strike="noStrike">
               <a:latin typeface="Arial"/>
@@ -239,181 +107,25 @@
               <a:rPr b="0" lang="en-US" sz="2000" spc="-1" strike="noStrike">
                 <a:latin typeface="Arial"/>
               </a:rPr>
-              <a:t>C</a:t>
+              <a:t>Click to </a:t>
             </a:r>
             <a:r>
               <a:rPr b="0" lang="en-US" sz="2000" spc="-1" strike="noStrike">
                 <a:latin typeface="Arial"/>
               </a:rPr>
-              <a:t>l</a:t>
+              <a:t>edit the </a:t>
             </a:r>
             <a:r>
               <a:rPr b="0" lang="en-US" sz="2000" spc="-1" strike="noStrike">
                 <a:latin typeface="Arial"/>
               </a:rPr>
-              <a:t>i</a:t>
+              <a:t>notes </a:t>
             </a:r>
             <a:r>
               <a:rPr b="0" lang="en-US" sz="2000" spc="-1" strike="noStrike">
                 <a:latin typeface="Arial"/>
               </a:rPr>
-              <a:t>c</a:t>
-            </a:r>
-            <a:r>
-              <a:rPr b="0" lang="en-US" sz="2000" spc="-1" strike="noStrike">
-                <a:latin typeface="Arial"/>
-              </a:rPr>
-              <a:t>k</a:t>
-            </a:r>
-            <a:r>
-              <a:rPr b="0" lang="en-US" sz="2000" spc="-1" strike="noStrike">
-                <a:latin typeface="Arial"/>
-              </a:rPr>
-              <a:t> </a:t>
-            </a:r>
-            <a:r>
-              <a:rPr b="0" lang="en-US" sz="2000" spc="-1" strike="noStrike">
-                <a:latin typeface="Arial"/>
-              </a:rPr>
-              <a:t>t</a:t>
-            </a:r>
-            <a:r>
-              <a:rPr b="0" lang="en-US" sz="2000" spc="-1" strike="noStrike">
-                <a:latin typeface="Arial"/>
-              </a:rPr>
-              <a:t>o</a:t>
-            </a:r>
-            <a:r>
-              <a:rPr b="0" lang="en-US" sz="2000" spc="-1" strike="noStrike">
-                <a:latin typeface="Arial"/>
-              </a:rPr>
-              <a:t> </a:t>
-            </a:r>
-            <a:r>
-              <a:rPr b="0" lang="en-US" sz="2000" spc="-1" strike="noStrike">
-                <a:latin typeface="Arial"/>
-              </a:rPr>
-              <a:t>e</a:t>
-            </a:r>
-            <a:r>
-              <a:rPr b="0" lang="en-US" sz="2000" spc="-1" strike="noStrike">
-                <a:latin typeface="Arial"/>
-              </a:rPr>
-              <a:t>d</a:t>
-            </a:r>
-            <a:r>
-              <a:rPr b="0" lang="en-US" sz="2000" spc="-1" strike="noStrike">
-                <a:latin typeface="Arial"/>
-              </a:rPr>
-              <a:t>i</a:t>
-            </a:r>
-            <a:r>
-              <a:rPr b="0" lang="en-US" sz="2000" spc="-1" strike="noStrike">
-                <a:latin typeface="Arial"/>
-              </a:rPr>
-              <a:t>t</a:t>
-            </a:r>
-            <a:r>
-              <a:rPr b="0" lang="en-US" sz="2000" spc="-1" strike="noStrike">
-                <a:latin typeface="Arial"/>
-              </a:rPr>
-              <a:t> </a:t>
-            </a:r>
-            <a:r>
-              <a:rPr b="0" lang="en-US" sz="2000" spc="-1" strike="noStrike">
-                <a:latin typeface="Arial"/>
-              </a:rPr>
-              <a:t>t</a:t>
-            </a:r>
-            <a:r>
-              <a:rPr b="0" lang="en-US" sz="2000" spc="-1" strike="noStrike">
-                <a:latin typeface="Arial"/>
-              </a:rPr>
-              <a:t>h</a:t>
-            </a:r>
-            <a:r>
-              <a:rPr b="0" lang="en-US" sz="2000" spc="-1" strike="noStrike">
-                <a:latin typeface="Arial"/>
-              </a:rPr>
-              <a:t>e</a:t>
-            </a:r>
-            <a:r>
-              <a:rPr b="0" lang="en-US" sz="2000" spc="-1" strike="noStrike">
-                <a:latin typeface="Arial"/>
-              </a:rPr>
-              <a:t> </a:t>
-            </a:r>
-            <a:r>
-              <a:rPr b="0" lang="en-US" sz="2000" spc="-1" strike="noStrike">
-                <a:latin typeface="Arial"/>
-              </a:rPr>
-              <a:t>n</a:t>
-            </a:r>
-            <a:r>
-              <a:rPr b="0" lang="en-US" sz="2000" spc="-1" strike="noStrike">
-                <a:latin typeface="Arial"/>
-              </a:rPr>
-              <a:t>o</a:t>
-            </a:r>
-            <a:r>
-              <a:rPr b="0" lang="en-US" sz="2000" spc="-1" strike="noStrike">
-                <a:latin typeface="Arial"/>
-              </a:rPr>
-              <a:t>t</a:t>
-            </a:r>
-            <a:r>
-              <a:rPr b="0" lang="en-US" sz="2000" spc="-1" strike="noStrike">
-                <a:latin typeface="Arial"/>
-              </a:rPr>
-              <a:t>e</a:t>
-            </a:r>
-            <a:r>
-              <a:rPr b="0" lang="en-US" sz="2000" spc="-1" strike="noStrike">
-                <a:latin typeface="Arial"/>
-              </a:rPr>
-              <a:t>s</a:t>
-            </a:r>
-            <a:r>
-              <a:rPr b="0" lang="en-US" sz="2000" spc="-1" strike="noStrike">
-                <a:latin typeface="Arial"/>
-              </a:rPr>
-              <a:t> </a:t>
-            </a:r>
-            <a:r>
-              <a:rPr b="0" lang="en-US" sz="2000" spc="-1" strike="noStrike">
-                <a:latin typeface="Arial"/>
-              </a:rPr>
-              <a:t>f</a:t>
-            </a:r>
-            <a:r>
-              <a:rPr b="0" lang="en-US" sz="2000" spc="-1" strike="noStrike">
-                <a:latin typeface="Arial"/>
-              </a:rPr>
-              <a:t>o</a:t>
-            </a:r>
-            <a:r>
-              <a:rPr b="0" lang="en-US" sz="2000" spc="-1" strike="noStrike">
-                <a:latin typeface="Arial"/>
-              </a:rPr>
-              <a:t>r</a:t>
-            </a:r>
-            <a:r>
-              <a:rPr b="0" lang="en-US" sz="2000" spc="-1" strike="noStrike">
-                <a:latin typeface="Arial"/>
-              </a:rPr>
-              <a:t>m</a:t>
-            </a:r>
-            <a:r>
-              <a:rPr b="0" lang="en-US" sz="2000" spc="-1" strike="noStrike">
-                <a:latin typeface="Arial"/>
-              </a:rPr>
-              <a:t>a</a:t>
-            </a:r>
-            <a:r>
-              <a:rPr b="0" lang="en-US" sz="2000" spc="-1" strike="noStrike">
-                <a:latin typeface="Arial"/>
-              </a:rPr>
-              <a:t>t</a:t>
+              <a:t>format</a:t>
             </a:r>
             <a:endParaRPr b="0" lang="en-US" sz="2000" spc="-1" strike="noStrike">
               <a:latin typeface="Arial"/>
@@ -598,7 +310,7 @@
             <a:pPr algn="r">
               <a:buNone/>
             </a:pPr>
-            <a:fld id="{735C148E-AD9F-4544-9FA2-51BBEC898BA8}" type="slidenum">
+            <a:fld id="{18DF186B-EDBB-40F3-B7C6-6A2F72348AA5}" type="slidenum">
               <a:rPr b="0" lang="en-US" sz="1400" spc="-1" strike="noStrike">
                 <a:latin typeface="Times New Roman"/>
               </a:rPr>
@@ -735,7 +447,7 @@
               </a:lnSpc>
               <a:buNone/>
             </a:pPr>
-            <a:fld id="{649E4110-64B4-48D3-8E35-29F86CB205B3}" type="slidenum">
+            <a:fld id="{B854E08E-22BC-43A2-A644-7953DF05E110}" type="slidenum">
               <a:rPr b="0" lang="en-US" sz="1200" spc="-1" strike="noStrike">
                 <a:latin typeface="Times New Roman"/>
               </a:rPr>
@@ -803,7 +515,7 @@
         <p:txBody>
           <a:bodyPr/>
           <a:p>
-            <a:fld id="{B9B2FFBF-2BA2-48A9-832E-3A0939ABC4D4}" type="slidenum">
+            <a:fld id="{1767EC3C-DA2F-4533-81C1-C92FD4647DE0}" type="slidenum">
               <a:t>&lt;#&gt;</a:t>
             </a:fld>
           </a:p>
@@ -991,7 +703,7 @@
         <p:txBody>
           <a:bodyPr/>
           <a:p>
-            <a:fld id="{19E5F17E-6D27-48D0-AA73-EF91A77D752E}" type="slidenum">
+            <a:fld id="{9A97AFC5-6415-49BE-A79B-842EDE179138}" type="slidenum">
               <a:t>&lt;#&gt;</a:t>
             </a:fld>
           </a:p>
@@ -1247,7 +959,7 @@
         <p:txBody>
           <a:bodyPr/>
           <a:p>
-            <a:fld id="{20E9D941-C4F6-4796-B29B-45893BF6C24C}" type="slidenum">
+            <a:fld id="{1A624CB4-620E-4B1B-8114-5EEC3AE150E7}" type="slidenum">
               <a:t>&lt;#&gt;</a:t>
             </a:fld>
           </a:p>
@@ -1571,7 +1283,7 @@
         <p:txBody>
           <a:bodyPr/>
           <a:p>
-            <a:fld id="{80E91537-9C54-43E3-91AE-C8AB5DC51876}" type="slidenum">
+            <a:fld id="{12324DC2-E2BD-494F-BB88-818D4F898A64}" type="slidenum">
               <a:t>&lt;#&gt;</a:t>
             </a:fld>
           </a:p>
@@ -1728,7 +1440,7 @@
         <p:txBody>
           <a:bodyPr/>
           <a:p>
-            <a:fld id="{C27664F6-B878-441A-8151-CB5816D779F8}" type="slidenum">
+            <a:fld id="{1058AB0C-9878-4D9D-96C9-097225716B8D}" type="slidenum">
               <a:t>&lt;#&gt;</a:t>
             </a:fld>
           </a:p>
@@ -1882,7 +1594,7 @@
         <p:txBody>
           <a:bodyPr/>
           <a:p>
-            <a:fld id="{2E160873-5FB8-438D-A64C-302549AA249F}" type="slidenum">
+            <a:fld id="{2484CA7E-C2BE-4E94-B48E-62767D036691}" type="slidenum">
               <a:t>&lt;#&gt;</a:t>
             </a:fld>
           </a:p>
@@ -2070,7 +1782,7 @@
         <p:txBody>
           <a:bodyPr/>
           <a:p>
-            <a:fld id="{2D45C413-40CD-4EA2-9872-33A55DEF5225}" type="slidenum">
+            <a:fld id="{3D79D172-1C26-4C1A-B290-AF6D477F631A}" type="slidenum">
               <a:t>&lt;#&gt;</a:t>
             </a:fld>
           </a:p>
@@ -2190,7 +1902,7 @@
         <p:txBody>
           <a:bodyPr/>
           <a:p>
-            <a:fld id="{5C207CBC-08FC-44D9-B924-D8E071A1557F}" type="slidenum">
+            <a:fld id="{B5551340-946D-4F36-8522-7DD73485FD6F}" type="slidenum">
               <a:t>&lt;#&gt;</a:t>
             </a:fld>
           </a:p>
@@ -2310,7 +2022,7 @@
         <p:txBody>
           <a:bodyPr/>
           <a:p>
-            <a:fld id="{3DC7F727-70FA-4A12-9ED5-8ED5DF425F0D}" type="slidenum">
+            <a:fld id="{F2C9EF04-8DDB-416D-90C0-246C52C24C53}" type="slidenum">
               <a:t>&lt;#&gt;</a:t>
             </a:fld>
           </a:p>
@@ -2532,7 +2244,7 @@
         <p:txBody>
           <a:bodyPr/>
           <a:p>
-            <a:fld id="{B7D34613-8FBE-4BDD-BF24-2D62E78C5534}" type="slidenum">
+            <a:fld id="{DBE71626-06E1-42E6-91ED-538102B932CE}" type="slidenum">
               <a:t>&lt;#&gt;</a:t>
             </a:fld>
           </a:p>
@@ -2754,7 +2466,7 @@
         <p:txBody>
           <a:bodyPr/>
           <a:p>
-            <a:fld id="{E007F9BF-8324-426D-8578-D0128FCA5F83}" type="slidenum">
+            <a:fld id="{A7536B2E-5B34-4466-8308-91BDEDC1BD99}" type="slidenum">
               <a:t>&lt;#&gt;</a:t>
             </a:fld>
           </a:p>
@@ -2976,7 +2688,7 @@
         <p:txBody>
           <a:bodyPr/>
           <a:p>
-            <a:fld id="{D03662E1-9ACA-45BD-B617-94389C073F05}" type="slidenum">
+            <a:fld id="{D74B491F-4034-426F-B8CA-DAB5247E8CC8}" type="slidenum">
               <a:t>&lt;#&gt;</a:t>
             </a:fld>
           </a:p>
@@ -3081,7 +2793,7 @@
               <a:rPr b="0" lang="en-US" sz="1400" spc="-1" strike="noStrike">
                 <a:latin typeface="Times New Roman"/>
               </a:rPr>
-              <a:t>&lt;footer&gt;</a:t>
+              <a:t> </a:t>
             </a:r>
             <a:endParaRPr b="0" lang="en-US" sz="1400" spc="-1" strike="noStrike">
               <a:latin typeface="Times New Roman"/>
@@ -3137,14 +2849,14 @@
               </a:lnSpc>
               <a:buNone/>
             </a:pPr>
-            <a:fld id="{4C04CE77-2CA4-47EA-B625-70DBB9528BDC}" type="slidenum">
+            <a:fld id="{0C9D83F3-D83D-4AD1-8D6B-5A49C9EC822A}" type="slidenum">
               <a:rPr b="0" lang="en-US" sz="2160" spc="-1" strike="noStrike">
                 <a:solidFill>
                   <a:srgbClr val="8b8b8b"/>
                 </a:solidFill>
                 <a:latin typeface="Arial"/>
               </a:rPr>
-              <a:t>&lt;number&gt;</a:t>
+              <a:t>1</a:t>
             </a:fld>
             <a:endParaRPr b="0" lang="en-US" sz="2160" spc="-1" strike="noStrike">
               <a:latin typeface="Times New Roman"/>
@@ -3191,7 +2903,7 @@
               <a:rPr b="0" lang="en-US" sz="1400" spc="-1" strike="noStrike">
                 <a:latin typeface="Times New Roman"/>
               </a:rPr>
-              <a:t>&lt;date/time&gt;</a:t>
+              <a:t> </a:t>
             </a:r>
             <a:endParaRPr b="0" lang="en-US" sz="1400" spc="-1" strike="noStrike">
               <a:latin typeface="Times New Roman"/>
@@ -7258,811 +6970,7 @@
               <a:rPr b="0" lang="en-US" sz="1600" spc="-1" strike="noStrike">
                 <a:latin typeface="Arial"/>
               </a:rPr>
-              <a:t>T</a:t>
-            </a:r>
-            <a:r>
-              <a:rPr b="0" lang="en-US" sz="1600" spc="-1" strike="noStrike">
-                <a:latin typeface="Arial"/>
-              </a:rPr>
-              <a:t>h</a:t>
-            </a:r>
-            <a:r>
-              <a:rPr b="0" lang="en-US" sz="1600" spc="-1" strike="noStrike">
-                <a:latin typeface="Arial"/>
-              </a:rPr>
-              <a:t>e</a:t>
-            </a:r>
-            <a:r>
-              <a:rPr b="0" lang="en-US" sz="1600" spc="-1" strike="noStrike">
-                <a:latin typeface="Arial"/>
-              </a:rPr>
-              <a:t> </a:t>
-            </a:r>
-            <a:r>
-              <a:rPr b="0" lang="en-US" sz="1600" spc="-1" strike="noStrike">
-                <a:latin typeface="Arial"/>
-              </a:rPr>
-              <a:t>r</a:t>
-            </a:r>
-            <a:r>
-              <a:rPr b="0" lang="en-US" sz="1600" spc="-1" strike="noStrike">
-                <a:latin typeface="Arial"/>
-              </a:rPr>
-              <a:t>e</a:t>
-            </a:r>
-            <a:r>
-              <a:rPr b="0" lang="en-US" sz="1600" spc="-1" strike="noStrike">
-                <a:latin typeface="Arial"/>
-              </a:rPr>
-              <a:t>s</a:t>
-            </a:r>
-            <a:r>
-              <a:rPr b="0" lang="en-US" sz="1600" spc="-1" strike="noStrike">
-                <a:latin typeface="Arial"/>
-              </a:rPr>
-              <a:t>e</a:t>
-            </a:r>
-            <a:r>
-              <a:rPr b="0" lang="en-US" sz="1600" spc="-1" strike="noStrike">
-                <a:latin typeface="Arial"/>
-              </a:rPr>
-              <a:t>a</a:t>
-            </a:r>
-            <a:r>
-              <a:rPr b="0" lang="en-US" sz="1600" spc="-1" strike="noStrike">
-                <a:latin typeface="Arial"/>
-              </a:rPr>
-              <a:t>r</a:t>
-            </a:r>
-            <a:r>
-              <a:rPr b="0" lang="en-US" sz="1600" spc="-1" strike="noStrike">
-                <a:latin typeface="Arial"/>
-              </a:rPr>
-              <a:t>c</a:t>
-            </a:r>
-            <a:r>
-              <a:rPr b="0" lang="en-US" sz="1600" spc="-1" strike="noStrike">
-                <a:latin typeface="Arial"/>
-              </a:rPr>
-              <a:t>h</a:t>
-            </a:r>
-            <a:r>
-              <a:rPr b="0" lang="en-US" sz="1600" spc="-1" strike="noStrike">
-                <a:latin typeface="Arial"/>
-              </a:rPr>
-              <a:t> </a:t>
-            </a:r>
-            <a:r>
-              <a:rPr b="0" lang="en-US" sz="1600" spc="-1" strike="noStrike">
-                <a:latin typeface="Arial"/>
-              </a:rPr>
-              <a:t>o</a:t>
-            </a:r>
-            <a:r>
-              <a:rPr b="0" lang="en-US" sz="1600" spc="-1" strike="noStrike">
-                <a:latin typeface="Arial"/>
-              </a:rPr>
-              <a:t>f</a:t>
-            </a:r>
-            <a:r>
-              <a:rPr b="0" lang="en-US" sz="1600" spc="-1" strike="noStrike">
-                <a:latin typeface="Arial"/>
-              </a:rPr>
-              <a:t> </a:t>
-            </a:r>
-            <a:r>
-              <a:rPr b="0" lang="en-US" sz="1600" spc="-1" strike="noStrike">
-                <a:latin typeface="Arial"/>
-              </a:rPr>
-              <a:t>T</a:t>
-            </a:r>
-            <a:r>
-              <a:rPr b="0" lang="en-US" sz="1600" spc="-1" strike="noStrike">
-                <a:latin typeface="Arial"/>
-              </a:rPr>
-              <a:t>e</a:t>
-            </a:r>
-            <a:r>
-              <a:rPr b="0" lang="en-US" sz="1600" spc="-1" strike="noStrike">
-                <a:latin typeface="Arial"/>
-              </a:rPr>
-              <a:t>a</a:t>
-            </a:r>
-            <a:r>
-              <a:rPr b="0" lang="en-US" sz="1600" spc="-1" strike="noStrike">
-                <a:latin typeface="Arial"/>
-              </a:rPr>
-              <a:t>m</a:t>
-            </a:r>
-            <a:r>
-              <a:rPr b="0" lang="en-US" sz="1600" spc="-1" strike="noStrike">
-                <a:latin typeface="Arial"/>
-              </a:rPr>
-              <a:t> </a:t>
-            </a:r>
-            <a:r>
-              <a:rPr b="0" lang="en-US" sz="1600" spc="-1" strike="noStrike">
-                <a:latin typeface="Arial"/>
-              </a:rPr>
-              <a:t>C</a:t>
-            </a:r>
-            <a:r>
-              <a:rPr b="0" lang="en-US" sz="1600" spc="-1" strike="noStrike">
-                <a:latin typeface="Arial"/>
-              </a:rPr>
-              <a:t>a</a:t>
-            </a:r>
-            <a:r>
-              <a:rPr b="0" lang="en-US" sz="1600" spc="-1" strike="noStrike">
-                <a:latin typeface="Arial"/>
-              </a:rPr>
-              <a:t>c</a:t>
-            </a:r>
-            <a:r>
-              <a:rPr b="0" lang="en-US" sz="1600" spc="-1" strike="noStrike">
-                <a:latin typeface="Arial"/>
-              </a:rPr>
-              <a:t>t</a:t>
-            </a:r>
-            <a:r>
-              <a:rPr b="0" lang="en-US" sz="1600" spc="-1" strike="noStrike">
-                <a:latin typeface="Arial"/>
-              </a:rPr>
-              <a:t>i</a:t>
-            </a:r>
-            <a:r>
-              <a:rPr b="0" lang="en-US" sz="1600" spc="-1" strike="noStrike">
-                <a:latin typeface="Arial"/>
-              </a:rPr>
-              <a:t> </a:t>
-            </a:r>
-            <a:r>
-              <a:rPr b="0" lang="en-US" sz="1600" spc="-1" strike="noStrike">
-                <a:latin typeface="Arial"/>
-              </a:rPr>
-              <a:t>i</a:t>
-            </a:r>
-            <a:r>
-              <a:rPr b="0" lang="en-US" sz="1600" spc="-1" strike="noStrike">
-                <a:latin typeface="Arial"/>
-              </a:rPr>
-              <a:t>s</a:t>
-            </a:r>
-            <a:r>
-              <a:rPr b="0" lang="en-US" sz="1600" spc="-1" strike="noStrike">
-                <a:latin typeface="Arial"/>
-              </a:rPr>
-              <a:t> </a:t>
-            </a:r>
-            <a:r>
-              <a:rPr b="0" lang="en-US" sz="1600" spc="-1" strike="noStrike">
-                <a:latin typeface="Arial"/>
-              </a:rPr>
-              <a:t>s</a:t>
-            </a:r>
-            <a:r>
-              <a:rPr b="0" lang="en-US" sz="1600" spc="-1" strike="noStrike">
-                <a:latin typeface="Arial"/>
-              </a:rPr>
-              <a:t>u</a:t>
-            </a:r>
-            <a:r>
-              <a:rPr b="0" lang="en-US" sz="1600" spc="-1" strike="noStrike">
-                <a:latin typeface="Arial"/>
-              </a:rPr>
-              <a:t>p</a:t>
-            </a:r>
-            <a:r>
-              <a:rPr b="0" lang="en-US" sz="1600" spc="-1" strike="noStrike">
-                <a:latin typeface="Arial"/>
-              </a:rPr>
-              <a:t>p</a:t>
-            </a:r>
-            <a:r>
-              <a:rPr b="0" lang="en-US" sz="1600" spc="-1" strike="noStrike">
-                <a:latin typeface="Arial"/>
-              </a:rPr>
-              <a:t>o</a:t>
-            </a:r>
-            <a:r>
-              <a:rPr b="0" lang="en-US" sz="1600" spc="-1" strike="noStrike">
-                <a:latin typeface="Arial"/>
-              </a:rPr>
-              <a:t>r</a:t>
-            </a:r>
-            <a:r>
-              <a:rPr b="0" lang="en-US" sz="1600" spc="-1" strike="noStrike">
-                <a:latin typeface="Arial"/>
-              </a:rPr>
-              <a:t>t</a:t>
-            </a:r>
-            <a:r>
-              <a:rPr b="0" lang="en-US" sz="1600" spc="-1" strike="noStrike">
-                <a:latin typeface="Arial"/>
-              </a:rPr>
-              <a:t>e</a:t>
-            </a:r>
-            <a:r>
-              <a:rPr b="0" lang="en-US" sz="1600" spc="-1" strike="noStrike">
-                <a:latin typeface="Arial"/>
-              </a:rPr>
-              <a:t>d</a:t>
-            </a:r>
-            <a:r>
-              <a:rPr b="0" lang="en-US" sz="1600" spc="-1" strike="noStrike">
-                <a:latin typeface="Arial"/>
-              </a:rPr>
-              <a:t> </a:t>
-            </a:r>
-            <a:r>
-              <a:rPr b="0" lang="en-US" sz="1600" spc="-1" strike="noStrike">
-                <a:latin typeface="Arial"/>
-              </a:rPr>
-              <a:t>i</a:t>
-            </a:r>
-            <a:r>
-              <a:rPr b="0" lang="en-US" sz="1600" spc="-1" strike="noStrike">
-                <a:latin typeface="Arial"/>
-              </a:rPr>
-              <a:t>n</a:t>
-            </a:r>
-            <a:r>
-              <a:rPr b="0" lang="en-US" sz="1600" spc="-1" strike="noStrike">
-                <a:latin typeface="Arial"/>
-              </a:rPr>
-              <a:t> </a:t>
-            </a:r>
-            <a:r>
-              <a:rPr b="0" lang="en-US" sz="1600" spc="-1" strike="noStrike">
-                <a:latin typeface="Arial"/>
-              </a:rPr>
-              <a:t>p</a:t>
-            </a:r>
-            <a:r>
-              <a:rPr b="0" lang="en-US" sz="1600" spc="-1" strike="noStrike">
-                <a:latin typeface="Arial"/>
-              </a:rPr>
-              <a:t>a</a:t>
-            </a:r>
-            <a:r>
-              <a:rPr b="0" lang="en-US" sz="1600" spc="-1" strike="noStrike">
-                <a:latin typeface="Arial"/>
-              </a:rPr>
-              <a:t>r</a:t>
-            </a:r>
-            <a:r>
-              <a:rPr b="0" lang="en-US" sz="1600" spc="-1" strike="noStrike">
-                <a:latin typeface="Arial"/>
-              </a:rPr>
-              <a:t>t</a:t>
-            </a:r>
-            <a:r>
-              <a:rPr b="0" lang="en-US" sz="1600" spc="-1" strike="noStrike">
-                <a:latin typeface="Arial"/>
-              </a:rPr>
-              <a:t> </a:t>
-            </a:r>
-            <a:r>
-              <a:rPr b="0" lang="en-US" sz="1600" spc="-1" strike="noStrike">
-                <a:latin typeface="Arial"/>
-              </a:rPr>
-              <a:t>b</a:t>
-            </a:r>
-            <a:r>
-              <a:rPr b="0" lang="en-US" sz="1600" spc="-1" strike="noStrike">
-                <a:latin typeface="Arial"/>
-              </a:rPr>
-              <a:t>y</a:t>
-            </a:r>
-            <a:r>
-              <a:rPr b="0" lang="en-US" sz="1600" spc="-1" strike="noStrike">
-                <a:latin typeface="Arial"/>
-              </a:rPr>
-              <a:t> </a:t>
-            </a:r>
-            <a:r>
-              <a:rPr b="0" lang="en-US" sz="1600" spc="-1" strike="noStrike">
-                <a:latin typeface="Arial"/>
-              </a:rPr>
-              <a:t>a</a:t>
-            </a:r>
-            <a:r>
-              <a:rPr b="0" lang="en-US" sz="1600" spc="-1" strike="noStrike">
-                <a:latin typeface="Arial"/>
-              </a:rPr>
-              <a:t> </a:t>
-            </a:r>
-            <a:r>
-              <a:rPr b="0" lang="en-US" sz="1600" spc="-1" strike="noStrike">
-                <a:latin typeface="Arial"/>
-              </a:rPr>
-              <a:t>N</a:t>
-            </a:r>
-            <a:r>
-              <a:rPr b="0" lang="en-US" sz="1600" spc="-1" strike="noStrike">
-                <a:latin typeface="Arial"/>
-              </a:rPr>
-              <a:t>a</a:t>
-            </a:r>
-            <a:r>
-              <a:rPr b="0" lang="en-US" sz="1600" spc="-1" strike="noStrike">
-                <a:latin typeface="Arial"/>
-              </a:rPr>
-              <a:t>t</a:t>
-            </a:r>
-            <a:r>
-              <a:rPr b="0" lang="en-US" sz="1600" spc="-1" strike="noStrike">
-                <a:latin typeface="Arial"/>
-              </a:rPr>
-              <a:t>i</a:t>
-            </a:r>
-            <a:r>
-              <a:rPr b="0" lang="en-US" sz="1600" spc="-1" strike="noStrike">
-                <a:latin typeface="Arial"/>
-              </a:rPr>
-              <a:t>o</a:t>
-            </a:r>
-            <a:r>
-              <a:rPr b="0" lang="en-US" sz="1600" spc="-1" strike="noStrike">
-                <a:latin typeface="Arial"/>
-              </a:rPr>
-              <a:t>n</a:t>
-            </a:r>
-            <a:r>
-              <a:rPr b="0" lang="en-US" sz="1600" spc="-1" strike="noStrike">
-                <a:latin typeface="Arial"/>
-              </a:rPr>
-              <a:t>a</a:t>
-            </a:r>
-            <a:r>
-              <a:rPr b="0" lang="en-US" sz="1600" spc="-1" strike="noStrike">
-                <a:latin typeface="Arial"/>
-              </a:rPr>
-              <a:t>l</a:t>
-            </a:r>
-            <a:r>
-              <a:rPr b="0" lang="en-US" sz="1600" spc="-1" strike="noStrike">
-                <a:latin typeface="Arial"/>
-              </a:rPr>
-              <a:t> </a:t>
-            </a:r>
-            <a:r>
-              <a:rPr b="0" lang="en-US" sz="1600" spc="-1" strike="noStrike">
-                <a:latin typeface="Arial"/>
-              </a:rPr>
-              <a:t>C</a:t>
-            </a:r>
-            <a:r>
-              <a:rPr b="0" lang="en-US" sz="1600" spc="-1" strike="noStrike">
-                <a:latin typeface="Arial"/>
-              </a:rPr>
-              <a:t>e</a:t>
-            </a:r>
-            <a:r>
-              <a:rPr b="0" lang="en-US" sz="1600" spc="-1" strike="noStrike">
-                <a:latin typeface="Arial"/>
-              </a:rPr>
-              <a:t>n</a:t>
-            </a:r>
-            <a:r>
-              <a:rPr b="0" lang="en-US" sz="1600" spc="-1" strike="noStrike">
-                <a:latin typeface="Arial"/>
-              </a:rPr>
-              <a:t>t</a:t>
-            </a:r>
-            <a:r>
-              <a:rPr b="0" lang="en-US" sz="1600" spc="-1" strike="noStrike">
-                <a:latin typeface="Arial"/>
-              </a:rPr>
-              <a:t>e</a:t>
-            </a:r>
-            <a:r>
-              <a:rPr b="0" lang="en-US" sz="1600" spc="-1" strike="noStrike">
-                <a:latin typeface="Arial"/>
-              </a:rPr>
-              <a:t>r</a:t>
-            </a:r>
-            <a:r>
-              <a:rPr b="0" lang="en-US" sz="1600" spc="-1" strike="noStrike">
-                <a:latin typeface="Arial"/>
-              </a:rPr>
-              <a:t>s</a:t>
-            </a:r>
-            <a:r>
-              <a:rPr b="0" lang="en-US" sz="1600" spc="-1" strike="noStrike">
-                <a:latin typeface="Arial"/>
-              </a:rPr>
-              <a:t> </a:t>
-            </a:r>
-            <a:r>
-              <a:rPr b="0" lang="en-US" sz="1600" spc="-1" strike="noStrike">
-                <a:latin typeface="Arial"/>
-              </a:rPr>
-              <a:t>o</a:t>
-            </a:r>
-            <a:r>
-              <a:rPr b="0" lang="en-US" sz="1600" spc="-1" strike="noStrike">
-                <a:latin typeface="Arial"/>
-              </a:rPr>
-              <a:t>f</a:t>
-            </a:r>
-            <a:r>
-              <a:rPr b="0" lang="en-US" sz="1600" spc="-1" strike="noStrike">
-                <a:latin typeface="Arial"/>
-              </a:rPr>
-              <a:t> </a:t>
-            </a:r>
-            <a:r>
-              <a:rPr b="0" lang="en-US" sz="1600" spc="-1" strike="noStrike">
-                <a:latin typeface="Arial"/>
-              </a:rPr>
-              <a:t>A</a:t>
-            </a:r>
-            <a:r>
-              <a:rPr b="0" lang="en-US" sz="1600" spc="-1" strike="noStrike">
-                <a:latin typeface="Arial"/>
-              </a:rPr>
-              <a:t>c</a:t>
-            </a:r>
-            <a:r>
-              <a:rPr b="0" lang="en-US" sz="1600" spc="-1" strike="noStrike">
-                <a:latin typeface="Arial"/>
-              </a:rPr>
-              <a:t>a</a:t>
-            </a:r>
-            <a:r>
-              <a:rPr b="0" lang="en-US" sz="1600" spc="-1" strike="noStrike">
-                <a:latin typeface="Arial"/>
-              </a:rPr>
-              <a:t>d</a:t>
-            </a:r>
-            <a:r>
-              <a:rPr b="0" lang="en-US" sz="1600" spc="-1" strike="noStrike">
-                <a:latin typeface="Arial"/>
-              </a:rPr>
-              <a:t>e</a:t>
-            </a:r>
-            <a:r>
-              <a:rPr b="0" lang="en-US" sz="1600" spc="-1" strike="noStrike">
-                <a:latin typeface="Arial"/>
-              </a:rPr>
-              <a:t>m</a:t>
-            </a:r>
-            <a:r>
-              <a:rPr b="0" lang="en-US" sz="1600" spc="-1" strike="noStrike">
-                <a:latin typeface="Arial"/>
-              </a:rPr>
-              <a:t>i</a:t>
-            </a:r>
-            <a:r>
-              <a:rPr b="0" lang="en-US" sz="1600" spc="-1" strike="noStrike">
-                <a:latin typeface="Arial"/>
-              </a:rPr>
-              <a:t>c</a:t>
-            </a:r>
-            <a:r>
-              <a:rPr b="0" lang="en-US" sz="1600" spc="-1" strike="noStrike">
-                <a:latin typeface="Arial"/>
-              </a:rPr>
-              <a:t> </a:t>
-            </a:r>
-            <a:r>
-              <a:rPr b="0" lang="en-US" sz="1600" spc="-1" strike="noStrike">
-                <a:latin typeface="Arial"/>
-              </a:rPr>
-              <a:t>E</a:t>
-            </a:r>
-            <a:r>
-              <a:rPr b="0" lang="en-US" sz="1600" spc="-1" strike="noStrike">
-                <a:latin typeface="Arial"/>
-              </a:rPr>
-              <a:t>x</a:t>
-            </a:r>
-            <a:r>
-              <a:rPr b="0" lang="en-US" sz="1600" spc="-1" strike="noStrike">
-                <a:latin typeface="Arial"/>
-              </a:rPr>
-              <a:t>c</a:t>
-            </a:r>
-            <a:r>
-              <a:rPr b="0" lang="en-US" sz="1600" spc="-1" strike="noStrike">
-                <a:latin typeface="Arial"/>
-              </a:rPr>
-              <a:t>e</a:t>
-            </a:r>
-            <a:r>
-              <a:rPr b="0" lang="en-US" sz="1600" spc="-1" strike="noStrike">
-                <a:latin typeface="Arial"/>
-              </a:rPr>
-              <a:t>l</a:t>
-            </a:r>
-            <a:r>
-              <a:rPr b="0" lang="en-US" sz="1600" spc="-1" strike="noStrike">
-                <a:latin typeface="Arial"/>
-              </a:rPr>
-              <a:t>l</a:t>
-            </a:r>
-            <a:r>
-              <a:rPr b="0" lang="en-US" sz="1600" spc="-1" strike="noStrike">
-                <a:latin typeface="Arial"/>
-              </a:rPr>
-              <a:t>e</a:t>
-            </a:r>
-            <a:r>
-              <a:rPr b="0" lang="en-US" sz="1600" spc="-1" strike="noStrike">
-                <a:latin typeface="Arial"/>
-              </a:rPr>
-              <a:t>n</a:t>
-            </a:r>
-            <a:r>
-              <a:rPr b="0" lang="en-US" sz="1600" spc="-1" strike="noStrike">
-                <a:latin typeface="Arial"/>
-              </a:rPr>
-              <a:t>c</a:t>
-            </a:r>
-            <a:r>
-              <a:rPr b="0" lang="en-US" sz="1600" spc="-1" strike="noStrike">
-                <a:latin typeface="Arial"/>
-              </a:rPr>
-              <a:t>e</a:t>
-            </a:r>
-            <a:r>
-              <a:rPr b="0" lang="en-US" sz="1600" spc="-1" strike="noStrike">
-                <a:latin typeface="Arial"/>
-              </a:rPr>
-              <a:t> </a:t>
-            </a:r>
-            <a:r>
-              <a:rPr b="0" lang="en-US" sz="1600" spc="-1" strike="noStrike">
-                <a:latin typeface="Arial"/>
-              </a:rPr>
-              <a:t>i</a:t>
-            </a:r>
-            <a:r>
-              <a:rPr b="0" lang="en-US" sz="1600" spc="-1" strike="noStrike">
-                <a:latin typeface="Arial"/>
-              </a:rPr>
-              <a:t>n</a:t>
-            </a:r>
-            <a:r>
-              <a:rPr b="0" lang="en-US" sz="1600" spc="-1" strike="noStrike">
-                <a:latin typeface="Arial"/>
-              </a:rPr>
-              <a:t> </a:t>
-            </a:r>
-            <a:r>
-              <a:rPr b="0" lang="en-US" sz="1600" spc="-1" strike="noStrike">
-                <a:latin typeface="Arial"/>
-              </a:rPr>
-              <a:t>C</a:t>
-            </a:r>
-            <a:r>
-              <a:rPr b="0" lang="en-US" sz="1600" spc="-1" strike="noStrike">
-                <a:latin typeface="Arial"/>
-              </a:rPr>
-              <a:t>y</a:t>
-            </a:r>
-            <a:r>
-              <a:rPr b="0" lang="en-US" sz="1600" spc="-1" strike="noStrike">
-                <a:latin typeface="Arial"/>
-              </a:rPr>
-              <a:t>b</a:t>
-            </a:r>
-            <a:r>
-              <a:rPr b="0" lang="en-US" sz="1600" spc="-1" strike="noStrike">
-                <a:latin typeface="Arial"/>
-              </a:rPr>
-              <a:t>e</a:t>
-            </a:r>
-            <a:r>
-              <a:rPr b="0" lang="en-US" sz="1600" spc="-1" strike="noStrike">
-                <a:latin typeface="Arial"/>
-              </a:rPr>
-              <a:t>r</a:t>
-            </a:r>
-            <a:r>
-              <a:rPr b="0" lang="en-US" sz="1600" spc="-1" strike="noStrike">
-                <a:latin typeface="Arial"/>
-              </a:rPr>
-              <a:t>s</a:t>
-            </a:r>
-            <a:r>
-              <a:rPr b="0" lang="en-US" sz="1600" spc="-1" strike="noStrike">
-                <a:latin typeface="Arial"/>
-              </a:rPr>
-              <a:t>e</a:t>
-            </a:r>
-            <a:r>
-              <a:rPr b="0" lang="en-US" sz="1600" spc="-1" strike="noStrike">
-                <a:latin typeface="Arial"/>
-              </a:rPr>
-              <a:t>c</a:t>
-            </a:r>
-            <a:r>
-              <a:rPr b="0" lang="en-US" sz="1600" spc="-1" strike="noStrike">
-                <a:latin typeface="Arial"/>
-              </a:rPr>
-              <a:t>u</a:t>
-            </a:r>
-            <a:r>
-              <a:rPr b="0" lang="en-US" sz="1600" spc="-1" strike="noStrike">
-                <a:latin typeface="Arial"/>
-              </a:rPr>
-              <a:t>r</a:t>
-            </a:r>
-            <a:r>
-              <a:rPr b="0" lang="en-US" sz="1600" spc="-1" strike="noStrike">
-                <a:latin typeface="Arial"/>
-              </a:rPr>
-              <a:t>i</a:t>
-            </a:r>
-            <a:r>
-              <a:rPr b="0" lang="en-US" sz="1600" spc="-1" strike="noStrike">
-                <a:latin typeface="Arial"/>
-              </a:rPr>
-              <a:t>t</a:t>
-            </a:r>
-            <a:r>
-              <a:rPr b="0" lang="en-US" sz="1600" spc="-1" strike="noStrike">
-                <a:latin typeface="Arial"/>
-              </a:rPr>
-              <a:t>y</a:t>
-            </a:r>
-            <a:r>
-              <a:rPr b="0" lang="en-US" sz="1600" spc="-1" strike="noStrike">
-                <a:latin typeface="Arial"/>
-              </a:rPr>
-              <a:t> </a:t>
-            </a:r>
-            <a:r>
-              <a:rPr b="0" lang="en-US" sz="1600" spc="-1" strike="noStrike">
-                <a:latin typeface="Arial"/>
-              </a:rPr>
-              <a:t>g</a:t>
-            </a:r>
-            <a:r>
-              <a:rPr b="0" lang="en-US" sz="1600" spc="-1" strike="noStrike">
-                <a:latin typeface="Arial"/>
-              </a:rPr>
-              <a:t>r</a:t>
-            </a:r>
-            <a:r>
-              <a:rPr b="0" lang="en-US" sz="1600" spc="-1" strike="noStrike">
-                <a:latin typeface="Arial"/>
-              </a:rPr>
-              <a:t>a</a:t>
-            </a:r>
-            <a:r>
-              <a:rPr b="0" lang="en-US" sz="1600" spc="-1" strike="noStrike">
-                <a:latin typeface="Arial"/>
-              </a:rPr>
-              <a:t>n</a:t>
-            </a:r>
-            <a:r>
-              <a:rPr b="0" lang="en-US" sz="1600" spc="-1" strike="noStrike">
-                <a:latin typeface="Arial"/>
-              </a:rPr>
-              <a:t>t</a:t>
-            </a:r>
-            <a:r>
-              <a:rPr b="0" lang="en-US" sz="1600" spc="-1" strike="noStrike">
-                <a:latin typeface="Arial"/>
-              </a:rPr>
-              <a:t> </a:t>
-            </a:r>
-            <a:r>
-              <a:rPr b="0" lang="en-US" sz="1600" spc="-1" strike="noStrike">
-                <a:latin typeface="Arial"/>
-              </a:rPr>
-              <a:t>(</a:t>
-            </a:r>
-            <a:r>
-              <a:rPr b="0" lang="en-US" sz="1600" spc="-1" strike="noStrike">
-                <a:latin typeface="Arial"/>
-              </a:rPr>
-              <a:t>H</a:t>
-            </a:r>
-            <a:r>
-              <a:rPr b="0" lang="en-US" sz="1600" spc="-1" strike="noStrike">
-                <a:latin typeface="Arial"/>
-              </a:rPr>
-              <a:t>9</a:t>
-            </a:r>
-            <a:r>
-              <a:rPr b="0" lang="en-US" sz="1600" spc="-1" strike="noStrike">
-                <a:latin typeface="Arial"/>
-              </a:rPr>
-              <a:t>8</a:t>
-            </a:r>
-            <a:r>
-              <a:rPr b="0" lang="en-US" sz="1600" spc="-1" strike="noStrike">
-                <a:latin typeface="Arial"/>
-              </a:rPr>
-              <a:t>2</a:t>
-            </a:r>
-            <a:r>
-              <a:rPr b="0" lang="en-US" sz="1600" spc="-1" strike="noStrike">
-                <a:latin typeface="Arial"/>
-              </a:rPr>
-              <a:t>3</a:t>
-            </a:r>
-            <a:r>
-              <a:rPr b="0" lang="en-US" sz="1600" spc="-1" strike="noStrike">
-                <a:latin typeface="Arial"/>
-              </a:rPr>
-              <a:t>0</a:t>
-            </a:r>
-            <a:r>
-              <a:rPr b="0" lang="en-US" sz="1600" spc="-1" strike="noStrike">
-                <a:latin typeface="Arial"/>
-              </a:rPr>
-              <a:t>-</a:t>
-            </a:r>
-            <a:r>
-              <a:rPr b="0" lang="en-US" sz="1600" spc="-1" strike="noStrike">
-                <a:latin typeface="Arial"/>
-              </a:rPr>
-              <a:t>2</a:t>
-            </a:r>
-            <a:r>
-              <a:rPr b="0" lang="en-US" sz="1600" spc="-1" strike="noStrike">
-                <a:latin typeface="Arial"/>
-              </a:rPr>
-              <a:t>2</a:t>
-            </a:r>
-            <a:r>
-              <a:rPr b="0" lang="en-US" sz="1600" spc="-1" strike="noStrike">
-                <a:latin typeface="Arial"/>
-              </a:rPr>
-              <a:t>-</a:t>
-            </a:r>
-            <a:r>
-              <a:rPr b="0" lang="en-US" sz="1600" spc="-1" strike="noStrike">
-                <a:latin typeface="Arial"/>
-              </a:rPr>
-              <a:t>1</a:t>
-            </a:r>
-            <a:r>
-              <a:rPr b="0" lang="en-US" sz="1600" spc="-1" strike="noStrike">
-                <a:latin typeface="Arial"/>
-              </a:rPr>
-              <a:t>-</a:t>
-            </a:r>
-            <a:r>
-              <a:rPr b="0" lang="en-US" sz="1600" spc="-1" strike="noStrike">
-                <a:latin typeface="Arial"/>
-              </a:rPr>
-              <a:t>0</a:t>
-            </a:r>
-            <a:r>
-              <a:rPr b="0" lang="en-US" sz="1600" spc="-1" strike="noStrike">
-                <a:latin typeface="Arial"/>
-              </a:rPr>
-              <a:t>3</a:t>
-            </a:r>
-            <a:r>
-              <a:rPr b="0" lang="en-US" sz="1600" spc="-1" strike="noStrike">
-                <a:latin typeface="Arial"/>
-              </a:rPr>
-              <a:t>0</a:t>
-            </a:r>
-            <a:r>
-              <a:rPr b="0" lang="en-US" sz="1600" spc="-1" strike="noStrike">
-                <a:latin typeface="Arial"/>
-              </a:rPr>
-              <a:t>7</a:t>
-            </a:r>
-            <a:r>
-              <a:rPr b="0" lang="en-US" sz="1600" spc="-1" strike="noStrike">
-                <a:latin typeface="Arial"/>
-              </a:rPr>
-              <a:t>)</a:t>
-            </a:r>
-            <a:r>
-              <a:rPr b="0" lang="en-US" sz="1600" spc="-1" strike="noStrike">
-                <a:latin typeface="Arial"/>
-              </a:rPr>
-              <a:t>.</a:t>
+              <a:t>The research of Team Cacti is supported in part by a National Centers of Academic Excellence in Cybersecurity grant (H98230-22-1-0307).</a:t>
             </a:r>
             <a:endParaRPr b="0" lang="en-US" sz="1600" spc="-1" strike="noStrike">
               <a:latin typeface="Arial"/>
